--- a/Slides/figures.pptx
+++ b/Slides/figures.pptx
@@ -9,6 +9,9 @@
     <p:sldId id="257" r:id="rId4"/>
     <p:sldId id="258" r:id="rId5"/>
     <p:sldId id="259" r:id="rId6"/>
+    <p:sldId id="260" r:id="rId7"/>
+    <p:sldId id="262" r:id="rId8"/>
+    <p:sldId id="261" r:id="rId9"/>
   </p:sldIdLst>
   <p:sldSz cx="12192000" cy="6858000"/>
   <p:notesSz cx="6858000" cy="9144000"/>
@@ -107,6 +110,11 @@
       </a:defRPr>
     </a:lvl9pPr>
   </p:defaultTextStyle>
+  <p:extLst>
+    <p:ext uri="{EFAFB233-063F-42B5-8137-9DF3F51BA10A}">
+      <p15:sldGuideLst xmlns:p15="http://schemas.microsoft.com/office/powerpoint/2012/main"/>
+    </p:ext>
+  </p:extLst>
 </p:presentation>
 </file>
 
@@ -257,7 +265,7 @@
           <a:p>
             <a:fld id="{61C71226-6BCE-43B6-9B8C-D352B0229DA2}" type="datetimeFigureOut">
               <a:rPr lang="en-US" smtClean="0"/>
-              <a:t>7/11/2020</a:t>
+              <a:t>7/16/2020</a:t>
             </a:fld>
             <a:endParaRPr lang="en-US"/>
           </a:p>
@@ -455,7 +463,7 @@
           <a:p>
             <a:fld id="{61C71226-6BCE-43B6-9B8C-D352B0229DA2}" type="datetimeFigureOut">
               <a:rPr lang="en-US" smtClean="0"/>
-              <a:t>7/11/2020</a:t>
+              <a:t>7/16/2020</a:t>
             </a:fld>
             <a:endParaRPr lang="en-US"/>
           </a:p>
@@ -663,7 +671,7 @@
           <a:p>
             <a:fld id="{61C71226-6BCE-43B6-9B8C-D352B0229DA2}" type="datetimeFigureOut">
               <a:rPr lang="en-US" smtClean="0"/>
-              <a:t>7/11/2020</a:t>
+              <a:t>7/16/2020</a:t>
             </a:fld>
             <a:endParaRPr lang="en-US"/>
           </a:p>
@@ -861,7 +869,7 @@
           <a:p>
             <a:fld id="{61C71226-6BCE-43B6-9B8C-D352B0229DA2}" type="datetimeFigureOut">
               <a:rPr lang="en-US" smtClean="0"/>
-              <a:t>7/11/2020</a:t>
+              <a:t>7/16/2020</a:t>
             </a:fld>
             <a:endParaRPr lang="en-US"/>
           </a:p>
@@ -1136,7 +1144,7 @@
           <a:p>
             <a:fld id="{61C71226-6BCE-43B6-9B8C-D352B0229DA2}" type="datetimeFigureOut">
               <a:rPr lang="en-US" smtClean="0"/>
-              <a:t>7/11/2020</a:t>
+              <a:t>7/16/2020</a:t>
             </a:fld>
             <a:endParaRPr lang="en-US"/>
           </a:p>
@@ -1401,7 +1409,7 @@
           <a:p>
             <a:fld id="{61C71226-6BCE-43B6-9B8C-D352B0229DA2}" type="datetimeFigureOut">
               <a:rPr lang="en-US" smtClean="0"/>
-              <a:t>7/11/2020</a:t>
+              <a:t>7/16/2020</a:t>
             </a:fld>
             <a:endParaRPr lang="en-US"/>
           </a:p>
@@ -1813,7 +1821,7 @@
           <a:p>
             <a:fld id="{61C71226-6BCE-43B6-9B8C-D352B0229DA2}" type="datetimeFigureOut">
               <a:rPr lang="en-US" smtClean="0"/>
-              <a:t>7/11/2020</a:t>
+              <a:t>7/16/2020</a:t>
             </a:fld>
             <a:endParaRPr lang="en-US"/>
           </a:p>
@@ -1954,7 +1962,7 @@
           <a:p>
             <a:fld id="{61C71226-6BCE-43B6-9B8C-D352B0229DA2}" type="datetimeFigureOut">
               <a:rPr lang="en-US" smtClean="0"/>
-              <a:t>7/11/2020</a:t>
+              <a:t>7/16/2020</a:t>
             </a:fld>
             <a:endParaRPr lang="en-US"/>
           </a:p>
@@ -2067,7 +2075,7 @@
           <a:p>
             <a:fld id="{61C71226-6BCE-43B6-9B8C-D352B0229DA2}" type="datetimeFigureOut">
               <a:rPr lang="en-US" smtClean="0"/>
-              <a:t>7/11/2020</a:t>
+              <a:t>7/16/2020</a:t>
             </a:fld>
             <a:endParaRPr lang="en-US"/>
           </a:p>
@@ -2378,7 +2386,7 @@
           <a:p>
             <a:fld id="{61C71226-6BCE-43B6-9B8C-D352B0229DA2}" type="datetimeFigureOut">
               <a:rPr lang="en-US" smtClean="0"/>
-              <a:t>7/11/2020</a:t>
+              <a:t>7/16/2020</a:t>
             </a:fld>
             <a:endParaRPr lang="en-US"/>
           </a:p>
@@ -2666,7 +2674,7 @@
           <a:p>
             <a:fld id="{61C71226-6BCE-43B6-9B8C-D352B0229DA2}" type="datetimeFigureOut">
               <a:rPr lang="en-US" smtClean="0"/>
-              <a:t>7/11/2020</a:t>
+              <a:t>7/16/2020</a:t>
             </a:fld>
             <a:endParaRPr lang="en-US"/>
           </a:p>
@@ -2907,7 +2915,7 @@
           <a:p>
             <a:fld id="{61C71226-6BCE-43B6-9B8C-D352B0229DA2}" type="datetimeFigureOut">
               <a:rPr lang="en-US" smtClean="0"/>
-              <a:t>7/11/2020</a:t>
+              <a:t>7/16/2020</a:t>
             </a:fld>
             <a:endParaRPr lang="en-US"/>
           </a:p>
@@ -5661,7 +5669,7 @@
             <a:lstStyle/>
             <a:p>
               <a:pPr algn="ctr"/>
-              <a:endParaRPr lang="en-US"/>
+              <a:endParaRPr lang="en-US" dirty="0"/>
             </a:p>
           </p:txBody>
         </p:sp>
@@ -13015,6 +13023,4470 @@
 </p:sld>
 </file>
 
+<file path=ppt/slides/slide5.xml><?xml version="1.0" encoding="utf-8"?>
+<p:sld xmlns:a="http://schemas.openxmlformats.org/drawingml/2006/main" xmlns:r="http://schemas.openxmlformats.org/officeDocument/2006/relationships" xmlns:p="http://schemas.openxmlformats.org/presentationml/2006/main">
+  <p:cSld>
+    <p:spTree>
+      <p:nvGrpSpPr>
+        <p:cNvPr id="1" name=""/>
+        <p:cNvGrpSpPr/>
+        <p:nvPr/>
+      </p:nvGrpSpPr>
+      <p:grpSpPr>
+        <a:xfrm>
+          <a:off x="0" y="0"/>
+          <a:ext cx="0" cy="0"/>
+          <a:chOff x="0" y="0"/>
+          <a:chExt cx="0" cy="0"/>
+        </a:xfrm>
+      </p:grpSpPr>
+      <p:sp>
+        <p:nvSpPr>
+          <p:cNvPr id="4" name="Oval 3">
+            <a:extLst>
+              <a:ext uri="{FF2B5EF4-FFF2-40B4-BE49-F238E27FC236}">
+                <a16:creationId xmlns:a16="http://schemas.microsoft.com/office/drawing/2014/main" id="{CE2CBB90-C65E-46D0-BDBD-7486034083F1}"/>
+              </a:ext>
+            </a:extLst>
+          </p:cNvPr>
+          <p:cNvSpPr/>
+          <p:nvPr/>
+        </p:nvSpPr>
+        <p:spPr>
+          <a:xfrm>
+            <a:off x="2600918" y="2589536"/>
+            <a:ext cx="540242" cy="540242"/>
+          </a:xfrm>
+          <a:prstGeom prst="ellipse">
+            <a:avLst/>
+          </a:prstGeom>
+          <a:solidFill>
+            <a:srgbClr val="FFC000"/>
+          </a:solidFill>
+          <a:ln w="57150">
+            <a:solidFill>
+              <a:schemeClr val="accent2">
+                <a:lumMod val="75000"/>
+              </a:schemeClr>
+            </a:solidFill>
+          </a:ln>
+        </p:spPr>
+        <p:style>
+          <a:lnRef idx="2">
+            <a:schemeClr val="accent1">
+              <a:shade val="50000"/>
+            </a:schemeClr>
+          </a:lnRef>
+          <a:fillRef idx="1">
+            <a:schemeClr val="accent1"/>
+          </a:fillRef>
+          <a:effectRef idx="0">
+            <a:schemeClr val="accent1"/>
+          </a:effectRef>
+          <a:fontRef idx="minor">
+            <a:schemeClr val="lt1"/>
+          </a:fontRef>
+        </p:style>
+        <p:txBody>
+          <a:bodyPr rtlCol="0" anchor="ctr"/>
+          <a:lstStyle/>
+          <a:p>
+            <a:pPr algn="ctr"/>
+            <a:endParaRPr lang="en-US" dirty="0"/>
+          </a:p>
+        </p:txBody>
+      </p:sp>
+      <p:sp>
+        <p:nvSpPr>
+          <p:cNvPr id="5" name="Oval 4">
+            <a:extLst>
+              <a:ext uri="{FF2B5EF4-FFF2-40B4-BE49-F238E27FC236}">
+                <a16:creationId xmlns:a16="http://schemas.microsoft.com/office/drawing/2014/main" id="{8B0ED3F8-5060-4701-80E7-93D82A2C58BA}"/>
+              </a:ext>
+            </a:extLst>
+          </p:cNvPr>
+          <p:cNvSpPr/>
+          <p:nvPr/>
+        </p:nvSpPr>
+        <p:spPr>
+          <a:xfrm>
+            <a:off x="3641839" y="2589536"/>
+            <a:ext cx="540242" cy="540242"/>
+          </a:xfrm>
+          <a:prstGeom prst="ellipse">
+            <a:avLst/>
+          </a:prstGeom>
+          <a:solidFill>
+            <a:srgbClr val="FFC000"/>
+          </a:solidFill>
+          <a:ln w="57150">
+            <a:solidFill>
+              <a:schemeClr val="accent2">
+                <a:lumMod val="75000"/>
+              </a:schemeClr>
+            </a:solidFill>
+          </a:ln>
+        </p:spPr>
+        <p:style>
+          <a:lnRef idx="2">
+            <a:schemeClr val="accent1">
+              <a:shade val="50000"/>
+            </a:schemeClr>
+          </a:lnRef>
+          <a:fillRef idx="1">
+            <a:schemeClr val="accent1"/>
+          </a:fillRef>
+          <a:effectRef idx="0">
+            <a:schemeClr val="accent1"/>
+          </a:effectRef>
+          <a:fontRef idx="minor">
+            <a:schemeClr val="lt1"/>
+          </a:fontRef>
+        </p:style>
+        <p:txBody>
+          <a:bodyPr rtlCol="0" anchor="ctr"/>
+          <a:lstStyle/>
+          <a:p>
+            <a:pPr algn="ctr"/>
+            <a:endParaRPr lang="en-US" dirty="0"/>
+          </a:p>
+        </p:txBody>
+      </p:sp>
+      <p:sp>
+        <p:nvSpPr>
+          <p:cNvPr id="6" name="Oval 5">
+            <a:extLst>
+              <a:ext uri="{FF2B5EF4-FFF2-40B4-BE49-F238E27FC236}">
+                <a16:creationId xmlns:a16="http://schemas.microsoft.com/office/drawing/2014/main" id="{71F23EC3-23B4-4F07-9413-AE48DF7CEF0D}"/>
+              </a:ext>
+            </a:extLst>
+          </p:cNvPr>
+          <p:cNvSpPr/>
+          <p:nvPr/>
+        </p:nvSpPr>
+        <p:spPr>
+          <a:xfrm>
+            <a:off x="4682760" y="2589536"/>
+            <a:ext cx="540242" cy="540242"/>
+          </a:xfrm>
+          <a:prstGeom prst="ellipse">
+            <a:avLst/>
+          </a:prstGeom>
+          <a:solidFill>
+            <a:srgbClr val="FFC000"/>
+          </a:solidFill>
+          <a:ln w="57150">
+            <a:solidFill>
+              <a:schemeClr val="accent2">
+                <a:lumMod val="75000"/>
+              </a:schemeClr>
+            </a:solidFill>
+          </a:ln>
+        </p:spPr>
+        <p:style>
+          <a:lnRef idx="2">
+            <a:schemeClr val="accent1">
+              <a:shade val="50000"/>
+            </a:schemeClr>
+          </a:lnRef>
+          <a:fillRef idx="1">
+            <a:schemeClr val="accent1"/>
+          </a:fillRef>
+          <a:effectRef idx="0">
+            <a:schemeClr val="accent1"/>
+          </a:effectRef>
+          <a:fontRef idx="minor">
+            <a:schemeClr val="lt1"/>
+          </a:fontRef>
+        </p:style>
+        <p:txBody>
+          <a:bodyPr rtlCol="0" anchor="ctr"/>
+          <a:lstStyle/>
+          <a:p>
+            <a:pPr algn="ctr"/>
+            <a:endParaRPr lang="en-US" dirty="0"/>
+          </a:p>
+        </p:txBody>
+      </p:sp>
+      <p:sp>
+        <p:nvSpPr>
+          <p:cNvPr id="7" name="Oval 6">
+            <a:extLst>
+              <a:ext uri="{FF2B5EF4-FFF2-40B4-BE49-F238E27FC236}">
+                <a16:creationId xmlns:a16="http://schemas.microsoft.com/office/drawing/2014/main" id="{786AEF9C-ED1C-466F-899F-F119458CB9A5}"/>
+              </a:ext>
+            </a:extLst>
+          </p:cNvPr>
+          <p:cNvSpPr/>
+          <p:nvPr/>
+        </p:nvSpPr>
+        <p:spPr>
+          <a:xfrm>
+            <a:off x="5723681" y="2589536"/>
+            <a:ext cx="540242" cy="540242"/>
+          </a:xfrm>
+          <a:prstGeom prst="ellipse">
+            <a:avLst/>
+          </a:prstGeom>
+          <a:solidFill>
+            <a:srgbClr val="FFC000"/>
+          </a:solidFill>
+          <a:ln w="57150">
+            <a:solidFill>
+              <a:schemeClr val="accent2">
+                <a:lumMod val="75000"/>
+              </a:schemeClr>
+            </a:solidFill>
+          </a:ln>
+        </p:spPr>
+        <p:style>
+          <a:lnRef idx="2">
+            <a:schemeClr val="accent1">
+              <a:shade val="50000"/>
+            </a:schemeClr>
+          </a:lnRef>
+          <a:fillRef idx="1">
+            <a:schemeClr val="accent1"/>
+          </a:fillRef>
+          <a:effectRef idx="0">
+            <a:schemeClr val="accent1"/>
+          </a:effectRef>
+          <a:fontRef idx="minor">
+            <a:schemeClr val="lt1"/>
+          </a:fontRef>
+        </p:style>
+        <p:txBody>
+          <a:bodyPr rtlCol="0" anchor="ctr"/>
+          <a:lstStyle/>
+          <a:p>
+            <a:pPr algn="ctr"/>
+            <a:endParaRPr lang="en-US" dirty="0"/>
+          </a:p>
+        </p:txBody>
+      </p:sp>
+      <p:sp>
+        <p:nvSpPr>
+          <p:cNvPr id="8" name="Oval 7">
+            <a:extLst>
+              <a:ext uri="{FF2B5EF4-FFF2-40B4-BE49-F238E27FC236}">
+                <a16:creationId xmlns:a16="http://schemas.microsoft.com/office/drawing/2014/main" id="{A0B9C2C2-F3A2-4327-A280-89A175531414}"/>
+              </a:ext>
+            </a:extLst>
+          </p:cNvPr>
+          <p:cNvSpPr/>
+          <p:nvPr/>
+        </p:nvSpPr>
+        <p:spPr>
+          <a:xfrm>
+            <a:off x="4182081" y="4776724"/>
+            <a:ext cx="540242" cy="540242"/>
+          </a:xfrm>
+          <a:prstGeom prst="ellipse">
+            <a:avLst/>
+          </a:prstGeom>
+          <a:solidFill>
+            <a:srgbClr val="92D050"/>
+          </a:solidFill>
+          <a:ln w="57150">
+            <a:solidFill>
+              <a:srgbClr val="00B050"/>
+            </a:solidFill>
+          </a:ln>
+        </p:spPr>
+        <p:style>
+          <a:lnRef idx="2">
+            <a:schemeClr val="accent1">
+              <a:shade val="50000"/>
+            </a:schemeClr>
+          </a:lnRef>
+          <a:fillRef idx="1">
+            <a:schemeClr val="accent1"/>
+          </a:fillRef>
+          <a:effectRef idx="0">
+            <a:schemeClr val="accent1"/>
+          </a:effectRef>
+          <a:fontRef idx="minor">
+            <a:schemeClr val="lt1"/>
+          </a:fontRef>
+        </p:style>
+        <p:txBody>
+          <a:bodyPr rtlCol="0" anchor="ctr"/>
+          <a:lstStyle/>
+          <a:p>
+            <a:pPr algn="ctr"/>
+            <a:endParaRPr lang="en-US" dirty="0"/>
+          </a:p>
+        </p:txBody>
+      </p:sp>
+      <p:sp>
+        <p:nvSpPr>
+          <p:cNvPr id="9" name="Oval 8">
+            <a:extLst>
+              <a:ext uri="{FF2B5EF4-FFF2-40B4-BE49-F238E27FC236}">
+                <a16:creationId xmlns:a16="http://schemas.microsoft.com/office/drawing/2014/main" id="{235DD1D0-7DB4-4C44-96DB-892DCF0AE611}"/>
+              </a:ext>
+            </a:extLst>
+          </p:cNvPr>
+          <p:cNvSpPr/>
+          <p:nvPr/>
+        </p:nvSpPr>
+        <p:spPr>
+          <a:xfrm>
+            <a:off x="4182081" y="1384713"/>
+            <a:ext cx="540242" cy="540242"/>
+          </a:xfrm>
+          <a:prstGeom prst="ellipse">
+            <a:avLst/>
+          </a:prstGeom>
+          <a:solidFill>
+            <a:schemeClr val="accent1">
+              <a:lumMod val="60000"/>
+              <a:lumOff val="40000"/>
+            </a:schemeClr>
+          </a:solidFill>
+          <a:ln w="57150">
+            <a:solidFill>
+              <a:schemeClr val="accent1">
+                <a:lumMod val="50000"/>
+              </a:schemeClr>
+            </a:solidFill>
+          </a:ln>
+        </p:spPr>
+        <p:style>
+          <a:lnRef idx="2">
+            <a:schemeClr val="accent1">
+              <a:shade val="50000"/>
+            </a:schemeClr>
+          </a:lnRef>
+          <a:fillRef idx="1">
+            <a:schemeClr val="accent1"/>
+          </a:fillRef>
+          <a:effectRef idx="0">
+            <a:schemeClr val="accent1"/>
+          </a:effectRef>
+          <a:fontRef idx="minor">
+            <a:schemeClr val="lt1"/>
+          </a:fontRef>
+        </p:style>
+        <p:txBody>
+          <a:bodyPr rtlCol="0" anchor="ctr"/>
+          <a:lstStyle/>
+          <a:p>
+            <a:pPr algn="ctr"/>
+            <a:endParaRPr lang="en-US" dirty="0"/>
+          </a:p>
+        </p:txBody>
+      </p:sp>
+      <p:cxnSp>
+        <p:nvCxnSpPr>
+          <p:cNvPr id="11" name="Straight Arrow Connector 10">
+            <a:extLst>
+              <a:ext uri="{FF2B5EF4-FFF2-40B4-BE49-F238E27FC236}">
+                <a16:creationId xmlns:a16="http://schemas.microsoft.com/office/drawing/2014/main" id="{500EC25E-399E-4A2C-8AE2-048B53139B03}"/>
+              </a:ext>
+            </a:extLst>
+          </p:cNvPr>
+          <p:cNvCxnSpPr>
+            <a:cxnSpLocks/>
+            <a:stCxn id="8" idx="0"/>
+          </p:cNvCxnSpPr>
+          <p:nvPr/>
+        </p:nvCxnSpPr>
+        <p:spPr>
+          <a:xfrm flipH="1" flipV="1">
+            <a:off x="2910602" y="4112143"/>
+            <a:ext cx="1541600" cy="664581"/>
+          </a:xfrm>
+          <a:prstGeom prst="straightConnector1">
+            <a:avLst/>
+          </a:prstGeom>
+          <a:ln w="38100">
+            <a:tailEnd type="triangle"/>
+          </a:ln>
+        </p:spPr>
+        <p:style>
+          <a:lnRef idx="1">
+            <a:schemeClr val="accent1"/>
+          </a:lnRef>
+          <a:fillRef idx="0">
+            <a:schemeClr val="accent1"/>
+          </a:fillRef>
+          <a:effectRef idx="0">
+            <a:schemeClr val="accent1"/>
+          </a:effectRef>
+          <a:fontRef idx="minor">
+            <a:schemeClr val="tx1"/>
+          </a:fontRef>
+        </p:style>
+      </p:cxnSp>
+      <p:cxnSp>
+        <p:nvCxnSpPr>
+          <p:cNvPr id="13" name="Straight Arrow Connector 12">
+            <a:extLst>
+              <a:ext uri="{FF2B5EF4-FFF2-40B4-BE49-F238E27FC236}">
+                <a16:creationId xmlns:a16="http://schemas.microsoft.com/office/drawing/2014/main" id="{735BEA06-8247-47E0-8FB5-AF73D20E2846}"/>
+              </a:ext>
+            </a:extLst>
+          </p:cNvPr>
+          <p:cNvCxnSpPr>
+            <a:cxnSpLocks/>
+            <a:stCxn id="8" idx="0"/>
+          </p:cNvCxnSpPr>
+          <p:nvPr/>
+        </p:nvCxnSpPr>
+        <p:spPr>
+          <a:xfrm flipH="1" flipV="1">
+            <a:off x="3951523" y="4112143"/>
+            <a:ext cx="500679" cy="664581"/>
+          </a:xfrm>
+          <a:prstGeom prst="straightConnector1">
+            <a:avLst/>
+          </a:prstGeom>
+          <a:ln w="38100">
+            <a:tailEnd type="triangle"/>
+          </a:ln>
+        </p:spPr>
+        <p:style>
+          <a:lnRef idx="1">
+            <a:schemeClr val="accent1"/>
+          </a:lnRef>
+          <a:fillRef idx="0">
+            <a:schemeClr val="accent1"/>
+          </a:fillRef>
+          <a:effectRef idx="0">
+            <a:schemeClr val="accent1"/>
+          </a:effectRef>
+          <a:fontRef idx="minor">
+            <a:schemeClr val="tx1"/>
+          </a:fontRef>
+        </p:style>
+      </p:cxnSp>
+      <p:cxnSp>
+        <p:nvCxnSpPr>
+          <p:cNvPr id="15" name="Straight Arrow Connector 14">
+            <a:extLst>
+              <a:ext uri="{FF2B5EF4-FFF2-40B4-BE49-F238E27FC236}">
+                <a16:creationId xmlns:a16="http://schemas.microsoft.com/office/drawing/2014/main" id="{C054F6B2-A093-42E3-AC7D-36B769F894BB}"/>
+              </a:ext>
+            </a:extLst>
+          </p:cNvPr>
+          <p:cNvCxnSpPr>
+            <a:cxnSpLocks/>
+            <a:stCxn id="8" idx="0"/>
+          </p:cNvCxnSpPr>
+          <p:nvPr/>
+        </p:nvCxnSpPr>
+        <p:spPr>
+          <a:xfrm flipV="1">
+            <a:off x="4452202" y="4112143"/>
+            <a:ext cx="540242" cy="664581"/>
+          </a:xfrm>
+          <a:prstGeom prst="straightConnector1">
+            <a:avLst/>
+          </a:prstGeom>
+          <a:ln w="38100">
+            <a:tailEnd type="triangle"/>
+          </a:ln>
+        </p:spPr>
+        <p:style>
+          <a:lnRef idx="1">
+            <a:schemeClr val="accent1"/>
+          </a:lnRef>
+          <a:fillRef idx="0">
+            <a:schemeClr val="accent1"/>
+          </a:fillRef>
+          <a:effectRef idx="0">
+            <a:schemeClr val="accent1"/>
+          </a:effectRef>
+          <a:fontRef idx="minor">
+            <a:schemeClr val="tx1"/>
+          </a:fontRef>
+        </p:style>
+      </p:cxnSp>
+      <p:cxnSp>
+        <p:nvCxnSpPr>
+          <p:cNvPr id="17" name="Straight Arrow Connector 16">
+            <a:extLst>
+              <a:ext uri="{FF2B5EF4-FFF2-40B4-BE49-F238E27FC236}">
+                <a16:creationId xmlns:a16="http://schemas.microsoft.com/office/drawing/2014/main" id="{80725BAC-0E31-4F2B-B4A0-61AE2E40827E}"/>
+              </a:ext>
+            </a:extLst>
+          </p:cNvPr>
+          <p:cNvCxnSpPr>
+            <a:cxnSpLocks/>
+            <a:stCxn id="8" idx="0"/>
+          </p:cNvCxnSpPr>
+          <p:nvPr/>
+        </p:nvCxnSpPr>
+        <p:spPr>
+          <a:xfrm flipV="1">
+            <a:off x="4452202" y="4112143"/>
+            <a:ext cx="1581163" cy="664581"/>
+          </a:xfrm>
+          <a:prstGeom prst="straightConnector1">
+            <a:avLst/>
+          </a:prstGeom>
+          <a:ln w="38100">
+            <a:tailEnd type="triangle"/>
+          </a:ln>
+        </p:spPr>
+        <p:style>
+          <a:lnRef idx="1">
+            <a:schemeClr val="accent1"/>
+          </a:lnRef>
+          <a:fillRef idx="0">
+            <a:schemeClr val="accent1"/>
+          </a:fillRef>
+          <a:effectRef idx="0">
+            <a:schemeClr val="accent1"/>
+          </a:effectRef>
+          <a:fontRef idx="minor">
+            <a:schemeClr val="tx1"/>
+          </a:fontRef>
+        </p:style>
+      </p:cxnSp>
+      <p:cxnSp>
+        <p:nvCxnSpPr>
+          <p:cNvPr id="19" name="Straight Arrow Connector 18">
+            <a:extLst>
+              <a:ext uri="{FF2B5EF4-FFF2-40B4-BE49-F238E27FC236}">
+                <a16:creationId xmlns:a16="http://schemas.microsoft.com/office/drawing/2014/main" id="{0777454B-A22A-4AFA-803F-C109D694F0E1}"/>
+              </a:ext>
+            </a:extLst>
+          </p:cNvPr>
+          <p:cNvCxnSpPr>
+            <a:stCxn id="4" idx="0"/>
+            <a:endCxn id="9" idx="4"/>
+          </p:cNvCxnSpPr>
+          <p:nvPr/>
+        </p:nvCxnSpPr>
+        <p:spPr>
+          <a:xfrm flipV="1">
+            <a:off x="2871039" y="1924955"/>
+            <a:ext cx="1581163" cy="664581"/>
+          </a:xfrm>
+          <a:prstGeom prst="straightConnector1">
+            <a:avLst/>
+          </a:prstGeom>
+          <a:ln w="38100">
+            <a:tailEnd type="triangle"/>
+          </a:ln>
+        </p:spPr>
+        <p:style>
+          <a:lnRef idx="1">
+            <a:schemeClr val="accent1"/>
+          </a:lnRef>
+          <a:fillRef idx="0">
+            <a:schemeClr val="accent1"/>
+          </a:fillRef>
+          <a:effectRef idx="0">
+            <a:schemeClr val="accent1"/>
+          </a:effectRef>
+          <a:fontRef idx="minor">
+            <a:schemeClr val="tx1"/>
+          </a:fontRef>
+        </p:style>
+      </p:cxnSp>
+      <p:cxnSp>
+        <p:nvCxnSpPr>
+          <p:cNvPr id="21" name="Straight Arrow Connector 20">
+            <a:extLst>
+              <a:ext uri="{FF2B5EF4-FFF2-40B4-BE49-F238E27FC236}">
+                <a16:creationId xmlns:a16="http://schemas.microsoft.com/office/drawing/2014/main" id="{BC6FF579-7F1F-40E2-9E80-C311C8C19833}"/>
+              </a:ext>
+            </a:extLst>
+          </p:cNvPr>
+          <p:cNvCxnSpPr>
+            <a:stCxn id="5" idx="0"/>
+            <a:endCxn id="9" idx="4"/>
+          </p:cNvCxnSpPr>
+          <p:nvPr/>
+        </p:nvCxnSpPr>
+        <p:spPr>
+          <a:xfrm flipV="1">
+            <a:off x="3911960" y="1924955"/>
+            <a:ext cx="540242" cy="664581"/>
+          </a:xfrm>
+          <a:prstGeom prst="straightConnector1">
+            <a:avLst/>
+          </a:prstGeom>
+          <a:ln w="38100">
+            <a:tailEnd type="triangle"/>
+          </a:ln>
+        </p:spPr>
+        <p:style>
+          <a:lnRef idx="1">
+            <a:schemeClr val="accent1"/>
+          </a:lnRef>
+          <a:fillRef idx="0">
+            <a:schemeClr val="accent1"/>
+          </a:fillRef>
+          <a:effectRef idx="0">
+            <a:schemeClr val="accent1"/>
+          </a:effectRef>
+          <a:fontRef idx="minor">
+            <a:schemeClr val="tx1"/>
+          </a:fontRef>
+        </p:style>
+      </p:cxnSp>
+      <p:cxnSp>
+        <p:nvCxnSpPr>
+          <p:cNvPr id="23" name="Straight Arrow Connector 22">
+            <a:extLst>
+              <a:ext uri="{FF2B5EF4-FFF2-40B4-BE49-F238E27FC236}">
+                <a16:creationId xmlns:a16="http://schemas.microsoft.com/office/drawing/2014/main" id="{66E9D758-D031-4B94-90BC-EADDD604F72D}"/>
+              </a:ext>
+            </a:extLst>
+          </p:cNvPr>
+          <p:cNvCxnSpPr>
+            <a:stCxn id="6" idx="0"/>
+            <a:endCxn id="9" idx="4"/>
+          </p:cNvCxnSpPr>
+          <p:nvPr/>
+        </p:nvCxnSpPr>
+        <p:spPr>
+          <a:xfrm flipH="1" flipV="1">
+            <a:off x="4452202" y="1924955"/>
+            <a:ext cx="500679" cy="664581"/>
+          </a:xfrm>
+          <a:prstGeom prst="straightConnector1">
+            <a:avLst/>
+          </a:prstGeom>
+          <a:ln w="38100">
+            <a:tailEnd type="triangle"/>
+          </a:ln>
+        </p:spPr>
+        <p:style>
+          <a:lnRef idx="1">
+            <a:schemeClr val="accent1"/>
+          </a:lnRef>
+          <a:fillRef idx="0">
+            <a:schemeClr val="accent1"/>
+          </a:fillRef>
+          <a:effectRef idx="0">
+            <a:schemeClr val="accent1"/>
+          </a:effectRef>
+          <a:fontRef idx="minor">
+            <a:schemeClr val="tx1"/>
+          </a:fontRef>
+        </p:style>
+      </p:cxnSp>
+      <p:cxnSp>
+        <p:nvCxnSpPr>
+          <p:cNvPr id="25" name="Straight Arrow Connector 24">
+            <a:extLst>
+              <a:ext uri="{FF2B5EF4-FFF2-40B4-BE49-F238E27FC236}">
+                <a16:creationId xmlns:a16="http://schemas.microsoft.com/office/drawing/2014/main" id="{E7C89A7B-BA58-4D14-B84F-8111D34F6741}"/>
+              </a:ext>
+            </a:extLst>
+          </p:cNvPr>
+          <p:cNvCxnSpPr>
+            <a:stCxn id="7" idx="0"/>
+            <a:endCxn id="9" idx="4"/>
+          </p:cNvCxnSpPr>
+          <p:nvPr/>
+        </p:nvCxnSpPr>
+        <p:spPr>
+          <a:xfrm flipH="1" flipV="1">
+            <a:off x="4452202" y="1924955"/>
+            <a:ext cx="1541600" cy="664581"/>
+          </a:xfrm>
+          <a:prstGeom prst="straightConnector1">
+            <a:avLst/>
+          </a:prstGeom>
+          <a:ln w="38100">
+            <a:tailEnd type="triangle"/>
+          </a:ln>
+        </p:spPr>
+        <p:style>
+          <a:lnRef idx="1">
+            <a:schemeClr val="accent1"/>
+          </a:lnRef>
+          <a:fillRef idx="0">
+            <a:schemeClr val="accent1"/>
+          </a:fillRef>
+          <a:effectRef idx="0">
+            <a:schemeClr val="accent1"/>
+          </a:effectRef>
+          <a:fontRef idx="minor">
+            <a:schemeClr val="tx1"/>
+          </a:fontRef>
+        </p:style>
+      </p:cxnSp>
+      <mc:AlternateContent xmlns:mc="http://schemas.openxmlformats.org/markup-compatibility/2006">
+        <mc:Choice xmlns:a14="http://schemas.microsoft.com/office/drawing/2010/main" Requires="a14">
+          <p:sp>
+            <p:nvSpPr>
+              <p:cNvPr id="26" name="TextBox 25">
+                <a:extLst>
+                  <a:ext uri="{FF2B5EF4-FFF2-40B4-BE49-F238E27FC236}">
+                    <a16:creationId xmlns:a16="http://schemas.microsoft.com/office/drawing/2014/main" id="{F0F25ED1-F113-4FF9-99A9-43D189F1C8DF}"/>
+                  </a:ext>
+                </a:extLst>
+              </p:cNvPr>
+              <p:cNvSpPr txBox="1"/>
+              <p:nvPr/>
+            </p:nvSpPr>
+            <p:spPr>
+              <a:xfrm>
+                <a:off x="4271864" y="4800623"/>
+                <a:ext cx="360675" cy="492443"/>
+              </a:xfrm>
+              <a:prstGeom prst="rect">
+                <a:avLst/>
+              </a:prstGeom>
+              <a:noFill/>
+            </p:spPr>
+            <p:txBody>
+              <a:bodyPr wrap="none" lIns="0" tIns="0" rIns="0" bIns="0" rtlCol="0">
+                <a:spAutoFit/>
+              </a:bodyPr>
+              <a:lstStyle/>
+              <a:p>
+                <a14:m>
+                  <m:oMathPara xmlns:m="http://schemas.openxmlformats.org/officeDocument/2006/math">
+                    <m:oMathParaPr>
+                      <m:jc m:val="centerGroup"/>
+                    </m:oMathParaPr>
+                    <m:oMath xmlns:m="http://schemas.openxmlformats.org/officeDocument/2006/math">
+                      <m:r>
+                        <m:rPr>
+                          <m:sty m:val="p"/>
+                        </m:rPr>
+                        <a:rPr lang="el-GR" sz="3200" b="0" i="1" smtClean="0">
+                          <a:latin typeface="Cambria Math" panose="02040503050406030204" pitchFamily="18" charset="0"/>
+                        </a:rPr>
+                        <m:t>Θ</m:t>
+                      </m:r>
+                    </m:oMath>
+                  </m:oMathPara>
+                </a14:m>
+                <a:endParaRPr lang="en-US" sz="3200" b="0" dirty="0"/>
+              </a:p>
+            </p:txBody>
+          </p:sp>
+        </mc:Choice>
+        <mc:Fallback>
+          <p:sp>
+            <p:nvSpPr>
+              <p:cNvPr id="26" name="TextBox 25">
+                <a:extLst>
+                  <a:ext uri="{FF2B5EF4-FFF2-40B4-BE49-F238E27FC236}">
+                    <a16:creationId xmlns:a16="http://schemas.microsoft.com/office/drawing/2014/main" id="{F0F25ED1-F113-4FF9-99A9-43D189F1C8DF}"/>
+                  </a:ext>
+                </a:extLst>
+              </p:cNvPr>
+              <p:cNvSpPr txBox="1">
+                <a:spLocks noRot="1" noChangeAspect="1" noMove="1" noResize="1" noEditPoints="1" noAdjustHandles="1" noChangeArrowheads="1" noChangeShapeType="1" noTextEdit="1"/>
+              </p:cNvSpPr>
+              <p:nvPr/>
+            </p:nvSpPr>
+            <p:spPr>
+              <a:xfrm>
+                <a:off x="4271864" y="4800623"/>
+                <a:ext cx="360675" cy="492443"/>
+              </a:xfrm>
+              <a:prstGeom prst="rect">
+                <a:avLst/>
+              </a:prstGeom>
+              <a:blipFill>
+                <a:blip r:embed="rId2"/>
+                <a:stretch>
+                  <a:fillRect/>
+                </a:stretch>
+              </a:blipFill>
+            </p:spPr>
+            <p:txBody>
+              <a:bodyPr/>
+              <a:lstStyle/>
+              <a:p>
+                <a:r>
+                  <a:rPr lang="en-US">
+                    <a:noFill/>
+                  </a:rPr>
+                  <a:t> </a:t>
+                </a:r>
+              </a:p>
+            </p:txBody>
+          </p:sp>
+        </mc:Fallback>
+      </mc:AlternateContent>
+      <mc:AlternateContent xmlns:mc="http://schemas.openxmlformats.org/markup-compatibility/2006">
+        <mc:Choice xmlns:a14="http://schemas.microsoft.com/office/drawing/2010/main" Requires="a14">
+          <p:sp>
+            <p:nvSpPr>
+              <p:cNvPr id="27" name="TextBox 26">
+                <a:extLst>
+                  <a:ext uri="{FF2B5EF4-FFF2-40B4-BE49-F238E27FC236}">
+                    <a16:creationId xmlns:a16="http://schemas.microsoft.com/office/drawing/2014/main" id="{1241A300-20B8-4629-97C5-3BE1A3F1E877}"/>
+                  </a:ext>
+                </a:extLst>
+              </p:cNvPr>
+              <p:cNvSpPr txBox="1"/>
+              <p:nvPr/>
+            </p:nvSpPr>
+            <p:spPr>
+              <a:xfrm>
+                <a:off x="3788322" y="2675162"/>
+                <a:ext cx="251094" cy="369332"/>
+              </a:xfrm>
+              <a:prstGeom prst="rect">
+                <a:avLst/>
+              </a:prstGeom>
+              <a:noFill/>
+            </p:spPr>
+            <p:txBody>
+              <a:bodyPr wrap="none" lIns="0" tIns="0" rIns="0" bIns="0" rtlCol="0">
+                <a:spAutoFit/>
+              </a:bodyPr>
+              <a:lstStyle/>
+              <a:p>
+                <a14:m>
+                  <m:oMathPara xmlns:m="http://schemas.openxmlformats.org/officeDocument/2006/math">
+                    <m:oMathParaPr>
+                      <m:jc m:val="centerGroup"/>
+                    </m:oMathParaPr>
+                    <m:oMath xmlns:m="http://schemas.openxmlformats.org/officeDocument/2006/math">
+                      <m:r>
+                        <a:rPr lang="en-US" sz="2400" b="0" i="1" smtClean="0">
+                          <a:latin typeface="Cambria Math" panose="02040503050406030204" pitchFamily="18" charset="0"/>
+                        </a:rPr>
+                        <m:t>𝜃</m:t>
+                      </m:r>
+                    </m:oMath>
+                  </m:oMathPara>
+                </a14:m>
+                <a:endParaRPr lang="en-US" sz="3200" b="0" dirty="0"/>
+              </a:p>
+            </p:txBody>
+          </p:sp>
+        </mc:Choice>
+        <mc:Fallback>
+          <p:sp>
+            <p:nvSpPr>
+              <p:cNvPr id="27" name="TextBox 26">
+                <a:extLst>
+                  <a:ext uri="{FF2B5EF4-FFF2-40B4-BE49-F238E27FC236}">
+                    <a16:creationId xmlns:a16="http://schemas.microsoft.com/office/drawing/2014/main" id="{1241A300-20B8-4629-97C5-3BE1A3F1E877}"/>
+                  </a:ext>
+                </a:extLst>
+              </p:cNvPr>
+              <p:cNvSpPr txBox="1">
+                <a:spLocks noRot="1" noChangeAspect="1" noMove="1" noResize="1" noEditPoints="1" noAdjustHandles="1" noChangeArrowheads="1" noChangeShapeType="1" noTextEdit="1"/>
+              </p:cNvSpPr>
+              <p:nvPr/>
+            </p:nvSpPr>
+            <p:spPr>
+              <a:xfrm>
+                <a:off x="3788322" y="2675162"/>
+                <a:ext cx="251094" cy="369332"/>
+              </a:xfrm>
+              <a:prstGeom prst="rect">
+                <a:avLst/>
+              </a:prstGeom>
+              <a:blipFill>
+                <a:blip r:embed="rId3"/>
+                <a:stretch>
+                  <a:fillRect l="-26190" r="-23810" b="-6667"/>
+                </a:stretch>
+              </a:blipFill>
+            </p:spPr>
+            <p:txBody>
+              <a:bodyPr/>
+              <a:lstStyle/>
+              <a:p>
+                <a:r>
+                  <a:rPr lang="en-US">
+                    <a:noFill/>
+                  </a:rPr>
+                  <a:t> </a:t>
+                </a:r>
+              </a:p>
+            </p:txBody>
+          </p:sp>
+        </mc:Fallback>
+      </mc:AlternateContent>
+      <mc:AlternateContent xmlns:mc="http://schemas.openxmlformats.org/markup-compatibility/2006">
+        <mc:Choice xmlns:a14="http://schemas.microsoft.com/office/drawing/2010/main" Requires="a14">
+          <p:sp>
+            <p:nvSpPr>
+              <p:cNvPr id="28" name="TextBox 27">
+                <a:extLst>
+                  <a:ext uri="{FF2B5EF4-FFF2-40B4-BE49-F238E27FC236}">
+                    <a16:creationId xmlns:a16="http://schemas.microsoft.com/office/drawing/2014/main" id="{91187D38-2896-4EAE-931F-47F544636C82}"/>
+                  </a:ext>
+                </a:extLst>
+              </p:cNvPr>
+              <p:cNvSpPr txBox="1"/>
+              <p:nvPr/>
+            </p:nvSpPr>
+            <p:spPr>
+              <a:xfrm>
+                <a:off x="4753018" y="2674991"/>
+                <a:ext cx="399725" cy="369332"/>
+              </a:xfrm>
+              <a:prstGeom prst="rect">
+                <a:avLst/>
+              </a:prstGeom>
+              <a:noFill/>
+            </p:spPr>
+            <p:txBody>
+              <a:bodyPr wrap="none" lIns="0" tIns="0" rIns="0" bIns="0" rtlCol="0">
+                <a:spAutoFit/>
+              </a:bodyPr>
+              <a:lstStyle/>
+              <a:p>
+                <a14:m>
+                  <m:oMathPara xmlns:m="http://schemas.openxmlformats.org/officeDocument/2006/math">
+                    <m:oMathParaPr>
+                      <m:jc m:val="centerGroup"/>
+                    </m:oMathParaPr>
+                    <m:oMath xmlns:m="http://schemas.openxmlformats.org/officeDocument/2006/math">
+                      <m:sSup>
+                        <m:sSupPr>
+                          <m:ctrlPr>
+                            <a:rPr lang="en-US" sz="2400" b="0" i="1" smtClean="0">
+                              <a:latin typeface="Cambria Math" panose="02040503050406030204" pitchFamily="18" charset="0"/>
+                            </a:rPr>
+                          </m:ctrlPr>
+                        </m:sSupPr>
+                        <m:e>
+                          <m:r>
+                            <a:rPr lang="en-US" sz="2400" b="0" i="1" smtClean="0">
+                              <a:latin typeface="Cambria Math" panose="02040503050406030204" pitchFamily="18" charset="0"/>
+                            </a:rPr>
+                            <m:t>𝜃</m:t>
+                          </m:r>
+                        </m:e>
+                        <m:sup>
+                          <m:r>
+                            <a:rPr lang="en-US" sz="2400" b="0" i="1" smtClean="0">
+                              <a:latin typeface="Cambria Math" panose="02040503050406030204" pitchFamily="18" charset="0"/>
+                            </a:rPr>
+                            <m:t>2</m:t>
+                          </m:r>
+                        </m:sup>
+                      </m:sSup>
+                    </m:oMath>
+                  </m:oMathPara>
+                </a14:m>
+                <a:endParaRPr lang="en-US" sz="3200" b="0" dirty="0"/>
+              </a:p>
+            </p:txBody>
+          </p:sp>
+        </mc:Choice>
+        <mc:Fallback>
+          <p:sp>
+            <p:nvSpPr>
+              <p:cNvPr id="28" name="TextBox 27">
+                <a:extLst>
+                  <a:ext uri="{FF2B5EF4-FFF2-40B4-BE49-F238E27FC236}">
+                    <a16:creationId xmlns:a16="http://schemas.microsoft.com/office/drawing/2014/main" id="{91187D38-2896-4EAE-931F-47F544636C82}"/>
+                  </a:ext>
+                </a:extLst>
+              </p:cNvPr>
+              <p:cNvSpPr txBox="1">
+                <a:spLocks noRot="1" noChangeAspect="1" noMove="1" noResize="1" noEditPoints="1" noAdjustHandles="1" noChangeArrowheads="1" noChangeShapeType="1" noTextEdit="1"/>
+              </p:cNvSpPr>
+              <p:nvPr/>
+            </p:nvSpPr>
+            <p:spPr>
+              <a:xfrm>
+                <a:off x="4753018" y="2674991"/>
+                <a:ext cx="399725" cy="369332"/>
+              </a:xfrm>
+              <a:prstGeom prst="rect">
+                <a:avLst/>
+              </a:prstGeom>
+              <a:blipFill>
+                <a:blip r:embed="rId4"/>
+                <a:stretch>
+                  <a:fillRect l="-18462" r="-6154" b="-6667"/>
+                </a:stretch>
+              </a:blipFill>
+            </p:spPr>
+            <p:txBody>
+              <a:bodyPr/>
+              <a:lstStyle/>
+              <a:p>
+                <a:r>
+                  <a:rPr lang="en-US">
+                    <a:noFill/>
+                  </a:rPr>
+                  <a:t> </a:t>
+                </a:r>
+              </a:p>
+            </p:txBody>
+          </p:sp>
+        </mc:Fallback>
+      </mc:AlternateContent>
+      <mc:AlternateContent xmlns:mc="http://schemas.openxmlformats.org/markup-compatibility/2006">
+        <mc:Choice xmlns:a14="http://schemas.microsoft.com/office/drawing/2010/main" Requires="a14">
+          <p:sp>
+            <p:nvSpPr>
+              <p:cNvPr id="29" name="TextBox 28">
+                <a:extLst>
+                  <a:ext uri="{FF2B5EF4-FFF2-40B4-BE49-F238E27FC236}">
+                    <a16:creationId xmlns:a16="http://schemas.microsoft.com/office/drawing/2014/main" id="{9B55A89E-74F8-4D51-81D0-D7AF71BFC287}"/>
+                  </a:ext>
+                </a:extLst>
+              </p:cNvPr>
+              <p:cNvSpPr txBox="1"/>
+              <p:nvPr/>
+            </p:nvSpPr>
+            <p:spPr>
+              <a:xfrm>
+                <a:off x="5793939" y="2681198"/>
+                <a:ext cx="399725" cy="369332"/>
+              </a:xfrm>
+              <a:prstGeom prst="rect">
+                <a:avLst/>
+              </a:prstGeom>
+              <a:noFill/>
+            </p:spPr>
+            <p:txBody>
+              <a:bodyPr wrap="none" lIns="0" tIns="0" rIns="0" bIns="0" rtlCol="0">
+                <a:spAutoFit/>
+              </a:bodyPr>
+              <a:lstStyle/>
+              <a:p>
+                <a14:m>
+                  <m:oMathPara xmlns:m="http://schemas.openxmlformats.org/officeDocument/2006/math">
+                    <m:oMathParaPr>
+                      <m:jc m:val="centerGroup"/>
+                    </m:oMathParaPr>
+                    <m:oMath xmlns:m="http://schemas.openxmlformats.org/officeDocument/2006/math">
+                      <m:sSup>
+                        <m:sSupPr>
+                          <m:ctrlPr>
+                            <a:rPr lang="en-US" sz="2400" b="0" i="1" smtClean="0">
+                              <a:latin typeface="Cambria Math" panose="02040503050406030204" pitchFamily="18" charset="0"/>
+                            </a:rPr>
+                          </m:ctrlPr>
+                        </m:sSupPr>
+                        <m:e>
+                          <m:r>
+                            <a:rPr lang="en-US" sz="2400" b="0" i="1" smtClean="0">
+                              <a:latin typeface="Cambria Math" panose="02040503050406030204" pitchFamily="18" charset="0"/>
+                            </a:rPr>
+                            <m:t>𝜃</m:t>
+                          </m:r>
+                        </m:e>
+                        <m:sup>
+                          <m:r>
+                            <a:rPr lang="en-US" sz="2400" b="0" i="1" smtClean="0">
+                              <a:latin typeface="Cambria Math" panose="02040503050406030204" pitchFamily="18" charset="0"/>
+                            </a:rPr>
+                            <m:t>3</m:t>
+                          </m:r>
+                        </m:sup>
+                      </m:sSup>
+                    </m:oMath>
+                  </m:oMathPara>
+                </a14:m>
+                <a:endParaRPr lang="en-US" sz="3200" b="0" dirty="0"/>
+              </a:p>
+            </p:txBody>
+          </p:sp>
+        </mc:Choice>
+        <mc:Fallback>
+          <p:sp>
+            <p:nvSpPr>
+              <p:cNvPr id="29" name="TextBox 28">
+                <a:extLst>
+                  <a:ext uri="{FF2B5EF4-FFF2-40B4-BE49-F238E27FC236}">
+                    <a16:creationId xmlns:a16="http://schemas.microsoft.com/office/drawing/2014/main" id="{9B55A89E-74F8-4D51-81D0-D7AF71BFC287}"/>
+                  </a:ext>
+                </a:extLst>
+              </p:cNvPr>
+              <p:cNvSpPr txBox="1">
+                <a:spLocks noRot="1" noChangeAspect="1" noMove="1" noResize="1" noEditPoints="1" noAdjustHandles="1" noChangeArrowheads="1" noChangeShapeType="1" noTextEdit="1"/>
+              </p:cNvSpPr>
+              <p:nvPr/>
+            </p:nvSpPr>
+            <p:spPr>
+              <a:xfrm>
+                <a:off x="5793939" y="2681198"/>
+                <a:ext cx="399725" cy="369332"/>
+              </a:xfrm>
+              <a:prstGeom prst="rect">
+                <a:avLst/>
+              </a:prstGeom>
+              <a:blipFill>
+                <a:blip r:embed="rId5"/>
+                <a:stretch>
+                  <a:fillRect l="-16667" r="-4545" b="-6667"/>
+                </a:stretch>
+              </a:blipFill>
+            </p:spPr>
+            <p:txBody>
+              <a:bodyPr/>
+              <a:lstStyle/>
+              <a:p>
+                <a:r>
+                  <a:rPr lang="en-US">
+                    <a:noFill/>
+                  </a:rPr>
+                  <a:t> </a:t>
+                </a:r>
+              </a:p>
+            </p:txBody>
+          </p:sp>
+        </mc:Fallback>
+      </mc:AlternateContent>
+      <mc:AlternateContent xmlns:mc="http://schemas.openxmlformats.org/markup-compatibility/2006">
+        <mc:Choice xmlns:a14="http://schemas.microsoft.com/office/drawing/2010/main" Requires="a14">
+          <p:sp>
+            <p:nvSpPr>
+              <p:cNvPr id="30" name="TextBox 29">
+                <a:extLst>
+                  <a:ext uri="{FF2B5EF4-FFF2-40B4-BE49-F238E27FC236}">
+                    <a16:creationId xmlns:a16="http://schemas.microsoft.com/office/drawing/2014/main" id="{CD9B0336-3BCB-414B-AFE2-923E94E43A44}"/>
+                  </a:ext>
+                </a:extLst>
+              </p:cNvPr>
+              <p:cNvSpPr txBox="1"/>
+              <p:nvPr/>
+            </p:nvSpPr>
+            <p:spPr>
+              <a:xfrm>
+                <a:off x="2751615" y="2664395"/>
+                <a:ext cx="238848" cy="369332"/>
+              </a:xfrm>
+              <a:prstGeom prst="rect">
+                <a:avLst/>
+              </a:prstGeom>
+              <a:noFill/>
+            </p:spPr>
+            <p:txBody>
+              <a:bodyPr wrap="none" lIns="0" tIns="0" rIns="0" bIns="0" rtlCol="0">
+                <a:spAutoFit/>
+              </a:bodyPr>
+              <a:lstStyle/>
+              <a:p>
+                <a14:m>
+                  <m:oMathPara xmlns:m="http://schemas.openxmlformats.org/officeDocument/2006/math">
+                    <m:oMathParaPr>
+                      <m:jc m:val="centerGroup"/>
+                    </m:oMathParaPr>
+                    <m:oMath xmlns:m="http://schemas.openxmlformats.org/officeDocument/2006/math">
+                      <m:r>
+                        <a:rPr lang="en-US" sz="2400" b="0" i="1" smtClean="0">
+                          <a:latin typeface="Cambria Math" panose="02040503050406030204" pitchFamily="18" charset="0"/>
+                        </a:rPr>
+                        <m:t>1</m:t>
+                      </m:r>
+                    </m:oMath>
+                  </m:oMathPara>
+                </a14:m>
+                <a:endParaRPr lang="en-US" sz="3200" b="0" dirty="0"/>
+              </a:p>
+            </p:txBody>
+          </p:sp>
+        </mc:Choice>
+        <mc:Fallback>
+          <p:sp>
+            <p:nvSpPr>
+              <p:cNvPr id="30" name="TextBox 29">
+                <a:extLst>
+                  <a:ext uri="{FF2B5EF4-FFF2-40B4-BE49-F238E27FC236}">
+                    <a16:creationId xmlns:a16="http://schemas.microsoft.com/office/drawing/2014/main" id="{CD9B0336-3BCB-414B-AFE2-923E94E43A44}"/>
+                  </a:ext>
+                </a:extLst>
+              </p:cNvPr>
+              <p:cNvSpPr txBox="1">
+                <a:spLocks noRot="1" noChangeAspect="1" noMove="1" noResize="1" noEditPoints="1" noAdjustHandles="1" noChangeArrowheads="1" noChangeShapeType="1" noTextEdit="1"/>
+              </p:cNvSpPr>
+              <p:nvPr/>
+            </p:nvSpPr>
+            <p:spPr>
+              <a:xfrm>
+                <a:off x="2751615" y="2664395"/>
+                <a:ext cx="238848" cy="369332"/>
+              </a:xfrm>
+              <a:prstGeom prst="rect">
+                <a:avLst/>
+              </a:prstGeom>
+              <a:blipFill>
+                <a:blip r:embed="rId6"/>
+                <a:stretch>
+                  <a:fillRect l="-27500" r="-30000" b="-6557"/>
+                </a:stretch>
+              </a:blipFill>
+            </p:spPr>
+            <p:txBody>
+              <a:bodyPr/>
+              <a:lstStyle/>
+              <a:p>
+                <a:r>
+                  <a:rPr lang="en-US">
+                    <a:noFill/>
+                  </a:rPr>
+                  <a:t> </a:t>
+                </a:r>
+              </a:p>
+            </p:txBody>
+          </p:sp>
+        </mc:Fallback>
+      </mc:AlternateContent>
+      <mc:AlternateContent xmlns:mc="http://schemas.openxmlformats.org/markup-compatibility/2006">
+        <mc:Choice xmlns:a14="http://schemas.microsoft.com/office/drawing/2010/main" Requires="a14">
+          <p:sp>
+            <p:nvSpPr>
+              <p:cNvPr id="31" name="TextBox 30">
+                <a:extLst>
+                  <a:ext uri="{FF2B5EF4-FFF2-40B4-BE49-F238E27FC236}">
+                    <a16:creationId xmlns:a16="http://schemas.microsoft.com/office/drawing/2014/main" id="{1947EBFF-4799-488A-A34A-B880B62310A3}"/>
+                  </a:ext>
+                </a:extLst>
+              </p:cNvPr>
+              <p:cNvSpPr txBox="1"/>
+              <p:nvPr/>
+            </p:nvSpPr>
+            <p:spPr>
+              <a:xfrm>
+                <a:off x="4292510" y="1390645"/>
+                <a:ext cx="319383" cy="492443"/>
+              </a:xfrm>
+              <a:prstGeom prst="rect">
+                <a:avLst/>
+              </a:prstGeom>
+              <a:noFill/>
+            </p:spPr>
+            <p:txBody>
+              <a:bodyPr wrap="none" lIns="0" tIns="0" rIns="0" bIns="0" rtlCol="0">
+                <a:spAutoFit/>
+              </a:bodyPr>
+              <a:lstStyle/>
+              <a:p>
+                <a14:m>
+                  <m:oMathPara xmlns:m="http://schemas.openxmlformats.org/officeDocument/2006/math">
+                    <m:oMathParaPr>
+                      <m:jc m:val="centerGroup"/>
+                    </m:oMathParaPr>
+                    <m:oMath xmlns:m="http://schemas.openxmlformats.org/officeDocument/2006/math">
+                      <m:r>
+                        <a:rPr lang="en-US" sz="3200" b="0" i="1" smtClean="0">
+                          <a:latin typeface="Cambria Math" panose="02040503050406030204" pitchFamily="18" charset="0"/>
+                        </a:rPr>
+                        <m:t>𝐿</m:t>
+                      </m:r>
+                    </m:oMath>
+                  </m:oMathPara>
+                </a14:m>
+                <a:endParaRPr lang="en-US" sz="3200" b="0" dirty="0"/>
+              </a:p>
+            </p:txBody>
+          </p:sp>
+        </mc:Choice>
+        <mc:Fallback>
+          <p:sp>
+            <p:nvSpPr>
+              <p:cNvPr id="31" name="TextBox 30">
+                <a:extLst>
+                  <a:ext uri="{FF2B5EF4-FFF2-40B4-BE49-F238E27FC236}">
+                    <a16:creationId xmlns:a16="http://schemas.microsoft.com/office/drawing/2014/main" id="{1947EBFF-4799-488A-A34A-B880B62310A3}"/>
+                  </a:ext>
+                </a:extLst>
+              </p:cNvPr>
+              <p:cNvSpPr txBox="1">
+                <a:spLocks noRot="1" noChangeAspect="1" noMove="1" noResize="1" noEditPoints="1" noAdjustHandles="1" noChangeArrowheads="1" noChangeShapeType="1" noTextEdit="1"/>
+              </p:cNvSpPr>
+              <p:nvPr/>
+            </p:nvSpPr>
+            <p:spPr>
+              <a:xfrm>
+                <a:off x="4292510" y="1390645"/>
+                <a:ext cx="319383" cy="492443"/>
+              </a:xfrm>
+              <a:prstGeom prst="rect">
+                <a:avLst/>
+              </a:prstGeom>
+              <a:blipFill>
+                <a:blip r:embed="rId7"/>
+                <a:stretch>
+                  <a:fillRect/>
+                </a:stretch>
+              </a:blipFill>
+            </p:spPr>
+            <p:txBody>
+              <a:bodyPr/>
+              <a:lstStyle/>
+              <a:p>
+                <a:r>
+                  <a:rPr lang="en-US">
+                    <a:noFill/>
+                  </a:rPr>
+                  <a:t> </a:t>
+                </a:r>
+              </a:p>
+            </p:txBody>
+          </p:sp>
+        </mc:Fallback>
+      </mc:AlternateContent>
+      <p:sp>
+        <p:nvSpPr>
+          <p:cNvPr id="32" name="TextBox 31">
+            <a:extLst>
+              <a:ext uri="{FF2B5EF4-FFF2-40B4-BE49-F238E27FC236}">
+                <a16:creationId xmlns:a16="http://schemas.microsoft.com/office/drawing/2014/main" id="{91CDC722-06DB-4200-AADF-D3F63FB3F85C}"/>
+              </a:ext>
+            </a:extLst>
+          </p:cNvPr>
+          <p:cNvSpPr txBox="1"/>
+          <p:nvPr/>
+        </p:nvSpPr>
+        <p:spPr>
+          <a:xfrm>
+            <a:off x="5411591" y="4486640"/>
+            <a:ext cx="1164421" cy="369332"/>
+          </a:xfrm>
+          <a:prstGeom prst="rect">
+            <a:avLst/>
+          </a:prstGeom>
+        </p:spPr>
+        <p:style>
+          <a:lnRef idx="0">
+            <a:schemeClr val="accent6"/>
+          </a:lnRef>
+          <a:fillRef idx="3">
+            <a:schemeClr val="accent6"/>
+          </a:fillRef>
+          <a:effectRef idx="3">
+            <a:schemeClr val="accent6"/>
+          </a:effectRef>
+          <a:fontRef idx="minor">
+            <a:schemeClr val="lt1"/>
+          </a:fontRef>
+        </p:style>
+        <p:txBody>
+          <a:bodyPr wrap="none" rtlCol="0">
+            <a:spAutoFit/>
+          </a:bodyPr>
+          <a:lstStyle/>
+          <a:p>
+            <a:r>
+              <a:rPr lang="en-US" dirty="0">
+                <a:latin typeface="+mj-lt"/>
+              </a:rPr>
+              <a:t>mpi_bcast</a:t>
+            </a:r>
+          </a:p>
+        </p:txBody>
+      </p:sp>
+      <p:sp>
+        <p:nvSpPr>
+          <p:cNvPr id="33" name="TextBox 32">
+            <a:extLst>
+              <a:ext uri="{FF2B5EF4-FFF2-40B4-BE49-F238E27FC236}">
+                <a16:creationId xmlns:a16="http://schemas.microsoft.com/office/drawing/2014/main" id="{EDEFC337-4247-48A4-86A9-43A4C72942DC}"/>
+              </a:ext>
+            </a:extLst>
+          </p:cNvPr>
+          <p:cNvSpPr txBox="1"/>
+          <p:nvPr/>
+        </p:nvSpPr>
+        <p:spPr>
+          <a:xfrm>
+            <a:off x="5470260" y="1751912"/>
+            <a:ext cx="1047082" cy="369332"/>
+          </a:xfrm>
+          <a:prstGeom prst="rect">
+            <a:avLst/>
+          </a:prstGeom>
+        </p:spPr>
+        <p:style>
+          <a:lnRef idx="0">
+            <a:schemeClr val="accent1"/>
+          </a:lnRef>
+          <a:fillRef idx="3">
+            <a:schemeClr val="accent1"/>
+          </a:fillRef>
+          <a:effectRef idx="3">
+            <a:schemeClr val="accent1"/>
+          </a:effectRef>
+          <a:fontRef idx="minor">
+            <a:schemeClr val="lt1"/>
+          </a:fontRef>
+        </p:style>
+        <p:txBody>
+          <a:bodyPr wrap="none" rtlCol="0">
+            <a:spAutoFit/>
+          </a:bodyPr>
+          <a:lstStyle/>
+          <a:p>
+            <a:r>
+              <a:rPr lang="en-US" dirty="0">
+                <a:latin typeface="+mj-lt"/>
+              </a:rPr>
+              <a:t>mpi_sum</a:t>
+            </a:r>
+          </a:p>
+        </p:txBody>
+      </p:sp>
+      <p:sp>
+        <p:nvSpPr>
+          <p:cNvPr id="34" name="Oval 33">
+            <a:extLst>
+              <a:ext uri="{FF2B5EF4-FFF2-40B4-BE49-F238E27FC236}">
+                <a16:creationId xmlns:a16="http://schemas.microsoft.com/office/drawing/2014/main" id="{D0AF9414-D583-473F-948C-2749CB350620}"/>
+              </a:ext>
+            </a:extLst>
+          </p:cNvPr>
+          <p:cNvSpPr/>
+          <p:nvPr/>
+        </p:nvSpPr>
+        <p:spPr>
+          <a:xfrm>
+            <a:off x="2600918" y="3565523"/>
+            <a:ext cx="540242" cy="540242"/>
+          </a:xfrm>
+          <a:prstGeom prst="ellipse">
+            <a:avLst/>
+          </a:prstGeom>
+          <a:solidFill>
+            <a:srgbClr val="FFC000"/>
+          </a:solidFill>
+          <a:ln w="57150">
+            <a:solidFill>
+              <a:schemeClr val="accent2">
+                <a:lumMod val="75000"/>
+              </a:schemeClr>
+            </a:solidFill>
+          </a:ln>
+        </p:spPr>
+        <p:style>
+          <a:lnRef idx="2">
+            <a:schemeClr val="accent1">
+              <a:shade val="50000"/>
+            </a:schemeClr>
+          </a:lnRef>
+          <a:fillRef idx="1">
+            <a:schemeClr val="accent1"/>
+          </a:fillRef>
+          <a:effectRef idx="0">
+            <a:schemeClr val="accent1"/>
+          </a:effectRef>
+          <a:fontRef idx="minor">
+            <a:schemeClr val="lt1"/>
+          </a:fontRef>
+        </p:style>
+        <p:txBody>
+          <a:bodyPr rtlCol="0" anchor="ctr"/>
+          <a:lstStyle/>
+          <a:p>
+            <a:pPr algn="ctr"/>
+            <a:endParaRPr lang="en-US" dirty="0"/>
+          </a:p>
+        </p:txBody>
+      </p:sp>
+      <p:sp>
+        <p:nvSpPr>
+          <p:cNvPr id="35" name="Oval 34">
+            <a:extLst>
+              <a:ext uri="{FF2B5EF4-FFF2-40B4-BE49-F238E27FC236}">
+                <a16:creationId xmlns:a16="http://schemas.microsoft.com/office/drawing/2014/main" id="{7204AFCC-EB4E-4380-92FD-9EBF776C30A3}"/>
+              </a:ext>
+            </a:extLst>
+          </p:cNvPr>
+          <p:cNvSpPr/>
+          <p:nvPr/>
+        </p:nvSpPr>
+        <p:spPr>
+          <a:xfrm>
+            <a:off x="3641839" y="3565523"/>
+            <a:ext cx="540242" cy="540242"/>
+          </a:xfrm>
+          <a:prstGeom prst="ellipse">
+            <a:avLst/>
+          </a:prstGeom>
+          <a:solidFill>
+            <a:srgbClr val="FFC000"/>
+          </a:solidFill>
+          <a:ln w="57150">
+            <a:solidFill>
+              <a:schemeClr val="accent2">
+                <a:lumMod val="75000"/>
+              </a:schemeClr>
+            </a:solidFill>
+          </a:ln>
+        </p:spPr>
+        <p:style>
+          <a:lnRef idx="2">
+            <a:schemeClr val="accent1">
+              <a:shade val="50000"/>
+            </a:schemeClr>
+          </a:lnRef>
+          <a:fillRef idx="1">
+            <a:schemeClr val="accent1"/>
+          </a:fillRef>
+          <a:effectRef idx="0">
+            <a:schemeClr val="accent1"/>
+          </a:effectRef>
+          <a:fontRef idx="minor">
+            <a:schemeClr val="lt1"/>
+          </a:fontRef>
+        </p:style>
+        <p:txBody>
+          <a:bodyPr rtlCol="0" anchor="ctr"/>
+          <a:lstStyle/>
+          <a:p>
+            <a:pPr algn="ctr"/>
+            <a:endParaRPr lang="en-US" dirty="0"/>
+          </a:p>
+        </p:txBody>
+      </p:sp>
+      <p:sp>
+        <p:nvSpPr>
+          <p:cNvPr id="36" name="Oval 35">
+            <a:extLst>
+              <a:ext uri="{FF2B5EF4-FFF2-40B4-BE49-F238E27FC236}">
+                <a16:creationId xmlns:a16="http://schemas.microsoft.com/office/drawing/2014/main" id="{4D0583B1-B0D6-42C7-BBC6-695D53B0ACB9}"/>
+              </a:ext>
+            </a:extLst>
+          </p:cNvPr>
+          <p:cNvSpPr/>
+          <p:nvPr/>
+        </p:nvSpPr>
+        <p:spPr>
+          <a:xfrm>
+            <a:off x="4682760" y="3565523"/>
+            <a:ext cx="540242" cy="540242"/>
+          </a:xfrm>
+          <a:prstGeom prst="ellipse">
+            <a:avLst/>
+          </a:prstGeom>
+          <a:solidFill>
+            <a:srgbClr val="FFC000"/>
+          </a:solidFill>
+          <a:ln w="57150">
+            <a:solidFill>
+              <a:schemeClr val="accent2">
+                <a:lumMod val="75000"/>
+              </a:schemeClr>
+            </a:solidFill>
+          </a:ln>
+        </p:spPr>
+        <p:style>
+          <a:lnRef idx="2">
+            <a:schemeClr val="accent1">
+              <a:shade val="50000"/>
+            </a:schemeClr>
+          </a:lnRef>
+          <a:fillRef idx="1">
+            <a:schemeClr val="accent1"/>
+          </a:fillRef>
+          <a:effectRef idx="0">
+            <a:schemeClr val="accent1"/>
+          </a:effectRef>
+          <a:fontRef idx="minor">
+            <a:schemeClr val="lt1"/>
+          </a:fontRef>
+        </p:style>
+        <p:txBody>
+          <a:bodyPr rtlCol="0" anchor="ctr"/>
+          <a:lstStyle/>
+          <a:p>
+            <a:pPr algn="ctr"/>
+            <a:endParaRPr lang="en-US" dirty="0"/>
+          </a:p>
+        </p:txBody>
+      </p:sp>
+      <p:sp>
+        <p:nvSpPr>
+          <p:cNvPr id="37" name="Oval 36">
+            <a:extLst>
+              <a:ext uri="{FF2B5EF4-FFF2-40B4-BE49-F238E27FC236}">
+                <a16:creationId xmlns:a16="http://schemas.microsoft.com/office/drawing/2014/main" id="{E6FA5E13-22A6-43AF-878F-D8686276DFDA}"/>
+              </a:ext>
+            </a:extLst>
+          </p:cNvPr>
+          <p:cNvSpPr/>
+          <p:nvPr/>
+        </p:nvSpPr>
+        <p:spPr>
+          <a:xfrm>
+            <a:off x="5723681" y="3565523"/>
+            <a:ext cx="540242" cy="540242"/>
+          </a:xfrm>
+          <a:prstGeom prst="ellipse">
+            <a:avLst/>
+          </a:prstGeom>
+          <a:solidFill>
+            <a:srgbClr val="FFC000"/>
+          </a:solidFill>
+          <a:ln w="57150">
+            <a:solidFill>
+              <a:schemeClr val="accent2">
+                <a:lumMod val="75000"/>
+              </a:schemeClr>
+            </a:solidFill>
+          </a:ln>
+        </p:spPr>
+        <p:style>
+          <a:lnRef idx="2">
+            <a:schemeClr val="accent1">
+              <a:shade val="50000"/>
+            </a:schemeClr>
+          </a:lnRef>
+          <a:fillRef idx="1">
+            <a:schemeClr val="accent1"/>
+          </a:fillRef>
+          <a:effectRef idx="0">
+            <a:schemeClr val="accent1"/>
+          </a:effectRef>
+          <a:fontRef idx="minor">
+            <a:schemeClr val="lt1"/>
+          </a:fontRef>
+        </p:style>
+        <p:txBody>
+          <a:bodyPr rtlCol="0" anchor="ctr"/>
+          <a:lstStyle/>
+          <a:p>
+            <a:pPr algn="ctr"/>
+            <a:endParaRPr lang="en-US" dirty="0"/>
+          </a:p>
+        </p:txBody>
+      </p:sp>
+      <mc:AlternateContent xmlns:mc="http://schemas.openxmlformats.org/markup-compatibility/2006">
+        <mc:Choice xmlns:a14="http://schemas.microsoft.com/office/drawing/2010/main" Requires="a14">
+          <p:sp>
+            <p:nvSpPr>
+              <p:cNvPr id="38" name="TextBox 37">
+                <a:extLst>
+                  <a:ext uri="{FF2B5EF4-FFF2-40B4-BE49-F238E27FC236}">
+                    <a16:creationId xmlns:a16="http://schemas.microsoft.com/office/drawing/2014/main" id="{3815870E-A316-4CD8-863A-F4D57554BD90}"/>
+                  </a:ext>
+                </a:extLst>
+              </p:cNvPr>
+              <p:cNvSpPr txBox="1"/>
+              <p:nvPr/>
+            </p:nvSpPr>
+            <p:spPr>
+              <a:xfrm>
+                <a:off x="3788322" y="3651149"/>
+                <a:ext cx="251094" cy="369332"/>
+              </a:xfrm>
+              <a:prstGeom prst="rect">
+                <a:avLst/>
+              </a:prstGeom>
+              <a:noFill/>
+            </p:spPr>
+            <p:txBody>
+              <a:bodyPr wrap="none" lIns="0" tIns="0" rIns="0" bIns="0" rtlCol="0">
+                <a:spAutoFit/>
+              </a:bodyPr>
+              <a:lstStyle/>
+              <a:p>
+                <a14:m>
+                  <m:oMathPara xmlns:m="http://schemas.openxmlformats.org/officeDocument/2006/math">
+                    <m:oMathParaPr>
+                      <m:jc m:val="centerGroup"/>
+                    </m:oMathParaPr>
+                    <m:oMath xmlns:m="http://schemas.openxmlformats.org/officeDocument/2006/math">
+                      <m:r>
+                        <a:rPr lang="en-US" sz="2400" b="0" i="1" smtClean="0">
+                          <a:latin typeface="Cambria Math" panose="02040503050406030204" pitchFamily="18" charset="0"/>
+                        </a:rPr>
+                        <m:t>𝜃</m:t>
+                      </m:r>
+                    </m:oMath>
+                  </m:oMathPara>
+                </a14:m>
+                <a:endParaRPr lang="en-US" sz="3200" b="0" dirty="0"/>
+              </a:p>
+            </p:txBody>
+          </p:sp>
+        </mc:Choice>
+        <mc:Fallback>
+          <p:sp>
+            <p:nvSpPr>
+              <p:cNvPr id="38" name="TextBox 37">
+                <a:extLst>
+                  <a:ext uri="{FF2B5EF4-FFF2-40B4-BE49-F238E27FC236}">
+                    <a16:creationId xmlns:a16="http://schemas.microsoft.com/office/drawing/2014/main" id="{3815870E-A316-4CD8-863A-F4D57554BD90}"/>
+                  </a:ext>
+                </a:extLst>
+              </p:cNvPr>
+              <p:cNvSpPr txBox="1">
+                <a:spLocks noRot="1" noChangeAspect="1" noMove="1" noResize="1" noEditPoints="1" noAdjustHandles="1" noChangeArrowheads="1" noChangeShapeType="1" noTextEdit="1"/>
+              </p:cNvSpPr>
+              <p:nvPr/>
+            </p:nvSpPr>
+            <p:spPr>
+              <a:xfrm>
+                <a:off x="3788322" y="3651149"/>
+                <a:ext cx="251094" cy="369332"/>
+              </a:xfrm>
+              <a:prstGeom prst="rect">
+                <a:avLst/>
+              </a:prstGeom>
+              <a:blipFill>
+                <a:blip r:embed="rId8"/>
+                <a:stretch>
+                  <a:fillRect l="-26190" r="-23810" b="-4918"/>
+                </a:stretch>
+              </a:blipFill>
+            </p:spPr>
+            <p:txBody>
+              <a:bodyPr/>
+              <a:lstStyle/>
+              <a:p>
+                <a:r>
+                  <a:rPr lang="en-US">
+                    <a:noFill/>
+                  </a:rPr>
+                  <a:t> </a:t>
+                </a:r>
+              </a:p>
+            </p:txBody>
+          </p:sp>
+        </mc:Fallback>
+      </mc:AlternateContent>
+      <mc:AlternateContent xmlns:mc="http://schemas.openxmlformats.org/markup-compatibility/2006">
+        <mc:Choice xmlns:a14="http://schemas.microsoft.com/office/drawing/2010/main" Requires="a14">
+          <p:sp>
+            <p:nvSpPr>
+              <p:cNvPr id="39" name="TextBox 38">
+                <a:extLst>
+                  <a:ext uri="{FF2B5EF4-FFF2-40B4-BE49-F238E27FC236}">
+                    <a16:creationId xmlns:a16="http://schemas.microsoft.com/office/drawing/2014/main" id="{3D5E7FD8-16AA-4516-A4FC-E4D0B1A7FEFF}"/>
+                  </a:ext>
+                </a:extLst>
+              </p:cNvPr>
+              <p:cNvSpPr txBox="1"/>
+              <p:nvPr/>
+            </p:nvSpPr>
+            <p:spPr>
+              <a:xfrm>
+                <a:off x="4822028" y="3650978"/>
+                <a:ext cx="251094" cy="369332"/>
+              </a:xfrm>
+              <a:prstGeom prst="rect">
+                <a:avLst/>
+              </a:prstGeom>
+              <a:noFill/>
+            </p:spPr>
+            <p:txBody>
+              <a:bodyPr wrap="none" lIns="0" tIns="0" rIns="0" bIns="0" rtlCol="0">
+                <a:spAutoFit/>
+              </a:bodyPr>
+              <a:lstStyle/>
+              <a:p>
+                <a14:m>
+                  <m:oMathPara xmlns:m="http://schemas.openxmlformats.org/officeDocument/2006/math">
+                    <m:oMathParaPr>
+                      <m:jc m:val="centerGroup"/>
+                    </m:oMathParaPr>
+                    <m:oMath xmlns:m="http://schemas.openxmlformats.org/officeDocument/2006/math">
+                      <m:r>
+                        <a:rPr lang="en-US" sz="2400" b="0" i="1" smtClean="0">
+                          <a:latin typeface="Cambria Math" panose="02040503050406030204" pitchFamily="18" charset="0"/>
+                        </a:rPr>
+                        <m:t>𝜃</m:t>
+                      </m:r>
+                    </m:oMath>
+                  </m:oMathPara>
+                </a14:m>
+                <a:endParaRPr lang="en-US" sz="3200" b="0" dirty="0"/>
+              </a:p>
+            </p:txBody>
+          </p:sp>
+        </mc:Choice>
+        <mc:Fallback>
+          <p:sp>
+            <p:nvSpPr>
+              <p:cNvPr id="39" name="TextBox 38">
+                <a:extLst>
+                  <a:ext uri="{FF2B5EF4-FFF2-40B4-BE49-F238E27FC236}">
+                    <a16:creationId xmlns:a16="http://schemas.microsoft.com/office/drawing/2014/main" id="{3D5E7FD8-16AA-4516-A4FC-E4D0B1A7FEFF}"/>
+                  </a:ext>
+                </a:extLst>
+              </p:cNvPr>
+              <p:cNvSpPr txBox="1">
+                <a:spLocks noRot="1" noChangeAspect="1" noMove="1" noResize="1" noEditPoints="1" noAdjustHandles="1" noChangeArrowheads="1" noChangeShapeType="1" noTextEdit="1"/>
+              </p:cNvSpPr>
+              <p:nvPr/>
+            </p:nvSpPr>
+            <p:spPr>
+              <a:xfrm>
+                <a:off x="4822028" y="3650978"/>
+                <a:ext cx="251094" cy="369332"/>
+              </a:xfrm>
+              <a:prstGeom prst="rect">
+                <a:avLst/>
+              </a:prstGeom>
+              <a:blipFill>
+                <a:blip r:embed="rId9"/>
+                <a:stretch>
+                  <a:fillRect l="-26829" r="-26829" b="-6667"/>
+                </a:stretch>
+              </a:blipFill>
+            </p:spPr>
+            <p:txBody>
+              <a:bodyPr/>
+              <a:lstStyle/>
+              <a:p>
+                <a:r>
+                  <a:rPr lang="en-US">
+                    <a:noFill/>
+                  </a:rPr>
+                  <a:t> </a:t>
+                </a:r>
+              </a:p>
+            </p:txBody>
+          </p:sp>
+        </mc:Fallback>
+      </mc:AlternateContent>
+      <mc:AlternateContent xmlns:mc="http://schemas.openxmlformats.org/markup-compatibility/2006">
+        <mc:Choice xmlns:a14="http://schemas.microsoft.com/office/drawing/2010/main" Requires="a14">
+          <p:sp>
+            <p:nvSpPr>
+              <p:cNvPr id="40" name="TextBox 39">
+                <a:extLst>
+                  <a:ext uri="{FF2B5EF4-FFF2-40B4-BE49-F238E27FC236}">
+                    <a16:creationId xmlns:a16="http://schemas.microsoft.com/office/drawing/2014/main" id="{F4BE7746-5341-41EE-817D-AFB1AF9EFEF5}"/>
+                  </a:ext>
+                </a:extLst>
+              </p:cNvPr>
+              <p:cNvSpPr txBox="1"/>
+              <p:nvPr/>
+            </p:nvSpPr>
+            <p:spPr>
+              <a:xfrm>
+                <a:off x="5854321" y="3657185"/>
+                <a:ext cx="251094" cy="369332"/>
+              </a:xfrm>
+              <a:prstGeom prst="rect">
+                <a:avLst/>
+              </a:prstGeom>
+              <a:noFill/>
+            </p:spPr>
+            <p:txBody>
+              <a:bodyPr wrap="none" lIns="0" tIns="0" rIns="0" bIns="0" rtlCol="0">
+                <a:spAutoFit/>
+              </a:bodyPr>
+              <a:lstStyle/>
+              <a:p>
+                <a14:m>
+                  <m:oMathPara xmlns:m="http://schemas.openxmlformats.org/officeDocument/2006/math">
+                    <m:oMathParaPr>
+                      <m:jc m:val="centerGroup"/>
+                    </m:oMathParaPr>
+                    <m:oMath xmlns:m="http://schemas.openxmlformats.org/officeDocument/2006/math">
+                      <m:r>
+                        <a:rPr lang="en-US" sz="2400" b="0" i="1" smtClean="0">
+                          <a:latin typeface="Cambria Math" panose="02040503050406030204" pitchFamily="18" charset="0"/>
+                        </a:rPr>
+                        <m:t>𝜃</m:t>
+                      </m:r>
+                    </m:oMath>
+                  </m:oMathPara>
+                </a14:m>
+                <a:endParaRPr lang="en-US" sz="3200" b="0" dirty="0"/>
+              </a:p>
+            </p:txBody>
+          </p:sp>
+        </mc:Choice>
+        <mc:Fallback>
+          <p:sp>
+            <p:nvSpPr>
+              <p:cNvPr id="40" name="TextBox 39">
+                <a:extLst>
+                  <a:ext uri="{FF2B5EF4-FFF2-40B4-BE49-F238E27FC236}">
+                    <a16:creationId xmlns:a16="http://schemas.microsoft.com/office/drawing/2014/main" id="{F4BE7746-5341-41EE-817D-AFB1AF9EFEF5}"/>
+                  </a:ext>
+                </a:extLst>
+              </p:cNvPr>
+              <p:cNvSpPr txBox="1">
+                <a:spLocks noRot="1" noChangeAspect="1" noMove="1" noResize="1" noEditPoints="1" noAdjustHandles="1" noChangeArrowheads="1" noChangeShapeType="1" noTextEdit="1"/>
+              </p:cNvSpPr>
+              <p:nvPr/>
+            </p:nvSpPr>
+            <p:spPr>
+              <a:xfrm>
+                <a:off x="5854321" y="3657185"/>
+                <a:ext cx="251094" cy="369332"/>
+              </a:xfrm>
+              <a:prstGeom prst="rect">
+                <a:avLst/>
+              </a:prstGeom>
+              <a:blipFill>
+                <a:blip r:embed="rId10"/>
+                <a:stretch>
+                  <a:fillRect l="-26190" r="-23810" b="-4918"/>
+                </a:stretch>
+              </a:blipFill>
+            </p:spPr>
+            <p:txBody>
+              <a:bodyPr/>
+              <a:lstStyle/>
+              <a:p>
+                <a:r>
+                  <a:rPr lang="en-US">
+                    <a:noFill/>
+                  </a:rPr>
+                  <a:t> </a:t>
+                </a:r>
+              </a:p>
+            </p:txBody>
+          </p:sp>
+        </mc:Fallback>
+      </mc:AlternateContent>
+      <mc:AlternateContent xmlns:mc="http://schemas.openxmlformats.org/markup-compatibility/2006">
+        <mc:Choice xmlns:a14="http://schemas.microsoft.com/office/drawing/2010/main" Requires="a14">
+          <p:sp>
+            <p:nvSpPr>
+              <p:cNvPr id="41" name="TextBox 40">
+                <a:extLst>
+                  <a:ext uri="{FF2B5EF4-FFF2-40B4-BE49-F238E27FC236}">
+                    <a16:creationId xmlns:a16="http://schemas.microsoft.com/office/drawing/2014/main" id="{BC3FE5FD-FBF4-4982-B963-8ED3D8140A71}"/>
+                  </a:ext>
+                </a:extLst>
+              </p:cNvPr>
+              <p:cNvSpPr txBox="1"/>
+              <p:nvPr/>
+            </p:nvSpPr>
+            <p:spPr>
+              <a:xfrm>
+                <a:off x="2751615" y="3640382"/>
+                <a:ext cx="251094" cy="369332"/>
+              </a:xfrm>
+              <a:prstGeom prst="rect">
+                <a:avLst/>
+              </a:prstGeom>
+              <a:noFill/>
+            </p:spPr>
+            <p:txBody>
+              <a:bodyPr wrap="none" lIns="0" tIns="0" rIns="0" bIns="0" rtlCol="0">
+                <a:spAutoFit/>
+              </a:bodyPr>
+              <a:lstStyle/>
+              <a:p>
+                <a14:m>
+                  <m:oMathPara xmlns:m="http://schemas.openxmlformats.org/officeDocument/2006/math">
+                    <m:oMathParaPr>
+                      <m:jc m:val="centerGroup"/>
+                    </m:oMathParaPr>
+                    <m:oMath xmlns:m="http://schemas.openxmlformats.org/officeDocument/2006/math">
+                      <m:r>
+                        <a:rPr lang="en-US" sz="2400" b="0" i="1" smtClean="0">
+                          <a:latin typeface="Cambria Math" panose="02040503050406030204" pitchFamily="18" charset="0"/>
+                        </a:rPr>
+                        <m:t>𝜃</m:t>
+                      </m:r>
+                    </m:oMath>
+                  </m:oMathPara>
+                </a14:m>
+                <a:endParaRPr lang="en-US" sz="3200" b="0" dirty="0"/>
+              </a:p>
+            </p:txBody>
+          </p:sp>
+        </mc:Choice>
+        <mc:Fallback>
+          <p:sp>
+            <p:nvSpPr>
+              <p:cNvPr id="41" name="TextBox 40">
+                <a:extLst>
+                  <a:ext uri="{FF2B5EF4-FFF2-40B4-BE49-F238E27FC236}">
+                    <a16:creationId xmlns:a16="http://schemas.microsoft.com/office/drawing/2014/main" id="{BC3FE5FD-FBF4-4982-B963-8ED3D8140A71}"/>
+                  </a:ext>
+                </a:extLst>
+              </p:cNvPr>
+              <p:cNvSpPr txBox="1">
+                <a:spLocks noRot="1" noChangeAspect="1" noMove="1" noResize="1" noEditPoints="1" noAdjustHandles="1" noChangeArrowheads="1" noChangeShapeType="1" noTextEdit="1"/>
+              </p:cNvSpPr>
+              <p:nvPr/>
+            </p:nvSpPr>
+            <p:spPr>
+              <a:xfrm>
+                <a:off x="2751615" y="3640382"/>
+                <a:ext cx="251094" cy="369332"/>
+              </a:xfrm>
+              <a:prstGeom prst="rect">
+                <a:avLst/>
+              </a:prstGeom>
+              <a:blipFill>
+                <a:blip r:embed="rId11"/>
+                <a:stretch>
+                  <a:fillRect l="-26190" r="-23810" b="-6557"/>
+                </a:stretch>
+              </a:blipFill>
+            </p:spPr>
+            <p:txBody>
+              <a:bodyPr/>
+              <a:lstStyle/>
+              <a:p>
+                <a:r>
+                  <a:rPr lang="en-US">
+                    <a:noFill/>
+                  </a:rPr>
+                  <a:t> </a:t>
+                </a:r>
+              </a:p>
+            </p:txBody>
+          </p:sp>
+        </mc:Fallback>
+      </mc:AlternateContent>
+      <p:cxnSp>
+        <p:nvCxnSpPr>
+          <p:cNvPr id="43" name="Straight Arrow Connector 42">
+            <a:extLst>
+              <a:ext uri="{FF2B5EF4-FFF2-40B4-BE49-F238E27FC236}">
+                <a16:creationId xmlns:a16="http://schemas.microsoft.com/office/drawing/2014/main" id="{D91B7A8C-A13D-4930-94AB-328F8A12247D}"/>
+              </a:ext>
+            </a:extLst>
+          </p:cNvPr>
+          <p:cNvCxnSpPr>
+            <a:stCxn id="34" idx="0"/>
+            <a:endCxn id="4" idx="4"/>
+          </p:cNvCxnSpPr>
+          <p:nvPr/>
+        </p:nvCxnSpPr>
+        <p:spPr>
+          <a:xfrm flipV="1">
+            <a:off x="2871039" y="3129778"/>
+            <a:ext cx="0" cy="435745"/>
+          </a:xfrm>
+          <a:prstGeom prst="straightConnector1">
+            <a:avLst/>
+          </a:prstGeom>
+          <a:ln w="38100">
+            <a:tailEnd type="triangle"/>
+          </a:ln>
+        </p:spPr>
+        <p:style>
+          <a:lnRef idx="1">
+            <a:schemeClr val="accent1"/>
+          </a:lnRef>
+          <a:fillRef idx="0">
+            <a:schemeClr val="accent1"/>
+          </a:fillRef>
+          <a:effectRef idx="0">
+            <a:schemeClr val="accent1"/>
+          </a:effectRef>
+          <a:fontRef idx="minor">
+            <a:schemeClr val="tx1"/>
+          </a:fontRef>
+        </p:style>
+      </p:cxnSp>
+      <p:cxnSp>
+        <p:nvCxnSpPr>
+          <p:cNvPr id="45" name="Straight Arrow Connector 44">
+            <a:extLst>
+              <a:ext uri="{FF2B5EF4-FFF2-40B4-BE49-F238E27FC236}">
+                <a16:creationId xmlns:a16="http://schemas.microsoft.com/office/drawing/2014/main" id="{4AC4CC8F-1A88-4B2B-90AC-0A4CF00B0D3D}"/>
+              </a:ext>
+            </a:extLst>
+          </p:cNvPr>
+          <p:cNvCxnSpPr>
+            <a:stCxn id="35" idx="0"/>
+            <a:endCxn id="5" idx="4"/>
+          </p:cNvCxnSpPr>
+          <p:nvPr/>
+        </p:nvCxnSpPr>
+        <p:spPr>
+          <a:xfrm flipV="1">
+            <a:off x="3911960" y="3129778"/>
+            <a:ext cx="0" cy="435745"/>
+          </a:xfrm>
+          <a:prstGeom prst="straightConnector1">
+            <a:avLst/>
+          </a:prstGeom>
+          <a:ln w="38100">
+            <a:tailEnd type="triangle"/>
+          </a:ln>
+        </p:spPr>
+        <p:style>
+          <a:lnRef idx="1">
+            <a:schemeClr val="accent1"/>
+          </a:lnRef>
+          <a:fillRef idx="0">
+            <a:schemeClr val="accent1"/>
+          </a:fillRef>
+          <a:effectRef idx="0">
+            <a:schemeClr val="accent1"/>
+          </a:effectRef>
+          <a:fontRef idx="minor">
+            <a:schemeClr val="tx1"/>
+          </a:fontRef>
+        </p:style>
+      </p:cxnSp>
+      <p:cxnSp>
+        <p:nvCxnSpPr>
+          <p:cNvPr id="47" name="Straight Arrow Connector 46">
+            <a:extLst>
+              <a:ext uri="{FF2B5EF4-FFF2-40B4-BE49-F238E27FC236}">
+                <a16:creationId xmlns:a16="http://schemas.microsoft.com/office/drawing/2014/main" id="{495E438C-7F7C-41A0-B202-5232E8FBEC3B}"/>
+              </a:ext>
+            </a:extLst>
+          </p:cNvPr>
+          <p:cNvCxnSpPr>
+            <a:stCxn id="36" idx="0"/>
+            <a:endCxn id="6" idx="4"/>
+          </p:cNvCxnSpPr>
+          <p:nvPr/>
+        </p:nvCxnSpPr>
+        <p:spPr>
+          <a:xfrm flipV="1">
+            <a:off x="4952881" y="3129778"/>
+            <a:ext cx="0" cy="435745"/>
+          </a:xfrm>
+          <a:prstGeom prst="straightConnector1">
+            <a:avLst/>
+          </a:prstGeom>
+          <a:ln w="38100">
+            <a:tailEnd type="triangle"/>
+          </a:ln>
+        </p:spPr>
+        <p:style>
+          <a:lnRef idx="1">
+            <a:schemeClr val="accent1"/>
+          </a:lnRef>
+          <a:fillRef idx="0">
+            <a:schemeClr val="accent1"/>
+          </a:fillRef>
+          <a:effectRef idx="0">
+            <a:schemeClr val="accent1"/>
+          </a:effectRef>
+          <a:fontRef idx="minor">
+            <a:schemeClr val="tx1"/>
+          </a:fontRef>
+        </p:style>
+      </p:cxnSp>
+      <p:cxnSp>
+        <p:nvCxnSpPr>
+          <p:cNvPr id="49" name="Straight Arrow Connector 48">
+            <a:extLst>
+              <a:ext uri="{FF2B5EF4-FFF2-40B4-BE49-F238E27FC236}">
+                <a16:creationId xmlns:a16="http://schemas.microsoft.com/office/drawing/2014/main" id="{15954B38-09D5-4340-AB64-C96B1A4A0BC3}"/>
+              </a:ext>
+            </a:extLst>
+          </p:cNvPr>
+          <p:cNvCxnSpPr>
+            <a:stCxn id="37" idx="0"/>
+            <a:endCxn id="7" idx="4"/>
+          </p:cNvCxnSpPr>
+          <p:nvPr/>
+        </p:nvCxnSpPr>
+        <p:spPr>
+          <a:xfrm flipV="1">
+            <a:off x="5993802" y="3129778"/>
+            <a:ext cx="0" cy="435745"/>
+          </a:xfrm>
+          <a:prstGeom prst="straightConnector1">
+            <a:avLst/>
+          </a:prstGeom>
+          <a:ln w="38100">
+            <a:tailEnd type="triangle"/>
+          </a:ln>
+        </p:spPr>
+        <p:style>
+          <a:lnRef idx="1">
+            <a:schemeClr val="accent1"/>
+          </a:lnRef>
+          <a:fillRef idx="0">
+            <a:schemeClr val="accent1"/>
+          </a:fillRef>
+          <a:effectRef idx="0">
+            <a:schemeClr val="accent1"/>
+          </a:effectRef>
+          <a:fontRef idx="minor">
+            <a:schemeClr val="tx1"/>
+          </a:fontRef>
+        </p:style>
+      </p:cxnSp>
+      <p:sp>
+        <p:nvSpPr>
+          <p:cNvPr id="50" name="TextBox 49">
+            <a:extLst>
+              <a:ext uri="{FF2B5EF4-FFF2-40B4-BE49-F238E27FC236}">
+                <a16:creationId xmlns:a16="http://schemas.microsoft.com/office/drawing/2014/main" id="{D44FD273-4718-4E1A-B14A-AD444AADA996}"/>
+              </a:ext>
+            </a:extLst>
+          </p:cNvPr>
+          <p:cNvSpPr txBox="1"/>
+          <p:nvPr/>
+        </p:nvSpPr>
+        <p:spPr>
+          <a:xfrm>
+            <a:off x="6722632" y="3129778"/>
+            <a:ext cx="1922449" cy="369332"/>
+          </a:xfrm>
+          <a:prstGeom prst="rect">
+            <a:avLst/>
+          </a:prstGeom>
+        </p:spPr>
+        <p:style>
+          <a:lnRef idx="0">
+            <a:schemeClr val="accent2"/>
+          </a:lnRef>
+          <a:fillRef idx="3">
+            <a:schemeClr val="accent2"/>
+          </a:fillRef>
+          <a:effectRef idx="3">
+            <a:schemeClr val="accent2"/>
+          </a:effectRef>
+          <a:fontRef idx="minor">
+            <a:schemeClr val="lt1"/>
+          </a:fontRef>
+        </p:style>
+        <p:txBody>
+          <a:bodyPr wrap="none" rtlCol="0">
+            <a:spAutoFit/>
+          </a:bodyPr>
+          <a:lstStyle/>
+          <a:p>
+            <a:r>
+              <a:rPr lang="en-US" dirty="0">
+                <a:latin typeface="+mj-lt"/>
+              </a:rPr>
+              <a:t>Local Computation</a:t>
+            </a:r>
+          </a:p>
+        </p:txBody>
+      </p:sp>
+    </p:spTree>
+    <p:extLst>
+      <p:ext uri="{BB962C8B-B14F-4D97-AF65-F5344CB8AC3E}">
+        <p14:creationId xmlns:p14="http://schemas.microsoft.com/office/powerpoint/2010/main" val="4168599698"/>
+      </p:ext>
+    </p:extLst>
+  </p:cSld>
+  <p:clrMapOvr>
+    <a:masterClrMapping/>
+  </p:clrMapOvr>
+</p:sld>
+</file>
+
+<file path=ppt/slides/slide6.xml><?xml version="1.0" encoding="utf-8"?>
+<p:sld xmlns:a="http://schemas.openxmlformats.org/drawingml/2006/main" xmlns:r="http://schemas.openxmlformats.org/officeDocument/2006/relationships" xmlns:p="http://schemas.openxmlformats.org/presentationml/2006/main">
+  <p:cSld>
+    <p:spTree>
+      <p:nvGrpSpPr>
+        <p:cNvPr id="1" name=""/>
+        <p:cNvGrpSpPr/>
+        <p:nvPr/>
+      </p:nvGrpSpPr>
+      <p:grpSpPr>
+        <a:xfrm>
+          <a:off x="0" y="0"/>
+          <a:ext cx="0" cy="0"/>
+          <a:chOff x="0" y="0"/>
+          <a:chExt cx="0" cy="0"/>
+        </a:xfrm>
+      </p:grpSpPr>
+      <p:sp>
+        <p:nvSpPr>
+          <p:cNvPr id="86" name="TextBox 85">
+            <a:extLst>
+              <a:ext uri="{FF2B5EF4-FFF2-40B4-BE49-F238E27FC236}">
+                <a16:creationId xmlns:a16="http://schemas.microsoft.com/office/drawing/2014/main" id="{3481AD1F-D4D5-4020-9053-6F4ACBAEDE94}"/>
+              </a:ext>
+            </a:extLst>
+          </p:cNvPr>
+          <p:cNvSpPr txBox="1"/>
+          <p:nvPr/>
+        </p:nvSpPr>
+        <p:spPr>
+          <a:xfrm>
+            <a:off x="845389" y="1043796"/>
+            <a:ext cx="3744679" cy="3416320"/>
+          </a:xfrm>
+          <a:prstGeom prst="rect">
+            <a:avLst/>
+          </a:prstGeom>
+          <a:noFill/>
+        </p:spPr>
+        <p:txBody>
+          <a:bodyPr wrap="none" rtlCol="0">
+            <a:spAutoFit/>
+          </a:bodyPr>
+          <a:lstStyle/>
+          <a:p>
+            <a:r>
+              <a:rPr lang="en-US" dirty="0">
+                <a:latin typeface="+mj-lt"/>
+              </a:rPr>
+              <a:t>for k = 1, 2, 3, …</a:t>
+            </a:r>
+          </a:p>
+          <a:p>
+            <a:r>
+              <a:rPr lang="en-US" dirty="0">
+                <a:solidFill>
+                  <a:srgbClr val="FF0000"/>
+                </a:solidFill>
+                <a:latin typeface="+mj-lt"/>
+              </a:rPr>
+              <a:t>      flag = </a:t>
+            </a:r>
+            <a:r>
+              <a:rPr lang="en-US" b="1" dirty="0">
+                <a:solidFill>
+                  <a:srgbClr val="0070C0"/>
+                </a:solidFill>
+                <a:latin typeface="+mj-lt"/>
+              </a:rPr>
+              <a:t>COMPUTE_OBJ</a:t>
+            </a:r>
+          </a:p>
+          <a:p>
+            <a:r>
+              <a:rPr lang="en-US" dirty="0">
+                <a:solidFill>
+                  <a:srgbClr val="FF0000"/>
+                </a:solidFill>
+                <a:latin typeface="+mj-lt"/>
+              </a:rPr>
+              <a:t>      </a:t>
+            </a:r>
+            <a:r>
+              <a:rPr lang="en-US" dirty="0" err="1">
+                <a:solidFill>
+                  <a:srgbClr val="FF0000"/>
+                </a:solidFill>
+                <a:latin typeface="+mj-lt"/>
+              </a:rPr>
+              <a:t>mpi_sync</a:t>
+            </a:r>
+            <a:r>
+              <a:rPr lang="en-US" dirty="0">
+                <a:solidFill>
+                  <a:srgbClr val="FF0000"/>
+                </a:solidFill>
+                <a:latin typeface="+mj-lt"/>
+              </a:rPr>
+              <a:t>!(flag)</a:t>
+            </a:r>
+          </a:p>
+          <a:p>
+            <a:r>
+              <a:rPr lang="en-US" dirty="0">
+                <a:latin typeface="+mj-lt"/>
+              </a:rPr>
+              <a:t>      f = </a:t>
+            </a:r>
+            <a:r>
+              <a:rPr lang="en-US" b="1" dirty="0" err="1">
+                <a:solidFill>
+                  <a:srgbClr val="0070C0"/>
+                </a:solidFill>
+                <a:latin typeface="+mj-lt"/>
+              </a:rPr>
+              <a:t>compute_objective_function</a:t>
+            </a:r>
+            <a:r>
+              <a:rPr lang="en-US" dirty="0">
+                <a:latin typeface="+mj-lt"/>
+              </a:rPr>
+              <a:t>(x)</a:t>
+            </a:r>
+          </a:p>
+          <a:p>
+            <a:r>
+              <a:rPr lang="en-US" dirty="0">
+                <a:latin typeface="+mj-lt"/>
+              </a:rPr>
+              <a:t>      …</a:t>
+            </a:r>
+          </a:p>
+          <a:p>
+            <a:r>
+              <a:rPr lang="en-US" dirty="0">
+                <a:latin typeface="+mj-lt"/>
+              </a:rPr>
+              <a:t>      </a:t>
+            </a:r>
+            <a:r>
+              <a:rPr lang="en-US" dirty="0">
+                <a:solidFill>
+                  <a:srgbClr val="FF0000"/>
+                </a:solidFill>
+                <a:latin typeface="+mj-lt"/>
+              </a:rPr>
+              <a:t>flag = </a:t>
+            </a:r>
+            <a:r>
+              <a:rPr lang="en-US" b="1" dirty="0">
+                <a:solidFill>
+                  <a:srgbClr val="00B050"/>
+                </a:solidFill>
+                <a:latin typeface="+mj-lt"/>
+              </a:rPr>
+              <a:t>COMPUTE_GRAD</a:t>
+            </a:r>
+          </a:p>
+          <a:p>
+            <a:r>
+              <a:rPr lang="en-US" dirty="0">
+                <a:solidFill>
+                  <a:srgbClr val="FF0000"/>
+                </a:solidFill>
+                <a:latin typeface="+mj-lt"/>
+              </a:rPr>
+              <a:t>      </a:t>
+            </a:r>
+            <a:r>
+              <a:rPr lang="en-US" dirty="0" err="1">
+                <a:solidFill>
+                  <a:srgbClr val="FF0000"/>
+                </a:solidFill>
+                <a:latin typeface="+mj-lt"/>
+              </a:rPr>
+              <a:t>mpi_sync</a:t>
+            </a:r>
+            <a:r>
+              <a:rPr lang="en-US" dirty="0">
+                <a:solidFill>
+                  <a:srgbClr val="FF0000"/>
+                </a:solidFill>
+                <a:latin typeface="+mj-lt"/>
+              </a:rPr>
+              <a:t>!(flag)</a:t>
+            </a:r>
+          </a:p>
+          <a:p>
+            <a:r>
+              <a:rPr lang="en-US" dirty="0">
+                <a:latin typeface="+mj-lt"/>
+              </a:rPr>
+              <a:t>      dx = </a:t>
+            </a:r>
+            <a:r>
+              <a:rPr lang="en-US" b="1" dirty="0" err="1">
+                <a:solidFill>
+                  <a:srgbClr val="00B050"/>
+                </a:solidFill>
+                <a:latin typeface="+mj-lt"/>
+              </a:rPr>
+              <a:t>compute_gradient</a:t>
+            </a:r>
+            <a:r>
+              <a:rPr lang="en-US" dirty="0">
+                <a:latin typeface="+mj-lt"/>
+              </a:rPr>
+              <a:t>(x)</a:t>
+            </a:r>
+          </a:p>
+          <a:p>
+            <a:r>
+              <a:rPr lang="en-US" dirty="0">
+                <a:latin typeface="+mj-lt"/>
+              </a:rPr>
+              <a:t>      …</a:t>
+            </a:r>
+          </a:p>
+          <a:p>
+            <a:r>
+              <a:rPr lang="en-US" dirty="0">
+                <a:latin typeface="+mj-lt"/>
+              </a:rPr>
+              <a:t>      x = x – alpha * dx</a:t>
+            </a:r>
+          </a:p>
+          <a:p>
+            <a:r>
+              <a:rPr lang="en-US" dirty="0">
+                <a:solidFill>
+                  <a:srgbClr val="FF0000"/>
+                </a:solidFill>
+                <a:latin typeface="+mj-lt"/>
+              </a:rPr>
+              <a:t>Flag = </a:t>
+            </a:r>
+            <a:r>
+              <a:rPr lang="en-US" b="1" dirty="0">
+                <a:latin typeface="+mj-lt"/>
+              </a:rPr>
+              <a:t>OPTIMIZATION_STOP</a:t>
+            </a:r>
+          </a:p>
+          <a:p>
+            <a:r>
+              <a:rPr lang="en-US" dirty="0" err="1">
+                <a:solidFill>
+                  <a:srgbClr val="FF0000"/>
+                </a:solidFill>
+                <a:latin typeface="+mj-lt"/>
+              </a:rPr>
+              <a:t>Mpi_sync</a:t>
+            </a:r>
+            <a:r>
+              <a:rPr lang="en-US" dirty="0">
+                <a:solidFill>
+                  <a:srgbClr val="FF0000"/>
+                </a:solidFill>
+                <a:latin typeface="+mj-lt"/>
+              </a:rPr>
+              <a:t>!(flag)</a:t>
+            </a:r>
+          </a:p>
+        </p:txBody>
+      </p:sp>
+      <p:sp>
+        <p:nvSpPr>
+          <p:cNvPr id="87" name="TextBox 86">
+            <a:extLst>
+              <a:ext uri="{FF2B5EF4-FFF2-40B4-BE49-F238E27FC236}">
+                <a16:creationId xmlns:a16="http://schemas.microsoft.com/office/drawing/2014/main" id="{27A3006C-0BE2-45BA-9287-FC11BD31913C}"/>
+              </a:ext>
+            </a:extLst>
+          </p:cNvPr>
+          <p:cNvSpPr txBox="1"/>
+          <p:nvPr/>
+        </p:nvSpPr>
+        <p:spPr>
+          <a:xfrm>
+            <a:off x="5224733" y="920151"/>
+            <a:ext cx="3459537" cy="2862322"/>
+          </a:xfrm>
+          <a:prstGeom prst="rect">
+            <a:avLst/>
+          </a:prstGeom>
+          <a:noFill/>
+        </p:spPr>
+        <p:txBody>
+          <a:bodyPr wrap="none" rtlCol="0">
+            <a:spAutoFit/>
+          </a:bodyPr>
+          <a:lstStyle/>
+          <a:p>
+            <a:r>
+              <a:rPr lang="en-US" dirty="0">
+                <a:latin typeface="+mj-lt"/>
+              </a:rPr>
+              <a:t>While true</a:t>
+            </a:r>
+          </a:p>
+          <a:p>
+            <a:r>
+              <a:rPr lang="en-US" dirty="0">
+                <a:latin typeface="+mj-lt"/>
+              </a:rPr>
+              <a:t>      </a:t>
+            </a:r>
+            <a:r>
+              <a:rPr lang="en-US" dirty="0" err="1">
+                <a:solidFill>
+                  <a:srgbClr val="FF0000"/>
+                </a:solidFill>
+                <a:latin typeface="+mj-lt"/>
+              </a:rPr>
+              <a:t>mpi_sync</a:t>
+            </a:r>
+            <a:r>
+              <a:rPr lang="en-US" dirty="0">
+                <a:solidFill>
+                  <a:srgbClr val="FF0000"/>
+                </a:solidFill>
+                <a:latin typeface="+mj-lt"/>
+              </a:rPr>
+              <a:t>!(flag)</a:t>
+            </a:r>
+          </a:p>
+          <a:p>
+            <a:r>
+              <a:rPr lang="en-US" dirty="0">
+                <a:latin typeface="+mj-lt"/>
+              </a:rPr>
+              <a:t>      if (flag==</a:t>
+            </a:r>
+            <a:r>
+              <a:rPr lang="en-US" b="1" dirty="0">
+                <a:solidFill>
+                  <a:srgbClr val="0070C0"/>
+                </a:solidFill>
+              </a:rPr>
+              <a:t> COMPUTE_OBJ</a:t>
+            </a:r>
+            <a:r>
+              <a:rPr lang="en-US" dirty="0">
+                <a:latin typeface="+mj-lt"/>
+              </a:rPr>
+              <a:t>)</a:t>
+            </a:r>
+          </a:p>
+          <a:p>
+            <a:r>
+              <a:rPr lang="en-US" dirty="0">
+                <a:latin typeface="+mj-lt"/>
+              </a:rPr>
+              <a:t>  </a:t>
+            </a:r>
+            <a:r>
+              <a:rPr lang="en-US" b="1" dirty="0" err="1">
+                <a:solidFill>
+                  <a:srgbClr val="0070C0"/>
+                </a:solidFill>
+              </a:rPr>
+              <a:t>compute_objective_function</a:t>
+            </a:r>
+            <a:r>
+              <a:rPr lang="en-US" dirty="0">
+                <a:latin typeface="+mj-lt"/>
+              </a:rPr>
+              <a:t>(x)</a:t>
+            </a:r>
+          </a:p>
+          <a:p>
+            <a:r>
+              <a:rPr lang="en-US" dirty="0">
+                <a:latin typeface="+mj-lt"/>
+              </a:rPr>
+              <a:t>      elseif (flag==</a:t>
+            </a:r>
+            <a:r>
+              <a:rPr lang="en-US" b="1" dirty="0">
+                <a:solidFill>
+                  <a:srgbClr val="00B050"/>
+                </a:solidFill>
+              </a:rPr>
+              <a:t> COMPUTE_GRAD</a:t>
+            </a:r>
+            <a:r>
+              <a:rPr lang="en-US" dirty="0">
+                <a:latin typeface="+mj-lt"/>
+              </a:rPr>
+              <a:t>)</a:t>
+            </a:r>
+          </a:p>
+          <a:p>
+            <a:r>
+              <a:rPr lang="en-US" dirty="0">
+                <a:latin typeface="+mj-lt"/>
+              </a:rPr>
+              <a:t> </a:t>
+            </a:r>
+            <a:r>
+              <a:rPr lang="en-US" b="1" dirty="0" err="1">
+                <a:solidFill>
+                  <a:srgbClr val="00B050"/>
+                </a:solidFill>
+              </a:rPr>
+              <a:t>compute_gradient</a:t>
+            </a:r>
+            <a:r>
+              <a:rPr lang="en-US" dirty="0">
+                <a:latin typeface="+mj-lt"/>
+              </a:rPr>
+              <a:t>(x)</a:t>
+            </a:r>
+          </a:p>
+          <a:p>
+            <a:r>
+              <a:rPr lang="en-US" dirty="0">
+                <a:latin typeface="+mj-lt"/>
+              </a:rPr>
+              <a:t>       else</a:t>
+            </a:r>
+          </a:p>
+          <a:p>
+            <a:r>
+              <a:rPr lang="en-US" dirty="0">
+                <a:latin typeface="+mj-lt"/>
+              </a:rPr>
+              <a:t>	break</a:t>
+            </a:r>
+          </a:p>
+          <a:p>
+            <a:r>
+              <a:rPr lang="en-US" dirty="0">
+                <a:latin typeface="+mj-lt"/>
+              </a:rPr>
+              <a:t>End</a:t>
+            </a:r>
+          </a:p>
+          <a:p>
+            <a:r>
+              <a:rPr lang="en-US" dirty="0">
+                <a:latin typeface="+mj-lt"/>
+              </a:rPr>
+              <a:t>end</a:t>
+            </a:r>
+          </a:p>
+        </p:txBody>
+      </p:sp>
+    </p:spTree>
+    <p:extLst>
+      <p:ext uri="{BB962C8B-B14F-4D97-AF65-F5344CB8AC3E}">
+        <p14:creationId xmlns:p14="http://schemas.microsoft.com/office/powerpoint/2010/main" val="3873512840"/>
+      </p:ext>
+    </p:extLst>
+  </p:cSld>
+  <p:clrMapOvr>
+    <a:masterClrMapping/>
+  </p:clrMapOvr>
+</p:sld>
+</file>
+
+<file path=ppt/slides/slide7.xml><?xml version="1.0" encoding="utf-8"?>
+<p:sld xmlns:a="http://schemas.openxmlformats.org/drawingml/2006/main" xmlns:r="http://schemas.openxmlformats.org/officeDocument/2006/relationships" xmlns:p="http://schemas.openxmlformats.org/presentationml/2006/main">
+  <p:cSld>
+    <p:spTree>
+      <p:nvGrpSpPr>
+        <p:cNvPr id="1" name=""/>
+        <p:cNvGrpSpPr/>
+        <p:nvPr/>
+      </p:nvGrpSpPr>
+      <p:grpSpPr>
+        <a:xfrm>
+          <a:off x="0" y="0"/>
+          <a:ext cx="0" cy="0"/>
+          <a:chOff x="0" y="0"/>
+          <a:chExt cx="0" cy="0"/>
+        </a:xfrm>
+      </p:grpSpPr>
+      <p:sp>
+        <p:nvSpPr>
+          <p:cNvPr id="2" name="Rectangle 1">
+            <a:extLst>
+              <a:ext uri="{FF2B5EF4-FFF2-40B4-BE49-F238E27FC236}">
+                <a16:creationId xmlns:a16="http://schemas.microsoft.com/office/drawing/2014/main" id="{49CE8C7A-0279-4929-AFC9-D7D00A55E1A2}"/>
+              </a:ext>
+            </a:extLst>
+          </p:cNvPr>
+          <p:cNvSpPr/>
+          <p:nvPr/>
+        </p:nvSpPr>
+        <p:spPr>
+          <a:xfrm>
+            <a:off x="569344" y="1276709"/>
+            <a:ext cx="1742536" cy="3700733"/>
+          </a:xfrm>
+          <a:prstGeom prst="rect">
+            <a:avLst/>
+          </a:prstGeom>
+          <a:noFill/>
+          <a:ln w="19050">
+            <a:solidFill>
+              <a:schemeClr val="tx1"/>
+            </a:solidFill>
+          </a:ln>
+        </p:spPr>
+        <p:style>
+          <a:lnRef idx="2">
+            <a:schemeClr val="accent1">
+              <a:shade val="50000"/>
+            </a:schemeClr>
+          </a:lnRef>
+          <a:fillRef idx="1">
+            <a:schemeClr val="accent1"/>
+          </a:fillRef>
+          <a:effectRef idx="0">
+            <a:schemeClr val="accent1"/>
+          </a:effectRef>
+          <a:fontRef idx="minor">
+            <a:schemeClr val="lt1"/>
+          </a:fontRef>
+        </p:style>
+        <p:txBody>
+          <a:bodyPr rtlCol="0" anchor="ctr"/>
+          <a:lstStyle/>
+          <a:p>
+            <a:pPr algn="ctr"/>
+            <a:endParaRPr lang="en-US"/>
+          </a:p>
+        </p:txBody>
+      </p:sp>
+      <p:sp>
+        <p:nvSpPr>
+          <p:cNvPr id="3" name="Rectangle: Rounded Corners 2">
+            <a:extLst>
+              <a:ext uri="{FF2B5EF4-FFF2-40B4-BE49-F238E27FC236}">
+                <a16:creationId xmlns:a16="http://schemas.microsoft.com/office/drawing/2014/main" id="{B7B527EC-55C9-4A54-A64E-C91FBBF6D1DA}"/>
+              </a:ext>
+            </a:extLst>
+          </p:cNvPr>
+          <p:cNvSpPr/>
+          <p:nvPr/>
+        </p:nvSpPr>
+        <p:spPr>
+          <a:xfrm>
+            <a:off x="780691" y="1587259"/>
+            <a:ext cx="1319842" cy="569344"/>
+          </a:xfrm>
+          <a:prstGeom prst="roundRect">
+            <a:avLst/>
+          </a:prstGeom>
+          <a:noFill/>
+          <a:ln w="19050">
+            <a:solidFill>
+              <a:schemeClr val="tx1"/>
+            </a:solidFill>
+          </a:ln>
+        </p:spPr>
+        <p:style>
+          <a:lnRef idx="2">
+            <a:schemeClr val="accent1">
+              <a:shade val="50000"/>
+            </a:schemeClr>
+          </a:lnRef>
+          <a:fillRef idx="1">
+            <a:schemeClr val="accent1"/>
+          </a:fillRef>
+          <a:effectRef idx="0">
+            <a:schemeClr val="accent1"/>
+          </a:effectRef>
+          <a:fontRef idx="minor">
+            <a:schemeClr val="lt1"/>
+          </a:fontRef>
+        </p:style>
+        <p:txBody>
+          <a:bodyPr rtlCol="0" anchor="ctr"/>
+          <a:lstStyle/>
+          <a:p>
+            <a:pPr algn="ctr"/>
+            <a:endParaRPr lang="en-US"/>
+          </a:p>
+        </p:txBody>
+      </p:sp>
+      <p:sp>
+        <p:nvSpPr>
+          <p:cNvPr id="34" name="Rectangle: Rounded Corners 33">
+            <a:extLst>
+              <a:ext uri="{FF2B5EF4-FFF2-40B4-BE49-F238E27FC236}">
+                <a16:creationId xmlns:a16="http://schemas.microsoft.com/office/drawing/2014/main" id="{86DD8658-95FA-49C8-AAA9-23B939F64B5D}"/>
+              </a:ext>
+            </a:extLst>
+          </p:cNvPr>
+          <p:cNvSpPr/>
+          <p:nvPr/>
+        </p:nvSpPr>
+        <p:spPr>
+          <a:xfrm>
+            <a:off x="780691" y="4137803"/>
+            <a:ext cx="1319842" cy="569344"/>
+          </a:xfrm>
+          <a:prstGeom prst="roundRect">
+            <a:avLst/>
+          </a:prstGeom>
+          <a:noFill/>
+          <a:ln w="19050">
+            <a:solidFill>
+              <a:schemeClr val="tx1"/>
+            </a:solidFill>
+          </a:ln>
+        </p:spPr>
+        <p:style>
+          <a:lnRef idx="2">
+            <a:schemeClr val="accent1">
+              <a:shade val="50000"/>
+            </a:schemeClr>
+          </a:lnRef>
+          <a:fillRef idx="1">
+            <a:schemeClr val="accent1"/>
+          </a:fillRef>
+          <a:effectRef idx="0">
+            <a:schemeClr val="accent1"/>
+          </a:effectRef>
+          <a:fontRef idx="minor">
+            <a:schemeClr val="lt1"/>
+          </a:fontRef>
+        </p:style>
+        <p:txBody>
+          <a:bodyPr rtlCol="0" anchor="ctr"/>
+          <a:lstStyle/>
+          <a:p>
+            <a:pPr algn="ctr"/>
+            <a:endParaRPr lang="en-US"/>
+          </a:p>
+        </p:txBody>
+      </p:sp>
+      <p:sp>
+        <p:nvSpPr>
+          <p:cNvPr id="10" name="TextBox 9">
+            <a:extLst>
+              <a:ext uri="{FF2B5EF4-FFF2-40B4-BE49-F238E27FC236}">
+                <a16:creationId xmlns:a16="http://schemas.microsoft.com/office/drawing/2014/main" id="{440A406A-E4E3-4219-91A5-B1012A373E1B}"/>
+              </a:ext>
+            </a:extLst>
+          </p:cNvPr>
+          <p:cNvSpPr txBox="1"/>
+          <p:nvPr/>
+        </p:nvSpPr>
+        <p:spPr>
+          <a:xfrm>
+            <a:off x="1115843" y="1687265"/>
+            <a:ext cx="649537" cy="369332"/>
+          </a:xfrm>
+          <a:prstGeom prst="rect">
+            <a:avLst/>
+          </a:prstGeom>
+          <a:noFill/>
+        </p:spPr>
+        <p:txBody>
+          <a:bodyPr wrap="none" rtlCol="0">
+            <a:spAutoFit/>
+          </a:bodyPr>
+          <a:lstStyle/>
+          <a:p>
+            <a:r>
+              <a:rPr lang="en-US" dirty="0"/>
+              <a:t>Send</a:t>
+            </a:r>
+          </a:p>
+        </p:txBody>
+      </p:sp>
+      <p:sp>
+        <p:nvSpPr>
+          <p:cNvPr id="35" name="TextBox 34">
+            <a:extLst>
+              <a:ext uri="{FF2B5EF4-FFF2-40B4-BE49-F238E27FC236}">
+                <a16:creationId xmlns:a16="http://schemas.microsoft.com/office/drawing/2014/main" id="{367435F9-BFD2-49D8-8D76-98E034004B93}"/>
+              </a:ext>
+            </a:extLst>
+          </p:cNvPr>
+          <p:cNvSpPr txBox="1"/>
+          <p:nvPr/>
+        </p:nvSpPr>
+        <p:spPr>
+          <a:xfrm>
+            <a:off x="1115842" y="4237809"/>
+            <a:ext cx="623056" cy="369332"/>
+          </a:xfrm>
+          <a:prstGeom prst="rect">
+            <a:avLst/>
+          </a:prstGeom>
+          <a:noFill/>
+        </p:spPr>
+        <p:txBody>
+          <a:bodyPr wrap="none" rtlCol="0">
+            <a:spAutoFit/>
+          </a:bodyPr>
+          <a:lstStyle/>
+          <a:p>
+            <a:r>
+              <a:rPr lang="en-US" dirty="0"/>
+              <a:t>Recv</a:t>
+            </a:r>
+          </a:p>
+        </p:txBody>
+      </p:sp>
+      <p:sp>
+        <p:nvSpPr>
+          <p:cNvPr id="36" name="Rectangle 35">
+            <a:extLst>
+              <a:ext uri="{FF2B5EF4-FFF2-40B4-BE49-F238E27FC236}">
+                <a16:creationId xmlns:a16="http://schemas.microsoft.com/office/drawing/2014/main" id="{B819B0BD-7A34-421A-81C3-10573A775515}"/>
+              </a:ext>
+            </a:extLst>
+          </p:cNvPr>
+          <p:cNvSpPr/>
+          <p:nvPr/>
+        </p:nvSpPr>
+        <p:spPr>
+          <a:xfrm>
+            <a:off x="3292415" y="1276709"/>
+            <a:ext cx="1742536" cy="3700733"/>
+          </a:xfrm>
+          <a:prstGeom prst="rect">
+            <a:avLst/>
+          </a:prstGeom>
+          <a:noFill/>
+          <a:ln w="19050">
+            <a:solidFill>
+              <a:schemeClr val="tx1"/>
+            </a:solidFill>
+          </a:ln>
+        </p:spPr>
+        <p:style>
+          <a:lnRef idx="2">
+            <a:schemeClr val="accent1">
+              <a:shade val="50000"/>
+            </a:schemeClr>
+          </a:lnRef>
+          <a:fillRef idx="1">
+            <a:schemeClr val="accent1"/>
+          </a:fillRef>
+          <a:effectRef idx="0">
+            <a:schemeClr val="accent1"/>
+          </a:effectRef>
+          <a:fontRef idx="minor">
+            <a:schemeClr val="lt1"/>
+          </a:fontRef>
+        </p:style>
+        <p:txBody>
+          <a:bodyPr rtlCol="0" anchor="ctr"/>
+          <a:lstStyle/>
+          <a:p>
+            <a:pPr algn="ctr"/>
+            <a:endParaRPr lang="en-US"/>
+          </a:p>
+        </p:txBody>
+      </p:sp>
+      <p:sp>
+        <p:nvSpPr>
+          <p:cNvPr id="37" name="Rectangle: Rounded Corners 36">
+            <a:extLst>
+              <a:ext uri="{FF2B5EF4-FFF2-40B4-BE49-F238E27FC236}">
+                <a16:creationId xmlns:a16="http://schemas.microsoft.com/office/drawing/2014/main" id="{4B5DCC3A-0A4A-4E73-82F6-20008BEC649A}"/>
+              </a:ext>
+            </a:extLst>
+          </p:cNvPr>
+          <p:cNvSpPr/>
+          <p:nvPr/>
+        </p:nvSpPr>
+        <p:spPr>
+          <a:xfrm>
+            <a:off x="3503762" y="1587259"/>
+            <a:ext cx="1319842" cy="569344"/>
+          </a:xfrm>
+          <a:prstGeom prst="roundRect">
+            <a:avLst/>
+          </a:prstGeom>
+          <a:noFill/>
+          <a:ln w="19050">
+            <a:solidFill>
+              <a:schemeClr val="tx1"/>
+            </a:solidFill>
+          </a:ln>
+        </p:spPr>
+        <p:style>
+          <a:lnRef idx="2">
+            <a:schemeClr val="accent1">
+              <a:shade val="50000"/>
+            </a:schemeClr>
+          </a:lnRef>
+          <a:fillRef idx="1">
+            <a:schemeClr val="accent1"/>
+          </a:fillRef>
+          <a:effectRef idx="0">
+            <a:schemeClr val="accent1"/>
+          </a:effectRef>
+          <a:fontRef idx="minor">
+            <a:schemeClr val="lt1"/>
+          </a:fontRef>
+        </p:style>
+        <p:txBody>
+          <a:bodyPr rtlCol="0" anchor="ctr"/>
+          <a:lstStyle/>
+          <a:p>
+            <a:pPr algn="ctr"/>
+            <a:endParaRPr lang="en-US"/>
+          </a:p>
+        </p:txBody>
+      </p:sp>
+      <p:sp>
+        <p:nvSpPr>
+          <p:cNvPr id="38" name="Rectangle: Rounded Corners 37">
+            <a:extLst>
+              <a:ext uri="{FF2B5EF4-FFF2-40B4-BE49-F238E27FC236}">
+                <a16:creationId xmlns:a16="http://schemas.microsoft.com/office/drawing/2014/main" id="{3D8B4D0D-157A-469B-A5A6-1CD98BE5AAA1}"/>
+              </a:ext>
+            </a:extLst>
+          </p:cNvPr>
+          <p:cNvSpPr/>
+          <p:nvPr/>
+        </p:nvSpPr>
+        <p:spPr>
+          <a:xfrm>
+            <a:off x="3503762" y="4137803"/>
+            <a:ext cx="1319842" cy="569344"/>
+          </a:xfrm>
+          <a:prstGeom prst="roundRect">
+            <a:avLst/>
+          </a:prstGeom>
+          <a:noFill/>
+          <a:ln w="19050">
+            <a:solidFill>
+              <a:schemeClr val="tx1"/>
+            </a:solidFill>
+          </a:ln>
+        </p:spPr>
+        <p:style>
+          <a:lnRef idx="2">
+            <a:schemeClr val="accent1">
+              <a:shade val="50000"/>
+            </a:schemeClr>
+          </a:lnRef>
+          <a:fillRef idx="1">
+            <a:schemeClr val="accent1"/>
+          </a:fillRef>
+          <a:effectRef idx="0">
+            <a:schemeClr val="accent1"/>
+          </a:effectRef>
+          <a:fontRef idx="minor">
+            <a:schemeClr val="lt1"/>
+          </a:fontRef>
+        </p:style>
+        <p:txBody>
+          <a:bodyPr rtlCol="0" anchor="ctr"/>
+          <a:lstStyle/>
+          <a:p>
+            <a:pPr algn="ctr"/>
+            <a:endParaRPr lang="en-US"/>
+          </a:p>
+        </p:txBody>
+      </p:sp>
+      <p:sp>
+        <p:nvSpPr>
+          <p:cNvPr id="39" name="TextBox 38">
+            <a:extLst>
+              <a:ext uri="{FF2B5EF4-FFF2-40B4-BE49-F238E27FC236}">
+                <a16:creationId xmlns:a16="http://schemas.microsoft.com/office/drawing/2014/main" id="{40AC10EB-DB0F-440E-BAAC-572C8ABA3A8C}"/>
+              </a:ext>
+            </a:extLst>
+          </p:cNvPr>
+          <p:cNvSpPr txBox="1"/>
+          <p:nvPr/>
+        </p:nvSpPr>
+        <p:spPr>
+          <a:xfrm>
+            <a:off x="3838914" y="1687265"/>
+            <a:ext cx="649537" cy="369332"/>
+          </a:xfrm>
+          <a:prstGeom prst="rect">
+            <a:avLst/>
+          </a:prstGeom>
+          <a:noFill/>
+        </p:spPr>
+        <p:txBody>
+          <a:bodyPr wrap="none" rtlCol="0">
+            <a:spAutoFit/>
+          </a:bodyPr>
+          <a:lstStyle/>
+          <a:p>
+            <a:r>
+              <a:rPr lang="en-US" dirty="0"/>
+              <a:t>Send</a:t>
+            </a:r>
+          </a:p>
+        </p:txBody>
+      </p:sp>
+      <p:sp>
+        <p:nvSpPr>
+          <p:cNvPr id="40" name="TextBox 39">
+            <a:extLst>
+              <a:ext uri="{FF2B5EF4-FFF2-40B4-BE49-F238E27FC236}">
+                <a16:creationId xmlns:a16="http://schemas.microsoft.com/office/drawing/2014/main" id="{F98A1AF4-5660-4BAA-8F58-3E27A3B18AB6}"/>
+              </a:ext>
+            </a:extLst>
+          </p:cNvPr>
+          <p:cNvSpPr txBox="1"/>
+          <p:nvPr/>
+        </p:nvSpPr>
+        <p:spPr>
+          <a:xfrm>
+            <a:off x="3838913" y="4237809"/>
+            <a:ext cx="623056" cy="369332"/>
+          </a:xfrm>
+          <a:prstGeom prst="rect">
+            <a:avLst/>
+          </a:prstGeom>
+          <a:noFill/>
+        </p:spPr>
+        <p:txBody>
+          <a:bodyPr wrap="none" rtlCol="0">
+            <a:spAutoFit/>
+          </a:bodyPr>
+          <a:lstStyle/>
+          <a:p>
+            <a:r>
+              <a:rPr lang="en-US" dirty="0"/>
+              <a:t>Recv</a:t>
+            </a:r>
+          </a:p>
+        </p:txBody>
+      </p:sp>
+      <p:sp>
+        <p:nvSpPr>
+          <p:cNvPr id="41" name="Rectangle 40">
+            <a:extLst>
+              <a:ext uri="{FF2B5EF4-FFF2-40B4-BE49-F238E27FC236}">
+                <a16:creationId xmlns:a16="http://schemas.microsoft.com/office/drawing/2014/main" id="{BD85507F-8E0D-4F95-AAE6-16752E82987B}"/>
+              </a:ext>
+            </a:extLst>
+          </p:cNvPr>
+          <p:cNvSpPr/>
+          <p:nvPr/>
+        </p:nvSpPr>
+        <p:spPr>
+          <a:xfrm>
+            <a:off x="7261284" y="1265206"/>
+            <a:ext cx="1742536" cy="3700733"/>
+          </a:xfrm>
+          <a:prstGeom prst="rect">
+            <a:avLst/>
+          </a:prstGeom>
+          <a:noFill/>
+          <a:ln w="19050">
+            <a:solidFill>
+              <a:schemeClr val="tx1"/>
+            </a:solidFill>
+          </a:ln>
+        </p:spPr>
+        <p:style>
+          <a:lnRef idx="2">
+            <a:schemeClr val="accent1">
+              <a:shade val="50000"/>
+            </a:schemeClr>
+          </a:lnRef>
+          <a:fillRef idx="1">
+            <a:schemeClr val="accent1"/>
+          </a:fillRef>
+          <a:effectRef idx="0">
+            <a:schemeClr val="accent1"/>
+          </a:effectRef>
+          <a:fontRef idx="minor">
+            <a:schemeClr val="lt1"/>
+          </a:fontRef>
+        </p:style>
+        <p:txBody>
+          <a:bodyPr rtlCol="0" anchor="ctr"/>
+          <a:lstStyle/>
+          <a:p>
+            <a:pPr algn="ctr"/>
+            <a:endParaRPr lang="en-US"/>
+          </a:p>
+        </p:txBody>
+      </p:sp>
+      <p:sp>
+        <p:nvSpPr>
+          <p:cNvPr id="42" name="Rectangle: Rounded Corners 41">
+            <a:extLst>
+              <a:ext uri="{FF2B5EF4-FFF2-40B4-BE49-F238E27FC236}">
+                <a16:creationId xmlns:a16="http://schemas.microsoft.com/office/drawing/2014/main" id="{8DA0DF2E-B9DE-4950-B92A-8D2742292501}"/>
+              </a:ext>
+            </a:extLst>
+          </p:cNvPr>
+          <p:cNvSpPr/>
+          <p:nvPr/>
+        </p:nvSpPr>
+        <p:spPr>
+          <a:xfrm>
+            <a:off x="7472631" y="1575756"/>
+            <a:ext cx="1319842" cy="569344"/>
+          </a:xfrm>
+          <a:prstGeom prst="roundRect">
+            <a:avLst/>
+          </a:prstGeom>
+          <a:noFill/>
+          <a:ln w="19050">
+            <a:solidFill>
+              <a:schemeClr val="tx1"/>
+            </a:solidFill>
+          </a:ln>
+        </p:spPr>
+        <p:style>
+          <a:lnRef idx="2">
+            <a:schemeClr val="accent1">
+              <a:shade val="50000"/>
+            </a:schemeClr>
+          </a:lnRef>
+          <a:fillRef idx="1">
+            <a:schemeClr val="accent1"/>
+          </a:fillRef>
+          <a:effectRef idx="0">
+            <a:schemeClr val="accent1"/>
+          </a:effectRef>
+          <a:fontRef idx="minor">
+            <a:schemeClr val="lt1"/>
+          </a:fontRef>
+        </p:style>
+        <p:txBody>
+          <a:bodyPr rtlCol="0" anchor="ctr"/>
+          <a:lstStyle/>
+          <a:p>
+            <a:pPr algn="ctr"/>
+            <a:endParaRPr lang="en-US"/>
+          </a:p>
+        </p:txBody>
+      </p:sp>
+      <p:sp>
+        <p:nvSpPr>
+          <p:cNvPr id="43" name="Rectangle: Rounded Corners 42">
+            <a:extLst>
+              <a:ext uri="{FF2B5EF4-FFF2-40B4-BE49-F238E27FC236}">
+                <a16:creationId xmlns:a16="http://schemas.microsoft.com/office/drawing/2014/main" id="{E0FBEB47-630B-4A83-BA25-FF76EAC54409}"/>
+              </a:ext>
+            </a:extLst>
+          </p:cNvPr>
+          <p:cNvSpPr/>
+          <p:nvPr/>
+        </p:nvSpPr>
+        <p:spPr>
+          <a:xfrm>
+            <a:off x="7472631" y="4126300"/>
+            <a:ext cx="1319842" cy="569344"/>
+          </a:xfrm>
+          <a:prstGeom prst="roundRect">
+            <a:avLst/>
+          </a:prstGeom>
+          <a:noFill/>
+          <a:ln w="19050">
+            <a:solidFill>
+              <a:schemeClr val="tx1"/>
+            </a:solidFill>
+          </a:ln>
+        </p:spPr>
+        <p:style>
+          <a:lnRef idx="2">
+            <a:schemeClr val="accent1">
+              <a:shade val="50000"/>
+            </a:schemeClr>
+          </a:lnRef>
+          <a:fillRef idx="1">
+            <a:schemeClr val="accent1"/>
+          </a:fillRef>
+          <a:effectRef idx="0">
+            <a:schemeClr val="accent1"/>
+          </a:effectRef>
+          <a:fontRef idx="minor">
+            <a:schemeClr val="lt1"/>
+          </a:fontRef>
+        </p:style>
+        <p:txBody>
+          <a:bodyPr rtlCol="0" anchor="ctr"/>
+          <a:lstStyle/>
+          <a:p>
+            <a:pPr algn="ctr"/>
+            <a:endParaRPr lang="en-US"/>
+          </a:p>
+        </p:txBody>
+      </p:sp>
+      <p:sp>
+        <p:nvSpPr>
+          <p:cNvPr id="44" name="TextBox 43">
+            <a:extLst>
+              <a:ext uri="{FF2B5EF4-FFF2-40B4-BE49-F238E27FC236}">
+                <a16:creationId xmlns:a16="http://schemas.microsoft.com/office/drawing/2014/main" id="{6E454D27-8AD4-46D5-81A7-4CE9B73F5E6E}"/>
+              </a:ext>
+            </a:extLst>
+          </p:cNvPr>
+          <p:cNvSpPr txBox="1"/>
+          <p:nvPr/>
+        </p:nvSpPr>
+        <p:spPr>
+          <a:xfrm>
+            <a:off x="7807783" y="1675762"/>
+            <a:ext cx="691215" cy="369332"/>
+          </a:xfrm>
+          <a:prstGeom prst="rect">
+            <a:avLst/>
+          </a:prstGeom>
+          <a:noFill/>
+        </p:spPr>
+        <p:txBody>
+          <a:bodyPr wrap="none" rtlCol="0">
+            <a:spAutoFit/>
+          </a:bodyPr>
+          <a:lstStyle/>
+          <a:p>
+            <a:r>
+              <a:rPr lang="en-US" dirty="0"/>
+              <a:t>Isend</a:t>
+            </a:r>
+          </a:p>
+        </p:txBody>
+      </p:sp>
+      <p:sp>
+        <p:nvSpPr>
+          <p:cNvPr id="45" name="TextBox 44">
+            <a:extLst>
+              <a:ext uri="{FF2B5EF4-FFF2-40B4-BE49-F238E27FC236}">
+                <a16:creationId xmlns:a16="http://schemas.microsoft.com/office/drawing/2014/main" id="{E529865A-5242-46C4-91A8-C39846DB530F}"/>
+              </a:ext>
+            </a:extLst>
+          </p:cNvPr>
+          <p:cNvSpPr txBox="1"/>
+          <p:nvPr/>
+        </p:nvSpPr>
+        <p:spPr>
+          <a:xfrm>
+            <a:off x="7807782" y="4226306"/>
+            <a:ext cx="622286" cy="369332"/>
+          </a:xfrm>
+          <a:prstGeom prst="rect">
+            <a:avLst/>
+          </a:prstGeom>
+          <a:noFill/>
+        </p:spPr>
+        <p:txBody>
+          <a:bodyPr wrap="none" rtlCol="0">
+            <a:spAutoFit/>
+          </a:bodyPr>
+          <a:lstStyle/>
+          <a:p>
+            <a:r>
+              <a:rPr lang="en-US" dirty="0"/>
+              <a:t>Wait</a:t>
+            </a:r>
+          </a:p>
+        </p:txBody>
+      </p:sp>
+      <p:sp>
+        <p:nvSpPr>
+          <p:cNvPr id="51" name="Rectangle: Rounded Corners 50">
+            <a:extLst>
+              <a:ext uri="{FF2B5EF4-FFF2-40B4-BE49-F238E27FC236}">
+                <a16:creationId xmlns:a16="http://schemas.microsoft.com/office/drawing/2014/main" id="{8DF6FAFE-999B-404F-9912-B8B7E170BA1E}"/>
+              </a:ext>
+            </a:extLst>
+          </p:cNvPr>
+          <p:cNvSpPr/>
+          <p:nvPr/>
+        </p:nvSpPr>
+        <p:spPr>
+          <a:xfrm>
+            <a:off x="7476641" y="2851028"/>
+            <a:ext cx="1319842" cy="569344"/>
+          </a:xfrm>
+          <a:prstGeom prst="roundRect">
+            <a:avLst/>
+          </a:prstGeom>
+          <a:noFill/>
+          <a:ln w="19050">
+            <a:solidFill>
+              <a:schemeClr val="tx1"/>
+            </a:solidFill>
+          </a:ln>
+        </p:spPr>
+        <p:style>
+          <a:lnRef idx="2">
+            <a:schemeClr val="accent1">
+              <a:shade val="50000"/>
+            </a:schemeClr>
+          </a:lnRef>
+          <a:fillRef idx="1">
+            <a:schemeClr val="accent1"/>
+          </a:fillRef>
+          <a:effectRef idx="0">
+            <a:schemeClr val="accent1"/>
+          </a:effectRef>
+          <a:fontRef idx="minor">
+            <a:schemeClr val="lt1"/>
+          </a:fontRef>
+        </p:style>
+        <p:txBody>
+          <a:bodyPr rtlCol="0" anchor="ctr"/>
+          <a:lstStyle/>
+          <a:p>
+            <a:pPr algn="ctr"/>
+            <a:endParaRPr lang="en-US"/>
+          </a:p>
+        </p:txBody>
+      </p:sp>
+      <p:sp>
+        <p:nvSpPr>
+          <p:cNvPr id="12" name="Rectangle 11">
+            <a:extLst>
+              <a:ext uri="{FF2B5EF4-FFF2-40B4-BE49-F238E27FC236}">
+                <a16:creationId xmlns:a16="http://schemas.microsoft.com/office/drawing/2014/main" id="{0F0661C4-4B30-4B29-B82F-087E7965C8AC}"/>
+              </a:ext>
+            </a:extLst>
+          </p:cNvPr>
+          <p:cNvSpPr/>
+          <p:nvPr/>
+        </p:nvSpPr>
+        <p:spPr>
+          <a:xfrm>
+            <a:off x="7841980" y="2930906"/>
+            <a:ext cx="636906" cy="369332"/>
+          </a:xfrm>
+          <a:prstGeom prst="rect">
+            <a:avLst/>
+          </a:prstGeom>
+        </p:spPr>
+        <p:txBody>
+          <a:bodyPr wrap="none">
+            <a:spAutoFit/>
+          </a:bodyPr>
+          <a:lstStyle/>
+          <a:p>
+            <a:r>
+              <a:rPr lang="en-US" dirty="0"/>
+              <a:t>Irecv</a:t>
+            </a:r>
+          </a:p>
+        </p:txBody>
+      </p:sp>
+      <p:cxnSp>
+        <p:nvCxnSpPr>
+          <p:cNvPr id="16" name="Straight Arrow Connector 15">
+            <a:extLst>
+              <a:ext uri="{FF2B5EF4-FFF2-40B4-BE49-F238E27FC236}">
+                <a16:creationId xmlns:a16="http://schemas.microsoft.com/office/drawing/2014/main" id="{F1DB2717-5D49-45CB-A5EC-67F864BC8864}"/>
+              </a:ext>
+            </a:extLst>
+          </p:cNvPr>
+          <p:cNvCxnSpPr>
+            <a:stCxn id="3" idx="2"/>
+            <a:endCxn id="34" idx="0"/>
+          </p:cNvCxnSpPr>
+          <p:nvPr/>
+        </p:nvCxnSpPr>
+        <p:spPr>
+          <a:xfrm>
+            <a:off x="1440612" y="2156603"/>
+            <a:ext cx="0" cy="1981200"/>
+          </a:xfrm>
+          <a:prstGeom prst="straightConnector1">
+            <a:avLst/>
+          </a:prstGeom>
+          <a:ln w="38100">
+            <a:solidFill>
+              <a:schemeClr val="tx1"/>
+            </a:solidFill>
+            <a:tailEnd type="triangle"/>
+          </a:ln>
+        </p:spPr>
+        <p:style>
+          <a:lnRef idx="1">
+            <a:schemeClr val="accent1"/>
+          </a:lnRef>
+          <a:fillRef idx="0">
+            <a:schemeClr val="accent1"/>
+          </a:fillRef>
+          <a:effectRef idx="0">
+            <a:schemeClr val="accent1"/>
+          </a:effectRef>
+          <a:fontRef idx="minor">
+            <a:schemeClr val="tx1"/>
+          </a:fontRef>
+        </p:style>
+      </p:cxnSp>
+      <p:cxnSp>
+        <p:nvCxnSpPr>
+          <p:cNvPr id="59" name="Straight Arrow Connector 58">
+            <a:extLst>
+              <a:ext uri="{FF2B5EF4-FFF2-40B4-BE49-F238E27FC236}">
+                <a16:creationId xmlns:a16="http://schemas.microsoft.com/office/drawing/2014/main" id="{DFE9C7F5-3AE8-4829-840A-7AA28DBE982B}"/>
+              </a:ext>
+            </a:extLst>
+          </p:cNvPr>
+          <p:cNvCxnSpPr/>
+          <p:nvPr/>
+        </p:nvCxnSpPr>
+        <p:spPr>
+          <a:xfrm>
+            <a:off x="4180937" y="2156603"/>
+            <a:ext cx="0" cy="1981200"/>
+          </a:xfrm>
+          <a:prstGeom prst="straightConnector1">
+            <a:avLst/>
+          </a:prstGeom>
+          <a:ln w="38100">
+            <a:solidFill>
+              <a:schemeClr val="tx1"/>
+            </a:solidFill>
+            <a:tailEnd type="triangle"/>
+          </a:ln>
+        </p:spPr>
+        <p:style>
+          <a:lnRef idx="1">
+            <a:schemeClr val="accent1"/>
+          </a:lnRef>
+          <a:fillRef idx="0">
+            <a:schemeClr val="accent1"/>
+          </a:fillRef>
+          <a:effectRef idx="0">
+            <a:schemeClr val="accent1"/>
+          </a:effectRef>
+          <a:fontRef idx="minor">
+            <a:schemeClr val="tx1"/>
+          </a:fontRef>
+        </p:style>
+      </p:cxnSp>
+      <p:cxnSp>
+        <p:nvCxnSpPr>
+          <p:cNvPr id="24" name="Straight Arrow Connector 23">
+            <a:extLst>
+              <a:ext uri="{FF2B5EF4-FFF2-40B4-BE49-F238E27FC236}">
+                <a16:creationId xmlns:a16="http://schemas.microsoft.com/office/drawing/2014/main" id="{E6C069F1-1C2E-4B6D-A365-383EBD14D97A}"/>
+              </a:ext>
+            </a:extLst>
+          </p:cNvPr>
+          <p:cNvCxnSpPr>
+            <a:stCxn id="42" idx="2"/>
+            <a:endCxn id="51" idx="0"/>
+          </p:cNvCxnSpPr>
+          <p:nvPr/>
+        </p:nvCxnSpPr>
+        <p:spPr>
+          <a:xfrm>
+            <a:off x="8132552" y="2145100"/>
+            <a:ext cx="4010" cy="705928"/>
+          </a:xfrm>
+          <a:prstGeom prst="straightConnector1">
+            <a:avLst/>
+          </a:prstGeom>
+          <a:ln w="28575">
+            <a:solidFill>
+              <a:schemeClr val="tx1"/>
+            </a:solidFill>
+            <a:tailEnd type="triangle"/>
+          </a:ln>
+        </p:spPr>
+        <p:style>
+          <a:lnRef idx="1">
+            <a:schemeClr val="accent1"/>
+          </a:lnRef>
+          <a:fillRef idx="0">
+            <a:schemeClr val="accent1"/>
+          </a:fillRef>
+          <a:effectRef idx="0">
+            <a:schemeClr val="accent1"/>
+          </a:effectRef>
+          <a:fontRef idx="minor">
+            <a:schemeClr val="tx1"/>
+          </a:fontRef>
+        </p:style>
+      </p:cxnSp>
+      <p:cxnSp>
+        <p:nvCxnSpPr>
+          <p:cNvPr id="61" name="Straight Arrow Connector 60">
+            <a:extLst>
+              <a:ext uri="{FF2B5EF4-FFF2-40B4-BE49-F238E27FC236}">
+                <a16:creationId xmlns:a16="http://schemas.microsoft.com/office/drawing/2014/main" id="{66F73353-0500-4072-A45E-480275C87DCF}"/>
+              </a:ext>
+            </a:extLst>
+          </p:cNvPr>
+          <p:cNvCxnSpPr>
+            <a:stCxn id="51" idx="2"/>
+            <a:endCxn id="43" idx="0"/>
+          </p:cNvCxnSpPr>
+          <p:nvPr/>
+        </p:nvCxnSpPr>
+        <p:spPr>
+          <a:xfrm flipH="1">
+            <a:off x="8132552" y="3420372"/>
+            <a:ext cx="4010" cy="705928"/>
+          </a:xfrm>
+          <a:prstGeom prst="straightConnector1">
+            <a:avLst/>
+          </a:prstGeom>
+          <a:ln w="28575">
+            <a:solidFill>
+              <a:schemeClr val="tx1"/>
+            </a:solidFill>
+            <a:tailEnd type="triangle"/>
+          </a:ln>
+        </p:spPr>
+        <p:style>
+          <a:lnRef idx="1">
+            <a:schemeClr val="accent1"/>
+          </a:lnRef>
+          <a:fillRef idx="0">
+            <a:schemeClr val="accent1"/>
+          </a:fillRef>
+          <a:effectRef idx="0">
+            <a:schemeClr val="accent1"/>
+          </a:effectRef>
+          <a:fontRef idx="minor">
+            <a:schemeClr val="tx1"/>
+          </a:fontRef>
+        </p:style>
+      </p:cxnSp>
+      <p:sp>
+        <p:nvSpPr>
+          <p:cNvPr id="62" name="Rectangle 61">
+            <a:extLst>
+              <a:ext uri="{FF2B5EF4-FFF2-40B4-BE49-F238E27FC236}">
+                <a16:creationId xmlns:a16="http://schemas.microsoft.com/office/drawing/2014/main" id="{5266EAB5-E6BE-457D-A039-088BDEB81C91}"/>
+              </a:ext>
+            </a:extLst>
+          </p:cNvPr>
+          <p:cNvSpPr/>
+          <p:nvPr/>
+        </p:nvSpPr>
+        <p:spPr>
+          <a:xfrm>
+            <a:off x="9984355" y="1265206"/>
+            <a:ext cx="1742536" cy="3700733"/>
+          </a:xfrm>
+          <a:prstGeom prst="rect">
+            <a:avLst/>
+          </a:prstGeom>
+          <a:noFill/>
+          <a:ln w="19050">
+            <a:solidFill>
+              <a:schemeClr val="tx1"/>
+            </a:solidFill>
+          </a:ln>
+        </p:spPr>
+        <p:style>
+          <a:lnRef idx="2">
+            <a:schemeClr val="accent1">
+              <a:shade val="50000"/>
+            </a:schemeClr>
+          </a:lnRef>
+          <a:fillRef idx="1">
+            <a:schemeClr val="accent1"/>
+          </a:fillRef>
+          <a:effectRef idx="0">
+            <a:schemeClr val="accent1"/>
+          </a:effectRef>
+          <a:fontRef idx="minor">
+            <a:schemeClr val="lt1"/>
+          </a:fontRef>
+        </p:style>
+        <p:txBody>
+          <a:bodyPr rtlCol="0" anchor="ctr"/>
+          <a:lstStyle/>
+          <a:p>
+            <a:pPr algn="ctr"/>
+            <a:endParaRPr lang="en-US"/>
+          </a:p>
+        </p:txBody>
+      </p:sp>
+      <p:sp>
+        <p:nvSpPr>
+          <p:cNvPr id="63" name="Rectangle: Rounded Corners 62">
+            <a:extLst>
+              <a:ext uri="{FF2B5EF4-FFF2-40B4-BE49-F238E27FC236}">
+                <a16:creationId xmlns:a16="http://schemas.microsoft.com/office/drawing/2014/main" id="{3171D33E-43B2-45B4-9CE2-10FCB985EE55}"/>
+              </a:ext>
+            </a:extLst>
+          </p:cNvPr>
+          <p:cNvSpPr/>
+          <p:nvPr/>
+        </p:nvSpPr>
+        <p:spPr>
+          <a:xfrm>
+            <a:off x="10195702" y="1575756"/>
+            <a:ext cx="1319842" cy="569344"/>
+          </a:xfrm>
+          <a:prstGeom prst="roundRect">
+            <a:avLst/>
+          </a:prstGeom>
+          <a:noFill/>
+          <a:ln w="19050">
+            <a:solidFill>
+              <a:schemeClr val="tx1"/>
+            </a:solidFill>
+          </a:ln>
+        </p:spPr>
+        <p:style>
+          <a:lnRef idx="2">
+            <a:schemeClr val="accent1">
+              <a:shade val="50000"/>
+            </a:schemeClr>
+          </a:lnRef>
+          <a:fillRef idx="1">
+            <a:schemeClr val="accent1"/>
+          </a:fillRef>
+          <a:effectRef idx="0">
+            <a:schemeClr val="accent1"/>
+          </a:effectRef>
+          <a:fontRef idx="minor">
+            <a:schemeClr val="lt1"/>
+          </a:fontRef>
+        </p:style>
+        <p:txBody>
+          <a:bodyPr rtlCol="0" anchor="ctr"/>
+          <a:lstStyle/>
+          <a:p>
+            <a:pPr algn="ctr"/>
+            <a:endParaRPr lang="en-US"/>
+          </a:p>
+        </p:txBody>
+      </p:sp>
+      <p:sp>
+        <p:nvSpPr>
+          <p:cNvPr id="64" name="Rectangle: Rounded Corners 63">
+            <a:extLst>
+              <a:ext uri="{FF2B5EF4-FFF2-40B4-BE49-F238E27FC236}">
+                <a16:creationId xmlns:a16="http://schemas.microsoft.com/office/drawing/2014/main" id="{98B56F27-38BF-4936-B6B8-12D085CDC051}"/>
+              </a:ext>
+            </a:extLst>
+          </p:cNvPr>
+          <p:cNvSpPr/>
+          <p:nvPr/>
+        </p:nvSpPr>
+        <p:spPr>
+          <a:xfrm>
+            <a:off x="10195702" y="4126300"/>
+            <a:ext cx="1319842" cy="569344"/>
+          </a:xfrm>
+          <a:prstGeom prst="roundRect">
+            <a:avLst/>
+          </a:prstGeom>
+          <a:noFill/>
+          <a:ln w="19050">
+            <a:solidFill>
+              <a:schemeClr val="tx1"/>
+            </a:solidFill>
+          </a:ln>
+        </p:spPr>
+        <p:style>
+          <a:lnRef idx="2">
+            <a:schemeClr val="accent1">
+              <a:shade val="50000"/>
+            </a:schemeClr>
+          </a:lnRef>
+          <a:fillRef idx="1">
+            <a:schemeClr val="accent1"/>
+          </a:fillRef>
+          <a:effectRef idx="0">
+            <a:schemeClr val="accent1"/>
+          </a:effectRef>
+          <a:fontRef idx="minor">
+            <a:schemeClr val="lt1"/>
+          </a:fontRef>
+        </p:style>
+        <p:txBody>
+          <a:bodyPr rtlCol="0" anchor="ctr"/>
+          <a:lstStyle/>
+          <a:p>
+            <a:pPr algn="ctr"/>
+            <a:endParaRPr lang="en-US"/>
+          </a:p>
+        </p:txBody>
+      </p:sp>
+      <p:sp>
+        <p:nvSpPr>
+          <p:cNvPr id="65" name="TextBox 64">
+            <a:extLst>
+              <a:ext uri="{FF2B5EF4-FFF2-40B4-BE49-F238E27FC236}">
+                <a16:creationId xmlns:a16="http://schemas.microsoft.com/office/drawing/2014/main" id="{A9F5A363-9BFD-4224-9F76-752963D53E11}"/>
+              </a:ext>
+            </a:extLst>
+          </p:cNvPr>
+          <p:cNvSpPr txBox="1"/>
+          <p:nvPr/>
+        </p:nvSpPr>
+        <p:spPr>
+          <a:xfrm>
+            <a:off x="10530854" y="1675762"/>
+            <a:ext cx="691215" cy="369332"/>
+          </a:xfrm>
+          <a:prstGeom prst="rect">
+            <a:avLst/>
+          </a:prstGeom>
+          <a:noFill/>
+        </p:spPr>
+        <p:txBody>
+          <a:bodyPr wrap="none" rtlCol="0">
+            <a:spAutoFit/>
+          </a:bodyPr>
+          <a:lstStyle/>
+          <a:p>
+            <a:r>
+              <a:rPr lang="en-US" dirty="0"/>
+              <a:t>Isend</a:t>
+            </a:r>
+          </a:p>
+        </p:txBody>
+      </p:sp>
+      <p:sp>
+        <p:nvSpPr>
+          <p:cNvPr id="66" name="TextBox 65">
+            <a:extLst>
+              <a:ext uri="{FF2B5EF4-FFF2-40B4-BE49-F238E27FC236}">
+                <a16:creationId xmlns:a16="http://schemas.microsoft.com/office/drawing/2014/main" id="{BCAA80C3-95C6-4FDE-80E1-4F1A4F01C1F8}"/>
+              </a:ext>
+            </a:extLst>
+          </p:cNvPr>
+          <p:cNvSpPr txBox="1"/>
+          <p:nvPr/>
+        </p:nvSpPr>
+        <p:spPr>
+          <a:xfrm>
+            <a:off x="10530853" y="4226306"/>
+            <a:ext cx="622286" cy="369332"/>
+          </a:xfrm>
+          <a:prstGeom prst="rect">
+            <a:avLst/>
+          </a:prstGeom>
+          <a:noFill/>
+        </p:spPr>
+        <p:txBody>
+          <a:bodyPr wrap="none" rtlCol="0">
+            <a:spAutoFit/>
+          </a:bodyPr>
+          <a:lstStyle/>
+          <a:p>
+            <a:r>
+              <a:rPr lang="en-US" dirty="0"/>
+              <a:t>Wait</a:t>
+            </a:r>
+          </a:p>
+        </p:txBody>
+      </p:sp>
+      <p:sp>
+        <p:nvSpPr>
+          <p:cNvPr id="67" name="Rectangle: Rounded Corners 66">
+            <a:extLst>
+              <a:ext uri="{FF2B5EF4-FFF2-40B4-BE49-F238E27FC236}">
+                <a16:creationId xmlns:a16="http://schemas.microsoft.com/office/drawing/2014/main" id="{AB5D7336-2EE0-4E8D-86CE-91C4EEB7953F}"/>
+              </a:ext>
+            </a:extLst>
+          </p:cNvPr>
+          <p:cNvSpPr/>
+          <p:nvPr/>
+        </p:nvSpPr>
+        <p:spPr>
+          <a:xfrm>
+            <a:off x="10199712" y="2851028"/>
+            <a:ext cx="1319842" cy="569344"/>
+          </a:xfrm>
+          <a:prstGeom prst="roundRect">
+            <a:avLst/>
+          </a:prstGeom>
+          <a:noFill/>
+          <a:ln w="19050">
+            <a:solidFill>
+              <a:schemeClr val="tx1"/>
+            </a:solidFill>
+          </a:ln>
+        </p:spPr>
+        <p:style>
+          <a:lnRef idx="2">
+            <a:schemeClr val="accent1">
+              <a:shade val="50000"/>
+            </a:schemeClr>
+          </a:lnRef>
+          <a:fillRef idx="1">
+            <a:schemeClr val="accent1"/>
+          </a:fillRef>
+          <a:effectRef idx="0">
+            <a:schemeClr val="accent1"/>
+          </a:effectRef>
+          <a:fontRef idx="minor">
+            <a:schemeClr val="lt1"/>
+          </a:fontRef>
+        </p:style>
+        <p:txBody>
+          <a:bodyPr rtlCol="0" anchor="ctr"/>
+          <a:lstStyle/>
+          <a:p>
+            <a:pPr algn="ctr"/>
+            <a:endParaRPr lang="en-US"/>
+          </a:p>
+        </p:txBody>
+      </p:sp>
+      <p:sp>
+        <p:nvSpPr>
+          <p:cNvPr id="68" name="Rectangle 67">
+            <a:extLst>
+              <a:ext uri="{FF2B5EF4-FFF2-40B4-BE49-F238E27FC236}">
+                <a16:creationId xmlns:a16="http://schemas.microsoft.com/office/drawing/2014/main" id="{753C8CF0-C850-455A-92AE-1A0C0FB17A43}"/>
+              </a:ext>
+            </a:extLst>
+          </p:cNvPr>
+          <p:cNvSpPr/>
+          <p:nvPr/>
+        </p:nvSpPr>
+        <p:spPr>
+          <a:xfrm>
+            <a:off x="10565051" y="2930906"/>
+            <a:ext cx="636906" cy="369332"/>
+          </a:xfrm>
+          <a:prstGeom prst="rect">
+            <a:avLst/>
+          </a:prstGeom>
+        </p:spPr>
+        <p:txBody>
+          <a:bodyPr wrap="none">
+            <a:spAutoFit/>
+          </a:bodyPr>
+          <a:lstStyle/>
+          <a:p>
+            <a:r>
+              <a:rPr lang="en-US" dirty="0"/>
+              <a:t>Irecv</a:t>
+            </a:r>
+          </a:p>
+        </p:txBody>
+      </p:sp>
+      <p:cxnSp>
+        <p:nvCxnSpPr>
+          <p:cNvPr id="69" name="Straight Arrow Connector 68">
+            <a:extLst>
+              <a:ext uri="{FF2B5EF4-FFF2-40B4-BE49-F238E27FC236}">
+                <a16:creationId xmlns:a16="http://schemas.microsoft.com/office/drawing/2014/main" id="{82BE602D-303D-42E1-B798-D81B353CEEDA}"/>
+              </a:ext>
+            </a:extLst>
+          </p:cNvPr>
+          <p:cNvCxnSpPr>
+            <a:stCxn id="63" idx="2"/>
+            <a:endCxn id="67" idx="0"/>
+          </p:cNvCxnSpPr>
+          <p:nvPr/>
+        </p:nvCxnSpPr>
+        <p:spPr>
+          <a:xfrm>
+            <a:off x="10855623" y="2145100"/>
+            <a:ext cx="4010" cy="705928"/>
+          </a:xfrm>
+          <a:prstGeom prst="straightConnector1">
+            <a:avLst/>
+          </a:prstGeom>
+          <a:ln w="28575">
+            <a:solidFill>
+              <a:schemeClr val="tx1"/>
+            </a:solidFill>
+            <a:tailEnd type="triangle"/>
+          </a:ln>
+        </p:spPr>
+        <p:style>
+          <a:lnRef idx="1">
+            <a:schemeClr val="accent1"/>
+          </a:lnRef>
+          <a:fillRef idx="0">
+            <a:schemeClr val="accent1"/>
+          </a:fillRef>
+          <a:effectRef idx="0">
+            <a:schemeClr val="accent1"/>
+          </a:effectRef>
+          <a:fontRef idx="minor">
+            <a:schemeClr val="tx1"/>
+          </a:fontRef>
+        </p:style>
+      </p:cxnSp>
+      <p:cxnSp>
+        <p:nvCxnSpPr>
+          <p:cNvPr id="70" name="Straight Arrow Connector 69">
+            <a:extLst>
+              <a:ext uri="{FF2B5EF4-FFF2-40B4-BE49-F238E27FC236}">
+                <a16:creationId xmlns:a16="http://schemas.microsoft.com/office/drawing/2014/main" id="{A383F099-708B-4E6E-971F-083AF5901DA2}"/>
+              </a:ext>
+            </a:extLst>
+          </p:cNvPr>
+          <p:cNvCxnSpPr>
+            <a:stCxn id="67" idx="2"/>
+            <a:endCxn id="64" idx="0"/>
+          </p:cNvCxnSpPr>
+          <p:nvPr/>
+        </p:nvCxnSpPr>
+        <p:spPr>
+          <a:xfrm flipH="1">
+            <a:off x="10855623" y="3420372"/>
+            <a:ext cx="4010" cy="705928"/>
+          </a:xfrm>
+          <a:prstGeom prst="straightConnector1">
+            <a:avLst/>
+          </a:prstGeom>
+          <a:ln w="28575">
+            <a:solidFill>
+              <a:schemeClr val="tx1"/>
+            </a:solidFill>
+            <a:tailEnd type="triangle"/>
+          </a:ln>
+        </p:spPr>
+        <p:style>
+          <a:lnRef idx="1">
+            <a:schemeClr val="accent1"/>
+          </a:lnRef>
+          <a:fillRef idx="0">
+            <a:schemeClr val="accent1"/>
+          </a:fillRef>
+          <a:effectRef idx="0">
+            <a:schemeClr val="accent1"/>
+          </a:effectRef>
+          <a:fontRef idx="minor">
+            <a:schemeClr val="tx1"/>
+          </a:fontRef>
+        </p:style>
+      </p:cxnSp>
+      <p:cxnSp>
+        <p:nvCxnSpPr>
+          <p:cNvPr id="72" name="Straight Arrow Connector 71">
+            <a:extLst>
+              <a:ext uri="{FF2B5EF4-FFF2-40B4-BE49-F238E27FC236}">
+                <a16:creationId xmlns:a16="http://schemas.microsoft.com/office/drawing/2014/main" id="{EB6981C6-A081-4E41-82DE-CDCE3AEB828D}"/>
+              </a:ext>
+            </a:extLst>
+          </p:cNvPr>
+          <p:cNvCxnSpPr>
+            <a:stCxn id="42" idx="3"/>
+            <a:endCxn id="67" idx="1"/>
+          </p:cNvCxnSpPr>
+          <p:nvPr/>
+        </p:nvCxnSpPr>
+        <p:spPr>
+          <a:xfrm>
+            <a:off x="8792473" y="1860428"/>
+            <a:ext cx="1407239" cy="1275272"/>
+          </a:xfrm>
+          <a:prstGeom prst="straightConnector1">
+            <a:avLst/>
+          </a:prstGeom>
+          <a:ln w="19050">
+            <a:solidFill>
+              <a:schemeClr val="tx1"/>
+            </a:solidFill>
+            <a:prstDash val="sysDash"/>
+            <a:tailEnd type="triangle"/>
+          </a:ln>
+        </p:spPr>
+        <p:style>
+          <a:lnRef idx="1">
+            <a:schemeClr val="accent1"/>
+          </a:lnRef>
+          <a:fillRef idx="0">
+            <a:schemeClr val="accent1"/>
+          </a:fillRef>
+          <a:effectRef idx="0">
+            <a:schemeClr val="accent1"/>
+          </a:effectRef>
+          <a:fontRef idx="minor">
+            <a:schemeClr val="tx1"/>
+          </a:fontRef>
+        </p:style>
+      </p:cxnSp>
+      <p:cxnSp>
+        <p:nvCxnSpPr>
+          <p:cNvPr id="74" name="Straight Arrow Connector 73">
+            <a:extLst>
+              <a:ext uri="{FF2B5EF4-FFF2-40B4-BE49-F238E27FC236}">
+                <a16:creationId xmlns:a16="http://schemas.microsoft.com/office/drawing/2014/main" id="{832C806D-B4A4-40A3-A680-FD8A054F1BC8}"/>
+              </a:ext>
+            </a:extLst>
+          </p:cNvPr>
+          <p:cNvCxnSpPr>
+            <a:stCxn id="63" idx="1"/>
+            <a:endCxn id="51" idx="3"/>
+          </p:cNvCxnSpPr>
+          <p:nvPr/>
+        </p:nvCxnSpPr>
+        <p:spPr>
+          <a:xfrm flipH="1">
+            <a:off x="8796483" y="1860428"/>
+            <a:ext cx="1399219" cy="1275272"/>
+          </a:xfrm>
+          <a:prstGeom prst="straightConnector1">
+            <a:avLst/>
+          </a:prstGeom>
+          <a:ln w="19050">
+            <a:solidFill>
+              <a:schemeClr val="tx1"/>
+            </a:solidFill>
+            <a:prstDash val="sysDash"/>
+            <a:tailEnd type="triangle"/>
+          </a:ln>
+        </p:spPr>
+        <p:style>
+          <a:lnRef idx="1">
+            <a:schemeClr val="accent1"/>
+          </a:lnRef>
+          <a:fillRef idx="0">
+            <a:schemeClr val="accent1"/>
+          </a:fillRef>
+          <a:effectRef idx="0">
+            <a:schemeClr val="accent1"/>
+          </a:effectRef>
+          <a:fontRef idx="minor">
+            <a:schemeClr val="tx1"/>
+          </a:fontRef>
+        </p:style>
+      </p:cxnSp>
+      <p:cxnSp>
+        <p:nvCxnSpPr>
+          <p:cNvPr id="76" name="Straight Arrow Connector 75">
+            <a:extLst>
+              <a:ext uri="{FF2B5EF4-FFF2-40B4-BE49-F238E27FC236}">
+                <a16:creationId xmlns:a16="http://schemas.microsoft.com/office/drawing/2014/main" id="{E95C1CC2-3871-4012-92B1-08A69FFD3208}"/>
+              </a:ext>
+            </a:extLst>
+          </p:cNvPr>
+          <p:cNvCxnSpPr>
+            <a:stCxn id="51" idx="3"/>
+            <a:endCxn id="64" idx="1"/>
+          </p:cNvCxnSpPr>
+          <p:nvPr/>
+        </p:nvCxnSpPr>
+        <p:spPr>
+          <a:xfrm>
+            <a:off x="8796483" y="3135700"/>
+            <a:ext cx="1399219" cy="1275272"/>
+          </a:xfrm>
+          <a:prstGeom prst="straightConnector1">
+            <a:avLst/>
+          </a:prstGeom>
+          <a:ln w="19050">
+            <a:solidFill>
+              <a:schemeClr val="tx1"/>
+            </a:solidFill>
+            <a:prstDash val="sysDash"/>
+            <a:tailEnd type="triangle"/>
+          </a:ln>
+        </p:spPr>
+        <p:style>
+          <a:lnRef idx="1">
+            <a:schemeClr val="accent1"/>
+          </a:lnRef>
+          <a:fillRef idx="0">
+            <a:schemeClr val="accent1"/>
+          </a:fillRef>
+          <a:effectRef idx="0">
+            <a:schemeClr val="accent1"/>
+          </a:effectRef>
+          <a:fontRef idx="minor">
+            <a:schemeClr val="tx1"/>
+          </a:fontRef>
+        </p:style>
+      </p:cxnSp>
+      <p:cxnSp>
+        <p:nvCxnSpPr>
+          <p:cNvPr id="78" name="Straight Arrow Connector 77">
+            <a:extLst>
+              <a:ext uri="{FF2B5EF4-FFF2-40B4-BE49-F238E27FC236}">
+                <a16:creationId xmlns:a16="http://schemas.microsoft.com/office/drawing/2014/main" id="{1B2AB1FA-5A97-4915-9A6C-9EBCFB90B5DE}"/>
+              </a:ext>
+            </a:extLst>
+          </p:cNvPr>
+          <p:cNvCxnSpPr>
+            <a:stCxn id="67" idx="1"/>
+            <a:endCxn id="43" idx="3"/>
+          </p:cNvCxnSpPr>
+          <p:nvPr/>
+        </p:nvCxnSpPr>
+        <p:spPr>
+          <a:xfrm flipH="1">
+            <a:off x="8792473" y="3135700"/>
+            <a:ext cx="1407239" cy="1275272"/>
+          </a:xfrm>
+          <a:prstGeom prst="straightConnector1">
+            <a:avLst/>
+          </a:prstGeom>
+          <a:ln w="19050">
+            <a:solidFill>
+              <a:schemeClr val="tx1"/>
+            </a:solidFill>
+            <a:prstDash val="sysDash"/>
+            <a:tailEnd type="triangle"/>
+          </a:ln>
+        </p:spPr>
+        <p:style>
+          <a:lnRef idx="1">
+            <a:schemeClr val="accent1"/>
+          </a:lnRef>
+          <a:fillRef idx="0">
+            <a:schemeClr val="accent1"/>
+          </a:fillRef>
+          <a:effectRef idx="0">
+            <a:schemeClr val="accent1"/>
+          </a:effectRef>
+          <a:fontRef idx="minor">
+            <a:schemeClr val="tx1"/>
+          </a:fontRef>
+        </p:style>
+      </p:cxnSp>
+      <p:cxnSp>
+        <p:nvCxnSpPr>
+          <p:cNvPr id="80" name="Straight Arrow Connector 79">
+            <a:extLst>
+              <a:ext uri="{FF2B5EF4-FFF2-40B4-BE49-F238E27FC236}">
+                <a16:creationId xmlns:a16="http://schemas.microsoft.com/office/drawing/2014/main" id="{E524ACA7-2AE4-43E4-A2EC-DDA97E6A5ACA}"/>
+              </a:ext>
+            </a:extLst>
+          </p:cNvPr>
+          <p:cNvCxnSpPr>
+            <a:cxnSpLocks/>
+            <a:stCxn id="3" idx="2"/>
+            <a:endCxn id="38" idx="0"/>
+          </p:cNvCxnSpPr>
+          <p:nvPr/>
+        </p:nvCxnSpPr>
+        <p:spPr>
+          <a:xfrm>
+            <a:off x="1440612" y="2156603"/>
+            <a:ext cx="2723071" cy="1981200"/>
+          </a:xfrm>
+          <a:prstGeom prst="straightConnector1">
+            <a:avLst/>
+          </a:prstGeom>
+          <a:ln w="19050">
+            <a:solidFill>
+              <a:schemeClr val="tx1"/>
+            </a:solidFill>
+            <a:prstDash val="sysDash"/>
+            <a:tailEnd type="triangle"/>
+          </a:ln>
+        </p:spPr>
+        <p:style>
+          <a:lnRef idx="1">
+            <a:schemeClr val="accent1"/>
+          </a:lnRef>
+          <a:fillRef idx="0">
+            <a:schemeClr val="accent1"/>
+          </a:fillRef>
+          <a:effectRef idx="0">
+            <a:schemeClr val="accent1"/>
+          </a:effectRef>
+          <a:fontRef idx="minor">
+            <a:schemeClr val="tx1"/>
+          </a:fontRef>
+        </p:style>
+      </p:cxnSp>
+      <p:cxnSp>
+        <p:nvCxnSpPr>
+          <p:cNvPr id="82" name="Straight Arrow Connector 81">
+            <a:extLst>
+              <a:ext uri="{FF2B5EF4-FFF2-40B4-BE49-F238E27FC236}">
+                <a16:creationId xmlns:a16="http://schemas.microsoft.com/office/drawing/2014/main" id="{DC71FDBA-C39D-4147-82F2-95E2EB89458B}"/>
+              </a:ext>
+            </a:extLst>
+          </p:cNvPr>
+          <p:cNvCxnSpPr>
+            <a:cxnSpLocks/>
+            <a:stCxn id="37" idx="2"/>
+            <a:endCxn id="34" idx="0"/>
+          </p:cNvCxnSpPr>
+          <p:nvPr/>
+        </p:nvCxnSpPr>
+        <p:spPr>
+          <a:xfrm flipH="1">
+            <a:off x="1440612" y="2156603"/>
+            <a:ext cx="2723071" cy="1981200"/>
+          </a:xfrm>
+          <a:prstGeom prst="straightConnector1">
+            <a:avLst/>
+          </a:prstGeom>
+          <a:ln w="19050">
+            <a:solidFill>
+              <a:schemeClr val="tx1"/>
+            </a:solidFill>
+            <a:prstDash val="sysDash"/>
+            <a:tailEnd type="triangle"/>
+          </a:ln>
+        </p:spPr>
+        <p:style>
+          <a:lnRef idx="1">
+            <a:schemeClr val="accent1"/>
+          </a:lnRef>
+          <a:fillRef idx="0">
+            <a:schemeClr val="accent1"/>
+          </a:fillRef>
+          <a:effectRef idx="0">
+            <a:schemeClr val="accent1"/>
+          </a:effectRef>
+          <a:fontRef idx="minor">
+            <a:schemeClr val="tx1"/>
+          </a:fontRef>
+        </p:style>
+      </p:cxnSp>
+      <p:sp>
+        <p:nvSpPr>
+          <p:cNvPr id="85" name="Arrow: Right 84">
+            <a:extLst>
+              <a:ext uri="{FF2B5EF4-FFF2-40B4-BE49-F238E27FC236}">
+                <a16:creationId xmlns:a16="http://schemas.microsoft.com/office/drawing/2014/main" id="{E9E7D02A-FF4B-4D10-911A-89B29DB88F0D}"/>
+              </a:ext>
+            </a:extLst>
+          </p:cNvPr>
+          <p:cNvSpPr/>
+          <p:nvPr/>
+        </p:nvSpPr>
+        <p:spPr>
+          <a:xfrm>
+            <a:off x="5555411" y="2813480"/>
+            <a:ext cx="1340534" cy="439947"/>
+          </a:xfrm>
+          <a:prstGeom prst="rightArrow">
+            <a:avLst/>
+          </a:prstGeom>
+        </p:spPr>
+        <p:style>
+          <a:lnRef idx="2">
+            <a:schemeClr val="accent1">
+              <a:shade val="50000"/>
+            </a:schemeClr>
+          </a:lnRef>
+          <a:fillRef idx="1">
+            <a:schemeClr val="accent1"/>
+          </a:fillRef>
+          <a:effectRef idx="0">
+            <a:schemeClr val="accent1"/>
+          </a:effectRef>
+          <a:fontRef idx="minor">
+            <a:schemeClr val="lt1"/>
+          </a:fontRef>
+        </p:style>
+        <p:txBody>
+          <a:bodyPr rtlCol="0" anchor="ctr"/>
+          <a:lstStyle/>
+          <a:p>
+            <a:pPr algn="ctr"/>
+            <a:endParaRPr lang="en-US"/>
+          </a:p>
+        </p:txBody>
+      </p:sp>
+      <p:sp>
+        <p:nvSpPr>
+          <p:cNvPr id="86" name="TextBox 85">
+            <a:extLst>
+              <a:ext uri="{FF2B5EF4-FFF2-40B4-BE49-F238E27FC236}">
+                <a16:creationId xmlns:a16="http://schemas.microsoft.com/office/drawing/2014/main" id="{4764EAD7-2992-4033-AD6C-C03EBB037DB5}"/>
+              </a:ext>
+            </a:extLst>
+          </p:cNvPr>
+          <p:cNvSpPr txBox="1"/>
+          <p:nvPr/>
+        </p:nvSpPr>
+        <p:spPr>
+          <a:xfrm>
+            <a:off x="1765380" y="5472615"/>
+            <a:ext cx="2303836" cy="769441"/>
+          </a:xfrm>
+          <a:prstGeom prst="rect">
+            <a:avLst/>
+          </a:prstGeom>
+          <a:noFill/>
+        </p:spPr>
+        <p:txBody>
+          <a:bodyPr wrap="none" rtlCol="0">
+            <a:spAutoFit/>
+          </a:bodyPr>
+          <a:lstStyle/>
+          <a:p>
+            <a:r>
+              <a:rPr lang="en-US" sz="4400" dirty="0"/>
+              <a:t>Deadlock</a:t>
+            </a:r>
+          </a:p>
+        </p:txBody>
+      </p:sp>
+      <p:sp>
+        <p:nvSpPr>
+          <p:cNvPr id="87" name="TextBox 86">
+            <a:extLst>
+              <a:ext uri="{FF2B5EF4-FFF2-40B4-BE49-F238E27FC236}">
+                <a16:creationId xmlns:a16="http://schemas.microsoft.com/office/drawing/2014/main" id="{7AABD16E-5DA5-4A46-9098-822C5C2B92FF}"/>
+              </a:ext>
+            </a:extLst>
+          </p:cNvPr>
+          <p:cNvSpPr txBox="1"/>
+          <p:nvPr/>
+        </p:nvSpPr>
+        <p:spPr>
+          <a:xfrm>
+            <a:off x="8257540" y="5483864"/>
+            <a:ext cx="3094117" cy="769441"/>
+          </a:xfrm>
+          <a:prstGeom prst="rect">
+            <a:avLst/>
+          </a:prstGeom>
+          <a:noFill/>
+        </p:spPr>
+        <p:txBody>
+          <a:bodyPr wrap="none" rtlCol="0">
+            <a:spAutoFit/>
+          </a:bodyPr>
+          <a:lstStyle/>
+          <a:p>
+            <a:r>
+              <a:rPr lang="en-US" sz="4400" dirty="0"/>
+              <a:t>No Deadlock</a:t>
+            </a:r>
+          </a:p>
+        </p:txBody>
+      </p:sp>
+    </p:spTree>
+    <p:extLst>
+      <p:ext uri="{BB962C8B-B14F-4D97-AF65-F5344CB8AC3E}">
+        <p14:creationId xmlns:p14="http://schemas.microsoft.com/office/powerpoint/2010/main" val="2650340595"/>
+      </p:ext>
+    </p:extLst>
+  </p:cSld>
+  <p:clrMapOvr>
+    <a:masterClrMapping/>
+  </p:clrMapOvr>
+</p:sld>
+</file>
+
 <file path=ppt/theme/theme1.xml><?xml version="1.0" encoding="utf-8"?>
 <a:theme xmlns:a="http://schemas.openxmlformats.org/drawingml/2006/main" name="Office Theme">
   <a:themeElements>

--- a/Slides/figures.pptx
+++ b/Slides/figures.pptx
@@ -15,6 +15,7 @@
     <p:sldId id="263" r:id="rId12"/>
     <p:sldId id="264" r:id="rId13"/>
     <p:sldId id="265" r:id="rId14"/>
+    <p:sldId id="266" r:id="rId15"/>
   </p:sldIdLst>
   <p:sldSz cx="12192000" cy="8961438"/>
   <p:notesSz cx="6858000" cy="9144000"/>
@@ -252,7 +253,7 @@
           <a:p>
             <a:fld id="{61C71226-6BCE-43B6-9B8C-D352B0229DA2}" type="datetimeFigureOut">
               <a:rPr lang="en-US" smtClean="0"/>
-              <a:t>8/20/2020</a:t>
+              <a:t>9/7/2020</a:t>
             </a:fld>
             <a:endParaRPr lang="en-US"/>
           </a:p>
@@ -422,7 +423,7 @@
           <a:p>
             <a:fld id="{61C71226-6BCE-43B6-9B8C-D352B0229DA2}" type="datetimeFigureOut">
               <a:rPr lang="en-US" smtClean="0"/>
-              <a:t>8/20/2020</a:t>
+              <a:t>9/7/2020</a:t>
             </a:fld>
             <a:endParaRPr lang="en-US"/>
           </a:p>
@@ -602,7 +603,7 @@
           <a:p>
             <a:fld id="{61C71226-6BCE-43B6-9B8C-D352B0229DA2}" type="datetimeFigureOut">
               <a:rPr lang="en-US" smtClean="0"/>
-              <a:t>8/20/2020</a:t>
+              <a:t>9/7/2020</a:t>
             </a:fld>
             <a:endParaRPr lang="en-US"/>
           </a:p>
@@ -772,7 +773,7 @@
           <a:p>
             <a:fld id="{61C71226-6BCE-43B6-9B8C-D352B0229DA2}" type="datetimeFigureOut">
               <a:rPr lang="en-US" smtClean="0"/>
-              <a:t>8/20/2020</a:t>
+              <a:t>9/7/2020</a:t>
             </a:fld>
             <a:endParaRPr lang="en-US"/>
           </a:p>
@@ -1016,7 +1017,7 @@
           <a:p>
             <a:fld id="{61C71226-6BCE-43B6-9B8C-D352B0229DA2}" type="datetimeFigureOut">
               <a:rPr lang="en-US" smtClean="0"/>
-              <a:t>8/20/2020</a:t>
+              <a:t>9/7/2020</a:t>
             </a:fld>
             <a:endParaRPr lang="en-US"/>
           </a:p>
@@ -1248,7 +1249,7 @@
           <a:p>
             <a:fld id="{61C71226-6BCE-43B6-9B8C-D352B0229DA2}" type="datetimeFigureOut">
               <a:rPr lang="en-US" smtClean="0"/>
-              <a:t>8/20/2020</a:t>
+              <a:t>9/7/2020</a:t>
             </a:fld>
             <a:endParaRPr lang="en-US"/>
           </a:p>
@@ -1615,7 +1616,7 @@
           <a:p>
             <a:fld id="{61C71226-6BCE-43B6-9B8C-D352B0229DA2}" type="datetimeFigureOut">
               <a:rPr lang="en-US" smtClean="0"/>
-              <a:t>8/20/2020</a:t>
+              <a:t>9/7/2020</a:t>
             </a:fld>
             <a:endParaRPr lang="en-US"/>
           </a:p>
@@ -1733,7 +1734,7 @@
           <a:p>
             <a:fld id="{61C71226-6BCE-43B6-9B8C-D352B0229DA2}" type="datetimeFigureOut">
               <a:rPr lang="en-US" smtClean="0"/>
-              <a:t>8/20/2020</a:t>
+              <a:t>9/7/2020</a:t>
             </a:fld>
             <a:endParaRPr lang="en-US"/>
           </a:p>
@@ -1828,7 +1829,7 @@
           <a:p>
             <a:fld id="{61C71226-6BCE-43B6-9B8C-D352B0229DA2}" type="datetimeFigureOut">
               <a:rPr lang="en-US" smtClean="0"/>
-              <a:t>8/20/2020</a:t>
+              <a:t>9/7/2020</a:t>
             </a:fld>
             <a:endParaRPr lang="en-US"/>
           </a:p>
@@ -2105,7 +2106,7 @@
           <a:p>
             <a:fld id="{61C71226-6BCE-43B6-9B8C-D352B0229DA2}" type="datetimeFigureOut">
               <a:rPr lang="en-US" smtClean="0"/>
-              <a:t>8/20/2020</a:t>
+              <a:t>9/7/2020</a:t>
             </a:fld>
             <a:endParaRPr lang="en-US"/>
           </a:p>
@@ -2362,7 +2363,7 @@
           <a:p>
             <a:fld id="{61C71226-6BCE-43B6-9B8C-D352B0229DA2}" type="datetimeFigureOut">
               <a:rPr lang="en-US" smtClean="0"/>
-              <a:t>8/20/2020</a:t>
+              <a:t>9/7/2020</a:t>
             </a:fld>
             <a:endParaRPr lang="en-US"/>
           </a:p>
@@ -2575,7 +2576,7 @@
           <a:p>
             <a:fld id="{61C71226-6BCE-43B6-9B8C-D352B0229DA2}" type="datetimeFigureOut">
               <a:rPr lang="en-US" smtClean="0"/>
-              <a:t>8/20/2020</a:t>
+              <a:t>9/7/2020</a:t>
             </a:fld>
             <a:endParaRPr lang="en-US"/>
           </a:p>
@@ -4770,7 +4771,7 @@
           <a:graphicData uri="http://schemas.openxmlformats.org/presentationml/2006/ole">
             <mc:AlternateContent xmlns:mc="http://schemas.openxmlformats.org/markup-compatibility/2006">
               <mc:Choice xmlns:v="urn:schemas-microsoft-com:vml" Requires="v">
-                <p:oleObj spid="_x0000_s1030" name="Equation" r:id="rId4" imgW="914400" imgH="198720" progId="Equation.DSMT4">
+                <p:oleObj spid="_x0000_s1034" name="Equation" r:id="rId4" imgW="914400" imgH="198720" progId="Equation.DSMT4">
                   <p:embed/>
                 </p:oleObj>
               </mc:Choice>
@@ -4805,8 +4806,8 @@
           </a:graphicData>
         </a:graphic>
       </p:graphicFrame>
-      <mc:AlternateContent xmlns:mc="http://schemas.openxmlformats.org/markup-compatibility/2006">
-        <mc:Choice xmlns:a14="http://schemas.microsoft.com/office/drawing/2010/main" Requires="a14">
+      <mc:AlternateContent xmlns:mc="http://schemas.openxmlformats.org/markup-compatibility/2006" xmlns:a14="http://schemas.microsoft.com/office/drawing/2010/main">
+        <mc:Choice Requires="a14">
           <p:sp>
             <p:nvSpPr>
               <p:cNvPr id="6" name="TextBox 5">
@@ -4835,6 +4836,7 @@
               </a:bodyPr>
               <a:lstStyle/>
               <a:p>
+                <a:pPr/>
                 <a14:m>
                   <m:oMathPara xmlns:m="http://schemas.openxmlformats.org/officeDocument/2006/math">
                     <m:oMathParaPr>
@@ -4986,6 +4988,7 @@
                 <a:endParaRPr lang="en-US" sz="3600" b="1" dirty="0"/>
               </a:p>
               <a:p>
+                <a:pPr/>
                 <a14:m>
                   <m:oMathPara xmlns:m="http://schemas.openxmlformats.org/officeDocument/2006/math">
                     <m:oMathParaPr>
@@ -5044,7 +5047,7 @@
             </p:txBody>
           </p:sp>
         </mc:Choice>
-        <mc:Fallback>
+        <mc:Fallback xmlns="">
           <p:sp>
             <p:nvSpPr>
               <p:cNvPr id="6" name="TextBox 5">
@@ -5089,8 +5092,8 @@
           </p:sp>
         </mc:Fallback>
       </mc:AlternateContent>
-      <mc:AlternateContent xmlns:mc="http://schemas.openxmlformats.org/markup-compatibility/2006">
-        <mc:Choice xmlns:a14="http://schemas.microsoft.com/office/drawing/2010/main" Requires="a14">
+      <mc:AlternateContent xmlns:mc="http://schemas.openxmlformats.org/markup-compatibility/2006" xmlns:a14="http://schemas.microsoft.com/office/drawing/2010/main">
+        <mc:Choice Requires="a14">
           <p:sp>
             <p:nvSpPr>
               <p:cNvPr id="8" name="TextBox 7">
@@ -5138,7 +5141,7 @@
             </p:txBody>
           </p:sp>
         </mc:Choice>
-        <mc:Fallback>
+        <mc:Fallback xmlns="">
           <p:sp>
             <p:nvSpPr>
               <p:cNvPr id="8" name="TextBox 7">
@@ -5784,6 +5787,2207 @@
     <p:extLst>
       <p:ext uri="{BB962C8B-B14F-4D97-AF65-F5344CB8AC3E}">
         <p14:creationId xmlns:p14="http://schemas.microsoft.com/office/powerpoint/2010/main" val="173001693"/>
+      </p:ext>
+    </p:extLst>
+  </p:cSld>
+  <p:clrMapOvr>
+    <a:masterClrMapping/>
+  </p:clrMapOvr>
+</p:sld>
+</file>
+
+<file path=ppt/slides/slide11.xml><?xml version="1.0" encoding="utf-8"?>
+<p:sld xmlns:a="http://schemas.openxmlformats.org/drawingml/2006/main" xmlns:r="http://schemas.openxmlformats.org/officeDocument/2006/relationships" xmlns:p="http://schemas.openxmlformats.org/presentationml/2006/main">
+  <p:cSld>
+    <p:spTree>
+      <p:nvGrpSpPr>
+        <p:cNvPr id="1" name=""/>
+        <p:cNvGrpSpPr/>
+        <p:nvPr/>
+      </p:nvGrpSpPr>
+      <p:grpSpPr>
+        <a:xfrm>
+          <a:off x="0" y="0"/>
+          <a:ext cx="0" cy="0"/>
+          <a:chOff x="0" y="0"/>
+          <a:chExt cx="0" cy="0"/>
+        </a:xfrm>
+      </p:grpSpPr>
+      <p:sp>
+        <p:nvSpPr>
+          <p:cNvPr id="4" name="Rectangle 3">
+            <a:extLst>
+              <a:ext uri="{FF2B5EF4-FFF2-40B4-BE49-F238E27FC236}">
+                <a16:creationId xmlns:a16="http://schemas.microsoft.com/office/drawing/2014/main" id="{D991921A-8E2D-4A54-995F-4F725719B5B8}"/>
+              </a:ext>
+            </a:extLst>
+          </p:cNvPr>
+          <p:cNvSpPr/>
+          <p:nvPr/>
+        </p:nvSpPr>
+        <p:spPr>
+          <a:xfrm>
+            <a:off x="254846" y="3270142"/>
+            <a:ext cx="3270142" cy="774915"/>
+          </a:xfrm>
+          <a:prstGeom prst="rect">
+            <a:avLst/>
+          </a:prstGeom>
+        </p:spPr>
+        <p:style>
+          <a:lnRef idx="2">
+            <a:schemeClr val="accent1">
+              <a:shade val="50000"/>
+            </a:schemeClr>
+          </a:lnRef>
+          <a:fillRef idx="1">
+            <a:schemeClr val="accent1"/>
+          </a:fillRef>
+          <a:effectRef idx="0">
+            <a:schemeClr val="accent1"/>
+          </a:effectRef>
+          <a:fontRef idx="minor">
+            <a:schemeClr val="lt1"/>
+          </a:fontRef>
+        </p:style>
+        <p:txBody>
+          <a:bodyPr rtlCol="0" anchor="ctr"/>
+          <a:lstStyle/>
+          <a:p>
+            <a:pPr algn="ctr"/>
+            <a:endParaRPr lang="en-US"/>
+          </a:p>
+        </p:txBody>
+      </p:sp>
+      <p:sp>
+        <p:nvSpPr>
+          <p:cNvPr id="5" name="Rectangle 4">
+            <a:extLst>
+              <a:ext uri="{FF2B5EF4-FFF2-40B4-BE49-F238E27FC236}">
+                <a16:creationId xmlns:a16="http://schemas.microsoft.com/office/drawing/2014/main" id="{8F540867-53C4-4CA7-92A1-5C9FCBDE9676}"/>
+              </a:ext>
+            </a:extLst>
+          </p:cNvPr>
+          <p:cNvSpPr/>
+          <p:nvPr/>
+        </p:nvSpPr>
+        <p:spPr>
+          <a:xfrm>
+            <a:off x="254846" y="4045057"/>
+            <a:ext cx="3270142" cy="774915"/>
+          </a:xfrm>
+          <a:prstGeom prst="rect">
+            <a:avLst/>
+          </a:prstGeom>
+        </p:spPr>
+        <p:style>
+          <a:lnRef idx="2">
+            <a:schemeClr val="accent2">
+              <a:shade val="50000"/>
+            </a:schemeClr>
+          </a:lnRef>
+          <a:fillRef idx="1">
+            <a:schemeClr val="accent2"/>
+          </a:fillRef>
+          <a:effectRef idx="0">
+            <a:schemeClr val="accent2"/>
+          </a:effectRef>
+          <a:fontRef idx="minor">
+            <a:schemeClr val="lt1"/>
+          </a:fontRef>
+        </p:style>
+        <p:txBody>
+          <a:bodyPr rtlCol="0" anchor="ctr"/>
+          <a:lstStyle/>
+          <a:p>
+            <a:pPr algn="ctr"/>
+            <a:endParaRPr lang="en-US"/>
+          </a:p>
+        </p:txBody>
+      </p:sp>
+      <p:sp>
+        <p:nvSpPr>
+          <p:cNvPr id="6" name="Rectangle 5">
+            <a:extLst>
+              <a:ext uri="{FF2B5EF4-FFF2-40B4-BE49-F238E27FC236}">
+                <a16:creationId xmlns:a16="http://schemas.microsoft.com/office/drawing/2014/main" id="{960FF315-5337-4415-9D8C-96D184172797}"/>
+              </a:ext>
+            </a:extLst>
+          </p:cNvPr>
+          <p:cNvSpPr/>
+          <p:nvPr/>
+        </p:nvSpPr>
+        <p:spPr>
+          <a:xfrm>
+            <a:off x="254846" y="4819972"/>
+            <a:ext cx="3270142" cy="774915"/>
+          </a:xfrm>
+          <a:prstGeom prst="rect">
+            <a:avLst/>
+          </a:prstGeom>
+        </p:spPr>
+        <p:style>
+          <a:lnRef idx="2">
+            <a:schemeClr val="accent6">
+              <a:shade val="50000"/>
+            </a:schemeClr>
+          </a:lnRef>
+          <a:fillRef idx="1">
+            <a:schemeClr val="accent6"/>
+          </a:fillRef>
+          <a:effectRef idx="0">
+            <a:schemeClr val="accent6"/>
+          </a:effectRef>
+          <a:fontRef idx="minor">
+            <a:schemeClr val="lt1"/>
+          </a:fontRef>
+        </p:style>
+        <p:txBody>
+          <a:bodyPr rtlCol="0" anchor="ctr"/>
+          <a:lstStyle/>
+          <a:p>
+            <a:pPr algn="ctr"/>
+            <a:endParaRPr lang="en-US"/>
+          </a:p>
+        </p:txBody>
+      </p:sp>
+      <p:sp>
+        <p:nvSpPr>
+          <p:cNvPr id="7" name="Rectangle 6">
+            <a:extLst>
+              <a:ext uri="{FF2B5EF4-FFF2-40B4-BE49-F238E27FC236}">
+                <a16:creationId xmlns:a16="http://schemas.microsoft.com/office/drawing/2014/main" id="{187D9ACD-D754-477D-ACDF-EAB408FF434D}"/>
+              </a:ext>
+            </a:extLst>
+          </p:cNvPr>
+          <p:cNvSpPr/>
+          <p:nvPr/>
+        </p:nvSpPr>
+        <p:spPr>
+          <a:xfrm>
+            <a:off x="254846" y="5594887"/>
+            <a:ext cx="3270142" cy="774915"/>
+          </a:xfrm>
+          <a:prstGeom prst="rect">
+            <a:avLst/>
+          </a:prstGeom>
+          <a:solidFill>
+            <a:srgbClr val="FF0000"/>
+          </a:solidFill>
+        </p:spPr>
+        <p:style>
+          <a:lnRef idx="2">
+            <a:schemeClr val="accent1">
+              <a:shade val="50000"/>
+            </a:schemeClr>
+          </a:lnRef>
+          <a:fillRef idx="1">
+            <a:schemeClr val="accent1"/>
+          </a:fillRef>
+          <a:effectRef idx="0">
+            <a:schemeClr val="accent1"/>
+          </a:effectRef>
+          <a:fontRef idx="minor">
+            <a:schemeClr val="lt1"/>
+          </a:fontRef>
+        </p:style>
+        <p:txBody>
+          <a:bodyPr rtlCol="0" anchor="ctr"/>
+          <a:lstStyle/>
+          <a:p>
+            <a:pPr algn="ctr"/>
+            <a:endParaRPr lang="en-US"/>
+          </a:p>
+        </p:txBody>
+      </p:sp>
+      <p:grpSp>
+        <p:nvGrpSpPr>
+          <p:cNvPr id="58" name="Group 57">
+            <a:extLst>
+              <a:ext uri="{FF2B5EF4-FFF2-40B4-BE49-F238E27FC236}">
+                <a16:creationId xmlns:a16="http://schemas.microsoft.com/office/drawing/2014/main" id="{4B64B052-DBC1-403A-AE8C-B4AAF811D0BB}"/>
+              </a:ext>
+            </a:extLst>
+          </p:cNvPr>
+          <p:cNvGrpSpPr/>
+          <p:nvPr/>
+        </p:nvGrpSpPr>
+        <p:grpSpPr>
+          <a:xfrm>
+            <a:off x="4450977" y="3042748"/>
+            <a:ext cx="3379542" cy="3554448"/>
+            <a:chOff x="5736500" y="865234"/>
+            <a:chExt cx="3379542" cy="3554448"/>
+          </a:xfrm>
+        </p:grpSpPr>
+        <p:sp>
+          <p:nvSpPr>
+            <p:cNvPr id="8" name="Rectangle 7">
+              <a:extLst>
+                <a:ext uri="{FF2B5EF4-FFF2-40B4-BE49-F238E27FC236}">
+                  <a16:creationId xmlns:a16="http://schemas.microsoft.com/office/drawing/2014/main" id="{68E95A10-6ABA-4D18-994D-2A154A3780A9}"/>
+                </a:ext>
+              </a:extLst>
+            </p:cNvPr>
+            <p:cNvSpPr/>
+            <p:nvPr/>
+          </p:nvSpPr>
+          <p:spPr>
+            <a:xfrm>
+              <a:off x="5809281" y="1100379"/>
+              <a:ext cx="808495" cy="774915"/>
+            </a:xfrm>
+            <a:prstGeom prst="rect">
+              <a:avLst/>
+            </a:prstGeom>
+            <a:solidFill>
+              <a:schemeClr val="accent1">
+                <a:alpha val="50000"/>
+              </a:schemeClr>
+            </a:solidFill>
+          </p:spPr>
+          <p:style>
+            <a:lnRef idx="2">
+              <a:schemeClr val="accent1">
+                <a:shade val="50000"/>
+              </a:schemeClr>
+            </a:lnRef>
+            <a:fillRef idx="1">
+              <a:schemeClr val="accent1"/>
+            </a:fillRef>
+            <a:effectRef idx="0">
+              <a:schemeClr val="accent1"/>
+            </a:effectRef>
+            <a:fontRef idx="minor">
+              <a:schemeClr val="lt1"/>
+            </a:fontRef>
+          </p:style>
+          <p:txBody>
+            <a:bodyPr rtlCol="0" anchor="ctr"/>
+            <a:lstStyle/>
+            <a:p>
+              <a:pPr algn="ctr"/>
+              <a:endParaRPr lang="en-US" dirty="0"/>
+            </a:p>
+          </p:txBody>
+        </p:sp>
+        <p:sp>
+          <p:nvSpPr>
+            <p:cNvPr id="9" name="Rectangle 8">
+              <a:extLst>
+                <a:ext uri="{FF2B5EF4-FFF2-40B4-BE49-F238E27FC236}">
+                  <a16:creationId xmlns:a16="http://schemas.microsoft.com/office/drawing/2014/main" id="{0A4DEA65-5BA7-47BD-B750-3B162C2B59F6}"/>
+                </a:ext>
+              </a:extLst>
+            </p:cNvPr>
+            <p:cNvSpPr/>
+            <p:nvPr/>
+          </p:nvSpPr>
+          <p:spPr>
+            <a:xfrm>
+              <a:off x="5809281" y="1875294"/>
+              <a:ext cx="808495" cy="774915"/>
+            </a:xfrm>
+            <a:prstGeom prst="rect">
+              <a:avLst/>
+            </a:prstGeom>
+            <a:solidFill>
+              <a:schemeClr val="accent2">
+                <a:alpha val="50000"/>
+              </a:schemeClr>
+            </a:solidFill>
+          </p:spPr>
+          <p:style>
+            <a:lnRef idx="2">
+              <a:schemeClr val="accent2">
+                <a:shade val="50000"/>
+              </a:schemeClr>
+            </a:lnRef>
+            <a:fillRef idx="1">
+              <a:schemeClr val="accent2"/>
+            </a:fillRef>
+            <a:effectRef idx="0">
+              <a:schemeClr val="accent2"/>
+            </a:effectRef>
+            <a:fontRef idx="minor">
+              <a:schemeClr val="lt1"/>
+            </a:fontRef>
+          </p:style>
+          <p:txBody>
+            <a:bodyPr rtlCol="0" anchor="ctr"/>
+            <a:lstStyle/>
+            <a:p>
+              <a:pPr algn="ctr"/>
+              <a:endParaRPr lang="en-US"/>
+            </a:p>
+          </p:txBody>
+        </p:sp>
+        <p:sp>
+          <p:nvSpPr>
+            <p:cNvPr id="10" name="Rectangle 9">
+              <a:extLst>
+                <a:ext uri="{FF2B5EF4-FFF2-40B4-BE49-F238E27FC236}">
+                  <a16:creationId xmlns:a16="http://schemas.microsoft.com/office/drawing/2014/main" id="{068BCC89-7573-40B1-A7B1-956AEC2859CB}"/>
+                </a:ext>
+              </a:extLst>
+            </p:cNvPr>
+            <p:cNvSpPr/>
+            <p:nvPr/>
+          </p:nvSpPr>
+          <p:spPr>
+            <a:xfrm>
+              <a:off x="5809281" y="2650209"/>
+              <a:ext cx="808495" cy="774915"/>
+            </a:xfrm>
+            <a:prstGeom prst="rect">
+              <a:avLst/>
+            </a:prstGeom>
+            <a:solidFill>
+              <a:schemeClr val="accent6">
+                <a:alpha val="50000"/>
+              </a:schemeClr>
+            </a:solidFill>
+          </p:spPr>
+          <p:style>
+            <a:lnRef idx="2">
+              <a:schemeClr val="accent6">
+                <a:shade val="50000"/>
+              </a:schemeClr>
+            </a:lnRef>
+            <a:fillRef idx="1">
+              <a:schemeClr val="accent6"/>
+            </a:fillRef>
+            <a:effectRef idx="0">
+              <a:schemeClr val="accent6"/>
+            </a:effectRef>
+            <a:fontRef idx="minor">
+              <a:schemeClr val="lt1"/>
+            </a:fontRef>
+          </p:style>
+          <p:txBody>
+            <a:bodyPr rtlCol="0" anchor="ctr"/>
+            <a:lstStyle/>
+            <a:p>
+              <a:pPr algn="ctr"/>
+              <a:endParaRPr lang="en-US"/>
+            </a:p>
+          </p:txBody>
+        </p:sp>
+        <p:sp>
+          <p:nvSpPr>
+            <p:cNvPr id="11" name="Rectangle 10">
+              <a:extLst>
+                <a:ext uri="{FF2B5EF4-FFF2-40B4-BE49-F238E27FC236}">
+                  <a16:creationId xmlns:a16="http://schemas.microsoft.com/office/drawing/2014/main" id="{43F61472-262A-4B39-B75A-D64336F2EE8C}"/>
+                </a:ext>
+              </a:extLst>
+            </p:cNvPr>
+            <p:cNvSpPr/>
+            <p:nvPr/>
+          </p:nvSpPr>
+          <p:spPr>
+            <a:xfrm>
+              <a:off x="5809281" y="3425124"/>
+              <a:ext cx="808495" cy="774915"/>
+            </a:xfrm>
+            <a:prstGeom prst="rect">
+              <a:avLst/>
+            </a:prstGeom>
+            <a:solidFill>
+              <a:srgbClr val="FF0000">
+                <a:alpha val="50000"/>
+              </a:srgbClr>
+            </a:solidFill>
+          </p:spPr>
+          <p:style>
+            <a:lnRef idx="2">
+              <a:schemeClr val="accent1">
+                <a:shade val="50000"/>
+              </a:schemeClr>
+            </a:lnRef>
+            <a:fillRef idx="1">
+              <a:schemeClr val="accent1"/>
+            </a:fillRef>
+            <a:effectRef idx="0">
+              <a:schemeClr val="accent1"/>
+            </a:effectRef>
+            <a:fontRef idx="minor">
+              <a:schemeClr val="lt1"/>
+            </a:fontRef>
+          </p:style>
+          <p:txBody>
+            <a:bodyPr rtlCol="0" anchor="ctr"/>
+            <a:lstStyle/>
+            <a:p>
+              <a:pPr algn="ctr"/>
+              <a:endParaRPr lang="en-US"/>
+            </a:p>
+          </p:txBody>
+        </p:sp>
+        <p:sp>
+          <p:nvSpPr>
+            <p:cNvPr id="12" name="Rectangle 11">
+              <a:extLst>
+                <a:ext uri="{FF2B5EF4-FFF2-40B4-BE49-F238E27FC236}">
+                  <a16:creationId xmlns:a16="http://schemas.microsoft.com/office/drawing/2014/main" id="{68361385-7B21-40B7-B1DD-141D58AFCFB3}"/>
+                </a:ext>
+              </a:extLst>
+            </p:cNvPr>
+            <p:cNvSpPr/>
+            <p:nvPr/>
+          </p:nvSpPr>
+          <p:spPr>
+            <a:xfrm>
+              <a:off x="6617776" y="1100379"/>
+              <a:ext cx="808495" cy="774915"/>
+            </a:xfrm>
+            <a:prstGeom prst="rect">
+              <a:avLst/>
+            </a:prstGeom>
+            <a:solidFill>
+              <a:schemeClr val="accent1">
+                <a:alpha val="50000"/>
+              </a:schemeClr>
+            </a:solidFill>
+          </p:spPr>
+          <p:style>
+            <a:lnRef idx="2">
+              <a:schemeClr val="accent1">
+                <a:shade val="50000"/>
+              </a:schemeClr>
+            </a:lnRef>
+            <a:fillRef idx="1">
+              <a:schemeClr val="accent1"/>
+            </a:fillRef>
+            <a:effectRef idx="0">
+              <a:schemeClr val="accent1"/>
+            </a:effectRef>
+            <a:fontRef idx="minor">
+              <a:schemeClr val="lt1"/>
+            </a:fontRef>
+          </p:style>
+          <p:txBody>
+            <a:bodyPr rtlCol="0" anchor="ctr"/>
+            <a:lstStyle/>
+            <a:p>
+              <a:pPr algn="ctr"/>
+              <a:endParaRPr lang="en-US"/>
+            </a:p>
+          </p:txBody>
+        </p:sp>
+        <p:sp>
+          <p:nvSpPr>
+            <p:cNvPr id="13" name="Rectangle 12">
+              <a:extLst>
+                <a:ext uri="{FF2B5EF4-FFF2-40B4-BE49-F238E27FC236}">
+                  <a16:creationId xmlns:a16="http://schemas.microsoft.com/office/drawing/2014/main" id="{F6E556A6-C39B-4431-9D87-FD927C3A0213}"/>
+                </a:ext>
+              </a:extLst>
+            </p:cNvPr>
+            <p:cNvSpPr/>
+            <p:nvPr/>
+          </p:nvSpPr>
+          <p:spPr>
+            <a:xfrm>
+              <a:off x="6617776" y="1875294"/>
+              <a:ext cx="808495" cy="774915"/>
+            </a:xfrm>
+            <a:prstGeom prst="rect">
+              <a:avLst/>
+            </a:prstGeom>
+            <a:solidFill>
+              <a:schemeClr val="accent2">
+                <a:alpha val="50000"/>
+              </a:schemeClr>
+            </a:solidFill>
+          </p:spPr>
+          <p:style>
+            <a:lnRef idx="2">
+              <a:schemeClr val="accent2">
+                <a:shade val="50000"/>
+              </a:schemeClr>
+            </a:lnRef>
+            <a:fillRef idx="1">
+              <a:schemeClr val="accent2"/>
+            </a:fillRef>
+            <a:effectRef idx="0">
+              <a:schemeClr val="accent2"/>
+            </a:effectRef>
+            <a:fontRef idx="minor">
+              <a:schemeClr val="lt1"/>
+            </a:fontRef>
+          </p:style>
+          <p:txBody>
+            <a:bodyPr rtlCol="0" anchor="ctr"/>
+            <a:lstStyle/>
+            <a:p>
+              <a:pPr algn="ctr"/>
+              <a:endParaRPr lang="en-US"/>
+            </a:p>
+          </p:txBody>
+        </p:sp>
+        <p:sp>
+          <p:nvSpPr>
+            <p:cNvPr id="14" name="Rectangle 13">
+              <a:extLst>
+                <a:ext uri="{FF2B5EF4-FFF2-40B4-BE49-F238E27FC236}">
+                  <a16:creationId xmlns:a16="http://schemas.microsoft.com/office/drawing/2014/main" id="{30353FCC-3E96-49BB-A121-5348DD96A2AB}"/>
+                </a:ext>
+              </a:extLst>
+            </p:cNvPr>
+            <p:cNvSpPr/>
+            <p:nvPr/>
+          </p:nvSpPr>
+          <p:spPr>
+            <a:xfrm>
+              <a:off x="6617776" y="2650209"/>
+              <a:ext cx="808495" cy="774915"/>
+            </a:xfrm>
+            <a:prstGeom prst="rect">
+              <a:avLst/>
+            </a:prstGeom>
+            <a:solidFill>
+              <a:schemeClr val="accent6">
+                <a:alpha val="50000"/>
+              </a:schemeClr>
+            </a:solidFill>
+          </p:spPr>
+          <p:style>
+            <a:lnRef idx="2">
+              <a:schemeClr val="accent6">
+                <a:shade val="50000"/>
+              </a:schemeClr>
+            </a:lnRef>
+            <a:fillRef idx="1">
+              <a:schemeClr val="accent6"/>
+            </a:fillRef>
+            <a:effectRef idx="0">
+              <a:schemeClr val="accent6"/>
+            </a:effectRef>
+            <a:fontRef idx="minor">
+              <a:schemeClr val="lt1"/>
+            </a:fontRef>
+          </p:style>
+          <p:txBody>
+            <a:bodyPr rtlCol="0" anchor="ctr"/>
+            <a:lstStyle/>
+            <a:p>
+              <a:pPr algn="ctr"/>
+              <a:endParaRPr lang="en-US"/>
+            </a:p>
+          </p:txBody>
+        </p:sp>
+        <p:sp>
+          <p:nvSpPr>
+            <p:cNvPr id="15" name="Rectangle 14">
+              <a:extLst>
+                <a:ext uri="{FF2B5EF4-FFF2-40B4-BE49-F238E27FC236}">
+                  <a16:creationId xmlns:a16="http://schemas.microsoft.com/office/drawing/2014/main" id="{CDA4F141-D243-4334-A809-0092E756A577}"/>
+                </a:ext>
+              </a:extLst>
+            </p:cNvPr>
+            <p:cNvSpPr/>
+            <p:nvPr/>
+          </p:nvSpPr>
+          <p:spPr>
+            <a:xfrm>
+              <a:off x="6617776" y="3425124"/>
+              <a:ext cx="808495" cy="774915"/>
+            </a:xfrm>
+            <a:prstGeom prst="rect">
+              <a:avLst/>
+            </a:prstGeom>
+            <a:solidFill>
+              <a:srgbClr val="FF0000">
+                <a:alpha val="50000"/>
+              </a:srgbClr>
+            </a:solidFill>
+          </p:spPr>
+          <p:style>
+            <a:lnRef idx="2">
+              <a:schemeClr val="accent1">
+                <a:shade val="50000"/>
+              </a:schemeClr>
+            </a:lnRef>
+            <a:fillRef idx="1">
+              <a:schemeClr val="accent1"/>
+            </a:fillRef>
+            <a:effectRef idx="0">
+              <a:schemeClr val="accent1"/>
+            </a:effectRef>
+            <a:fontRef idx="minor">
+              <a:schemeClr val="lt1"/>
+            </a:fontRef>
+          </p:style>
+          <p:txBody>
+            <a:bodyPr rtlCol="0" anchor="ctr"/>
+            <a:lstStyle/>
+            <a:p>
+              <a:pPr algn="ctr"/>
+              <a:endParaRPr lang="en-US"/>
+            </a:p>
+          </p:txBody>
+        </p:sp>
+        <p:sp>
+          <p:nvSpPr>
+            <p:cNvPr id="16" name="Rectangle 15">
+              <a:extLst>
+                <a:ext uri="{FF2B5EF4-FFF2-40B4-BE49-F238E27FC236}">
+                  <a16:creationId xmlns:a16="http://schemas.microsoft.com/office/drawing/2014/main" id="{A6EB2FE8-9A73-4505-B044-181E5F1C1B1F}"/>
+                </a:ext>
+              </a:extLst>
+            </p:cNvPr>
+            <p:cNvSpPr/>
+            <p:nvPr/>
+          </p:nvSpPr>
+          <p:spPr>
+            <a:xfrm>
+              <a:off x="7426271" y="1100379"/>
+              <a:ext cx="808495" cy="774915"/>
+            </a:xfrm>
+            <a:prstGeom prst="rect">
+              <a:avLst/>
+            </a:prstGeom>
+            <a:solidFill>
+              <a:schemeClr val="accent1">
+                <a:alpha val="50000"/>
+              </a:schemeClr>
+            </a:solidFill>
+          </p:spPr>
+          <p:style>
+            <a:lnRef idx="2">
+              <a:schemeClr val="accent1">
+                <a:shade val="50000"/>
+              </a:schemeClr>
+            </a:lnRef>
+            <a:fillRef idx="1">
+              <a:schemeClr val="accent1"/>
+            </a:fillRef>
+            <a:effectRef idx="0">
+              <a:schemeClr val="accent1"/>
+            </a:effectRef>
+            <a:fontRef idx="minor">
+              <a:schemeClr val="lt1"/>
+            </a:fontRef>
+          </p:style>
+          <p:txBody>
+            <a:bodyPr rtlCol="0" anchor="ctr"/>
+            <a:lstStyle/>
+            <a:p>
+              <a:pPr algn="ctr"/>
+              <a:endParaRPr lang="en-US"/>
+            </a:p>
+          </p:txBody>
+        </p:sp>
+        <p:sp>
+          <p:nvSpPr>
+            <p:cNvPr id="17" name="Rectangle 16">
+              <a:extLst>
+                <a:ext uri="{FF2B5EF4-FFF2-40B4-BE49-F238E27FC236}">
+                  <a16:creationId xmlns:a16="http://schemas.microsoft.com/office/drawing/2014/main" id="{D229863C-B145-42F3-8F3A-25886700501E}"/>
+                </a:ext>
+              </a:extLst>
+            </p:cNvPr>
+            <p:cNvSpPr/>
+            <p:nvPr/>
+          </p:nvSpPr>
+          <p:spPr>
+            <a:xfrm>
+              <a:off x="7426271" y="1875294"/>
+              <a:ext cx="808495" cy="774915"/>
+            </a:xfrm>
+            <a:prstGeom prst="rect">
+              <a:avLst/>
+            </a:prstGeom>
+            <a:solidFill>
+              <a:schemeClr val="accent2">
+                <a:alpha val="50000"/>
+              </a:schemeClr>
+            </a:solidFill>
+          </p:spPr>
+          <p:style>
+            <a:lnRef idx="2">
+              <a:schemeClr val="accent2">
+                <a:shade val="50000"/>
+              </a:schemeClr>
+            </a:lnRef>
+            <a:fillRef idx="1">
+              <a:schemeClr val="accent2"/>
+            </a:fillRef>
+            <a:effectRef idx="0">
+              <a:schemeClr val="accent2"/>
+            </a:effectRef>
+            <a:fontRef idx="minor">
+              <a:schemeClr val="lt1"/>
+            </a:fontRef>
+          </p:style>
+          <p:txBody>
+            <a:bodyPr rtlCol="0" anchor="ctr"/>
+            <a:lstStyle/>
+            <a:p>
+              <a:pPr algn="ctr"/>
+              <a:endParaRPr lang="en-US"/>
+            </a:p>
+          </p:txBody>
+        </p:sp>
+        <p:sp>
+          <p:nvSpPr>
+            <p:cNvPr id="18" name="Rectangle 17">
+              <a:extLst>
+                <a:ext uri="{FF2B5EF4-FFF2-40B4-BE49-F238E27FC236}">
+                  <a16:creationId xmlns:a16="http://schemas.microsoft.com/office/drawing/2014/main" id="{43BF1E59-2858-4EF6-A227-78B8CD18F64E}"/>
+                </a:ext>
+              </a:extLst>
+            </p:cNvPr>
+            <p:cNvSpPr/>
+            <p:nvPr/>
+          </p:nvSpPr>
+          <p:spPr>
+            <a:xfrm>
+              <a:off x="7426271" y="2650209"/>
+              <a:ext cx="808495" cy="774915"/>
+            </a:xfrm>
+            <a:prstGeom prst="rect">
+              <a:avLst/>
+            </a:prstGeom>
+            <a:solidFill>
+              <a:schemeClr val="accent6">
+                <a:alpha val="50000"/>
+              </a:schemeClr>
+            </a:solidFill>
+          </p:spPr>
+          <p:style>
+            <a:lnRef idx="2">
+              <a:schemeClr val="accent6">
+                <a:shade val="50000"/>
+              </a:schemeClr>
+            </a:lnRef>
+            <a:fillRef idx="1">
+              <a:schemeClr val="accent6"/>
+            </a:fillRef>
+            <a:effectRef idx="0">
+              <a:schemeClr val="accent6"/>
+            </a:effectRef>
+            <a:fontRef idx="minor">
+              <a:schemeClr val="lt1"/>
+            </a:fontRef>
+          </p:style>
+          <p:txBody>
+            <a:bodyPr rtlCol="0" anchor="ctr"/>
+            <a:lstStyle/>
+            <a:p>
+              <a:pPr algn="ctr"/>
+              <a:endParaRPr lang="en-US"/>
+            </a:p>
+          </p:txBody>
+        </p:sp>
+        <p:sp>
+          <p:nvSpPr>
+            <p:cNvPr id="19" name="Rectangle 18">
+              <a:extLst>
+                <a:ext uri="{FF2B5EF4-FFF2-40B4-BE49-F238E27FC236}">
+                  <a16:creationId xmlns:a16="http://schemas.microsoft.com/office/drawing/2014/main" id="{5DFCEFB8-B935-454A-98FF-FD8B8A475F2A}"/>
+                </a:ext>
+              </a:extLst>
+            </p:cNvPr>
+            <p:cNvSpPr/>
+            <p:nvPr/>
+          </p:nvSpPr>
+          <p:spPr>
+            <a:xfrm>
+              <a:off x="7426271" y="3425124"/>
+              <a:ext cx="808495" cy="774915"/>
+            </a:xfrm>
+            <a:prstGeom prst="rect">
+              <a:avLst/>
+            </a:prstGeom>
+            <a:solidFill>
+              <a:srgbClr val="FF0000">
+                <a:alpha val="50000"/>
+              </a:srgbClr>
+            </a:solidFill>
+          </p:spPr>
+          <p:style>
+            <a:lnRef idx="2">
+              <a:schemeClr val="accent1">
+                <a:shade val="50000"/>
+              </a:schemeClr>
+            </a:lnRef>
+            <a:fillRef idx="1">
+              <a:schemeClr val="accent1"/>
+            </a:fillRef>
+            <a:effectRef idx="0">
+              <a:schemeClr val="accent1"/>
+            </a:effectRef>
+            <a:fontRef idx="minor">
+              <a:schemeClr val="lt1"/>
+            </a:fontRef>
+          </p:style>
+          <p:txBody>
+            <a:bodyPr rtlCol="0" anchor="ctr"/>
+            <a:lstStyle/>
+            <a:p>
+              <a:pPr algn="ctr"/>
+              <a:endParaRPr lang="en-US"/>
+            </a:p>
+          </p:txBody>
+        </p:sp>
+        <p:sp>
+          <p:nvSpPr>
+            <p:cNvPr id="20" name="Rectangle 19">
+              <a:extLst>
+                <a:ext uri="{FF2B5EF4-FFF2-40B4-BE49-F238E27FC236}">
+                  <a16:creationId xmlns:a16="http://schemas.microsoft.com/office/drawing/2014/main" id="{CD30411F-74C6-492B-9440-0B1C47AB81A1}"/>
+                </a:ext>
+              </a:extLst>
+            </p:cNvPr>
+            <p:cNvSpPr/>
+            <p:nvPr/>
+          </p:nvSpPr>
+          <p:spPr>
+            <a:xfrm>
+              <a:off x="8234766" y="1100379"/>
+              <a:ext cx="808495" cy="774915"/>
+            </a:xfrm>
+            <a:prstGeom prst="rect">
+              <a:avLst/>
+            </a:prstGeom>
+            <a:solidFill>
+              <a:schemeClr val="accent1">
+                <a:alpha val="50000"/>
+              </a:schemeClr>
+            </a:solidFill>
+          </p:spPr>
+          <p:style>
+            <a:lnRef idx="2">
+              <a:schemeClr val="accent1">
+                <a:shade val="50000"/>
+              </a:schemeClr>
+            </a:lnRef>
+            <a:fillRef idx="1">
+              <a:schemeClr val="accent1"/>
+            </a:fillRef>
+            <a:effectRef idx="0">
+              <a:schemeClr val="accent1"/>
+            </a:effectRef>
+            <a:fontRef idx="minor">
+              <a:schemeClr val="lt1"/>
+            </a:fontRef>
+          </p:style>
+          <p:txBody>
+            <a:bodyPr rtlCol="0" anchor="ctr"/>
+            <a:lstStyle/>
+            <a:p>
+              <a:pPr algn="ctr"/>
+              <a:endParaRPr lang="en-US"/>
+            </a:p>
+          </p:txBody>
+        </p:sp>
+        <p:sp>
+          <p:nvSpPr>
+            <p:cNvPr id="21" name="Rectangle 20">
+              <a:extLst>
+                <a:ext uri="{FF2B5EF4-FFF2-40B4-BE49-F238E27FC236}">
+                  <a16:creationId xmlns:a16="http://schemas.microsoft.com/office/drawing/2014/main" id="{7EA5E345-ABCE-4E12-A157-2365043E5DA7}"/>
+                </a:ext>
+              </a:extLst>
+            </p:cNvPr>
+            <p:cNvSpPr/>
+            <p:nvPr/>
+          </p:nvSpPr>
+          <p:spPr>
+            <a:xfrm>
+              <a:off x="8234766" y="1875294"/>
+              <a:ext cx="808495" cy="774915"/>
+            </a:xfrm>
+            <a:prstGeom prst="rect">
+              <a:avLst/>
+            </a:prstGeom>
+            <a:solidFill>
+              <a:schemeClr val="accent2">
+                <a:alpha val="50000"/>
+              </a:schemeClr>
+            </a:solidFill>
+          </p:spPr>
+          <p:style>
+            <a:lnRef idx="2">
+              <a:schemeClr val="accent2">
+                <a:shade val="50000"/>
+              </a:schemeClr>
+            </a:lnRef>
+            <a:fillRef idx="1">
+              <a:schemeClr val="accent2"/>
+            </a:fillRef>
+            <a:effectRef idx="0">
+              <a:schemeClr val="accent2"/>
+            </a:effectRef>
+            <a:fontRef idx="minor">
+              <a:schemeClr val="lt1"/>
+            </a:fontRef>
+          </p:style>
+          <p:txBody>
+            <a:bodyPr rtlCol="0" anchor="ctr"/>
+            <a:lstStyle/>
+            <a:p>
+              <a:pPr algn="ctr"/>
+              <a:endParaRPr lang="en-US"/>
+            </a:p>
+          </p:txBody>
+        </p:sp>
+        <p:sp>
+          <p:nvSpPr>
+            <p:cNvPr id="22" name="Rectangle 21">
+              <a:extLst>
+                <a:ext uri="{FF2B5EF4-FFF2-40B4-BE49-F238E27FC236}">
+                  <a16:creationId xmlns:a16="http://schemas.microsoft.com/office/drawing/2014/main" id="{83C61AB8-9127-4148-B440-BEF27BB5AEE1}"/>
+                </a:ext>
+              </a:extLst>
+            </p:cNvPr>
+            <p:cNvSpPr/>
+            <p:nvPr/>
+          </p:nvSpPr>
+          <p:spPr>
+            <a:xfrm>
+              <a:off x="8234766" y="2650209"/>
+              <a:ext cx="808495" cy="774915"/>
+            </a:xfrm>
+            <a:prstGeom prst="rect">
+              <a:avLst/>
+            </a:prstGeom>
+            <a:solidFill>
+              <a:schemeClr val="accent6">
+                <a:alpha val="50000"/>
+              </a:schemeClr>
+            </a:solidFill>
+          </p:spPr>
+          <p:style>
+            <a:lnRef idx="2">
+              <a:schemeClr val="accent6">
+                <a:shade val="50000"/>
+              </a:schemeClr>
+            </a:lnRef>
+            <a:fillRef idx="1">
+              <a:schemeClr val="accent6"/>
+            </a:fillRef>
+            <a:effectRef idx="0">
+              <a:schemeClr val="accent6"/>
+            </a:effectRef>
+            <a:fontRef idx="minor">
+              <a:schemeClr val="lt1"/>
+            </a:fontRef>
+          </p:style>
+          <p:txBody>
+            <a:bodyPr rtlCol="0" anchor="ctr"/>
+            <a:lstStyle/>
+            <a:p>
+              <a:pPr algn="ctr"/>
+              <a:endParaRPr lang="en-US"/>
+            </a:p>
+          </p:txBody>
+        </p:sp>
+        <p:sp>
+          <p:nvSpPr>
+            <p:cNvPr id="23" name="Rectangle 22">
+              <a:extLst>
+                <a:ext uri="{FF2B5EF4-FFF2-40B4-BE49-F238E27FC236}">
+                  <a16:creationId xmlns:a16="http://schemas.microsoft.com/office/drawing/2014/main" id="{21C5BEAC-EF25-49DC-AA78-752E291D8F99}"/>
+                </a:ext>
+              </a:extLst>
+            </p:cNvPr>
+            <p:cNvSpPr/>
+            <p:nvPr/>
+          </p:nvSpPr>
+          <p:spPr>
+            <a:xfrm>
+              <a:off x="8234766" y="3425124"/>
+              <a:ext cx="808495" cy="774915"/>
+            </a:xfrm>
+            <a:prstGeom prst="rect">
+              <a:avLst/>
+            </a:prstGeom>
+            <a:solidFill>
+              <a:srgbClr val="FF0000">
+                <a:alpha val="50000"/>
+              </a:srgbClr>
+            </a:solidFill>
+          </p:spPr>
+          <p:style>
+            <a:lnRef idx="2">
+              <a:schemeClr val="accent1">
+                <a:shade val="50000"/>
+              </a:schemeClr>
+            </a:lnRef>
+            <a:fillRef idx="1">
+              <a:schemeClr val="accent1"/>
+            </a:fillRef>
+            <a:effectRef idx="0">
+              <a:schemeClr val="accent1"/>
+            </a:effectRef>
+            <a:fontRef idx="minor">
+              <a:schemeClr val="lt1"/>
+            </a:fontRef>
+          </p:style>
+          <p:txBody>
+            <a:bodyPr rtlCol="0" anchor="ctr"/>
+            <a:lstStyle/>
+            <a:p>
+              <a:pPr algn="ctr"/>
+              <a:endParaRPr lang="en-US"/>
+            </a:p>
+          </p:txBody>
+        </p:sp>
+        <p:cxnSp>
+          <p:nvCxnSpPr>
+            <p:cNvPr id="31" name="Straight Arrow Connector 30">
+              <a:extLst>
+                <a:ext uri="{FF2B5EF4-FFF2-40B4-BE49-F238E27FC236}">
+                  <a16:creationId xmlns:a16="http://schemas.microsoft.com/office/drawing/2014/main" id="{707A46E8-6904-4B53-84F5-EEE6DFA77FF3}"/>
+                </a:ext>
+              </a:extLst>
+            </p:cNvPr>
+            <p:cNvCxnSpPr/>
+            <p:nvPr/>
+          </p:nvCxnSpPr>
+          <p:spPr>
+            <a:xfrm flipH="1">
+              <a:off x="6276814" y="1549831"/>
+              <a:ext cx="650928" cy="666427"/>
+            </a:xfrm>
+            <a:prstGeom prst="straightConnector1">
+              <a:avLst/>
+            </a:prstGeom>
+            <a:ln w="57150">
+              <a:solidFill>
+                <a:schemeClr val="tx1"/>
+              </a:solidFill>
+              <a:headEnd type="arrow" w="med" len="med"/>
+              <a:tailEnd type="arrow" w="med" len="med"/>
+            </a:ln>
+          </p:spPr>
+          <p:style>
+            <a:lnRef idx="1">
+              <a:schemeClr val="dk1"/>
+            </a:lnRef>
+            <a:fillRef idx="0">
+              <a:schemeClr val="dk1"/>
+            </a:fillRef>
+            <a:effectRef idx="0">
+              <a:schemeClr val="dk1"/>
+            </a:effectRef>
+            <a:fontRef idx="minor">
+              <a:schemeClr val="tx1"/>
+            </a:fontRef>
+          </p:style>
+        </p:cxnSp>
+        <p:cxnSp>
+          <p:nvCxnSpPr>
+            <p:cNvPr id="32" name="Straight Arrow Connector 31">
+              <a:extLst>
+                <a:ext uri="{FF2B5EF4-FFF2-40B4-BE49-F238E27FC236}">
+                  <a16:creationId xmlns:a16="http://schemas.microsoft.com/office/drawing/2014/main" id="{B3AD4E3B-0485-4B90-ABD0-11BCAB108767}"/>
+                </a:ext>
+              </a:extLst>
+            </p:cNvPr>
+            <p:cNvCxnSpPr/>
+            <p:nvPr/>
+          </p:nvCxnSpPr>
+          <p:spPr>
+            <a:xfrm flipH="1">
+              <a:off x="7116305" y="2309245"/>
+              <a:ext cx="650928" cy="666427"/>
+            </a:xfrm>
+            <a:prstGeom prst="straightConnector1">
+              <a:avLst/>
+            </a:prstGeom>
+            <a:ln w="57150">
+              <a:solidFill>
+                <a:schemeClr val="tx1"/>
+              </a:solidFill>
+              <a:headEnd type="arrow" w="med" len="med"/>
+              <a:tailEnd type="arrow" w="med" len="med"/>
+            </a:ln>
+          </p:spPr>
+          <p:style>
+            <a:lnRef idx="1">
+              <a:schemeClr val="dk1"/>
+            </a:lnRef>
+            <a:fillRef idx="0">
+              <a:schemeClr val="dk1"/>
+            </a:fillRef>
+            <a:effectRef idx="0">
+              <a:schemeClr val="dk1"/>
+            </a:effectRef>
+            <a:fontRef idx="minor">
+              <a:schemeClr val="tx1"/>
+            </a:fontRef>
+          </p:style>
+        </p:cxnSp>
+        <p:cxnSp>
+          <p:nvCxnSpPr>
+            <p:cNvPr id="33" name="Straight Arrow Connector 32">
+              <a:extLst>
+                <a:ext uri="{FF2B5EF4-FFF2-40B4-BE49-F238E27FC236}">
+                  <a16:creationId xmlns:a16="http://schemas.microsoft.com/office/drawing/2014/main" id="{A5051EAC-F5BE-4AD0-915B-C96F61EA4F34}"/>
+                </a:ext>
+              </a:extLst>
+            </p:cNvPr>
+            <p:cNvCxnSpPr/>
+            <p:nvPr/>
+          </p:nvCxnSpPr>
+          <p:spPr>
+            <a:xfrm flipH="1">
+              <a:off x="7909302" y="3099661"/>
+              <a:ext cx="650928" cy="666427"/>
+            </a:xfrm>
+            <a:prstGeom prst="straightConnector1">
+              <a:avLst/>
+            </a:prstGeom>
+            <a:ln w="57150">
+              <a:solidFill>
+                <a:schemeClr val="tx1"/>
+              </a:solidFill>
+              <a:headEnd type="arrow" w="med" len="med"/>
+              <a:tailEnd type="arrow" w="med" len="med"/>
+            </a:ln>
+          </p:spPr>
+          <p:style>
+            <a:lnRef idx="1">
+              <a:schemeClr val="dk1"/>
+            </a:lnRef>
+            <a:fillRef idx="0">
+              <a:schemeClr val="dk1"/>
+            </a:fillRef>
+            <a:effectRef idx="0">
+              <a:schemeClr val="dk1"/>
+            </a:effectRef>
+            <a:fontRef idx="minor">
+              <a:schemeClr val="tx1"/>
+            </a:fontRef>
+          </p:style>
+        </p:cxnSp>
+        <p:cxnSp>
+          <p:nvCxnSpPr>
+            <p:cNvPr id="34" name="Straight Arrow Connector 33">
+              <a:extLst>
+                <a:ext uri="{FF2B5EF4-FFF2-40B4-BE49-F238E27FC236}">
+                  <a16:creationId xmlns:a16="http://schemas.microsoft.com/office/drawing/2014/main" id="{3E54A75C-8B6E-4653-8580-3D3F2558E83B}"/>
+                </a:ext>
+              </a:extLst>
+            </p:cNvPr>
+            <p:cNvCxnSpPr>
+              <a:cxnSpLocks/>
+            </p:cNvCxnSpPr>
+            <p:nvPr/>
+          </p:nvCxnSpPr>
+          <p:spPr>
+            <a:xfrm flipH="1">
+              <a:off x="6262607" y="1487836"/>
+              <a:ext cx="1583409" cy="1596324"/>
+            </a:xfrm>
+            <a:prstGeom prst="straightConnector1">
+              <a:avLst/>
+            </a:prstGeom>
+            <a:ln w="57150">
+              <a:solidFill>
+                <a:schemeClr val="tx1"/>
+              </a:solidFill>
+              <a:headEnd type="arrow" w="med" len="med"/>
+              <a:tailEnd type="arrow" w="med" len="med"/>
+            </a:ln>
+          </p:spPr>
+          <p:style>
+            <a:lnRef idx="1">
+              <a:schemeClr val="dk1"/>
+            </a:lnRef>
+            <a:fillRef idx="0">
+              <a:schemeClr val="dk1"/>
+            </a:fillRef>
+            <a:effectRef idx="0">
+              <a:schemeClr val="dk1"/>
+            </a:effectRef>
+            <a:fontRef idx="minor">
+              <a:schemeClr val="tx1"/>
+            </a:fontRef>
+          </p:style>
+        </p:cxnSp>
+        <p:cxnSp>
+          <p:nvCxnSpPr>
+            <p:cNvPr id="36" name="Straight Arrow Connector 35">
+              <a:extLst>
+                <a:ext uri="{FF2B5EF4-FFF2-40B4-BE49-F238E27FC236}">
+                  <a16:creationId xmlns:a16="http://schemas.microsoft.com/office/drawing/2014/main" id="{78283494-04D8-4609-ABE2-7D877AE43349}"/>
+                </a:ext>
+              </a:extLst>
+            </p:cNvPr>
+            <p:cNvCxnSpPr>
+              <a:cxnSpLocks/>
+            </p:cNvCxnSpPr>
+            <p:nvPr/>
+          </p:nvCxnSpPr>
+          <p:spPr>
+            <a:xfrm flipH="1">
+              <a:off x="7065936" y="2262751"/>
+              <a:ext cx="1583409" cy="1596324"/>
+            </a:xfrm>
+            <a:prstGeom prst="straightConnector1">
+              <a:avLst/>
+            </a:prstGeom>
+            <a:ln w="57150">
+              <a:solidFill>
+                <a:schemeClr val="tx1"/>
+              </a:solidFill>
+              <a:headEnd type="arrow" w="med" len="med"/>
+              <a:tailEnd type="arrow" w="med" len="med"/>
+            </a:ln>
+          </p:spPr>
+          <p:style>
+            <a:lnRef idx="1">
+              <a:schemeClr val="dk1"/>
+            </a:lnRef>
+            <a:fillRef idx="0">
+              <a:schemeClr val="dk1"/>
+            </a:fillRef>
+            <a:effectRef idx="0">
+              <a:schemeClr val="dk1"/>
+            </a:effectRef>
+            <a:fontRef idx="minor">
+              <a:schemeClr val="tx1"/>
+            </a:fontRef>
+          </p:style>
+        </p:cxnSp>
+        <p:sp>
+          <p:nvSpPr>
+            <p:cNvPr id="41" name="Arc 40">
+              <a:extLst>
+                <a:ext uri="{FF2B5EF4-FFF2-40B4-BE49-F238E27FC236}">
+                  <a16:creationId xmlns:a16="http://schemas.microsoft.com/office/drawing/2014/main" id="{43C59BE4-6787-4F88-A45B-D64984B493E0}"/>
+                </a:ext>
+              </a:extLst>
+            </p:cNvPr>
+            <p:cNvSpPr/>
+            <p:nvPr/>
+          </p:nvSpPr>
+          <p:spPr>
+            <a:xfrm rot="4674181">
+              <a:off x="5649047" y="952687"/>
+              <a:ext cx="3554448" cy="3379542"/>
+            </a:xfrm>
+            <a:prstGeom prst="arc">
+              <a:avLst>
+                <a:gd name="adj1" fmla="val 14480065"/>
+                <a:gd name="adj2" fmla="val 3178723"/>
+              </a:avLst>
+            </a:prstGeom>
+            <a:ln w="57150">
+              <a:solidFill>
+                <a:schemeClr val="tx1"/>
+              </a:solidFill>
+              <a:headEnd type="arrow" w="med" len="med"/>
+              <a:tailEnd type="arrow" w="med" len="med"/>
+            </a:ln>
+          </p:spPr>
+          <p:style>
+            <a:lnRef idx="1">
+              <a:schemeClr val="accent1"/>
+            </a:lnRef>
+            <a:fillRef idx="0">
+              <a:schemeClr val="accent1"/>
+            </a:fillRef>
+            <a:effectRef idx="0">
+              <a:schemeClr val="accent1"/>
+            </a:effectRef>
+            <a:fontRef idx="minor">
+              <a:schemeClr val="tx1"/>
+            </a:fontRef>
+          </p:style>
+          <p:txBody>
+            <a:bodyPr rtlCol="0" anchor="ctr"/>
+            <a:lstStyle/>
+            <a:p>
+              <a:pPr algn="ctr"/>
+              <a:endParaRPr lang="en-US"/>
+            </a:p>
+          </p:txBody>
+        </p:sp>
+      </p:grpSp>
+      <p:grpSp>
+        <p:nvGrpSpPr>
+          <p:cNvPr id="59" name="Group 58">
+            <a:extLst>
+              <a:ext uri="{FF2B5EF4-FFF2-40B4-BE49-F238E27FC236}">
+                <a16:creationId xmlns:a16="http://schemas.microsoft.com/office/drawing/2014/main" id="{94CFB90B-A9C7-40A6-9720-5F49CB97DE9D}"/>
+              </a:ext>
+            </a:extLst>
+          </p:cNvPr>
+          <p:cNvGrpSpPr/>
+          <p:nvPr/>
+        </p:nvGrpSpPr>
+        <p:grpSpPr>
+          <a:xfrm>
+            <a:off x="8573152" y="3270142"/>
+            <a:ext cx="3233980" cy="3099660"/>
+            <a:chOff x="8234766" y="5183790"/>
+            <a:chExt cx="3233980" cy="3099660"/>
+          </a:xfrm>
+        </p:grpSpPr>
+        <p:sp>
+          <p:nvSpPr>
+            <p:cNvPr id="42" name="Rectangle 41">
+              <a:extLst>
+                <a:ext uri="{FF2B5EF4-FFF2-40B4-BE49-F238E27FC236}">
+                  <a16:creationId xmlns:a16="http://schemas.microsoft.com/office/drawing/2014/main" id="{E8595BBD-598E-46BB-90F3-363EE952FA99}"/>
+                </a:ext>
+              </a:extLst>
+            </p:cNvPr>
+            <p:cNvSpPr/>
+            <p:nvPr/>
+          </p:nvSpPr>
+          <p:spPr>
+            <a:xfrm>
+              <a:off x="8234766" y="5183790"/>
+              <a:ext cx="808495" cy="774915"/>
+            </a:xfrm>
+            <a:prstGeom prst="rect">
+              <a:avLst/>
+            </a:prstGeom>
+          </p:spPr>
+          <p:style>
+            <a:lnRef idx="2">
+              <a:schemeClr val="accent1">
+                <a:shade val="50000"/>
+              </a:schemeClr>
+            </a:lnRef>
+            <a:fillRef idx="1">
+              <a:schemeClr val="accent1"/>
+            </a:fillRef>
+            <a:effectRef idx="0">
+              <a:schemeClr val="accent1"/>
+            </a:effectRef>
+            <a:fontRef idx="minor">
+              <a:schemeClr val="lt1"/>
+            </a:fontRef>
+          </p:style>
+          <p:txBody>
+            <a:bodyPr rtlCol="0" anchor="ctr"/>
+            <a:lstStyle/>
+            <a:p>
+              <a:pPr algn="ctr"/>
+              <a:endParaRPr lang="en-US"/>
+            </a:p>
+          </p:txBody>
+        </p:sp>
+        <p:sp>
+          <p:nvSpPr>
+            <p:cNvPr id="43" name="Rectangle 42">
+              <a:extLst>
+                <a:ext uri="{FF2B5EF4-FFF2-40B4-BE49-F238E27FC236}">
+                  <a16:creationId xmlns:a16="http://schemas.microsoft.com/office/drawing/2014/main" id="{A70D96BA-05AC-425D-A81D-4840295DCA68}"/>
+                </a:ext>
+              </a:extLst>
+            </p:cNvPr>
+            <p:cNvSpPr/>
+            <p:nvPr/>
+          </p:nvSpPr>
+          <p:spPr>
+            <a:xfrm>
+              <a:off x="8234766" y="5958705"/>
+              <a:ext cx="808495" cy="774915"/>
+            </a:xfrm>
+            <a:prstGeom prst="rect">
+              <a:avLst/>
+            </a:prstGeom>
+          </p:spPr>
+          <p:style>
+            <a:lnRef idx="2">
+              <a:schemeClr val="accent1">
+                <a:shade val="50000"/>
+              </a:schemeClr>
+            </a:lnRef>
+            <a:fillRef idx="1">
+              <a:schemeClr val="accent1"/>
+            </a:fillRef>
+            <a:effectRef idx="0">
+              <a:schemeClr val="accent1"/>
+            </a:effectRef>
+            <a:fontRef idx="minor">
+              <a:schemeClr val="lt1"/>
+            </a:fontRef>
+          </p:style>
+          <p:txBody>
+            <a:bodyPr rtlCol="0" anchor="ctr"/>
+            <a:lstStyle/>
+            <a:p>
+              <a:pPr algn="ctr"/>
+              <a:endParaRPr lang="en-US"/>
+            </a:p>
+          </p:txBody>
+        </p:sp>
+        <p:sp>
+          <p:nvSpPr>
+            <p:cNvPr id="44" name="Rectangle 43">
+              <a:extLst>
+                <a:ext uri="{FF2B5EF4-FFF2-40B4-BE49-F238E27FC236}">
+                  <a16:creationId xmlns:a16="http://schemas.microsoft.com/office/drawing/2014/main" id="{DF7BF996-6831-47BD-9D67-6D4E99155277}"/>
+                </a:ext>
+              </a:extLst>
+            </p:cNvPr>
+            <p:cNvSpPr/>
+            <p:nvPr/>
+          </p:nvSpPr>
+          <p:spPr>
+            <a:xfrm>
+              <a:off x="8234766" y="6733620"/>
+              <a:ext cx="808495" cy="774915"/>
+            </a:xfrm>
+            <a:prstGeom prst="rect">
+              <a:avLst/>
+            </a:prstGeom>
+          </p:spPr>
+          <p:style>
+            <a:lnRef idx="2">
+              <a:schemeClr val="accent1">
+                <a:shade val="50000"/>
+              </a:schemeClr>
+            </a:lnRef>
+            <a:fillRef idx="1">
+              <a:schemeClr val="accent1"/>
+            </a:fillRef>
+            <a:effectRef idx="0">
+              <a:schemeClr val="accent1"/>
+            </a:effectRef>
+            <a:fontRef idx="minor">
+              <a:schemeClr val="lt1"/>
+            </a:fontRef>
+          </p:style>
+          <p:txBody>
+            <a:bodyPr rtlCol="0" anchor="ctr"/>
+            <a:lstStyle/>
+            <a:p>
+              <a:pPr algn="ctr"/>
+              <a:endParaRPr lang="en-US"/>
+            </a:p>
+          </p:txBody>
+        </p:sp>
+        <p:sp>
+          <p:nvSpPr>
+            <p:cNvPr id="45" name="Rectangle 44">
+              <a:extLst>
+                <a:ext uri="{FF2B5EF4-FFF2-40B4-BE49-F238E27FC236}">
+                  <a16:creationId xmlns:a16="http://schemas.microsoft.com/office/drawing/2014/main" id="{4DBB0540-5055-436B-A004-796A213F32B1}"/>
+                </a:ext>
+              </a:extLst>
+            </p:cNvPr>
+            <p:cNvSpPr/>
+            <p:nvPr/>
+          </p:nvSpPr>
+          <p:spPr>
+            <a:xfrm>
+              <a:off x="8234766" y="7508535"/>
+              <a:ext cx="808495" cy="774915"/>
+            </a:xfrm>
+            <a:prstGeom prst="rect">
+              <a:avLst/>
+            </a:prstGeom>
+          </p:spPr>
+          <p:style>
+            <a:lnRef idx="2">
+              <a:schemeClr val="accent1">
+                <a:shade val="50000"/>
+              </a:schemeClr>
+            </a:lnRef>
+            <a:fillRef idx="1">
+              <a:schemeClr val="accent1"/>
+            </a:fillRef>
+            <a:effectRef idx="0">
+              <a:schemeClr val="accent1"/>
+            </a:effectRef>
+            <a:fontRef idx="minor">
+              <a:schemeClr val="lt1"/>
+            </a:fontRef>
+          </p:style>
+          <p:txBody>
+            <a:bodyPr rtlCol="0" anchor="ctr"/>
+            <a:lstStyle/>
+            <a:p>
+              <a:pPr algn="ctr"/>
+              <a:endParaRPr lang="en-US"/>
+            </a:p>
+          </p:txBody>
+        </p:sp>
+        <p:sp>
+          <p:nvSpPr>
+            <p:cNvPr id="46" name="Rectangle 45">
+              <a:extLst>
+                <a:ext uri="{FF2B5EF4-FFF2-40B4-BE49-F238E27FC236}">
+                  <a16:creationId xmlns:a16="http://schemas.microsoft.com/office/drawing/2014/main" id="{A19DACAE-41AC-4A32-815B-2C1FDFADFEEF}"/>
+                </a:ext>
+              </a:extLst>
+            </p:cNvPr>
+            <p:cNvSpPr/>
+            <p:nvPr/>
+          </p:nvSpPr>
+          <p:spPr>
+            <a:xfrm>
+              <a:off x="9043261" y="5183790"/>
+              <a:ext cx="808495" cy="774915"/>
+            </a:xfrm>
+            <a:prstGeom prst="rect">
+              <a:avLst/>
+            </a:prstGeom>
+          </p:spPr>
+          <p:style>
+            <a:lnRef idx="2">
+              <a:schemeClr val="accent2">
+                <a:shade val="50000"/>
+              </a:schemeClr>
+            </a:lnRef>
+            <a:fillRef idx="1">
+              <a:schemeClr val="accent2"/>
+            </a:fillRef>
+            <a:effectRef idx="0">
+              <a:schemeClr val="accent2"/>
+            </a:effectRef>
+            <a:fontRef idx="minor">
+              <a:schemeClr val="lt1"/>
+            </a:fontRef>
+          </p:style>
+          <p:txBody>
+            <a:bodyPr rtlCol="0" anchor="ctr"/>
+            <a:lstStyle/>
+            <a:p>
+              <a:pPr algn="ctr"/>
+              <a:endParaRPr lang="en-US"/>
+            </a:p>
+          </p:txBody>
+        </p:sp>
+        <p:sp>
+          <p:nvSpPr>
+            <p:cNvPr id="47" name="Rectangle 46">
+              <a:extLst>
+                <a:ext uri="{FF2B5EF4-FFF2-40B4-BE49-F238E27FC236}">
+                  <a16:creationId xmlns:a16="http://schemas.microsoft.com/office/drawing/2014/main" id="{2D5C6717-DDD3-464A-A418-605721CC0830}"/>
+                </a:ext>
+              </a:extLst>
+            </p:cNvPr>
+            <p:cNvSpPr/>
+            <p:nvPr/>
+          </p:nvSpPr>
+          <p:spPr>
+            <a:xfrm>
+              <a:off x="9043261" y="5958705"/>
+              <a:ext cx="808495" cy="774915"/>
+            </a:xfrm>
+            <a:prstGeom prst="rect">
+              <a:avLst/>
+            </a:prstGeom>
+          </p:spPr>
+          <p:style>
+            <a:lnRef idx="2">
+              <a:schemeClr val="accent2">
+                <a:shade val="50000"/>
+              </a:schemeClr>
+            </a:lnRef>
+            <a:fillRef idx="1">
+              <a:schemeClr val="accent2"/>
+            </a:fillRef>
+            <a:effectRef idx="0">
+              <a:schemeClr val="accent2"/>
+            </a:effectRef>
+            <a:fontRef idx="minor">
+              <a:schemeClr val="lt1"/>
+            </a:fontRef>
+          </p:style>
+          <p:txBody>
+            <a:bodyPr rtlCol="0" anchor="ctr"/>
+            <a:lstStyle/>
+            <a:p>
+              <a:pPr algn="ctr"/>
+              <a:endParaRPr lang="en-US"/>
+            </a:p>
+          </p:txBody>
+        </p:sp>
+        <p:sp>
+          <p:nvSpPr>
+            <p:cNvPr id="48" name="Rectangle 47">
+              <a:extLst>
+                <a:ext uri="{FF2B5EF4-FFF2-40B4-BE49-F238E27FC236}">
+                  <a16:creationId xmlns:a16="http://schemas.microsoft.com/office/drawing/2014/main" id="{E63DF8E5-AF53-4B1D-A4D6-04B7ADE241C8}"/>
+                </a:ext>
+              </a:extLst>
+            </p:cNvPr>
+            <p:cNvSpPr/>
+            <p:nvPr/>
+          </p:nvSpPr>
+          <p:spPr>
+            <a:xfrm>
+              <a:off x="9043261" y="6733620"/>
+              <a:ext cx="808495" cy="774915"/>
+            </a:xfrm>
+            <a:prstGeom prst="rect">
+              <a:avLst/>
+            </a:prstGeom>
+          </p:spPr>
+          <p:style>
+            <a:lnRef idx="2">
+              <a:schemeClr val="accent2">
+                <a:shade val="50000"/>
+              </a:schemeClr>
+            </a:lnRef>
+            <a:fillRef idx="1">
+              <a:schemeClr val="accent2"/>
+            </a:fillRef>
+            <a:effectRef idx="0">
+              <a:schemeClr val="accent2"/>
+            </a:effectRef>
+            <a:fontRef idx="minor">
+              <a:schemeClr val="lt1"/>
+            </a:fontRef>
+          </p:style>
+          <p:txBody>
+            <a:bodyPr rtlCol="0" anchor="ctr"/>
+            <a:lstStyle/>
+            <a:p>
+              <a:pPr algn="ctr"/>
+              <a:endParaRPr lang="en-US"/>
+            </a:p>
+          </p:txBody>
+        </p:sp>
+        <p:sp>
+          <p:nvSpPr>
+            <p:cNvPr id="49" name="Rectangle 48">
+              <a:extLst>
+                <a:ext uri="{FF2B5EF4-FFF2-40B4-BE49-F238E27FC236}">
+                  <a16:creationId xmlns:a16="http://schemas.microsoft.com/office/drawing/2014/main" id="{6D934540-FD59-4EFD-98BC-425DFF36C118}"/>
+                </a:ext>
+              </a:extLst>
+            </p:cNvPr>
+            <p:cNvSpPr/>
+            <p:nvPr/>
+          </p:nvSpPr>
+          <p:spPr>
+            <a:xfrm>
+              <a:off x="9043261" y="7508535"/>
+              <a:ext cx="808495" cy="774915"/>
+            </a:xfrm>
+            <a:prstGeom prst="rect">
+              <a:avLst/>
+            </a:prstGeom>
+          </p:spPr>
+          <p:style>
+            <a:lnRef idx="2">
+              <a:schemeClr val="accent2">
+                <a:shade val="50000"/>
+              </a:schemeClr>
+            </a:lnRef>
+            <a:fillRef idx="1">
+              <a:schemeClr val="accent2"/>
+            </a:fillRef>
+            <a:effectRef idx="0">
+              <a:schemeClr val="accent2"/>
+            </a:effectRef>
+            <a:fontRef idx="minor">
+              <a:schemeClr val="lt1"/>
+            </a:fontRef>
+          </p:style>
+          <p:txBody>
+            <a:bodyPr rtlCol="0" anchor="ctr"/>
+            <a:lstStyle/>
+            <a:p>
+              <a:pPr algn="ctr"/>
+              <a:endParaRPr lang="en-US"/>
+            </a:p>
+          </p:txBody>
+        </p:sp>
+        <p:sp>
+          <p:nvSpPr>
+            <p:cNvPr id="50" name="Rectangle 49">
+              <a:extLst>
+                <a:ext uri="{FF2B5EF4-FFF2-40B4-BE49-F238E27FC236}">
+                  <a16:creationId xmlns:a16="http://schemas.microsoft.com/office/drawing/2014/main" id="{C3677EE9-A07D-4889-A213-A980883F642C}"/>
+                </a:ext>
+              </a:extLst>
+            </p:cNvPr>
+            <p:cNvSpPr/>
+            <p:nvPr/>
+          </p:nvSpPr>
+          <p:spPr>
+            <a:xfrm>
+              <a:off x="9851756" y="5183790"/>
+              <a:ext cx="808495" cy="774915"/>
+            </a:xfrm>
+            <a:prstGeom prst="rect">
+              <a:avLst/>
+            </a:prstGeom>
+          </p:spPr>
+          <p:style>
+            <a:lnRef idx="2">
+              <a:schemeClr val="accent6">
+                <a:shade val="50000"/>
+              </a:schemeClr>
+            </a:lnRef>
+            <a:fillRef idx="1">
+              <a:schemeClr val="accent6"/>
+            </a:fillRef>
+            <a:effectRef idx="0">
+              <a:schemeClr val="accent6"/>
+            </a:effectRef>
+            <a:fontRef idx="minor">
+              <a:schemeClr val="lt1"/>
+            </a:fontRef>
+          </p:style>
+          <p:txBody>
+            <a:bodyPr rtlCol="0" anchor="ctr"/>
+            <a:lstStyle/>
+            <a:p>
+              <a:pPr algn="ctr"/>
+              <a:endParaRPr lang="en-US"/>
+            </a:p>
+          </p:txBody>
+        </p:sp>
+        <p:sp>
+          <p:nvSpPr>
+            <p:cNvPr id="51" name="Rectangle 50">
+              <a:extLst>
+                <a:ext uri="{FF2B5EF4-FFF2-40B4-BE49-F238E27FC236}">
+                  <a16:creationId xmlns:a16="http://schemas.microsoft.com/office/drawing/2014/main" id="{F8648366-066E-4C9D-B36D-41D7B7C57642}"/>
+                </a:ext>
+              </a:extLst>
+            </p:cNvPr>
+            <p:cNvSpPr/>
+            <p:nvPr/>
+          </p:nvSpPr>
+          <p:spPr>
+            <a:xfrm>
+              <a:off x="9851756" y="5958705"/>
+              <a:ext cx="808495" cy="774915"/>
+            </a:xfrm>
+            <a:prstGeom prst="rect">
+              <a:avLst/>
+            </a:prstGeom>
+          </p:spPr>
+          <p:style>
+            <a:lnRef idx="2">
+              <a:schemeClr val="accent6">
+                <a:shade val="50000"/>
+              </a:schemeClr>
+            </a:lnRef>
+            <a:fillRef idx="1">
+              <a:schemeClr val="accent6"/>
+            </a:fillRef>
+            <a:effectRef idx="0">
+              <a:schemeClr val="accent6"/>
+            </a:effectRef>
+            <a:fontRef idx="minor">
+              <a:schemeClr val="lt1"/>
+            </a:fontRef>
+          </p:style>
+          <p:txBody>
+            <a:bodyPr rtlCol="0" anchor="ctr"/>
+            <a:lstStyle/>
+            <a:p>
+              <a:pPr algn="ctr"/>
+              <a:endParaRPr lang="en-US"/>
+            </a:p>
+          </p:txBody>
+        </p:sp>
+        <p:sp>
+          <p:nvSpPr>
+            <p:cNvPr id="52" name="Rectangle 51">
+              <a:extLst>
+                <a:ext uri="{FF2B5EF4-FFF2-40B4-BE49-F238E27FC236}">
+                  <a16:creationId xmlns:a16="http://schemas.microsoft.com/office/drawing/2014/main" id="{C1E81753-CB64-49DC-A607-C7D9EC60A57D}"/>
+                </a:ext>
+              </a:extLst>
+            </p:cNvPr>
+            <p:cNvSpPr/>
+            <p:nvPr/>
+          </p:nvSpPr>
+          <p:spPr>
+            <a:xfrm>
+              <a:off x="9851756" y="6733620"/>
+              <a:ext cx="808495" cy="774915"/>
+            </a:xfrm>
+            <a:prstGeom prst="rect">
+              <a:avLst/>
+            </a:prstGeom>
+          </p:spPr>
+          <p:style>
+            <a:lnRef idx="2">
+              <a:schemeClr val="accent6">
+                <a:shade val="50000"/>
+              </a:schemeClr>
+            </a:lnRef>
+            <a:fillRef idx="1">
+              <a:schemeClr val="accent6"/>
+            </a:fillRef>
+            <a:effectRef idx="0">
+              <a:schemeClr val="accent6"/>
+            </a:effectRef>
+            <a:fontRef idx="minor">
+              <a:schemeClr val="lt1"/>
+            </a:fontRef>
+          </p:style>
+          <p:txBody>
+            <a:bodyPr rtlCol="0" anchor="ctr"/>
+            <a:lstStyle/>
+            <a:p>
+              <a:pPr algn="ctr"/>
+              <a:endParaRPr lang="en-US"/>
+            </a:p>
+          </p:txBody>
+        </p:sp>
+        <p:sp>
+          <p:nvSpPr>
+            <p:cNvPr id="53" name="Rectangle 52">
+              <a:extLst>
+                <a:ext uri="{FF2B5EF4-FFF2-40B4-BE49-F238E27FC236}">
+                  <a16:creationId xmlns:a16="http://schemas.microsoft.com/office/drawing/2014/main" id="{1E4E72EC-DC93-47E5-A9EB-6215EF58060D}"/>
+                </a:ext>
+              </a:extLst>
+            </p:cNvPr>
+            <p:cNvSpPr/>
+            <p:nvPr/>
+          </p:nvSpPr>
+          <p:spPr>
+            <a:xfrm>
+              <a:off x="9851756" y="7508535"/>
+              <a:ext cx="808495" cy="774915"/>
+            </a:xfrm>
+            <a:prstGeom prst="rect">
+              <a:avLst/>
+            </a:prstGeom>
+          </p:spPr>
+          <p:style>
+            <a:lnRef idx="2">
+              <a:schemeClr val="accent6">
+                <a:shade val="50000"/>
+              </a:schemeClr>
+            </a:lnRef>
+            <a:fillRef idx="1">
+              <a:schemeClr val="accent6"/>
+            </a:fillRef>
+            <a:effectRef idx="0">
+              <a:schemeClr val="accent6"/>
+            </a:effectRef>
+            <a:fontRef idx="minor">
+              <a:schemeClr val="lt1"/>
+            </a:fontRef>
+          </p:style>
+          <p:txBody>
+            <a:bodyPr rtlCol="0" anchor="ctr"/>
+            <a:lstStyle/>
+            <a:p>
+              <a:pPr algn="ctr"/>
+              <a:endParaRPr lang="en-US"/>
+            </a:p>
+          </p:txBody>
+        </p:sp>
+        <p:sp>
+          <p:nvSpPr>
+            <p:cNvPr id="54" name="Rectangle 53">
+              <a:extLst>
+                <a:ext uri="{FF2B5EF4-FFF2-40B4-BE49-F238E27FC236}">
+                  <a16:creationId xmlns:a16="http://schemas.microsoft.com/office/drawing/2014/main" id="{A5725832-9F4C-4912-98FD-8CF5ECCD2D77}"/>
+                </a:ext>
+              </a:extLst>
+            </p:cNvPr>
+            <p:cNvSpPr/>
+            <p:nvPr/>
+          </p:nvSpPr>
+          <p:spPr>
+            <a:xfrm>
+              <a:off x="10660251" y="5183790"/>
+              <a:ext cx="808495" cy="774915"/>
+            </a:xfrm>
+            <a:prstGeom prst="rect">
+              <a:avLst/>
+            </a:prstGeom>
+            <a:solidFill>
+              <a:srgbClr val="FF0000"/>
+            </a:solidFill>
+          </p:spPr>
+          <p:style>
+            <a:lnRef idx="2">
+              <a:schemeClr val="accent1">
+                <a:shade val="50000"/>
+              </a:schemeClr>
+            </a:lnRef>
+            <a:fillRef idx="1">
+              <a:schemeClr val="accent1"/>
+            </a:fillRef>
+            <a:effectRef idx="0">
+              <a:schemeClr val="accent1"/>
+            </a:effectRef>
+            <a:fontRef idx="minor">
+              <a:schemeClr val="lt1"/>
+            </a:fontRef>
+          </p:style>
+          <p:txBody>
+            <a:bodyPr rtlCol="0" anchor="ctr"/>
+            <a:lstStyle/>
+            <a:p>
+              <a:pPr algn="ctr"/>
+              <a:endParaRPr lang="en-US"/>
+            </a:p>
+          </p:txBody>
+        </p:sp>
+        <p:sp>
+          <p:nvSpPr>
+            <p:cNvPr id="55" name="Rectangle 54">
+              <a:extLst>
+                <a:ext uri="{FF2B5EF4-FFF2-40B4-BE49-F238E27FC236}">
+                  <a16:creationId xmlns:a16="http://schemas.microsoft.com/office/drawing/2014/main" id="{EA3D817C-03EB-4C1A-B473-6DAB49850988}"/>
+                </a:ext>
+              </a:extLst>
+            </p:cNvPr>
+            <p:cNvSpPr/>
+            <p:nvPr/>
+          </p:nvSpPr>
+          <p:spPr>
+            <a:xfrm>
+              <a:off x="10660251" y="5958705"/>
+              <a:ext cx="808495" cy="774915"/>
+            </a:xfrm>
+            <a:prstGeom prst="rect">
+              <a:avLst/>
+            </a:prstGeom>
+            <a:solidFill>
+              <a:srgbClr val="FF0000"/>
+            </a:solidFill>
+          </p:spPr>
+          <p:style>
+            <a:lnRef idx="2">
+              <a:schemeClr val="accent2">
+                <a:shade val="50000"/>
+              </a:schemeClr>
+            </a:lnRef>
+            <a:fillRef idx="1">
+              <a:schemeClr val="accent2"/>
+            </a:fillRef>
+            <a:effectRef idx="0">
+              <a:schemeClr val="accent2"/>
+            </a:effectRef>
+            <a:fontRef idx="minor">
+              <a:schemeClr val="lt1"/>
+            </a:fontRef>
+          </p:style>
+          <p:txBody>
+            <a:bodyPr rtlCol="0" anchor="ctr"/>
+            <a:lstStyle/>
+            <a:p>
+              <a:pPr algn="ctr"/>
+              <a:endParaRPr lang="en-US"/>
+            </a:p>
+          </p:txBody>
+        </p:sp>
+        <p:sp>
+          <p:nvSpPr>
+            <p:cNvPr id="56" name="Rectangle 55">
+              <a:extLst>
+                <a:ext uri="{FF2B5EF4-FFF2-40B4-BE49-F238E27FC236}">
+                  <a16:creationId xmlns:a16="http://schemas.microsoft.com/office/drawing/2014/main" id="{4B8BEACB-4A05-42D3-B43F-90B3D29195CD}"/>
+                </a:ext>
+              </a:extLst>
+            </p:cNvPr>
+            <p:cNvSpPr/>
+            <p:nvPr/>
+          </p:nvSpPr>
+          <p:spPr>
+            <a:xfrm>
+              <a:off x="10660251" y="6733620"/>
+              <a:ext cx="808495" cy="774915"/>
+            </a:xfrm>
+            <a:prstGeom prst="rect">
+              <a:avLst/>
+            </a:prstGeom>
+            <a:solidFill>
+              <a:srgbClr val="FF0000"/>
+            </a:solidFill>
+          </p:spPr>
+          <p:style>
+            <a:lnRef idx="2">
+              <a:schemeClr val="accent6">
+                <a:shade val="50000"/>
+              </a:schemeClr>
+            </a:lnRef>
+            <a:fillRef idx="1">
+              <a:schemeClr val="accent6"/>
+            </a:fillRef>
+            <a:effectRef idx="0">
+              <a:schemeClr val="accent6"/>
+            </a:effectRef>
+            <a:fontRef idx="minor">
+              <a:schemeClr val="lt1"/>
+            </a:fontRef>
+          </p:style>
+          <p:txBody>
+            <a:bodyPr rtlCol="0" anchor="ctr"/>
+            <a:lstStyle/>
+            <a:p>
+              <a:pPr algn="ctr"/>
+              <a:endParaRPr lang="en-US"/>
+            </a:p>
+          </p:txBody>
+        </p:sp>
+        <p:sp>
+          <p:nvSpPr>
+            <p:cNvPr id="57" name="Rectangle 56">
+              <a:extLst>
+                <a:ext uri="{FF2B5EF4-FFF2-40B4-BE49-F238E27FC236}">
+                  <a16:creationId xmlns:a16="http://schemas.microsoft.com/office/drawing/2014/main" id="{811096F2-98D1-4E2A-B13C-6252C4901F66}"/>
+                </a:ext>
+              </a:extLst>
+            </p:cNvPr>
+            <p:cNvSpPr/>
+            <p:nvPr/>
+          </p:nvSpPr>
+          <p:spPr>
+            <a:xfrm>
+              <a:off x="10660251" y="7508535"/>
+              <a:ext cx="808495" cy="774915"/>
+            </a:xfrm>
+            <a:prstGeom prst="rect">
+              <a:avLst/>
+            </a:prstGeom>
+            <a:solidFill>
+              <a:srgbClr val="FF0000"/>
+            </a:solidFill>
+          </p:spPr>
+          <p:style>
+            <a:lnRef idx="2">
+              <a:schemeClr val="accent1">
+                <a:shade val="50000"/>
+              </a:schemeClr>
+            </a:lnRef>
+            <a:fillRef idx="1">
+              <a:schemeClr val="accent1"/>
+            </a:fillRef>
+            <a:effectRef idx="0">
+              <a:schemeClr val="accent1"/>
+            </a:effectRef>
+            <a:fontRef idx="minor">
+              <a:schemeClr val="lt1"/>
+            </a:fontRef>
+          </p:style>
+          <p:txBody>
+            <a:bodyPr rtlCol="0" anchor="ctr"/>
+            <a:lstStyle/>
+            <a:p>
+              <a:pPr algn="ctr"/>
+              <a:endParaRPr lang="en-US"/>
+            </a:p>
+          </p:txBody>
+        </p:sp>
+      </p:grpSp>
+      <p:sp>
+        <p:nvSpPr>
+          <p:cNvPr id="60" name="TextBox 59">
+            <a:extLst>
+              <a:ext uri="{FF2B5EF4-FFF2-40B4-BE49-F238E27FC236}">
+                <a16:creationId xmlns:a16="http://schemas.microsoft.com/office/drawing/2014/main" id="{BEFD1DAB-50CA-4E19-BD8E-A5A6EF15A25F}"/>
+              </a:ext>
+            </a:extLst>
+          </p:cNvPr>
+          <p:cNvSpPr txBox="1"/>
+          <p:nvPr/>
+        </p:nvSpPr>
+        <p:spPr>
+          <a:xfrm>
+            <a:off x="512264" y="2435704"/>
+            <a:ext cx="2755306" cy="584775"/>
+          </a:xfrm>
+          <a:prstGeom prst="rect">
+            <a:avLst/>
+          </a:prstGeom>
+          <a:noFill/>
+        </p:spPr>
+        <p:txBody>
+          <a:bodyPr wrap="none" rtlCol="0">
+            <a:spAutoFit/>
+          </a:bodyPr>
+          <a:lstStyle/>
+          <a:p>
+            <a:r>
+              <a:rPr lang="en-US" sz="3200" b="1" dirty="0"/>
+              <a:t>Original Matrix</a:t>
+            </a:r>
+          </a:p>
+        </p:txBody>
+      </p:sp>
+      <p:sp>
+        <p:nvSpPr>
+          <p:cNvPr id="61" name="TextBox 60">
+            <a:extLst>
+              <a:ext uri="{FF2B5EF4-FFF2-40B4-BE49-F238E27FC236}">
+                <a16:creationId xmlns:a16="http://schemas.microsoft.com/office/drawing/2014/main" id="{6FBB301D-A723-4B38-ADC0-5899844455C0}"/>
+              </a:ext>
+            </a:extLst>
+          </p:cNvPr>
+          <p:cNvSpPr txBox="1"/>
+          <p:nvPr/>
+        </p:nvSpPr>
+        <p:spPr>
+          <a:xfrm>
+            <a:off x="4213951" y="2400730"/>
+            <a:ext cx="3884590" cy="584775"/>
+          </a:xfrm>
+          <a:prstGeom prst="rect">
+            <a:avLst/>
+          </a:prstGeom>
+          <a:noFill/>
+        </p:spPr>
+        <p:txBody>
+          <a:bodyPr wrap="none" rtlCol="0">
+            <a:spAutoFit/>
+          </a:bodyPr>
+          <a:lstStyle/>
+          <a:p>
+            <a:r>
+              <a:rPr lang="en-US" sz="3200" b="1" dirty="0"/>
+              <a:t>MPI_Isend/MPI_Irecv</a:t>
+            </a:r>
+          </a:p>
+        </p:txBody>
+      </p:sp>
+      <p:sp>
+        <p:nvSpPr>
+          <p:cNvPr id="62" name="TextBox 61">
+            <a:extLst>
+              <a:ext uri="{FF2B5EF4-FFF2-40B4-BE49-F238E27FC236}">
+                <a16:creationId xmlns:a16="http://schemas.microsoft.com/office/drawing/2014/main" id="{706AD0AD-5475-49AD-B3E1-527D5B479FA3}"/>
+              </a:ext>
+            </a:extLst>
+          </p:cNvPr>
+          <p:cNvSpPr txBox="1"/>
+          <p:nvPr/>
+        </p:nvSpPr>
+        <p:spPr>
+          <a:xfrm>
+            <a:off x="8292122" y="2435703"/>
+            <a:ext cx="3796039" cy="584775"/>
+          </a:xfrm>
+          <a:prstGeom prst="rect">
+            <a:avLst/>
+          </a:prstGeom>
+          <a:noFill/>
+        </p:spPr>
+        <p:txBody>
+          <a:bodyPr wrap="none" rtlCol="0">
+            <a:spAutoFit/>
+          </a:bodyPr>
+          <a:lstStyle/>
+          <a:p>
+            <a:r>
+              <a:rPr lang="en-US" sz="3200" b="1" dirty="0"/>
+              <a:t>Transpose Each Block</a:t>
+            </a:r>
+          </a:p>
+        </p:txBody>
+      </p:sp>
+    </p:spTree>
+    <p:extLst>
+      <p:ext uri="{BB962C8B-B14F-4D97-AF65-F5344CB8AC3E}">
+        <p14:creationId xmlns:p14="http://schemas.microsoft.com/office/powerpoint/2010/main" val="2646673511"/>
       </p:ext>
     </p:extLst>
   </p:cSld>
@@ -23031,7 +25235,7 @@
 
 <file path=customXml/item1.xml><?xml version="1.0" encoding="utf-8"?>
 <Control xmlns="http://schemas.microsoft.com/VisualStudio/2011/storyboarding/control">
-  <Id Name="System.Storyboarding.Icons.Envelope" Revision="1" Stencil="System.Storyboarding.Icons" StencilVersion="0.1"/>
+  <Id Name="System.Storyboarding.Common.MouseClick" Revision="1" Stencil="System.Storyboarding.Common" StencilVersion="0.1"/>
 </Control>
 </file>
 
@@ -23043,12 +25247,12 @@
 
 <file path=customXml/item3.xml><?xml version="1.0" encoding="utf-8"?>
 <Control xmlns="http://schemas.microsoft.com/VisualStudio/2011/storyboarding/control">
-  <Id Name="System.Storyboarding.Common.MouseClick" Revision="1" Stencil="System.Storyboarding.Common" StencilVersion="0.1"/>
+  <Id Name="System.Storyboarding.Icons.Envelope" Revision="1" Stencil="System.Storyboarding.Icons" StencilVersion="0.1"/>
 </Control>
 </file>
 
 <file path=customXml/itemProps1.xml><?xml version="1.0" encoding="utf-8"?>
-<ds:datastoreItem xmlns:ds="http://schemas.openxmlformats.org/officeDocument/2006/customXml" ds:itemID="{E862297A-FDE6-44E5-BFEA-2E2AA22AFB6E}">
+<ds:datastoreItem xmlns:ds="http://schemas.openxmlformats.org/officeDocument/2006/customXml" ds:itemID="{CDE74C96-E3A6-41DA-927B-67031D210E8E}">
   <ds:schemaRefs>
     <ds:schemaRef ds:uri="http://schemas.microsoft.com/VisualStudio/2011/storyboarding/control"/>
   </ds:schemaRefs>
@@ -23064,7 +25268,7 @@
 </file>
 
 <file path=customXml/itemProps3.xml><?xml version="1.0" encoding="utf-8"?>
-<ds:datastoreItem xmlns:ds="http://schemas.openxmlformats.org/officeDocument/2006/customXml" ds:itemID="{CDE74C96-E3A6-41DA-927B-67031D210E8E}">
+<ds:datastoreItem xmlns:ds="http://schemas.openxmlformats.org/officeDocument/2006/customXml" ds:itemID="{E862297A-FDE6-44E5-BFEA-2E2AA22AFB6E}">
   <ds:schemaRefs>
     <ds:schemaRef ds:uri="http://schemas.microsoft.com/VisualStudio/2011/storyboarding/control"/>
   </ds:schemaRefs>

--- a/Slides/figures.pptx
+++ b/Slides/figures.pptx
@@ -16,6 +16,7 @@
     <p:sldId id="264" r:id="rId13"/>
     <p:sldId id="265" r:id="rId14"/>
     <p:sldId id="266" r:id="rId15"/>
+    <p:sldId id="267" r:id="rId16"/>
   </p:sldIdLst>
   <p:sldSz cx="12192000" cy="8961438"/>
   <p:notesSz cx="6858000" cy="9144000"/>
@@ -253,7 +254,7 @@
           <a:p>
             <a:fld id="{61C71226-6BCE-43B6-9B8C-D352B0229DA2}" type="datetimeFigureOut">
               <a:rPr lang="en-US" smtClean="0"/>
-              <a:t>9/7/2020</a:t>
+              <a:t>9/10/2020</a:t>
             </a:fld>
             <a:endParaRPr lang="en-US"/>
           </a:p>
@@ -423,7 +424,7 @@
           <a:p>
             <a:fld id="{61C71226-6BCE-43B6-9B8C-D352B0229DA2}" type="datetimeFigureOut">
               <a:rPr lang="en-US" smtClean="0"/>
-              <a:t>9/7/2020</a:t>
+              <a:t>9/10/2020</a:t>
             </a:fld>
             <a:endParaRPr lang="en-US"/>
           </a:p>
@@ -603,7 +604,7 @@
           <a:p>
             <a:fld id="{61C71226-6BCE-43B6-9B8C-D352B0229DA2}" type="datetimeFigureOut">
               <a:rPr lang="en-US" smtClean="0"/>
-              <a:t>9/7/2020</a:t>
+              <a:t>9/10/2020</a:t>
             </a:fld>
             <a:endParaRPr lang="en-US"/>
           </a:p>
@@ -773,7 +774,7 @@
           <a:p>
             <a:fld id="{61C71226-6BCE-43B6-9B8C-D352B0229DA2}" type="datetimeFigureOut">
               <a:rPr lang="en-US" smtClean="0"/>
-              <a:t>9/7/2020</a:t>
+              <a:t>9/10/2020</a:t>
             </a:fld>
             <a:endParaRPr lang="en-US"/>
           </a:p>
@@ -1017,7 +1018,7 @@
           <a:p>
             <a:fld id="{61C71226-6BCE-43B6-9B8C-D352B0229DA2}" type="datetimeFigureOut">
               <a:rPr lang="en-US" smtClean="0"/>
-              <a:t>9/7/2020</a:t>
+              <a:t>9/10/2020</a:t>
             </a:fld>
             <a:endParaRPr lang="en-US"/>
           </a:p>
@@ -1249,7 +1250,7 @@
           <a:p>
             <a:fld id="{61C71226-6BCE-43B6-9B8C-D352B0229DA2}" type="datetimeFigureOut">
               <a:rPr lang="en-US" smtClean="0"/>
-              <a:t>9/7/2020</a:t>
+              <a:t>9/10/2020</a:t>
             </a:fld>
             <a:endParaRPr lang="en-US"/>
           </a:p>
@@ -1616,7 +1617,7 @@
           <a:p>
             <a:fld id="{61C71226-6BCE-43B6-9B8C-D352B0229DA2}" type="datetimeFigureOut">
               <a:rPr lang="en-US" smtClean="0"/>
-              <a:t>9/7/2020</a:t>
+              <a:t>9/10/2020</a:t>
             </a:fld>
             <a:endParaRPr lang="en-US"/>
           </a:p>
@@ -1734,7 +1735,7 @@
           <a:p>
             <a:fld id="{61C71226-6BCE-43B6-9B8C-D352B0229DA2}" type="datetimeFigureOut">
               <a:rPr lang="en-US" smtClean="0"/>
-              <a:t>9/7/2020</a:t>
+              <a:t>9/10/2020</a:t>
             </a:fld>
             <a:endParaRPr lang="en-US"/>
           </a:p>
@@ -1829,7 +1830,7 @@
           <a:p>
             <a:fld id="{61C71226-6BCE-43B6-9B8C-D352B0229DA2}" type="datetimeFigureOut">
               <a:rPr lang="en-US" smtClean="0"/>
-              <a:t>9/7/2020</a:t>
+              <a:t>9/10/2020</a:t>
             </a:fld>
             <a:endParaRPr lang="en-US"/>
           </a:p>
@@ -2106,7 +2107,7 @@
           <a:p>
             <a:fld id="{61C71226-6BCE-43B6-9B8C-D352B0229DA2}" type="datetimeFigureOut">
               <a:rPr lang="en-US" smtClean="0"/>
-              <a:t>9/7/2020</a:t>
+              <a:t>9/10/2020</a:t>
             </a:fld>
             <a:endParaRPr lang="en-US"/>
           </a:p>
@@ -2363,7 +2364,7 @@
           <a:p>
             <a:fld id="{61C71226-6BCE-43B6-9B8C-D352B0229DA2}" type="datetimeFigureOut">
               <a:rPr lang="en-US" smtClean="0"/>
-              <a:t>9/7/2020</a:t>
+              <a:t>9/10/2020</a:t>
             </a:fld>
             <a:endParaRPr lang="en-US"/>
           </a:p>
@@ -2576,7 +2577,7 @@
           <a:p>
             <a:fld id="{61C71226-6BCE-43B6-9B8C-D352B0229DA2}" type="datetimeFigureOut">
               <a:rPr lang="en-US" smtClean="0"/>
-              <a:t>9/7/2020</a:t>
+              <a:t>9/10/2020</a:t>
             </a:fld>
             <a:endParaRPr lang="en-US"/>
           </a:p>
@@ -4771,7 +4772,7 @@
           <a:graphicData uri="http://schemas.openxmlformats.org/presentationml/2006/ole">
             <mc:AlternateContent xmlns:mc="http://schemas.openxmlformats.org/markup-compatibility/2006">
               <mc:Choice xmlns:v="urn:schemas-microsoft-com:vml" Requires="v">
-                <p:oleObj spid="_x0000_s1034" name="Equation" r:id="rId4" imgW="914400" imgH="198720" progId="Equation.DSMT4">
+                <p:oleObj spid="_x0000_s1037" name="Equation" r:id="rId4" imgW="914400" imgH="198720" progId="Equation.DSMT4">
                   <p:embed/>
                 </p:oleObj>
               </mc:Choice>
@@ -7988,6 +7989,2564 @@
     <p:extLst>
       <p:ext uri="{BB962C8B-B14F-4D97-AF65-F5344CB8AC3E}">
         <p14:creationId xmlns:p14="http://schemas.microsoft.com/office/powerpoint/2010/main" val="2646673511"/>
+      </p:ext>
+    </p:extLst>
+  </p:cSld>
+  <p:clrMapOvr>
+    <a:masterClrMapping/>
+  </p:clrMapOvr>
+</p:sld>
+</file>
+
+<file path=ppt/slides/slide12.xml><?xml version="1.0" encoding="utf-8"?>
+<p:sld xmlns:a="http://schemas.openxmlformats.org/drawingml/2006/main" xmlns:r="http://schemas.openxmlformats.org/officeDocument/2006/relationships" xmlns:p="http://schemas.openxmlformats.org/presentationml/2006/main">
+  <p:cSld>
+    <p:spTree>
+      <p:nvGrpSpPr>
+        <p:cNvPr id="1" name=""/>
+        <p:cNvGrpSpPr/>
+        <p:nvPr/>
+      </p:nvGrpSpPr>
+      <p:grpSpPr>
+        <a:xfrm>
+          <a:off x="0" y="0"/>
+          <a:ext cx="0" cy="0"/>
+          <a:chOff x="0" y="0"/>
+          <a:chExt cx="0" cy="0"/>
+        </a:xfrm>
+      </p:grpSpPr>
+      <mc:AlternateContent xmlns:mc="http://schemas.openxmlformats.org/markup-compatibility/2006">
+        <mc:Choice xmlns:a14="http://schemas.microsoft.com/office/drawing/2010/main" Requires="a14">
+          <p:sp>
+            <p:nvSpPr>
+              <p:cNvPr id="4" name="Rectangle: Rounded Corners 3">
+                <a:extLst>
+                  <a:ext uri="{FF2B5EF4-FFF2-40B4-BE49-F238E27FC236}">
+                    <a16:creationId xmlns:a16="http://schemas.microsoft.com/office/drawing/2014/main" id="{ACEB6244-D5C7-4B9C-B915-0D1928A39BF8}"/>
+                  </a:ext>
+                </a:extLst>
+              </p:cNvPr>
+              <p:cNvSpPr/>
+              <p:nvPr/>
+            </p:nvSpPr>
+            <p:spPr>
+              <a:xfrm>
+                <a:off x="1909014" y="2215277"/>
+                <a:ext cx="2724150" cy="542925"/>
+              </a:xfrm>
+              <a:prstGeom prst="roundRect">
+                <a:avLst/>
+              </a:prstGeom>
+              <a:solidFill>
+                <a:schemeClr val="accent5">
+                  <a:lumMod val="20000"/>
+                  <a:lumOff val="80000"/>
+                </a:schemeClr>
+              </a:solidFill>
+              <a:ln w="38100"/>
+            </p:spPr>
+            <p:style>
+              <a:lnRef idx="2">
+                <a:schemeClr val="accent1"/>
+              </a:lnRef>
+              <a:fillRef idx="1">
+                <a:schemeClr val="lt1"/>
+              </a:fillRef>
+              <a:effectRef idx="0">
+                <a:schemeClr val="accent1"/>
+              </a:effectRef>
+              <a:fontRef idx="minor">
+                <a:schemeClr val="dk1"/>
+              </a:fontRef>
+            </p:style>
+            <p:txBody>
+              <a:bodyPr rtlCol="0" anchor="ctr"/>
+              <a:lstStyle/>
+              <a:p>
+                <a:pPr algn="ctr"/>
+                <a:r>
+                  <a:rPr lang="en-US" sz="2000" dirty="0"/>
+                  <a:t>Time Stepping </a:t>
+                </a:r>
+                <a14:m>
+                  <m:oMath xmlns:m="http://schemas.openxmlformats.org/officeDocument/2006/math">
+                    <m:r>
+                      <a:rPr lang="en-US" sz="2000" b="0" i="1" smtClean="0">
+                        <a:latin typeface="Cambria Math" panose="02040503050406030204" pitchFamily="18" charset="0"/>
+                      </a:rPr>
+                      <m:t>𝑡</m:t>
+                    </m:r>
+                    <m:r>
+                      <a:rPr lang="en-US" sz="2000" b="0" i="1" smtClean="0">
+                        <a:latin typeface="Cambria Math" panose="02040503050406030204" pitchFamily="18" charset="0"/>
+                      </a:rPr>
+                      <m:t>=</m:t>
+                    </m:r>
+                    <m:sSub>
+                      <m:sSubPr>
+                        <m:ctrlPr>
+                          <a:rPr lang="en-US" sz="2000" b="0" i="1" smtClean="0">
+                            <a:latin typeface="Cambria Math" panose="02040503050406030204" pitchFamily="18" charset="0"/>
+                          </a:rPr>
+                        </m:ctrlPr>
+                      </m:sSubPr>
+                      <m:e>
+                        <m:r>
+                          <a:rPr lang="en-US" sz="2000" b="0" i="1" smtClean="0">
+                            <a:latin typeface="Cambria Math" panose="02040503050406030204" pitchFamily="18" charset="0"/>
+                          </a:rPr>
+                          <m:t>𝑡</m:t>
+                        </m:r>
+                      </m:e>
+                      <m:sub>
+                        <m:r>
+                          <a:rPr lang="en-US" sz="2000" b="0" i="1" smtClean="0">
+                            <a:latin typeface="Cambria Math" panose="02040503050406030204" pitchFamily="18" charset="0"/>
+                          </a:rPr>
+                          <m:t>1</m:t>
+                        </m:r>
+                      </m:sub>
+                    </m:sSub>
+                  </m:oMath>
+                </a14:m>
+                <a:endParaRPr lang="en-US" sz="2000" dirty="0"/>
+              </a:p>
+            </p:txBody>
+          </p:sp>
+        </mc:Choice>
+        <mc:Fallback>
+          <p:sp>
+            <p:nvSpPr>
+              <p:cNvPr id="4" name="Rectangle: Rounded Corners 3">
+                <a:extLst>
+                  <a:ext uri="{FF2B5EF4-FFF2-40B4-BE49-F238E27FC236}">
+                    <a16:creationId xmlns:a16="http://schemas.microsoft.com/office/drawing/2014/main" id="{ACEB6244-D5C7-4B9C-B915-0D1928A39BF8}"/>
+                  </a:ext>
+                </a:extLst>
+              </p:cNvPr>
+              <p:cNvSpPr>
+                <a:spLocks noRot="1" noChangeAspect="1" noMove="1" noResize="1" noEditPoints="1" noAdjustHandles="1" noChangeArrowheads="1" noChangeShapeType="1" noTextEdit="1"/>
+              </p:cNvSpPr>
+              <p:nvPr/>
+            </p:nvSpPr>
+            <p:spPr>
+              <a:xfrm>
+                <a:off x="1909014" y="2215277"/>
+                <a:ext cx="2724150" cy="542925"/>
+              </a:xfrm>
+              <a:prstGeom prst="roundRect">
+                <a:avLst/>
+              </a:prstGeom>
+              <a:blipFill>
+                <a:blip r:embed="rId2"/>
+                <a:stretch>
+                  <a:fillRect b="-3158"/>
+                </a:stretch>
+              </a:blipFill>
+              <a:ln w="38100"/>
+            </p:spPr>
+            <p:txBody>
+              <a:bodyPr/>
+              <a:lstStyle/>
+              <a:p>
+                <a:r>
+                  <a:rPr lang="en-US">
+                    <a:noFill/>
+                  </a:rPr>
+                  <a:t> </a:t>
+                </a:r>
+              </a:p>
+            </p:txBody>
+          </p:sp>
+        </mc:Fallback>
+      </mc:AlternateContent>
+      <p:pic>
+        <p:nvPicPr>
+          <p:cNvPr id="5" name="Picture 4">
+            <a:extLst>
+              <a:ext uri="{FF2B5EF4-FFF2-40B4-BE49-F238E27FC236}">
+                <a16:creationId xmlns:a16="http://schemas.microsoft.com/office/drawing/2014/main" id="{176D4A08-DC95-4AC0-ACFE-FCB5F2136D51}"/>
+              </a:ext>
+            </a:extLst>
+          </p:cNvPr>
+          <p:cNvPicPr>
+            <a:picLocks noChangeAspect="1"/>
+          </p:cNvPicPr>
+          <p:nvPr/>
+        </p:nvPicPr>
+        <p:blipFill>
+          <a:blip r:embed="rId3"/>
+          <a:stretch>
+            <a:fillRect/>
+          </a:stretch>
+        </p:blipFill>
+        <p:spPr>
+          <a:xfrm>
+            <a:off x="1909013" y="1021310"/>
+            <a:ext cx="2507621" cy="942540"/>
+          </a:xfrm>
+          <a:prstGeom prst="rect">
+            <a:avLst/>
+          </a:prstGeom>
+        </p:spPr>
+      </p:pic>
+      <p:sp>
+        <p:nvSpPr>
+          <p:cNvPr id="6" name="Rectangle: Rounded Corners 5">
+            <a:extLst>
+              <a:ext uri="{FF2B5EF4-FFF2-40B4-BE49-F238E27FC236}">
+                <a16:creationId xmlns:a16="http://schemas.microsoft.com/office/drawing/2014/main" id="{AFFB0CF5-DACA-40DC-B17B-78E449623F39}"/>
+              </a:ext>
+            </a:extLst>
+          </p:cNvPr>
+          <p:cNvSpPr/>
+          <p:nvPr/>
+        </p:nvSpPr>
+        <p:spPr>
+          <a:xfrm>
+            <a:off x="1909014" y="2914612"/>
+            <a:ext cx="2724150" cy="542925"/>
+          </a:xfrm>
+          <a:prstGeom prst="roundRect">
+            <a:avLst/>
+          </a:prstGeom>
+          <a:solidFill>
+            <a:schemeClr val="accent2">
+              <a:lumMod val="40000"/>
+              <a:lumOff val="60000"/>
+            </a:schemeClr>
+          </a:solidFill>
+          <a:ln w="38100"/>
+        </p:spPr>
+        <p:style>
+          <a:lnRef idx="2">
+            <a:schemeClr val="accent1"/>
+          </a:lnRef>
+          <a:fillRef idx="1">
+            <a:schemeClr val="lt1"/>
+          </a:fillRef>
+          <a:effectRef idx="0">
+            <a:schemeClr val="accent1"/>
+          </a:effectRef>
+          <a:fontRef idx="minor">
+            <a:schemeClr val="dk1"/>
+          </a:fontRef>
+        </p:style>
+        <p:txBody>
+          <a:bodyPr rtlCol="0" anchor="ctr"/>
+          <a:lstStyle/>
+          <a:p>
+            <a:pPr algn="ctr"/>
+            <a:r>
+              <a:rPr lang="en-US" sz="2000" dirty="0"/>
+              <a:t>Halo exchange</a:t>
+            </a:r>
+          </a:p>
+        </p:txBody>
+      </p:sp>
+      <mc:AlternateContent xmlns:mc="http://schemas.openxmlformats.org/markup-compatibility/2006">
+        <mc:Choice xmlns:a14="http://schemas.microsoft.com/office/drawing/2010/main" Requires="a14">
+          <p:sp>
+            <p:nvSpPr>
+              <p:cNvPr id="7" name="Rectangle: Rounded Corners 6">
+                <a:extLst>
+                  <a:ext uri="{FF2B5EF4-FFF2-40B4-BE49-F238E27FC236}">
+                    <a16:creationId xmlns:a16="http://schemas.microsoft.com/office/drawing/2014/main" id="{30493D21-E991-4E49-8AE2-34493C2AAEA2}"/>
+                  </a:ext>
+                </a:extLst>
+              </p:cNvPr>
+              <p:cNvSpPr/>
+              <p:nvPr/>
+            </p:nvSpPr>
+            <p:spPr>
+              <a:xfrm>
+                <a:off x="1909014" y="3597559"/>
+                <a:ext cx="2724150" cy="542925"/>
+              </a:xfrm>
+              <a:prstGeom prst="roundRect">
+                <a:avLst/>
+              </a:prstGeom>
+              <a:solidFill>
+                <a:schemeClr val="accent5">
+                  <a:lumMod val="20000"/>
+                  <a:lumOff val="80000"/>
+                </a:schemeClr>
+              </a:solidFill>
+              <a:ln w="38100"/>
+            </p:spPr>
+            <p:style>
+              <a:lnRef idx="2">
+                <a:schemeClr val="accent1"/>
+              </a:lnRef>
+              <a:fillRef idx="1">
+                <a:schemeClr val="lt1"/>
+              </a:fillRef>
+              <a:effectRef idx="0">
+                <a:schemeClr val="accent1"/>
+              </a:effectRef>
+              <a:fontRef idx="minor">
+                <a:schemeClr val="dk1"/>
+              </a:fontRef>
+            </p:style>
+            <p:txBody>
+              <a:bodyPr rtlCol="0" anchor="ctr"/>
+              <a:lstStyle/>
+              <a:p>
+                <a:pPr algn="ctr"/>
+                <a:r>
+                  <a:rPr lang="en-US" sz="2000" dirty="0"/>
+                  <a:t>Time Stepping </a:t>
+                </a:r>
+                <a14:m>
+                  <m:oMath xmlns:m="http://schemas.openxmlformats.org/officeDocument/2006/math">
+                    <m:r>
+                      <a:rPr lang="en-US" sz="2000" i="1">
+                        <a:latin typeface="Cambria Math" panose="02040503050406030204" pitchFamily="18" charset="0"/>
+                      </a:rPr>
+                      <m:t>𝑡</m:t>
+                    </m:r>
+                    <m:r>
+                      <a:rPr lang="en-US" sz="2000" i="1">
+                        <a:latin typeface="Cambria Math" panose="02040503050406030204" pitchFamily="18" charset="0"/>
+                      </a:rPr>
+                      <m:t>=</m:t>
+                    </m:r>
+                    <m:sSub>
+                      <m:sSubPr>
+                        <m:ctrlPr>
+                          <a:rPr lang="en-US" sz="2000" i="1">
+                            <a:latin typeface="Cambria Math" panose="02040503050406030204" pitchFamily="18" charset="0"/>
+                          </a:rPr>
+                        </m:ctrlPr>
+                      </m:sSubPr>
+                      <m:e>
+                        <m:r>
+                          <a:rPr lang="en-US" sz="2000" i="1">
+                            <a:latin typeface="Cambria Math" panose="02040503050406030204" pitchFamily="18" charset="0"/>
+                          </a:rPr>
+                          <m:t>𝑡</m:t>
+                        </m:r>
+                      </m:e>
+                      <m:sub>
+                        <m:r>
+                          <a:rPr lang="en-US" sz="2000" b="0" i="1" smtClean="0">
+                            <a:latin typeface="Cambria Math" panose="02040503050406030204" pitchFamily="18" charset="0"/>
+                          </a:rPr>
+                          <m:t>2</m:t>
+                        </m:r>
+                      </m:sub>
+                    </m:sSub>
+                  </m:oMath>
+                </a14:m>
+                <a:endParaRPr lang="en-US" sz="2000" dirty="0"/>
+              </a:p>
+            </p:txBody>
+          </p:sp>
+        </mc:Choice>
+        <mc:Fallback>
+          <p:sp>
+            <p:nvSpPr>
+              <p:cNvPr id="7" name="Rectangle: Rounded Corners 6">
+                <a:extLst>
+                  <a:ext uri="{FF2B5EF4-FFF2-40B4-BE49-F238E27FC236}">
+                    <a16:creationId xmlns:a16="http://schemas.microsoft.com/office/drawing/2014/main" id="{30493D21-E991-4E49-8AE2-34493C2AAEA2}"/>
+                  </a:ext>
+                </a:extLst>
+              </p:cNvPr>
+              <p:cNvSpPr>
+                <a:spLocks noRot="1" noChangeAspect="1" noMove="1" noResize="1" noEditPoints="1" noAdjustHandles="1" noChangeArrowheads="1" noChangeShapeType="1" noTextEdit="1"/>
+              </p:cNvSpPr>
+              <p:nvPr/>
+            </p:nvSpPr>
+            <p:spPr>
+              <a:xfrm>
+                <a:off x="1909014" y="3597559"/>
+                <a:ext cx="2724150" cy="542925"/>
+              </a:xfrm>
+              <a:prstGeom prst="roundRect">
+                <a:avLst/>
+              </a:prstGeom>
+              <a:blipFill>
+                <a:blip r:embed="rId4"/>
+                <a:stretch>
+                  <a:fillRect b="-3158"/>
+                </a:stretch>
+              </a:blipFill>
+              <a:ln w="38100"/>
+            </p:spPr>
+            <p:txBody>
+              <a:bodyPr/>
+              <a:lstStyle/>
+              <a:p>
+                <a:r>
+                  <a:rPr lang="en-US">
+                    <a:noFill/>
+                  </a:rPr>
+                  <a:t> </a:t>
+                </a:r>
+              </a:p>
+            </p:txBody>
+          </p:sp>
+        </mc:Fallback>
+      </mc:AlternateContent>
+      <p:sp>
+        <p:nvSpPr>
+          <p:cNvPr id="8" name="Rectangle: Rounded Corners 7">
+            <a:extLst>
+              <a:ext uri="{FF2B5EF4-FFF2-40B4-BE49-F238E27FC236}">
+                <a16:creationId xmlns:a16="http://schemas.microsoft.com/office/drawing/2014/main" id="{14156339-0EDC-4156-A603-781E5F3AA8FD}"/>
+              </a:ext>
+            </a:extLst>
+          </p:cNvPr>
+          <p:cNvSpPr/>
+          <p:nvPr/>
+        </p:nvSpPr>
+        <p:spPr>
+          <a:xfrm>
+            <a:off x="1909014" y="4667023"/>
+            <a:ext cx="2724150" cy="542925"/>
+          </a:xfrm>
+          <a:prstGeom prst="roundRect">
+            <a:avLst/>
+          </a:prstGeom>
+          <a:solidFill>
+            <a:schemeClr val="accent2">
+              <a:lumMod val="40000"/>
+              <a:lumOff val="60000"/>
+            </a:schemeClr>
+          </a:solidFill>
+          <a:ln w="38100"/>
+        </p:spPr>
+        <p:style>
+          <a:lnRef idx="2">
+            <a:schemeClr val="accent1"/>
+          </a:lnRef>
+          <a:fillRef idx="1">
+            <a:schemeClr val="lt1"/>
+          </a:fillRef>
+          <a:effectRef idx="0">
+            <a:schemeClr val="accent1"/>
+          </a:effectRef>
+          <a:fontRef idx="minor">
+            <a:schemeClr val="dk1"/>
+          </a:fontRef>
+        </p:style>
+        <p:txBody>
+          <a:bodyPr rtlCol="0" anchor="ctr"/>
+          <a:lstStyle/>
+          <a:p>
+            <a:pPr algn="ctr"/>
+            <a:r>
+              <a:rPr lang="en-US" sz="2000" dirty="0"/>
+              <a:t>Halo exchange</a:t>
+            </a:r>
+          </a:p>
+        </p:txBody>
+      </p:sp>
+      <mc:AlternateContent xmlns:mc="http://schemas.openxmlformats.org/markup-compatibility/2006">
+        <mc:Choice xmlns:a14="http://schemas.microsoft.com/office/drawing/2010/main" Requires="a14">
+          <p:sp>
+            <p:nvSpPr>
+              <p:cNvPr id="9" name="Rectangle: Rounded Corners 8">
+                <a:extLst>
+                  <a:ext uri="{FF2B5EF4-FFF2-40B4-BE49-F238E27FC236}">
+                    <a16:creationId xmlns:a16="http://schemas.microsoft.com/office/drawing/2014/main" id="{C6E187DC-9A43-4F64-B260-2248EE078DAA}"/>
+                  </a:ext>
+                </a:extLst>
+              </p:cNvPr>
+              <p:cNvSpPr/>
+              <p:nvPr/>
+            </p:nvSpPr>
+            <p:spPr>
+              <a:xfrm>
+                <a:off x="1909014" y="5376888"/>
+                <a:ext cx="2724150" cy="542925"/>
+              </a:xfrm>
+              <a:prstGeom prst="roundRect">
+                <a:avLst/>
+              </a:prstGeom>
+              <a:solidFill>
+                <a:schemeClr val="accent5">
+                  <a:lumMod val="20000"/>
+                  <a:lumOff val="80000"/>
+                </a:schemeClr>
+              </a:solidFill>
+              <a:ln w="38100"/>
+            </p:spPr>
+            <p:style>
+              <a:lnRef idx="2">
+                <a:schemeClr val="accent1"/>
+              </a:lnRef>
+              <a:fillRef idx="1">
+                <a:schemeClr val="lt1"/>
+              </a:fillRef>
+              <a:effectRef idx="0">
+                <a:schemeClr val="accent1"/>
+              </a:effectRef>
+              <a:fontRef idx="minor">
+                <a:schemeClr val="dk1"/>
+              </a:fontRef>
+            </p:style>
+            <p:txBody>
+              <a:bodyPr rtlCol="0" anchor="ctr"/>
+              <a:lstStyle/>
+              <a:p>
+                <a:pPr algn="ctr"/>
+                <a:r>
+                  <a:rPr lang="en-US" sz="2000" dirty="0"/>
+                  <a:t>Time Stepping </a:t>
+                </a:r>
+                <a14:m>
+                  <m:oMath xmlns:m="http://schemas.openxmlformats.org/officeDocument/2006/math">
+                    <m:r>
+                      <a:rPr lang="en-US" sz="2000" i="1">
+                        <a:latin typeface="Cambria Math" panose="02040503050406030204" pitchFamily="18" charset="0"/>
+                      </a:rPr>
+                      <m:t>𝑡</m:t>
+                    </m:r>
+                    <m:r>
+                      <a:rPr lang="en-US" sz="2000" i="1">
+                        <a:latin typeface="Cambria Math" panose="02040503050406030204" pitchFamily="18" charset="0"/>
+                      </a:rPr>
+                      <m:t>=</m:t>
+                    </m:r>
+                    <m:sSub>
+                      <m:sSubPr>
+                        <m:ctrlPr>
+                          <a:rPr lang="en-US" sz="2000" i="1">
+                            <a:latin typeface="Cambria Math" panose="02040503050406030204" pitchFamily="18" charset="0"/>
+                          </a:rPr>
+                        </m:ctrlPr>
+                      </m:sSubPr>
+                      <m:e>
+                        <m:r>
+                          <a:rPr lang="en-US" sz="2000" i="1">
+                            <a:latin typeface="Cambria Math" panose="02040503050406030204" pitchFamily="18" charset="0"/>
+                          </a:rPr>
+                          <m:t>𝑡</m:t>
+                        </m:r>
+                      </m:e>
+                      <m:sub>
+                        <m:r>
+                          <a:rPr lang="en-US" sz="2000" b="0" i="1" smtClean="0">
+                            <a:latin typeface="Cambria Math" panose="02040503050406030204" pitchFamily="18" charset="0"/>
+                          </a:rPr>
+                          <m:t>𝑛</m:t>
+                        </m:r>
+                      </m:sub>
+                    </m:sSub>
+                  </m:oMath>
+                </a14:m>
+                <a:endParaRPr lang="en-US" sz="2000" dirty="0"/>
+              </a:p>
+            </p:txBody>
+          </p:sp>
+        </mc:Choice>
+        <mc:Fallback>
+          <p:sp>
+            <p:nvSpPr>
+              <p:cNvPr id="9" name="Rectangle: Rounded Corners 8">
+                <a:extLst>
+                  <a:ext uri="{FF2B5EF4-FFF2-40B4-BE49-F238E27FC236}">
+                    <a16:creationId xmlns:a16="http://schemas.microsoft.com/office/drawing/2014/main" id="{C6E187DC-9A43-4F64-B260-2248EE078DAA}"/>
+                  </a:ext>
+                </a:extLst>
+              </p:cNvPr>
+              <p:cNvSpPr>
+                <a:spLocks noRot="1" noChangeAspect="1" noMove="1" noResize="1" noEditPoints="1" noAdjustHandles="1" noChangeArrowheads="1" noChangeShapeType="1" noTextEdit="1"/>
+              </p:cNvSpPr>
+              <p:nvPr/>
+            </p:nvSpPr>
+            <p:spPr>
+              <a:xfrm>
+                <a:off x="1909014" y="5376888"/>
+                <a:ext cx="2724150" cy="542925"/>
+              </a:xfrm>
+              <a:prstGeom prst="roundRect">
+                <a:avLst/>
+              </a:prstGeom>
+              <a:blipFill>
+                <a:blip r:embed="rId5"/>
+                <a:stretch>
+                  <a:fillRect b="-3158"/>
+                </a:stretch>
+              </a:blipFill>
+              <a:ln w="38100"/>
+            </p:spPr>
+            <p:txBody>
+              <a:bodyPr/>
+              <a:lstStyle/>
+              <a:p>
+                <a:r>
+                  <a:rPr lang="en-US">
+                    <a:noFill/>
+                  </a:rPr>
+                  <a:t> </a:t>
+                </a:r>
+              </a:p>
+            </p:txBody>
+          </p:sp>
+        </mc:Fallback>
+      </mc:AlternateContent>
+      <p:sp>
+        <p:nvSpPr>
+          <p:cNvPr id="16" name="Rectangle: Rounded Corners 15">
+            <a:extLst>
+              <a:ext uri="{FF2B5EF4-FFF2-40B4-BE49-F238E27FC236}">
+                <a16:creationId xmlns:a16="http://schemas.microsoft.com/office/drawing/2014/main" id="{5544CEBE-2653-48E4-9E80-4505232370F1}"/>
+              </a:ext>
+            </a:extLst>
+          </p:cNvPr>
+          <p:cNvSpPr/>
+          <p:nvPr/>
+        </p:nvSpPr>
+        <p:spPr>
+          <a:xfrm>
+            <a:off x="1909014" y="6109848"/>
+            <a:ext cx="2724150" cy="542925"/>
+          </a:xfrm>
+          <a:prstGeom prst="roundRect">
+            <a:avLst/>
+          </a:prstGeom>
+          <a:solidFill>
+            <a:schemeClr val="accent5">
+              <a:lumMod val="20000"/>
+              <a:lumOff val="80000"/>
+            </a:schemeClr>
+          </a:solidFill>
+          <a:ln w="38100"/>
+        </p:spPr>
+        <p:style>
+          <a:lnRef idx="2">
+            <a:schemeClr val="accent1"/>
+          </a:lnRef>
+          <a:fillRef idx="1">
+            <a:schemeClr val="lt1"/>
+          </a:fillRef>
+          <a:effectRef idx="0">
+            <a:schemeClr val="accent1"/>
+          </a:effectRef>
+          <a:fontRef idx="minor">
+            <a:schemeClr val="dk1"/>
+          </a:fontRef>
+        </p:style>
+        <p:txBody>
+          <a:bodyPr rtlCol="0" anchor="ctr"/>
+          <a:lstStyle/>
+          <a:p>
+            <a:pPr algn="ctr"/>
+            <a:r>
+              <a:rPr lang="en-US" sz="2000" dirty="0"/>
+              <a:t>Local loss function</a:t>
+            </a:r>
+          </a:p>
+        </p:txBody>
+      </p:sp>
+      <p:sp>
+        <p:nvSpPr>
+          <p:cNvPr id="17" name="Rectangle: Rounded Corners 16">
+            <a:extLst>
+              <a:ext uri="{FF2B5EF4-FFF2-40B4-BE49-F238E27FC236}">
+                <a16:creationId xmlns:a16="http://schemas.microsoft.com/office/drawing/2014/main" id="{D55050F9-2D60-418F-87A6-56F0716D7BF4}"/>
+              </a:ext>
+            </a:extLst>
+          </p:cNvPr>
+          <p:cNvSpPr/>
+          <p:nvPr/>
+        </p:nvSpPr>
+        <p:spPr>
+          <a:xfrm>
+            <a:off x="4126719" y="7097156"/>
+            <a:ext cx="2724150" cy="542925"/>
+          </a:xfrm>
+          <a:prstGeom prst="roundRect">
+            <a:avLst/>
+          </a:prstGeom>
+          <a:solidFill>
+            <a:schemeClr val="accent2">
+              <a:lumMod val="40000"/>
+              <a:lumOff val="60000"/>
+            </a:schemeClr>
+          </a:solidFill>
+          <a:ln w="38100"/>
+        </p:spPr>
+        <p:style>
+          <a:lnRef idx="2">
+            <a:schemeClr val="accent1"/>
+          </a:lnRef>
+          <a:fillRef idx="1">
+            <a:schemeClr val="lt1"/>
+          </a:fillRef>
+          <a:effectRef idx="0">
+            <a:schemeClr val="accent1"/>
+          </a:effectRef>
+          <a:fontRef idx="minor">
+            <a:schemeClr val="dk1"/>
+          </a:fontRef>
+        </p:style>
+        <p:txBody>
+          <a:bodyPr rtlCol="0" anchor="ctr"/>
+          <a:lstStyle/>
+          <a:p>
+            <a:pPr algn="ctr"/>
+            <a:r>
+              <a:rPr lang="en-US" sz="2000" dirty="0"/>
+              <a:t>mpi_sum</a:t>
+            </a:r>
+          </a:p>
+        </p:txBody>
+      </p:sp>
+      <p:sp>
+        <p:nvSpPr>
+          <p:cNvPr id="18" name="Rectangle: Rounded Corners 17">
+            <a:extLst>
+              <a:ext uri="{FF2B5EF4-FFF2-40B4-BE49-F238E27FC236}">
+                <a16:creationId xmlns:a16="http://schemas.microsoft.com/office/drawing/2014/main" id="{3EDC1A44-DA37-4136-A444-7A8AD28911B6}"/>
+              </a:ext>
+            </a:extLst>
+          </p:cNvPr>
+          <p:cNvSpPr/>
+          <p:nvPr/>
+        </p:nvSpPr>
+        <p:spPr>
+          <a:xfrm>
+            <a:off x="4126719" y="7830116"/>
+            <a:ext cx="2724150" cy="542925"/>
+          </a:xfrm>
+          <a:prstGeom prst="roundRect">
+            <a:avLst/>
+          </a:prstGeom>
+          <a:solidFill>
+            <a:schemeClr val="accent5">
+              <a:lumMod val="20000"/>
+              <a:lumOff val="80000"/>
+            </a:schemeClr>
+          </a:solidFill>
+          <a:ln w="38100"/>
+        </p:spPr>
+        <p:style>
+          <a:lnRef idx="2">
+            <a:schemeClr val="accent1"/>
+          </a:lnRef>
+          <a:fillRef idx="1">
+            <a:schemeClr val="lt1"/>
+          </a:fillRef>
+          <a:effectRef idx="0">
+            <a:schemeClr val="accent1"/>
+          </a:effectRef>
+          <a:fontRef idx="minor">
+            <a:schemeClr val="dk1"/>
+          </a:fontRef>
+        </p:style>
+        <p:txBody>
+          <a:bodyPr rtlCol="0" anchor="ctr"/>
+          <a:lstStyle/>
+          <a:p>
+            <a:pPr algn="ctr"/>
+            <a:r>
+              <a:rPr lang="en-US" sz="2000" dirty="0"/>
+              <a:t>Loss function</a:t>
+            </a:r>
+          </a:p>
+        </p:txBody>
+      </p:sp>
+      <p:cxnSp>
+        <p:nvCxnSpPr>
+          <p:cNvPr id="20" name="Connector: Curved 19">
+            <a:extLst>
+              <a:ext uri="{FF2B5EF4-FFF2-40B4-BE49-F238E27FC236}">
+                <a16:creationId xmlns:a16="http://schemas.microsoft.com/office/drawing/2014/main" id="{2ECB0D88-E128-476B-B7F1-3B805F066A4E}"/>
+              </a:ext>
+            </a:extLst>
+          </p:cNvPr>
+          <p:cNvCxnSpPr>
+            <a:cxnSpLocks/>
+            <a:stCxn id="4" idx="1"/>
+            <a:endCxn id="16" idx="1"/>
+          </p:cNvCxnSpPr>
+          <p:nvPr/>
+        </p:nvCxnSpPr>
+        <p:spPr>
+          <a:xfrm rot="10800000" flipV="1">
+            <a:off x="1909014" y="2486739"/>
+            <a:ext cx="12700" cy="3894571"/>
+          </a:xfrm>
+          <a:prstGeom prst="curvedConnector3">
+            <a:avLst>
+              <a:gd name="adj1" fmla="val 6721520"/>
+            </a:avLst>
+          </a:prstGeom>
+          <a:ln w="28575">
+            <a:headEnd type="none" w="med" len="med"/>
+            <a:tailEnd type="triangle" w="med" len="med"/>
+          </a:ln>
+        </p:spPr>
+        <p:style>
+          <a:lnRef idx="1">
+            <a:schemeClr val="accent1"/>
+          </a:lnRef>
+          <a:fillRef idx="0">
+            <a:schemeClr val="accent1"/>
+          </a:fillRef>
+          <a:effectRef idx="0">
+            <a:schemeClr val="accent1"/>
+          </a:effectRef>
+          <a:fontRef idx="minor">
+            <a:schemeClr val="tx1"/>
+          </a:fontRef>
+        </p:style>
+      </p:cxnSp>
+      <p:cxnSp>
+        <p:nvCxnSpPr>
+          <p:cNvPr id="23" name="Connector: Curved 22">
+            <a:extLst>
+              <a:ext uri="{FF2B5EF4-FFF2-40B4-BE49-F238E27FC236}">
+                <a16:creationId xmlns:a16="http://schemas.microsoft.com/office/drawing/2014/main" id="{E4B5E563-6810-451C-AEC6-BB559365A020}"/>
+              </a:ext>
+            </a:extLst>
+          </p:cNvPr>
+          <p:cNvCxnSpPr>
+            <a:cxnSpLocks/>
+            <a:stCxn id="7" idx="1"/>
+            <a:endCxn id="16" idx="1"/>
+          </p:cNvCxnSpPr>
+          <p:nvPr/>
+        </p:nvCxnSpPr>
+        <p:spPr>
+          <a:xfrm rot="10800000" flipV="1">
+            <a:off x="1909014" y="3869021"/>
+            <a:ext cx="12700" cy="2512289"/>
+          </a:xfrm>
+          <a:prstGeom prst="curvedConnector3">
+            <a:avLst>
+              <a:gd name="adj1" fmla="val 4260756"/>
+            </a:avLst>
+          </a:prstGeom>
+          <a:ln w="28575">
+            <a:headEnd type="none" w="med" len="med"/>
+            <a:tailEnd type="triangle" w="med" len="med"/>
+          </a:ln>
+        </p:spPr>
+        <p:style>
+          <a:lnRef idx="1">
+            <a:schemeClr val="accent1"/>
+          </a:lnRef>
+          <a:fillRef idx="0">
+            <a:schemeClr val="accent1"/>
+          </a:fillRef>
+          <a:effectRef idx="0">
+            <a:schemeClr val="accent1"/>
+          </a:effectRef>
+          <a:fontRef idx="minor">
+            <a:schemeClr val="tx1"/>
+          </a:fontRef>
+        </p:style>
+      </p:cxnSp>
+      <p:cxnSp>
+        <p:nvCxnSpPr>
+          <p:cNvPr id="28" name="Connector: Curved 27">
+            <a:extLst>
+              <a:ext uri="{FF2B5EF4-FFF2-40B4-BE49-F238E27FC236}">
+                <a16:creationId xmlns:a16="http://schemas.microsoft.com/office/drawing/2014/main" id="{B5048BD2-E9A3-4E68-B181-565B083AD4F7}"/>
+              </a:ext>
+            </a:extLst>
+          </p:cNvPr>
+          <p:cNvCxnSpPr>
+            <a:cxnSpLocks/>
+            <a:stCxn id="9" idx="1"/>
+            <a:endCxn id="16" idx="1"/>
+          </p:cNvCxnSpPr>
+          <p:nvPr/>
+        </p:nvCxnSpPr>
+        <p:spPr>
+          <a:xfrm rot="10800000" flipV="1">
+            <a:off x="1909014" y="5648351"/>
+            <a:ext cx="12700" cy="732960"/>
+          </a:xfrm>
+          <a:prstGeom prst="curvedConnector3">
+            <a:avLst>
+              <a:gd name="adj1" fmla="val 1800000"/>
+            </a:avLst>
+          </a:prstGeom>
+          <a:ln w="28575">
+            <a:headEnd type="none" w="med" len="med"/>
+            <a:tailEnd type="triangle" w="med" len="med"/>
+          </a:ln>
+        </p:spPr>
+        <p:style>
+          <a:lnRef idx="1">
+            <a:schemeClr val="accent1"/>
+          </a:lnRef>
+          <a:fillRef idx="0">
+            <a:schemeClr val="accent1"/>
+          </a:fillRef>
+          <a:effectRef idx="0">
+            <a:schemeClr val="accent1"/>
+          </a:effectRef>
+          <a:fontRef idx="minor">
+            <a:schemeClr val="tx1"/>
+          </a:fontRef>
+        </p:style>
+      </p:cxnSp>
+      <p:cxnSp>
+        <p:nvCxnSpPr>
+          <p:cNvPr id="31" name="Straight Arrow Connector 30">
+            <a:extLst>
+              <a:ext uri="{FF2B5EF4-FFF2-40B4-BE49-F238E27FC236}">
+                <a16:creationId xmlns:a16="http://schemas.microsoft.com/office/drawing/2014/main" id="{B861CECC-5FFC-416C-8804-671FB878A5EE}"/>
+              </a:ext>
+            </a:extLst>
+          </p:cNvPr>
+          <p:cNvCxnSpPr>
+            <a:stCxn id="4" idx="2"/>
+            <a:endCxn id="6" idx="0"/>
+          </p:cNvCxnSpPr>
+          <p:nvPr/>
+        </p:nvCxnSpPr>
+        <p:spPr>
+          <a:xfrm>
+            <a:off x="3271089" y="2758202"/>
+            <a:ext cx="0" cy="156410"/>
+          </a:xfrm>
+          <a:prstGeom prst="straightConnector1">
+            <a:avLst/>
+          </a:prstGeom>
+          <a:ln w="28575">
+            <a:tailEnd type="triangle"/>
+          </a:ln>
+        </p:spPr>
+        <p:style>
+          <a:lnRef idx="1">
+            <a:schemeClr val="accent1"/>
+          </a:lnRef>
+          <a:fillRef idx="0">
+            <a:schemeClr val="accent1"/>
+          </a:fillRef>
+          <a:effectRef idx="0">
+            <a:schemeClr val="accent1"/>
+          </a:effectRef>
+          <a:fontRef idx="minor">
+            <a:schemeClr val="tx1"/>
+          </a:fontRef>
+        </p:style>
+      </p:cxnSp>
+      <p:cxnSp>
+        <p:nvCxnSpPr>
+          <p:cNvPr id="33" name="Straight Arrow Connector 32">
+            <a:extLst>
+              <a:ext uri="{FF2B5EF4-FFF2-40B4-BE49-F238E27FC236}">
+                <a16:creationId xmlns:a16="http://schemas.microsoft.com/office/drawing/2014/main" id="{C77DE1C2-DE64-4358-AAC7-0BE6A155DB95}"/>
+              </a:ext>
+            </a:extLst>
+          </p:cNvPr>
+          <p:cNvCxnSpPr>
+            <a:stCxn id="6" idx="2"/>
+            <a:endCxn id="7" idx="0"/>
+          </p:cNvCxnSpPr>
+          <p:nvPr/>
+        </p:nvCxnSpPr>
+        <p:spPr>
+          <a:xfrm>
+            <a:off x="3271089" y="3457537"/>
+            <a:ext cx="0" cy="140022"/>
+          </a:xfrm>
+          <a:prstGeom prst="straightConnector1">
+            <a:avLst/>
+          </a:prstGeom>
+          <a:ln w="28575">
+            <a:tailEnd type="triangle"/>
+          </a:ln>
+        </p:spPr>
+        <p:style>
+          <a:lnRef idx="1">
+            <a:schemeClr val="accent1"/>
+          </a:lnRef>
+          <a:fillRef idx="0">
+            <a:schemeClr val="accent1"/>
+          </a:fillRef>
+          <a:effectRef idx="0">
+            <a:schemeClr val="accent1"/>
+          </a:effectRef>
+          <a:fontRef idx="minor">
+            <a:schemeClr val="tx1"/>
+          </a:fontRef>
+        </p:style>
+      </p:cxnSp>
+      <p:cxnSp>
+        <p:nvCxnSpPr>
+          <p:cNvPr id="35" name="Straight Arrow Connector 34">
+            <a:extLst>
+              <a:ext uri="{FF2B5EF4-FFF2-40B4-BE49-F238E27FC236}">
+                <a16:creationId xmlns:a16="http://schemas.microsoft.com/office/drawing/2014/main" id="{6110EAAE-5AD5-43B6-8925-3E94328DE473}"/>
+              </a:ext>
+            </a:extLst>
+          </p:cNvPr>
+          <p:cNvCxnSpPr>
+            <a:stCxn id="8" idx="2"/>
+            <a:endCxn id="9" idx="0"/>
+          </p:cNvCxnSpPr>
+          <p:nvPr/>
+        </p:nvCxnSpPr>
+        <p:spPr>
+          <a:xfrm>
+            <a:off x="3271089" y="5209948"/>
+            <a:ext cx="0" cy="166940"/>
+          </a:xfrm>
+          <a:prstGeom prst="straightConnector1">
+            <a:avLst/>
+          </a:prstGeom>
+          <a:ln w="28575">
+            <a:tailEnd type="triangle"/>
+          </a:ln>
+        </p:spPr>
+        <p:style>
+          <a:lnRef idx="1">
+            <a:schemeClr val="accent1"/>
+          </a:lnRef>
+          <a:fillRef idx="0">
+            <a:schemeClr val="accent1"/>
+          </a:fillRef>
+          <a:effectRef idx="0">
+            <a:schemeClr val="accent1"/>
+          </a:effectRef>
+          <a:fontRef idx="minor">
+            <a:schemeClr val="tx1"/>
+          </a:fontRef>
+        </p:style>
+      </p:cxnSp>
+      <p:cxnSp>
+        <p:nvCxnSpPr>
+          <p:cNvPr id="39" name="Straight Arrow Connector 38">
+            <a:extLst>
+              <a:ext uri="{FF2B5EF4-FFF2-40B4-BE49-F238E27FC236}">
+                <a16:creationId xmlns:a16="http://schemas.microsoft.com/office/drawing/2014/main" id="{3BA0DD50-9171-4281-9456-9737E880119A}"/>
+              </a:ext>
+            </a:extLst>
+          </p:cNvPr>
+          <p:cNvCxnSpPr>
+            <a:stCxn id="16" idx="2"/>
+            <a:endCxn id="17" idx="0"/>
+          </p:cNvCxnSpPr>
+          <p:nvPr/>
+        </p:nvCxnSpPr>
+        <p:spPr>
+          <a:xfrm>
+            <a:off x="3271089" y="6652773"/>
+            <a:ext cx="2217705" cy="444383"/>
+          </a:xfrm>
+          <a:prstGeom prst="straightConnector1">
+            <a:avLst/>
+          </a:prstGeom>
+          <a:ln w="28575">
+            <a:tailEnd type="triangle"/>
+          </a:ln>
+        </p:spPr>
+        <p:style>
+          <a:lnRef idx="1">
+            <a:schemeClr val="accent1"/>
+          </a:lnRef>
+          <a:fillRef idx="0">
+            <a:schemeClr val="accent1"/>
+          </a:fillRef>
+          <a:effectRef idx="0">
+            <a:schemeClr val="accent1"/>
+          </a:effectRef>
+          <a:fontRef idx="minor">
+            <a:schemeClr val="tx1"/>
+          </a:fontRef>
+        </p:style>
+      </p:cxnSp>
+      <mc:AlternateContent xmlns:mc="http://schemas.openxmlformats.org/markup-compatibility/2006">
+        <mc:Choice xmlns:a14="http://schemas.microsoft.com/office/drawing/2010/main" Requires="a14">
+          <p:sp>
+            <p:nvSpPr>
+              <p:cNvPr id="40" name="TextBox 39">
+                <a:extLst>
+                  <a:ext uri="{FF2B5EF4-FFF2-40B4-BE49-F238E27FC236}">
+                    <a16:creationId xmlns:a16="http://schemas.microsoft.com/office/drawing/2014/main" id="{621FE6FE-8953-44D8-880C-7FEEF1BD9410}"/>
+                  </a:ext>
+                </a:extLst>
+              </p:cNvPr>
+              <p:cNvSpPr txBox="1"/>
+              <p:nvPr/>
+            </p:nvSpPr>
+            <p:spPr>
+              <a:xfrm>
+                <a:off x="3214922" y="4281263"/>
+                <a:ext cx="125034" cy="276999"/>
+              </a:xfrm>
+              <a:prstGeom prst="rect">
+                <a:avLst/>
+              </a:prstGeom>
+              <a:noFill/>
+            </p:spPr>
+            <p:txBody>
+              <a:bodyPr wrap="none" lIns="0" tIns="0" rIns="0" bIns="0" rtlCol="0">
+                <a:spAutoFit/>
+              </a:bodyPr>
+              <a:lstStyle/>
+              <a:p>
+                <a14:m>
+                  <m:oMathPara xmlns:m="http://schemas.openxmlformats.org/officeDocument/2006/math">
+                    <m:oMathParaPr>
+                      <m:jc m:val="centerGroup"/>
+                    </m:oMathParaPr>
+                    <m:oMath xmlns:m="http://schemas.openxmlformats.org/officeDocument/2006/math">
+                      <m:r>
+                        <a:rPr lang="en-US" b="0" i="1" smtClean="0">
+                          <a:latin typeface="Cambria Math" panose="02040503050406030204" pitchFamily="18" charset="0"/>
+                        </a:rPr>
+                        <m:t>⋮</m:t>
+                      </m:r>
+                    </m:oMath>
+                  </m:oMathPara>
+                </a14:m>
+                <a:endParaRPr lang="en-US" dirty="0"/>
+              </a:p>
+            </p:txBody>
+          </p:sp>
+        </mc:Choice>
+        <mc:Fallback>
+          <p:sp>
+            <p:nvSpPr>
+              <p:cNvPr id="40" name="TextBox 39">
+                <a:extLst>
+                  <a:ext uri="{FF2B5EF4-FFF2-40B4-BE49-F238E27FC236}">
+                    <a16:creationId xmlns:a16="http://schemas.microsoft.com/office/drawing/2014/main" id="{621FE6FE-8953-44D8-880C-7FEEF1BD9410}"/>
+                  </a:ext>
+                </a:extLst>
+              </p:cNvPr>
+              <p:cNvSpPr txBox="1">
+                <a:spLocks noRot="1" noChangeAspect="1" noMove="1" noResize="1" noEditPoints="1" noAdjustHandles="1" noChangeArrowheads="1" noChangeShapeType="1" noTextEdit="1"/>
+              </p:cNvSpPr>
+              <p:nvPr/>
+            </p:nvSpPr>
+            <p:spPr>
+              <a:xfrm>
+                <a:off x="3214922" y="4281263"/>
+                <a:ext cx="125034" cy="276999"/>
+              </a:xfrm>
+              <a:prstGeom prst="rect">
+                <a:avLst/>
+              </a:prstGeom>
+              <a:blipFill>
+                <a:blip r:embed="rId6"/>
+                <a:stretch>
+                  <a:fillRect l="-42857" r="-38095" b="-4348"/>
+                </a:stretch>
+              </a:blipFill>
+            </p:spPr>
+            <p:txBody>
+              <a:bodyPr/>
+              <a:lstStyle/>
+              <a:p>
+                <a:r>
+                  <a:rPr lang="en-US">
+                    <a:noFill/>
+                  </a:rPr>
+                  <a:t> </a:t>
+                </a:r>
+              </a:p>
+            </p:txBody>
+          </p:sp>
+        </mc:Fallback>
+      </mc:AlternateContent>
+      <p:cxnSp>
+        <p:nvCxnSpPr>
+          <p:cNvPr id="41" name="Straight Arrow Connector 40">
+            <a:extLst>
+              <a:ext uri="{FF2B5EF4-FFF2-40B4-BE49-F238E27FC236}">
+                <a16:creationId xmlns:a16="http://schemas.microsoft.com/office/drawing/2014/main" id="{33955C0B-52CF-4F95-81E6-DA1799827605}"/>
+              </a:ext>
+            </a:extLst>
+          </p:cNvPr>
+          <p:cNvCxnSpPr/>
+          <p:nvPr/>
+        </p:nvCxnSpPr>
+        <p:spPr>
+          <a:xfrm>
+            <a:off x="3286396" y="2058867"/>
+            <a:ext cx="0" cy="156410"/>
+          </a:xfrm>
+          <a:prstGeom prst="straightConnector1">
+            <a:avLst/>
+          </a:prstGeom>
+          <a:ln w="28575">
+            <a:tailEnd type="triangle"/>
+          </a:ln>
+        </p:spPr>
+        <p:style>
+          <a:lnRef idx="1">
+            <a:schemeClr val="accent1"/>
+          </a:lnRef>
+          <a:fillRef idx="0">
+            <a:schemeClr val="accent1"/>
+          </a:fillRef>
+          <a:effectRef idx="0">
+            <a:schemeClr val="accent1"/>
+          </a:effectRef>
+          <a:fontRef idx="minor">
+            <a:schemeClr val="tx1"/>
+          </a:fontRef>
+        </p:style>
+      </p:cxnSp>
+      <p:cxnSp>
+        <p:nvCxnSpPr>
+          <p:cNvPr id="43" name="Straight Arrow Connector 42">
+            <a:extLst>
+              <a:ext uri="{FF2B5EF4-FFF2-40B4-BE49-F238E27FC236}">
+                <a16:creationId xmlns:a16="http://schemas.microsoft.com/office/drawing/2014/main" id="{BD488630-CD9F-4BB9-8D48-5CA745E11E10}"/>
+              </a:ext>
+            </a:extLst>
+          </p:cNvPr>
+          <p:cNvCxnSpPr>
+            <a:stCxn id="17" idx="2"/>
+            <a:endCxn id="18" idx="0"/>
+          </p:cNvCxnSpPr>
+          <p:nvPr/>
+        </p:nvCxnSpPr>
+        <p:spPr>
+          <a:xfrm>
+            <a:off x="5488794" y="7640081"/>
+            <a:ext cx="0" cy="190035"/>
+          </a:xfrm>
+          <a:prstGeom prst="straightConnector1">
+            <a:avLst/>
+          </a:prstGeom>
+          <a:ln w="28575">
+            <a:tailEnd type="triangle"/>
+          </a:ln>
+        </p:spPr>
+        <p:style>
+          <a:lnRef idx="1">
+            <a:schemeClr val="accent1"/>
+          </a:lnRef>
+          <a:fillRef idx="0">
+            <a:schemeClr val="accent1"/>
+          </a:fillRef>
+          <a:effectRef idx="0">
+            <a:schemeClr val="accent1"/>
+          </a:effectRef>
+          <a:fontRef idx="minor">
+            <a:schemeClr val="tx1"/>
+          </a:fontRef>
+        </p:style>
+      </p:cxnSp>
+      <p:sp>
+        <p:nvSpPr>
+          <p:cNvPr id="44" name="Rectangle: Rounded Corners 43">
+            <a:extLst>
+              <a:ext uri="{FF2B5EF4-FFF2-40B4-BE49-F238E27FC236}">
+                <a16:creationId xmlns:a16="http://schemas.microsoft.com/office/drawing/2014/main" id="{0EB2C31F-E3A8-49C0-AF8F-79A2224EF17E}"/>
+              </a:ext>
+            </a:extLst>
+          </p:cNvPr>
+          <p:cNvSpPr/>
+          <p:nvPr/>
+        </p:nvSpPr>
+        <p:spPr>
+          <a:xfrm>
+            <a:off x="3784868" y="233136"/>
+            <a:ext cx="3407852" cy="542925"/>
+          </a:xfrm>
+          <a:prstGeom prst="roundRect">
+            <a:avLst/>
+          </a:prstGeom>
+          <a:solidFill>
+            <a:schemeClr val="accent2">
+              <a:lumMod val="40000"/>
+              <a:lumOff val="60000"/>
+            </a:schemeClr>
+          </a:solidFill>
+          <a:ln w="38100"/>
+        </p:spPr>
+        <p:style>
+          <a:lnRef idx="2">
+            <a:schemeClr val="accent1"/>
+          </a:lnRef>
+          <a:fillRef idx="1">
+            <a:schemeClr val="lt1"/>
+          </a:fillRef>
+          <a:effectRef idx="0">
+            <a:schemeClr val="accent1"/>
+          </a:effectRef>
+          <a:fontRef idx="minor">
+            <a:schemeClr val="dk1"/>
+          </a:fontRef>
+        </p:style>
+        <p:txBody>
+          <a:bodyPr rtlCol="0" anchor="ctr"/>
+          <a:lstStyle/>
+          <a:p>
+            <a:pPr algn="ctr"/>
+            <a:r>
+              <a:rPr lang="en-US" sz="2000" dirty="0"/>
+              <a:t>mpi_bcast weights and biases</a:t>
+            </a:r>
+          </a:p>
+        </p:txBody>
+      </p:sp>
+      <p:cxnSp>
+        <p:nvCxnSpPr>
+          <p:cNvPr id="46" name="Straight Arrow Connector 45">
+            <a:extLst>
+              <a:ext uri="{FF2B5EF4-FFF2-40B4-BE49-F238E27FC236}">
+                <a16:creationId xmlns:a16="http://schemas.microsoft.com/office/drawing/2014/main" id="{249D0D38-DDEE-401F-B314-1501D6CE570C}"/>
+              </a:ext>
+            </a:extLst>
+          </p:cNvPr>
+          <p:cNvCxnSpPr>
+            <a:stCxn id="44" idx="2"/>
+            <a:endCxn id="5" idx="0"/>
+          </p:cNvCxnSpPr>
+          <p:nvPr/>
+        </p:nvCxnSpPr>
+        <p:spPr>
+          <a:xfrm flipH="1">
+            <a:off x="3162824" y="776061"/>
+            <a:ext cx="2325970" cy="245249"/>
+          </a:xfrm>
+          <a:prstGeom prst="straightConnector1">
+            <a:avLst/>
+          </a:prstGeom>
+          <a:ln w="28575">
+            <a:tailEnd type="triangle"/>
+          </a:ln>
+        </p:spPr>
+        <p:style>
+          <a:lnRef idx="1">
+            <a:schemeClr val="accent1"/>
+          </a:lnRef>
+          <a:fillRef idx="0">
+            <a:schemeClr val="accent1"/>
+          </a:fillRef>
+          <a:effectRef idx="0">
+            <a:schemeClr val="accent1"/>
+          </a:effectRef>
+          <a:fontRef idx="minor">
+            <a:schemeClr val="tx1"/>
+          </a:fontRef>
+        </p:style>
+      </p:cxnSp>
+      <mc:AlternateContent xmlns:mc="http://schemas.openxmlformats.org/markup-compatibility/2006">
+        <mc:Choice xmlns:a14="http://schemas.microsoft.com/office/drawing/2010/main" Requires="a14">
+          <p:sp>
+            <p:nvSpPr>
+              <p:cNvPr id="73" name="Rectangle: Rounded Corners 72">
+                <a:extLst>
+                  <a:ext uri="{FF2B5EF4-FFF2-40B4-BE49-F238E27FC236}">
+                    <a16:creationId xmlns:a16="http://schemas.microsoft.com/office/drawing/2014/main" id="{19FB5BA1-9358-4DB4-8D2E-18C036CD5A1A}"/>
+                  </a:ext>
+                </a:extLst>
+              </p:cNvPr>
+              <p:cNvSpPr/>
+              <p:nvPr/>
+            </p:nvSpPr>
+            <p:spPr>
+              <a:xfrm>
+                <a:off x="6344426" y="2215277"/>
+                <a:ext cx="2724150" cy="542925"/>
+              </a:xfrm>
+              <a:prstGeom prst="roundRect">
+                <a:avLst/>
+              </a:prstGeom>
+              <a:solidFill>
+                <a:schemeClr val="accent5">
+                  <a:lumMod val="20000"/>
+                  <a:lumOff val="80000"/>
+                </a:schemeClr>
+              </a:solidFill>
+              <a:ln w="38100"/>
+            </p:spPr>
+            <p:style>
+              <a:lnRef idx="2">
+                <a:schemeClr val="accent1"/>
+              </a:lnRef>
+              <a:fillRef idx="1">
+                <a:schemeClr val="lt1"/>
+              </a:fillRef>
+              <a:effectRef idx="0">
+                <a:schemeClr val="accent1"/>
+              </a:effectRef>
+              <a:fontRef idx="minor">
+                <a:schemeClr val="dk1"/>
+              </a:fontRef>
+            </p:style>
+            <p:txBody>
+              <a:bodyPr rtlCol="0" anchor="ctr"/>
+              <a:lstStyle/>
+              <a:p>
+                <a:pPr algn="ctr"/>
+                <a:r>
+                  <a:rPr lang="en-US" sz="2000" dirty="0"/>
+                  <a:t>Time Stepping </a:t>
+                </a:r>
+                <a14:m>
+                  <m:oMath xmlns:m="http://schemas.openxmlformats.org/officeDocument/2006/math">
+                    <m:r>
+                      <a:rPr lang="en-US" sz="2000" b="0" i="1" smtClean="0">
+                        <a:latin typeface="Cambria Math" panose="02040503050406030204" pitchFamily="18" charset="0"/>
+                      </a:rPr>
+                      <m:t>𝑡</m:t>
+                    </m:r>
+                    <m:r>
+                      <a:rPr lang="en-US" sz="2000" b="0" i="1" smtClean="0">
+                        <a:latin typeface="Cambria Math" panose="02040503050406030204" pitchFamily="18" charset="0"/>
+                      </a:rPr>
+                      <m:t>=</m:t>
+                    </m:r>
+                    <m:sSub>
+                      <m:sSubPr>
+                        <m:ctrlPr>
+                          <a:rPr lang="en-US" sz="2000" b="0" i="1" smtClean="0">
+                            <a:latin typeface="Cambria Math" panose="02040503050406030204" pitchFamily="18" charset="0"/>
+                          </a:rPr>
+                        </m:ctrlPr>
+                      </m:sSubPr>
+                      <m:e>
+                        <m:r>
+                          <a:rPr lang="en-US" sz="2000" b="0" i="1" smtClean="0">
+                            <a:latin typeface="Cambria Math" panose="02040503050406030204" pitchFamily="18" charset="0"/>
+                          </a:rPr>
+                          <m:t>𝑡</m:t>
+                        </m:r>
+                      </m:e>
+                      <m:sub>
+                        <m:r>
+                          <a:rPr lang="en-US" sz="2000" b="0" i="1" smtClean="0">
+                            <a:latin typeface="Cambria Math" panose="02040503050406030204" pitchFamily="18" charset="0"/>
+                          </a:rPr>
+                          <m:t>1</m:t>
+                        </m:r>
+                      </m:sub>
+                    </m:sSub>
+                  </m:oMath>
+                </a14:m>
+                <a:endParaRPr lang="en-US" sz="2000" dirty="0"/>
+              </a:p>
+            </p:txBody>
+          </p:sp>
+        </mc:Choice>
+        <mc:Fallback>
+          <p:sp>
+            <p:nvSpPr>
+              <p:cNvPr id="73" name="Rectangle: Rounded Corners 72">
+                <a:extLst>
+                  <a:ext uri="{FF2B5EF4-FFF2-40B4-BE49-F238E27FC236}">
+                    <a16:creationId xmlns:a16="http://schemas.microsoft.com/office/drawing/2014/main" id="{19FB5BA1-9358-4DB4-8D2E-18C036CD5A1A}"/>
+                  </a:ext>
+                </a:extLst>
+              </p:cNvPr>
+              <p:cNvSpPr>
+                <a:spLocks noRot="1" noChangeAspect="1" noMove="1" noResize="1" noEditPoints="1" noAdjustHandles="1" noChangeArrowheads="1" noChangeShapeType="1" noTextEdit="1"/>
+              </p:cNvSpPr>
+              <p:nvPr/>
+            </p:nvSpPr>
+            <p:spPr>
+              <a:xfrm>
+                <a:off x="6344426" y="2215277"/>
+                <a:ext cx="2724150" cy="542925"/>
+              </a:xfrm>
+              <a:prstGeom prst="roundRect">
+                <a:avLst/>
+              </a:prstGeom>
+              <a:blipFill>
+                <a:blip r:embed="rId7"/>
+                <a:stretch>
+                  <a:fillRect b="-3158"/>
+                </a:stretch>
+              </a:blipFill>
+              <a:ln w="38100"/>
+            </p:spPr>
+            <p:txBody>
+              <a:bodyPr/>
+              <a:lstStyle/>
+              <a:p>
+                <a:r>
+                  <a:rPr lang="en-US">
+                    <a:noFill/>
+                  </a:rPr>
+                  <a:t> </a:t>
+                </a:r>
+              </a:p>
+            </p:txBody>
+          </p:sp>
+        </mc:Fallback>
+      </mc:AlternateContent>
+      <p:pic>
+        <p:nvPicPr>
+          <p:cNvPr id="74" name="Picture 73">
+            <a:extLst>
+              <a:ext uri="{FF2B5EF4-FFF2-40B4-BE49-F238E27FC236}">
+                <a16:creationId xmlns:a16="http://schemas.microsoft.com/office/drawing/2014/main" id="{C2A5B54B-BB2B-4A0E-BAD0-CC582BB3F3F3}"/>
+              </a:ext>
+            </a:extLst>
+          </p:cNvPr>
+          <p:cNvPicPr>
+            <a:picLocks noChangeAspect="1"/>
+          </p:cNvPicPr>
+          <p:nvPr/>
+        </p:nvPicPr>
+        <p:blipFill>
+          <a:blip r:embed="rId3"/>
+          <a:stretch>
+            <a:fillRect/>
+          </a:stretch>
+        </p:blipFill>
+        <p:spPr>
+          <a:xfrm>
+            <a:off x="6344425" y="1021310"/>
+            <a:ext cx="2507621" cy="942540"/>
+          </a:xfrm>
+          <a:prstGeom prst="rect">
+            <a:avLst/>
+          </a:prstGeom>
+        </p:spPr>
+      </p:pic>
+      <p:sp>
+        <p:nvSpPr>
+          <p:cNvPr id="75" name="Rectangle: Rounded Corners 74">
+            <a:extLst>
+              <a:ext uri="{FF2B5EF4-FFF2-40B4-BE49-F238E27FC236}">
+                <a16:creationId xmlns:a16="http://schemas.microsoft.com/office/drawing/2014/main" id="{DBF4AB03-B3E1-4A2D-8605-B9C0972F369F}"/>
+              </a:ext>
+            </a:extLst>
+          </p:cNvPr>
+          <p:cNvSpPr/>
+          <p:nvPr/>
+        </p:nvSpPr>
+        <p:spPr>
+          <a:xfrm>
+            <a:off x="6344426" y="2914612"/>
+            <a:ext cx="2724150" cy="542925"/>
+          </a:xfrm>
+          <a:prstGeom prst="roundRect">
+            <a:avLst/>
+          </a:prstGeom>
+          <a:solidFill>
+            <a:schemeClr val="accent2">
+              <a:lumMod val="40000"/>
+              <a:lumOff val="60000"/>
+            </a:schemeClr>
+          </a:solidFill>
+          <a:ln w="38100"/>
+        </p:spPr>
+        <p:style>
+          <a:lnRef idx="2">
+            <a:schemeClr val="accent1"/>
+          </a:lnRef>
+          <a:fillRef idx="1">
+            <a:schemeClr val="lt1"/>
+          </a:fillRef>
+          <a:effectRef idx="0">
+            <a:schemeClr val="accent1"/>
+          </a:effectRef>
+          <a:fontRef idx="minor">
+            <a:schemeClr val="dk1"/>
+          </a:fontRef>
+        </p:style>
+        <p:txBody>
+          <a:bodyPr rtlCol="0" anchor="ctr"/>
+          <a:lstStyle/>
+          <a:p>
+            <a:pPr algn="ctr"/>
+            <a:r>
+              <a:rPr lang="en-US" sz="2000" dirty="0"/>
+              <a:t>Halo exchange</a:t>
+            </a:r>
+          </a:p>
+        </p:txBody>
+      </p:sp>
+      <mc:AlternateContent xmlns:mc="http://schemas.openxmlformats.org/markup-compatibility/2006">
+        <mc:Choice xmlns:a14="http://schemas.microsoft.com/office/drawing/2010/main" Requires="a14">
+          <p:sp>
+            <p:nvSpPr>
+              <p:cNvPr id="76" name="Rectangle: Rounded Corners 75">
+                <a:extLst>
+                  <a:ext uri="{FF2B5EF4-FFF2-40B4-BE49-F238E27FC236}">
+                    <a16:creationId xmlns:a16="http://schemas.microsoft.com/office/drawing/2014/main" id="{A67F1EEF-BCA3-4634-96A1-898D9B5D9EB2}"/>
+                  </a:ext>
+                </a:extLst>
+              </p:cNvPr>
+              <p:cNvSpPr/>
+              <p:nvPr/>
+            </p:nvSpPr>
+            <p:spPr>
+              <a:xfrm>
+                <a:off x="6344426" y="3597559"/>
+                <a:ext cx="2724150" cy="542925"/>
+              </a:xfrm>
+              <a:prstGeom prst="roundRect">
+                <a:avLst/>
+              </a:prstGeom>
+              <a:solidFill>
+                <a:schemeClr val="accent5">
+                  <a:lumMod val="20000"/>
+                  <a:lumOff val="80000"/>
+                </a:schemeClr>
+              </a:solidFill>
+              <a:ln w="38100"/>
+            </p:spPr>
+            <p:style>
+              <a:lnRef idx="2">
+                <a:schemeClr val="accent1"/>
+              </a:lnRef>
+              <a:fillRef idx="1">
+                <a:schemeClr val="lt1"/>
+              </a:fillRef>
+              <a:effectRef idx="0">
+                <a:schemeClr val="accent1"/>
+              </a:effectRef>
+              <a:fontRef idx="minor">
+                <a:schemeClr val="dk1"/>
+              </a:fontRef>
+            </p:style>
+            <p:txBody>
+              <a:bodyPr rtlCol="0" anchor="ctr"/>
+              <a:lstStyle/>
+              <a:p>
+                <a:pPr algn="ctr"/>
+                <a:r>
+                  <a:rPr lang="en-US" sz="2000" dirty="0"/>
+                  <a:t>Time Stepping </a:t>
+                </a:r>
+                <a14:m>
+                  <m:oMath xmlns:m="http://schemas.openxmlformats.org/officeDocument/2006/math">
+                    <m:r>
+                      <a:rPr lang="en-US" sz="2000" i="1">
+                        <a:latin typeface="Cambria Math" panose="02040503050406030204" pitchFamily="18" charset="0"/>
+                      </a:rPr>
+                      <m:t>𝑡</m:t>
+                    </m:r>
+                    <m:r>
+                      <a:rPr lang="en-US" sz="2000" i="1">
+                        <a:latin typeface="Cambria Math" panose="02040503050406030204" pitchFamily="18" charset="0"/>
+                      </a:rPr>
+                      <m:t>=</m:t>
+                    </m:r>
+                    <m:sSub>
+                      <m:sSubPr>
+                        <m:ctrlPr>
+                          <a:rPr lang="en-US" sz="2000" i="1">
+                            <a:latin typeface="Cambria Math" panose="02040503050406030204" pitchFamily="18" charset="0"/>
+                          </a:rPr>
+                        </m:ctrlPr>
+                      </m:sSubPr>
+                      <m:e>
+                        <m:r>
+                          <a:rPr lang="en-US" sz="2000" i="1">
+                            <a:latin typeface="Cambria Math" panose="02040503050406030204" pitchFamily="18" charset="0"/>
+                          </a:rPr>
+                          <m:t>𝑡</m:t>
+                        </m:r>
+                      </m:e>
+                      <m:sub>
+                        <m:r>
+                          <a:rPr lang="en-US" sz="2000" b="0" i="1" smtClean="0">
+                            <a:latin typeface="Cambria Math" panose="02040503050406030204" pitchFamily="18" charset="0"/>
+                          </a:rPr>
+                          <m:t>2</m:t>
+                        </m:r>
+                      </m:sub>
+                    </m:sSub>
+                  </m:oMath>
+                </a14:m>
+                <a:endParaRPr lang="en-US" sz="2000" dirty="0"/>
+              </a:p>
+            </p:txBody>
+          </p:sp>
+        </mc:Choice>
+        <mc:Fallback>
+          <p:sp>
+            <p:nvSpPr>
+              <p:cNvPr id="76" name="Rectangle: Rounded Corners 75">
+                <a:extLst>
+                  <a:ext uri="{FF2B5EF4-FFF2-40B4-BE49-F238E27FC236}">
+                    <a16:creationId xmlns:a16="http://schemas.microsoft.com/office/drawing/2014/main" id="{A67F1EEF-BCA3-4634-96A1-898D9B5D9EB2}"/>
+                  </a:ext>
+                </a:extLst>
+              </p:cNvPr>
+              <p:cNvSpPr>
+                <a:spLocks noRot="1" noChangeAspect="1" noMove="1" noResize="1" noEditPoints="1" noAdjustHandles="1" noChangeArrowheads="1" noChangeShapeType="1" noTextEdit="1"/>
+              </p:cNvSpPr>
+              <p:nvPr/>
+            </p:nvSpPr>
+            <p:spPr>
+              <a:xfrm>
+                <a:off x="6344426" y="3597559"/>
+                <a:ext cx="2724150" cy="542925"/>
+              </a:xfrm>
+              <a:prstGeom prst="roundRect">
+                <a:avLst/>
+              </a:prstGeom>
+              <a:blipFill>
+                <a:blip r:embed="rId8"/>
+                <a:stretch>
+                  <a:fillRect b="-3158"/>
+                </a:stretch>
+              </a:blipFill>
+              <a:ln w="38100"/>
+            </p:spPr>
+            <p:txBody>
+              <a:bodyPr/>
+              <a:lstStyle/>
+              <a:p>
+                <a:r>
+                  <a:rPr lang="en-US">
+                    <a:noFill/>
+                  </a:rPr>
+                  <a:t> </a:t>
+                </a:r>
+              </a:p>
+            </p:txBody>
+          </p:sp>
+        </mc:Fallback>
+      </mc:AlternateContent>
+      <p:sp>
+        <p:nvSpPr>
+          <p:cNvPr id="77" name="Rectangle: Rounded Corners 76">
+            <a:extLst>
+              <a:ext uri="{FF2B5EF4-FFF2-40B4-BE49-F238E27FC236}">
+                <a16:creationId xmlns:a16="http://schemas.microsoft.com/office/drawing/2014/main" id="{BD319ABC-A617-4813-B95A-405406BB9640}"/>
+              </a:ext>
+            </a:extLst>
+          </p:cNvPr>
+          <p:cNvSpPr/>
+          <p:nvPr/>
+        </p:nvSpPr>
+        <p:spPr>
+          <a:xfrm>
+            <a:off x="6344426" y="4667023"/>
+            <a:ext cx="2724150" cy="542925"/>
+          </a:xfrm>
+          <a:prstGeom prst="roundRect">
+            <a:avLst/>
+          </a:prstGeom>
+          <a:solidFill>
+            <a:schemeClr val="accent2">
+              <a:lumMod val="40000"/>
+              <a:lumOff val="60000"/>
+            </a:schemeClr>
+          </a:solidFill>
+          <a:ln w="38100"/>
+        </p:spPr>
+        <p:style>
+          <a:lnRef idx="2">
+            <a:schemeClr val="accent1"/>
+          </a:lnRef>
+          <a:fillRef idx="1">
+            <a:schemeClr val="lt1"/>
+          </a:fillRef>
+          <a:effectRef idx="0">
+            <a:schemeClr val="accent1"/>
+          </a:effectRef>
+          <a:fontRef idx="minor">
+            <a:schemeClr val="dk1"/>
+          </a:fontRef>
+        </p:style>
+        <p:txBody>
+          <a:bodyPr rtlCol="0" anchor="ctr"/>
+          <a:lstStyle/>
+          <a:p>
+            <a:pPr algn="ctr"/>
+            <a:r>
+              <a:rPr lang="en-US" sz="2000" dirty="0"/>
+              <a:t>Halo exchange</a:t>
+            </a:r>
+          </a:p>
+        </p:txBody>
+      </p:sp>
+      <mc:AlternateContent xmlns:mc="http://schemas.openxmlformats.org/markup-compatibility/2006">
+        <mc:Choice xmlns:a14="http://schemas.microsoft.com/office/drawing/2010/main" Requires="a14">
+          <p:sp>
+            <p:nvSpPr>
+              <p:cNvPr id="78" name="Rectangle: Rounded Corners 77">
+                <a:extLst>
+                  <a:ext uri="{FF2B5EF4-FFF2-40B4-BE49-F238E27FC236}">
+                    <a16:creationId xmlns:a16="http://schemas.microsoft.com/office/drawing/2014/main" id="{A9ED2E1C-4937-44A1-AB8C-281CA1735AA6}"/>
+                  </a:ext>
+                </a:extLst>
+              </p:cNvPr>
+              <p:cNvSpPr/>
+              <p:nvPr/>
+            </p:nvSpPr>
+            <p:spPr>
+              <a:xfrm>
+                <a:off x="6344426" y="5376888"/>
+                <a:ext cx="2724150" cy="542925"/>
+              </a:xfrm>
+              <a:prstGeom prst="roundRect">
+                <a:avLst/>
+              </a:prstGeom>
+              <a:solidFill>
+                <a:schemeClr val="accent5">
+                  <a:lumMod val="20000"/>
+                  <a:lumOff val="80000"/>
+                </a:schemeClr>
+              </a:solidFill>
+              <a:ln w="38100"/>
+            </p:spPr>
+            <p:style>
+              <a:lnRef idx="2">
+                <a:schemeClr val="accent1"/>
+              </a:lnRef>
+              <a:fillRef idx="1">
+                <a:schemeClr val="lt1"/>
+              </a:fillRef>
+              <a:effectRef idx="0">
+                <a:schemeClr val="accent1"/>
+              </a:effectRef>
+              <a:fontRef idx="minor">
+                <a:schemeClr val="dk1"/>
+              </a:fontRef>
+            </p:style>
+            <p:txBody>
+              <a:bodyPr rtlCol="0" anchor="ctr"/>
+              <a:lstStyle/>
+              <a:p>
+                <a:pPr algn="ctr"/>
+                <a:r>
+                  <a:rPr lang="en-US" sz="2000" dirty="0"/>
+                  <a:t>Time Stepping </a:t>
+                </a:r>
+                <a14:m>
+                  <m:oMath xmlns:m="http://schemas.openxmlformats.org/officeDocument/2006/math">
+                    <m:r>
+                      <a:rPr lang="en-US" sz="2000" i="1">
+                        <a:latin typeface="Cambria Math" panose="02040503050406030204" pitchFamily="18" charset="0"/>
+                      </a:rPr>
+                      <m:t>𝑡</m:t>
+                    </m:r>
+                    <m:r>
+                      <a:rPr lang="en-US" sz="2000" i="1">
+                        <a:latin typeface="Cambria Math" panose="02040503050406030204" pitchFamily="18" charset="0"/>
+                      </a:rPr>
+                      <m:t>=</m:t>
+                    </m:r>
+                    <m:sSub>
+                      <m:sSubPr>
+                        <m:ctrlPr>
+                          <a:rPr lang="en-US" sz="2000" i="1">
+                            <a:latin typeface="Cambria Math" panose="02040503050406030204" pitchFamily="18" charset="0"/>
+                          </a:rPr>
+                        </m:ctrlPr>
+                      </m:sSubPr>
+                      <m:e>
+                        <m:r>
+                          <a:rPr lang="en-US" sz="2000" i="1">
+                            <a:latin typeface="Cambria Math" panose="02040503050406030204" pitchFamily="18" charset="0"/>
+                          </a:rPr>
+                          <m:t>𝑡</m:t>
+                        </m:r>
+                      </m:e>
+                      <m:sub>
+                        <m:r>
+                          <a:rPr lang="en-US" sz="2000" b="0" i="1" smtClean="0">
+                            <a:latin typeface="Cambria Math" panose="02040503050406030204" pitchFamily="18" charset="0"/>
+                          </a:rPr>
+                          <m:t>𝑛</m:t>
+                        </m:r>
+                      </m:sub>
+                    </m:sSub>
+                  </m:oMath>
+                </a14:m>
+                <a:endParaRPr lang="en-US" sz="2000" dirty="0"/>
+              </a:p>
+            </p:txBody>
+          </p:sp>
+        </mc:Choice>
+        <mc:Fallback>
+          <p:sp>
+            <p:nvSpPr>
+              <p:cNvPr id="78" name="Rectangle: Rounded Corners 77">
+                <a:extLst>
+                  <a:ext uri="{FF2B5EF4-FFF2-40B4-BE49-F238E27FC236}">
+                    <a16:creationId xmlns:a16="http://schemas.microsoft.com/office/drawing/2014/main" id="{A9ED2E1C-4937-44A1-AB8C-281CA1735AA6}"/>
+                  </a:ext>
+                </a:extLst>
+              </p:cNvPr>
+              <p:cNvSpPr>
+                <a:spLocks noRot="1" noChangeAspect="1" noMove="1" noResize="1" noEditPoints="1" noAdjustHandles="1" noChangeArrowheads="1" noChangeShapeType="1" noTextEdit="1"/>
+              </p:cNvSpPr>
+              <p:nvPr/>
+            </p:nvSpPr>
+            <p:spPr>
+              <a:xfrm>
+                <a:off x="6344426" y="5376888"/>
+                <a:ext cx="2724150" cy="542925"/>
+              </a:xfrm>
+              <a:prstGeom prst="roundRect">
+                <a:avLst/>
+              </a:prstGeom>
+              <a:blipFill>
+                <a:blip r:embed="rId9"/>
+                <a:stretch>
+                  <a:fillRect b="-3158"/>
+                </a:stretch>
+              </a:blipFill>
+              <a:ln w="38100"/>
+            </p:spPr>
+            <p:txBody>
+              <a:bodyPr/>
+              <a:lstStyle/>
+              <a:p>
+                <a:r>
+                  <a:rPr lang="en-US">
+                    <a:noFill/>
+                  </a:rPr>
+                  <a:t> </a:t>
+                </a:r>
+              </a:p>
+            </p:txBody>
+          </p:sp>
+        </mc:Fallback>
+      </mc:AlternateContent>
+      <p:sp>
+        <p:nvSpPr>
+          <p:cNvPr id="79" name="Rectangle: Rounded Corners 78">
+            <a:extLst>
+              <a:ext uri="{FF2B5EF4-FFF2-40B4-BE49-F238E27FC236}">
+                <a16:creationId xmlns:a16="http://schemas.microsoft.com/office/drawing/2014/main" id="{B137A442-26B4-4D2C-8E8B-1D853121CB4F}"/>
+              </a:ext>
+            </a:extLst>
+          </p:cNvPr>
+          <p:cNvSpPr/>
+          <p:nvPr/>
+        </p:nvSpPr>
+        <p:spPr>
+          <a:xfrm>
+            <a:off x="6344426" y="6109848"/>
+            <a:ext cx="2724150" cy="542925"/>
+          </a:xfrm>
+          <a:prstGeom prst="roundRect">
+            <a:avLst/>
+          </a:prstGeom>
+          <a:solidFill>
+            <a:schemeClr val="accent5">
+              <a:lumMod val="20000"/>
+              <a:lumOff val="80000"/>
+            </a:schemeClr>
+          </a:solidFill>
+          <a:ln w="38100"/>
+        </p:spPr>
+        <p:style>
+          <a:lnRef idx="2">
+            <a:schemeClr val="accent1"/>
+          </a:lnRef>
+          <a:fillRef idx="1">
+            <a:schemeClr val="lt1"/>
+          </a:fillRef>
+          <a:effectRef idx="0">
+            <a:schemeClr val="accent1"/>
+          </a:effectRef>
+          <a:fontRef idx="minor">
+            <a:schemeClr val="dk1"/>
+          </a:fontRef>
+        </p:style>
+        <p:txBody>
+          <a:bodyPr rtlCol="0" anchor="ctr"/>
+          <a:lstStyle/>
+          <a:p>
+            <a:pPr algn="ctr"/>
+            <a:r>
+              <a:rPr lang="en-US" sz="2000" dirty="0"/>
+              <a:t>Local loss function</a:t>
+            </a:r>
+          </a:p>
+        </p:txBody>
+      </p:sp>
+      <p:cxnSp>
+        <p:nvCxnSpPr>
+          <p:cNvPr id="80" name="Connector: Curved 79">
+            <a:extLst>
+              <a:ext uri="{FF2B5EF4-FFF2-40B4-BE49-F238E27FC236}">
+                <a16:creationId xmlns:a16="http://schemas.microsoft.com/office/drawing/2014/main" id="{6933F351-A90D-49D1-B25B-6C3F6458EB99}"/>
+              </a:ext>
+            </a:extLst>
+          </p:cNvPr>
+          <p:cNvCxnSpPr>
+            <a:cxnSpLocks/>
+            <a:stCxn id="73" idx="1"/>
+            <a:endCxn id="79" idx="1"/>
+          </p:cNvCxnSpPr>
+          <p:nvPr/>
+        </p:nvCxnSpPr>
+        <p:spPr>
+          <a:xfrm rot="10800000" flipV="1">
+            <a:off x="6344426" y="2486739"/>
+            <a:ext cx="12700" cy="3894571"/>
+          </a:xfrm>
+          <a:prstGeom prst="curvedConnector3">
+            <a:avLst>
+              <a:gd name="adj1" fmla="val 6721520"/>
+            </a:avLst>
+          </a:prstGeom>
+          <a:ln w="28575">
+            <a:solidFill>
+              <a:schemeClr val="accent1">
+                <a:alpha val="42000"/>
+              </a:schemeClr>
+            </a:solidFill>
+            <a:headEnd type="none" w="med" len="med"/>
+            <a:tailEnd type="triangle" w="med" len="med"/>
+          </a:ln>
+        </p:spPr>
+        <p:style>
+          <a:lnRef idx="1">
+            <a:schemeClr val="accent1"/>
+          </a:lnRef>
+          <a:fillRef idx="0">
+            <a:schemeClr val="accent1"/>
+          </a:fillRef>
+          <a:effectRef idx="0">
+            <a:schemeClr val="accent1"/>
+          </a:effectRef>
+          <a:fontRef idx="minor">
+            <a:schemeClr val="tx1"/>
+          </a:fontRef>
+        </p:style>
+      </p:cxnSp>
+      <p:cxnSp>
+        <p:nvCxnSpPr>
+          <p:cNvPr id="81" name="Connector: Curved 80">
+            <a:extLst>
+              <a:ext uri="{FF2B5EF4-FFF2-40B4-BE49-F238E27FC236}">
+                <a16:creationId xmlns:a16="http://schemas.microsoft.com/office/drawing/2014/main" id="{17EDF450-5B7D-4175-9B8B-AA25FCCE5F6D}"/>
+              </a:ext>
+            </a:extLst>
+          </p:cNvPr>
+          <p:cNvCxnSpPr>
+            <a:cxnSpLocks/>
+            <a:stCxn id="76" idx="1"/>
+            <a:endCxn id="79" idx="1"/>
+          </p:cNvCxnSpPr>
+          <p:nvPr/>
+        </p:nvCxnSpPr>
+        <p:spPr>
+          <a:xfrm rot="10800000" flipV="1">
+            <a:off x="6344426" y="3869021"/>
+            <a:ext cx="12700" cy="2512289"/>
+          </a:xfrm>
+          <a:prstGeom prst="curvedConnector3">
+            <a:avLst>
+              <a:gd name="adj1" fmla="val 4260756"/>
+            </a:avLst>
+          </a:prstGeom>
+          <a:ln w="28575">
+            <a:solidFill>
+              <a:schemeClr val="accent1">
+                <a:alpha val="42000"/>
+              </a:schemeClr>
+            </a:solidFill>
+            <a:headEnd type="none" w="med" len="med"/>
+            <a:tailEnd type="triangle" w="med" len="med"/>
+          </a:ln>
+        </p:spPr>
+        <p:style>
+          <a:lnRef idx="1">
+            <a:schemeClr val="accent1"/>
+          </a:lnRef>
+          <a:fillRef idx="0">
+            <a:schemeClr val="accent1"/>
+          </a:fillRef>
+          <a:effectRef idx="0">
+            <a:schemeClr val="accent1"/>
+          </a:effectRef>
+          <a:fontRef idx="minor">
+            <a:schemeClr val="tx1"/>
+          </a:fontRef>
+        </p:style>
+      </p:cxnSp>
+      <p:cxnSp>
+        <p:nvCxnSpPr>
+          <p:cNvPr id="82" name="Connector: Curved 81">
+            <a:extLst>
+              <a:ext uri="{FF2B5EF4-FFF2-40B4-BE49-F238E27FC236}">
+                <a16:creationId xmlns:a16="http://schemas.microsoft.com/office/drawing/2014/main" id="{6BD5B203-7F47-45C4-928A-D0148872E0DF}"/>
+              </a:ext>
+            </a:extLst>
+          </p:cNvPr>
+          <p:cNvCxnSpPr>
+            <a:cxnSpLocks/>
+            <a:stCxn id="78" idx="1"/>
+            <a:endCxn id="79" idx="1"/>
+          </p:cNvCxnSpPr>
+          <p:nvPr/>
+        </p:nvCxnSpPr>
+        <p:spPr>
+          <a:xfrm rot="10800000" flipV="1">
+            <a:off x="6344426" y="5648351"/>
+            <a:ext cx="12700" cy="732960"/>
+          </a:xfrm>
+          <a:prstGeom prst="curvedConnector3">
+            <a:avLst>
+              <a:gd name="adj1" fmla="val 1800000"/>
+            </a:avLst>
+          </a:prstGeom>
+          <a:ln w="28575">
+            <a:solidFill>
+              <a:schemeClr val="accent1">
+                <a:alpha val="42000"/>
+              </a:schemeClr>
+            </a:solidFill>
+            <a:headEnd type="none" w="med" len="med"/>
+            <a:tailEnd type="triangle" w="med" len="med"/>
+          </a:ln>
+        </p:spPr>
+        <p:style>
+          <a:lnRef idx="1">
+            <a:schemeClr val="accent1"/>
+          </a:lnRef>
+          <a:fillRef idx="0">
+            <a:schemeClr val="accent1"/>
+          </a:fillRef>
+          <a:effectRef idx="0">
+            <a:schemeClr val="accent1"/>
+          </a:effectRef>
+          <a:fontRef idx="minor">
+            <a:schemeClr val="tx1"/>
+          </a:fontRef>
+        </p:style>
+      </p:cxnSp>
+      <p:cxnSp>
+        <p:nvCxnSpPr>
+          <p:cNvPr id="83" name="Straight Arrow Connector 82">
+            <a:extLst>
+              <a:ext uri="{FF2B5EF4-FFF2-40B4-BE49-F238E27FC236}">
+                <a16:creationId xmlns:a16="http://schemas.microsoft.com/office/drawing/2014/main" id="{3F251050-3370-4E9D-AE4D-9924627CE9ED}"/>
+              </a:ext>
+            </a:extLst>
+          </p:cNvPr>
+          <p:cNvCxnSpPr>
+            <a:stCxn id="73" idx="2"/>
+            <a:endCxn id="75" idx="0"/>
+          </p:cNvCxnSpPr>
+          <p:nvPr/>
+        </p:nvCxnSpPr>
+        <p:spPr>
+          <a:xfrm>
+            <a:off x="7706501" y="2758202"/>
+            <a:ext cx="0" cy="156410"/>
+          </a:xfrm>
+          <a:prstGeom prst="straightConnector1">
+            <a:avLst/>
+          </a:prstGeom>
+          <a:ln w="28575">
+            <a:tailEnd type="triangle"/>
+          </a:ln>
+        </p:spPr>
+        <p:style>
+          <a:lnRef idx="1">
+            <a:schemeClr val="accent1"/>
+          </a:lnRef>
+          <a:fillRef idx="0">
+            <a:schemeClr val="accent1"/>
+          </a:fillRef>
+          <a:effectRef idx="0">
+            <a:schemeClr val="accent1"/>
+          </a:effectRef>
+          <a:fontRef idx="minor">
+            <a:schemeClr val="tx1"/>
+          </a:fontRef>
+        </p:style>
+      </p:cxnSp>
+      <p:cxnSp>
+        <p:nvCxnSpPr>
+          <p:cNvPr id="84" name="Straight Arrow Connector 83">
+            <a:extLst>
+              <a:ext uri="{FF2B5EF4-FFF2-40B4-BE49-F238E27FC236}">
+                <a16:creationId xmlns:a16="http://schemas.microsoft.com/office/drawing/2014/main" id="{F4C23395-F9D9-4E1F-B179-F5C727235D6E}"/>
+              </a:ext>
+            </a:extLst>
+          </p:cNvPr>
+          <p:cNvCxnSpPr>
+            <a:stCxn id="75" idx="2"/>
+            <a:endCxn id="76" idx="0"/>
+          </p:cNvCxnSpPr>
+          <p:nvPr/>
+        </p:nvCxnSpPr>
+        <p:spPr>
+          <a:xfrm>
+            <a:off x="7706501" y="3457537"/>
+            <a:ext cx="0" cy="140022"/>
+          </a:xfrm>
+          <a:prstGeom prst="straightConnector1">
+            <a:avLst/>
+          </a:prstGeom>
+          <a:ln w="28575">
+            <a:tailEnd type="triangle"/>
+          </a:ln>
+        </p:spPr>
+        <p:style>
+          <a:lnRef idx="1">
+            <a:schemeClr val="accent1"/>
+          </a:lnRef>
+          <a:fillRef idx="0">
+            <a:schemeClr val="accent1"/>
+          </a:fillRef>
+          <a:effectRef idx="0">
+            <a:schemeClr val="accent1"/>
+          </a:effectRef>
+          <a:fontRef idx="minor">
+            <a:schemeClr val="tx1"/>
+          </a:fontRef>
+        </p:style>
+      </p:cxnSp>
+      <p:cxnSp>
+        <p:nvCxnSpPr>
+          <p:cNvPr id="85" name="Straight Arrow Connector 84">
+            <a:extLst>
+              <a:ext uri="{FF2B5EF4-FFF2-40B4-BE49-F238E27FC236}">
+                <a16:creationId xmlns:a16="http://schemas.microsoft.com/office/drawing/2014/main" id="{EC919E14-1172-4E8A-9E13-54A71F306528}"/>
+              </a:ext>
+            </a:extLst>
+          </p:cNvPr>
+          <p:cNvCxnSpPr>
+            <a:stCxn id="77" idx="2"/>
+            <a:endCxn id="78" idx="0"/>
+          </p:cNvCxnSpPr>
+          <p:nvPr/>
+        </p:nvCxnSpPr>
+        <p:spPr>
+          <a:xfrm>
+            <a:off x="7706501" y="5209948"/>
+            <a:ext cx="0" cy="166940"/>
+          </a:xfrm>
+          <a:prstGeom prst="straightConnector1">
+            <a:avLst/>
+          </a:prstGeom>
+          <a:ln w="28575">
+            <a:tailEnd type="triangle"/>
+          </a:ln>
+        </p:spPr>
+        <p:style>
+          <a:lnRef idx="1">
+            <a:schemeClr val="accent1"/>
+          </a:lnRef>
+          <a:fillRef idx="0">
+            <a:schemeClr val="accent1"/>
+          </a:fillRef>
+          <a:effectRef idx="0">
+            <a:schemeClr val="accent1"/>
+          </a:effectRef>
+          <a:fontRef idx="minor">
+            <a:schemeClr val="tx1"/>
+          </a:fontRef>
+        </p:style>
+      </p:cxnSp>
+      <mc:AlternateContent xmlns:mc="http://schemas.openxmlformats.org/markup-compatibility/2006">
+        <mc:Choice xmlns:a14="http://schemas.microsoft.com/office/drawing/2010/main" Requires="a14">
+          <p:sp>
+            <p:nvSpPr>
+              <p:cNvPr id="86" name="TextBox 85">
+                <a:extLst>
+                  <a:ext uri="{FF2B5EF4-FFF2-40B4-BE49-F238E27FC236}">
+                    <a16:creationId xmlns:a16="http://schemas.microsoft.com/office/drawing/2014/main" id="{4204C0DE-4B65-4D79-B90F-65B947B36DFE}"/>
+                  </a:ext>
+                </a:extLst>
+              </p:cNvPr>
+              <p:cNvSpPr txBox="1"/>
+              <p:nvPr/>
+            </p:nvSpPr>
+            <p:spPr>
+              <a:xfrm>
+                <a:off x="7650334" y="4281263"/>
+                <a:ext cx="125034" cy="276999"/>
+              </a:xfrm>
+              <a:prstGeom prst="rect">
+                <a:avLst/>
+              </a:prstGeom>
+              <a:noFill/>
+            </p:spPr>
+            <p:txBody>
+              <a:bodyPr wrap="none" lIns="0" tIns="0" rIns="0" bIns="0" rtlCol="0">
+                <a:spAutoFit/>
+              </a:bodyPr>
+              <a:lstStyle/>
+              <a:p>
+                <a14:m>
+                  <m:oMathPara xmlns:m="http://schemas.openxmlformats.org/officeDocument/2006/math">
+                    <m:oMathParaPr>
+                      <m:jc m:val="centerGroup"/>
+                    </m:oMathParaPr>
+                    <m:oMath xmlns:m="http://schemas.openxmlformats.org/officeDocument/2006/math">
+                      <m:r>
+                        <a:rPr lang="en-US" b="0" i="1" smtClean="0">
+                          <a:latin typeface="Cambria Math" panose="02040503050406030204" pitchFamily="18" charset="0"/>
+                        </a:rPr>
+                        <m:t>⋮</m:t>
+                      </m:r>
+                    </m:oMath>
+                  </m:oMathPara>
+                </a14:m>
+                <a:endParaRPr lang="en-US" dirty="0"/>
+              </a:p>
+            </p:txBody>
+          </p:sp>
+        </mc:Choice>
+        <mc:Fallback>
+          <p:sp>
+            <p:nvSpPr>
+              <p:cNvPr id="86" name="TextBox 85">
+                <a:extLst>
+                  <a:ext uri="{FF2B5EF4-FFF2-40B4-BE49-F238E27FC236}">
+                    <a16:creationId xmlns:a16="http://schemas.microsoft.com/office/drawing/2014/main" id="{4204C0DE-4B65-4D79-B90F-65B947B36DFE}"/>
+                  </a:ext>
+                </a:extLst>
+              </p:cNvPr>
+              <p:cNvSpPr txBox="1">
+                <a:spLocks noRot="1" noChangeAspect="1" noMove="1" noResize="1" noEditPoints="1" noAdjustHandles="1" noChangeArrowheads="1" noChangeShapeType="1" noTextEdit="1"/>
+              </p:cNvSpPr>
+              <p:nvPr/>
+            </p:nvSpPr>
+            <p:spPr>
+              <a:xfrm>
+                <a:off x="7650334" y="4281263"/>
+                <a:ext cx="125034" cy="276999"/>
+              </a:xfrm>
+              <a:prstGeom prst="rect">
+                <a:avLst/>
+              </a:prstGeom>
+              <a:blipFill>
+                <a:blip r:embed="rId10"/>
+                <a:stretch>
+                  <a:fillRect l="-45000" r="-45000" b="-4348"/>
+                </a:stretch>
+              </a:blipFill>
+            </p:spPr>
+            <p:txBody>
+              <a:bodyPr/>
+              <a:lstStyle/>
+              <a:p>
+                <a:r>
+                  <a:rPr lang="en-US">
+                    <a:noFill/>
+                  </a:rPr>
+                  <a:t> </a:t>
+                </a:r>
+              </a:p>
+            </p:txBody>
+          </p:sp>
+        </mc:Fallback>
+      </mc:AlternateContent>
+      <p:cxnSp>
+        <p:nvCxnSpPr>
+          <p:cNvPr id="87" name="Straight Arrow Connector 86">
+            <a:extLst>
+              <a:ext uri="{FF2B5EF4-FFF2-40B4-BE49-F238E27FC236}">
+                <a16:creationId xmlns:a16="http://schemas.microsoft.com/office/drawing/2014/main" id="{0E7A2220-C501-4720-955E-0105562BA0BB}"/>
+              </a:ext>
+            </a:extLst>
+          </p:cNvPr>
+          <p:cNvCxnSpPr/>
+          <p:nvPr/>
+        </p:nvCxnSpPr>
+        <p:spPr>
+          <a:xfrm>
+            <a:off x="7721808" y="2058867"/>
+            <a:ext cx="0" cy="156410"/>
+          </a:xfrm>
+          <a:prstGeom prst="straightConnector1">
+            <a:avLst/>
+          </a:prstGeom>
+          <a:ln w="28575">
+            <a:tailEnd type="triangle"/>
+          </a:ln>
+        </p:spPr>
+        <p:style>
+          <a:lnRef idx="1">
+            <a:schemeClr val="accent1"/>
+          </a:lnRef>
+          <a:fillRef idx="0">
+            <a:schemeClr val="accent1"/>
+          </a:fillRef>
+          <a:effectRef idx="0">
+            <a:schemeClr val="accent1"/>
+          </a:effectRef>
+          <a:fontRef idx="minor">
+            <a:schemeClr val="tx1"/>
+          </a:fontRef>
+        </p:style>
+      </p:cxnSp>
+      <p:cxnSp>
+        <p:nvCxnSpPr>
+          <p:cNvPr id="89" name="Straight Arrow Connector 88">
+            <a:extLst>
+              <a:ext uri="{FF2B5EF4-FFF2-40B4-BE49-F238E27FC236}">
+                <a16:creationId xmlns:a16="http://schemas.microsoft.com/office/drawing/2014/main" id="{33D188D9-8359-43A3-848D-6CDFDF1F1495}"/>
+              </a:ext>
+            </a:extLst>
+          </p:cNvPr>
+          <p:cNvCxnSpPr>
+            <a:stCxn id="6" idx="3"/>
+            <a:endCxn id="75" idx="1"/>
+          </p:cNvCxnSpPr>
+          <p:nvPr/>
+        </p:nvCxnSpPr>
+        <p:spPr>
+          <a:xfrm>
+            <a:off x="4633164" y="3186075"/>
+            <a:ext cx="1711262" cy="0"/>
+          </a:xfrm>
+          <a:prstGeom prst="straightConnector1">
+            <a:avLst/>
+          </a:prstGeom>
+          <a:ln w="38100">
+            <a:solidFill>
+              <a:srgbClr val="FF0000"/>
+            </a:solidFill>
+            <a:headEnd type="arrow" w="med" len="med"/>
+            <a:tailEnd type="arrow" w="med" len="med"/>
+          </a:ln>
+        </p:spPr>
+        <p:style>
+          <a:lnRef idx="1">
+            <a:schemeClr val="accent1"/>
+          </a:lnRef>
+          <a:fillRef idx="0">
+            <a:schemeClr val="accent1"/>
+          </a:fillRef>
+          <a:effectRef idx="0">
+            <a:schemeClr val="accent1"/>
+          </a:effectRef>
+          <a:fontRef idx="minor">
+            <a:schemeClr val="tx1"/>
+          </a:fontRef>
+        </p:style>
+      </p:cxnSp>
+      <p:cxnSp>
+        <p:nvCxnSpPr>
+          <p:cNvPr id="90" name="Straight Arrow Connector 89">
+            <a:extLst>
+              <a:ext uri="{FF2B5EF4-FFF2-40B4-BE49-F238E27FC236}">
+                <a16:creationId xmlns:a16="http://schemas.microsoft.com/office/drawing/2014/main" id="{FD5C5DC4-E346-417F-9C35-A68395B9EF5B}"/>
+              </a:ext>
+            </a:extLst>
+          </p:cNvPr>
+          <p:cNvCxnSpPr/>
+          <p:nvPr/>
+        </p:nvCxnSpPr>
+        <p:spPr>
+          <a:xfrm>
+            <a:off x="4633163" y="4958930"/>
+            <a:ext cx="1711262" cy="0"/>
+          </a:xfrm>
+          <a:prstGeom prst="straightConnector1">
+            <a:avLst/>
+          </a:prstGeom>
+          <a:ln w="38100">
+            <a:solidFill>
+              <a:srgbClr val="FF0000"/>
+            </a:solidFill>
+            <a:headEnd type="arrow" w="med" len="med"/>
+            <a:tailEnd type="arrow" w="med" len="med"/>
+          </a:ln>
+        </p:spPr>
+        <p:style>
+          <a:lnRef idx="1">
+            <a:schemeClr val="accent1"/>
+          </a:lnRef>
+          <a:fillRef idx="0">
+            <a:schemeClr val="accent1"/>
+          </a:fillRef>
+          <a:effectRef idx="0">
+            <a:schemeClr val="accent1"/>
+          </a:effectRef>
+          <a:fontRef idx="minor">
+            <a:schemeClr val="tx1"/>
+          </a:fontRef>
+        </p:style>
+      </p:cxnSp>
+      <p:cxnSp>
+        <p:nvCxnSpPr>
+          <p:cNvPr id="94" name="Straight Arrow Connector 93">
+            <a:extLst>
+              <a:ext uri="{FF2B5EF4-FFF2-40B4-BE49-F238E27FC236}">
+                <a16:creationId xmlns:a16="http://schemas.microsoft.com/office/drawing/2014/main" id="{70819C56-93F2-48B6-94EA-FBF63BCD6746}"/>
+              </a:ext>
+            </a:extLst>
+          </p:cNvPr>
+          <p:cNvCxnSpPr>
+            <a:cxnSpLocks/>
+            <a:stCxn id="79" idx="2"/>
+            <a:endCxn id="17" idx="0"/>
+          </p:cNvCxnSpPr>
+          <p:nvPr/>
+        </p:nvCxnSpPr>
+        <p:spPr>
+          <a:xfrm flipH="1">
+            <a:off x="5488794" y="6652773"/>
+            <a:ext cx="2217707" cy="444383"/>
+          </a:xfrm>
+          <a:prstGeom prst="straightConnector1">
+            <a:avLst/>
+          </a:prstGeom>
+          <a:ln w="28575">
+            <a:tailEnd type="triangle"/>
+          </a:ln>
+        </p:spPr>
+        <p:style>
+          <a:lnRef idx="1">
+            <a:schemeClr val="accent1"/>
+          </a:lnRef>
+          <a:fillRef idx="0">
+            <a:schemeClr val="accent1"/>
+          </a:fillRef>
+          <a:effectRef idx="0">
+            <a:schemeClr val="accent1"/>
+          </a:effectRef>
+          <a:fontRef idx="minor">
+            <a:schemeClr val="tx1"/>
+          </a:fontRef>
+        </p:style>
+      </p:cxnSp>
+      <p:cxnSp>
+        <p:nvCxnSpPr>
+          <p:cNvPr id="97" name="Straight Arrow Connector 96">
+            <a:extLst>
+              <a:ext uri="{FF2B5EF4-FFF2-40B4-BE49-F238E27FC236}">
+                <a16:creationId xmlns:a16="http://schemas.microsoft.com/office/drawing/2014/main" id="{73E811F8-1844-4C21-AFED-C3078B73B2B6}"/>
+              </a:ext>
+            </a:extLst>
+          </p:cNvPr>
+          <p:cNvCxnSpPr>
+            <a:cxnSpLocks/>
+            <a:stCxn id="44" idx="2"/>
+            <a:endCxn id="74" idx="0"/>
+          </p:cNvCxnSpPr>
+          <p:nvPr/>
+        </p:nvCxnSpPr>
+        <p:spPr>
+          <a:xfrm>
+            <a:off x="5488794" y="776061"/>
+            <a:ext cx="2109442" cy="245249"/>
+          </a:xfrm>
+          <a:prstGeom prst="straightConnector1">
+            <a:avLst/>
+          </a:prstGeom>
+          <a:ln w="28575">
+            <a:tailEnd type="triangle"/>
+          </a:ln>
+        </p:spPr>
+        <p:style>
+          <a:lnRef idx="1">
+            <a:schemeClr val="accent1"/>
+          </a:lnRef>
+          <a:fillRef idx="0">
+            <a:schemeClr val="accent1"/>
+          </a:fillRef>
+          <a:effectRef idx="0">
+            <a:schemeClr val="accent1"/>
+          </a:effectRef>
+          <a:fontRef idx="minor">
+            <a:schemeClr val="tx1"/>
+          </a:fontRef>
+        </p:style>
+      </p:cxnSp>
+    </p:spTree>
+    <p:extLst>
+      <p:ext uri="{BB962C8B-B14F-4D97-AF65-F5344CB8AC3E}">
+        <p14:creationId xmlns:p14="http://schemas.microsoft.com/office/powerpoint/2010/main" val="920302315"/>
       </p:ext>
     </p:extLst>
   </p:cSld>
@@ -25235,7 +27794,7 @@
 
 <file path=customXml/item1.xml><?xml version="1.0" encoding="utf-8"?>
 <Control xmlns="http://schemas.microsoft.com/VisualStudio/2011/storyboarding/control">
-  <Id Name="System.Storyboarding.Common.MouseClick" Revision="1" Stencil="System.Storyboarding.Common" StencilVersion="0.1"/>
+  <Id Name="System.Storyboarding.Icons.Envelope" Revision="1" Stencil="System.Storyboarding.Icons" StencilVersion="0.1"/>
 </Control>
 </file>
 
@@ -25247,12 +27806,12 @@
 
 <file path=customXml/item3.xml><?xml version="1.0" encoding="utf-8"?>
 <Control xmlns="http://schemas.microsoft.com/VisualStudio/2011/storyboarding/control">
-  <Id Name="System.Storyboarding.Icons.Envelope" Revision="1" Stencil="System.Storyboarding.Icons" StencilVersion="0.1"/>
+  <Id Name="System.Storyboarding.Common.MouseClick" Revision="1" Stencil="System.Storyboarding.Common" StencilVersion="0.1"/>
 </Control>
 </file>
 
 <file path=customXml/itemProps1.xml><?xml version="1.0" encoding="utf-8"?>
-<ds:datastoreItem xmlns:ds="http://schemas.openxmlformats.org/officeDocument/2006/customXml" ds:itemID="{CDE74C96-E3A6-41DA-927B-67031D210E8E}">
+<ds:datastoreItem xmlns:ds="http://schemas.openxmlformats.org/officeDocument/2006/customXml" ds:itemID="{E862297A-FDE6-44E5-BFEA-2E2AA22AFB6E}">
   <ds:schemaRefs>
     <ds:schemaRef ds:uri="http://schemas.microsoft.com/VisualStudio/2011/storyboarding/control"/>
   </ds:schemaRefs>
@@ -25268,7 +27827,7 @@
 </file>
 
 <file path=customXml/itemProps3.xml><?xml version="1.0" encoding="utf-8"?>
-<ds:datastoreItem xmlns:ds="http://schemas.openxmlformats.org/officeDocument/2006/customXml" ds:itemID="{E862297A-FDE6-44E5-BFEA-2E2AA22AFB6E}">
+<ds:datastoreItem xmlns:ds="http://schemas.openxmlformats.org/officeDocument/2006/customXml" ds:itemID="{CDE74C96-E3A6-41DA-927B-67031D210E8E}">
   <ds:schemaRefs>
     <ds:schemaRef ds:uri="http://schemas.microsoft.com/VisualStudio/2011/storyboarding/control"/>
   </ds:schemaRefs>

--- a/Slides/figures.pptx
+++ b/Slides/figures.pptx
@@ -17,6 +17,10 @@
     <p:sldId id="265" r:id="rId14"/>
     <p:sldId id="266" r:id="rId15"/>
     <p:sldId id="267" r:id="rId16"/>
+    <p:sldId id="268" r:id="rId17"/>
+    <p:sldId id="269" r:id="rId18"/>
+    <p:sldId id="270" r:id="rId19"/>
+    <p:sldId id="271" r:id="rId20"/>
   </p:sldIdLst>
   <p:sldSz cx="12192000" cy="8961438"/>
   <p:notesSz cx="6858000" cy="9144000"/>
@@ -254,7 +258,7 @@
           <a:p>
             <a:fld id="{61C71226-6BCE-43B6-9B8C-D352B0229DA2}" type="datetimeFigureOut">
               <a:rPr lang="en-US" smtClean="0"/>
-              <a:t>9/10/2020</a:t>
+              <a:t>9/21/2020</a:t>
             </a:fld>
             <a:endParaRPr lang="en-US"/>
           </a:p>
@@ -424,7 +428,7 @@
           <a:p>
             <a:fld id="{61C71226-6BCE-43B6-9B8C-D352B0229DA2}" type="datetimeFigureOut">
               <a:rPr lang="en-US" smtClean="0"/>
-              <a:t>9/10/2020</a:t>
+              <a:t>9/21/2020</a:t>
             </a:fld>
             <a:endParaRPr lang="en-US"/>
           </a:p>
@@ -604,7 +608,7 @@
           <a:p>
             <a:fld id="{61C71226-6BCE-43B6-9B8C-D352B0229DA2}" type="datetimeFigureOut">
               <a:rPr lang="en-US" smtClean="0"/>
-              <a:t>9/10/2020</a:t>
+              <a:t>9/21/2020</a:t>
             </a:fld>
             <a:endParaRPr lang="en-US"/>
           </a:p>
@@ -774,7 +778,7 @@
           <a:p>
             <a:fld id="{61C71226-6BCE-43B6-9B8C-D352B0229DA2}" type="datetimeFigureOut">
               <a:rPr lang="en-US" smtClean="0"/>
-              <a:t>9/10/2020</a:t>
+              <a:t>9/21/2020</a:t>
             </a:fld>
             <a:endParaRPr lang="en-US"/>
           </a:p>
@@ -1018,7 +1022,7 @@
           <a:p>
             <a:fld id="{61C71226-6BCE-43B6-9B8C-D352B0229DA2}" type="datetimeFigureOut">
               <a:rPr lang="en-US" smtClean="0"/>
-              <a:t>9/10/2020</a:t>
+              <a:t>9/21/2020</a:t>
             </a:fld>
             <a:endParaRPr lang="en-US"/>
           </a:p>
@@ -1250,7 +1254,7 @@
           <a:p>
             <a:fld id="{61C71226-6BCE-43B6-9B8C-D352B0229DA2}" type="datetimeFigureOut">
               <a:rPr lang="en-US" smtClean="0"/>
-              <a:t>9/10/2020</a:t>
+              <a:t>9/21/2020</a:t>
             </a:fld>
             <a:endParaRPr lang="en-US"/>
           </a:p>
@@ -1617,7 +1621,7 @@
           <a:p>
             <a:fld id="{61C71226-6BCE-43B6-9B8C-D352B0229DA2}" type="datetimeFigureOut">
               <a:rPr lang="en-US" smtClean="0"/>
-              <a:t>9/10/2020</a:t>
+              <a:t>9/21/2020</a:t>
             </a:fld>
             <a:endParaRPr lang="en-US"/>
           </a:p>
@@ -1735,7 +1739,7 @@
           <a:p>
             <a:fld id="{61C71226-6BCE-43B6-9B8C-D352B0229DA2}" type="datetimeFigureOut">
               <a:rPr lang="en-US" smtClean="0"/>
-              <a:t>9/10/2020</a:t>
+              <a:t>9/21/2020</a:t>
             </a:fld>
             <a:endParaRPr lang="en-US"/>
           </a:p>
@@ -1830,7 +1834,7 @@
           <a:p>
             <a:fld id="{61C71226-6BCE-43B6-9B8C-D352B0229DA2}" type="datetimeFigureOut">
               <a:rPr lang="en-US" smtClean="0"/>
-              <a:t>9/10/2020</a:t>
+              <a:t>9/21/2020</a:t>
             </a:fld>
             <a:endParaRPr lang="en-US"/>
           </a:p>
@@ -2107,7 +2111,7 @@
           <a:p>
             <a:fld id="{61C71226-6BCE-43B6-9B8C-D352B0229DA2}" type="datetimeFigureOut">
               <a:rPr lang="en-US" smtClean="0"/>
-              <a:t>9/10/2020</a:t>
+              <a:t>9/21/2020</a:t>
             </a:fld>
             <a:endParaRPr lang="en-US"/>
           </a:p>
@@ -2364,7 +2368,7 @@
           <a:p>
             <a:fld id="{61C71226-6BCE-43B6-9B8C-D352B0229DA2}" type="datetimeFigureOut">
               <a:rPr lang="en-US" smtClean="0"/>
-              <a:t>9/10/2020</a:t>
+              <a:t>9/21/2020</a:t>
             </a:fld>
             <a:endParaRPr lang="en-US"/>
           </a:p>
@@ -2577,7 +2581,7 @@
           <a:p>
             <a:fld id="{61C71226-6BCE-43B6-9B8C-D352B0229DA2}" type="datetimeFigureOut">
               <a:rPr lang="en-US" smtClean="0"/>
-              <a:t>9/10/2020</a:t>
+              <a:t>9/21/2020</a:t>
             </a:fld>
             <a:endParaRPr lang="en-US"/>
           </a:p>
@@ -4772,7 +4776,7 @@
           <a:graphicData uri="http://schemas.openxmlformats.org/presentationml/2006/ole">
             <mc:AlternateContent xmlns:mc="http://schemas.openxmlformats.org/markup-compatibility/2006">
               <mc:Choice xmlns:v="urn:schemas-microsoft-com:vml" Requires="v">
-                <p:oleObj spid="_x0000_s1037" name="Equation" r:id="rId4" imgW="914400" imgH="198720" progId="Equation.DSMT4">
+                <p:oleObj spid="_x0000_s1045" name="Equation" r:id="rId4" imgW="914400" imgH="198720" progId="Equation.DSMT4">
                   <p:embed/>
                 </p:oleObj>
               </mc:Choice>
@@ -8015,8 +8019,8 @@
           <a:chExt cx="0" cy="0"/>
         </a:xfrm>
       </p:grpSpPr>
-      <mc:AlternateContent xmlns:mc="http://schemas.openxmlformats.org/markup-compatibility/2006">
-        <mc:Choice xmlns:a14="http://schemas.microsoft.com/office/drawing/2010/main" Requires="a14">
+      <mc:AlternateContent xmlns:mc="http://schemas.openxmlformats.org/markup-compatibility/2006" xmlns:a14="http://schemas.microsoft.com/office/drawing/2010/main">
+        <mc:Choice Requires="a14">
           <p:sp>
             <p:nvSpPr>
               <p:cNvPr id="4" name="Rectangle: Rounded Corners 3">
@@ -8114,7 +8118,7 @@
             </p:txBody>
           </p:sp>
         </mc:Choice>
-        <mc:Fallback>
+        <mc:Fallback xmlns="">
           <p:sp>
             <p:nvSpPr>
               <p:cNvPr id="4" name="Rectangle: Rounded Corners 3">
@@ -8244,8 +8248,8 @@
           </a:p>
         </p:txBody>
       </p:sp>
-      <mc:AlternateContent xmlns:mc="http://schemas.openxmlformats.org/markup-compatibility/2006">
-        <mc:Choice xmlns:a14="http://schemas.microsoft.com/office/drawing/2010/main" Requires="a14">
+      <mc:AlternateContent xmlns:mc="http://schemas.openxmlformats.org/markup-compatibility/2006" xmlns:a14="http://schemas.microsoft.com/office/drawing/2010/main">
+        <mc:Choice Requires="a14">
           <p:sp>
             <p:nvSpPr>
               <p:cNvPr id="7" name="Rectangle: Rounded Corners 6">
@@ -8343,7 +8347,7 @@
             </p:txBody>
           </p:sp>
         </mc:Choice>
-        <mc:Fallback>
+        <mc:Fallback xmlns="">
           <p:sp>
             <p:nvSpPr>
               <p:cNvPr id="7" name="Rectangle: Rounded Corners 6">
@@ -8443,8 +8447,8 @@
           </a:p>
         </p:txBody>
       </p:sp>
-      <mc:AlternateContent xmlns:mc="http://schemas.openxmlformats.org/markup-compatibility/2006">
-        <mc:Choice xmlns:a14="http://schemas.microsoft.com/office/drawing/2010/main" Requires="a14">
+      <mc:AlternateContent xmlns:mc="http://schemas.openxmlformats.org/markup-compatibility/2006" xmlns:a14="http://schemas.microsoft.com/office/drawing/2010/main">
+        <mc:Choice Requires="a14">
           <p:sp>
             <p:nvSpPr>
               <p:cNvPr id="9" name="Rectangle: Rounded Corners 8">
@@ -8542,7 +8546,7 @@
             </p:txBody>
           </p:sp>
         </mc:Choice>
-        <mc:Fallback>
+        <mc:Fallback xmlns="">
           <p:sp>
             <p:nvSpPr>
               <p:cNvPr id="9" name="Rectangle: Rounded Corners 8">
@@ -9056,8 +9060,8 @@
           </a:fontRef>
         </p:style>
       </p:cxnSp>
-      <mc:AlternateContent xmlns:mc="http://schemas.openxmlformats.org/markup-compatibility/2006">
-        <mc:Choice xmlns:a14="http://schemas.microsoft.com/office/drawing/2010/main" Requires="a14">
+      <mc:AlternateContent xmlns:mc="http://schemas.openxmlformats.org/markup-compatibility/2006" xmlns:a14="http://schemas.microsoft.com/office/drawing/2010/main">
+        <mc:Choice Requires="a14">
           <p:sp>
             <p:nvSpPr>
               <p:cNvPr id="40" name="TextBox 39">
@@ -9086,6 +9090,7 @@
               </a:bodyPr>
               <a:lstStyle/>
               <a:p>
+                <a:pPr/>
                 <a14:m>
                   <m:oMathPara xmlns:m="http://schemas.openxmlformats.org/officeDocument/2006/math">
                     <m:oMathParaPr>
@@ -9106,7 +9111,7 @@
             </p:txBody>
           </p:sp>
         </mc:Choice>
-        <mc:Fallback>
+        <mc:Fallback xmlns="">
           <p:sp>
             <p:nvSpPr>
               <p:cNvPr id="40" name="TextBox 39">
@@ -9328,8 +9333,8 @@
           </a:fontRef>
         </p:style>
       </p:cxnSp>
-      <mc:AlternateContent xmlns:mc="http://schemas.openxmlformats.org/markup-compatibility/2006">
-        <mc:Choice xmlns:a14="http://schemas.microsoft.com/office/drawing/2010/main" Requires="a14">
+      <mc:AlternateContent xmlns:mc="http://schemas.openxmlformats.org/markup-compatibility/2006" xmlns:a14="http://schemas.microsoft.com/office/drawing/2010/main">
+        <mc:Choice Requires="a14">
           <p:sp>
             <p:nvSpPr>
               <p:cNvPr id="73" name="Rectangle: Rounded Corners 72">
@@ -9427,7 +9432,7 @@
             </p:txBody>
           </p:sp>
         </mc:Choice>
-        <mc:Fallback>
+        <mc:Fallback xmlns="">
           <p:sp>
             <p:nvSpPr>
               <p:cNvPr id="73" name="Rectangle: Rounded Corners 72">
@@ -9557,8 +9562,8 @@
           </a:p>
         </p:txBody>
       </p:sp>
-      <mc:AlternateContent xmlns:mc="http://schemas.openxmlformats.org/markup-compatibility/2006">
-        <mc:Choice xmlns:a14="http://schemas.microsoft.com/office/drawing/2010/main" Requires="a14">
+      <mc:AlternateContent xmlns:mc="http://schemas.openxmlformats.org/markup-compatibility/2006" xmlns:a14="http://schemas.microsoft.com/office/drawing/2010/main">
+        <mc:Choice Requires="a14">
           <p:sp>
             <p:nvSpPr>
               <p:cNvPr id="76" name="Rectangle: Rounded Corners 75">
@@ -9656,7 +9661,7 @@
             </p:txBody>
           </p:sp>
         </mc:Choice>
-        <mc:Fallback>
+        <mc:Fallback xmlns="">
           <p:sp>
             <p:nvSpPr>
               <p:cNvPr id="76" name="Rectangle: Rounded Corners 75">
@@ -9756,8 +9761,8 @@
           </a:p>
         </p:txBody>
       </p:sp>
-      <mc:AlternateContent xmlns:mc="http://schemas.openxmlformats.org/markup-compatibility/2006">
-        <mc:Choice xmlns:a14="http://schemas.microsoft.com/office/drawing/2010/main" Requires="a14">
+      <mc:AlternateContent xmlns:mc="http://schemas.openxmlformats.org/markup-compatibility/2006" xmlns:a14="http://schemas.microsoft.com/office/drawing/2010/main">
+        <mc:Choice Requires="a14">
           <p:sp>
             <p:nvSpPr>
               <p:cNvPr id="78" name="Rectangle: Rounded Corners 77">
@@ -9855,7 +9860,7 @@
             </p:txBody>
           </p:sp>
         </mc:Choice>
-        <mc:Fallback>
+        <mc:Fallback xmlns="">
           <p:sp>
             <p:nvSpPr>
               <p:cNvPr id="78" name="Rectangle: Rounded Corners 77">
@@ -10234,8 +10239,8 @@
           </a:fontRef>
         </p:style>
       </p:cxnSp>
-      <mc:AlternateContent xmlns:mc="http://schemas.openxmlformats.org/markup-compatibility/2006">
-        <mc:Choice xmlns:a14="http://schemas.microsoft.com/office/drawing/2010/main" Requires="a14">
+      <mc:AlternateContent xmlns:mc="http://schemas.openxmlformats.org/markup-compatibility/2006" xmlns:a14="http://schemas.microsoft.com/office/drawing/2010/main">
+        <mc:Choice Requires="a14">
           <p:sp>
             <p:nvSpPr>
               <p:cNvPr id="86" name="TextBox 85">
@@ -10264,6 +10269,7 @@
               </a:bodyPr>
               <a:lstStyle/>
               <a:p>
+                <a:pPr/>
                 <a14:m>
                   <m:oMathPara xmlns:m="http://schemas.openxmlformats.org/officeDocument/2006/math">
                     <m:oMathParaPr>
@@ -10284,7 +10290,7 @@
             </p:txBody>
           </p:sp>
         </mc:Choice>
-        <mc:Fallback>
+        <mc:Fallback xmlns="">
           <p:sp>
             <p:nvSpPr>
               <p:cNvPr id="86" name="TextBox 85">
@@ -10547,6 +10553,6438 @@
     <p:extLst>
       <p:ext uri="{BB962C8B-B14F-4D97-AF65-F5344CB8AC3E}">
         <p14:creationId xmlns:p14="http://schemas.microsoft.com/office/powerpoint/2010/main" val="920302315"/>
+      </p:ext>
+    </p:extLst>
+  </p:cSld>
+  <p:clrMapOvr>
+    <a:masterClrMapping/>
+  </p:clrMapOvr>
+</p:sld>
+</file>
+
+<file path=ppt/slides/slide13.xml><?xml version="1.0" encoding="utf-8"?>
+<p:sld xmlns:a="http://schemas.openxmlformats.org/drawingml/2006/main" xmlns:r="http://schemas.openxmlformats.org/officeDocument/2006/relationships" xmlns:p="http://schemas.openxmlformats.org/presentationml/2006/main">
+  <p:cSld>
+    <p:spTree>
+      <p:nvGrpSpPr>
+        <p:cNvPr id="1" name=""/>
+        <p:cNvGrpSpPr/>
+        <p:nvPr/>
+      </p:nvGrpSpPr>
+      <p:grpSpPr>
+        <a:xfrm>
+          <a:off x="0" y="0"/>
+          <a:ext cx="0" cy="0"/>
+          <a:chOff x="0" y="0"/>
+          <a:chExt cx="0" cy="0"/>
+        </a:xfrm>
+      </p:grpSpPr>
+      <p:sp>
+        <p:nvSpPr>
+          <p:cNvPr id="27" name="Cloud 26">
+            <a:extLst>
+              <a:ext uri="{FF2B5EF4-FFF2-40B4-BE49-F238E27FC236}">
+                <a16:creationId xmlns:a16="http://schemas.microsoft.com/office/drawing/2014/main" id="{E742FA9B-A652-4838-9001-D755EF0C7289}"/>
+              </a:ext>
+            </a:extLst>
+          </p:cNvPr>
+          <p:cNvSpPr/>
+          <p:nvPr/>
+        </p:nvSpPr>
+        <p:spPr>
+          <a:xfrm>
+            <a:off x="1457045" y="1670569"/>
+            <a:ext cx="7338344" cy="1308673"/>
+          </a:xfrm>
+          <a:prstGeom prst="cloud">
+            <a:avLst/>
+          </a:prstGeom>
+          <a:solidFill>
+            <a:schemeClr val="accent1">
+              <a:alpha val="42000"/>
+            </a:schemeClr>
+          </a:solidFill>
+          <a:ln>
+            <a:noFill/>
+          </a:ln>
+        </p:spPr>
+        <p:style>
+          <a:lnRef idx="2">
+            <a:schemeClr val="accent1">
+              <a:shade val="50000"/>
+            </a:schemeClr>
+          </a:lnRef>
+          <a:fillRef idx="1">
+            <a:schemeClr val="accent1"/>
+          </a:fillRef>
+          <a:effectRef idx="0">
+            <a:schemeClr val="accent1"/>
+          </a:effectRef>
+          <a:fontRef idx="minor">
+            <a:schemeClr val="lt1"/>
+          </a:fontRef>
+        </p:style>
+        <p:txBody>
+          <a:bodyPr rtlCol="0" anchor="ctr"/>
+          <a:lstStyle/>
+          <a:p>
+            <a:pPr algn="ctr"/>
+            <a:endParaRPr lang="en-US"/>
+          </a:p>
+        </p:txBody>
+      </p:sp>
+      <p:sp>
+        <p:nvSpPr>
+          <p:cNvPr id="42" name="Rectangle: Rounded Corners 41">
+            <a:extLst>
+              <a:ext uri="{FF2B5EF4-FFF2-40B4-BE49-F238E27FC236}">
+                <a16:creationId xmlns:a16="http://schemas.microsoft.com/office/drawing/2014/main" id="{B1333E43-5483-4EEA-8F34-F690B315EEC2}"/>
+              </a:ext>
+            </a:extLst>
+          </p:cNvPr>
+          <p:cNvSpPr/>
+          <p:nvPr/>
+        </p:nvSpPr>
+        <p:spPr>
+          <a:xfrm>
+            <a:off x="2482926" y="3667007"/>
+            <a:ext cx="1204576" cy="542925"/>
+          </a:xfrm>
+          <a:prstGeom prst="roundRect">
+            <a:avLst/>
+          </a:prstGeom>
+          <a:solidFill>
+            <a:schemeClr val="accent5">
+              <a:lumMod val="20000"/>
+              <a:lumOff val="80000"/>
+            </a:schemeClr>
+          </a:solidFill>
+          <a:ln w="38100"/>
+        </p:spPr>
+        <p:style>
+          <a:lnRef idx="2">
+            <a:schemeClr val="accent1"/>
+          </a:lnRef>
+          <a:fillRef idx="1">
+            <a:schemeClr val="lt1"/>
+          </a:fillRef>
+          <a:effectRef idx="0">
+            <a:schemeClr val="accent1"/>
+          </a:effectRef>
+          <a:fontRef idx="minor">
+            <a:schemeClr val="dk1"/>
+          </a:fontRef>
+        </p:style>
+        <p:txBody>
+          <a:bodyPr rtlCol="0" anchor="ctr"/>
+          <a:lstStyle/>
+          <a:p>
+            <a:pPr algn="ctr"/>
+            <a:r>
+              <a:rPr lang="en-US" sz="2000" dirty="0"/>
+              <a:t>Compute</a:t>
+            </a:r>
+          </a:p>
+        </p:txBody>
+      </p:sp>
+      <p:sp>
+        <p:nvSpPr>
+          <p:cNvPr id="45" name="Rectangle: Rounded Corners 44">
+            <a:extLst>
+              <a:ext uri="{FF2B5EF4-FFF2-40B4-BE49-F238E27FC236}">
+                <a16:creationId xmlns:a16="http://schemas.microsoft.com/office/drawing/2014/main" id="{74C48C5A-C7A7-46F8-8027-9C2B51C7275A}"/>
+              </a:ext>
+            </a:extLst>
+          </p:cNvPr>
+          <p:cNvSpPr/>
+          <p:nvPr/>
+        </p:nvSpPr>
+        <p:spPr>
+          <a:xfrm>
+            <a:off x="4371528" y="3667007"/>
+            <a:ext cx="1204576" cy="542925"/>
+          </a:xfrm>
+          <a:prstGeom prst="roundRect">
+            <a:avLst/>
+          </a:prstGeom>
+          <a:solidFill>
+            <a:schemeClr val="accent5">
+              <a:lumMod val="20000"/>
+              <a:lumOff val="80000"/>
+            </a:schemeClr>
+          </a:solidFill>
+          <a:ln w="38100"/>
+        </p:spPr>
+        <p:style>
+          <a:lnRef idx="2">
+            <a:schemeClr val="accent1"/>
+          </a:lnRef>
+          <a:fillRef idx="1">
+            <a:schemeClr val="lt1"/>
+          </a:fillRef>
+          <a:effectRef idx="0">
+            <a:schemeClr val="accent1"/>
+          </a:effectRef>
+          <a:fontRef idx="minor">
+            <a:schemeClr val="dk1"/>
+          </a:fontRef>
+        </p:style>
+        <p:txBody>
+          <a:bodyPr rtlCol="0" anchor="ctr"/>
+          <a:lstStyle/>
+          <a:p>
+            <a:pPr algn="ctr"/>
+            <a:r>
+              <a:rPr lang="en-US" sz="2000" dirty="0"/>
+              <a:t>Compute</a:t>
+            </a:r>
+          </a:p>
+        </p:txBody>
+      </p:sp>
+      <p:sp>
+        <p:nvSpPr>
+          <p:cNvPr id="47" name="Rectangle: Rounded Corners 46">
+            <a:extLst>
+              <a:ext uri="{FF2B5EF4-FFF2-40B4-BE49-F238E27FC236}">
+                <a16:creationId xmlns:a16="http://schemas.microsoft.com/office/drawing/2014/main" id="{08A430C5-9369-4C85-A01E-79BCD721F73E}"/>
+              </a:ext>
+            </a:extLst>
+          </p:cNvPr>
+          <p:cNvSpPr/>
+          <p:nvPr/>
+        </p:nvSpPr>
+        <p:spPr>
+          <a:xfrm>
+            <a:off x="6260130" y="3667006"/>
+            <a:ext cx="1204576" cy="542925"/>
+          </a:xfrm>
+          <a:prstGeom prst="roundRect">
+            <a:avLst/>
+          </a:prstGeom>
+          <a:solidFill>
+            <a:schemeClr val="accent5">
+              <a:lumMod val="20000"/>
+              <a:lumOff val="80000"/>
+            </a:schemeClr>
+          </a:solidFill>
+          <a:ln w="38100"/>
+        </p:spPr>
+        <p:style>
+          <a:lnRef idx="2">
+            <a:schemeClr val="accent1"/>
+          </a:lnRef>
+          <a:fillRef idx="1">
+            <a:schemeClr val="lt1"/>
+          </a:fillRef>
+          <a:effectRef idx="0">
+            <a:schemeClr val="accent1"/>
+          </a:effectRef>
+          <a:fontRef idx="minor">
+            <a:schemeClr val="dk1"/>
+          </a:fontRef>
+        </p:style>
+        <p:txBody>
+          <a:bodyPr rtlCol="0" anchor="ctr"/>
+          <a:lstStyle/>
+          <a:p>
+            <a:pPr algn="ctr"/>
+            <a:r>
+              <a:rPr lang="en-US" sz="2000" dirty="0"/>
+              <a:t>Compute</a:t>
+            </a:r>
+          </a:p>
+        </p:txBody>
+      </p:sp>
+      <p:sp>
+        <p:nvSpPr>
+          <p:cNvPr id="48" name="Rectangle: Rounded Corners 47">
+            <a:extLst>
+              <a:ext uri="{FF2B5EF4-FFF2-40B4-BE49-F238E27FC236}">
+                <a16:creationId xmlns:a16="http://schemas.microsoft.com/office/drawing/2014/main" id="{EACA2DCC-28CC-4D4C-B094-B016A57540DF}"/>
+              </a:ext>
+            </a:extLst>
+          </p:cNvPr>
+          <p:cNvSpPr/>
+          <p:nvPr/>
+        </p:nvSpPr>
+        <p:spPr>
+          <a:xfrm>
+            <a:off x="2482926" y="2032856"/>
+            <a:ext cx="1449573" cy="542925"/>
+          </a:xfrm>
+          <a:prstGeom prst="roundRect">
+            <a:avLst/>
+          </a:prstGeom>
+          <a:solidFill>
+            <a:srgbClr val="92D050"/>
+          </a:solidFill>
+          <a:ln w="38100"/>
+        </p:spPr>
+        <p:style>
+          <a:lnRef idx="2">
+            <a:schemeClr val="accent1"/>
+          </a:lnRef>
+          <a:fillRef idx="1">
+            <a:schemeClr val="lt1"/>
+          </a:fillRef>
+          <a:effectRef idx="0">
+            <a:schemeClr val="accent1"/>
+          </a:effectRef>
+          <a:fontRef idx="minor">
+            <a:schemeClr val="dk1"/>
+          </a:fontRef>
+        </p:style>
+        <p:txBody>
+          <a:bodyPr rtlCol="0" anchor="ctr"/>
+          <a:lstStyle/>
+          <a:p>
+            <a:pPr algn="ctr"/>
+            <a:r>
+              <a:rPr lang="en-US" sz="2000" dirty="0"/>
+              <a:t>Parameter Server</a:t>
+            </a:r>
+          </a:p>
+        </p:txBody>
+      </p:sp>
+      <p:sp>
+        <p:nvSpPr>
+          <p:cNvPr id="49" name="Rectangle: Rounded Corners 48">
+            <a:extLst>
+              <a:ext uri="{FF2B5EF4-FFF2-40B4-BE49-F238E27FC236}">
+                <a16:creationId xmlns:a16="http://schemas.microsoft.com/office/drawing/2014/main" id="{33FDE38D-78C7-430F-A3BF-7B38535BAD32}"/>
+              </a:ext>
+            </a:extLst>
+          </p:cNvPr>
+          <p:cNvSpPr/>
+          <p:nvPr/>
+        </p:nvSpPr>
+        <p:spPr>
+          <a:xfrm>
+            <a:off x="2482926" y="4874258"/>
+            <a:ext cx="1204576" cy="542925"/>
+          </a:xfrm>
+          <a:prstGeom prst="roundRect">
+            <a:avLst/>
+          </a:prstGeom>
+          <a:solidFill>
+            <a:schemeClr val="accent4">
+              <a:lumMod val="40000"/>
+              <a:lumOff val="60000"/>
+            </a:schemeClr>
+          </a:solidFill>
+          <a:ln w="38100"/>
+        </p:spPr>
+        <p:style>
+          <a:lnRef idx="2">
+            <a:schemeClr val="accent1"/>
+          </a:lnRef>
+          <a:fillRef idx="1">
+            <a:schemeClr val="lt1"/>
+          </a:fillRef>
+          <a:effectRef idx="0">
+            <a:schemeClr val="accent1"/>
+          </a:effectRef>
+          <a:fontRef idx="minor">
+            <a:schemeClr val="dk1"/>
+          </a:fontRef>
+        </p:style>
+        <p:txBody>
+          <a:bodyPr rtlCol="0" anchor="ctr"/>
+          <a:lstStyle/>
+          <a:p>
+            <a:pPr algn="ctr"/>
+            <a:r>
+              <a:rPr lang="en-US" sz="2000" dirty="0"/>
+              <a:t>Loss</a:t>
+            </a:r>
+          </a:p>
+        </p:txBody>
+      </p:sp>
+      <p:sp>
+        <p:nvSpPr>
+          <p:cNvPr id="50" name="Rectangle: Rounded Corners 49">
+            <a:extLst>
+              <a:ext uri="{FF2B5EF4-FFF2-40B4-BE49-F238E27FC236}">
+                <a16:creationId xmlns:a16="http://schemas.microsoft.com/office/drawing/2014/main" id="{3C67B3F5-ADE1-44D3-BA70-555D6EFE27D1}"/>
+              </a:ext>
+            </a:extLst>
+          </p:cNvPr>
+          <p:cNvSpPr/>
+          <p:nvPr/>
+        </p:nvSpPr>
+        <p:spPr>
+          <a:xfrm>
+            <a:off x="4371528" y="4874257"/>
+            <a:ext cx="1204576" cy="542925"/>
+          </a:xfrm>
+          <a:prstGeom prst="roundRect">
+            <a:avLst/>
+          </a:prstGeom>
+          <a:solidFill>
+            <a:schemeClr val="accent4">
+              <a:lumMod val="40000"/>
+              <a:lumOff val="60000"/>
+            </a:schemeClr>
+          </a:solidFill>
+          <a:ln w="38100"/>
+        </p:spPr>
+        <p:style>
+          <a:lnRef idx="2">
+            <a:schemeClr val="accent1"/>
+          </a:lnRef>
+          <a:fillRef idx="1">
+            <a:schemeClr val="lt1"/>
+          </a:fillRef>
+          <a:effectRef idx="0">
+            <a:schemeClr val="accent1"/>
+          </a:effectRef>
+          <a:fontRef idx="minor">
+            <a:schemeClr val="dk1"/>
+          </a:fontRef>
+        </p:style>
+        <p:txBody>
+          <a:bodyPr rtlCol="0" anchor="ctr"/>
+          <a:lstStyle/>
+          <a:p>
+            <a:pPr algn="ctr"/>
+            <a:r>
+              <a:rPr lang="en-US" sz="2000" dirty="0"/>
+              <a:t>Loss</a:t>
+            </a:r>
+          </a:p>
+        </p:txBody>
+      </p:sp>
+      <p:sp>
+        <p:nvSpPr>
+          <p:cNvPr id="51" name="Rectangle: Rounded Corners 50">
+            <a:extLst>
+              <a:ext uri="{FF2B5EF4-FFF2-40B4-BE49-F238E27FC236}">
+                <a16:creationId xmlns:a16="http://schemas.microsoft.com/office/drawing/2014/main" id="{AE37D60E-ECBF-4843-9F21-4529AA84E6F4}"/>
+              </a:ext>
+            </a:extLst>
+          </p:cNvPr>
+          <p:cNvSpPr/>
+          <p:nvPr/>
+        </p:nvSpPr>
+        <p:spPr>
+          <a:xfrm>
+            <a:off x="6260130" y="4874256"/>
+            <a:ext cx="1204576" cy="542925"/>
+          </a:xfrm>
+          <a:prstGeom prst="roundRect">
+            <a:avLst/>
+          </a:prstGeom>
+          <a:solidFill>
+            <a:schemeClr val="accent4">
+              <a:lumMod val="40000"/>
+              <a:lumOff val="60000"/>
+            </a:schemeClr>
+          </a:solidFill>
+          <a:ln w="38100"/>
+        </p:spPr>
+        <p:style>
+          <a:lnRef idx="2">
+            <a:schemeClr val="accent1"/>
+          </a:lnRef>
+          <a:fillRef idx="1">
+            <a:schemeClr val="lt1"/>
+          </a:fillRef>
+          <a:effectRef idx="0">
+            <a:schemeClr val="accent1"/>
+          </a:effectRef>
+          <a:fontRef idx="minor">
+            <a:schemeClr val="dk1"/>
+          </a:fontRef>
+        </p:style>
+        <p:txBody>
+          <a:bodyPr rtlCol="0" anchor="ctr"/>
+          <a:lstStyle/>
+          <a:p>
+            <a:pPr algn="ctr"/>
+            <a:r>
+              <a:rPr lang="en-US" sz="2000" dirty="0"/>
+              <a:t>Loss</a:t>
+            </a:r>
+          </a:p>
+        </p:txBody>
+      </p:sp>
+      <p:cxnSp>
+        <p:nvCxnSpPr>
+          <p:cNvPr id="3" name="Straight Arrow Connector 2">
+            <a:extLst>
+              <a:ext uri="{FF2B5EF4-FFF2-40B4-BE49-F238E27FC236}">
+                <a16:creationId xmlns:a16="http://schemas.microsoft.com/office/drawing/2014/main" id="{05A1693A-AEAC-4051-82F2-D8F0E5BBCBD8}"/>
+              </a:ext>
+            </a:extLst>
+          </p:cNvPr>
+          <p:cNvCxnSpPr>
+            <a:cxnSpLocks/>
+          </p:cNvCxnSpPr>
+          <p:nvPr/>
+        </p:nvCxnSpPr>
+        <p:spPr>
+          <a:xfrm flipV="1">
+            <a:off x="2921085" y="3070714"/>
+            <a:ext cx="766417" cy="462986"/>
+          </a:xfrm>
+          <a:prstGeom prst="straightConnector1">
+            <a:avLst/>
+          </a:prstGeom>
+          <a:ln w="38100">
+            <a:solidFill>
+              <a:srgbClr val="FF0000"/>
+            </a:solidFill>
+            <a:headEnd type="none" w="med" len="med"/>
+            <a:tailEnd type="arrow" w="med" len="med"/>
+          </a:ln>
+        </p:spPr>
+        <p:style>
+          <a:lnRef idx="1">
+            <a:schemeClr val="accent1"/>
+          </a:lnRef>
+          <a:fillRef idx="0">
+            <a:schemeClr val="accent1"/>
+          </a:fillRef>
+          <a:effectRef idx="0">
+            <a:schemeClr val="accent1"/>
+          </a:effectRef>
+          <a:fontRef idx="minor">
+            <a:schemeClr val="tx1"/>
+          </a:fontRef>
+        </p:style>
+      </p:cxnSp>
+      <p:cxnSp>
+        <p:nvCxnSpPr>
+          <p:cNvPr id="52" name="Straight Arrow Connector 51">
+            <a:extLst>
+              <a:ext uri="{FF2B5EF4-FFF2-40B4-BE49-F238E27FC236}">
+                <a16:creationId xmlns:a16="http://schemas.microsoft.com/office/drawing/2014/main" id="{27497D2F-2AB4-4E2B-825D-2ACCAE6B3055}"/>
+              </a:ext>
+            </a:extLst>
+          </p:cNvPr>
+          <p:cNvCxnSpPr>
+            <a:cxnSpLocks/>
+          </p:cNvCxnSpPr>
+          <p:nvPr/>
+        </p:nvCxnSpPr>
+        <p:spPr>
+          <a:xfrm flipV="1">
+            <a:off x="4831623" y="3102597"/>
+            <a:ext cx="0" cy="441055"/>
+          </a:xfrm>
+          <a:prstGeom prst="straightConnector1">
+            <a:avLst/>
+          </a:prstGeom>
+          <a:ln w="38100">
+            <a:headEnd type="arrow" w="med" len="med"/>
+            <a:tailEnd type="none" w="med" len="med"/>
+          </a:ln>
+        </p:spPr>
+        <p:style>
+          <a:lnRef idx="1">
+            <a:schemeClr val="accent1"/>
+          </a:lnRef>
+          <a:fillRef idx="0">
+            <a:schemeClr val="accent1"/>
+          </a:fillRef>
+          <a:effectRef idx="0">
+            <a:schemeClr val="accent1"/>
+          </a:effectRef>
+          <a:fontRef idx="minor">
+            <a:schemeClr val="tx1"/>
+          </a:fontRef>
+        </p:style>
+      </p:cxnSp>
+      <p:cxnSp>
+        <p:nvCxnSpPr>
+          <p:cNvPr id="58" name="Straight Arrow Connector 57">
+            <a:extLst>
+              <a:ext uri="{FF2B5EF4-FFF2-40B4-BE49-F238E27FC236}">
+                <a16:creationId xmlns:a16="http://schemas.microsoft.com/office/drawing/2014/main" id="{FFB11EAB-FC4A-4066-B08B-F527209C4EB5}"/>
+              </a:ext>
+            </a:extLst>
+          </p:cNvPr>
+          <p:cNvCxnSpPr>
+            <a:cxnSpLocks/>
+          </p:cNvCxnSpPr>
+          <p:nvPr/>
+        </p:nvCxnSpPr>
+        <p:spPr>
+          <a:xfrm flipV="1">
+            <a:off x="2900019" y="4317453"/>
+            <a:ext cx="0" cy="441055"/>
+          </a:xfrm>
+          <a:prstGeom prst="straightConnector1">
+            <a:avLst/>
+          </a:prstGeom>
+          <a:ln w="38100">
+            <a:headEnd type="arrow" w="med" len="med"/>
+            <a:tailEnd type="none" w="med" len="med"/>
+          </a:ln>
+        </p:spPr>
+        <p:style>
+          <a:lnRef idx="1">
+            <a:schemeClr val="accent1"/>
+          </a:lnRef>
+          <a:fillRef idx="0">
+            <a:schemeClr val="accent1"/>
+          </a:fillRef>
+          <a:effectRef idx="0">
+            <a:schemeClr val="accent1"/>
+          </a:effectRef>
+          <a:fontRef idx="minor">
+            <a:schemeClr val="tx1"/>
+          </a:fontRef>
+        </p:style>
+      </p:cxnSp>
+      <p:cxnSp>
+        <p:nvCxnSpPr>
+          <p:cNvPr id="63" name="Straight Arrow Connector 62">
+            <a:extLst>
+              <a:ext uri="{FF2B5EF4-FFF2-40B4-BE49-F238E27FC236}">
+                <a16:creationId xmlns:a16="http://schemas.microsoft.com/office/drawing/2014/main" id="{1CEC0287-359E-4843-99C6-31D3AB7CF027}"/>
+              </a:ext>
+            </a:extLst>
+          </p:cNvPr>
+          <p:cNvCxnSpPr>
+            <a:cxnSpLocks/>
+          </p:cNvCxnSpPr>
+          <p:nvPr/>
+        </p:nvCxnSpPr>
+        <p:spPr>
+          <a:xfrm flipV="1">
+            <a:off x="3214465" y="4317453"/>
+            <a:ext cx="0" cy="441055"/>
+          </a:xfrm>
+          <a:prstGeom prst="straightConnector1">
+            <a:avLst/>
+          </a:prstGeom>
+          <a:ln w="38100">
+            <a:solidFill>
+              <a:srgbClr val="FF0000"/>
+            </a:solidFill>
+            <a:headEnd type="none" w="med" len="med"/>
+            <a:tailEnd type="arrow" w="med" len="med"/>
+          </a:ln>
+        </p:spPr>
+        <p:style>
+          <a:lnRef idx="1">
+            <a:schemeClr val="accent1"/>
+          </a:lnRef>
+          <a:fillRef idx="0">
+            <a:schemeClr val="accent1"/>
+          </a:fillRef>
+          <a:effectRef idx="0">
+            <a:schemeClr val="accent1"/>
+          </a:effectRef>
+          <a:fontRef idx="minor">
+            <a:schemeClr val="tx1"/>
+          </a:fontRef>
+        </p:style>
+      </p:cxnSp>
+      <p:cxnSp>
+        <p:nvCxnSpPr>
+          <p:cNvPr id="64" name="Straight Arrow Connector 63">
+            <a:extLst>
+              <a:ext uri="{FF2B5EF4-FFF2-40B4-BE49-F238E27FC236}">
+                <a16:creationId xmlns:a16="http://schemas.microsoft.com/office/drawing/2014/main" id="{FCDA75A2-7E6A-475E-9C73-E21545CAFB78}"/>
+              </a:ext>
+            </a:extLst>
+          </p:cNvPr>
+          <p:cNvCxnSpPr>
+            <a:cxnSpLocks/>
+          </p:cNvCxnSpPr>
+          <p:nvPr/>
+        </p:nvCxnSpPr>
+        <p:spPr>
+          <a:xfrm flipV="1">
+            <a:off x="4811771" y="4343237"/>
+            <a:ext cx="0" cy="441055"/>
+          </a:xfrm>
+          <a:prstGeom prst="straightConnector1">
+            <a:avLst/>
+          </a:prstGeom>
+          <a:ln w="38100">
+            <a:headEnd type="arrow" w="med" len="med"/>
+            <a:tailEnd type="none" w="med" len="med"/>
+          </a:ln>
+        </p:spPr>
+        <p:style>
+          <a:lnRef idx="1">
+            <a:schemeClr val="accent1"/>
+          </a:lnRef>
+          <a:fillRef idx="0">
+            <a:schemeClr val="accent1"/>
+          </a:fillRef>
+          <a:effectRef idx="0">
+            <a:schemeClr val="accent1"/>
+          </a:effectRef>
+          <a:fontRef idx="minor">
+            <a:schemeClr val="tx1"/>
+          </a:fontRef>
+        </p:style>
+      </p:cxnSp>
+      <p:cxnSp>
+        <p:nvCxnSpPr>
+          <p:cNvPr id="65" name="Straight Arrow Connector 64">
+            <a:extLst>
+              <a:ext uri="{FF2B5EF4-FFF2-40B4-BE49-F238E27FC236}">
+                <a16:creationId xmlns:a16="http://schemas.microsoft.com/office/drawing/2014/main" id="{4E56BC7E-C09A-48A1-99E9-DAEC06DD23C6}"/>
+              </a:ext>
+            </a:extLst>
+          </p:cNvPr>
+          <p:cNvCxnSpPr>
+            <a:cxnSpLocks/>
+          </p:cNvCxnSpPr>
+          <p:nvPr/>
+        </p:nvCxnSpPr>
+        <p:spPr>
+          <a:xfrm flipV="1">
+            <a:off x="5126217" y="4343237"/>
+            <a:ext cx="0" cy="441055"/>
+          </a:xfrm>
+          <a:prstGeom prst="straightConnector1">
+            <a:avLst/>
+          </a:prstGeom>
+          <a:ln w="38100">
+            <a:solidFill>
+              <a:srgbClr val="FF0000"/>
+            </a:solidFill>
+            <a:headEnd type="none" w="med" len="med"/>
+            <a:tailEnd type="arrow" w="med" len="med"/>
+          </a:ln>
+        </p:spPr>
+        <p:style>
+          <a:lnRef idx="1">
+            <a:schemeClr val="accent1"/>
+          </a:lnRef>
+          <a:fillRef idx="0">
+            <a:schemeClr val="accent1"/>
+          </a:fillRef>
+          <a:effectRef idx="0">
+            <a:schemeClr val="accent1"/>
+          </a:effectRef>
+          <a:fontRef idx="minor">
+            <a:schemeClr val="tx1"/>
+          </a:fontRef>
+        </p:style>
+      </p:cxnSp>
+      <p:cxnSp>
+        <p:nvCxnSpPr>
+          <p:cNvPr id="66" name="Straight Arrow Connector 65">
+            <a:extLst>
+              <a:ext uri="{FF2B5EF4-FFF2-40B4-BE49-F238E27FC236}">
+                <a16:creationId xmlns:a16="http://schemas.microsoft.com/office/drawing/2014/main" id="{933C9781-CAC6-4490-A966-DC843083803F}"/>
+              </a:ext>
+            </a:extLst>
+          </p:cNvPr>
+          <p:cNvCxnSpPr>
+            <a:cxnSpLocks/>
+          </p:cNvCxnSpPr>
+          <p:nvPr/>
+        </p:nvCxnSpPr>
+        <p:spPr>
+          <a:xfrm flipV="1">
+            <a:off x="6733168" y="4343237"/>
+            <a:ext cx="0" cy="441055"/>
+          </a:xfrm>
+          <a:prstGeom prst="straightConnector1">
+            <a:avLst/>
+          </a:prstGeom>
+          <a:ln w="38100">
+            <a:headEnd type="arrow" w="med" len="med"/>
+            <a:tailEnd type="none" w="med" len="med"/>
+          </a:ln>
+        </p:spPr>
+        <p:style>
+          <a:lnRef idx="1">
+            <a:schemeClr val="accent1"/>
+          </a:lnRef>
+          <a:fillRef idx="0">
+            <a:schemeClr val="accent1"/>
+          </a:fillRef>
+          <a:effectRef idx="0">
+            <a:schemeClr val="accent1"/>
+          </a:effectRef>
+          <a:fontRef idx="minor">
+            <a:schemeClr val="tx1"/>
+          </a:fontRef>
+        </p:style>
+      </p:cxnSp>
+      <p:cxnSp>
+        <p:nvCxnSpPr>
+          <p:cNvPr id="67" name="Straight Arrow Connector 66">
+            <a:extLst>
+              <a:ext uri="{FF2B5EF4-FFF2-40B4-BE49-F238E27FC236}">
+                <a16:creationId xmlns:a16="http://schemas.microsoft.com/office/drawing/2014/main" id="{46B2B13C-7088-44FA-8BCE-21BAEC147023}"/>
+              </a:ext>
+            </a:extLst>
+          </p:cNvPr>
+          <p:cNvCxnSpPr>
+            <a:cxnSpLocks/>
+          </p:cNvCxnSpPr>
+          <p:nvPr/>
+        </p:nvCxnSpPr>
+        <p:spPr>
+          <a:xfrm flipV="1">
+            <a:off x="7047614" y="4343237"/>
+            <a:ext cx="0" cy="441055"/>
+          </a:xfrm>
+          <a:prstGeom prst="straightConnector1">
+            <a:avLst/>
+          </a:prstGeom>
+          <a:ln w="38100">
+            <a:solidFill>
+              <a:srgbClr val="FF0000"/>
+            </a:solidFill>
+            <a:headEnd type="none" w="med" len="med"/>
+            <a:tailEnd type="arrow" w="med" len="med"/>
+          </a:ln>
+        </p:spPr>
+        <p:style>
+          <a:lnRef idx="1">
+            <a:schemeClr val="accent1"/>
+          </a:lnRef>
+          <a:fillRef idx="0">
+            <a:schemeClr val="accent1"/>
+          </a:fillRef>
+          <a:effectRef idx="0">
+            <a:schemeClr val="accent1"/>
+          </a:effectRef>
+          <a:fontRef idx="minor">
+            <a:schemeClr val="tx1"/>
+          </a:fontRef>
+        </p:style>
+      </p:cxnSp>
+      <p:cxnSp>
+        <p:nvCxnSpPr>
+          <p:cNvPr id="68" name="Straight Arrow Connector 67">
+            <a:extLst>
+              <a:ext uri="{FF2B5EF4-FFF2-40B4-BE49-F238E27FC236}">
+                <a16:creationId xmlns:a16="http://schemas.microsoft.com/office/drawing/2014/main" id="{1A269353-7123-4D6B-ACC3-C1D674397E5A}"/>
+              </a:ext>
+            </a:extLst>
+          </p:cNvPr>
+          <p:cNvCxnSpPr>
+            <a:cxnSpLocks/>
+          </p:cNvCxnSpPr>
+          <p:nvPr/>
+        </p:nvCxnSpPr>
+        <p:spPr>
+          <a:xfrm flipV="1">
+            <a:off x="3247741" y="3078738"/>
+            <a:ext cx="766417" cy="462986"/>
+          </a:xfrm>
+          <a:prstGeom prst="straightConnector1">
+            <a:avLst/>
+          </a:prstGeom>
+          <a:ln w="38100">
+            <a:headEnd type="arrow" w="med" len="med"/>
+            <a:tailEnd type="none" w="med" len="med"/>
+          </a:ln>
+        </p:spPr>
+        <p:style>
+          <a:lnRef idx="1">
+            <a:schemeClr val="accent1"/>
+          </a:lnRef>
+          <a:fillRef idx="0">
+            <a:schemeClr val="accent1"/>
+          </a:fillRef>
+          <a:effectRef idx="0">
+            <a:schemeClr val="accent1"/>
+          </a:effectRef>
+          <a:fontRef idx="minor">
+            <a:schemeClr val="tx1"/>
+          </a:fontRef>
+        </p:style>
+      </p:cxnSp>
+      <p:cxnSp>
+        <p:nvCxnSpPr>
+          <p:cNvPr id="69" name="Straight Arrow Connector 68">
+            <a:extLst>
+              <a:ext uri="{FF2B5EF4-FFF2-40B4-BE49-F238E27FC236}">
+                <a16:creationId xmlns:a16="http://schemas.microsoft.com/office/drawing/2014/main" id="{59D7DD2E-45D7-4E20-8FDB-EA043DE7732D}"/>
+              </a:ext>
+            </a:extLst>
+          </p:cNvPr>
+          <p:cNvCxnSpPr>
+            <a:cxnSpLocks/>
+          </p:cNvCxnSpPr>
+          <p:nvPr/>
+        </p:nvCxnSpPr>
+        <p:spPr>
+          <a:xfrm flipH="1" flipV="1">
+            <a:off x="6206628" y="3024713"/>
+            <a:ext cx="840986" cy="508987"/>
+          </a:xfrm>
+          <a:prstGeom prst="straightConnector1">
+            <a:avLst/>
+          </a:prstGeom>
+          <a:ln w="38100">
+            <a:solidFill>
+              <a:srgbClr val="FF0000"/>
+            </a:solidFill>
+            <a:headEnd type="none" w="med" len="med"/>
+            <a:tailEnd type="arrow" w="med" len="med"/>
+          </a:ln>
+        </p:spPr>
+        <p:style>
+          <a:lnRef idx="1">
+            <a:schemeClr val="accent1"/>
+          </a:lnRef>
+          <a:fillRef idx="0">
+            <a:schemeClr val="accent1"/>
+          </a:fillRef>
+          <a:effectRef idx="0">
+            <a:schemeClr val="accent1"/>
+          </a:effectRef>
+          <a:fontRef idx="minor">
+            <a:schemeClr val="tx1"/>
+          </a:fontRef>
+        </p:style>
+      </p:cxnSp>
+      <p:cxnSp>
+        <p:nvCxnSpPr>
+          <p:cNvPr id="70" name="Straight Arrow Connector 69">
+            <a:extLst>
+              <a:ext uri="{FF2B5EF4-FFF2-40B4-BE49-F238E27FC236}">
+                <a16:creationId xmlns:a16="http://schemas.microsoft.com/office/drawing/2014/main" id="{8E0D6C88-63F0-4E3C-929F-90E60E91323E}"/>
+              </a:ext>
+            </a:extLst>
+          </p:cNvPr>
+          <p:cNvCxnSpPr>
+            <a:cxnSpLocks/>
+          </p:cNvCxnSpPr>
+          <p:nvPr/>
+        </p:nvCxnSpPr>
+        <p:spPr>
+          <a:xfrm flipH="1" flipV="1">
+            <a:off x="5992120" y="3102597"/>
+            <a:ext cx="741048" cy="431103"/>
+          </a:xfrm>
+          <a:prstGeom prst="straightConnector1">
+            <a:avLst/>
+          </a:prstGeom>
+          <a:ln w="38100">
+            <a:headEnd type="arrow" w="med" len="med"/>
+            <a:tailEnd type="none" w="med" len="med"/>
+          </a:ln>
+        </p:spPr>
+        <p:style>
+          <a:lnRef idx="1">
+            <a:schemeClr val="accent1"/>
+          </a:lnRef>
+          <a:fillRef idx="0">
+            <a:schemeClr val="accent1"/>
+          </a:fillRef>
+          <a:effectRef idx="0">
+            <a:schemeClr val="accent1"/>
+          </a:effectRef>
+          <a:fontRef idx="minor">
+            <a:schemeClr val="tx1"/>
+          </a:fontRef>
+        </p:style>
+      </p:cxnSp>
+      <p:cxnSp>
+        <p:nvCxnSpPr>
+          <p:cNvPr id="88" name="Straight Arrow Connector 87">
+            <a:extLst>
+              <a:ext uri="{FF2B5EF4-FFF2-40B4-BE49-F238E27FC236}">
+                <a16:creationId xmlns:a16="http://schemas.microsoft.com/office/drawing/2014/main" id="{370B1A7B-749C-4557-83A9-2687E3EB70C9}"/>
+              </a:ext>
+            </a:extLst>
+          </p:cNvPr>
+          <p:cNvCxnSpPr>
+            <a:cxnSpLocks/>
+          </p:cNvCxnSpPr>
+          <p:nvPr/>
+        </p:nvCxnSpPr>
+        <p:spPr>
+          <a:xfrm flipV="1">
+            <a:off x="5056767" y="3092645"/>
+            <a:ext cx="0" cy="441055"/>
+          </a:xfrm>
+          <a:prstGeom prst="straightConnector1">
+            <a:avLst/>
+          </a:prstGeom>
+          <a:ln w="38100">
+            <a:solidFill>
+              <a:srgbClr val="FF0000"/>
+            </a:solidFill>
+            <a:headEnd type="none" w="med" len="med"/>
+            <a:tailEnd type="arrow" w="med" len="med"/>
+          </a:ln>
+        </p:spPr>
+        <p:style>
+          <a:lnRef idx="1">
+            <a:schemeClr val="accent1"/>
+          </a:lnRef>
+          <a:fillRef idx="0">
+            <a:schemeClr val="accent1"/>
+          </a:fillRef>
+          <a:effectRef idx="0">
+            <a:schemeClr val="accent1"/>
+          </a:effectRef>
+          <a:fontRef idx="minor">
+            <a:schemeClr val="tx1"/>
+          </a:fontRef>
+        </p:style>
+      </p:cxnSp>
+      <p:sp>
+        <p:nvSpPr>
+          <p:cNvPr id="91" name="Rectangle: Rounded Corners 90">
+            <a:extLst>
+              <a:ext uri="{FF2B5EF4-FFF2-40B4-BE49-F238E27FC236}">
+                <a16:creationId xmlns:a16="http://schemas.microsoft.com/office/drawing/2014/main" id="{779DFF74-0E67-42CC-B4EB-57BF73F6FEF6}"/>
+              </a:ext>
+            </a:extLst>
+          </p:cNvPr>
+          <p:cNvSpPr/>
+          <p:nvPr/>
+        </p:nvSpPr>
+        <p:spPr>
+          <a:xfrm>
+            <a:off x="4331980" y="2032855"/>
+            <a:ext cx="1449573" cy="542925"/>
+          </a:xfrm>
+          <a:prstGeom prst="roundRect">
+            <a:avLst/>
+          </a:prstGeom>
+          <a:solidFill>
+            <a:srgbClr val="92D050"/>
+          </a:solidFill>
+          <a:ln w="38100"/>
+        </p:spPr>
+        <p:style>
+          <a:lnRef idx="2">
+            <a:schemeClr val="accent1"/>
+          </a:lnRef>
+          <a:fillRef idx="1">
+            <a:schemeClr val="lt1"/>
+          </a:fillRef>
+          <a:effectRef idx="0">
+            <a:schemeClr val="accent1"/>
+          </a:effectRef>
+          <a:fontRef idx="minor">
+            <a:schemeClr val="dk1"/>
+          </a:fontRef>
+        </p:style>
+        <p:txBody>
+          <a:bodyPr rtlCol="0" anchor="ctr"/>
+          <a:lstStyle/>
+          <a:p>
+            <a:pPr algn="ctr"/>
+            <a:r>
+              <a:rPr lang="en-US" sz="2000" dirty="0"/>
+              <a:t>Parameter Server</a:t>
+            </a:r>
+          </a:p>
+        </p:txBody>
+      </p:sp>
+      <p:sp>
+        <p:nvSpPr>
+          <p:cNvPr id="92" name="Rectangle: Rounded Corners 91">
+            <a:extLst>
+              <a:ext uri="{FF2B5EF4-FFF2-40B4-BE49-F238E27FC236}">
+                <a16:creationId xmlns:a16="http://schemas.microsoft.com/office/drawing/2014/main" id="{FC515BC3-6975-44C7-BADC-D4D69081051C}"/>
+              </a:ext>
+            </a:extLst>
+          </p:cNvPr>
+          <p:cNvSpPr/>
+          <p:nvPr/>
+        </p:nvSpPr>
+        <p:spPr>
+          <a:xfrm>
+            <a:off x="6181034" y="2032854"/>
+            <a:ext cx="1449573" cy="542925"/>
+          </a:xfrm>
+          <a:prstGeom prst="roundRect">
+            <a:avLst/>
+          </a:prstGeom>
+          <a:solidFill>
+            <a:srgbClr val="92D050"/>
+          </a:solidFill>
+          <a:ln w="38100"/>
+        </p:spPr>
+        <p:style>
+          <a:lnRef idx="2">
+            <a:schemeClr val="accent1"/>
+          </a:lnRef>
+          <a:fillRef idx="1">
+            <a:schemeClr val="lt1"/>
+          </a:fillRef>
+          <a:effectRef idx="0">
+            <a:schemeClr val="accent1"/>
+          </a:effectRef>
+          <a:fontRef idx="minor">
+            <a:schemeClr val="dk1"/>
+          </a:fontRef>
+        </p:style>
+        <p:txBody>
+          <a:bodyPr rtlCol="0" anchor="ctr"/>
+          <a:lstStyle/>
+          <a:p>
+            <a:pPr algn="ctr"/>
+            <a:r>
+              <a:rPr lang="en-US" sz="2000" dirty="0"/>
+              <a:t>Parameter Server</a:t>
+            </a:r>
+          </a:p>
+        </p:txBody>
+      </p:sp>
+    </p:spTree>
+    <p:extLst>
+      <p:ext uri="{BB962C8B-B14F-4D97-AF65-F5344CB8AC3E}">
+        <p14:creationId xmlns:p14="http://schemas.microsoft.com/office/powerpoint/2010/main" val="4082971591"/>
+      </p:ext>
+    </p:extLst>
+  </p:cSld>
+  <p:clrMapOvr>
+    <a:masterClrMapping/>
+  </p:clrMapOvr>
+</p:sld>
+</file>
+
+<file path=ppt/slides/slide14.xml><?xml version="1.0" encoding="utf-8"?>
+<p:sld xmlns:a="http://schemas.openxmlformats.org/drawingml/2006/main" xmlns:r="http://schemas.openxmlformats.org/officeDocument/2006/relationships" xmlns:p="http://schemas.openxmlformats.org/presentationml/2006/main">
+  <p:cSld>
+    <p:spTree>
+      <p:nvGrpSpPr>
+        <p:cNvPr id="1" name=""/>
+        <p:cNvGrpSpPr/>
+        <p:nvPr/>
+      </p:nvGrpSpPr>
+      <p:grpSpPr>
+        <a:xfrm>
+          <a:off x="0" y="0"/>
+          <a:ext cx="0" cy="0"/>
+          <a:chOff x="0" y="0"/>
+          <a:chExt cx="0" cy="0"/>
+        </a:xfrm>
+      </p:grpSpPr>
+      <p:sp>
+        <p:nvSpPr>
+          <p:cNvPr id="15" name="Rectangle: Rounded Corners 14">
+            <a:extLst>
+              <a:ext uri="{FF2B5EF4-FFF2-40B4-BE49-F238E27FC236}">
+                <a16:creationId xmlns:a16="http://schemas.microsoft.com/office/drawing/2014/main" id="{E9F77160-FF3C-41DD-A360-C39233B221B0}"/>
+              </a:ext>
+            </a:extLst>
+          </p:cNvPr>
+          <p:cNvSpPr/>
+          <p:nvPr/>
+        </p:nvSpPr>
+        <p:spPr>
+          <a:xfrm>
+            <a:off x="2482926" y="3528111"/>
+            <a:ext cx="1204576" cy="542925"/>
+          </a:xfrm>
+          <a:prstGeom prst="roundRect">
+            <a:avLst/>
+          </a:prstGeom>
+          <a:solidFill>
+            <a:schemeClr val="accent5">
+              <a:lumMod val="20000"/>
+              <a:lumOff val="80000"/>
+            </a:schemeClr>
+          </a:solidFill>
+          <a:ln w="38100"/>
+        </p:spPr>
+        <p:style>
+          <a:lnRef idx="2">
+            <a:schemeClr val="accent1"/>
+          </a:lnRef>
+          <a:fillRef idx="1">
+            <a:schemeClr val="lt1"/>
+          </a:fillRef>
+          <a:effectRef idx="0">
+            <a:schemeClr val="accent1"/>
+          </a:effectRef>
+          <a:fontRef idx="minor">
+            <a:schemeClr val="dk1"/>
+          </a:fontRef>
+        </p:style>
+        <p:txBody>
+          <a:bodyPr rtlCol="0" anchor="ctr"/>
+          <a:lstStyle/>
+          <a:p>
+            <a:pPr algn="ctr"/>
+            <a:r>
+              <a:rPr lang="en-US" sz="2000" dirty="0"/>
+              <a:t>Compute</a:t>
+            </a:r>
+          </a:p>
+        </p:txBody>
+      </p:sp>
+      <p:sp>
+        <p:nvSpPr>
+          <p:cNvPr id="16" name="Rectangle: Rounded Corners 15">
+            <a:extLst>
+              <a:ext uri="{FF2B5EF4-FFF2-40B4-BE49-F238E27FC236}">
+                <a16:creationId xmlns:a16="http://schemas.microsoft.com/office/drawing/2014/main" id="{E11E4F24-973A-414B-8770-E5DF22956BD0}"/>
+              </a:ext>
+            </a:extLst>
+          </p:cNvPr>
+          <p:cNvSpPr/>
+          <p:nvPr/>
+        </p:nvSpPr>
+        <p:spPr>
+          <a:xfrm>
+            <a:off x="4371528" y="3528111"/>
+            <a:ext cx="1204576" cy="542925"/>
+          </a:xfrm>
+          <a:prstGeom prst="roundRect">
+            <a:avLst/>
+          </a:prstGeom>
+          <a:solidFill>
+            <a:schemeClr val="accent5">
+              <a:lumMod val="20000"/>
+              <a:lumOff val="80000"/>
+            </a:schemeClr>
+          </a:solidFill>
+          <a:ln w="38100"/>
+        </p:spPr>
+        <p:style>
+          <a:lnRef idx="2">
+            <a:schemeClr val="accent1"/>
+          </a:lnRef>
+          <a:fillRef idx="1">
+            <a:schemeClr val="lt1"/>
+          </a:fillRef>
+          <a:effectRef idx="0">
+            <a:schemeClr val="accent1"/>
+          </a:effectRef>
+          <a:fontRef idx="minor">
+            <a:schemeClr val="dk1"/>
+          </a:fontRef>
+        </p:style>
+        <p:txBody>
+          <a:bodyPr rtlCol="0" anchor="ctr"/>
+          <a:lstStyle/>
+          <a:p>
+            <a:pPr algn="ctr"/>
+            <a:r>
+              <a:rPr lang="en-US" sz="2000" dirty="0"/>
+              <a:t>Compute</a:t>
+            </a:r>
+          </a:p>
+        </p:txBody>
+      </p:sp>
+      <p:sp>
+        <p:nvSpPr>
+          <p:cNvPr id="17" name="Rectangle: Rounded Corners 16">
+            <a:extLst>
+              <a:ext uri="{FF2B5EF4-FFF2-40B4-BE49-F238E27FC236}">
+                <a16:creationId xmlns:a16="http://schemas.microsoft.com/office/drawing/2014/main" id="{8E9C33E5-7190-44FE-982F-020459F112C7}"/>
+              </a:ext>
+            </a:extLst>
+          </p:cNvPr>
+          <p:cNvSpPr/>
+          <p:nvPr/>
+        </p:nvSpPr>
+        <p:spPr>
+          <a:xfrm>
+            <a:off x="6260130" y="3528110"/>
+            <a:ext cx="1204576" cy="542925"/>
+          </a:xfrm>
+          <a:prstGeom prst="roundRect">
+            <a:avLst/>
+          </a:prstGeom>
+          <a:solidFill>
+            <a:schemeClr val="accent5">
+              <a:lumMod val="20000"/>
+              <a:lumOff val="80000"/>
+            </a:schemeClr>
+          </a:solidFill>
+          <a:ln w="38100"/>
+        </p:spPr>
+        <p:style>
+          <a:lnRef idx="2">
+            <a:schemeClr val="accent1"/>
+          </a:lnRef>
+          <a:fillRef idx="1">
+            <a:schemeClr val="lt1"/>
+          </a:fillRef>
+          <a:effectRef idx="0">
+            <a:schemeClr val="accent1"/>
+          </a:effectRef>
+          <a:fontRef idx="minor">
+            <a:schemeClr val="dk1"/>
+          </a:fontRef>
+        </p:style>
+        <p:txBody>
+          <a:bodyPr rtlCol="0" anchor="ctr"/>
+          <a:lstStyle/>
+          <a:p>
+            <a:pPr algn="ctr"/>
+            <a:r>
+              <a:rPr lang="en-US" sz="2000" dirty="0"/>
+              <a:t>Compute</a:t>
+            </a:r>
+          </a:p>
+        </p:txBody>
+      </p:sp>
+      <p:sp>
+        <p:nvSpPr>
+          <p:cNvPr id="18" name="Rectangle: Rounded Corners 17">
+            <a:extLst>
+              <a:ext uri="{FF2B5EF4-FFF2-40B4-BE49-F238E27FC236}">
+                <a16:creationId xmlns:a16="http://schemas.microsoft.com/office/drawing/2014/main" id="{FFE361F1-C18C-4205-BD3D-788ADB26EFEE}"/>
+              </a:ext>
+            </a:extLst>
+          </p:cNvPr>
+          <p:cNvSpPr/>
+          <p:nvPr/>
+        </p:nvSpPr>
+        <p:spPr>
+          <a:xfrm>
+            <a:off x="3851631" y="932082"/>
+            <a:ext cx="2244369" cy="542925"/>
+          </a:xfrm>
+          <a:prstGeom prst="roundRect">
+            <a:avLst/>
+          </a:prstGeom>
+          <a:solidFill>
+            <a:srgbClr val="92D050"/>
+          </a:solidFill>
+          <a:ln w="38100"/>
+        </p:spPr>
+        <p:style>
+          <a:lnRef idx="2">
+            <a:schemeClr val="accent1"/>
+          </a:lnRef>
+          <a:fillRef idx="1">
+            <a:schemeClr val="lt1"/>
+          </a:fillRef>
+          <a:effectRef idx="0">
+            <a:schemeClr val="accent1"/>
+          </a:effectRef>
+          <a:fontRef idx="minor">
+            <a:schemeClr val="dk1"/>
+          </a:fontRef>
+        </p:style>
+        <p:txBody>
+          <a:bodyPr rtlCol="0" anchor="ctr"/>
+          <a:lstStyle/>
+          <a:p>
+            <a:pPr algn="ctr"/>
+            <a:r>
+              <a:rPr lang="en-US" sz="2000" dirty="0"/>
+              <a:t>Parameter</a:t>
+            </a:r>
+          </a:p>
+        </p:txBody>
+      </p:sp>
+      <p:sp>
+        <p:nvSpPr>
+          <p:cNvPr id="19" name="Rectangle: Rounded Corners 18">
+            <a:extLst>
+              <a:ext uri="{FF2B5EF4-FFF2-40B4-BE49-F238E27FC236}">
+                <a16:creationId xmlns:a16="http://schemas.microsoft.com/office/drawing/2014/main" id="{0C8275CC-2383-4E4D-94C8-4CE524476FFC}"/>
+              </a:ext>
+            </a:extLst>
+          </p:cNvPr>
+          <p:cNvSpPr/>
+          <p:nvPr/>
+        </p:nvSpPr>
+        <p:spPr>
+          <a:xfrm>
+            <a:off x="2482926" y="4735362"/>
+            <a:ext cx="1204576" cy="542925"/>
+          </a:xfrm>
+          <a:prstGeom prst="roundRect">
+            <a:avLst/>
+          </a:prstGeom>
+          <a:solidFill>
+            <a:schemeClr val="accent4">
+              <a:lumMod val="40000"/>
+              <a:lumOff val="60000"/>
+            </a:schemeClr>
+          </a:solidFill>
+          <a:ln w="38100"/>
+        </p:spPr>
+        <p:style>
+          <a:lnRef idx="2">
+            <a:schemeClr val="accent1"/>
+          </a:lnRef>
+          <a:fillRef idx="1">
+            <a:schemeClr val="lt1"/>
+          </a:fillRef>
+          <a:effectRef idx="0">
+            <a:schemeClr val="accent1"/>
+          </a:effectRef>
+          <a:fontRef idx="minor">
+            <a:schemeClr val="dk1"/>
+          </a:fontRef>
+        </p:style>
+        <p:txBody>
+          <a:bodyPr rtlCol="0" anchor="ctr"/>
+          <a:lstStyle/>
+          <a:p>
+            <a:pPr algn="ctr"/>
+            <a:r>
+              <a:rPr lang="en-US" sz="2000" dirty="0"/>
+              <a:t>Loss</a:t>
+            </a:r>
+          </a:p>
+        </p:txBody>
+      </p:sp>
+      <p:sp>
+        <p:nvSpPr>
+          <p:cNvPr id="20" name="Rectangle: Rounded Corners 19">
+            <a:extLst>
+              <a:ext uri="{FF2B5EF4-FFF2-40B4-BE49-F238E27FC236}">
+                <a16:creationId xmlns:a16="http://schemas.microsoft.com/office/drawing/2014/main" id="{81BFDF1D-B90F-49E4-8F61-DED0613E4F63}"/>
+              </a:ext>
+            </a:extLst>
+          </p:cNvPr>
+          <p:cNvSpPr/>
+          <p:nvPr/>
+        </p:nvSpPr>
+        <p:spPr>
+          <a:xfrm>
+            <a:off x="4371528" y="4735361"/>
+            <a:ext cx="1204576" cy="542925"/>
+          </a:xfrm>
+          <a:prstGeom prst="roundRect">
+            <a:avLst/>
+          </a:prstGeom>
+          <a:solidFill>
+            <a:schemeClr val="accent4">
+              <a:lumMod val="40000"/>
+              <a:lumOff val="60000"/>
+            </a:schemeClr>
+          </a:solidFill>
+          <a:ln w="38100"/>
+        </p:spPr>
+        <p:style>
+          <a:lnRef idx="2">
+            <a:schemeClr val="accent1"/>
+          </a:lnRef>
+          <a:fillRef idx="1">
+            <a:schemeClr val="lt1"/>
+          </a:fillRef>
+          <a:effectRef idx="0">
+            <a:schemeClr val="accent1"/>
+          </a:effectRef>
+          <a:fontRef idx="minor">
+            <a:schemeClr val="dk1"/>
+          </a:fontRef>
+        </p:style>
+        <p:txBody>
+          <a:bodyPr rtlCol="0" anchor="ctr"/>
+          <a:lstStyle/>
+          <a:p>
+            <a:pPr algn="ctr"/>
+            <a:r>
+              <a:rPr lang="en-US" sz="2000" dirty="0"/>
+              <a:t>Loss</a:t>
+            </a:r>
+          </a:p>
+        </p:txBody>
+      </p:sp>
+      <p:sp>
+        <p:nvSpPr>
+          <p:cNvPr id="21" name="Rectangle: Rounded Corners 20">
+            <a:extLst>
+              <a:ext uri="{FF2B5EF4-FFF2-40B4-BE49-F238E27FC236}">
+                <a16:creationId xmlns:a16="http://schemas.microsoft.com/office/drawing/2014/main" id="{579D2ACD-A7F3-4A29-B996-3949DCD3AB42}"/>
+              </a:ext>
+            </a:extLst>
+          </p:cNvPr>
+          <p:cNvSpPr/>
+          <p:nvPr/>
+        </p:nvSpPr>
+        <p:spPr>
+          <a:xfrm>
+            <a:off x="6260130" y="4735360"/>
+            <a:ext cx="1204576" cy="542925"/>
+          </a:xfrm>
+          <a:prstGeom prst="roundRect">
+            <a:avLst/>
+          </a:prstGeom>
+          <a:solidFill>
+            <a:schemeClr val="accent4">
+              <a:lumMod val="40000"/>
+              <a:lumOff val="60000"/>
+            </a:schemeClr>
+          </a:solidFill>
+          <a:ln w="38100"/>
+        </p:spPr>
+        <p:style>
+          <a:lnRef idx="2">
+            <a:schemeClr val="accent1"/>
+          </a:lnRef>
+          <a:fillRef idx="1">
+            <a:schemeClr val="lt1"/>
+          </a:fillRef>
+          <a:effectRef idx="0">
+            <a:schemeClr val="accent1"/>
+          </a:effectRef>
+          <a:fontRef idx="minor">
+            <a:schemeClr val="dk1"/>
+          </a:fontRef>
+        </p:style>
+        <p:txBody>
+          <a:bodyPr rtlCol="0" anchor="ctr"/>
+          <a:lstStyle/>
+          <a:p>
+            <a:pPr algn="ctr"/>
+            <a:r>
+              <a:rPr lang="en-US" sz="2000" dirty="0"/>
+              <a:t>Loss</a:t>
+            </a:r>
+          </a:p>
+        </p:txBody>
+      </p:sp>
+      <p:cxnSp>
+        <p:nvCxnSpPr>
+          <p:cNvPr id="22" name="Straight Arrow Connector 21">
+            <a:extLst>
+              <a:ext uri="{FF2B5EF4-FFF2-40B4-BE49-F238E27FC236}">
+                <a16:creationId xmlns:a16="http://schemas.microsoft.com/office/drawing/2014/main" id="{9A43C87F-574F-4053-A87F-C87CAF868B63}"/>
+              </a:ext>
+            </a:extLst>
+          </p:cNvPr>
+          <p:cNvCxnSpPr>
+            <a:cxnSpLocks/>
+          </p:cNvCxnSpPr>
+          <p:nvPr/>
+        </p:nvCxnSpPr>
+        <p:spPr>
+          <a:xfrm flipV="1">
+            <a:off x="2921085" y="2777924"/>
+            <a:ext cx="930546" cy="616880"/>
+          </a:xfrm>
+          <a:prstGeom prst="straightConnector1">
+            <a:avLst/>
+          </a:prstGeom>
+          <a:ln w="38100">
+            <a:solidFill>
+              <a:srgbClr val="FF0000"/>
+            </a:solidFill>
+            <a:headEnd type="none" w="med" len="med"/>
+            <a:tailEnd type="arrow" w="med" len="med"/>
+          </a:ln>
+        </p:spPr>
+        <p:style>
+          <a:lnRef idx="1">
+            <a:schemeClr val="accent1"/>
+          </a:lnRef>
+          <a:fillRef idx="0">
+            <a:schemeClr val="accent1"/>
+          </a:fillRef>
+          <a:effectRef idx="0">
+            <a:schemeClr val="accent1"/>
+          </a:effectRef>
+          <a:fontRef idx="minor">
+            <a:schemeClr val="tx1"/>
+          </a:fontRef>
+        </p:style>
+      </p:cxnSp>
+      <p:cxnSp>
+        <p:nvCxnSpPr>
+          <p:cNvPr id="24" name="Straight Arrow Connector 23">
+            <a:extLst>
+              <a:ext uri="{FF2B5EF4-FFF2-40B4-BE49-F238E27FC236}">
+                <a16:creationId xmlns:a16="http://schemas.microsoft.com/office/drawing/2014/main" id="{1B96CC5B-D746-4E78-A568-680E0689DC36}"/>
+              </a:ext>
+            </a:extLst>
+          </p:cNvPr>
+          <p:cNvCxnSpPr>
+            <a:cxnSpLocks/>
+          </p:cNvCxnSpPr>
+          <p:nvPr/>
+        </p:nvCxnSpPr>
+        <p:spPr>
+          <a:xfrm flipV="1">
+            <a:off x="2900019" y="4178557"/>
+            <a:ext cx="0" cy="441055"/>
+          </a:xfrm>
+          <a:prstGeom prst="straightConnector1">
+            <a:avLst/>
+          </a:prstGeom>
+          <a:ln w="38100">
+            <a:headEnd type="arrow" w="med" len="med"/>
+            <a:tailEnd type="none" w="med" len="med"/>
+          </a:ln>
+        </p:spPr>
+        <p:style>
+          <a:lnRef idx="1">
+            <a:schemeClr val="accent1"/>
+          </a:lnRef>
+          <a:fillRef idx="0">
+            <a:schemeClr val="accent1"/>
+          </a:fillRef>
+          <a:effectRef idx="0">
+            <a:schemeClr val="accent1"/>
+          </a:effectRef>
+          <a:fontRef idx="minor">
+            <a:schemeClr val="tx1"/>
+          </a:fontRef>
+        </p:style>
+      </p:cxnSp>
+      <p:cxnSp>
+        <p:nvCxnSpPr>
+          <p:cNvPr id="25" name="Straight Arrow Connector 24">
+            <a:extLst>
+              <a:ext uri="{FF2B5EF4-FFF2-40B4-BE49-F238E27FC236}">
+                <a16:creationId xmlns:a16="http://schemas.microsoft.com/office/drawing/2014/main" id="{F43988B4-C1AF-40DF-84DB-B52D4B806F5E}"/>
+              </a:ext>
+            </a:extLst>
+          </p:cNvPr>
+          <p:cNvCxnSpPr>
+            <a:cxnSpLocks/>
+          </p:cNvCxnSpPr>
+          <p:nvPr/>
+        </p:nvCxnSpPr>
+        <p:spPr>
+          <a:xfrm flipV="1">
+            <a:off x="3214465" y="4178557"/>
+            <a:ext cx="0" cy="441055"/>
+          </a:xfrm>
+          <a:prstGeom prst="straightConnector1">
+            <a:avLst/>
+          </a:prstGeom>
+          <a:ln w="38100">
+            <a:solidFill>
+              <a:srgbClr val="FF0000"/>
+            </a:solidFill>
+            <a:headEnd type="none" w="med" len="med"/>
+            <a:tailEnd type="arrow" w="med" len="med"/>
+          </a:ln>
+        </p:spPr>
+        <p:style>
+          <a:lnRef idx="1">
+            <a:schemeClr val="accent1"/>
+          </a:lnRef>
+          <a:fillRef idx="0">
+            <a:schemeClr val="accent1"/>
+          </a:fillRef>
+          <a:effectRef idx="0">
+            <a:schemeClr val="accent1"/>
+          </a:effectRef>
+          <a:fontRef idx="minor">
+            <a:schemeClr val="tx1"/>
+          </a:fontRef>
+        </p:style>
+      </p:cxnSp>
+      <p:cxnSp>
+        <p:nvCxnSpPr>
+          <p:cNvPr id="26" name="Straight Arrow Connector 25">
+            <a:extLst>
+              <a:ext uri="{FF2B5EF4-FFF2-40B4-BE49-F238E27FC236}">
+                <a16:creationId xmlns:a16="http://schemas.microsoft.com/office/drawing/2014/main" id="{DC4B6B25-B053-4102-AEA3-F90FAA67AA1A}"/>
+              </a:ext>
+            </a:extLst>
+          </p:cNvPr>
+          <p:cNvCxnSpPr>
+            <a:cxnSpLocks/>
+          </p:cNvCxnSpPr>
+          <p:nvPr/>
+        </p:nvCxnSpPr>
+        <p:spPr>
+          <a:xfrm flipV="1">
+            <a:off x="4811771" y="4204341"/>
+            <a:ext cx="0" cy="441055"/>
+          </a:xfrm>
+          <a:prstGeom prst="straightConnector1">
+            <a:avLst/>
+          </a:prstGeom>
+          <a:ln w="38100">
+            <a:headEnd type="arrow" w="med" len="med"/>
+            <a:tailEnd type="none" w="med" len="med"/>
+          </a:ln>
+        </p:spPr>
+        <p:style>
+          <a:lnRef idx="1">
+            <a:schemeClr val="accent1"/>
+          </a:lnRef>
+          <a:fillRef idx="0">
+            <a:schemeClr val="accent1"/>
+          </a:fillRef>
+          <a:effectRef idx="0">
+            <a:schemeClr val="accent1"/>
+          </a:effectRef>
+          <a:fontRef idx="minor">
+            <a:schemeClr val="tx1"/>
+          </a:fontRef>
+        </p:style>
+      </p:cxnSp>
+      <p:cxnSp>
+        <p:nvCxnSpPr>
+          <p:cNvPr id="27" name="Straight Arrow Connector 26">
+            <a:extLst>
+              <a:ext uri="{FF2B5EF4-FFF2-40B4-BE49-F238E27FC236}">
+                <a16:creationId xmlns:a16="http://schemas.microsoft.com/office/drawing/2014/main" id="{260AF962-3556-425A-843B-C82E660EE99B}"/>
+              </a:ext>
+            </a:extLst>
+          </p:cNvPr>
+          <p:cNvCxnSpPr>
+            <a:cxnSpLocks/>
+          </p:cNvCxnSpPr>
+          <p:nvPr/>
+        </p:nvCxnSpPr>
+        <p:spPr>
+          <a:xfrm flipV="1">
+            <a:off x="5126217" y="4204341"/>
+            <a:ext cx="0" cy="441055"/>
+          </a:xfrm>
+          <a:prstGeom prst="straightConnector1">
+            <a:avLst/>
+          </a:prstGeom>
+          <a:ln w="38100">
+            <a:solidFill>
+              <a:srgbClr val="FF0000"/>
+            </a:solidFill>
+            <a:headEnd type="none" w="med" len="med"/>
+            <a:tailEnd type="arrow" w="med" len="med"/>
+          </a:ln>
+        </p:spPr>
+        <p:style>
+          <a:lnRef idx="1">
+            <a:schemeClr val="accent1"/>
+          </a:lnRef>
+          <a:fillRef idx="0">
+            <a:schemeClr val="accent1"/>
+          </a:fillRef>
+          <a:effectRef idx="0">
+            <a:schemeClr val="accent1"/>
+          </a:effectRef>
+          <a:fontRef idx="minor">
+            <a:schemeClr val="tx1"/>
+          </a:fontRef>
+        </p:style>
+      </p:cxnSp>
+      <p:cxnSp>
+        <p:nvCxnSpPr>
+          <p:cNvPr id="28" name="Straight Arrow Connector 27">
+            <a:extLst>
+              <a:ext uri="{FF2B5EF4-FFF2-40B4-BE49-F238E27FC236}">
+                <a16:creationId xmlns:a16="http://schemas.microsoft.com/office/drawing/2014/main" id="{771C067B-6411-481F-A6C3-501324673ADB}"/>
+              </a:ext>
+            </a:extLst>
+          </p:cNvPr>
+          <p:cNvCxnSpPr>
+            <a:cxnSpLocks/>
+          </p:cNvCxnSpPr>
+          <p:nvPr/>
+        </p:nvCxnSpPr>
+        <p:spPr>
+          <a:xfrm flipV="1">
+            <a:off x="6733168" y="4204341"/>
+            <a:ext cx="0" cy="441055"/>
+          </a:xfrm>
+          <a:prstGeom prst="straightConnector1">
+            <a:avLst/>
+          </a:prstGeom>
+          <a:ln w="38100">
+            <a:headEnd type="arrow" w="med" len="med"/>
+            <a:tailEnd type="none" w="med" len="med"/>
+          </a:ln>
+        </p:spPr>
+        <p:style>
+          <a:lnRef idx="1">
+            <a:schemeClr val="accent1"/>
+          </a:lnRef>
+          <a:fillRef idx="0">
+            <a:schemeClr val="accent1"/>
+          </a:fillRef>
+          <a:effectRef idx="0">
+            <a:schemeClr val="accent1"/>
+          </a:effectRef>
+          <a:fontRef idx="minor">
+            <a:schemeClr val="tx1"/>
+          </a:fontRef>
+        </p:style>
+      </p:cxnSp>
+      <p:cxnSp>
+        <p:nvCxnSpPr>
+          <p:cNvPr id="29" name="Straight Arrow Connector 28">
+            <a:extLst>
+              <a:ext uri="{FF2B5EF4-FFF2-40B4-BE49-F238E27FC236}">
+                <a16:creationId xmlns:a16="http://schemas.microsoft.com/office/drawing/2014/main" id="{36CAD48C-1E8B-47F9-A937-8F7CADAAE74D}"/>
+              </a:ext>
+            </a:extLst>
+          </p:cNvPr>
+          <p:cNvCxnSpPr>
+            <a:cxnSpLocks/>
+          </p:cNvCxnSpPr>
+          <p:nvPr/>
+        </p:nvCxnSpPr>
+        <p:spPr>
+          <a:xfrm flipV="1">
+            <a:off x="7047614" y="4204341"/>
+            <a:ext cx="0" cy="441055"/>
+          </a:xfrm>
+          <a:prstGeom prst="straightConnector1">
+            <a:avLst/>
+          </a:prstGeom>
+          <a:ln w="38100">
+            <a:solidFill>
+              <a:srgbClr val="FF0000"/>
+            </a:solidFill>
+            <a:headEnd type="none" w="med" len="med"/>
+            <a:tailEnd type="arrow" w="med" len="med"/>
+          </a:ln>
+        </p:spPr>
+        <p:style>
+          <a:lnRef idx="1">
+            <a:schemeClr val="accent1"/>
+          </a:lnRef>
+          <a:fillRef idx="0">
+            <a:schemeClr val="accent1"/>
+          </a:fillRef>
+          <a:effectRef idx="0">
+            <a:schemeClr val="accent1"/>
+          </a:effectRef>
+          <a:fontRef idx="minor">
+            <a:schemeClr val="tx1"/>
+          </a:fontRef>
+        </p:style>
+      </p:cxnSp>
+      <p:cxnSp>
+        <p:nvCxnSpPr>
+          <p:cNvPr id="31" name="Straight Arrow Connector 30">
+            <a:extLst>
+              <a:ext uri="{FF2B5EF4-FFF2-40B4-BE49-F238E27FC236}">
+                <a16:creationId xmlns:a16="http://schemas.microsoft.com/office/drawing/2014/main" id="{62F8AB2D-E581-4CCC-8D08-F3B03DF21E0C}"/>
+              </a:ext>
+            </a:extLst>
+          </p:cNvPr>
+          <p:cNvCxnSpPr>
+            <a:cxnSpLocks/>
+          </p:cNvCxnSpPr>
+          <p:nvPr/>
+        </p:nvCxnSpPr>
+        <p:spPr>
+          <a:xfrm flipH="1" flipV="1">
+            <a:off x="6041016" y="2777924"/>
+            <a:ext cx="1006598" cy="616881"/>
+          </a:xfrm>
+          <a:prstGeom prst="straightConnector1">
+            <a:avLst/>
+          </a:prstGeom>
+          <a:ln w="38100">
+            <a:solidFill>
+              <a:srgbClr val="FF0000"/>
+            </a:solidFill>
+            <a:headEnd type="none" w="med" len="med"/>
+            <a:tailEnd type="arrow" w="med" len="med"/>
+          </a:ln>
+        </p:spPr>
+        <p:style>
+          <a:lnRef idx="1">
+            <a:schemeClr val="accent1"/>
+          </a:lnRef>
+          <a:fillRef idx="0">
+            <a:schemeClr val="accent1"/>
+          </a:fillRef>
+          <a:effectRef idx="0">
+            <a:schemeClr val="accent1"/>
+          </a:effectRef>
+          <a:fontRef idx="minor">
+            <a:schemeClr val="tx1"/>
+          </a:fontRef>
+        </p:style>
+      </p:cxnSp>
+      <p:cxnSp>
+        <p:nvCxnSpPr>
+          <p:cNvPr id="33" name="Straight Arrow Connector 32">
+            <a:extLst>
+              <a:ext uri="{FF2B5EF4-FFF2-40B4-BE49-F238E27FC236}">
+                <a16:creationId xmlns:a16="http://schemas.microsoft.com/office/drawing/2014/main" id="{E325A9B4-3F9E-404D-9844-CF0D0EFFDAA2}"/>
+              </a:ext>
+            </a:extLst>
+          </p:cNvPr>
+          <p:cNvCxnSpPr>
+            <a:cxnSpLocks/>
+          </p:cNvCxnSpPr>
+          <p:nvPr/>
+        </p:nvCxnSpPr>
+        <p:spPr>
+          <a:xfrm flipV="1">
+            <a:off x="4973815" y="2777924"/>
+            <a:ext cx="0" cy="550855"/>
+          </a:xfrm>
+          <a:prstGeom prst="straightConnector1">
+            <a:avLst/>
+          </a:prstGeom>
+          <a:ln w="38100">
+            <a:solidFill>
+              <a:srgbClr val="FF0000"/>
+            </a:solidFill>
+            <a:headEnd type="none" w="med" len="med"/>
+            <a:tailEnd type="arrow" w="med" len="med"/>
+          </a:ln>
+        </p:spPr>
+        <p:style>
+          <a:lnRef idx="1">
+            <a:schemeClr val="accent1"/>
+          </a:lnRef>
+          <a:fillRef idx="0">
+            <a:schemeClr val="accent1"/>
+          </a:fillRef>
+          <a:effectRef idx="0">
+            <a:schemeClr val="accent1"/>
+          </a:effectRef>
+          <a:fontRef idx="minor">
+            <a:schemeClr val="tx1"/>
+          </a:fontRef>
+        </p:style>
+      </p:cxnSp>
+      <p:sp>
+        <p:nvSpPr>
+          <p:cNvPr id="34" name="Rectangle: Rounded Corners 33">
+            <a:extLst>
+              <a:ext uri="{FF2B5EF4-FFF2-40B4-BE49-F238E27FC236}">
+                <a16:creationId xmlns:a16="http://schemas.microsoft.com/office/drawing/2014/main" id="{0BC4A4A3-E576-4939-9D34-441FF72759DF}"/>
+              </a:ext>
+            </a:extLst>
+          </p:cNvPr>
+          <p:cNvSpPr/>
+          <p:nvPr/>
+        </p:nvSpPr>
+        <p:spPr>
+          <a:xfrm>
+            <a:off x="3796663" y="2132582"/>
+            <a:ext cx="2244353" cy="542925"/>
+          </a:xfrm>
+          <a:prstGeom prst="roundRect">
+            <a:avLst/>
+          </a:prstGeom>
+          <a:solidFill>
+            <a:schemeClr val="accent5">
+              <a:lumMod val="20000"/>
+              <a:lumOff val="80000"/>
+            </a:schemeClr>
+          </a:solidFill>
+          <a:ln w="38100"/>
+        </p:spPr>
+        <p:style>
+          <a:lnRef idx="2">
+            <a:schemeClr val="accent1"/>
+          </a:lnRef>
+          <a:fillRef idx="1">
+            <a:schemeClr val="lt1"/>
+          </a:fillRef>
+          <a:effectRef idx="0">
+            <a:schemeClr val="accent1"/>
+          </a:effectRef>
+          <a:fontRef idx="minor">
+            <a:schemeClr val="dk1"/>
+          </a:fontRef>
+        </p:style>
+        <p:txBody>
+          <a:bodyPr rtlCol="0" anchor="ctr"/>
+          <a:lstStyle/>
+          <a:p>
+            <a:pPr algn="ctr"/>
+            <a:r>
+              <a:rPr lang="en-US" sz="2000" dirty="0"/>
+              <a:t>Aggregate Gradient</a:t>
+            </a:r>
+          </a:p>
+        </p:txBody>
+      </p:sp>
+      <p:cxnSp>
+        <p:nvCxnSpPr>
+          <p:cNvPr id="35" name="Straight Arrow Connector 34">
+            <a:extLst>
+              <a:ext uri="{FF2B5EF4-FFF2-40B4-BE49-F238E27FC236}">
+                <a16:creationId xmlns:a16="http://schemas.microsoft.com/office/drawing/2014/main" id="{8B168CBC-A9C5-402E-817C-34C395EE331D}"/>
+              </a:ext>
+            </a:extLst>
+          </p:cNvPr>
+          <p:cNvCxnSpPr>
+            <a:cxnSpLocks/>
+          </p:cNvCxnSpPr>
+          <p:nvPr/>
+        </p:nvCxnSpPr>
+        <p:spPr>
+          <a:xfrm flipV="1">
+            <a:off x="4901073" y="1588243"/>
+            <a:ext cx="0" cy="441055"/>
+          </a:xfrm>
+          <a:prstGeom prst="straightConnector1">
+            <a:avLst/>
+          </a:prstGeom>
+          <a:ln w="38100">
+            <a:headEnd type="arrow" w="med" len="med"/>
+            <a:tailEnd type="none" w="med" len="med"/>
+          </a:ln>
+        </p:spPr>
+        <p:style>
+          <a:lnRef idx="1">
+            <a:schemeClr val="accent1"/>
+          </a:lnRef>
+          <a:fillRef idx="0">
+            <a:schemeClr val="accent1"/>
+          </a:fillRef>
+          <a:effectRef idx="0">
+            <a:schemeClr val="accent1"/>
+          </a:effectRef>
+          <a:fontRef idx="minor">
+            <a:schemeClr val="tx1"/>
+          </a:fontRef>
+        </p:style>
+      </p:cxnSp>
+      <p:cxnSp>
+        <p:nvCxnSpPr>
+          <p:cNvPr id="36" name="Straight Arrow Connector 35">
+            <a:extLst>
+              <a:ext uri="{FF2B5EF4-FFF2-40B4-BE49-F238E27FC236}">
+                <a16:creationId xmlns:a16="http://schemas.microsoft.com/office/drawing/2014/main" id="{CA39BF31-C7CC-49F1-BE76-AFFBB1FEA63C}"/>
+              </a:ext>
+            </a:extLst>
+          </p:cNvPr>
+          <p:cNvCxnSpPr>
+            <a:cxnSpLocks/>
+          </p:cNvCxnSpPr>
+          <p:nvPr/>
+        </p:nvCxnSpPr>
+        <p:spPr>
+          <a:xfrm flipV="1">
+            <a:off x="5126217" y="1578291"/>
+            <a:ext cx="0" cy="441055"/>
+          </a:xfrm>
+          <a:prstGeom prst="straightConnector1">
+            <a:avLst/>
+          </a:prstGeom>
+          <a:ln w="38100">
+            <a:solidFill>
+              <a:srgbClr val="FF0000"/>
+            </a:solidFill>
+            <a:headEnd type="none" w="med" len="med"/>
+            <a:tailEnd type="arrow" w="med" len="med"/>
+          </a:ln>
+        </p:spPr>
+        <p:style>
+          <a:lnRef idx="1">
+            <a:schemeClr val="accent1"/>
+          </a:lnRef>
+          <a:fillRef idx="0">
+            <a:schemeClr val="accent1"/>
+          </a:fillRef>
+          <a:effectRef idx="0">
+            <a:schemeClr val="accent1"/>
+          </a:effectRef>
+          <a:fontRef idx="minor">
+            <a:schemeClr val="tx1"/>
+          </a:fontRef>
+        </p:style>
+      </p:cxnSp>
+      <p:cxnSp>
+        <p:nvCxnSpPr>
+          <p:cNvPr id="10" name="Connector: Curved 9">
+            <a:extLst>
+              <a:ext uri="{FF2B5EF4-FFF2-40B4-BE49-F238E27FC236}">
+                <a16:creationId xmlns:a16="http://schemas.microsoft.com/office/drawing/2014/main" id="{D93B6A94-25E1-4760-8DC4-1CB78FF75079}"/>
+              </a:ext>
+            </a:extLst>
+          </p:cNvPr>
+          <p:cNvCxnSpPr>
+            <a:cxnSpLocks/>
+            <a:stCxn id="18" idx="1"/>
+            <a:endCxn id="15" idx="1"/>
+          </p:cNvCxnSpPr>
+          <p:nvPr/>
+        </p:nvCxnSpPr>
+        <p:spPr>
+          <a:xfrm rot="10800000" flipV="1">
+            <a:off x="2482927" y="1203544"/>
+            <a:ext cx="1368705" cy="2596029"/>
+          </a:xfrm>
+          <a:prstGeom prst="curvedConnector3">
+            <a:avLst>
+              <a:gd name="adj1" fmla="val 116702"/>
+            </a:avLst>
+          </a:prstGeom>
+          <a:ln w="19050">
+            <a:prstDash val="lgDash"/>
+            <a:tailEnd type="triangle"/>
+          </a:ln>
+        </p:spPr>
+        <p:style>
+          <a:lnRef idx="1">
+            <a:schemeClr val="accent1"/>
+          </a:lnRef>
+          <a:fillRef idx="0">
+            <a:schemeClr val="accent1"/>
+          </a:fillRef>
+          <a:effectRef idx="0">
+            <a:schemeClr val="accent1"/>
+          </a:effectRef>
+          <a:fontRef idx="minor">
+            <a:schemeClr val="tx1"/>
+          </a:fontRef>
+        </p:style>
+      </p:cxnSp>
+      <p:cxnSp>
+        <p:nvCxnSpPr>
+          <p:cNvPr id="13" name="Connector: Curved 12">
+            <a:extLst>
+              <a:ext uri="{FF2B5EF4-FFF2-40B4-BE49-F238E27FC236}">
+                <a16:creationId xmlns:a16="http://schemas.microsoft.com/office/drawing/2014/main" id="{E519FE57-F961-485E-81E9-004D06F8C4EC}"/>
+              </a:ext>
+            </a:extLst>
+          </p:cNvPr>
+          <p:cNvCxnSpPr>
+            <a:cxnSpLocks/>
+            <a:stCxn id="18" idx="3"/>
+            <a:endCxn id="17" idx="3"/>
+          </p:cNvCxnSpPr>
+          <p:nvPr/>
+        </p:nvCxnSpPr>
+        <p:spPr>
+          <a:xfrm>
+            <a:off x="6096000" y="1203545"/>
+            <a:ext cx="1368706" cy="2596028"/>
+          </a:xfrm>
+          <a:prstGeom prst="curvedConnector3">
+            <a:avLst>
+              <a:gd name="adj1" fmla="val 116702"/>
+            </a:avLst>
+          </a:prstGeom>
+          <a:ln w="19050">
+            <a:prstDash val="lgDash"/>
+            <a:tailEnd type="triangle"/>
+          </a:ln>
+        </p:spPr>
+        <p:style>
+          <a:lnRef idx="1">
+            <a:schemeClr val="accent1"/>
+          </a:lnRef>
+          <a:fillRef idx="0">
+            <a:schemeClr val="accent1"/>
+          </a:fillRef>
+          <a:effectRef idx="0">
+            <a:schemeClr val="accent1"/>
+          </a:effectRef>
+          <a:fontRef idx="minor">
+            <a:schemeClr val="tx1"/>
+          </a:fontRef>
+        </p:style>
+      </p:cxnSp>
+      <p:cxnSp>
+        <p:nvCxnSpPr>
+          <p:cNvPr id="38" name="Connector: Curved 37">
+            <a:extLst>
+              <a:ext uri="{FF2B5EF4-FFF2-40B4-BE49-F238E27FC236}">
+                <a16:creationId xmlns:a16="http://schemas.microsoft.com/office/drawing/2014/main" id="{E7B5CAF8-2C0A-4C21-BB6D-115A55E9331B}"/>
+              </a:ext>
+            </a:extLst>
+          </p:cNvPr>
+          <p:cNvCxnSpPr>
+            <a:cxnSpLocks/>
+            <a:stCxn id="18" idx="3"/>
+            <a:endCxn id="16" idx="3"/>
+          </p:cNvCxnSpPr>
+          <p:nvPr/>
+        </p:nvCxnSpPr>
+        <p:spPr>
+          <a:xfrm flipH="1">
+            <a:off x="5576104" y="1203545"/>
+            <a:ext cx="519896" cy="2596029"/>
+          </a:xfrm>
+          <a:prstGeom prst="curvedConnector3">
+            <a:avLst>
+              <a:gd name="adj1" fmla="val -43970"/>
+            </a:avLst>
+          </a:prstGeom>
+          <a:ln w="19050">
+            <a:prstDash val="lgDash"/>
+            <a:tailEnd type="triangle"/>
+          </a:ln>
+        </p:spPr>
+        <p:style>
+          <a:lnRef idx="1">
+            <a:schemeClr val="accent1"/>
+          </a:lnRef>
+          <a:fillRef idx="0">
+            <a:schemeClr val="accent1"/>
+          </a:fillRef>
+          <a:effectRef idx="0">
+            <a:schemeClr val="accent1"/>
+          </a:effectRef>
+          <a:fontRef idx="minor">
+            <a:schemeClr val="tx1"/>
+          </a:fontRef>
+        </p:style>
+      </p:cxnSp>
+    </p:spTree>
+    <p:extLst>
+      <p:ext uri="{BB962C8B-B14F-4D97-AF65-F5344CB8AC3E}">
+        <p14:creationId xmlns:p14="http://schemas.microsoft.com/office/powerpoint/2010/main" val="4191699026"/>
+      </p:ext>
+    </p:extLst>
+  </p:cSld>
+  <p:clrMapOvr>
+    <a:masterClrMapping/>
+  </p:clrMapOvr>
+</p:sld>
+</file>
+
+<file path=ppt/slides/slide15.xml><?xml version="1.0" encoding="utf-8"?>
+<p:sld xmlns:a="http://schemas.openxmlformats.org/drawingml/2006/main" xmlns:r="http://schemas.openxmlformats.org/officeDocument/2006/relationships" xmlns:p="http://schemas.openxmlformats.org/presentationml/2006/main">
+  <p:cSld>
+    <p:spTree>
+      <p:nvGrpSpPr>
+        <p:cNvPr id="1" name=""/>
+        <p:cNvGrpSpPr/>
+        <p:nvPr/>
+      </p:nvGrpSpPr>
+      <p:grpSpPr>
+        <a:xfrm>
+          <a:off x="0" y="0"/>
+          <a:ext cx="0" cy="0"/>
+          <a:chOff x="0" y="0"/>
+          <a:chExt cx="0" cy="0"/>
+        </a:xfrm>
+      </p:grpSpPr>
+      <p:sp>
+        <p:nvSpPr>
+          <p:cNvPr id="18" name="Rectangle: Rounded Corners 17">
+            <a:extLst>
+              <a:ext uri="{FF2B5EF4-FFF2-40B4-BE49-F238E27FC236}">
+                <a16:creationId xmlns:a16="http://schemas.microsoft.com/office/drawing/2014/main" id="{FFE361F1-C18C-4205-BD3D-788ADB26EFEE}"/>
+              </a:ext>
+            </a:extLst>
+          </p:cNvPr>
+          <p:cNvSpPr/>
+          <p:nvPr/>
+        </p:nvSpPr>
+        <p:spPr>
+          <a:xfrm>
+            <a:off x="4733810" y="36271"/>
+            <a:ext cx="2244369" cy="542925"/>
+          </a:xfrm>
+          <a:prstGeom prst="roundRect">
+            <a:avLst/>
+          </a:prstGeom>
+          <a:solidFill>
+            <a:srgbClr val="92D050"/>
+          </a:solidFill>
+          <a:ln w="38100"/>
+        </p:spPr>
+        <p:style>
+          <a:lnRef idx="2">
+            <a:schemeClr val="accent1"/>
+          </a:lnRef>
+          <a:fillRef idx="1">
+            <a:schemeClr val="lt1"/>
+          </a:fillRef>
+          <a:effectRef idx="0">
+            <a:schemeClr val="accent1"/>
+          </a:effectRef>
+          <a:fontRef idx="minor">
+            <a:schemeClr val="dk1"/>
+          </a:fontRef>
+        </p:style>
+        <p:txBody>
+          <a:bodyPr rtlCol="0" anchor="ctr"/>
+          <a:lstStyle/>
+          <a:p>
+            <a:pPr algn="ctr"/>
+            <a:r>
+              <a:rPr lang="en-US" sz="2000" dirty="0"/>
+              <a:t>Parameter</a:t>
+            </a:r>
+          </a:p>
+        </p:txBody>
+      </p:sp>
+      <p:sp>
+        <p:nvSpPr>
+          <p:cNvPr id="19" name="Rectangle: Rounded Corners 18">
+            <a:extLst>
+              <a:ext uri="{FF2B5EF4-FFF2-40B4-BE49-F238E27FC236}">
+                <a16:creationId xmlns:a16="http://schemas.microsoft.com/office/drawing/2014/main" id="{0C8275CC-2383-4E4D-94C8-4CE524476FFC}"/>
+              </a:ext>
+            </a:extLst>
+          </p:cNvPr>
+          <p:cNvSpPr/>
+          <p:nvPr/>
+        </p:nvSpPr>
+        <p:spPr>
+          <a:xfrm>
+            <a:off x="3141810" y="6578256"/>
+            <a:ext cx="1204576" cy="542925"/>
+          </a:xfrm>
+          <a:prstGeom prst="roundRect">
+            <a:avLst/>
+          </a:prstGeom>
+          <a:solidFill>
+            <a:schemeClr val="accent4">
+              <a:lumMod val="40000"/>
+              <a:lumOff val="60000"/>
+            </a:schemeClr>
+          </a:solidFill>
+          <a:ln w="38100"/>
+        </p:spPr>
+        <p:style>
+          <a:lnRef idx="2">
+            <a:schemeClr val="accent1"/>
+          </a:lnRef>
+          <a:fillRef idx="1">
+            <a:schemeClr val="lt1"/>
+          </a:fillRef>
+          <a:effectRef idx="0">
+            <a:schemeClr val="accent1"/>
+          </a:effectRef>
+          <a:fontRef idx="minor">
+            <a:schemeClr val="dk1"/>
+          </a:fontRef>
+        </p:style>
+        <p:txBody>
+          <a:bodyPr rtlCol="0" anchor="ctr"/>
+          <a:lstStyle/>
+          <a:p>
+            <a:pPr algn="ctr"/>
+            <a:r>
+              <a:rPr lang="en-US" sz="2000" dirty="0"/>
+              <a:t>Loss</a:t>
+            </a:r>
+          </a:p>
+        </p:txBody>
+      </p:sp>
+      <p:sp>
+        <p:nvSpPr>
+          <p:cNvPr id="20" name="Rectangle: Rounded Corners 19">
+            <a:extLst>
+              <a:ext uri="{FF2B5EF4-FFF2-40B4-BE49-F238E27FC236}">
+                <a16:creationId xmlns:a16="http://schemas.microsoft.com/office/drawing/2014/main" id="{81BFDF1D-B90F-49E4-8F61-DED0613E4F63}"/>
+              </a:ext>
+            </a:extLst>
+          </p:cNvPr>
+          <p:cNvSpPr/>
+          <p:nvPr/>
+        </p:nvSpPr>
+        <p:spPr>
+          <a:xfrm>
+            <a:off x="5147608" y="6578255"/>
+            <a:ext cx="1204576" cy="542925"/>
+          </a:xfrm>
+          <a:prstGeom prst="roundRect">
+            <a:avLst/>
+          </a:prstGeom>
+          <a:solidFill>
+            <a:schemeClr val="accent4">
+              <a:lumMod val="40000"/>
+              <a:lumOff val="60000"/>
+            </a:schemeClr>
+          </a:solidFill>
+          <a:ln w="38100"/>
+        </p:spPr>
+        <p:style>
+          <a:lnRef idx="2">
+            <a:schemeClr val="accent1"/>
+          </a:lnRef>
+          <a:fillRef idx="1">
+            <a:schemeClr val="lt1"/>
+          </a:fillRef>
+          <a:effectRef idx="0">
+            <a:schemeClr val="accent1"/>
+          </a:effectRef>
+          <a:fontRef idx="minor">
+            <a:schemeClr val="dk1"/>
+          </a:fontRef>
+        </p:style>
+        <p:txBody>
+          <a:bodyPr rtlCol="0" anchor="ctr"/>
+          <a:lstStyle/>
+          <a:p>
+            <a:pPr algn="ctr"/>
+            <a:r>
+              <a:rPr lang="en-US" sz="2000" dirty="0"/>
+              <a:t>Loss</a:t>
+            </a:r>
+          </a:p>
+        </p:txBody>
+      </p:sp>
+      <p:sp>
+        <p:nvSpPr>
+          <p:cNvPr id="21" name="Rectangle: Rounded Corners 20">
+            <a:extLst>
+              <a:ext uri="{FF2B5EF4-FFF2-40B4-BE49-F238E27FC236}">
+                <a16:creationId xmlns:a16="http://schemas.microsoft.com/office/drawing/2014/main" id="{579D2ACD-A7F3-4A29-B996-3949DCD3AB42}"/>
+              </a:ext>
+            </a:extLst>
+          </p:cNvPr>
+          <p:cNvSpPr/>
+          <p:nvPr/>
+        </p:nvSpPr>
+        <p:spPr>
+          <a:xfrm>
+            <a:off x="7133302" y="6578254"/>
+            <a:ext cx="1204576" cy="542925"/>
+          </a:xfrm>
+          <a:prstGeom prst="roundRect">
+            <a:avLst/>
+          </a:prstGeom>
+          <a:solidFill>
+            <a:schemeClr val="accent4">
+              <a:lumMod val="40000"/>
+              <a:lumOff val="60000"/>
+            </a:schemeClr>
+          </a:solidFill>
+          <a:ln w="38100"/>
+        </p:spPr>
+        <p:style>
+          <a:lnRef idx="2">
+            <a:schemeClr val="accent1"/>
+          </a:lnRef>
+          <a:fillRef idx="1">
+            <a:schemeClr val="lt1"/>
+          </a:fillRef>
+          <a:effectRef idx="0">
+            <a:schemeClr val="accent1"/>
+          </a:effectRef>
+          <a:fontRef idx="minor">
+            <a:schemeClr val="dk1"/>
+          </a:fontRef>
+        </p:style>
+        <p:txBody>
+          <a:bodyPr rtlCol="0" anchor="ctr"/>
+          <a:lstStyle/>
+          <a:p>
+            <a:pPr algn="ctr"/>
+            <a:r>
+              <a:rPr lang="en-US" sz="2000" dirty="0"/>
+              <a:t>Loss</a:t>
+            </a:r>
+          </a:p>
+        </p:txBody>
+      </p:sp>
+      <p:cxnSp>
+        <p:nvCxnSpPr>
+          <p:cNvPr id="24" name="Straight Arrow Connector 23">
+            <a:extLst>
+              <a:ext uri="{FF2B5EF4-FFF2-40B4-BE49-F238E27FC236}">
+                <a16:creationId xmlns:a16="http://schemas.microsoft.com/office/drawing/2014/main" id="{1B96CC5B-D746-4E78-A568-680E0689DC36}"/>
+              </a:ext>
+            </a:extLst>
+          </p:cNvPr>
+          <p:cNvCxnSpPr>
+            <a:cxnSpLocks/>
+          </p:cNvCxnSpPr>
+          <p:nvPr/>
+        </p:nvCxnSpPr>
+        <p:spPr>
+          <a:xfrm flipV="1">
+            <a:off x="3628352" y="6021451"/>
+            <a:ext cx="0" cy="441055"/>
+          </a:xfrm>
+          <a:prstGeom prst="straightConnector1">
+            <a:avLst/>
+          </a:prstGeom>
+          <a:ln w="38100">
+            <a:headEnd type="arrow" w="med" len="med"/>
+            <a:tailEnd type="none" w="med" len="med"/>
+          </a:ln>
+        </p:spPr>
+        <p:style>
+          <a:lnRef idx="1">
+            <a:schemeClr val="accent1"/>
+          </a:lnRef>
+          <a:fillRef idx="0">
+            <a:schemeClr val="accent1"/>
+          </a:fillRef>
+          <a:effectRef idx="0">
+            <a:schemeClr val="accent1"/>
+          </a:effectRef>
+          <a:fontRef idx="minor">
+            <a:schemeClr val="tx1"/>
+          </a:fontRef>
+        </p:style>
+      </p:cxnSp>
+      <p:cxnSp>
+        <p:nvCxnSpPr>
+          <p:cNvPr id="25" name="Straight Arrow Connector 24">
+            <a:extLst>
+              <a:ext uri="{FF2B5EF4-FFF2-40B4-BE49-F238E27FC236}">
+                <a16:creationId xmlns:a16="http://schemas.microsoft.com/office/drawing/2014/main" id="{F43988B4-C1AF-40DF-84DB-B52D4B806F5E}"/>
+              </a:ext>
+            </a:extLst>
+          </p:cNvPr>
+          <p:cNvCxnSpPr>
+            <a:cxnSpLocks/>
+          </p:cNvCxnSpPr>
+          <p:nvPr/>
+        </p:nvCxnSpPr>
+        <p:spPr>
+          <a:xfrm flipV="1">
+            <a:off x="3830849" y="6021451"/>
+            <a:ext cx="0" cy="441055"/>
+          </a:xfrm>
+          <a:prstGeom prst="straightConnector1">
+            <a:avLst/>
+          </a:prstGeom>
+          <a:ln w="38100">
+            <a:solidFill>
+              <a:srgbClr val="FF0000"/>
+            </a:solidFill>
+            <a:headEnd type="none" w="med" len="med"/>
+            <a:tailEnd type="arrow" w="med" len="med"/>
+          </a:ln>
+        </p:spPr>
+        <p:style>
+          <a:lnRef idx="1">
+            <a:schemeClr val="accent1"/>
+          </a:lnRef>
+          <a:fillRef idx="0">
+            <a:schemeClr val="accent1"/>
+          </a:fillRef>
+          <a:effectRef idx="0">
+            <a:schemeClr val="accent1"/>
+          </a:effectRef>
+          <a:fontRef idx="minor">
+            <a:schemeClr val="tx1"/>
+          </a:fontRef>
+        </p:style>
+      </p:cxnSp>
+      <p:cxnSp>
+        <p:nvCxnSpPr>
+          <p:cNvPr id="26" name="Straight Arrow Connector 25">
+            <a:extLst>
+              <a:ext uri="{FF2B5EF4-FFF2-40B4-BE49-F238E27FC236}">
+                <a16:creationId xmlns:a16="http://schemas.microsoft.com/office/drawing/2014/main" id="{DC4B6B25-B053-4102-AEA3-F90FAA67AA1A}"/>
+              </a:ext>
+            </a:extLst>
+          </p:cNvPr>
+          <p:cNvCxnSpPr>
+            <a:cxnSpLocks/>
+          </p:cNvCxnSpPr>
+          <p:nvPr/>
+        </p:nvCxnSpPr>
+        <p:spPr>
+          <a:xfrm flipV="1">
+            <a:off x="5680451" y="6058810"/>
+            <a:ext cx="0" cy="441055"/>
+          </a:xfrm>
+          <a:prstGeom prst="straightConnector1">
+            <a:avLst/>
+          </a:prstGeom>
+          <a:ln w="38100">
+            <a:headEnd type="arrow" w="med" len="med"/>
+            <a:tailEnd type="none" w="med" len="med"/>
+          </a:ln>
+        </p:spPr>
+        <p:style>
+          <a:lnRef idx="1">
+            <a:schemeClr val="accent1"/>
+          </a:lnRef>
+          <a:fillRef idx="0">
+            <a:schemeClr val="accent1"/>
+          </a:fillRef>
+          <a:effectRef idx="0">
+            <a:schemeClr val="accent1"/>
+          </a:effectRef>
+          <a:fontRef idx="minor">
+            <a:schemeClr val="tx1"/>
+          </a:fontRef>
+        </p:style>
+      </p:cxnSp>
+      <p:cxnSp>
+        <p:nvCxnSpPr>
+          <p:cNvPr id="27" name="Straight Arrow Connector 26">
+            <a:extLst>
+              <a:ext uri="{FF2B5EF4-FFF2-40B4-BE49-F238E27FC236}">
+                <a16:creationId xmlns:a16="http://schemas.microsoft.com/office/drawing/2014/main" id="{260AF962-3556-425A-843B-C82E660EE99B}"/>
+              </a:ext>
+            </a:extLst>
+          </p:cNvPr>
+          <p:cNvCxnSpPr>
+            <a:cxnSpLocks/>
+          </p:cNvCxnSpPr>
+          <p:nvPr/>
+        </p:nvCxnSpPr>
+        <p:spPr>
+          <a:xfrm flipV="1">
+            <a:off x="5855997" y="6047235"/>
+            <a:ext cx="0" cy="441055"/>
+          </a:xfrm>
+          <a:prstGeom prst="straightConnector1">
+            <a:avLst/>
+          </a:prstGeom>
+          <a:ln w="38100">
+            <a:solidFill>
+              <a:srgbClr val="FF0000"/>
+            </a:solidFill>
+            <a:headEnd type="none" w="med" len="med"/>
+            <a:tailEnd type="arrow" w="med" len="med"/>
+          </a:ln>
+        </p:spPr>
+        <p:style>
+          <a:lnRef idx="1">
+            <a:schemeClr val="accent1"/>
+          </a:lnRef>
+          <a:fillRef idx="0">
+            <a:schemeClr val="accent1"/>
+          </a:fillRef>
+          <a:effectRef idx="0">
+            <a:schemeClr val="accent1"/>
+          </a:effectRef>
+          <a:fontRef idx="minor">
+            <a:schemeClr val="tx1"/>
+          </a:fontRef>
+        </p:style>
+      </p:cxnSp>
+      <p:cxnSp>
+        <p:nvCxnSpPr>
+          <p:cNvPr id="28" name="Straight Arrow Connector 27">
+            <a:extLst>
+              <a:ext uri="{FF2B5EF4-FFF2-40B4-BE49-F238E27FC236}">
+                <a16:creationId xmlns:a16="http://schemas.microsoft.com/office/drawing/2014/main" id="{771C067B-6411-481F-A6C3-501324673ADB}"/>
+              </a:ext>
+            </a:extLst>
+          </p:cNvPr>
+          <p:cNvCxnSpPr>
+            <a:cxnSpLocks/>
+          </p:cNvCxnSpPr>
+          <p:nvPr/>
+        </p:nvCxnSpPr>
+        <p:spPr>
+          <a:xfrm flipV="1">
+            <a:off x="7710515" y="6047235"/>
+            <a:ext cx="0" cy="441055"/>
+          </a:xfrm>
+          <a:prstGeom prst="straightConnector1">
+            <a:avLst/>
+          </a:prstGeom>
+          <a:ln w="38100">
+            <a:headEnd type="arrow" w="med" len="med"/>
+            <a:tailEnd type="none" w="med" len="med"/>
+          </a:ln>
+        </p:spPr>
+        <p:style>
+          <a:lnRef idx="1">
+            <a:schemeClr val="accent1"/>
+          </a:lnRef>
+          <a:fillRef idx="0">
+            <a:schemeClr val="accent1"/>
+          </a:fillRef>
+          <a:effectRef idx="0">
+            <a:schemeClr val="accent1"/>
+          </a:effectRef>
+          <a:fontRef idx="minor">
+            <a:schemeClr val="tx1"/>
+          </a:fontRef>
+        </p:style>
+      </p:cxnSp>
+      <p:cxnSp>
+        <p:nvCxnSpPr>
+          <p:cNvPr id="29" name="Straight Arrow Connector 28">
+            <a:extLst>
+              <a:ext uri="{FF2B5EF4-FFF2-40B4-BE49-F238E27FC236}">
+                <a16:creationId xmlns:a16="http://schemas.microsoft.com/office/drawing/2014/main" id="{36CAD48C-1E8B-47F9-A937-8F7CADAAE74D}"/>
+              </a:ext>
+            </a:extLst>
+          </p:cNvPr>
+          <p:cNvCxnSpPr>
+            <a:cxnSpLocks/>
+          </p:cNvCxnSpPr>
+          <p:nvPr/>
+        </p:nvCxnSpPr>
+        <p:spPr>
+          <a:xfrm flipV="1">
+            <a:off x="7851336" y="6047235"/>
+            <a:ext cx="0" cy="441055"/>
+          </a:xfrm>
+          <a:prstGeom prst="straightConnector1">
+            <a:avLst/>
+          </a:prstGeom>
+          <a:ln w="38100">
+            <a:solidFill>
+              <a:srgbClr val="FF0000"/>
+            </a:solidFill>
+            <a:headEnd type="none" w="med" len="med"/>
+            <a:tailEnd type="arrow" w="med" len="med"/>
+          </a:ln>
+        </p:spPr>
+        <p:style>
+          <a:lnRef idx="1">
+            <a:schemeClr val="accent1"/>
+          </a:lnRef>
+          <a:fillRef idx="0">
+            <a:schemeClr val="accent1"/>
+          </a:fillRef>
+          <a:effectRef idx="0">
+            <a:schemeClr val="accent1"/>
+          </a:effectRef>
+          <a:fontRef idx="minor">
+            <a:schemeClr val="tx1"/>
+          </a:fontRef>
+        </p:style>
+      </p:cxnSp>
+      <p:sp>
+        <p:nvSpPr>
+          <p:cNvPr id="30" name="Rectangle: Rounded Corners 29">
+            <a:extLst>
+              <a:ext uri="{FF2B5EF4-FFF2-40B4-BE49-F238E27FC236}">
+                <a16:creationId xmlns:a16="http://schemas.microsoft.com/office/drawing/2014/main" id="{FC05F1A0-1F69-4AB4-89F2-937694602DBC}"/>
+              </a:ext>
+            </a:extLst>
+          </p:cNvPr>
+          <p:cNvSpPr/>
+          <p:nvPr/>
+        </p:nvSpPr>
+        <p:spPr>
+          <a:xfrm>
+            <a:off x="3141809" y="2253995"/>
+            <a:ext cx="1353312" cy="548640"/>
+          </a:xfrm>
+          <a:prstGeom prst="roundRect">
+            <a:avLst/>
+          </a:prstGeom>
+          <a:solidFill>
+            <a:schemeClr val="accent5">
+              <a:lumMod val="20000"/>
+              <a:lumOff val="80000"/>
+            </a:schemeClr>
+          </a:solidFill>
+          <a:ln w="38100"/>
+        </p:spPr>
+        <p:style>
+          <a:lnRef idx="2">
+            <a:schemeClr val="accent1"/>
+          </a:lnRef>
+          <a:fillRef idx="1">
+            <a:schemeClr val="lt1"/>
+          </a:fillRef>
+          <a:effectRef idx="0">
+            <a:schemeClr val="accent1"/>
+          </a:effectRef>
+          <a:fontRef idx="minor">
+            <a:schemeClr val="dk1"/>
+          </a:fontRef>
+        </p:style>
+        <p:txBody>
+          <a:bodyPr rtlCol="0" anchor="ctr"/>
+          <a:lstStyle/>
+          <a:p>
+            <a:pPr algn="ctr"/>
+            <a:r>
+              <a:rPr lang="en-US" sz="2000" dirty="0"/>
+              <a:t>Compute</a:t>
+            </a:r>
+            <a:r>
+              <a:rPr lang="en-US" altLang="zh-CN" sz="2000" dirty="0"/>
+              <a:t>1</a:t>
+            </a:r>
+            <a:endParaRPr lang="en-US" sz="2000" dirty="0"/>
+          </a:p>
+        </p:txBody>
+      </p:sp>
+      <p:sp>
+        <p:nvSpPr>
+          <p:cNvPr id="32" name="Rectangle: Rounded Corners 31">
+            <a:extLst>
+              <a:ext uri="{FF2B5EF4-FFF2-40B4-BE49-F238E27FC236}">
+                <a16:creationId xmlns:a16="http://schemas.microsoft.com/office/drawing/2014/main" id="{740B88E3-0708-43C3-A587-B6787469AFFF}"/>
+              </a:ext>
+            </a:extLst>
+          </p:cNvPr>
+          <p:cNvSpPr/>
+          <p:nvPr/>
+        </p:nvSpPr>
+        <p:spPr>
+          <a:xfrm>
+            <a:off x="5137554" y="2248598"/>
+            <a:ext cx="1353312" cy="548640"/>
+          </a:xfrm>
+          <a:prstGeom prst="roundRect">
+            <a:avLst/>
+          </a:prstGeom>
+          <a:solidFill>
+            <a:schemeClr val="accent5">
+              <a:lumMod val="20000"/>
+              <a:lumOff val="80000"/>
+            </a:schemeClr>
+          </a:solidFill>
+          <a:ln w="38100"/>
+        </p:spPr>
+        <p:style>
+          <a:lnRef idx="2">
+            <a:schemeClr val="accent1"/>
+          </a:lnRef>
+          <a:fillRef idx="1">
+            <a:schemeClr val="lt1"/>
+          </a:fillRef>
+          <a:effectRef idx="0">
+            <a:schemeClr val="accent1"/>
+          </a:effectRef>
+          <a:fontRef idx="minor">
+            <a:schemeClr val="dk1"/>
+          </a:fontRef>
+        </p:style>
+        <p:txBody>
+          <a:bodyPr rtlCol="0" anchor="ctr"/>
+          <a:lstStyle/>
+          <a:p>
+            <a:pPr algn="ctr"/>
+            <a:r>
+              <a:rPr lang="en-US" sz="2000" dirty="0"/>
+              <a:t>Compute</a:t>
+            </a:r>
+            <a:r>
+              <a:rPr lang="en-US" altLang="zh-CN" sz="2000" dirty="0"/>
+              <a:t>1</a:t>
+            </a:r>
+            <a:endParaRPr lang="en-US" sz="2000" dirty="0"/>
+          </a:p>
+        </p:txBody>
+      </p:sp>
+      <p:sp>
+        <p:nvSpPr>
+          <p:cNvPr id="37" name="Rectangle: Rounded Corners 36">
+            <a:extLst>
+              <a:ext uri="{FF2B5EF4-FFF2-40B4-BE49-F238E27FC236}">
+                <a16:creationId xmlns:a16="http://schemas.microsoft.com/office/drawing/2014/main" id="{2427D1B7-9B93-492C-B525-6B9DF8103E92}"/>
+              </a:ext>
+            </a:extLst>
+          </p:cNvPr>
+          <p:cNvSpPr/>
+          <p:nvPr/>
+        </p:nvSpPr>
+        <p:spPr>
+          <a:xfrm>
+            <a:off x="7133300" y="2253994"/>
+            <a:ext cx="1353312" cy="548640"/>
+          </a:xfrm>
+          <a:prstGeom prst="roundRect">
+            <a:avLst/>
+          </a:prstGeom>
+          <a:solidFill>
+            <a:schemeClr val="accent5">
+              <a:lumMod val="20000"/>
+              <a:lumOff val="80000"/>
+            </a:schemeClr>
+          </a:solidFill>
+          <a:ln w="38100"/>
+        </p:spPr>
+        <p:style>
+          <a:lnRef idx="2">
+            <a:schemeClr val="accent1"/>
+          </a:lnRef>
+          <a:fillRef idx="1">
+            <a:schemeClr val="lt1"/>
+          </a:fillRef>
+          <a:effectRef idx="0">
+            <a:schemeClr val="accent1"/>
+          </a:effectRef>
+          <a:fontRef idx="minor">
+            <a:schemeClr val="dk1"/>
+          </a:fontRef>
+        </p:style>
+        <p:txBody>
+          <a:bodyPr rtlCol="0" anchor="ctr"/>
+          <a:lstStyle/>
+          <a:p>
+            <a:pPr algn="ctr"/>
+            <a:r>
+              <a:rPr lang="en-US" sz="2000" dirty="0"/>
+              <a:t>Compute</a:t>
+            </a:r>
+            <a:r>
+              <a:rPr lang="en-US" altLang="zh-CN" sz="2000" dirty="0"/>
+              <a:t>1</a:t>
+            </a:r>
+            <a:endParaRPr lang="en-US" sz="2000" dirty="0"/>
+          </a:p>
+        </p:txBody>
+      </p:sp>
+      <p:sp>
+        <p:nvSpPr>
+          <p:cNvPr id="39" name="Rectangle: Rounded Corners 38">
+            <a:extLst>
+              <a:ext uri="{FF2B5EF4-FFF2-40B4-BE49-F238E27FC236}">
+                <a16:creationId xmlns:a16="http://schemas.microsoft.com/office/drawing/2014/main" id="{F701A7C1-B6A9-49D1-9D65-978B0A823E71}"/>
+              </a:ext>
+            </a:extLst>
+          </p:cNvPr>
+          <p:cNvSpPr/>
+          <p:nvPr/>
+        </p:nvSpPr>
+        <p:spPr>
+          <a:xfrm>
+            <a:off x="3141809" y="2944086"/>
+            <a:ext cx="1353312" cy="548640"/>
+          </a:xfrm>
+          <a:prstGeom prst="roundRect">
+            <a:avLst/>
+          </a:prstGeom>
+          <a:solidFill>
+            <a:schemeClr val="accent5">
+              <a:lumMod val="20000"/>
+              <a:lumOff val="80000"/>
+            </a:schemeClr>
+          </a:solidFill>
+          <a:ln w="38100"/>
+        </p:spPr>
+        <p:style>
+          <a:lnRef idx="2">
+            <a:schemeClr val="accent1"/>
+          </a:lnRef>
+          <a:fillRef idx="1">
+            <a:schemeClr val="lt1"/>
+          </a:fillRef>
+          <a:effectRef idx="0">
+            <a:schemeClr val="accent1"/>
+          </a:effectRef>
+          <a:fontRef idx="minor">
+            <a:schemeClr val="dk1"/>
+          </a:fontRef>
+        </p:style>
+        <p:txBody>
+          <a:bodyPr rtlCol="0" anchor="ctr"/>
+          <a:lstStyle/>
+          <a:p>
+            <a:pPr algn="ctr"/>
+            <a:r>
+              <a:rPr lang="en-US" sz="2000" dirty="0"/>
+              <a:t>MPI</a:t>
+            </a:r>
+          </a:p>
+        </p:txBody>
+      </p:sp>
+      <p:sp>
+        <p:nvSpPr>
+          <p:cNvPr id="40" name="Rectangle: Rounded Corners 39">
+            <a:extLst>
+              <a:ext uri="{FF2B5EF4-FFF2-40B4-BE49-F238E27FC236}">
+                <a16:creationId xmlns:a16="http://schemas.microsoft.com/office/drawing/2014/main" id="{CCA35711-1D27-4E90-9D7C-5B4138FA4849}"/>
+              </a:ext>
+            </a:extLst>
+          </p:cNvPr>
+          <p:cNvSpPr/>
+          <p:nvPr/>
+        </p:nvSpPr>
+        <p:spPr>
+          <a:xfrm>
+            <a:off x="5137554" y="2938689"/>
+            <a:ext cx="1353312" cy="548640"/>
+          </a:xfrm>
+          <a:prstGeom prst="roundRect">
+            <a:avLst/>
+          </a:prstGeom>
+          <a:solidFill>
+            <a:schemeClr val="accent5">
+              <a:lumMod val="20000"/>
+              <a:lumOff val="80000"/>
+            </a:schemeClr>
+          </a:solidFill>
+          <a:ln w="38100"/>
+        </p:spPr>
+        <p:style>
+          <a:lnRef idx="2">
+            <a:schemeClr val="accent1"/>
+          </a:lnRef>
+          <a:fillRef idx="1">
+            <a:schemeClr val="lt1"/>
+          </a:fillRef>
+          <a:effectRef idx="0">
+            <a:schemeClr val="accent1"/>
+          </a:effectRef>
+          <a:fontRef idx="minor">
+            <a:schemeClr val="dk1"/>
+          </a:fontRef>
+        </p:style>
+        <p:txBody>
+          <a:bodyPr rtlCol="0" anchor="ctr"/>
+          <a:lstStyle/>
+          <a:p>
+            <a:pPr algn="ctr"/>
+            <a:r>
+              <a:rPr lang="en-US" sz="2000" dirty="0"/>
+              <a:t>MPI</a:t>
+            </a:r>
+            <a:endParaRPr lang="en-US" sz="1600" dirty="0"/>
+          </a:p>
+        </p:txBody>
+      </p:sp>
+      <p:sp>
+        <p:nvSpPr>
+          <p:cNvPr id="41" name="Rectangle: Rounded Corners 40">
+            <a:extLst>
+              <a:ext uri="{FF2B5EF4-FFF2-40B4-BE49-F238E27FC236}">
+                <a16:creationId xmlns:a16="http://schemas.microsoft.com/office/drawing/2014/main" id="{190AC938-5EA2-4502-A0BF-8F778984418A}"/>
+              </a:ext>
+            </a:extLst>
+          </p:cNvPr>
+          <p:cNvSpPr/>
+          <p:nvPr/>
+        </p:nvSpPr>
+        <p:spPr>
+          <a:xfrm>
+            <a:off x="7133300" y="2944085"/>
+            <a:ext cx="1353312" cy="548640"/>
+          </a:xfrm>
+          <a:prstGeom prst="roundRect">
+            <a:avLst/>
+          </a:prstGeom>
+          <a:solidFill>
+            <a:schemeClr val="accent5">
+              <a:lumMod val="20000"/>
+              <a:lumOff val="80000"/>
+            </a:schemeClr>
+          </a:solidFill>
+          <a:ln w="38100"/>
+        </p:spPr>
+        <p:style>
+          <a:lnRef idx="2">
+            <a:schemeClr val="accent1"/>
+          </a:lnRef>
+          <a:fillRef idx="1">
+            <a:schemeClr val="lt1"/>
+          </a:fillRef>
+          <a:effectRef idx="0">
+            <a:schemeClr val="accent1"/>
+          </a:effectRef>
+          <a:fontRef idx="minor">
+            <a:schemeClr val="dk1"/>
+          </a:fontRef>
+        </p:style>
+        <p:txBody>
+          <a:bodyPr rtlCol="0" anchor="ctr"/>
+          <a:lstStyle/>
+          <a:p>
+            <a:pPr algn="ctr"/>
+            <a:r>
+              <a:rPr lang="en-US" sz="2000" dirty="0"/>
+              <a:t>MPI</a:t>
+            </a:r>
+          </a:p>
+        </p:txBody>
+      </p:sp>
+      <p:sp>
+        <p:nvSpPr>
+          <p:cNvPr id="42" name="Rectangle: Rounded Corners 41">
+            <a:extLst>
+              <a:ext uri="{FF2B5EF4-FFF2-40B4-BE49-F238E27FC236}">
+                <a16:creationId xmlns:a16="http://schemas.microsoft.com/office/drawing/2014/main" id="{2F5B8F87-5A85-4369-8249-955634396593}"/>
+              </a:ext>
+            </a:extLst>
+          </p:cNvPr>
+          <p:cNvSpPr/>
+          <p:nvPr/>
+        </p:nvSpPr>
+        <p:spPr>
+          <a:xfrm>
+            <a:off x="3141809" y="3635429"/>
+            <a:ext cx="1353312" cy="548640"/>
+          </a:xfrm>
+          <a:prstGeom prst="roundRect">
+            <a:avLst/>
+          </a:prstGeom>
+          <a:solidFill>
+            <a:schemeClr val="accent5">
+              <a:lumMod val="20000"/>
+              <a:lumOff val="80000"/>
+            </a:schemeClr>
+          </a:solidFill>
+          <a:ln w="38100"/>
+        </p:spPr>
+        <p:style>
+          <a:lnRef idx="2">
+            <a:schemeClr val="accent1"/>
+          </a:lnRef>
+          <a:fillRef idx="1">
+            <a:schemeClr val="lt1"/>
+          </a:fillRef>
+          <a:effectRef idx="0">
+            <a:schemeClr val="accent1"/>
+          </a:effectRef>
+          <a:fontRef idx="minor">
+            <a:schemeClr val="dk1"/>
+          </a:fontRef>
+        </p:style>
+        <p:txBody>
+          <a:bodyPr rtlCol="0" anchor="ctr"/>
+          <a:lstStyle/>
+          <a:p>
+            <a:pPr algn="ctr"/>
+            <a:r>
+              <a:rPr lang="en-US" sz="2000" dirty="0"/>
+              <a:t>Compute</a:t>
+            </a:r>
+            <a:r>
+              <a:rPr lang="en-US" altLang="zh-CN" sz="2000" dirty="0"/>
+              <a:t>2</a:t>
+            </a:r>
+            <a:endParaRPr lang="en-US" sz="2000" dirty="0"/>
+          </a:p>
+        </p:txBody>
+      </p:sp>
+      <p:sp>
+        <p:nvSpPr>
+          <p:cNvPr id="43" name="Rectangle: Rounded Corners 42">
+            <a:extLst>
+              <a:ext uri="{FF2B5EF4-FFF2-40B4-BE49-F238E27FC236}">
+                <a16:creationId xmlns:a16="http://schemas.microsoft.com/office/drawing/2014/main" id="{8971A931-0B8D-4BFE-A7C6-7E54E32E36EB}"/>
+              </a:ext>
+            </a:extLst>
+          </p:cNvPr>
+          <p:cNvSpPr/>
+          <p:nvPr/>
+        </p:nvSpPr>
+        <p:spPr>
+          <a:xfrm>
+            <a:off x="5137554" y="3630032"/>
+            <a:ext cx="1353312" cy="548640"/>
+          </a:xfrm>
+          <a:prstGeom prst="roundRect">
+            <a:avLst/>
+          </a:prstGeom>
+          <a:solidFill>
+            <a:schemeClr val="accent5">
+              <a:lumMod val="20000"/>
+              <a:lumOff val="80000"/>
+            </a:schemeClr>
+          </a:solidFill>
+          <a:ln w="38100"/>
+        </p:spPr>
+        <p:style>
+          <a:lnRef idx="2">
+            <a:schemeClr val="accent1"/>
+          </a:lnRef>
+          <a:fillRef idx="1">
+            <a:schemeClr val="lt1"/>
+          </a:fillRef>
+          <a:effectRef idx="0">
+            <a:schemeClr val="accent1"/>
+          </a:effectRef>
+          <a:fontRef idx="minor">
+            <a:schemeClr val="dk1"/>
+          </a:fontRef>
+        </p:style>
+        <p:txBody>
+          <a:bodyPr rtlCol="0" anchor="ctr"/>
+          <a:lstStyle/>
+          <a:p>
+            <a:pPr algn="ctr"/>
+            <a:r>
+              <a:rPr lang="en-US" sz="2000" dirty="0"/>
+              <a:t>Compute</a:t>
+            </a:r>
+            <a:r>
+              <a:rPr lang="en-US" altLang="zh-CN" sz="2000" dirty="0"/>
+              <a:t>2</a:t>
+            </a:r>
+            <a:endParaRPr lang="en-US" sz="2000" dirty="0"/>
+          </a:p>
+        </p:txBody>
+      </p:sp>
+      <p:sp>
+        <p:nvSpPr>
+          <p:cNvPr id="44" name="Rectangle: Rounded Corners 43">
+            <a:extLst>
+              <a:ext uri="{FF2B5EF4-FFF2-40B4-BE49-F238E27FC236}">
+                <a16:creationId xmlns:a16="http://schemas.microsoft.com/office/drawing/2014/main" id="{60E80001-C42C-4A0B-9D35-07321D21597C}"/>
+              </a:ext>
+            </a:extLst>
+          </p:cNvPr>
+          <p:cNvSpPr/>
+          <p:nvPr/>
+        </p:nvSpPr>
+        <p:spPr>
+          <a:xfrm>
+            <a:off x="7133300" y="3635428"/>
+            <a:ext cx="1353312" cy="548640"/>
+          </a:xfrm>
+          <a:prstGeom prst="roundRect">
+            <a:avLst/>
+          </a:prstGeom>
+          <a:solidFill>
+            <a:schemeClr val="accent5">
+              <a:lumMod val="20000"/>
+              <a:lumOff val="80000"/>
+            </a:schemeClr>
+          </a:solidFill>
+          <a:ln w="38100"/>
+        </p:spPr>
+        <p:style>
+          <a:lnRef idx="2">
+            <a:schemeClr val="accent1"/>
+          </a:lnRef>
+          <a:fillRef idx="1">
+            <a:schemeClr val="lt1"/>
+          </a:fillRef>
+          <a:effectRef idx="0">
+            <a:schemeClr val="accent1"/>
+          </a:effectRef>
+          <a:fontRef idx="minor">
+            <a:schemeClr val="dk1"/>
+          </a:fontRef>
+        </p:style>
+        <p:txBody>
+          <a:bodyPr rtlCol="0" anchor="ctr"/>
+          <a:lstStyle/>
+          <a:p>
+            <a:pPr algn="ctr"/>
+            <a:r>
+              <a:rPr lang="en-US" sz="2000" dirty="0"/>
+              <a:t>Compute2</a:t>
+            </a:r>
+          </a:p>
+        </p:txBody>
+      </p:sp>
+      <p:sp>
+        <p:nvSpPr>
+          <p:cNvPr id="45" name="Rectangle: Rounded Corners 44">
+            <a:extLst>
+              <a:ext uri="{FF2B5EF4-FFF2-40B4-BE49-F238E27FC236}">
+                <a16:creationId xmlns:a16="http://schemas.microsoft.com/office/drawing/2014/main" id="{115736EC-42FA-474C-8762-FCA125D46086}"/>
+              </a:ext>
+            </a:extLst>
+          </p:cNvPr>
+          <p:cNvSpPr/>
+          <p:nvPr/>
+        </p:nvSpPr>
+        <p:spPr>
+          <a:xfrm>
+            <a:off x="3123639" y="4341343"/>
+            <a:ext cx="1353312" cy="548640"/>
+          </a:xfrm>
+          <a:prstGeom prst="roundRect">
+            <a:avLst/>
+          </a:prstGeom>
+          <a:solidFill>
+            <a:schemeClr val="accent5">
+              <a:lumMod val="20000"/>
+              <a:lumOff val="80000"/>
+            </a:schemeClr>
+          </a:solidFill>
+          <a:ln w="38100"/>
+        </p:spPr>
+        <p:style>
+          <a:lnRef idx="2">
+            <a:schemeClr val="accent1"/>
+          </a:lnRef>
+          <a:fillRef idx="1">
+            <a:schemeClr val="lt1"/>
+          </a:fillRef>
+          <a:effectRef idx="0">
+            <a:schemeClr val="accent1"/>
+          </a:effectRef>
+          <a:fontRef idx="minor">
+            <a:schemeClr val="dk1"/>
+          </a:fontRef>
+        </p:style>
+        <p:txBody>
+          <a:bodyPr rtlCol="0" anchor="ctr"/>
+          <a:lstStyle/>
+          <a:p>
+            <a:pPr algn="ctr"/>
+            <a:r>
+              <a:rPr lang="en-US" sz="2000" dirty="0"/>
+              <a:t>MPI</a:t>
+            </a:r>
+          </a:p>
+        </p:txBody>
+      </p:sp>
+      <p:sp>
+        <p:nvSpPr>
+          <p:cNvPr id="46" name="Rectangle: Rounded Corners 45">
+            <a:extLst>
+              <a:ext uri="{FF2B5EF4-FFF2-40B4-BE49-F238E27FC236}">
+                <a16:creationId xmlns:a16="http://schemas.microsoft.com/office/drawing/2014/main" id="{CED9F08D-7E87-4A10-B263-986C060407F0}"/>
+              </a:ext>
+            </a:extLst>
+          </p:cNvPr>
+          <p:cNvSpPr/>
+          <p:nvPr/>
+        </p:nvSpPr>
+        <p:spPr>
+          <a:xfrm>
+            <a:off x="5119384" y="4335946"/>
+            <a:ext cx="1353312" cy="548640"/>
+          </a:xfrm>
+          <a:prstGeom prst="roundRect">
+            <a:avLst/>
+          </a:prstGeom>
+          <a:solidFill>
+            <a:schemeClr val="accent5">
+              <a:lumMod val="20000"/>
+              <a:lumOff val="80000"/>
+            </a:schemeClr>
+          </a:solidFill>
+          <a:ln w="38100"/>
+        </p:spPr>
+        <p:style>
+          <a:lnRef idx="2">
+            <a:schemeClr val="accent1"/>
+          </a:lnRef>
+          <a:fillRef idx="1">
+            <a:schemeClr val="lt1"/>
+          </a:fillRef>
+          <a:effectRef idx="0">
+            <a:schemeClr val="accent1"/>
+          </a:effectRef>
+          <a:fontRef idx="minor">
+            <a:schemeClr val="dk1"/>
+          </a:fontRef>
+        </p:style>
+        <p:txBody>
+          <a:bodyPr rtlCol="0" anchor="ctr"/>
+          <a:lstStyle/>
+          <a:p>
+            <a:pPr algn="ctr"/>
+            <a:r>
+              <a:rPr lang="en-US" sz="2000" dirty="0"/>
+              <a:t>MPI</a:t>
+            </a:r>
+            <a:endParaRPr lang="en-US" sz="1600" dirty="0"/>
+          </a:p>
+        </p:txBody>
+      </p:sp>
+      <p:sp>
+        <p:nvSpPr>
+          <p:cNvPr id="47" name="Rectangle: Rounded Corners 46">
+            <a:extLst>
+              <a:ext uri="{FF2B5EF4-FFF2-40B4-BE49-F238E27FC236}">
+                <a16:creationId xmlns:a16="http://schemas.microsoft.com/office/drawing/2014/main" id="{821F5FE1-B3EB-46A6-A1E2-3EE68013FA70}"/>
+              </a:ext>
+            </a:extLst>
+          </p:cNvPr>
+          <p:cNvSpPr/>
+          <p:nvPr/>
+        </p:nvSpPr>
+        <p:spPr>
+          <a:xfrm>
+            <a:off x="7115130" y="4341342"/>
+            <a:ext cx="1353312" cy="548640"/>
+          </a:xfrm>
+          <a:prstGeom prst="roundRect">
+            <a:avLst/>
+          </a:prstGeom>
+          <a:solidFill>
+            <a:schemeClr val="accent5">
+              <a:lumMod val="20000"/>
+              <a:lumOff val="80000"/>
+            </a:schemeClr>
+          </a:solidFill>
+          <a:ln w="38100"/>
+        </p:spPr>
+        <p:style>
+          <a:lnRef idx="2">
+            <a:schemeClr val="accent1"/>
+          </a:lnRef>
+          <a:fillRef idx="1">
+            <a:schemeClr val="lt1"/>
+          </a:fillRef>
+          <a:effectRef idx="0">
+            <a:schemeClr val="accent1"/>
+          </a:effectRef>
+          <a:fontRef idx="minor">
+            <a:schemeClr val="dk1"/>
+          </a:fontRef>
+        </p:style>
+        <p:txBody>
+          <a:bodyPr rtlCol="0" anchor="ctr"/>
+          <a:lstStyle/>
+          <a:p>
+            <a:pPr algn="ctr"/>
+            <a:r>
+              <a:rPr lang="en-US" sz="2000" dirty="0"/>
+              <a:t>MPI</a:t>
+            </a:r>
+          </a:p>
+        </p:txBody>
+      </p:sp>
+      <p:sp>
+        <p:nvSpPr>
+          <p:cNvPr id="48" name="Rectangle: Rounded Corners 47">
+            <a:extLst>
+              <a:ext uri="{FF2B5EF4-FFF2-40B4-BE49-F238E27FC236}">
+                <a16:creationId xmlns:a16="http://schemas.microsoft.com/office/drawing/2014/main" id="{C9D2AEA9-F83C-446F-BB1A-7D26D810E848}"/>
+              </a:ext>
+            </a:extLst>
+          </p:cNvPr>
+          <p:cNvSpPr/>
+          <p:nvPr/>
+        </p:nvSpPr>
+        <p:spPr>
+          <a:xfrm>
+            <a:off x="3123639" y="5384816"/>
+            <a:ext cx="1353312" cy="548640"/>
+          </a:xfrm>
+          <a:prstGeom prst="roundRect">
+            <a:avLst/>
+          </a:prstGeom>
+          <a:solidFill>
+            <a:schemeClr val="accent5">
+              <a:lumMod val="20000"/>
+              <a:lumOff val="80000"/>
+            </a:schemeClr>
+          </a:solidFill>
+          <a:ln w="38100"/>
+        </p:spPr>
+        <p:style>
+          <a:lnRef idx="2">
+            <a:schemeClr val="accent1"/>
+          </a:lnRef>
+          <a:fillRef idx="1">
+            <a:schemeClr val="lt1"/>
+          </a:fillRef>
+          <a:effectRef idx="0">
+            <a:schemeClr val="accent1"/>
+          </a:effectRef>
+          <a:fontRef idx="minor">
+            <a:schemeClr val="dk1"/>
+          </a:fontRef>
+        </p:style>
+        <p:txBody>
+          <a:bodyPr rtlCol="0" anchor="ctr"/>
+          <a:lstStyle/>
+          <a:p>
+            <a:pPr algn="ctr"/>
+            <a:r>
+              <a:rPr lang="en-US" sz="2000" dirty="0" err="1"/>
+              <a:t>ComputeN</a:t>
+            </a:r>
+            <a:endParaRPr lang="en-US" sz="2000" dirty="0"/>
+          </a:p>
+        </p:txBody>
+      </p:sp>
+      <p:sp>
+        <p:nvSpPr>
+          <p:cNvPr id="49" name="Rectangle: Rounded Corners 48">
+            <a:extLst>
+              <a:ext uri="{FF2B5EF4-FFF2-40B4-BE49-F238E27FC236}">
+                <a16:creationId xmlns:a16="http://schemas.microsoft.com/office/drawing/2014/main" id="{3AB03366-6C50-4942-BBF2-323CC6A1EB91}"/>
+              </a:ext>
+            </a:extLst>
+          </p:cNvPr>
+          <p:cNvSpPr/>
+          <p:nvPr/>
+        </p:nvSpPr>
+        <p:spPr>
+          <a:xfrm>
+            <a:off x="5119384" y="5379419"/>
+            <a:ext cx="1353312" cy="548640"/>
+          </a:xfrm>
+          <a:prstGeom prst="roundRect">
+            <a:avLst/>
+          </a:prstGeom>
+          <a:solidFill>
+            <a:schemeClr val="accent5">
+              <a:lumMod val="20000"/>
+              <a:lumOff val="80000"/>
+            </a:schemeClr>
+          </a:solidFill>
+          <a:ln w="38100"/>
+        </p:spPr>
+        <p:style>
+          <a:lnRef idx="2">
+            <a:schemeClr val="accent1"/>
+          </a:lnRef>
+          <a:fillRef idx="1">
+            <a:schemeClr val="lt1"/>
+          </a:fillRef>
+          <a:effectRef idx="0">
+            <a:schemeClr val="accent1"/>
+          </a:effectRef>
+          <a:fontRef idx="minor">
+            <a:schemeClr val="dk1"/>
+          </a:fontRef>
+        </p:style>
+        <p:txBody>
+          <a:bodyPr rtlCol="0" anchor="ctr"/>
+          <a:lstStyle/>
+          <a:p>
+            <a:pPr algn="ctr"/>
+            <a:r>
+              <a:rPr lang="en-US" sz="2000" dirty="0" err="1"/>
+              <a:t>Compute</a:t>
+            </a:r>
+            <a:r>
+              <a:rPr lang="en-US" altLang="zh-CN" sz="2000" dirty="0" err="1"/>
+              <a:t>N</a:t>
+            </a:r>
+            <a:endParaRPr lang="en-US" sz="2000" dirty="0"/>
+          </a:p>
+        </p:txBody>
+      </p:sp>
+      <p:sp>
+        <p:nvSpPr>
+          <p:cNvPr id="50" name="Rectangle: Rounded Corners 49">
+            <a:extLst>
+              <a:ext uri="{FF2B5EF4-FFF2-40B4-BE49-F238E27FC236}">
+                <a16:creationId xmlns:a16="http://schemas.microsoft.com/office/drawing/2014/main" id="{10D5AE85-3C3A-401C-9A3C-397513997C85}"/>
+              </a:ext>
+            </a:extLst>
+          </p:cNvPr>
+          <p:cNvSpPr/>
+          <p:nvPr/>
+        </p:nvSpPr>
+        <p:spPr>
+          <a:xfrm>
+            <a:off x="7115130" y="5384815"/>
+            <a:ext cx="1353312" cy="548640"/>
+          </a:xfrm>
+          <a:prstGeom prst="roundRect">
+            <a:avLst/>
+          </a:prstGeom>
+          <a:solidFill>
+            <a:schemeClr val="accent5">
+              <a:lumMod val="20000"/>
+              <a:lumOff val="80000"/>
+            </a:schemeClr>
+          </a:solidFill>
+          <a:ln w="38100"/>
+        </p:spPr>
+        <p:style>
+          <a:lnRef idx="2">
+            <a:schemeClr val="accent1"/>
+          </a:lnRef>
+          <a:fillRef idx="1">
+            <a:schemeClr val="lt1"/>
+          </a:fillRef>
+          <a:effectRef idx="0">
+            <a:schemeClr val="accent1"/>
+          </a:effectRef>
+          <a:fontRef idx="minor">
+            <a:schemeClr val="dk1"/>
+          </a:fontRef>
+        </p:style>
+        <p:txBody>
+          <a:bodyPr rtlCol="0" anchor="ctr"/>
+          <a:lstStyle/>
+          <a:p>
+            <a:pPr algn="ctr"/>
+            <a:r>
+              <a:rPr lang="en-US" sz="2000" dirty="0" err="1"/>
+              <a:t>ComputeN</a:t>
+            </a:r>
+            <a:endParaRPr lang="en-US" sz="2000" dirty="0"/>
+          </a:p>
+        </p:txBody>
+      </p:sp>
+      <p:sp>
+        <p:nvSpPr>
+          <p:cNvPr id="51" name="Rectangle: Rounded Corners 50">
+            <a:extLst>
+              <a:ext uri="{FF2B5EF4-FFF2-40B4-BE49-F238E27FC236}">
+                <a16:creationId xmlns:a16="http://schemas.microsoft.com/office/drawing/2014/main" id="{23AE94B0-404C-4EC9-B33E-36AC6D2B3D91}"/>
+              </a:ext>
+            </a:extLst>
+          </p:cNvPr>
+          <p:cNvSpPr/>
+          <p:nvPr/>
+        </p:nvSpPr>
+        <p:spPr>
+          <a:xfrm>
+            <a:off x="4740836" y="7943171"/>
+            <a:ext cx="2103217" cy="542925"/>
+          </a:xfrm>
+          <a:prstGeom prst="roundRect">
+            <a:avLst/>
+          </a:prstGeom>
+          <a:solidFill>
+            <a:schemeClr val="accent4">
+              <a:lumMod val="40000"/>
+              <a:lumOff val="60000"/>
+            </a:schemeClr>
+          </a:solidFill>
+          <a:ln w="38100"/>
+        </p:spPr>
+        <p:style>
+          <a:lnRef idx="2">
+            <a:schemeClr val="accent1"/>
+          </a:lnRef>
+          <a:fillRef idx="1">
+            <a:schemeClr val="lt1"/>
+          </a:fillRef>
+          <a:effectRef idx="0">
+            <a:schemeClr val="accent1"/>
+          </a:effectRef>
+          <a:fontRef idx="minor">
+            <a:schemeClr val="dk1"/>
+          </a:fontRef>
+        </p:style>
+        <p:txBody>
+          <a:bodyPr rtlCol="0" anchor="ctr"/>
+          <a:lstStyle/>
+          <a:p>
+            <a:pPr algn="ctr"/>
+            <a:r>
+              <a:rPr lang="en-US" sz="2000" dirty="0"/>
+              <a:t>A</a:t>
+            </a:r>
+            <a:r>
+              <a:rPr lang="en-US" altLang="zh-CN" sz="2000" dirty="0"/>
+              <a:t>ggregated Loss</a:t>
+            </a:r>
+            <a:endParaRPr lang="en-US" sz="2000" dirty="0"/>
+          </a:p>
+        </p:txBody>
+      </p:sp>
+      <p:cxnSp>
+        <p:nvCxnSpPr>
+          <p:cNvPr id="52" name="Straight Arrow Connector 51">
+            <a:extLst>
+              <a:ext uri="{FF2B5EF4-FFF2-40B4-BE49-F238E27FC236}">
+                <a16:creationId xmlns:a16="http://schemas.microsoft.com/office/drawing/2014/main" id="{4A8DD0EF-239A-4DF2-B971-7FB7B28D9BDE}"/>
+              </a:ext>
+            </a:extLst>
+          </p:cNvPr>
+          <p:cNvCxnSpPr>
+            <a:cxnSpLocks/>
+          </p:cNvCxnSpPr>
+          <p:nvPr/>
+        </p:nvCxnSpPr>
+        <p:spPr>
+          <a:xfrm flipV="1">
+            <a:off x="6682857" y="7300682"/>
+            <a:ext cx="766417" cy="462986"/>
+          </a:xfrm>
+          <a:prstGeom prst="straightConnector1">
+            <a:avLst/>
+          </a:prstGeom>
+          <a:ln w="38100">
+            <a:solidFill>
+              <a:srgbClr val="FF0000"/>
+            </a:solidFill>
+            <a:headEnd type="none" w="med" len="med"/>
+            <a:tailEnd type="arrow" w="med" len="med"/>
+          </a:ln>
+        </p:spPr>
+        <p:style>
+          <a:lnRef idx="1">
+            <a:schemeClr val="accent1"/>
+          </a:lnRef>
+          <a:fillRef idx="0">
+            <a:schemeClr val="accent1"/>
+          </a:fillRef>
+          <a:effectRef idx="0">
+            <a:schemeClr val="accent1"/>
+          </a:effectRef>
+          <a:fontRef idx="minor">
+            <a:schemeClr val="tx1"/>
+          </a:fontRef>
+        </p:style>
+      </p:cxnSp>
+      <p:cxnSp>
+        <p:nvCxnSpPr>
+          <p:cNvPr id="53" name="Straight Arrow Connector 52">
+            <a:extLst>
+              <a:ext uri="{FF2B5EF4-FFF2-40B4-BE49-F238E27FC236}">
+                <a16:creationId xmlns:a16="http://schemas.microsoft.com/office/drawing/2014/main" id="{03A7916F-C73F-4817-842A-B7F3D7DE49B2}"/>
+              </a:ext>
+            </a:extLst>
+          </p:cNvPr>
+          <p:cNvCxnSpPr>
+            <a:cxnSpLocks/>
+          </p:cNvCxnSpPr>
+          <p:nvPr/>
+        </p:nvCxnSpPr>
+        <p:spPr>
+          <a:xfrm flipV="1">
+            <a:off x="7009513" y="7308706"/>
+            <a:ext cx="766417" cy="462986"/>
+          </a:xfrm>
+          <a:prstGeom prst="straightConnector1">
+            <a:avLst/>
+          </a:prstGeom>
+          <a:ln w="38100">
+            <a:headEnd type="arrow" w="med" len="med"/>
+            <a:tailEnd type="none" w="med" len="med"/>
+          </a:ln>
+        </p:spPr>
+        <p:style>
+          <a:lnRef idx="1">
+            <a:schemeClr val="accent1"/>
+          </a:lnRef>
+          <a:fillRef idx="0">
+            <a:schemeClr val="accent1"/>
+          </a:fillRef>
+          <a:effectRef idx="0">
+            <a:schemeClr val="accent1"/>
+          </a:effectRef>
+          <a:fontRef idx="minor">
+            <a:schemeClr val="tx1"/>
+          </a:fontRef>
+        </p:style>
+      </p:cxnSp>
+      <p:cxnSp>
+        <p:nvCxnSpPr>
+          <p:cNvPr id="54" name="Straight Arrow Connector 53">
+            <a:extLst>
+              <a:ext uri="{FF2B5EF4-FFF2-40B4-BE49-F238E27FC236}">
+                <a16:creationId xmlns:a16="http://schemas.microsoft.com/office/drawing/2014/main" id="{2500E9A5-28E6-4502-A01C-050307846C5A}"/>
+              </a:ext>
+            </a:extLst>
+          </p:cNvPr>
+          <p:cNvCxnSpPr>
+            <a:cxnSpLocks/>
+          </p:cNvCxnSpPr>
+          <p:nvPr/>
+        </p:nvCxnSpPr>
+        <p:spPr>
+          <a:xfrm flipH="1" flipV="1">
+            <a:off x="4200138" y="7262705"/>
+            <a:ext cx="840986" cy="508987"/>
+          </a:xfrm>
+          <a:prstGeom prst="straightConnector1">
+            <a:avLst/>
+          </a:prstGeom>
+          <a:ln w="38100">
+            <a:solidFill>
+              <a:srgbClr val="FF0000"/>
+            </a:solidFill>
+            <a:headEnd type="none" w="med" len="med"/>
+            <a:tailEnd type="arrow" w="med" len="med"/>
+          </a:ln>
+        </p:spPr>
+        <p:style>
+          <a:lnRef idx="1">
+            <a:schemeClr val="accent1"/>
+          </a:lnRef>
+          <a:fillRef idx="0">
+            <a:schemeClr val="accent1"/>
+          </a:fillRef>
+          <a:effectRef idx="0">
+            <a:schemeClr val="accent1"/>
+          </a:effectRef>
+          <a:fontRef idx="minor">
+            <a:schemeClr val="tx1"/>
+          </a:fontRef>
+        </p:style>
+      </p:cxnSp>
+      <p:cxnSp>
+        <p:nvCxnSpPr>
+          <p:cNvPr id="55" name="Straight Arrow Connector 54">
+            <a:extLst>
+              <a:ext uri="{FF2B5EF4-FFF2-40B4-BE49-F238E27FC236}">
+                <a16:creationId xmlns:a16="http://schemas.microsoft.com/office/drawing/2014/main" id="{D2EADE0F-6E59-406A-9E89-76D9DFE73BA6}"/>
+              </a:ext>
+            </a:extLst>
+          </p:cNvPr>
+          <p:cNvCxnSpPr>
+            <a:cxnSpLocks/>
+          </p:cNvCxnSpPr>
+          <p:nvPr/>
+        </p:nvCxnSpPr>
+        <p:spPr>
+          <a:xfrm flipH="1" flipV="1">
+            <a:off x="3985630" y="7340589"/>
+            <a:ext cx="741048" cy="431103"/>
+          </a:xfrm>
+          <a:prstGeom prst="straightConnector1">
+            <a:avLst/>
+          </a:prstGeom>
+          <a:ln w="38100">
+            <a:headEnd type="arrow" w="med" len="med"/>
+            <a:tailEnd type="none" w="med" len="med"/>
+          </a:ln>
+        </p:spPr>
+        <p:style>
+          <a:lnRef idx="1">
+            <a:schemeClr val="accent1"/>
+          </a:lnRef>
+          <a:fillRef idx="0">
+            <a:schemeClr val="accent1"/>
+          </a:fillRef>
+          <a:effectRef idx="0">
+            <a:schemeClr val="accent1"/>
+          </a:effectRef>
+          <a:fontRef idx="minor">
+            <a:schemeClr val="tx1"/>
+          </a:fontRef>
+        </p:style>
+      </p:cxnSp>
+      <p:cxnSp>
+        <p:nvCxnSpPr>
+          <p:cNvPr id="56" name="Straight Arrow Connector 55">
+            <a:extLst>
+              <a:ext uri="{FF2B5EF4-FFF2-40B4-BE49-F238E27FC236}">
+                <a16:creationId xmlns:a16="http://schemas.microsoft.com/office/drawing/2014/main" id="{DAA705D9-9A2F-4D95-A8FA-CB7B26EC9838}"/>
+              </a:ext>
+            </a:extLst>
+          </p:cNvPr>
+          <p:cNvCxnSpPr>
+            <a:cxnSpLocks/>
+          </p:cNvCxnSpPr>
+          <p:nvPr/>
+        </p:nvCxnSpPr>
+        <p:spPr>
+          <a:xfrm flipV="1">
+            <a:off x="5680451" y="7308706"/>
+            <a:ext cx="0" cy="441055"/>
+          </a:xfrm>
+          <a:prstGeom prst="straightConnector1">
+            <a:avLst/>
+          </a:prstGeom>
+          <a:ln w="38100">
+            <a:headEnd type="arrow" w="med" len="med"/>
+            <a:tailEnd type="none" w="med" len="med"/>
+          </a:ln>
+        </p:spPr>
+        <p:style>
+          <a:lnRef idx="1">
+            <a:schemeClr val="accent1"/>
+          </a:lnRef>
+          <a:fillRef idx="0">
+            <a:schemeClr val="accent1"/>
+          </a:fillRef>
+          <a:effectRef idx="0">
+            <a:schemeClr val="accent1"/>
+          </a:effectRef>
+          <a:fontRef idx="minor">
+            <a:schemeClr val="tx1"/>
+          </a:fontRef>
+        </p:style>
+      </p:cxnSp>
+      <p:cxnSp>
+        <p:nvCxnSpPr>
+          <p:cNvPr id="57" name="Straight Arrow Connector 56">
+            <a:extLst>
+              <a:ext uri="{FF2B5EF4-FFF2-40B4-BE49-F238E27FC236}">
+                <a16:creationId xmlns:a16="http://schemas.microsoft.com/office/drawing/2014/main" id="{C7748FB3-7183-40DF-88BA-F8F417334937}"/>
+              </a:ext>
+            </a:extLst>
+          </p:cNvPr>
+          <p:cNvCxnSpPr>
+            <a:cxnSpLocks/>
+          </p:cNvCxnSpPr>
+          <p:nvPr/>
+        </p:nvCxnSpPr>
+        <p:spPr>
+          <a:xfrm flipV="1">
+            <a:off x="5830689" y="7262705"/>
+            <a:ext cx="0" cy="441055"/>
+          </a:xfrm>
+          <a:prstGeom prst="straightConnector1">
+            <a:avLst/>
+          </a:prstGeom>
+          <a:ln w="38100">
+            <a:solidFill>
+              <a:srgbClr val="FF0000"/>
+            </a:solidFill>
+            <a:headEnd type="none" w="med" len="med"/>
+            <a:tailEnd type="arrow" w="med" len="med"/>
+          </a:ln>
+        </p:spPr>
+        <p:style>
+          <a:lnRef idx="1">
+            <a:schemeClr val="accent1"/>
+          </a:lnRef>
+          <a:fillRef idx="0">
+            <a:schemeClr val="accent1"/>
+          </a:fillRef>
+          <a:effectRef idx="0">
+            <a:schemeClr val="accent1"/>
+          </a:effectRef>
+          <a:fontRef idx="minor">
+            <a:schemeClr val="tx1"/>
+          </a:fontRef>
+        </p:style>
+      </p:cxnSp>
+      <p:grpSp>
+        <p:nvGrpSpPr>
+          <p:cNvPr id="64" name="Group 63">
+            <a:extLst>
+              <a:ext uri="{FF2B5EF4-FFF2-40B4-BE49-F238E27FC236}">
+                <a16:creationId xmlns:a16="http://schemas.microsoft.com/office/drawing/2014/main" id="{38D03850-6983-43C4-B21B-A0C3294BF0AD}"/>
+              </a:ext>
+            </a:extLst>
+          </p:cNvPr>
+          <p:cNvGrpSpPr/>
+          <p:nvPr/>
+        </p:nvGrpSpPr>
+        <p:grpSpPr>
+          <a:xfrm>
+            <a:off x="3703298" y="4213143"/>
+            <a:ext cx="202497" cy="122805"/>
+            <a:chOff x="3645425" y="3804803"/>
+            <a:chExt cx="202497" cy="122805"/>
+          </a:xfrm>
+        </p:grpSpPr>
+        <p:cxnSp>
+          <p:nvCxnSpPr>
+            <p:cNvPr id="58" name="Straight Arrow Connector 57">
+              <a:extLst>
+                <a:ext uri="{FF2B5EF4-FFF2-40B4-BE49-F238E27FC236}">
+                  <a16:creationId xmlns:a16="http://schemas.microsoft.com/office/drawing/2014/main" id="{D2AC3D49-69E4-4C40-9CDD-2DD6087C2215}"/>
+                </a:ext>
+              </a:extLst>
+            </p:cNvPr>
+            <p:cNvCxnSpPr>
+              <a:cxnSpLocks/>
+            </p:cNvCxnSpPr>
+            <p:nvPr/>
+          </p:nvCxnSpPr>
+          <p:spPr>
+            <a:xfrm flipV="1">
+              <a:off x="3645425" y="3804803"/>
+              <a:ext cx="0" cy="122805"/>
+            </a:xfrm>
+            <a:prstGeom prst="straightConnector1">
+              <a:avLst/>
+            </a:prstGeom>
+            <a:ln w="12700">
+              <a:headEnd type="arrow" w="med" len="med"/>
+              <a:tailEnd type="none" w="med" len="med"/>
+            </a:ln>
+          </p:spPr>
+          <p:style>
+            <a:lnRef idx="1">
+              <a:schemeClr val="accent1"/>
+            </a:lnRef>
+            <a:fillRef idx="0">
+              <a:schemeClr val="accent1"/>
+            </a:fillRef>
+            <a:effectRef idx="0">
+              <a:schemeClr val="accent1"/>
+            </a:effectRef>
+            <a:fontRef idx="minor">
+              <a:schemeClr val="tx1"/>
+            </a:fontRef>
+          </p:style>
+        </p:cxnSp>
+        <p:cxnSp>
+          <p:nvCxnSpPr>
+            <p:cNvPr id="59" name="Straight Arrow Connector 58">
+              <a:extLst>
+                <a:ext uri="{FF2B5EF4-FFF2-40B4-BE49-F238E27FC236}">
+                  <a16:creationId xmlns:a16="http://schemas.microsoft.com/office/drawing/2014/main" id="{9FBF0B47-46DE-4473-A7D5-BF430966EB3C}"/>
+                </a:ext>
+              </a:extLst>
+            </p:cNvPr>
+            <p:cNvCxnSpPr>
+              <a:cxnSpLocks/>
+            </p:cNvCxnSpPr>
+            <p:nvPr/>
+          </p:nvCxnSpPr>
+          <p:spPr>
+            <a:xfrm flipV="1">
+              <a:off x="3847922" y="3804803"/>
+              <a:ext cx="0" cy="122803"/>
+            </a:xfrm>
+            <a:prstGeom prst="straightConnector1">
+              <a:avLst/>
+            </a:prstGeom>
+            <a:ln w="12700">
+              <a:solidFill>
+                <a:srgbClr val="FF0000"/>
+              </a:solidFill>
+              <a:headEnd type="none" w="med" len="med"/>
+              <a:tailEnd type="arrow" w="med" len="med"/>
+            </a:ln>
+          </p:spPr>
+          <p:style>
+            <a:lnRef idx="1">
+              <a:schemeClr val="accent1"/>
+            </a:lnRef>
+            <a:fillRef idx="0">
+              <a:schemeClr val="accent1"/>
+            </a:fillRef>
+            <a:effectRef idx="0">
+              <a:schemeClr val="accent1"/>
+            </a:effectRef>
+            <a:fontRef idx="minor">
+              <a:schemeClr val="tx1"/>
+            </a:fontRef>
+          </p:style>
+        </p:cxnSp>
+      </p:grpSp>
+      <p:grpSp>
+        <p:nvGrpSpPr>
+          <p:cNvPr id="65" name="Group 64">
+            <a:extLst>
+              <a:ext uri="{FF2B5EF4-FFF2-40B4-BE49-F238E27FC236}">
+                <a16:creationId xmlns:a16="http://schemas.microsoft.com/office/drawing/2014/main" id="{BB5378C8-DFA7-4CE2-BBD4-AC95FADFE038}"/>
+              </a:ext>
+            </a:extLst>
+          </p:cNvPr>
+          <p:cNvGrpSpPr/>
+          <p:nvPr/>
+        </p:nvGrpSpPr>
+        <p:grpSpPr>
+          <a:xfrm>
+            <a:off x="5713703" y="4191402"/>
+            <a:ext cx="202497" cy="122805"/>
+            <a:chOff x="3645425" y="3804803"/>
+            <a:chExt cx="202497" cy="122805"/>
+          </a:xfrm>
+        </p:grpSpPr>
+        <p:cxnSp>
+          <p:nvCxnSpPr>
+            <p:cNvPr id="66" name="Straight Arrow Connector 65">
+              <a:extLst>
+                <a:ext uri="{FF2B5EF4-FFF2-40B4-BE49-F238E27FC236}">
+                  <a16:creationId xmlns:a16="http://schemas.microsoft.com/office/drawing/2014/main" id="{0C335090-00BA-4D86-A8BF-C10134B905D1}"/>
+                </a:ext>
+              </a:extLst>
+            </p:cNvPr>
+            <p:cNvCxnSpPr>
+              <a:cxnSpLocks/>
+            </p:cNvCxnSpPr>
+            <p:nvPr/>
+          </p:nvCxnSpPr>
+          <p:spPr>
+            <a:xfrm flipV="1">
+              <a:off x="3645425" y="3804803"/>
+              <a:ext cx="0" cy="122805"/>
+            </a:xfrm>
+            <a:prstGeom prst="straightConnector1">
+              <a:avLst/>
+            </a:prstGeom>
+            <a:ln w="12700">
+              <a:headEnd type="arrow" w="med" len="med"/>
+              <a:tailEnd type="none" w="med" len="med"/>
+            </a:ln>
+          </p:spPr>
+          <p:style>
+            <a:lnRef idx="1">
+              <a:schemeClr val="accent1"/>
+            </a:lnRef>
+            <a:fillRef idx="0">
+              <a:schemeClr val="accent1"/>
+            </a:fillRef>
+            <a:effectRef idx="0">
+              <a:schemeClr val="accent1"/>
+            </a:effectRef>
+            <a:fontRef idx="minor">
+              <a:schemeClr val="tx1"/>
+            </a:fontRef>
+          </p:style>
+        </p:cxnSp>
+        <p:cxnSp>
+          <p:nvCxnSpPr>
+            <p:cNvPr id="67" name="Straight Arrow Connector 66">
+              <a:extLst>
+                <a:ext uri="{FF2B5EF4-FFF2-40B4-BE49-F238E27FC236}">
+                  <a16:creationId xmlns:a16="http://schemas.microsoft.com/office/drawing/2014/main" id="{8248EF3B-3080-4D98-BBBB-121C51F752D5}"/>
+                </a:ext>
+              </a:extLst>
+            </p:cNvPr>
+            <p:cNvCxnSpPr>
+              <a:cxnSpLocks/>
+            </p:cNvCxnSpPr>
+            <p:nvPr/>
+          </p:nvCxnSpPr>
+          <p:spPr>
+            <a:xfrm flipV="1">
+              <a:off x="3847922" y="3804803"/>
+              <a:ext cx="0" cy="122803"/>
+            </a:xfrm>
+            <a:prstGeom prst="straightConnector1">
+              <a:avLst/>
+            </a:prstGeom>
+            <a:ln w="12700">
+              <a:solidFill>
+                <a:srgbClr val="FF0000"/>
+              </a:solidFill>
+              <a:headEnd type="none" w="med" len="med"/>
+              <a:tailEnd type="arrow" w="med" len="med"/>
+            </a:ln>
+          </p:spPr>
+          <p:style>
+            <a:lnRef idx="1">
+              <a:schemeClr val="accent1"/>
+            </a:lnRef>
+            <a:fillRef idx="0">
+              <a:schemeClr val="accent1"/>
+            </a:fillRef>
+            <a:effectRef idx="0">
+              <a:schemeClr val="accent1"/>
+            </a:effectRef>
+            <a:fontRef idx="minor">
+              <a:schemeClr val="tx1"/>
+            </a:fontRef>
+          </p:style>
+        </p:cxnSp>
+      </p:grpSp>
+      <p:grpSp>
+        <p:nvGrpSpPr>
+          <p:cNvPr id="68" name="Group 67">
+            <a:extLst>
+              <a:ext uri="{FF2B5EF4-FFF2-40B4-BE49-F238E27FC236}">
+                <a16:creationId xmlns:a16="http://schemas.microsoft.com/office/drawing/2014/main" id="{BBFFCFA8-F2A2-4E8B-8B7D-035BC4CAED32}"/>
+              </a:ext>
+            </a:extLst>
+          </p:cNvPr>
+          <p:cNvGrpSpPr/>
+          <p:nvPr/>
+        </p:nvGrpSpPr>
+        <p:grpSpPr>
+          <a:xfrm>
+            <a:off x="7724108" y="4191400"/>
+            <a:ext cx="202497" cy="122805"/>
+            <a:chOff x="3645425" y="3804803"/>
+            <a:chExt cx="202497" cy="122805"/>
+          </a:xfrm>
+        </p:grpSpPr>
+        <p:cxnSp>
+          <p:nvCxnSpPr>
+            <p:cNvPr id="69" name="Straight Arrow Connector 68">
+              <a:extLst>
+                <a:ext uri="{FF2B5EF4-FFF2-40B4-BE49-F238E27FC236}">
+                  <a16:creationId xmlns:a16="http://schemas.microsoft.com/office/drawing/2014/main" id="{C5E11073-AB29-4DC1-B35C-85667FD3F11E}"/>
+                </a:ext>
+              </a:extLst>
+            </p:cNvPr>
+            <p:cNvCxnSpPr>
+              <a:cxnSpLocks/>
+            </p:cNvCxnSpPr>
+            <p:nvPr/>
+          </p:nvCxnSpPr>
+          <p:spPr>
+            <a:xfrm flipV="1">
+              <a:off x="3645425" y="3804803"/>
+              <a:ext cx="0" cy="122805"/>
+            </a:xfrm>
+            <a:prstGeom prst="straightConnector1">
+              <a:avLst/>
+            </a:prstGeom>
+            <a:ln w="12700">
+              <a:headEnd type="arrow" w="med" len="med"/>
+              <a:tailEnd type="none" w="med" len="med"/>
+            </a:ln>
+          </p:spPr>
+          <p:style>
+            <a:lnRef idx="1">
+              <a:schemeClr val="accent1"/>
+            </a:lnRef>
+            <a:fillRef idx="0">
+              <a:schemeClr val="accent1"/>
+            </a:fillRef>
+            <a:effectRef idx="0">
+              <a:schemeClr val="accent1"/>
+            </a:effectRef>
+            <a:fontRef idx="minor">
+              <a:schemeClr val="tx1"/>
+            </a:fontRef>
+          </p:style>
+        </p:cxnSp>
+        <p:cxnSp>
+          <p:nvCxnSpPr>
+            <p:cNvPr id="70" name="Straight Arrow Connector 69">
+              <a:extLst>
+                <a:ext uri="{FF2B5EF4-FFF2-40B4-BE49-F238E27FC236}">
+                  <a16:creationId xmlns:a16="http://schemas.microsoft.com/office/drawing/2014/main" id="{D42F52AC-A8DF-4F12-9F07-AA98F8CC36BE}"/>
+                </a:ext>
+              </a:extLst>
+            </p:cNvPr>
+            <p:cNvCxnSpPr>
+              <a:cxnSpLocks/>
+            </p:cNvCxnSpPr>
+            <p:nvPr/>
+          </p:nvCxnSpPr>
+          <p:spPr>
+            <a:xfrm flipV="1">
+              <a:off x="3847922" y="3804803"/>
+              <a:ext cx="0" cy="122803"/>
+            </a:xfrm>
+            <a:prstGeom prst="straightConnector1">
+              <a:avLst/>
+            </a:prstGeom>
+            <a:ln w="12700">
+              <a:solidFill>
+                <a:srgbClr val="FF0000"/>
+              </a:solidFill>
+              <a:headEnd type="none" w="med" len="med"/>
+              <a:tailEnd type="arrow" w="med" len="med"/>
+            </a:ln>
+          </p:spPr>
+          <p:style>
+            <a:lnRef idx="1">
+              <a:schemeClr val="accent1"/>
+            </a:lnRef>
+            <a:fillRef idx="0">
+              <a:schemeClr val="accent1"/>
+            </a:fillRef>
+            <a:effectRef idx="0">
+              <a:schemeClr val="accent1"/>
+            </a:effectRef>
+            <a:fontRef idx="minor">
+              <a:schemeClr val="tx1"/>
+            </a:fontRef>
+          </p:style>
+        </p:cxnSp>
+      </p:grpSp>
+      <p:grpSp>
+        <p:nvGrpSpPr>
+          <p:cNvPr id="71" name="Group 70">
+            <a:extLst>
+              <a:ext uri="{FF2B5EF4-FFF2-40B4-BE49-F238E27FC236}">
+                <a16:creationId xmlns:a16="http://schemas.microsoft.com/office/drawing/2014/main" id="{EF7A03B0-B53C-4E31-9E00-C9E664AB2F57}"/>
+              </a:ext>
+            </a:extLst>
+          </p:cNvPr>
+          <p:cNvGrpSpPr/>
+          <p:nvPr/>
+        </p:nvGrpSpPr>
+        <p:grpSpPr>
+          <a:xfrm>
+            <a:off x="3729600" y="3520831"/>
+            <a:ext cx="202497" cy="122805"/>
+            <a:chOff x="3645425" y="3804803"/>
+            <a:chExt cx="202497" cy="122805"/>
+          </a:xfrm>
+        </p:grpSpPr>
+        <p:cxnSp>
+          <p:nvCxnSpPr>
+            <p:cNvPr id="72" name="Straight Arrow Connector 71">
+              <a:extLst>
+                <a:ext uri="{FF2B5EF4-FFF2-40B4-BE49-F238E27FC236}">
+                  <a16:creationId xmlns:a16="http://schemas.microsoft.com/office/drawing/2014/main" id="{4FE3264A-71F4-4748-9E9C-C2BBC6B6AAFC}"/>
+                </a:ext>
+              </a:extLst>
+            </p:cNvPr>
+            <p:cNvCxnSpPr>
+              <a:cxnSpLocks/>
+            </p:cNvCxnSpPr>
+            <p:nvPr/>
+          </p:nvCxnSpPr>
+          <p:spPr>
+            <a:xfrm flipV="1">
+              <a:off x="3645425" y="3804803"/>
+              <a:ext cx="0" cy="122805"/>
+            </a:xfrm>
+            <a:prstGeom prst="straightConnector1">
+              <a:avLst/>
+            </a:prstGeom>
+            <a:ln w="12700">
+              <a:headEnd type="arrow" w="med" len="med"/>
+              <a:tailEnd type="none" w="med" len="med"/>
+            </a:ln>
+          </p:spPr>
+          <p:style>
+            <a:lnRef idx="1">
+              <a:schemeClr val="accent1"/>
+            </a:lnRef>
+            <a:fillRef idx="0">
+              <a:schemeClr val="accent1"/>
+            </a:fillRef>
+            <a:effectRef idx="0">
+              <a:schemeClr val="accent1"/>
+            </a:effectRef>
+            <a:fontRef idx="minor">
+              <a:schemeClr val="tx1"/>
+            </a:fontRef>
+          </p:style>
+        </p:cxnSp>
+        <p:cxnSp>
+          <p:nvCxnSpPr>
+            <p:cNvPr id="73" name="Straight Arrow Connector 72">
+              <a:extLst>
+                <a:ext uri="{FF2B5EF4-FFF2-40B4-BE49-F238E27FC236}">
+                  <a16:creationId xmlns:a16="http://schemas.microsoft.com/office/drawing/2014/main" id="{B7AA2EC0-31AB-4C6F-8CB8-A31A899C4B01}"/>
+                </a:ext>
+              </a:extLst>
+            </p:cNvPr>
+            <p:cNvCxnSpPr>
+              <a:cxnSpLocks/>
+            </p:cNvCxnSpPr>
+            <p:nvPr/>
+          </p:nvCxnSpPr>
+          <p:spPr>
+            <a:xfrm flipV="1">
+              <a:off x="3847922" y="3804803"/>
+              <a:ext cx="0" cy="122803"/>
+            </a:xfrm>
+            <a:prstGeom prst="straightConnector1">
+              <a:avLst/>
+            </a:prstGeom>
+            <a:ln w="12700">
+              <a:solidFill>
+                <a:srgbClr val="FF0000"/>
+              </a:solidFill>
+              <a:headEnd type="none" w="med" len="med"/>
+              <a:tailEnd type="arrow" w="med" len="med"/>
+            </a:ln>
+          </p:spPr>
+          <p:style>
+            <a:lnRef idx="1">
+              <a:schemeClr val="accent1"/>
+            </a:lnRef>
+            <a:fillRef idx="0">
+              <a:schemeClr val="accent1"/>
+            </a:fillRef>
+            <a:effectRef idx="0">
+              <a:schemeClr val="accent1"/>
+            </a:effectRef>
+            <a:fontRef idx="minor">
+              <a:schemeClr val="tx1"/>
+            </a:fontRef>
+          </p:style>
+        </p:cxnSp>
+      </p:grpSp>
+      <p:grpSp>
+        <p:nvGrpSpPr>
+          <p:cNvPr id="74" name="Group 73">
+            <a:extLst>
+              <a:ext uri="{FF2B5EF4-FFF2-40B4-BE49-F238E27FC236}">
+                <a16:creationId xmlns:a16="http://schemas.microsoft.com/office/drawing/2014/main" id="{13C063E4-5E7A-4BDB-919A-47E908C22A16}"/>
+              </a:ext>
+            </a:extLst>
+          </p:cNvPr>
+          <p:cNvGrpSpPr/>
+          <p:nvPr/>
+        </p:nvGrpSpPr>
+        <p:grpSpPr>
+          <a:xfrm>
+            <a:off x="5740005" y="3499090"/>
+            <a:ext cx="202497" cy="122805"/>
+            <a:chOff x="3645425" y="3804803"/>
+            <a:chExt cx="202497" cy="122805"/>
+          </a:xfrm>
+        </p:grpSpPr>
+        <p:cxnSp>
+          <p:nvCxnSpPr>
+            <p:cNvPr id="75" name="Straight Arrow Connector 74">
+              <a:extLst>
+                <a:ext uri="{FF2B5EF4-FFF2-40B4-BE49-F238E27FC236}">
+                  <a16:creationId xmlns:a16="http://schemas.microsoft.com/office/drawing/2014/main" id="{262A87D2-26EE-4C0E-9CEF-BD859AE10939}"/>
+                </a:ext>
+              </a:extLst>
+            </p:cNvPr>
+            <p:cNvCxnSpPr>
+              <a:cxnSpLocks/>
+            </p:cNvCxnSpPr>
+            <p:nvPr/>
+          </p:nvCxnSpPr>
+          <p:spPr>
+            <a:xfrm flipV="1">
+              <a:off x="3645425" y="3804803"/>
+              <a:ext cx="0" cy="122805"/>
+            </a:xfrm>
+            <a:prstGeom prst="straightConnector1">
+              <a:avLst/>
+            </a:prstGeom>
+            <a:ln w="12700">
+              <a:headEnd type="arrow" w="med" len="med"/>
+              <a:tailEnd type="none" w="med" len="med"/>
+            </a:ln>
+          </p:spPr>
+          <p:style>
+            <a:lnRef idx="1">
+              <a:schemeClr val="accent1"/>
+            </a:lnRef>
+            <a:fillRef idx="0">
+              <a:schemeClr val="accent1"/>
+            </a:fillRef>
+            <a:effectRef idx="0">
+              <a:schemeClr val="accent1"/>
+            </a:effectRef>
+            <a:fontRef idx="minor">
+              <a:schemeClr val="tx1"/>
+            </a:fontRef>
+          </p:style>
+        </p:cxnSp>
+        <p:cxnSp>
+          <p:nvCxnSpPr>
+            <p:cNvPr id="76" name="Straight Arrow Connector 75">
+              <a:extLst>
+                <a:ext uri="{FF2B5EF4-FFF2-40B4-BE49-F238E27FC236}">
+                  <a16:creationId xmlns:a16="http://schemas.microsoft.com/office/drawing/2014/main" id="{40B6A43B-BEE4-4327-A0B5-C1D6E8773B8C}"/>
+                </a:ext>
+              </a:extLst>
+            </p:cNvPr>
+            <p:cNvCxnSpPr>
+              <a:cxnSpLocks/>
+            </p:cNvCxnSpPr>
+            <p:nvPr/>
+          </p:nvCxnSpPr>
+          <p:spPr>
+            <a:xfrm flipV="1">
+              <a:off x="3847922" y="3804803"/>
+              <a:ext cx="0" cy="122803"/>
+            </a:xfrm>
+            <a:prstGeom prst="straightConnector1">
+              <a:avLst/>
+            </a:prstGeom>
+            <a:ln w="12700">
+              <a:solidFill>
+                <a:srgbClr val="FF0000"/>
+              </a:solidFill>
+              <a:headEnd type="none" w="med" len="med"/>
+              <a:tailEnd type="arrow" w="med" len="med"/>
+            </a:ln>
+          </p:spPr>
+          <p:style>
+            <a:lnRef idx="1">
+              <a:schemeClr val="accent1"/>
+            </a:lnRef>
+            <a:fillRef idx="0">
+              <a:schemeClr val="accent1"/>
+            </a:fillRef>
+            <a:effectRef idx="0">
+              <a:schemeClr val="accent1"/>
+            </a:effectRef>
+            <a:fontRef idx="minor">
+              <a:schemeClr val="tx1"/>
+            </a:fontRef>
+          </p:style>
+        </p:cxnSp>
+      </p:grpSp>
+      <p:grpSp>
+        <p:nvGrpSpPr>
+          <p:cNvPr id="77" name="Group 76">
+            <a:extLst>
+              <a:ext uri="{FF2B5EF4-FFF2-40B4-BE49-F238E27FC236}">
+                <a16:creationId xmlns:a16="http://schemas.microsoft.com/office/drawing/2014/main" id="{46F27E88-9154-426D-819A-247B43ABB2B7}"/>
+              </a:ext>
+            </a:extLst>
+          </p:cNvPr>
+          <p:cNvGrpSpPr/>
+          <p:nvPr/>
+        </p:nvGrpSpPr>
+        <p:grpSpPr>
+          <a:xfrm>
+            <a:off x="7750410" y="3499088"/>
+            <a:ext cx="202497" cy="122805"/>
+            <a:chOff x="3645425" y="3804803"/>
+            <a:chExt cx="202497" cy="122805"/>
+          </a:xfrm>
+        </p:grpSpPr>
+        <p:cxnSp>
+          <p:nvCxnSpPr>
+            <p:cNvPr id="78" name="Straight Arrow Connector 77">
+              <a:extLst>
+                <a:ext uri="{FF2B5EF4-FFF2-40B4-BE49-F238E27FC236}">
+                  <a16:creationId xmlns:a16="http://schemas.microsoft.com/office/drawing/2014/main" id="{33046210-BF09-44FE-AA92-C68111909BED}"/>
+                </a:ext>
+              </a:extLst>
+            </p:cNvPr>
+            <p:cNvCxnSpPr>
+              <a:cxnSpLocks/>
+            </p:cNvCxnSpPr>
+            <p:nvPr/>
+          </p:nvCxnSpPr>
+          <p:spPr>
+            <a:xfrm flipV="1">
+              <a:off x="3645425" y="3804803"/>
+              <a:ext cx="0" cy="122805"/>
+            </a:xfrm>
+            <a:prstGeom prst="straightConnector1">
+              <a:avLst/>
+            </a:prstGeom>
+            <a:ln w="12700">
+              <a:headEnd type="arrow" w="med" len="med"/>
+              <a:tailEnd type="none" w="med" len="med"/>
+            </a:ln>
+          </p:spPr>
+          <p:style>
+            <a:lnRef idx="1">
+              <a:schemeClr val="accent1"/>
+            </a:lnRef>
+            <a:fillRef idx="0">
+              <a:schemeClr val="accent1"/>
+            </a:fillRef>
+            <a:effectRef idx="0">
+              <a:schemeClr val="accent1"/>
+            </a:effectRef>
+            <a:fontRef idx="minor">
+              <a:schemeClr val="tx1"/>
+            </a:fontRef>
+          </p:style>
+        </p:cxnSp>
+        <p:cxnSp>
+          <p:nvCxnSpPr>
+            <p:cNvPr id="79" name="Straight Arrow Connector 78">
+              <a:extLst>
+                <a:ext uri="{FF2B5EF4-FFF2-40B4-BE49-F238E27FC236}">
+                  <a16:creationId xmlns:a16="http://schemas.microsoft.com/office/drawing/2014/main" id="{34335BCC-A9DA-49EF-9874-F109DE66B516}"/>
+                </a:ext>
+              </a:extLst>
+            </p:cNvPr>
+            <p:cNvCxnSpPr>
+              <a:cxnSpLocks/>
+            </p:cNvCxnSpPr>
+            <p:nvPr/>
+          </p:nvCxnSpPr>
+          <p:spPr>
+            <a:xfrm flipV="1">
+              <a:off x="3847922" y="3804803"/>
+              <a:ext cx="0" cy="122803"/>
+            </a:xfrm>
+            <a:prstGeom prst="straightConnector1">
+              <a:avLst/>
+            </a:prstGeom>
+            <a:ln w="12700">
+              <a:solidFill>
+                <a:srgbClr val="FF0000"/>
+              </a:solidFill>
+              <a:headEnd type="none" w="med" len="med"/>
+              <a:tailEnd type="arrow" w="med" len="med"/>
+            </a:ln>
+          </p:spPr>
+          <p:style>
+            <a:lnRef idx="1">
+              <a:schemeClr val="accent1"/>
+            </a:lnRef>
+            <a:fillRef idx="0">
+              <a:schemeClr val="accent1"/>
+            </a:fillRef>
+            <a:effectRef idx="0">
+              <a:schemeClr val="accent1"/>
+            </a:effectRef>
+            <a:fontRef idx="minor">
+              <a:schemeClr val="tx1"/>
+            </a:fontRef>
+          </p:style>
+        </p:cxnSp>
+      </p:grpSp>
+      <p:grpSp>
+        <p:nvGrpSpPr>
+          <p:cNvPr id="80" name="Group 79">
+            <a:extLst>
+              <a:ext uri="{FF2B5EF4-FFF2-40B4-BE49-F238E27FC236}">
+                <a16:creationId xmlns:a16="http://schemas.microsoft.com/office/drawing/2014/main" id="{FF0C9EF9-2129-4D6C-B5A7-43451A8A13A2}"/>
+              </a:ext>
+            </a:extLst>
+          </p:cNvPr>
+          <p:cNvGrpSpPr/>
+          <p:nvPr/>
+        </p:nvGrpSpPr>
+        <p:grpSpPr>
+          <a:xfrm>
+            <a:off x="3729600" y="2837127"/>
+            <a:ext cx="202497" cy="122805"/>
+            <a:chOff x="3645425" y="3804803"/>
+            <a:chExt cx="202497" cy="122805"/>
+          </a:xfrm>
+        </p:grpSpPr>
+        <p:cxnSp>
+          <p:nvCxnSpPr>
+            <p:cNvPr id="81" name="Straight Arrow Connector 80">
+              <a:extLst>
+                <a:ext uri="{FF2B5EF4-FFF2-40B4-BE49-F238E27FC236}">
+                  <a16:creationId xmlns:a16="http://schemas.microsoft.com/office/drawing/2014/main" id="{30A1FF8F-8C42-4ECA-989C-9EF0A39D22BA}"/>
+                </a:ext>
+              </a:extLst>
+            </p:cNvPr>
+            <p:cNvCxnSpPr>
+              <a:cxnSpLocks/>
+            </p:cNvCxnSpPr>
+            <p:nvPr/>
+          </p:nvCxnSpPr>
+          <p:spPr>
+            <a:xfrm flipV="1">
+              <a:off x="3645425" y="3804803"/>
+              <a:ext cx="0" cy="122805"/>
+            </a:xfrm>
+            <a:prstGeom prst="straightConnector1">
+              <a:avLst/>
+            </a:prstGeom>
+            <a:ln w="12700">
+              <a:headEnd type="arrow" w="med" len="med"/>
+              <a:tailEnd type="none" w="med" len="med"/>
+            </a:ln>
+          </p:spPr>
+          <p:style>
+            <a:lnRef idx="1">
+              <a:schemeClr val="accent1"/>
+            </a:lnRef>
+            <a:fillRef idx="0">
+              <a:schemeClr val="accent1"/>
+            </a:fillRef>
+            <a:effectRef idx="0">
+              <a:schemeClr val="accent1"/>
+            </a:effectRef>
+            <a:fontRef idx="minor">
+              <a:schemeClr val="tx1"/>
+            </a:fontRef>
+          </p:style>
+        </p:cxnSp>
+        <p:cxnSp>
+          <p:nvCxnSpPr>
+            <p:cNvPr id="82" name="Straight Arrow Connector 81">
+              <a:extLst>
+                <a:ext uri="{FF2B5EF4-FFF2-40B4-BE49-F238E27FC236}">
+                  <a16:creationId xmlns:a16="http://schemas.microsoft.com/office/drawing/2014/main" id="{D0BEF7BB-4C76-4D9D-9814-54848D58BA5D}"/>
+                </a:ext>
+              </a:extLst>
+            </p:cNvPr>
+            <p:cNvCxnSpPr>
+              <a:cxnSpLocks/>
+            </p:cNvCxnSpPr>
+            <p:nvPr/>
+          </p:nvCxnSpPr>
+          <p:spPr>
+            <a:xfrm flipV="1">
+              <a:off x="3847922" y="3804803"/>
+              <a:ext cx="0" cy="122803"/>
+            </a:xfrm>
+            <a:prstGeom prst="straightConnector1">
+              <a:avLst/>
+            </a:prstGeom>
+            <a:ln w="12700">
+              <a:solidFill>
+                <a:srgbClr val="FF0000"/>
+              </a:solidFill>
+              <a:headEnd type="none" w="med" len="med"/>
+              <a:tailEnd type="arrow" w="med" len="med"/>
+            </a:ln>
+          </p:spPr>
+          <p:style>
+            <a:lnRef idx="1">
+              <a:schemeClr val="accent1"/>
+            </a:lnRef>
+            <a:fillRef idx="0">
+              <a:schemeClr val="accent1"/>
+            </a:fillRef>
+            <a:effectRef idx="0">
+              <a:schemeClr val="accent1"/>
+            </a:effectRef>
+            <a:fontRef idx="minor">
+              <a:schemeClr val="tx1"/>
+            </a:fontRef>
+          </p:style>
+        </p:cxnSp>
+      </p:grpSp>
+      <p:grpSp>
+        <p:nvGrpSpPr>
+          <p:cNvPr id="83" name="Group 82">
+            <a:extLst>
+              <a:ext uri="{FF2B5EF4-FFF2-40B4-BE49-F238E27FC236}">
+                <a16:creationId xmlns:a16="http://schemas.microsoft.com/office/drawing/2014/main" id="{E10FE65A-5373-4051-A152-DA6BEB1F43DE}"/>
+              </a:ext>
+            </a:extLst>
+          </p:cNvPr>
+          <p:cNvGrpSpPr/>
+          <p:nvPr/>
+        </p:nvGrpSpPr>
+        <p:grpSpPr>
+          <a:xfrm>
+            <a:off x="5740005" y="2815386"/>
+            <a:ext cx="202497" cy="122805"/>
+            <a:chOff x="3645425" y="3804803"/>
+            <a:chExt cx="202497" cy="122805"/>
+          </a:xfrm>
+        </p:grpSpPr>
+        <p:cxnSp>
+          <p:nvCxnSpPr>
+            <p:cNvPr id="84" name="Straight Arrow Connector 83">
+              <a:extLst>
+                <a:ext uri="{FF2B5EF4-FFF2-40B4-BE49-F238E27FC236}">
+                  <a16:creationId xmlns:a16="http://schemas.microsoft.com/office/drawing/2014/main" id="{1455EB33-81C6-4C47-B530-DC68942823B2}"/>
+                </a:ext>
+              </a:extLst>
+            </p:cNvPr>
+            <p:cNvCxnSpPr>
+              <a:cxnSpLocks/>
+            </p:cNvCxnSpPr>
+            <p:nvPr/>
+          </p:nvCxnSpPr>
+          <p:spPr>
+            <a:xfrm flipV="1">
+              <a:off x="3645425" y="3804803"/>
+              <a:ext cx="0" cy="122805"/>
+            </a:xfrm>
+            <a:prstGeom prst="straightConnector1">
+              <a:avLst/>
+            </a:prstGeom>
+            <a:ln w="12700">
+              <a:headEnd type="arrow" w="med" len="med"/>
+              <a:tailEnd type="none" w="med" len="med"/>
+            </a:ln>
+          </p:spPr>
+          <p:style>
+            <a:lnRef idx="1">
+              <a:schemeClr val="accent1"/>
+            </a:lnRef>
+            <a:fillRef idx="0">
+              <a:schemeClr val="accent1"/>
+            </a:fillRef>
+            <a:effectRef idx="0">
+              <a:schemeClr val="accent1"/>
+            </a:effectRef>
+            <a:fontRef idx="minor">
+              <a:schemeClr val="tx1"/>
+            </a:fontRef>
+          </p:style>
+        </p:cxnSp>
+        <p:cxnSp>
+          <p:nvCxnSpPr>
+            <p:cNvPr id="85" name="Straight Arrow Connector 84">
+              <a:extLst>
+                <a:ext uri="{FF2B5EF4-FFF2-40B4-BE49-F238E27FC236}">
+                  <a16:creationId xmlns:a16="http://schemas.microsoft.com/office/drawing/2014/main" id="{676FAA52-6D2D-45C8-AC79-BACCD9ED4F04}"/>
+                </a:ext>
+              </a:extLst>
+            </p:cNvPr>
+            <p:cNvCxnSpPr>
+              <a:cxnSpLocks/>
+            </p:cNvCxnSpPr>
+            <p:nvPr/>
+          </p:nvCxnSpPr>
+          <p:spPr>
+            <a:xfrm flipV="1">
+              <a:off x="3847922" y="3804803"/>
+              <a:ext cx="0" cy="122803"/>
+            </a:xfrm>
+            <a:prstGeom prst="straightConnector1">
+              <a:avLst/>
+            </a:prstGeom>
+            <a:ln w="12700">
+              <a:solidFill>
+                <a:srgbClr val="FF0000"/>
+              </a:solidFill>
+              <a:headEnd type="none" w="med" len="med"/>
+              <a:tailEnd type="arrow" w="med" len="med"/>
+            </a:ln>
+          </p:spPr>
+          <p:style>
+            <a:lnRef idx="1">
+              <a:schemeClr val="accent1"/>
+            </a:lnRef>
+            <a:fillRef idx="0">
+              <a:schemeClr val="accent1"/>
+            </a:fillRef>
+            <a:effectRef idx="0">
+              <a:schemeClr val="accent1"/>
+            </a:effectRef>
+            <a:fontRef idx="minor">
+              <a:schemeClr val="tx1"/>
+            </a:fontRef>
+          </p:style>
+        </p:cxnSp>
+      </p:grpSp>
+      <p:grpSp>
+        <p:nvGrpSpPr>
+          <p:cNvPr id="86" name="Group 85">
+            <a:extLst>
+              <a:ext uri="{FF2B5EF4-FFF2-40B4-BE49-F238E27FC236}">
+                <a16:creationId xmlns:a16="http://schemas.microsoft.com/office/drawing/2014/main" id="{D5D90121-DD01-4E40-91AA-BB51632F318A}"/>
+              </a:ext>
+            </a:extLst>
+          </p:cNvPr>
+          <p:cNvGrpSpPr/>
+          <p:nvPr/>
+        </p:nvGrpSpPr>
+        <p:grpSpPr>
+          <a:xfrm>
+            <a:off x="7750410" y="2815384"/>
+            <a:ext cx="202497" cy="122805"/>
+            <a:chOff x="3645425" y="3804803"/>
+            <a:chExt cx="202497" cy="122805"/>
+          </a:xfrm>
+        </p:grpSpPr>
+        <p:cxnSp>
+          <p:nvCxnSpPr>
+            <p:cNvPr id="87" name="Straight Arrow Connector 86">
+              <a:extLst>
+                <a:ext uri="{FF2B5EF4-FFF2-40B4-BE49-F238E27FC236}">
+                  <a16:creationId xmlns:a16="http://schemas.microsoft.com/office/drawing/2014/main" id="{C502FEEE-54F5-43D2-B478-9DA611267E16}"/>
+                </a:ext>
+              </a:extLst>
+            </p:cNvPr>
+            <p:cNvCxnSpPr>
+              <a:cxnSpLocks/>
+            </p:cNvCxnSpPr>
+            <p:nvPr/>
+          </p:nvCxnSpPr>
+          <p:spPr>
+            <a:xfrm flipV="1">
+              <a:off x="3645425" y="3804803"/>
+              <a:ext cx="0" cy="122805"/>
+            </a:xfrm>
+            <a:prstGeom prst="straightConnector1">
+              <a:avLst/>
+            </a:prstGeom>
+            <a:ln w="12700">
+              <a:headEnd type="arrow" w="med" len="med"/>
+              <a:tailEnd type="none" w="med" len="med"/>
+            </a:ln>
+          </p:spPr>
+          <p:style>
+            <a:lnRef idx="1">
+              <a:schemeClr val="accent1"/>
+            </a:lnRef>
+            <a:fillRef idx="0">
+              <a:schemeClr val="accent1"/>
+            </a:fillRef>
+            <a:effectRef idx="0">
+              <a:schemeClr val="accent1"/>
+            </a:effectRef>
+            <a:fontRef idx="minor">
+              <a:schemeClr val="tx1"/>
+            </a:fontRef>
+          </p:style>
+        </p:cxnSp>
+        <p:cxnSp>
+          <p:nvCxnSpPr>
+            <p:cNvPr id="88" name="Straight Arrow Connector 87">
+              <a:extLst>
+                <a:ext uri="{FF2B5EF4-FFF2-40B4-BE49-F238E27FC236}">
+                  <a16:creationId xmlns:a16="http://schemas.microsoft.com/office/drawing/2014/main" id="{2F7902C3-D96E-4205-AAD3-B737D32FD21C}"/>
+                </a:ext>
+              </a:extLst>
+            </p:cNvPr>
+            <p:cNvCxnSpPr>
+              <a:cxnSpLocks/>
+            </p:cNvCxnSpPr>
+            <p:nvPr/>
+          </p:nvCxnSpPr>
+          <p:spPr>
+            <a:xfrm flipV="1">
+              <a:off x="3847922" y="3804803"/>
+              <a:ext cx="0" cy="122803"/>
+            </a:xfrm>
+            <a:prstGeom prst="straightConnector1">
+              <a:avLst/>
+            </a:prstGeom>
+            <a:ln w="12700">
+              <a:solidFill>
+                <a:srgbClr val="FF0000"/>
+              </a:solidFill>
+              <a:headEnd type="none" w="med" len="med"/>
+              <a:tailEnd type="arrow" w="med" len="med"/>
+            </a:ln>
+          </p:spPr>
+          <p:style>
+            <a:lnRef idx="1">
+              <a:schemeClr val="accent1"/>
+            </a:lnRef>
+            <a:fillRef idx="0">
+              <a:schemeClr val="accent1"/>
+            </a:fillRef>
+            <a:effectRef idx="0">
+              <a:schemeClr val="accent1"/>
+            </a:effectRef>
+            <a:fontRef idx="minor">
+              <a:schemeClr val="tx1"/>
+            </a:fontRef>
+          </p:style>
+        </p:cxnSp>
+      </p:grpSp>
+      <mc:AlternateContent xmlns:mc="http://schemas.openxmlformats.org/markup-compatibility/2006" xmlns:a14="http://schemas.microsoft.com/office/drawing/2010/main">
+        <mc:Choice Requires="a14">
+          <p:sp>
+            <p:nvSpPr>
+              <p:cNvPr id="89" name="TextBox 88">
+                <a:extLst>
+                  <a:ext uri="{FF2B5EF4-FFF2-40B4-BE49-F238E27FC236}">
+                    <a16:creationId xmlns:a16="http://schemas.microsoft.com/office/drawing/2014/main" id="{F6DA910E-9DEE-4E0D-ABC8-4F650CB1694C}"/>
+                  </a:ext>
+                </a:extLst>
+              </p:cNvPr>
+              <p:cNvSpPr txBox="1"/>
+              <p:nvPr/>
+            </p:nvSpPr>
+            <p:spPr>
+              <a:xfrm>
+                <a:off x="3667083" y="5021661"/>
+                <a:ext cx="125034" cy="276999"/>
+              </a:xfrm>
+              <a:prstGeom prst="rect">
+                <a:avLst/>
+              </a:prstGeom>
+              <a:noFill/>
+            </p:spPr>
+            <p:txBody>
+              <a:bodyPr wrap="none" lIns="0" tIns="0" rIns="0" bIns="0" rtlCol="0">
+                <a:spAutoFit/>
+              </a:bodyPr>
+              <a:lstStyle/>
+              <a:p>
+                <a:pPr/>
+                <a14:m>
+                  <m:oMathPara xmlns:m="http://schemas.openxmlformats.org/officeDocument/2006/math">
+                    <m:oMathParaPr>
+                      <m:jc m:val="centerGroup"/>
+                    </m:oMathParaPr>
+                    <m:oMath xmlns:m="http://schemas.openxmlformats.org/officeDocument/2006/math">
+                      <m:r>
+                        <a:rPr lang="en-US" b="0" i="1" smtClean="0">
+                          <a:latin typeface="Cambria Math" panose="02040503050406030204" pitchFamily="18" charset="0"/>
+                        </a:rPr>
+                        <m:t>⋮</m:t>
+                      </m:r>
+                    </m:oMath>
+                  </m:oMathPara>
+                </a14:m>
+                <a:endParaRPr lang="en-US" dirty="0"/>
+              </a:p>
+            </p:txBody>
+          </p:sp>
+        </mc:Choice>
+        <mc:Fallback xmlns="">
+          <p:sp>
+            <p:nvSpPr>
+              <p:cNvPr id="89" name="TextBox 88">
+                <a:extLst>
+                  <a:ext uri="{FF2B5EF4-FFF2-40B4-BE49-F238E27FC236}">
+                    <a16:creationId xmlns:a16="http://schemas.microsoft.com/office/drawing/2014/main" id="{F6DA910E-9DEE-4E0D-ABC8-4F650CB1694C}"/>
+                  </a:ext>
+                </a:extLst>
+              </p:cNvPr>
+              <p:cNvSpPr txBox="1">
+                <a:spLocks noRot="1" noChangeAspect="1" noMove="1" noResize="1" noEditPoints="1" noAdjustHandles="1" noChangeArrowheads="1" noChangeShapeType="1" noTextEdit="1"/>
+              </p:cNvSpPr>
+              <p:nvPr/>
+            </p:nvSpPr>
+            <p:spPr>
+              <a:xfrm>
+                <a:off x="3667083" y="5021661"/>
+                <a:ext cx="125034" cy="276999"/>
+              </a:xfrm>
+              <a:prstGeom prst="rect">
+                <a:avLst/>
+              </a:prstGeom>
+              <a:blipFill>
+                <a:blip r:embed="rId2"/>
+                <a:stretch>
+                  <a:fillRect l="-45000" r="-45000" b="-6667"/>
+                </a:stretch>
+              </a:blipFill>
+            </p:spPr>
+            <p:txBody>
+              <a:bodyPr/>
+              <a:lstStyle/>
+              <a:p>
+                <a:r>
+                  <a:rPr lang="en-US">
+                    <a:noFill/>
+                  </a:rPr>
+                  <a:t> </a:t>
+                </a:r>
+              </a:p>
+            </p:txBody>
+          </p:sp>
+        </mc:Fallback>
+      </mc:AlternateContent>
+      <mc:AlternateContent xmlns:mc="http://schemas.openxmlformats.org/markup-compatibility/2006" xmlns:a14="http://schemas.microsoft.com/office/drawing/2010/main">
+        <mc:Choice Requires="a14">
+          <p:sp>
+            <p:nvSpPr>
+              <p:cNvPr id="90" name="TextBox 89">
+                <a:extLst>
+                  <a:ext uri="{FF2B5EF4-FFF2-40B4-BE49-F238E27FC236}">
+                    <a16:creationId xmlns:a16="http://schemas.microsoft.com/office/drawing/2014/main" id="{B9E15F94-1CA7-4F52-A771-CD2A89AC92AF}"/>
+                  </a:ext>
+                </a:extLst>
+              </p:cNvPr>
+              <p:cNvSpPr txBox="1"/>
+              <p:nvPr/>
+            </p:nvSpPr>
+            <p:spPr>
+              <a:xfrm>
+                <a:off x="5717380" y="5012668"/>
+                <a:ext cx="125034" cy="276999"/>
+              </a:xfrm>
+              <a:prstGeom prst="rect">
+                <a:avLst/>
+              </a:prstGeom>
+              <a:noFill/>
+            </p:spPr>
+            <p:txBody>
+              <a:bodyPr wrap="none" lIns="0" tIns="0" rIns="0" bIns="0" rtlCol="0">
+                <a:spAutoFit/>
+              </a:bodyPr>
+              <a:lstStyle/>
+              <a:p>
+                <a:pPr/>
+                <a14:m>
+                  <m:oMathPara xmlns:m="http://schemas.openxmlformats.org/officeDocument/2006/math">
+                    <m:oMathParaPr>
+                      <m:jc m:val="centerGroup"/>
+                    </m:oMathParaPr>
+                    <m:oMath xmlns:m="http://schemas.openxmlformats.org/officeDocument/2006/math">
+                      <m:r>
+                        <a:rPr lang="en-US" b="0" i="1" smtClean="0">
+                          <a:latin typeface="Cambria Math" panose="02040503050406030204" pitchFamily="18" charset="0"/>
+                        </a:rPr>
+                        <m:t>⋮</m:t>
+                      </m:r>
+                    </m:oMath>
+                  </m:oMathPara>
+                </a14:m>
+                <a:endParaRPr lang="en-US" dirty="0"/>
+              </a:p>
+            </p:txBody>
+          </p:sp>
+        </mc:Choice>
+        <mc:Fallback xmlns="">
+          <p:sp>
+            <p:nvSpPr>
+              <p:cNvPr id="90" name="TextBox 89">
+                <a:extLst>
+                  <a:ext uri="{FF2B5EF4-FFF2-40B4-BE49-F238E27FC236}">
+                    <a16:creationId xmlns:a16="http://schemas.microsoft.com/office/drawing/2014/main" id="{B9E15F94-1CA7-4F52-A771-CD2A89AC92AF}"/>
+                  </a:ext>
+                </a:extLst>
+              </p:cNvPr>
+              <p:cNvSpPr txBox="1">
+                <a:spLocks noRot="1" noChangeAspect="1" noMove="1" noResize="1" noEditPoints="1" noAdjustHandles="1" noChangeArrowheads="1" noChangeShapeType="1" noTextEdit="1"/>
+              </p:cNvSpPr>
+              <p:nvPr/>
+            </p:nvSpPr>
+            <p:spPr>
+              <a:xfrm>
+                <a:off x="5717380" y="5012668"/>
+                <a:ext cx="125034" cy="276999"/>
+              </a:xfrm>
+              <a:prstGeom prst="rect">
+                <a:avLst/>
+              </a:prstGeom>
+              <a:blipFill>
+                <a:blip r:embed="rId3"/>
+                <a:stretch>
+                  <a:fillRect l="-45000" r="-45000" b="-4348"/>
+                </a:stretch>
+              </a:blipFill>
+            </p:spPr>
+            <p:txBody>
+              <a:bodyPr/>
+              <a:lstStyle/>
+              <a:p>
+                <a:r>
+                  <a:rPr lang="en-US">
+                    <a:noFill/>
+                  </a:rPr>
+                  <a:t> </a:t>
+                </a:r>
+              </a:p>
+            </p:txBody>
+          </p:sp>
+        </mc:Fallback>
+      </mc:AlternateContent>
+      <mc:AlternateContent xmlns:mc="http://schemas.openxmlformats.org/markup-compatibility/2006" xmlns:a14="http://schemas.microsoft.com/office/drawing/2010/main">
+        <mc:Choice Requires="a14">
+          <p:sp>
+            <p:nvSpPr>
+              <p:cNvPr id="91" name="TextBox 90">
+                <a:extLst>
+                  <a:ext uri="{FF2B5EF4-FFF2-40B4-BE49-F238E27FC236}">
+                    <a16:creationId xmlns:a16="http://schemas.microsoft.com/office/drawing/2014/main" id="{B708EC4E-ED13-41F2-B4DB-4BE03A9C1E64}"/>
+                  </a:ext>
+                </a:extLst>
+              </p:cNvPr>
+              <p:cNvSpPr txBox="1"/>
+              <p:nvPr/>
+            </p:nvSpPr>
+            <p:spPr>
+              <a:xfrm>
+                <a:off x="7729269" y="4998899"/>
+                <a:ext cx="125034" cy="276999"/>
+              </a:xfrm>
+              <a:prstGeom prst="rect">
+                <a:avLst/>
+              </a:prstGeom>
+              <a:noFill/>
+            </p:spPr>
+            <p:txBody>
+              <a:bodyPr wrap="none" lIns="0" tIns="0" rIns="0" bIns="0" rtlCol="0">
+                <a:spAutoFit/>
+              </a:bodyPr>
+              <a:lstStyle/>
+              <a:p>
+                <a:pPr/>
+                <a14:m>
+                  <m:oMathPara xmlns:m="http://schemas.openxmlformats.org/officeDocument/2006/math">
+                    <m:oMathParaPr>
+                      <m:jc m:val="centerGroup"/>
+                    </m:oMathParaPr>
+                    <m:oMath xmlns:m="http://schemas.openxmlformats.org/officeDocument/2006/math">
+                      <m:r>
+                        <a:rPr lang="en-US" b="0" i="1" smtClean="0">
+                          <a:latin typeface="Cambria Math" panose="02040503050406030204" pitchFamily="18" charset="0"/>
+                        </a:rPr>
+                        <m:t>⋮</m:t>
+                      </m:r>
+                    </m:oMath>
+                  </m:oMathPara>
+                </a14:m>
+                <a:endParaRPr lang="en-US" dirty="0"/>
+              </a:p>
+            </p:txBody>
+          </p:sp>
+        </mc:Choice>
+        <mc:Fallback xmlns="">
+          <p:sp>
+            <p:nvSpPr>
+              <p:cNvPr id="91" name="TextBox 90">
+                <a:extLst>
+                  <a:ext uri="{FF2B5EF4-FFF2-40B4-BE49-F238E27FC236}">
+                    <a16:creationId xmlns:a16="http://schemas.microsoft.com/office/drawing/2014/main" id="{B708EC4E-ED13-41F2-B4DB-4BE03A9C1E64}"/>
+                  </a:ext>
+                </a:extLst>
+              </p:cNvPr>
+              <p:cNvSpPr txBox="1">
+                <a:spLocks noRot="1" noChangeAspect="1" noMove="1" noResize="1" noEditPoints="1" noAdjustHandles="1" noChangeArrowheads="1" noChangeShapeType="1" noTextEdit="1"/>
+              </p:cNvSpPr>
+              <p:nvPr/>
+            </p:nvSpPr>
+            <p:spPr>
+              <a:xfrm>
+                <a:off x="7729269" y="4998899"/>
+                <a:ext cx="125034" cy="276999"/>
+              </a:xfrm>
+              <a:prstGeom prst="rect">
+                <a:avLst/>
+              </a:prstGeom>
+              <a:blipFill>
+                <a:blip r:embed="rId4"/>
+                <a:stretch>
+                  <a:fillRect l="-45000" r="-45000" b="-6667"/>
+                </a:stretch>
+              </a:blipFill>
+            </p:spPr>
+            <p:txBody>
+              <a:bodyPr/>
+              <a:lstStyle/>
+              <a:p>
+                <a:r>
+                  <a:rPr lang="en-US">
+                    <a:noFill/>
+                  </a:rPr>
+                  <a:t> </a:t>
+                </a:r>
+              </a:p>
+            </p:txBody>
+          </p:sp>
+        </mc:Fallback>
+      </mc:AlternateContent>
+      <p:cxnSp>
+        <p:nvCxnSpPr>
+          <p:cNvPr id="92" name="Straight Arrow Connector 91">
+            <a:extLst>
+              <a:ext uri="{FF2B5EF4-FFF2-40B4-BE49-F238E27FC236}">
+                <a16:creationId xmlns:a16="http://schemas.microsoft.com/office/drawing/2014/main" id="{014CF0A3-E8DD-4FAF-82BE-BD69415897BB}"/>
+              </a:ext>
+            </a:extLst>
+          </p:cNvPr>
+          <p:cNvCxnSpPr>
+            <a:cxnSpLocks/>
+          </p:cNvCxnSpPr>
+          <p:nvPr/>
+        </p:nvCxnSpPr>
+        <p:spPr>
+          <a:xfrm flipH="1">
+            <a:off x="4488526" y="3218405"/>
+            <a:ext cx="623474" cy="1"/>
+          </a:xfrm>
+          <a:prstGeom prst="straightConnector1">
+            <a:avLst/>
+          </a:prstGeom>
+          <a:ln w="38100">
+            <a:solidFill>
+              <a:schemeClr val="accent2"/>
+            </a:solidFill>
+            <a:headEnd type="arrow" w="med" len="med"/>
+            <a:tailEnd type="arrow" w="med" len="med"/>
+          </a:ln>
+        </p:spPr>
+        <p:style>
+          <a:lnRef idx="1">
+            <a:schemeClr val="accent1"/>
+          </a:lnRef>
+          <a:fillRef idx="0">
+            <a:schemeClr val="accent1"/>
+          </a:fillRef>
+          <a:effectRef idx="0">
+            <a:schemeClr val="accent1"/>
+          </a:effectRef>
+          <a:fontRef idx="minor">
+            <a:schemeClr val="tx1"/>
+          </a:fontRef>
+        </p:style>
+      </p:cxnSp>
+      <p:cxnSp>
+        <p:nvCxnSpPr>
+          <p:cNvPr id="94" name="Straight Arrow Connector 93">
+            <a:extLst>
+              <a:ext uri="{FF2B5EF4-FFF2-40B4-BE49-F238E27FC236}">
+                <a16:creationId xmlns:a16="http://schemas.microsoft.com/office/drawing/2014/main" id="{A96979E7-4114-47CE-B4AC-D8E416471A89}"/>
+              </a:ext>
+            </a:extLst>
+          </p:cNvPr>
+          <p:cNvCxnSpPr>
+            <a:cxnSpLocks/>
+          </p:cNvCxnSpPr>
+          <p:nvPr/>
+        </p:nvCxnSpPr>
+        <p:spPr>
+          <a:xfrm flipH="1">
+            <a:off x="6491656" y="3211355"/>
+            <a:ext cx="623474" cy="1"/>
+          </a:xfrm>
+          <a:prstGeom prst="straightConnector1">
+            <a:avLst/>
+          </a:prstGeom>
+          <a:ln w="38100">
+            <a:solidFill>
+              <a:schemeClr val="accent2"/>
+            </a:solidFill>
+            <a:headEnd type="arrow" w="med" len="med"/>
+            <a:tailEnd type="arrow" w="med" len="med"/>
+          </a:ln>
+        </p:spPr>
+        <p:style>
+          <a:lnRef idx="1">
+            <a:schemeClr val="accent1"/>
+          </a:lnRef>
+          <a:fillRef idx="0">
+            <a:schemeClr val="accent1"/>
+          </a:fillRef>
+          <a:effectRef idx="0">
+            <a:schemeClr val="accent1"/>
+          </a:effectRef>
+          <a:fontRef idx="minor">
+            <a:schemeClr val="tx1"/>
+          </a:fontRef>
+        </p:style>
+      </p:cxnSp>
+      <p:cxnSp>
+        <p:nvCxnSpPr>
+          <p:cNvPr id="95" name="Straight Arrow Connector 94">
+            <a:extLst>
+              <a:ext uri="{FF2B5EF4-FFF2-40B4-BE49-F238E27FC236}">
+                <a16:creationId xmlns:a16="http://schemas.microsoft.com/office/drawing/2014/main" id="{4FFB4F98-87C2-4039-B728-EDA2E0DAD3A2}"/>
+              </a:ext>
+            </a:extLst>
+          </p:cNvPr>
+          <p:cNvCxnSpPr>
+            <a:cxnSpLocks/>
+          </p:cNvCxnSpPr>
+          <p:nvPr/>
+        </p:nvCxnSpPr>
+        <p:spPr>
+          <a:xfrm flipH="1">
+            <a:off x="4478879" y="4620872"/>
+            <a:ext cx="623474" cy="1"/>
+          </a:xfrm>
+          <a:prstGeom prst="straightConnector1">
+            <a:avLst/>
+          </a:prstGeom>
+          <a:ln w="38100">
+            <a:solidFill>
+              <a:schemeClr val="accent2"/>
+            </a:solidFill>
+            <a:headEnd type="arrow" w="med" len="med"/>
+            <a:tailEnd type="arrow" w="med" len="med"/>
+          </a:ln>
+        </p:spPr>
+        <p:style>
+          <a:lnRef idx="1">
+            <a:schemeClr val="accent1"/>
+          </a:lnRef>
+          <a:fillRef idx="0">
+            <a:schemeClr val="accent1"/>
+          </a:fillRef>
+          <a:effectRef idx="0">
+            <a:schemeClr val="accent1"/>
+          </a:effectRef>
+          <a:fontRef idx="minor">
+            <a:schemeClr val="tx1"/>
+          </a:fontRef>
+        </p:style>
+      </p:cxnSp>
+      <p:cxnSp>
+        <p:nvCxnSpPr>
+          <p:cNvPr id="96" name="Straight Arrow Connector 95">
+            <a:extLst>
+              <a:ext uri="{FF2B5EF4-FFF2-40B4-BE49-F238E27FC236}">
+                <a16:creationId xmlns:a16="http://schemas.microsoft.com/office/drawing/2014/main" id="{D4B776AF-D64B-4AF1-BF94-2F51A5486B07}"/>
+              </a:ext>
+            </a:extLst>
+          </p:cNvPr>
+          <p:cNvCxnSpPr>
+            <a:cxnSpLocks/>
+          </p:cNvCxnSpPr>
+          <p:nvPr/>
+        </p:nvCxnSpPr>
+        <p:spPr>
+          <a:xfrm flipH="1">
+            <a:off x="6482009" y="4613822"/>
+            <a:ext cx="623474" cy="1"/>
+          </a:xfrm>
+          <a:prstGeom prst="straightConnector1">
+            <a:avLst/>
+          </a:prstGeom>
+          <a:ln w="38100">
+            <a:solidFill>
+              <a:schemeClr val="accent2"/>
+            </a:solidFill>
+            <a:headEnd type="arrow" w="med" len="med"/>
+            <a:tailEnd type="arrow" w="med" len="med"/>
+          </a:ln>
+        </p:spPr>
+        <p:style>
+          <a:lnRef idx="1">
+            <a:schemeClr val="accent1"/>
+          </a:lnRef>
+          <a:fillRef idx="0">
+            <a:schemeClr val="accent1"/>
+          </a:fillRef>
+          <a:effectRef idx="0">
+            <a:schemeClr val="accent1"/>
+          </a:effectRef>
+          <a:fontRef idx="minor">
+            <a:schemeClr val="tx1"/>
+          </a:fontRef>
+        </p:style>
+      </p:cxnSp>
+      <p:sp>
+        <p:nvSpPr>
+          <p:cNvPr id="97" name="Rectangle: Rounded Corners 96">
+            <a:extLst>
+              <a:ext uri="{FF2B5EF4-FFF2-40B4-BE49-F238E27FC236}">
+                <a16:creationId xmlns:a16="http://schemas.microsoft.com/office/drawing/2014/main" id="{A80E4370-1ECF-45FD-8ECD-58AC48898DE3}"/>
+              </a:ext>
+            </a:extLst>
+          </p:cNvPr>
+          <p:cNvSpPr/>
+          <p:nvPr/>
+        </p:nvSpPr>
+        <p:spPr>
+          <a:xfrm>
+            <a:off x="4804387" y="953061"/>
+            <a:ext cx="2103217" cy="542925"/>
+          </a:xfrm>
+          <a:prstGeom prst="roundRect">
+            <a:avLst/>
+          </a:prstGeom>
+          <a:solidFill>
+            <a:schemeClr val="accent4">
+              <a:lumMod val="40000"/>
+              <a:lumOff val="60000"/>
+            </a:schemeClr>
+          </a:solidFill>
+          <a:ln w="38100"/>
+        </p:spPr>
+        <p:style>
+          <a:lnRef idx="2">
+            <a:schemeClr val="accent1"/>
+          </a:lnRef>
+          <a:fillRef idx="1">
+            <a:schemeClr val="lt1"/>
+          </a:fillRef>
+          <a:effectRef idx="0">
+            <a:schemeClr val="accent1"/>
+          </a:effectRef>
+          <a:fontRef idx="minor">
+            <a:schemeClr val="dk1"/>
+          </a:fontRef>
+        </p:style>
+        <p:txBody>
+          <a:bodyPr rtlCol="0" anchor="ctr"/>
+          <a:lstStyle/>
+          <a:p>
+            <a:pPr algn="ctr"/>
+            <a:r>
+              <a:rPr lang="en-US" sz="2000" dirty="0"/>
+              <a:t>Broadcast</a:t>
+            </a:r>
+          </a:p>
+        </p:txBody>
+      </p:sp>
+      <p:cxnSp>
+        <p:nvCxnSpPr>
+          <p:cNvPr id="98" name="Straight Arrow Connector 97">
+            <a:extLst>
+              <a:ext uri="{FF2B5EF4-FFF2-40B4-BE49-F238E27FC236}">
+                <a16:creationId xmlns:a16="http://schemas.microsoft.com/office/drawing/2014/main" id="{3B7387AA-1057-40B1-9D10-07BEFBE690B3}"/>
+              </a:ext>
+            </a:extLst>
+          </p:cNvPr>
+          <p:cNvCxnSpPr>
+            <a:cxnSpLocks/>
+          </p:cNvCxnSpPr>
+          <p:nvPr/>
+        </p:nvCxnSpPr>
+        <p:spPr>
+          <a:xfrm flipV="1">
+            <a:off x="3806820" y="1623356"/>
+            <a:ext cx="766417" cy="462986"/>
+          </a:xfrm>
+          <a:prstGeom prst="straightConnector1">
+            <a:avLst/>
+          </a:prstGeom>
+          <a:ln w="38100">
+            <a:solidFill>
+              <a:srgbClr val="FF0000"/>
+            </a:solidFill>
+            <a:headEnd type="none" w="med" len="med"/>
+            <a:tailEnd type="arrow" w="med" len="med"/>
+          </a:ln>
+        </p:spPr>
+        <p:style>
+          <a:lnRef idx="1">
+            <a:schemeClr val="accent1"/>
+          </a:lnRef>
+          <a:fillRef idx="0">
+            <a:schemeClr val="accent1"/>
+          </a:fillRef>
+          <a:effectRef idx="0">
+            <a:schemeClr val="accent1"/>
+          </a:effectRef>
+          <a:fontRef idx="minor">
+            <a:schemeClr val="tx1"/>
+          </a:fontRef>
+        </p:style>
+      </p:cxnSp>
+      <p:cxnSp>
+        <p:nvCxnSpPr>
+          <p:cNvPr id="99" name="Straight Arrow Connector 98">
+            <a:extLst>
+              <a:ext uri="{FF2B5EF4-FFF2-40B4-BE49-F238E27FC236}">
+                <a16:creationId xmlns:a16="http://schemas.microsoft.com/office/drawing/2014/main" id="{D33BFBB7-8187-45CA-B765-97CD535C003F}"/>
+              </a:ext>
+            </a:extLst>
+          </p:cNvPr>
+          <p:cNvCxnSpPr>
+            <a:cxnSpLocks/>
+          </p:cNvCxnSpPr>
+          <p:nvPr/>
+        </p:nvCxnSpPr>
+        <p:spPr>
+          <a:xfrm flipV="1">
+            <a:off x="5717358" y="1655239"/>
+            <a:ext cx="0" cy="441055"/>
+          </a:xfrm>
+          <a:prstGeom prst="straightConnector1">
+            <a:avLst/>
+          </a:prstGeom>
+          <a:ln w="38100">
+            <a:headEnd type="arrow" w="med" len="med"/>
+            <a:tailEnd type="none" w="med" len="med"/>
+          </a:ln>
+        </p:spPr>
+        <p:style>
+          <a:lnRef idx="1">
+            <a:schemeClr val="accent1"/>
+          </a:lnRef>
+          <a:fillRef idx="0">
+            <a:schemeClr val="accent1"/>
+          </a:fillRef>
+          <a:effectRef idx="0">
+            <a:schemeClr val="accent1"/>
+          </a:effectRef>
+          <a:fontRef idx="minor">
+            <a:schemeClr val="tx1"/>
+          </a:fontRef>
+        </p:style>
+      </p:cxnSp>
+      <p:cxnSp>
+        <p:nvCxnSpPr>
+          <p:cNvPr id="100" name="Straight Arrow Connector 99">
+            <a:extLst>
+              <a:ext uri="{FF2B5EF4-FFF2-40B4-BE49-F238E27FC236}">
+                <a16:creationId xmlns:a16="http://schemas.microsoft.com/office/drawing/2014/main" id="{8DB40378-AC37-45BB-BA24-6928440C2C10}"/>
+              </a:ext>
+            </a:extLst>
+          </p:cNvPr>
+          <p:cNvCxnSpPr>
+            <a:cxnSpLocks/>
+          </p:cNvCxnSpPr>
+          <p:nvPr/>
+        </p:nvCxnSpPr>
+        <p:spPr>
+          <a:xfrm flipV="1">
+            <a:off x="4133476" y="1631380"/>
+            <a:ext cx="766417" cy="462986"/>
+          </a:xfrm>
+          <a:prstGeom prst="straightConnector1">
+            <a:avLst/>
+          </a:prstGeom>
+          <a:ln w="38100">
+            <a:headEnd type="arrow" w="med" len="med"/>
+            <a:tailEnd type="none" w="med" len="med"/>
+          </a:ln>
+        </p:spPr>
+        <p:style>
+          <a:lnRef idx="1">
+            <a:schemeClr val="accent1"/>
+          </a:lnRef>
+          <a:fillRef idx="0">
+            <a:schemeClr val="accent1"/>
+          </a:fillRef>
+          <a:effectRef idx="0">
+            <a:schemeClr val="accent1"/>
+          </a:effectRef>
+          <a:fontRef idx="minor">
+            <a:schemeClr val="tx1"/>
+          </a:fontRef>
+        </p:style>
+      </p:cxnSp>
+      <p:cxnSp>
+        <p:nvCxnSpPr>
+          <p:cNvPr id="101" name="Straight Arrow Connector 100">
+            <a:extLst>
+              <a:ext uri="{FF2B5EF4-FFF2-40B4-BE49-F238E27FC236}">
+                <a16:creationId xmlns:a16="http://schemas.microsoft.com/office/drawing/2014/main" id="{37177B7E-FB1C-4ED9-908C-F4E1D0A9BD03}"/>
+              </a:ext>
+            </a:extLst>
+          </p:cNvPr>
+          <p:cNvCxnSpPr>
+            <a:cxnSpLocks/>
+          </p:cNvCxnSpPr>
+          <p:nvPr/>
+        </p:nvCxnSpPr>
+        <p:spPr>
+          <a:xfrm flipH="1" flipV="1">
+            <a:off x="7092363" y="1577355"/>
+            <a:ext cx="840986" cy="508987"/>
+          </a:xfrm>
+          <a:prstGeom prst="straightConnector1">
+            <a:avLst/>
+          </a:prstGeom>
+          <a:ln w="38100">
+            <a:solidFill>
+              <a:srgbClr val="FF0000"/>
+            </a:solidFill>
+            <a:headEnd type="none" w="med" len="med"/>
+            <a:tailEnd type="arrow" w="med" len="med"/>
+          </a:ln>
+        </p:spPr>
+        <p:style>
+          <a:lnRef idx="1">
+            <a:schemeClr val="accent1"/>
+          </a:lnRef>
+          <a:fillRef idx="0">
+            <a:schemeClr val="accent1"/>
+          </a:fillRef>
+          <a:effectRef idx="0">
+            <a:schemeClr val="accent1"/>
+          </a:effectRef>
+          <a:fontRef idx="minor">
+            <a:schemeClr val="tx1"/>
+          </a:fontRef>
+        </p:style>
+      </p:cxnSp>
+      <p:cxnSp>
+        <p:nvCxnSpPr>
+          <p:cNvPr id="102" name="Straight Arrow Connector 101">
+            <a:extLst>
+              <a:ext uri="{FF2B5EF4-FFF2-40B4-BE49-F238E27FC236}">
+                <a16:creationId xmlns:a16="http://schemas.microsoft.com/office/drawing/2014/main" id="{6DFB8D03-53E4-4B28-A79A-5D8E809307D4}"/>
+              </a:ext>
+            </a:extLst>
+          </p:cNvPr>
+          <p:cNvCxnSpPr>
+            <a:cxnSpLocks/>
+          </p:cNvCxnSpPr>
+          <p:nvPr/>
+        </p:nvCxnSpPr>
+        <p:spPr>
+          <a:xfrm flipH="1" flipV="1">
+            <a:off x="6877855" y="1655239"/>
+            <a:ext cx="741048" cy="431103"/>
+          </a:xfrm>
+          <a:prstGeom prst="straightConnector1">
+            <a:avLst/>
+          </a:prstGeom>
+          <a:ln w="38100">
+            <a:headEnd type="arrow" w="med" len="med"/>
+            <a:tailEnd type="none" w="med" len="med"/>
+          </a:ln>
+        </p:spPr>
+        <p:style>
+          <a:lnRef idx="1">
+            <a:schemeClr val="accent1"/>
+          </a:lnRef>
+          <a:fillRef idx="0">
+            <a:schemeClr val="accent1"/>
+          </a:fillRef>
+          <a:effectRef idx="0">
+            <a:schemeClr val="accent1"/>
+          </a:effectRef>
+          <a:fontRef idx="minor">
+            <a:schemeClr val="tx1"/>
+          </a:fontRef>
+        </p:style>
+      </p:cxnSp>
+      <p:cxnSp>
+        <p:nvCxnSpPr>
+          <p:cNvPr id="103" name="Straight Arrow Connector 102">
+            <a:extLst>
+              <a:ext uri="{FF2B5EF4-FFF2-40B4-BE49-F238E27FC236}">
+                <a16:creationId xmlns:a16="http://schemas.microsoft.com/office/drawing/2014/main" id="{05438BF4-AB38-41DB-B9D9-0E00A8C955CC}"/>
+              </a:ext>
+            </a:extLst>
+          </p:cNvPr>
+          <p:cNvCxnSpPr>
+            <a:cxnSpLocks/>
+          </p:cNvCxnSpPr>
+          <p:nvPr/>
+        </p:nvCxnSpPr>
+        <p:spPr>
+          <a:xfrm flipV="1">
+            <a:off x="5942502" y="1645287"/>
+            <a:ext cx="0" cy="441055"/>
+          </a:xfrm>
+          <a:prstGeom prst="straightConnector1">
+            <a:avLst/>
+          </a:prstGeom>
+          <a:ln w="38100">
+            <a:solidFill>
+              <a:srgbClr val="FF0000"/>
+            </a:solidFill>
+            <a:headEnd type="none" w="med" len="med"/>
+            <a:tailEnd type="arrow" w="med" len="med"/>
+          </a:ln>
+        </p:spPr>
+        <p:style>
+          <a:lnRef idx="1">
+            <a:schemeClr val="accent1"/>
+          </a:lnRef>
+          <a:fillRef idx="0">
+            <a:schemeClr val="accent1"/>
+          </a:fillRef>
+          <a:effectRef idx="0">
+            <a:schemeClr val="accent1"/>
+          </a:effectRef>
+          <a:fontRef idx="minor">
+            <a:schemeClr val="tx1"/>
+          </a:fontRef>
+        </p:style>
+      </p:cxnSp>
+      <p:cxnSp>
+        <p:nvCxnSpPr>
+          <p:cNvPr id="104" name="Straight Arrow Connector 103">
+            <a:extLst>
+              <a:ext uri="{FF2B5EF4-FFF2-40B4-BE49-F238E27FC236}">
+                <a16:creationId xmlns:a16="http://schemas.microsoft.com/office/drawing/2014/main" id="{9FB14184-9B7F-49CE-BDE4-BBFE8392B7D7}"/>
+              </a:ext>
+            </a:extLst>
+          </p:cNvPr>
+          <p:cNvCxnSpPr>
+            <a:cxnSpLocks/>
+          </p:cNvCxnSpPr>
+          <p:nvPr/>
+        </p:nvCxnSpPr>
+        <p:spPr>
+          <a:xfrm flipV="1">
+            <a:off x="5716855" y="640047"/>
+            <a:ext cx="0" cy="289864"/>
+          </a:xfrm>
+          <a:prstGeom prst="straightConnector1">
+            <a:avLst/>
+          </a:prstGeom>
+          <a:ln w="38100">
+            <a:headEnd type="arrow" w="med" len="med"/>
+            <a:tailEnd type="none" w="med" len="med"/>
+          </a:ln>
+        </p:spPr>
+        <p:style>
+          <a:lnRef idx="1">
+            <a:schemeClr val="accent1"/>
+          </a:lnRef>
+          <a:fillRef idx="0">
+            <a:schemeClr val="accent1"/>
+          </a:fillRef>
+          <a:effectRef idx="0">
+            <a:schemeClr val="accent1"/>
+          </a:effectRef>
+          <a:fontRef idx="minor">
+            <a:schemeClr val="tx1"/>
+          </a:fontRef>
+        </p:style>
+      </p:cxnSp>
+      <p:cxnSp>
+        <p:nvCxnSpPr>
+          <p:cNvPr id="105" name="Straight Arrow Connector 104">
+            <a:extLst>
+              <a:ext uri="{FF2B5EF4-FFF2-40B4-BE49-F238E27FC236}">
+                <a16:creationId xmlns:a16="http://schemas.microsoft.com/office/drawing/2014/main" id="{E1BADD7E-336E-4997-8571-38082F86F046}"/>
+              </a:ext>
+            </a:extLst>
+          </p:cNvPr>
+          <p:cNvCxnSpPr>
+            <a:cxnSpLocks/>
+          </p:cNvCxnSpPr>
+          <p:nvPr/>
+        </p:nvCxnSpPr>
+        <p:spPr>
+          <a:xfrm flipV="1">
+            <a:off x="5941999" y="640047"/>
+            <a:ext cx="0" cy="279911"/>
+          </a:xfrm>
+          <a:prstGeom prst="straightConnector1">
+            <a:avLst/>
+          </a:prstGeom>
+          <a:ln w="38100">
+            <a:solidFill>
+              <a:srgbClr val="FF0000"/>
+            </a:solidFill>
+            <a:headEnd type="none" w="med" len="med"/>
+            <a:tailEnd type="arrow" w="med" len="med"/>
+          </a:ln>
+        </p:spPr>
+        <p:style>
+          <a:lnRef idx="1">
+            <a:schemeClr val="accent1"/>
+          </a:lnRef>
+          <a:fillRef idx="0">
+            <a:schemeClr val="accent1"/>
+          </a:fillRef>
+          <a:effectRef idx="0">
+            <a:schemeClr val="accent1"/>
+          </a:effectRef>
+          <a:fontRef idx="minor">
+            <a:schemeClr val="tx1"/>
+          </a:fontRef>
+        </p:style>
+      </p:cxnSp>
+    </p:spTree>
+    <p:extLst>
+      <p:ext uri="{BB962C8B-B14F-4D97-AF65-F5344CB8AC3E}">
+        <p14:creationId xmlns:p14="http://schemas.microsoft.com/office/powerpoint/2010/main" val="2305413016"/>
+      </p:ext>
+    </p:extLst>
+  </p:cSld>
+  <p:clrMapOvr>
+    <a:masterClrMapping/>
+  </p:clrMapOvr>
+</p:sld>
+</file>
+
+<file path=ppt/slides/slide16.xml><?xml version="1.0" encoding="utf-8"?>
+<p:sld xmlns:a="http://schemas.openxmlformats.org/drawingml/2006/main" xmlns:r="http://schemas.openxmlformats.org/officeDocument/2006/relationships" xmlns:p="http://schemas.openxmlformats.org/presentationml/2006/main">
+  <p:cSld>
+    <p:spTree>
+      <p:nvGrpSpPr>
+        <p:cNvPr id="1" name=""/>
+        <p:cNvGrpSpPr/>
+        <p:nvPr/>
+      </p:nvGrpSpPr>
+      <p:grpSpPr>
+        <a:xfrm>
+          <a:off x="0" y="0"/>
+          <a:ext cx="0" cy="0"/>
+          <a:chOff x="0" y="0"/>
+          <a:chExt cx="0" cy="0"/>
+        </a:xfrm>
+      </p:grpSpPr>
+      <p:sp>
+        <p:nvSpPr>
+          <p:cNvPr id="2" name="Isosceles Triangle 1">
+            <a:extLst>
+              <a:ext uri="{FF2B5EF4-FFF2-40B4-BE49-F238E27FC236}">
+                <a16:creationId xmlns:a16="http://schemas.microsoft.com/office/drawing/2014/main" id="{2B2E7A86-815F-4C76-8C92-B2585269CA14}"/>
+              </a:ext>
+            </a:extLst>
+          </p:cNvPr>
+          <p:cNvSpPr/>
+          <p:nvPr/>
+        </p:nvSpPr>
+        <p:spPr>
+          <a:xfrm rot="1479466">
+            <a:off x="2115885" y="2104240"/>
+            <a:ext cx="3049071" cy="2844833"/>
+          </a:xfrm>
+          <a:prstGeom prst="triangle">
+            <a:avLst/>
+          </a:prstGeom>
+          <a:noFill/>
+          <a:ln>
+            <a:solidFill>
+              <a:schemeClr val="tx1"/>
+            </a:solidFill>
+          </a:ln>
+        </p:spPr>
+        <p:style>
+          <a:lnRef idx="2">
+            <a:schemeClr val="accent1">
+              <a:shade val="50000"/>
+            </a:schemeClr>
+          </a:lnRef>
+          <a:fillRef idx="1">
+            <a:schemeClr val="accent1"/>
+          </a:fillRef>
+          <a:effectRef idx="0">
+            <a:schemeClr val="accent1"/>
+          </a:effectRef>
+          <a:fontRef idx="minor">
+            <a:schemeClr val="lt1"/>
+          </a:fontRef>
+        </p:style>
+        <p:txBody>
+          <a:bodyPr rtlCol="0" anchor="ctr"/>
+          <a:lstStyle/>
+          <a:p>
+            <a:pPr algn="ctr"/>
+            <a:endParaRPr lang="en-US"/>
+          </a:p>
+        </p:txBody>
+      </p:sp>
+      <p:sp>
+        <p:nvSpPr>
+          <p:cNvPr id="3" name="Oval 2">
+            <a:extLst>
+              <a:ext uri="{FF2B5EF4-FFF2-40B4-BE49-F238E27FC236}">
+                <a16:creationId xmlns:a16="http://schemas.microsoft.com/office/drawing/2014/main" id="{92B44816-C8FE-49A2-BE48-976E177AD6D0}"/>
+              </a:ext>
+            </a:extLst>
+          </p:cNvPr>
+          <p:cNvSpPr/>
+          <p:nvPr/>
+        </p:nvSpPr>
+        <p:spPr>
+          <a:xfrm>
+            <a:off x="4184542" y="2138766"/>
+            <a:ext cx="139485" cy="139485"/>
+          </a:xfrm>
+          <a:prstGeom prst="ellipse">
+            <a:avLst/>
+          </a:prstGeom>
+          <a:solidFill>
+            <a:schemeClr val="tx1"/>
+          </a:solidFill>
+          <a:ln>
+            <a:noFill/>
+          </a:ln>
+        </p:spPr>
+        <p:style>
+          <a:lnRef idx="2">
+            <a:schemeClr val="accent1">
+              <a:shade val="50000"/>
+            </a:schemeClr>
+          </a:lnRef>
+          <a:fillRef idx="1">
+            <a:schemeClr val="accent1"/>
+          </a:fillRef>
+          <a:effectRef idx="0">
+            <a:schemeClr val="accent1"/>
+          </a:effectRef>
+          <a:fontRef idx="minor">
+            <a:schemeClr val="lt1"/>
+          </a:fontRef>
+        </p:style>
+        <p:txBody>
+          <a:bodyPr rtlCol="0" anchor="ctr"/>
+          <a:lstStyle/>
+          <a:p>
+            <a:pPr algn="ctr"/>
+            <a:endParaRPr lang="en-US"/>
+          </a:p>
+        </p:txBody>
+      </p:sp>
+      <p:sp>
+        <p:nvSpPr>
+          <p:cNvPr id="106" name="Oval 105">
+            <a:extLst>
+              <a:ext uri="{FF2B5EF4-FFF2-40B4-BE49-F238E27FC236}">
+                <a16:creationId xmlns:a16="http://schemas.microsoft.com/office/drawing/2014/main" id="{76FFCF4E-9414-4F85-AF44-4D502330F1EE}"/>
+              </a:ext>
+            </a:extLst>
+          </p:cNvPr>
+          <p:cNvSpPr/>
+          <p:nvPr/>
+        </p:nvSpPr>
+        <p:spPr>
+          <a:xfrm>
+            <a:off x="1591727" y="4104468"/>
+            <a:ext cx="139485" cy="139485"/>
+          </a:xfrm>
+          <a:prstGeom prst="ellipse">
+            <a:avLst/>
+          </a:prstGeom>
+          <a:solidFill>
+            <a:schemeClr val="tx1"/>
+          </a:solidFill>
+          <a:ln>
+            <a:noFill/>
+          </a:ln>
+        </p:spPr>
+        <p:style>
+          <a:lnRef idx="2">
+            <a:schemeClr val="accent1">
+              <a:shade val="50000"/>
+            </a:schemeClr>
+          </a:lnRef>
+          <a:fillRef idx="1">
+            <a:schemeClr val="accent1"/>
+          </a:fillRef>
+          <a:effectRef idx="0">
+            <a:schemeClr val="accent1"/>
+          </a:effectRef>
+          <a:fontRef idx="minor">
+            <a:schemeClr val="lt1"/>
+          </a:fontRef>
+        </p:style>
+        <p:txBody>
+          <a:bodyPr rtlCol="0" anchor="ctr"/>
+          <a:lstStyle/>
+          <a:p>
+            <a:pPr algn="ctr"/>
+            <a:endParaRPr lang="en-US"/>
+          </a:p>
+        </p:txBody>
+      </p:sp>
+      <p:sp>
+        <p:nvSpPr>
+          <p:cNvPr id="107" name="Oval 106">
+            <a:extLst>
+              <a:ext uri="{FF2B5EF4-FFF2-40B4-BE49-F238E27FC236}">
+                <a16:creationId xmlns:a16="http://schemas.microsoft.com/office/drawing/2014/main" id="{C5D1CE54-AAC3-4213-BE79-55910D06AD10}"/>
+              </a:ext>
+            </a:extLst>
+          </p:cNvPr>
+          <p:cNvSpPr/>
+          <p:nvPr/>
+        </p:nvSpPr>
+        <p:spPr>
+          <a:xfrm>
+            <a:off x="4367939" y="5385661"/>
+            <a:ext cx="139485" cy="139485"/>
+          </a:xfrm>
+          <a:prstGeom prst="ellipse">
+            <a:avLst/>
+          </a:prstGeom>
+          <a:solidFill>
+            <a:schemeClr val="tx1"/>
+          </a:solidFill>
+          <a:ln>
+            <a:noFill/>
+          </a:ln>
+        </p:spPr>
+        <p:style>
+          <a:lnRef idx="2">
+            <a:schemeClr val="accent1">
+              <a:shade val="50000"/>
+            </a:schemeClr>
+          </a:lnRef>
+          <a:fillRef idx="1">
+            <a:schemeClr val="accent1"/>
+          </a:fillRef>
+          <a:effectRef idx="0">
+            <a:schemeClr val="accent1"/>
+          </a:effectRef>
+          <a:fontRef idx="minor">
+            <a:schemeClr val="lt1"/>
+          </a:fontRef>
+        </p:style>
+        <p:txBody>
+          <a:bodyPr rtlCol="0" anchor="ctr"/>
+          <a:lstStyle/>
+          <a:p>
+            <a:pPr algn="ctr"/>
+            <a:endParaRPr lang="en-US"/>
+          </a:p>
+        </p:txBody>
+      </p:sp>
+      <p:sp>
+        <p:nvSpPr>
+          <p:cNvPr id="108" name="Isosceles Triangle 107">
+            <a:extLst>
+              <a:ext uri="{FF2B5EF4-FFF2-40B4-BE49-F238E27FC236}">
+                <a16:creationId xmlns:a16="http://schemas.microsoft.com/office/drawing/2014/main" id="{C47610F7-0F57-4C3E-BFB3-AE22B22328DA}"/>
+              </a:ext>
+            </a:extLst>
+          </p:cNvPr>
+          <p:cNvSpPr/>
+          <p:nvPr/>
+        </p:nvSpPr>
+        <p:spPr>
+          <a:xfrm rot="1479466">
+            <a:off x="7738050" y="2104239"/>
+            <a:ext cx="3049071" cy="2844833"/>
+          </a:xfrm>
+          <a:prstGeom prst="triangle">
+            <a:avLst/>
+          </a:prstGeom>
+          <a:noFill/>
+          <a:ln>
+            <a:solidFill>
+              <a:schemeClr val="tx1"/>
+            </a:solidFill>
+          </a:ln>
+        </p:spPr>
+        <p:style>
+          <a:lnRef idx="2">
+            <a:schemeClr val="accent1">
+              <a:shade val="50000"/>
+            </a:schemeClr>
+          </a:lnRef>
+          <a:fillRef idx="1">
+            <a:schemeClr val="accent1"/>
+          </a:fillRef>
+          <a:effectRef idx="0">
+            <a:schemeClr val="accent1"/>
+          </a:effectRef>
+          <a:fontRef idx="minor">
+            <a:schemeClr val="lt1"/>
+          </a:fontRef>
+        </p:style>
+        <p:txBody>
+          <a:bodyPr rtlCol="0" anchor="ctr"/>
+          <a:lstStyle/>
+          <a:p>
+            <a:pPr algn="ctr"/>
+            <a:endParaRPr lang="en-US"/>
+          </a:p>
+        </p:txBody>
+      </p:sp>
+      <p:sp>
+        <p:nvSpPr>
+          <p:cNvPr id="109" name="Oval 108">
+            <a:extLst>
+              <a:ext uri="{FF2B5EF4-FFF2-40B4-BE49-F238E27FC236}">
+                <a16:creationId xmlns:a16="http://schemas.microsoft.com/office/drawing/2014/main" id="{3333EEFD-64FE-4817-BFC3-796F0488B121}"/>
+              </a:ext>
+            </a:extLst>
+          </p:cNvPr>
+          <p:cNvSpPr/>
+          <p:nvPr/>
+        </p:nvSpPr>
+        <p:spPr>
+          <a:xfrm>
+            <a:off x="9806707" y="2138765"/>
+            <a:ext cx="139485" cy="139485"/>
+          </a:xfrm>
+          <a:prstGeom prst="ellipse">
+            <a:avLst/>
+          </a:prstGeom>
+          <a:solidFill>
+            <a:schemeClr val="tx1"/>
+          </a:solidFill>
+          <a:ln>
+            <a:noFill/>
+          </a:ln>
+        </p:spPr>
+        <p:style>
+          <a:lnRef idx="2">
+            <a:schemeClr val="accent1">
+              <a:shade val="50000"/>
+            </a:schemeClr>
+          </a:lnRef>
+          <a:fillRef idx="1">
+            <a:schemeClr val="accent1"/>
+          </a:fillRef>
+          <a:effectRef idx="0">
+            <a:schemeClr val="accent1"/>
+          </a:effectRef>
+          <a:fontRef idx="minor">
+            <a:schemeClr val="lt1"/>
+          </a:fontRef>
+        </p:style>
+        <p:txBody>
+          <a:bodyPr rtlCol="0" anchor="ctr"/>
+          <a:lstStyle/>
+          <a:p>
+            <a:pPr algn="ctr"/>
+            <a:endParaRPr lang="en-US"/>
+          </a:p>
+        </p:txBody>
+      </p:sp>
+      <p:sp>
+        <p:nvSpPr>
+          <p:cNvPr id="110" name="Oval 109">
+            <a:extLst>
+              <a:ext uri="{FF2B5EF4-FFF2-40B4-BE49-F238E27FC236}">
+                <a16:creationId xmlns:a16="http://schemas.microsoft.com/office/drawing/2014/main" id="{788CD9CC-804B-4F61-83DC-A00ABADFE7E1}"/>
+              </a:ext>
+            </a:extLst>
+          </p:cNvPr>
+          <p:cNvSpPr/>
+          <p:nvPr/>
+        </p:nvSpPr>
+        <p:spPr>
+          <a:xfrm>
+            <a:off x="7213892" y="4104467"/>
+            <a:ext cx="139485" cy="139485"/>
+          </a:xfrm>
+          <a:prstGeom prst="ellipse">
+            <a:avLst/>
+          </a:prstGeom>
+          <a:solidFill>
+            <a:schemeClr val="tx1"/>
+          </a:solidFill>
+          <a:ln>
+            <a:noFill/>
+          </a:ln>
+        </p:spPr>
+        <p:style>
+          <a:lnRef idx="2">
+            <a:schemeClr val="accent1">
+              <a:shade val="50000"/>
+            </a:schemeClr>
+          </a:lnRef>
+          <a:fillRef idx="1">
+            <a:schemeClr val="accent1"/>
+          </a:fillRef>
+          <a:effectRef idx="0">
+            <a:schemeClr val="accent1"/>
+          </a:effectRef>
+          <a:fontRef idx="minor">
+            <a:schemeClr val="lt1"/>
+          </a:fontRef>
+        </p:style>
+        <p:txBody>
+          <a:bodyPr rtlCol="0" anchor="ctr"/>
+          <a:lstStyle/>
+          <a:p>
+            <a:pPr algn="ctr"/>
+            <a:endParaRPr lang="en-US"/>
+          </a:p>
+        </p:txBody>
+      </p:sp>
+      <p:sp>
+        <p:nvSpPr>
+          <p:cNvPr id="111" name="Oval 110">
+            <a:extLst>
+              <a:ext uri="{FF2B5EF4-FFF2-40B4-BE49-F238E27FC236}">
+                <a16:creationId xmlns:a16="http://schemas.microsoft.com/office/drawing/2014/main" id="{01506F2D-E54C-4D95-BE8B-B7D62C980FAC}"/>
+              </a:ext>
+            </a:extLst>
+          </p:cNvPr>
+          <p:cNvSpPr/>
+          <p:nvPr/>
+        </p:nvSpPr>
+        <p:spPr>
+          <a:xfrm>
+            <a:off x="9990104" y="5385660"/>
+            <a:ext cx="139485" cy="139485"/>
+          </a:xfrm>
+          <a:prstGeom prst="ellipse">
+            <a:avLst/>
+          </a:prstGeom>
+          <a:solidFill>
+            <a:schemeClr val="tx1"/>
+          </a:solidFill>
+          <a:ln>
+            <a:noFill/>
+          </a:ln>
+        </p:spPr>
+        <p:style>
+          <a:lnRef idx="2">
+            <a:schemeClr val="accent1">
+              <a:shade val="50000"/>
+            </a:schemeClr>
+          </a:lnRef>
+          <a:fillRef idx="1">
+            <a:schemeClr val="accent1"/>
+          </a:fillRef>
+          <a:effectRef idx="0">
+            <a:schemeClr val="accent1"/>
+          </a:effectRef>
+          <a:fontRef idx="minor">
+            <a:schemeClr val="lt1"/>
+          </a:fontRef>
+        </p:style>
+        <p:txBody>
+          <a:bodyPr rtlCol="0" anchor="ctr"/>
+          <a:lstStyle/>
+          <a:p>
+            <a:pPr algn="ctr"/>
+            <a:endParaRPr lang="en-US"/>
+          </a:p>
+        </p:txBody>
+      </p:sp>
+      <p:sp>
+        <p:nvSpPr>
+          <p:cNvPr id="112" name="Oval 111">
+            <a:extLst>
+              <a:ext uri="{FF2B5EF4-FFF2-40B4-BE49-F238E27FC236}">
+                <a16:creationId xmlns:a16="http://schemas.microsoft.com/office/drawing/2014/main" id="{5596FD69-73A4-41CB-8125-B7E4F56B2081}"/>
+              </a:ext>
+            </a:extLst>
+          </p:cNvPr>
+          <p:cNvSpPr/>
+          <p:nvPr/>
+        </p:nvSpPr>
+        <p:spPr>
+          <a:xfrm>
+            <a:off x="8544163" y="3125491"/>
+            <a:ext cx="139485" cy="139485"/>
+          </a:xfrm>
+          <a:prstGeom prst="ellipse">
+            <a:avLst/>
+          </a:prstGeom>
+          <a:solidFill>
+            <a:schemeClr val="tx1"/>
+          </a:solidFill>
+          <a:ln>
+            <a:noFill/>
+          </a:ln>
+        </p:spPr>
+        <p:style>
+          <a:lnRef idx="2">
+            <a:schemeClr val="accent1">
+              <a:shade val="50000"/>
+            </a:schemeClr>
+          </a:lnRef>
+          <a:fillRef idx="1">
+            <a:schemeClr val="accent1"/>
+          </a:fillRef>
+          <a:effectRef idx="0">
+            <a:schemeClr val="accent1"/>
+          </a:effectRef>
+          <a:fontRef idx="minor">
+            <a:schemeClr val="lt1"/>
+          </a:fontRef>
+        </p:style>
+        <p:txBody>
+          <a:bodyPr rtlCol="0" anchor="ctr"/>
+          <a:lstStyle/>
+          <a:p>
+            <a:pPr algn="ctr"/>
+            <a:endParaRPr lang="en-US"/>
+          </a:p>
+        </p:txBody>
+      </p:sp>
+      <p:sp>
+        <p:nvSpPr>
+          <p:cNvPr id="113" name="Oval 112">
+            <a:extLst>
+              <a:ext uri="{FF2B5EF4-FFF2-40B4-BE49-F238E27FC236}">
+                <a16:creationId xmlns:a16="http://schemas.microsoft.com/office/drawing/2014/main" id="{61511A6F-E555-49BE-A9C4-F92A925998DD}"/>
+              </a:ext>
+            </a:extLst>
+          </p:cNvPr>
+          <p:cNvSpPr/>
+          <p:nvPr/>
+        </p:nvSpPr>
+        <p:spPr>
+          <a:xfrm>
+            <a:off x="9885644" y="3727341"/>
+            <a:ext cx="139485" cy="139485"/>
+          </a:xfrm>
+          <a:prstGeom prst="ellipse">
+            <a:avLst/>
+          </a:prstGeom>
+          <a:solidFill>
+            <a:schemeClr val="tx1"/>
+          </a:solidFill>
+          <a:ln>
+            <a:noFill/>
+          </a:ln>
+        </p:spPr>
+        <p:style>
+          <a:lnRef idx="2">
+            <a:schemeClr val="accent1">
+              <a:shade val="50000"/>
+            </a:schemeClr>
+          </a:lnRef>
+          <a:fillRef idx="1">
+            <a:schemeClr val="accent1"/>
+          </a:fillRef>
+          <a:effectRef idx="0">
+            <a:schemeClr val="accent1"/>
+          </a:effectRef>
+          <a:fontRef idx="minor">
+            <a:schemeClr val="lt1"/>
+          </a:fontRef>
+        </p:style>
+        <p:txBody>
+          <a:bodyPr rtlCol="0" anchor="ctr"/>
+          <a:lstStyle/>
+          <a:p>
+            <a:pPr algn="ctr"/>
+            <a:endParaRPr lang="en-US"/>
+          </a:p>
+        </p:txBody>
+      </p:sp>
+      <p:sp>
+        <p:nvSpPr>
+          <p:cNvPr id="114" name="Oval 113">
+            <a:extLst>
+              <a:ext uri="{FF2B5EF4-FFF2-40B4-BE49-F238E27FC236}">
+                <a16:creationId xmlns:a16="http://schemas.microsoft.com/office/drawing/2014/main" id="{39A255FD-7D41-4CF1-886E-23B5DCD62B91}"/>
+              </a:ext>
+            </a:extLst>
+          </p:cNvPr>
+          <p:cNvSpPr/>
+          <p:nvPr/>
+        </p:nvSpPr>
+        <p:spPr>
+          <a:xfrm>
+            <a:off x="8630849" y="4758978"/>
+            <a:ext cx="139485" cy="139485"/>
+          </a:xfrm>
+          <a:prstGeom prst="ellipse">
+            <a:avLst/>
+          </a:prstGeom>
+          <a:solidFill>
+            <a:schemeClr val="tx1"/>
+          </a:solidFill>
+          <a:ln>
+            <a:noFill/>
+          </a:ln>
+        </p:spPr>
+        <p:style>
+          <a:lnRef idx="2">
+            <a:schemeClr val="accent1">
+              <a:shade val="50000"/>
+            </a:schemeClr>
+          </a:lnRef>
+          <a:fillRef idx="1">
+            <a:schemeClr val="accent1"/>
+          </a:fillRef>
+          <a:effectRef idx="0">
+            <a:schemeClr val="accent1"/>
+          </a:effectRef>
+          <a:fontRef idx="minor">
+            <a:schemeClr val="lt1"/>
+          </a:fontRef>
+        </p:style>
+        <p:txBody>
+          <a:bodyPr rtlCol="0" anchor="ctr"/>
+          <a:lstStyle/>
+          <a:p>
+            <a:pPr algn="ctr"/>
+            <a:endParaRPr lang="en-US"/>
+          </a:p>
+        </p:txBody>
+      </p:sp>
+      <p:sp>
+        <p:nvSpPr>
+          <p:cNvPr id="4" name="TextBox 3">
+            <a:extLst>
+              <a:ext uri="{FF2B5EF4-FFF2-40B4-BE49-F238E27FC236}">
+                <a16:creationId xmlns:a16="http://schemas.microsoft.com/office/drawing/2014/main" id="{09321D2D-6216-47AB-A430-869C64AEE6BB}"/>
+              </a:ext>
+            </a:extLst>
+          </p:cNvPr>
+          <p:cNvSpPr txBox="1"/>
+          <p:nvPr/>
+        </p:nvSpPr>
+        <p:spPr>
+          <a:xfrm>
+            <a:off x="2092272" y="6114786"/>
+            <a:ext cx="2590837" cy="707886"/>
+          </a:xfrm>
+          <a:prstGeom prst="rect">
+            <a:avLst/>
+          </a:prstGeom>
+          <a:noFill/>
+        </p:spPr>
+        <p:txBody>
+          <a:bodyPr wrap="none" rtlCol="0">
+            <a:spAutoFit/>
+          </a:bodyPr>
+          <a:lstStyle/>
+          <a:p>
+            <a:r>
+              <a:rPr lang="en-US" sz="4000" b="1" dirty="0"/>
+              <a:t>P1 Element</a:t>
+            </a:r>
+          </a:p>
+        </p:txBody>
+      </p:sp>
+      <p:sp>
+        <p:nvSpPr>
+          <p:cNvPr id="115" name="TextBox 114">
+            <a:extLst>
+              <a:ext uri="{FF2B5EF4-FFF2-40B4-BE49-F238E27FC236}">
+                <a16:creationId xmlns:a16="http://schemas.microsoft.com/office/drawing/2014/main" id="{05AF01BD-836E-4BF9-8CF6-C54BEA8FF191}"/>
+              </a:ext>
+            </a:extLst>
+          </p:cNvPr>
+          <p:cNvSpPr txBox="1"/>
+          <p:nvPr/>
+        </p:nvSpPr>
+        <p:spPr>
+          <a:xfrm>
+            <a:off x="7453510" y="6114786"/>
+            <a:ext cx="2590837" cy="707886"/>
+          </a:xfrm>
+          <a:prstGeom prst="rect">
+            <a:avLst/>
+          </a:prstGeom>
+          <a:noFill/>
+        </p:spPr>
+        <p:txBody>
+          <a:bodyPr wrap="none" rtlCol="0">
+            <a:spAutoFit/>
+          </a:bodyPr>
+          <a:lstStyle/>
+          <a:p>
+            <a:r>
+              <a:rPr lang="en-US" sz="4000" b="1" dirty="0"/>
+              <a:t>P2 Element</a:t>
+            </a:r>
+          </a:p>
+        </p:txBody>
+      </p:sp>
+      <p:sp>
+        <p:nvSpPr>
+          <p:cNvPr id="116" name="Oval 115">
+            <a:extLst>
+              <a:ext uri="{FF2B5EF4-FFF2-40B4-BE49-F238E27FC236}">
+                <a16:creationId xmlns:a16="http://schemas.microsoft.com/office/drawing/2014/main" id="{D4AAE3F9-86CB-465D-A20C-240842B873D2}"/>
+              </a:ext>
+            </a:extLst>
+          </p:cNvPr>
+          <p:cNvSpPr/>
+          <p:nvPr/>
+        </p:nvSpPr>
+        <p:spPr>
+          <a:xfrm>
+            <a:off x="1521984" y="1237282"/>
+            <a:ext cx="139485" cy="139485"/>
+          </a:xfrm>
+          <a:prstGeom prst="ellipse">
+            <a:avLst/>
+          </a:prstGeom>
+          <a:solidFill>
+            <a:schemeClr val="tx1"/>
+          </a:solidFill>
+          <a:ln>
+            <a:noFill/>
+          </a:ln>
+        </p:spPr>
+        <p:style>
+          <a:lnRef idx="2">
+            <a:schemeClr val="accent1">
+              <a:shade val="50000"/>
+            </a:schemeClr>
+          </a:lnRef>
+          <a:fillRef idx="1">
+            <a:schemeClr val="accent1"/>
+          </a:fillRef>
+          <a:effectRef idx="0">
+            <a:schemeClr val="accent1"/>
+          </a:effectRef>
+          <a:fontRef idx="minor">
+            <a:schemeClr val="lt1"/>
+          </a:fontRef>
+        </p:style>
+        <p:txBody>
+          <a:bodyPr rtlCol="0" anchor="ctr"/>
+          <a:lstStyle/>
+          <a:p>
+            <a:pPr algn="ctr"/>
+            <a:endParaRPr lang="en-US"/>
+          </a:p>
+        </p:txBody>
+      </p:sp>
+      <p:sp>
+        <p:nvSpPr>
+          <p:cNvPr id="5" name="TextBox 4">
+            <a:extLst>
+              <a:ext uri="{FF2B5EF4-FFF2-40B4-BE49-F238E27FC236}">
+                <a16:creationId xmlns:a16="http://schemas.microsoft.com/office/drawing/2014/main" id="{EF69387E-06DF-44E7-863B-26C09921306B}"/>
+              </a:ext>
+            </a:extLst>
+          </p:cNvPr>
+          <p:cNvSpPr txBox="1"/>
+          <p:nvPr/>
+        </p:nvSpPr>
+        <p:spPr>
+          <a:xfrm>
+            <a:off x="1937617" y="1017375"/>
+            <a:ext cx="3188630" cy="523220"/>
+          </a:xfrm>
+          <a:prstGeom prst="rect">
+            <a:avLst/>
+          </a:prstGeom>
+          <a:noFill/>
+        </p:spPr>
+        <p:txBody>
+          <a:bodyPr wrap="none" rtlCol="0">
+            <a:spAutoFit/>
+          </a:bodyPr>
+          <a:lstStyle/>
+          <a:p>
+            <a:r>
+              <a:rPr lang="en-US" sz="2800" b="1" dirty="0"/>
+              <a:t>Degree of Freedoms</a:t>
+            </a:r>
+          </a:p>
+        </p:txBody>
+      </p:sp>
+    </p:spTree>
+    <p:extLst>
+      <p:ext uri="{BB962C8B-B14F-4D97-AF65-F5344CB8AC3E}">
+        <p14:creationId xmlns:p14="http://schemas.microsoft.com/office/powerpoint/2010/main" val="3067476915"/>
       </p:ext>
     </p:extLst>
   </p:cSld>

--- a/Slides/figures.pptx
+++ b/Slides/figures.pptx
@@ -4,6 +4,9 @@
   <p:sldMasterIdLst>
     <p:sldMasterId id="2147483660" r:id="rId4"/>
   </p:sldMasterIdLst>
+  <p:notesMasterIdLst>
+    <p:notesMasterId r:id="rId19"/>
+  </p:notesMasterIdLst>
   <p:sldIdLst>
     <p:sldId id="256" r:id="rId5"/>
     <p:sldId id="257" r:id="rId6"/>
@@ -17,6 +20,8 @@
     <p:sldId id="265" r:id="rId14"/>
     <p:sldId id="266" r:id="rId15"/>
     <p:sldId id="267" r:id="rId16"/>
+    <p:sldId id="268" r:id="rId17"/>
+    <p:sldId id="269" r:id="rId18"/>
   </p:sldIdLst>
   <p:sldSz cx="12192000" cy="8961438"/>
   <p:notesSz cx="6858000" cy="9144000"/>
@@ -123,6 +128,439 @@
 </p:presentation>
 </file>
 
+<file path=ppt/notesMasters/notesMaster1.xml><?xml version="1.0" encoding="utf-8"?>
+<p:notesMaster xmlns:a="http://schemas.openxmlformats.org/drawingml/2006/main" xmlns:r="http://schemas.openxmlformats.org/officeDocument/2006/relationships" xmlns:p="http://schemas.openxmlformats.org/presentationml/2006/main">
+  <p:cSld>
+    <p:bg>
+      <p:bgRef idx="1001">
+        <a:schemeClr val="bg1"/>
+      </p:bgRef>
+    </p:bg>
+    <p:spTree>
+      <p:nvGrpSpPr>
+        <p:cNvPr id="1" name=""/>
+        <p:cNvGrpSpPr/>
+        <p:nvPr/>
+      </p:nvGrpSpPr>
+      <p:grpSpPr>
+        <a:xfrm>
+          <a:off x="0" y="0"/>
+          <a:ext cx="0" cy="0"/>
+          <a:chOff x="0" y="0"/>
+          <a:chExt cx="0" cy="0"/>
+        </a:xfrm>
+      </p:grpSpPr>
+      <p:sp>
+        <p:nvSpPr>
+          <p:cNvPr id="2" name="Header Placeholder 1"/>
+          <p:cNvSpPr>
+            <a:spLocks noGrp="1"/>
+          </p:cNvSpPr>
+          <p:nvPr>
+            <p:ph type="hdr" sz="quarter"/>
+          </p:nvPr>
+        </p:nvSpPr>
+        <p:spPr>
+          <a:xfrm>
+            <a:off x="0" y="0"/>
+            <a:ext cx="2971800" cy="458788"/>
+          </a:xfrm>
+          <a:prstGeom prst="rect">
+            <a:avLst/>
+          </a:prstGeom>
+        </p:spPr>
+        <p:txBody>
+          <a:bodyPr vert="horz" lIns="91440" tIns="45720" rIns="91440" bIns="45720" rtlCol="0"/>
+          <a:lstStyle>
+            <a:lvl1pPr algn="l">
+              <a:defRPr sz="1200"/>
+            </a:lvl1pPr>
+          </a:lstStyle>
+          <a:p>
+            <a:endParaRPr lang="en-US"/>
+          </a:p>
+        </p:txBody>
+      </p:sp>
+      <p:sp>
+        <p:nvSpPr>
+          <p:cNvPr id="3" name="Date Placeholder 2"/>
+          <p:cNvSpPr>
+            <a:spLocks noGrp="1"/>
+          </p:cNvSpPr>
+          <p:nvPr>
+            <p:ph type="dt" idx="1"/>
+          </p:nvPr>
+        </p:nvSpPr>
+        <p:spPr>
+          <a:xfrm>
+            <a:off x="3884613" y="0"/>
+            <a:ext cx="2971800" cy="458788"/>
+          </a:xfrm>
+          <a:prstGeom prst="rect">
+            <a:avLst/>
+          </a:prstGeom>
+        </p:spPr>
+        <p:txBody>
+          <a:bodyPr vert="horz" lIns="91440" tIns="45720" rIns="91440" bIns="45720" rtlCol="0"/>
+          <a:lstStyle>
+            <a:lvl1pPr algn="r">
+              <a:defRPr sz="1200"/>
+            </a:lvl1pPr>
+          </a:lstStyle>
+          <a:p>
+            <a:fld id="{461AEF44-E510-4251-A5BC-36EBF3245816}" type="datetimeFigureOut">
+              <a:rPr lang="en-US" smtClean="0"/>
+              <a:t>9/22/2020</a:t>
+            </a:fld>
+            <a:endParaRPr lang="en-US"/>
+          </a:p>
+        </p:txBody>
+      </p:sp>
+      <p:sp>
+        <p:nvSpPr>
+          <p:cNvPr id="4" name="Slide Image Placeholder 3"/>
+          <p:cNvSpPr>
+            <a:spLocks noGrp="1" noRot="1" noChangeAspect="1"/>
+          </p:cNvSpPr>
+          <p:nvPr>
+            <p:ph type="sldImg" idx="2"/>
+          </p:nvPr>
+        </p:nvSpPr>
+        <p:spPr>
+          <a:xfrm>
+            <a:off x="1330325" y="1143000"/>
+            <a:ext cx="4197350" cy="3086100"/>
+          </a:xfrm>
+          <a:prstGeom prst="rect">
+            <a:avLst/>
+          </a:prstGeom>
+          <a:noFill/>
+          <a:ln w="12700">
+            <a:solidFill>
+              <a:prstClr val="black"/>
+            </a:solidFill>
+          </a:ln>
+        </p:spPr>
+        <p:txBody>
+          <a:bodyPr vert="horz" lIns="91440" tIns="45720" rIns="91440" bIns="45720" rtlCol="0" anchor="ctr"/>
+          <a:lstStyle/>
+          <a:p>
+            <a:endParaRPr lang="en-US"/>
+          </a:p>
+        </p:txBody>
+      </p:sp>
+      <p:sp>
+        <p:nvSpPr>
+          <p:cNvPr id="5" name="Notes Placeholder 4"/>
+          <p:cNvSpPr>
+            <a:spLocks noGrp="1"/>
+          </p:cNvSpPr>
+          <p:nvPr>
+            <p:ph type="body" sz="quarter" idx="3"/>
+          </p:nvPr>
+        </p:nvSpPr>
+        <p:spPr>
+          <a:xfrm>
+            <a:off x="685800" y="4400550"/>
+            <a:ext cx="5486400" cy="3600450"/>
+          </a:xfrm>
+          <a:prstGeom prst="rect">
+            <a:avLst/>
+          </a:prstGeom>
+        </p:spPr>
+        <p:txBody>
+          <a:bodyPr vert="horz" lIns="91440" tIns="45720" rIns="91440" bIns="45720" rtlCol="0"/>
+          <a:lstStyle/>
+          <a:p>
+            <a:pPr lvl="0"/>
+            <a:r>
+              <a:rPr lang="en-US"/>
+              <a:t>Click to edit Master text styles</a:t>
+            </a:r>
+          </a:p>
+          <a:p>
+            <a:pPr lvl="1"/>
+            <a:r>
+              <a:rPr lang="en-US"/>
+              <a:t>Second level</a:t>
+            </a:r>
+          </a:p>
+          <a:p>
+            <a:pPr lvl="2"/>
+            <a:r>
+              <a:rPr lang="en-US"/>
+              <a:t>Third level</a:t>
+            </a:r>
+          </a:p>
+          <a:p>
+            <a:pPr lvl="3"/>
+            <a:r>
+              <a:rPr lang="en-US"/>
+              <a:t>Fourth level</a:t>
+            </a:r>
+          </a:p>
+          <a:p>
+            <a:pPr lvl="4"/>
+            <a:r>
+              <a:rPr lang="en-US"/>
+              <a:t>Fifth level</a:t>
+            </a:r>
+          </a:p>
+        </p:txBody>
+      </p:sp>
+      <p:sp>
+        <p:nvSpPr>
+          <p:cNvPr id="6" name="Footer Placeholder 5"/>
+          <p:cNvSpPr>
+            <a:spLocks noGrp="1"/>
+          </p:cNvSpPr>
+          <p:nvPr>
+            <p:ph type="ftr" sz="quarter" idx="4"/>
+          </p:nvPr>
+        </p:nvSpPr>
+        <p:spPr>
+          <a:xfrm>
+            <a:off x="0" y="8685213"/>
+            <a:ext cx="2971800" cy="458787"/>
+          </a:xfrm>
+          <a:prstGeom prst="rect">
+            <a:avLst/>
+          </a:prstGeom>
+        </p:spPr>
+        <p:txBody>
+          <a:bodyPr vert="horz" lIns="91440" tIns="45720" rIns="91440" bIns="45720" rtlCol="0" anchor="b"/>
+          <a:lstStyle>
+            <a:lvl1pPr algn="l">
+              <a:defRPr sz="1200"/>
+            </a:lvl1pPr>
+          </a:lstStyle>
+          <a:p>
+            <a:endParaRPr lang="en-US"/>
+          </a:p>
+        </p:txBody>
+      </p:sp>
+      <p:sp>
+        <p:nvSpPr>
+          <p:cNvPr id="7" name="Slide Number Placeholder 6"/>
+          <p:cNvSpPr>
+            <a:spLocks noGrp="1"/>
+          </p:cNvSpPr>
+          <p:nvPr>
+            <p:ph type="sldNum" sz="quarter" idx="5"/>
+          </p:nvPr>
+        </p:nvSpPr>
+        <p:spPr>
+          <a:xfrm>
+            <a:off x="3884613" y="8685213"/>
+            <a:ext cx="2971800" cy="458787"/>
+          </a:xfrm>
+          <a:prstGeom prst="rect">
+            <a:avLst/>
+          </a:prstGeom>
+        </p:spPr>
+        <p:txBody>
+          <a:bodyPr vert="horz" lIns="91440" tIns="45720" rIns="91440" bIns="45720" rtlCol="0" anchor="b"/>
+          <a:lstStyle>
+            <a:lvl1pPr algn="r">
+              <a:defRPr sz="1200"/>
+            </a:lvl1pPr>
+          </a:lstStyle>
+          <a:p>
+            <a:fld id="{AC5AF634-82CA-4179-ABDE-05BFF70A8F24}" type="slidenum">
+              <a:rPr lang="en-US" smtClean="0"/>
+              <a:t>‹#›</a:t>
+            </a:fld>
+            <a:endParaRPr lang="en-US"/>
+          </a:p>
+        </p:txBody>
+      </p:sp>
+    </p:spTree>
+    <p:extLst>
+      <p:ext uri="{BB962C8B-B14F-4D97-AF65-F5344CB8AC3E}">
+        <p14:creationId xmlns:p14="http://schemas.microsoft.com/office/powerpoint/2010/main" val="1325994521"/>
+      </p:ext>
+    </p:extLst>
+  </p:cSld>
+  <p:clrMap bg1="lt1" tx1="dk1" bg2="lt2" tx2="dk2" accent1="accent1" accent2="accent2" accent3="accent3" accent4="accent4" accent5="accent5" accent6="accent6" hlink="hlink" folHlink="folHlink"/>
+  <p:notesStyle>
+    <a:lvl1pPr marL="0" algn="l" defTabSz="914400" rtl="0" eaLnBrk="1" latinLnBrk="0" hangingPunct="1">
+      <a:defRPr sz="1200" kern="1200">
+        <a:solidFill>
+          <a:schemeClr val="tx1"/>
+        </a:solidFill>
+        <a:latin typeface="+mn-lt"/>
+        <a:ea typeface="+mn-ea"/>
+        <a:cs typeface="+mn-cs"/>
+      </a:defRPr>
+    </a:lvl1pPr>
+    <a:lvl2pPr marL="457200" algn="l" defTabSz="914400" rtl="0" eaLnBrk="1" latinLnBrk="0" hangingPunct="1">
+      <a:defRPr sz="1200" kern="1200">
+        <a:solidFill>
+          <a:schemeClr val="tx1"/>
+        </a:solidFill>
+        <a:latin typeface="+mn-lt"/>
+        <a:ea typeface="+mn-ea"/>
+        <a:cs typeface="+mn-cs"/>
+      </a:defRPr>
+    </a:lvl2pPr>
+    <a:lvl3pPr marL="914400" algn="l" defTabSz="914400" rtl="0" eaLnBrk="1" latinLnBrk="0" hangingPunct="1">
+      <a:defRPr sz="1200" kern="1200">
+        <a:solidFill>
+          <a:schemeClr val="tx1"/>
+        </a:solidFill>
+        <a:latin typeface="+mn-lt"/>
+        <a:ea typeface="+mn-ea"/>
+        <a:cs typeface="+mn-cs"/>
+      </a:defRPr>
+    </a:lvl3pPr>
+    <a:lvl4pPr marL="1371600" algn="l" defTabSz="914400" rtl="0" eaLnBrk="1" latinLnBrk="0" hangingPunct="1">
+      <a:defRPr sz="1200" kern="1200">
+        <a:solidFill>
+          <a:schemeClr val="tx1"/>
+        </a:solidFill>
+        <a:latin typeface="+mn-lt"/>
+        <a:ea typeface="+mn-ea"/>
+        <a:cs typeface="+mn-cs"/>
+      </a:defRPr>
+    </a:lvl4pPr>
+    <a:lvl5pPr marL="1828800" algn="l" defTabSz="914400" rtl="0" eaLnBrk="1" latinLnBrk="0" hangingPunct="1">
+      <a:defRPr sz="1200" kern="1200">
+        <a:solidFill>
+          <a:schemeClr val="tx1"/>
+        </a:solidFill>
+        <a:latin typeface="+mn-lt"/>
+        <a:ea typeface="+mn-ea"/>
+        <a:cs typeface="+mn-cs"/>
+      </a:defRPr>
+    </a:lvl5pPr>
+    <a:lvl6pPr marL="2286000" algn="l" defTabSz="914400" rtl="0" eaLnBrk="1" latinLnBrk="0" hangingPunct="1">
+      <a:defRPr sz="1200" kern="1200">
+        <a:solidFill>
+          <a:schemeClr val="tx1"/>
+        </a:solidFill>
+        <a:latin typeface="+mn-lt"/>
+        <a:ea typeface="+mn-ea"/>
+        <a:cs typeface="+mn-cs"/>
+      </a:defRPr>
+    </a:lvl6pPr>
+    <a:lvl7pPr marL="2743200" algn="l" defTabSz="914400" rtl="0" eaLnBrk="1" latinLnBrk="0" hangingPunct="1">
+      <a:defRPr sz="1200" kern="1200">
+        <a:solidFill>
+          <a:schemeClr val="tx1"/>
+        </a:solidFill>
+        <a:latin typeface="+mn-lt"/>
+        <a:ea typeface="+mn-ea"/>
+        <a:cs typeface="+mn-cs"/>
+      </a:defRPr>
+    </a:lvl7pPr>
+    <a:lvl8pPr marL="3200400" algn="l" defTabSz="914400" rtl="0" eaLnBrk="1" latinLnBrk="0" hangingPunct="1">
+      <a:defRPr sz="1200" kern="1200">
+        <a:solidFill>
+          <a:schemeClr val="tx1"/>
+        </a:solidFill>
+        <a:latin typeface="+mn-lt"/>
+        <a:ea typeface="+mn-ea"/>
+        <a:cs typeface="+mn-cs"/>
+      </a:defRPr>
+    </a:lvl8pPr>
+    <a:lvl9pPr marL="3657600" algn="l" defTabSz="914400" rtl="0" eaLnBrk="1" latinLnBrk="0" hangingPunct="1">
+      <a:defRPr sz="1200" kern="1200">
+        <a:solidFill>
+          <a:schemeClr val="tx1"/>
+        </a:solidFill>
+        <a:latin typeface="+mn-lt"/>
+        <a:ea typeface="+mn-ea"/>
+        <a:cs typeface="+mn-cs"/>
+      </a:defRPr>
+    </a:lvl9pPr>
+  </p:notesStyle>
+</p:notesMaster>
+</file>
+
+<file path=ppt/notesSlides/notesSlide1.xml><?xml version="1.0" encoding="utf-8"?>
+<p:notes xmlns:a="http://schemas.openxmlformats.org/drawingml/2006/main" xmlns:r="http://schemas.openxmlformats.org/officeDocument/2006/relationships" xmlns:p="http://schemas.openxmlformats.org/presentationml/2006/main">
+  <p:cSld>
+    <p:spTree>
+      <p:nvGrpSpPr>
+        <p:cNvPr id="1" name=""/>
+        <p:cNvGrpSpPr/>
+        <p:nvPr/>
+      </p:nvGrpSpPr>
+      <p:grpSpPr>
+        <a:xfrm>
+          <a:off x="0" y="0"/>
+          <a:ext cx="0" cy="0"/>
+          <a:chOff x="0" y="0"/>
+          <a:chExt cx="0" cy="0"/>
+        </a:xfrm>
+      </p:grpSpPr>
+      <p:sp>
+        <p:nvSpPr>
+          <p:cNvPr id="2" name="Slide Image Placeholder 1"/>
+          <p:cNvSpPr>
+            <a:spLocks noGrp="1" noRot="1" noChangeAspect="1"/>
+          </p:cNvSpPr>
+          <p:nvPr>
+            <p:ph type="sldImg"/>
+          </p:nvPr>
+        </p:nvSpPr>
+        <p:spPr/>
+      </p:sp>
+      <p:sp>
+        <p:nvSpPr>
+          <p:cNvPr id="3" name="Notes Placeholder 2"/>
+          <p:cNvSpPr>
+            <a:spLocks noGrp="1"/>
+          </p:cNvSpPr>
+          <p:nvPr>
+            <p:ph type="body" idx="1"/>
+          </p:nvPr>
+        </p:nvSpPr>
+        <p:spPr/>
+        <p:txBody>
+          <a:bodyPr/>
+          <a:lstStyle/>
+          <a:p>
+            <a:endParaRPr lang="en-US" dirty="0"/>
+          </a:p>
+        </p:txBody>
+      </p:sp>
+      <p:sp>
+        <p:nvSpPr>
+          <p:cNvPr id="4" name="Slide Number Placeholder 3"/>
+          <p:cNvSpPr>
+            <a:spLocks noGrp="1"/>
+          </p:cNvSpPr>
+          <p:nvPr>
+            <p:ph type="sldNum" sz="quarter" idx="5"/>
+          </p:nvPr>
+        </p:nvSpPr>
+        <p:spPr/>
+        <p:txBody>
+          <a:bodyPr/>
+          <a:lstStyle/>
+          <a:p>
+            <a:fld id="{AC5AF634-82CA-4179-ABDE-05BFF70A8F24}" type="slidenum">
+              <a:rPr lang="en-US" smtClean="0"/>
+              <a:t>13</a:t>
+            </a:fld>
+            <a:endParaRPr lang="en-US"/>
+          </a:p>
+        </p:txBody>
+      </p:sp>
+    </p:spTree>
+    <p:extLst>
+      <p:ext uri="{BB962C8B-B14F-4D97-AF65-F5344CB8AC3E}">
+        <p14:creationId xmlns:p14="http://schemas.microsoft.com/office/powerpoint/2010/main" val="1050758717"/>
+      </p:ext>
+    </p:extLst>
+  </p:cSld>
+  <p:clrMapOvr>
+    <a:masterClrMapping/>
+  </p:clrMapOvr>
+</p:notes>
+</file>
+
 <file path=ppt/slideLayouts/slideLayout1.xml><?xml version="1.0" encoding="utf-8"?>
 <p:sldLayout xmlns:a="http://schemas.openxmlformats.org/drawingml/2006/main" xmlns:r="http://schemas.openxmlformats.org/officeDocument/2006/relationships" xmlns:p="http://schemas.openxmlformats.org/presentationml/2006/main" type="title" preserve="1">
   <p:cSld name="Title Slide">
@@ -254,7 +692,7 @@
           <a:p>
             <a:fld id="{61C71226-6BCE-43B6-9B8C-D352B0229DA2}" type="datetimeFigureOut">
               <a:rPr lang="en-US" smtClean="0"/>
-              <a:t>9/10/2020</a:t>
+              <a:t>9/22/2020</a:t>
             </a:fld>
             <a:endParaRPr lang="en-US"/>
           </a:p>
@@ -424,7 +862,7 @@
           <a:p>
             <a:fld id="{61C71226-6BCE-43B6-9B8C-D352B0229DA2}" type="datetimeFigureOut">
               <a:rPr lang="en-US" smtClean="0"/>
-              <a:t>9/10/2020</a:t>
+              <a:t>9/22/2020</a:t>
             </a:fld>
             <a:endParaRPr lang="en-US"/>
           </a:p>
@@ -604,7 +1042,7 @@
           <a:p>
             <a:fld id="{61C71226-6BCE-43B6-9B8C-D352B0229DA2}" type="datetimeFigureOut">
               <a:rPr lang="en-US" smtClean="0"/>
-              <a:t>9/10/2020</a:t>
+              <a:t>9/22/2020</a:t>
             </a:fld>
             <a:endParaRPr lang="en-US"/>
           </a:p>
@@ -774,7 +1212,7 @@
           <a:p>
             <a:fld id="{61C71226-6BCE-43B6-9B8C-D352B0229DA2}" type="datetimeFigureOut">
               <a:rPr lang="en-US" smtClean="0"/>
-              <a:t>9/10/2020</a:t>
+              <a:t>9/22/2020</a:t>
             </a:fld>
             <a:endParaRPr lang="en-US"/>
           </a:p>
@@ -1018,7 +1456,7 @@
           <a:p>
             <a:fld id="{61C71226-6BCE-43B6-9B8C-D352B0229DA2}" type="datetimeFigureOut">
               <a:rPr lang="en-US" smtClean="0"/>
-              <a:t>9/10/2020</a:t>
+              <a:t>9/22/2020</a:t>
             </a:fld>
             <a:endParaRPr lang="en-US"/>
           </a:p>
@@ -1250,7 +1688,7 @@
           <a:p>
             <a:fld id="{61C71226-6BCE-43B6-9B8C-D352B0229DA2}" type="datetimeFigureOut">
               <a:rPr lang="en-US" smtClean="0"/>
-              <a:t>9/10/2020</a:t>
+              <a:t>9/22/2020</a:t>
             </a:fld>
             <a:endParaRPr lang="en-US"/>
           </a:p>
@@ -1617,7 +2055,7 @@
           <a:p>
             <a:fld id="{61C71226-6BCE-43B6-9B8C-D352B0229DA2}" type="datetimeFigureOut">
               <a:rPr lang="en-US" smtClean="0"/>
-              <a:t>9/10/2020</a:t>
+              <a:t>9/22/2020</a:t>
             </a:fld>
             <a:endParaRPr lang="en-US"/>
           </a:p>
@@ -1735,7 +2173,7 @@
           <a:p>
             <a:fld id="{61C71226-6BCE-43B6-9B8C-D352B0229DA2}" type="datetimeFigureOut">
               <a:rPr lang="en-US" smtClean="0"/>
-              <a:t>9/10/2020</a:t>
+              <a:t>9/22/2020</a:t>
             </a:fld>
             <a:endParaRPr lang="en-US"/>
           </a:p>
@@ -1830,7 +2268,7 @@
           <a:p>
             <a:fld id="{61C71226-6BCE-43B6-9B8C-D352B0229DA2}" type="datetimeFigureOut">
               <a:rPr lang="en-US" smtClean="0"/>
-              <a:t>9/10/2020</a:t>
+              <a:t>9/22/2020</a:t>
             </a:fld>
             <a:endParaRPr lang="en-US"/>
           </a:p>
@@ -2107,7 +2545,7 @@
           <a:p>
             <a:fld id="{61C71226-6BCE-43B6-9B8C-D352B0229DA2}" type="datetimeFigureOut">
               <a:rPr lang="en-US" smtClean="0"/>
-              <a:t>9/10/2020</a:t>
+              <a:t>9/22/2020</a:t>
             </a:fld>
             <a:endParaRPr lang="en-US"/>
           </a:p>
@@ -2364,7 +2802,7 @@
           <a:p>
             <a:fld id="{61C71226-6BCE-43B6-9B8C-D352B0229DA2}" type="datetimeFigureOut">
               <a:rPr lang="en-US" smtClean="0"/>
-              <a:t>9/10/2020</a:t>
+              <a:t>9/22/2020</a:t>
             </a:fld>
             <a:endParaRPr lang="en-US"/>
           </a:p>
@@ -2577,7 +3015,7 @@
           <a:p>
             <a:fld id="{61C71226-6BCE-43B6-9B8C-D352B0229DA2}" type="datetimeFigureOut">
               <a:rPr lang="en-US" smtClean="0"/>
-              <a:t>9/10/2020</a:t>
+              <a:t>9/22/2020</a:t>
             </a:fld>
             <a:endParaRPr lang="en-US"/>
           </a:p>
@@ -4772,7 +5210,7 @@
           <a:graphicData uri="http://schemas.openxmlformats.org/presentationml/2006/ole">
             <mc:AlternateContent xmlns:mc="http://schemas.openxmlformats.org/markup-compatibility/2006">
               <mc:Choice xmlns:v="urn:schemas-microsoft-com:vml" Requires="v">
-                <p:oleObj spid="_x0000_s1037" name="Equation" r:id="rId4" imgW="914400" imgH="198720" progId="Equation.DSMT4">
+                <p:oleObj spid="_x0000_s1040" name="Equation" r:id="rId4" imgW="914400" imgH="198720" progId="Equation.DSMT4">
                   <p:embed/>
                 </p:oleObj>
               </mc:Choice>
@@ -8015,8 +8453,8 @@
           <a:chExt cx="0" cy="0"/>
         </a:xfrm>
       </p:grpSpPr>
-      <mc:AlternateContent xmlns:mc="http://schemas.openxmlformats.org/markup-compatibility/2006">
-        <mc:Choice xmlns:a14="http://schemas.microsoft.com/office/drawing/2010/main" Requires="a14">
+      <mc:AlternateContent xmlns:mc="http://schemas.openxmlformats.org/markup-compatibility/2006" xmlns:a14="http://schemas.microsoft.com/office/drawing/2010/main">
+        <mc:Choice Requires="a14">
           <p:sp>
             <p:nvSpPr>
               <p:cNvPr id="4" name="Rectangle: Rounded Corners 3">
@@ -8114,7 +8552,7 @@
             </p:txBody>
           </p:sp>
         </mc:Choice>
-        <mc:Fallback>
+        <mc:Fallback xmlns="">
           <p:sp>
             <p:nvSpPr>
               <p:cNvPr id="4" name="Rectangle: Rounded Corners 3">
@@ -8244,8 +8682,8 @@
           </a:p>
         </p:txBody>
       </p:sp>
-      <mc:AlternateContent xmlns:mc="http://schemas.openxmlformats.org/markup-compatibility/2006">
-        <mc:Choice xmlns:a14="http://schemas.microsoft.com/office/drawing/2010/main" Requires="a14">
+      <mc:AlternateContent xmlns:mc="http://schemas.openxmlformats.org/markup-compatibility/2006" xmlns:a14="http://schemas.microsoft.com/office/drawing/2010/main">
+        <mc:Choice Requires="a14">
           <p:sp>
             <p:nvSpPr>
               <p:cNvPr id="7" name="Rectangle: Rounded Corners 6">
@@ -8343,7 +8781,7 @@
             </p:txBody>
           </p:sp>
         </mc:Choice>
-        <mc:Fallback>
+        <mc:Fallback xmlns="">
           <p:sp>
             <p:nvSpPr>
               <p:cNvPr id="7" name="Rectangle: Rounded Corners 6">
@@ -8443,8 +8881,8 @@
           </a:p>
         </p:txBody>
       </p:sp>
-      <mc:AlternateContent xmlns:mc="http://schemas.openxmlformats.org/markup-compatibility/2006">
-        <mc:Choice xmlns:a14="http://schemas.microsoft.com/office/drawing/2010/main" Requires="a14">
+      <mc:AlternateContent xmlns:mc="http://schemas.openxmlformats.org/markup-compatibility/2006" xmlns:a14="http://schemas.microsoft.com/office/drawing/2010/main">
+        <mc:Choice Requires="a14">
           <p:sp>
             <p:nvSpPr>
               <p:cNvPr id="9" name="Rectangle: Rounded Corners 8">
@@ -8542,7 +8980,7 @@
             </p:txBody>
           </p:sp>
         </mc:Choice>
-        <mc:Fallback>
+        <mc:Fallback xmlns="">
           <p:sp>
             <p:nvSpPr>
               <p:cNvPr id="9" name="Rectangle: Rounded Corners 8">
@@ -9056,8 +9494,8 @@
           </a:fontRef>
         </p:style>
       </p:cxnSp>
-      <mc:AlternateContent xmlns:mc="http://schemas.openxmlformats.org/markup-compatibility/2006">
-        <mc:Choice xmlns:a14="http://schemas.microsoft.com/office/drawing/2010/main" Requires="a14">
+      <mc:AlternateContent xmlns:mc="http://schemas.openxmlformats.org/markup-compatibility/2006" xmlns:a14="http://schemas.microsoft.com/office/drawing/2010/main">
+        <mc:Choice Requires="a14">
           <p:sp>
             <p:nvSpPr>
               <p:cNvPr id="40" name="TextBox 39">
@@ -9086,6 +9524,7 @@
               </a:bodyPr>
               <a:lstStyle/>
               <a:p>
+                <a:pPr/>
                 <a14:m>
                   <m:oMathPara xmlns:m="http://schemas.openxmlformats.org/officeDocument/2006/math">
                     <m:oMathParaPr>
@@ -9106,7 +9545,7 @@
             </p:txBody>
           </p:sp>
         </mc:Choice>
-        <mc:Fallback>
+        <mc:Fallback xmlns="">
           <p:sp>
             <p:nvSpPr>
               <p:cNvPr id="40" name="TextBox 39">
@@ -9328,8 +9767,8 @@
           </a:fontRef>
         </p:style>
       </p:cxnSp>
-      <mc:AlternateContent xmlns:mc="http://schemas.openxmlformats.org/markup-compatibility/2006">
-        <mc:Choice xmlns:a14="http://schemas.microsoft.com/office/drawing/2010/main" Requires="a14">
+      <mc:AlternateContent xmlns:mc="http://schemas.openxmlformats.org/markup-compatibility/2006" xmlns:a14="http://schemas.microsoft.com/office/drawing/2010/main">
+        <mc:Choice Requires="a14">
           <p:sp>
             <p:nvSpPr>
               <p:cNvPr id="73" name="Rectangle: Rounded Corners 72">
@@ -9427,7 +9866,7 @@
             </p:txBody>
           </p:sp>
         </mc:Choice>
-        <mc:Fallback>
+        <mc:Fallback xmlns="">
           <p:sp>
             <p:nvSpPr>
               <p:cNvPr id="73" name="Rectangle: Rounded Corners 72">
@@ -9557,8 +9996,8 @@
           </a:p>
         </p:txBody>
       </p:sp>
-      <mc:AlternateContent xmlns:mc="http://schemas.openxmlformats.org/markup-compatibility/2006">
-        <mc:Choice xmlns:a14="http://schemas.microsoft.com/office/drawing/2010/main" Requires="a14">
+      <mc:AlternateContent xmlns:mc="http://schemas.openxmlformats.org/markup-compatibility/2006" xmlns:a14="http://schemas.microsoft.com/office/drawing/2010/main">
+        <mc:Choice Requires="a14">
           <p:sp>
             <p:nvSpPr>
               <p:cNvPr id="76" name="Rectangle: Rounded Corners 75">
@@ -9656,7 +10095,7 @@
             </p:txBody>
           </p:sp>
         </mc:Choice>
-        <mc:Fallback>
+        <mc:Fallback xmlns="">
           <p:sp>
             <p:nvSpPr>
               <p:cNvPr id="76" name="Rectangle: Rounded Corners 75">
@@ -9756,8 +10195,8 @@
           </a:p>
         </p:txBody>
       </p:sp>
-      <mc:AlternateContent xmlns:mc="http://schemas.openxmlformats.org/markup-compatibility/2006">
-        <mc:Choice xmlns:a14="http://schemas.microsoft.com/office/drawing/2010/main" Requires="a14">
+      <mc:AlternateContent xmlns:mc="http://schemas.openxmlformats.org/markup-compatibility/2006" xmlns:a14="http://schemas.microsoft.com/office/drawing/2010/main">
+        <mc:Choice Requires="a14">
           <p:sp>
             <p:nvSpPr>
               <p:cNvPr id="78" name="Rectangle: Rounded Corners 77">
@@ -9855,7 +10294,7 @@
             </p:txBody>
           </p:sp>
         </mc:Choice>
-        <mc:Fallback>
+        <mc:Fallback xmlns="">
           <p:sp>
             <p:nvSpPr>
               <p:cNvPr id="78" name="Rectangle: Rounded Corners 77">
@@ -10234,8 +10673,8 @@
           </a:fontRef>
         </p:style>
       </p:cxnSp>
-      <mc:AlternateContent xmlns:mc="http://schemas.openxmlformats.org/markup-compatibility/2006">
-        <mc:Choice xmlns:a14="http://schemas.microsoft.com/office/drawing/2010/main" Requires="a14">
+      <mc:AlternateContent xmlns:mc="http://schemas.openxmlformats.org/markup-compatibility/2006" xmlns:a14="http://schemas.microsoft.com/office/drawing/2010/main">
+        <mc:Choice Requires="a14">
           <p:sp>
             <p:nvSpPr>
               <p:cNvPr id="86" name="TextBox 85">
@@ -10264,6 +10703,7 @@
               </a:bodyPr>
               <a:lstStyle/>
               <a:p>
+                <a:pPr/>
                 <a14:m>
                   <m:oMathPara xmlns:m="http://schemas.openxmlformats.org/officeDocument/2006/math">
                     <m:oMathParaPr>
@@ -10284,7 +10724,7 @@
             </p:txBody>
           </p:sp>
         </mc:Choice>
-        <mc:Fallback>
+        <mc:Fallback xmlns="">
           <p:sp>
             <p:nvSpPr>
               <p:cNvPr id="86" name="TextBox 85">
@@ -10547,6 +10987,2353 @@
     <p:extLst>
       <p:ext uri="{BB962C8B-B14F-4D97-AF65-F5344CB8AC3E}">
         <p14:creationId xmlns:p14="http://schemas.microsoft.com/office/powerpoint/2010/main" val="920302315"/>
+      </p:ext>
+    </p:extLst>
+  </p:cSld>
+  <p:clrMapOvr>
+    <a:masterClrMapping/>
+  </p:clrMapOvr>
+</p:sld>
+</file>
+
+<file path=ppt/slides/slide13.xml><?xml version="1.0" encoding="utf-8"?>
+<p:sld xmlns:a="http://schemas.openxmlformats.org/drawingml/2006/main" xmlns:r="http://schemas.openxmlformats.org/officeDocument/2006/relationships" xmlns:p="http://schemas.openxmlformats.org/presentationml/2006/main">
+  <p:cSld>
+    <p:spTree>
+      <p:nvGrpSpPr>
+        <p:cNvPr id="1" name=""/>
+        <p:cNvGrpSpPr/>
+        <p:nvPr/>
+      </p:nvGrpSpPr>
+      <p:grpSpPr>
+        <a:xfrm>
+          <a:off x="0" y="0"/>
+          <a:ext cx="0" cy="0"/>
+          <a:chOff x="0" y="0"/>
+          <a:chExt cx="0" cy="0"/>
+        </a:xfrm>
+      </p:grpSpPr>
+      <p:sp>
+        <p:nvSpPr>
+          <p:cNvPr id="95" name="Rectangle: Rounded Corners 94">
+            <a:extLst>
+              <a:ext uri="{FF2B5EF4-FFF2-40B4-BE49-F238E27FC236}">
+                <a16:creationId xmlns:a16="http://schemas.microsoft.com/office/drawing/2014/main" id="{D5762E53-FFB9-49E9-AF3D-44FF3AB4A8D4}"/>
+              </a:ext>
+            </a:extLst>
+          </p:cNvPr>
+          <p:cNvSpPr/>
+          <p:nvPr/>
+        </p:nvSpPr>
+        <p:spPr>
+          <a:xfrm>
+            <a:off x="5139820" y="6959016"/>
+            <a:ext cx="1911772" cy="1592903"/>
+          </a:xfrm>
+          <a:prstGeom prst="roundRect">
+            <a:avLst/>
+          </a:prstGeom>
+          <a:solidFill>
+            <a:schemeClr val="accent1">
+              <a:lumMod val="20000"/>
+              <a:lumOff val="80000"/>
+            </a:schemeClr>
+          </a:solidFill>
+          <a:ln>
+            <a:noFill/>
+          </a:ln>
+        </p:spPr>
+        <p:style>
+          <a:lnRef idx="2">
+            <a:schemeClr val="accent1">
+              <a:shade val="50000"/>
+            </a:schemeClr>
+          </a:lnRef>
+          <a:fillRef idx="1">
+            <a:schemeClr val="accent1"/>
+          </a:fillRef>
+          <a:effectRef idx="0">
+            <a:schemeClr val="accent1"/>
+          </a:effectRef>
+          <a:fontRef idx="minor">
+            <a:schemeClr val="lt1"/>
+          </a:fontRef>
+        </p:style>
+        <p:txBody>
+          <a:bodyPr rtlCol="0" anchor="ctr"/>
+          <a:lstStyle/>
+          <a:p>
+            <a:pPr algn="ctr"/>
+            <a:endParaRPr lang="en-US"/>
+          </a:p>
+        </p:txBody>
+      </p:sp>
+      <p:grpSp>
+        <p:nvGrpSpPr>
+          <p:cNvPr id="76" name="Group 75">
+            <a:extLst>
+              <a:ext uri="{FF2B5EF4-FFF2-40B4-BE49-F238E27FC236}">
+                <a16:creationId xmlns:a16="http://schemas.microsoft.com/office/drawing/2014/main" id="{B808B495-4654-4BB3-A94E-4E10553CF528}"/>
+              </a:ext>
+            </a:extLst>
+          </p:cNvPr>
+          <p:cNvGrpSpPr/>
+          <p:nvPr/>
+        </p:nvGrpSpPr>
+        <p:grpSpPr>
+          <a:xfrm>
+            <a:off x="2544624" y="184282"/>
+            <a:ext cx="9313810" cy="6070877"/>
+            <a:chOff x="1647115" y="175395"/>
+            <a:chExt cx="10412730" cy="6787169"/>
+          </a:xfrm>
+        </p:grpSpPr>
+        <p:sp>
+          <p:nvSpPr>
+            <p:cNvPr id="4" name="Rectangle: Rounded Corners 3">
+              <a:extLst>
+                <a:ext uri="{FF2B5EF4-FFF2-40B4-BE49-F238E27FC236}">
+                  <a16:creationId xmlns:a16="http://schemas.microsoft.com/office/drawing/2014/main" id="{177DC451-D59E-4951-806F-033E7753A608}"/>
+                </a:ext>
+              </a:extLst>
+            </p:cNvPr>
+            <p:cNvSpPr/>
+            <p:nvPr/>
+          </p:nvSpPr>
+          <p:spPr>
+            <a:xfrm>
+              <a:off x="1647115" y="196004"/>
+              <a:ext cx="2152650" cy="6766560"/>
+            </a:xfrm>
+            <a:prstGeom prst="roundRect">
+              <a:avLst/>
+            </a:prstGeom>
+            <a:solidFill>
+              <a:schemeClr val="bg2">
+                <a:lumMod val="90000"/>
+              </a:schemeClr>
+            </a:solidFill>
+            <a:ln>
+              <a:noFill/>
+            </a:ln>
+          </p:spPr>
+          <p:style>
+            <a:lnRef idx="2">
+              <a:schemeClr val="accent1">
+                <a:shade val="50000"/>
+              </a:schemeClr>
+            </a:lnRef>
+            <a:fillRef idx="1">
+              <a:schemeClr val="accent1"/>
+            </a:fillRef>
+            <a:effectRef idx="0">
+              <a:schemeClr val="accent1"/>
+            </a:effectRef>
+            <a:fontRef idx="minor">
+              <a:schemeClr val="lt1"/>
+            </a:fontRef>
+          </p:style>
+          <p:txBody>
+            <a:bodyPr rtlCol="0" anchor="ctr"/>
+            <a:lstStyle/>
+            <a:p>
+              <a:pPr algn="ctr"/>
+              <a:endParaRPr lang="en-US" dirty="0"/>
+            </a:p>
+          </p:txBody>
+        </p:sp>
+        <p:sp>
+          <p:nvSpPr>
+            <p:cNvPr id="19" name="Oval 18">
+              <a:extLst>
+                <a:ext uri="{FF2B5EF4-FFF2-40B4-BE49-F238E27FC236}">
+                  <a16:creationId xmlns:a16="http://schemas.microsoft.com/office/drawing/2014/main" id="{0574C56D-2C1C-4AAB-BBC8-7EA6961ECA8B}"/>
+                </a:ext>
+              </a:extLst>
+            </p:cNvPr>
+            <p:cNvSpPr/>
+            <p:nvPr/>
+          </p:nvSpPr>
+          <p:spPr>
+            <a:xfrm>
+              <a:off x="2607235" y="5139276"/>
+              <a:ext cx="171450" cy="171450"/>
+            </a:xfrm>
+            <a:prstGeom prst="ellipse">
+              <a:avLst/>
+            </a:prstGeom>
+            <a:solidFill>
+              <a:schemeClr val="tx1"/>
+            </a:solidFill>
+            <a:ln>
+              <a:noFill/>
+            </a:ln>
+          </p:spPr>
+          <p:style>
+            <a:lnRef idx="2">
+              <a:schemeClr val="accent1">
+                <a:shade val="50000"/>
+              </a:schemeClr>
+            </a:lnRef>
+            <a:fillRef idx="1">
+              <a:schemeClr val="accent1"/>
+            </a:fillRef>
+            <a:effectRef idx="0">
+              <a:schemeClr val="accent1"/>
+            </a:effectRef>
+            <a:fontRef idx="minor">
+              <a:schemeClr val="lt1"/>
+            </a:fontRef>
+          </p:style>
+          <p:txBody>
+            <a:bodyPr rtlCol="0" anchor="ctr"/>
+            <a:lstStyle/>
+            <a:p>
+              <a:pPr algn="ctr"/>
+              <a:endParaRPr lang="en-US"/>
+            </a:p>
+          </p:txBody>
+        </p:sp>
+        <p:sp>
+          <p:nvSpPr>
+            <p:cNvPr id="23" name="Oval 22">
+              <a:extLst>
+                <a:ext uri="{FF2B5EF4-FFF2-40B4-BE49-F238E27FC236}">
+                  <a16:creationId xmlns:a16="http://schemas.microsoft.com/office/drawing/2014/main" id="{9488AA63-0F33-4664-B8FE-AB56C85741B0}"/>
+                </a:ext>
+              </a:extLst>
+            </p:cNvPr>
+            <p:cNvSpPr/>
+            <p:nvPr/>
+          </p:nvSpPr>
+          <p:spPr>
+            <a:xfrm>
+              <a:off x="2607235" y="704356"/>
+              <a:ext cx="171450" cy="171450"/>
+            </a:xfrm>
+            <a:prstGeom prst="ellipse">
+              <a:avLst/>
+            </a:prstGeom>
+            <a:solidFill>
+              <a:schemeClr val="tx1"/>
+            </a:solidFill>
+            <a:ln>
+              <a:noFill/>
+            </a:ln>
+          </p:spPr>
+          <p:style>
+            <a:lnRef idx="2">
+              <a:schemeClr val="accent1">
+                <a:shade val="50000"/>
+              </a:schemeClr>
+            </a:lnRef>
+            <a:fillRef idx="1">
+              <a:schemeClr val="accent1"/>
+            </a:fillRef>
+            <a:effectRef idx="0">
+              <a:schemeClr val="accent1"/>
+            </a:effectRef>
+            <a:fontRef idx="minor">
+              <a:schemeClr val="lt1"/>
+            </a:fontRef>
+          </p:style>
+          <p:txBody>
+            <a:bodyPr rtlCol="0" anchor="ctr"/>
+            <a:lstStyle/>
+            <a:p>
+              <a:pPr algn="ctr"/>
+              <a:endParaRPr lang="en-US"/>
+            </a:p>
+          </p:txBody>
+        </p:sp>
+        <p:sp>
+          <p:nvSpPr>
+            <p:cNvPr id="18" name="TextBox 17">
+              <a:extLst>
+                <a:ext uri="{FF2B5EF4-FFF2-40B4-BE49-F238E27FC236}">
+                  <a16:creationId xmlns:a16="http://schemas.microsoft.com/office/drawing/2014/main" id="{B46FA457-00C6-4E88-97AD-651E0ED39D9E}"/>
+                </a:ext>
+              </a:extLst>
+            </p:cNvPr>
+            <p:cNvSpPr txBox="1"/>
+            <p:nvPr/>
+          </p:nvSpPr>
+          <p:spPr>
+            <a:xfrm>
+              <a:off x="1957833" y="5615604"/>
+              <a:ext cx="1477082" cy="584954"/>
+            </a:xfrm>
+            <a:prstGeom prst="rect">
+              <a:avLst/>
+            </a:prstGeom>
+            <a:noFill/>
+          </p:spPr>
+          <p:txBody>
+            <a:bodyPr wrap="none" rtlCol="0">
+              <a:spAutoFit/>
+            </a:bodyPr>
+            <a:lstStyle/>
+            <a:p>
+              <a:r>
+                <a:rPr lang="en-US" sz="2800" dirty="0">
+                  <a:latin typeface="+mj-lt"/>
+                </a:rPr>
+                <a:t>z = x * y</a:t>
+              </a:r>
+            </a:p>
+          </p:txBody>
+        </p:sp>
+        <p:sp>
+          <p:nvSpPr>
+            <p:cNvPr id="29" name="TextBox 28">
+              <a:extLst>
+                <a:ext uri="{FF2B5EF4-FFF2-40B4-BE49-F238E27FC236}">
+                  <a16:creationId xmlns:a16="http://schemas.microsoft.com/office/drawing/2014/main" id="{12EDD2EA-E178-4C3C-B4E1-7E1C709F8323}"/>
+                </a:ext>
+              </a:extLst>
+            </p:cNvPr>
+            <p:cNvSpPr txBox="1"/>
+            <p:nvPr/>
+          </p:nvSpPr>
+          <p:spPr>
+            <a:xfrm>
+              <a:off x="1970104" y="6126588"/>
+              <a:ext cx="1477082" cy="584954"/>
+            </a:xfrm>
+            <a:prstGeom prst="rect">
+              <a:avLst/>
+            </a:prstGeom>
+            <a:noFill/>
+          </p:spPr>
+          <p:txBody>
+            <a:bodyPr wrap="none" rtlCol="0">
+              <a:spAutoFit/>
+            </a:bodyPr>
+            <a:lstStyle/>
+            <a:p>
+              <a:r>
+                <a:rPr lang="en-US" sz="2800" dirty="0">
+                  <a:latin typeface="+mj-lt"/>
+                </a:rPr>
+                <a:t>z = x + y</a:t>
+              </a:r>
+            </a:p>
+          </p:txBody>
+        </p:sp>
+        <p:sp>
+          <p:nvSpPr>
+            <p:cNvPr id="42" name="Rectangle: Rounded Corners 41">
+              <a:extLst>
+                <a:ext uri="{FF2B5EF4-FFF2-40B4-BE49-F238E27FC236}">
+                  <a16:creationId xmlns:a16="http://schemas.microsoft.com/office/drawing/2014/main" id="{24EF2AAC-F00B-44D4-BA71-E871D7156CB9}"/>
+                </a:ext>
+              </a:extLst>
+            </p:cNvPr>
+            <p:cNvSpPr/>
+            <p:nvPr/>
+          </p:nvSpPr>
+          <p:spPr>
+            <a:xfrm>
+              <a:off x="4551688" y="196004"/>
+              <a:ext cx="2152650" cy="6766560"/>
+            </a:xfrm>
+            <a:prstGeom prst="roundRect">
+              <a:avLst/>
+            </a:prstGeom>
+            <a:solidFill>
+              <a:schemeClr val="bg2">
+                <a:lumMod val="90000"/>
+              </a:schemeClr>
+            </a:solidFill>
+            <a:ln>
+              <a:noFill/>
+            </a:ln>
+          </p:spPr>
+          <p:style>
+            <a:lnRef idx="2">
+              <a:schemeClr val="accent1">
+                <a:shade val="50000"/>
+              </a:schemeClr>
+            </a:lnRef>
+            <a:fillRef idx="1">
+              <a:schemeClr val="accent1"/>
+            </a:fillRef>
+            <a:effectRef idx="0">
+              <a:schemeClr val="accent1"/>
+            </a:effectRef>
+            <a:fontRef idx="minor">
+              <a:schemeClr val="lt1"/>
+            </a:fontRef>
+          </p:style>
+          <p:txBody>
+            <a:bodyPr rtlCol="0" anchor="ctr"/>
+            <a:lstStyle/>
+            <a:p>
+              <a:pPr algn="ctr"/>
+              <a:endParaRPr lang="en-US" dirty="0"/>
+            </a:p>
+          </p:txBody>
+        </p:sp>
+        <p:sp>
+          <p:nvSpPr>
+            <p:cNvPr id="48" name="TextBox 47">
+              <a:extLst>
+                <a:ext uri="{FF2B5EF4-FFF2-40B4-BE49-F238E27FC236}">
+                  <a16:creationId xmlns:a16="http://schemas.microsoft.com/office/drawing/2014/main" id="{A2139EB0-3BAE-441D-8353-03253F543471}"/>
+                </a:ext>
+              </a:extLst>
+            </p:cNvPr>
+            <p:cNvSpPr txBox="1"/>
+            <p:nvPr/>
+          </p:nvSpPr>
+          <p:spPr>
+            <a:xfrm>
+              <a:off x="4816969" y="5610510"/>
+              <a:ext cx="1545183" cy="584954"/>
+            </a:xfrm>
+            <a:prstGeom prst="rect">
+              <a:avLst/>
+            </a:prstGeom>
+            <a:noFill/>
+          </p:spPr>
+          <p:txBody>
+            <a:bodyPr wrap="none" rtlCol="0">
+              <a:spAutoFit/>
+            </a:bodyPr>
+            <a:lstStyle/>
+            <a:p>
+              <a:r>
+                <a:rPr lang="en-US" sz="2800" dirty="0">
+                  <a:latin typeface="+mj-lt"/>
+                </a:rPr>
+                <a:t>y = A * x</a:t>
+              </a:r>
+            </a:p>
+          </p:txBody>
+        </p:sp>
+        <p:sp>
+          <p:nvSpPr>
+            <p:cNvPr id="52" name="TextBox 51">
+              <a:extLst>
+                <a:ext uri="{FF2B5EF4-FFF2-40B4-BE49-F238E27FC236}">
+                  <a16:creationId xmlns:a16="http://schemas.microsoft.com/office/drawing/2014/main" id="{0C2947E9-A9FA-4B44-A1E7-911B2FEE13FF}"/>
+                </a:ext>
+              </a:extLst>
+            </p:cNvPr>
+            <p:cNvSpPr txBox="1"/>
+            <p:nvPr/>
+          </p:nvSpPr>
+          <p:spPr>
+            <a:xfrm>
+              <a:off x="4848227" y="6121220"/>
+              <a:ext cx="1489625" cy="584954"/>
+            </a:xfrm>
+            <a:prstGeom prst="rect">
+              <a:avLst/>
+            </a:prstGeom>
+            <a:noFill/>
+          </p:spPr>
+          <p:txBody>
+            <a:bodyPr wrap="none" rtlCol="0">
+              <a:spAutoFit/>
+            </a:bodyPr>
+            <a:lstStyle/>
+            <a:p>
+              <a:r>
+                <a:rPr lang="en-US" sz="2800" dirty="0">
+                  <a:latin typeface="+mj-lt"/>
+                </a:rPr>
+                <a:t>y = A \ x</a:t>
+              </a:r>
+            </a:p>
+          </p:txBody>
+        </p:sp>
+        <p:sp>
+          <p:nvSpPr>
+            <p:cNvPr id="57" name="Oval 56">
+              <a:extLst>
+                <a:ext uri="{FF2B5EF4-FFF2-40B4-BE49-F238E27FC236}">
+                  <a16:creationId xmlns:a16="http://schemas.microsoft.com/office/drawing/2014/main" id="{78F49F83-3722-4D5B-89E3-20EDC923315D}"/>
+                </a:ext>
+              </a:extLst>
+            </p:cNvPr>
+            <p:cNvSpPr/>
+            <p:nvPr/>
+          </p:nvSpPr>
+          <p:spPr>
+            <a:xfrm>
+              <a:off x="5353141" y="529694"/>
+              <a:ext cx="457469" cy="457469"/>
+            </a:xfrm>
+            <a:prstGeom prst="ellipse">
+              <a:avLst/>
+            </a:prstGeom>
+            <a:solidFill>
+              <a:schemeClr val="bg1"/>
+            </a:solidFill>
+            <a:ln w="38100">
+              <a:solidFill>
+                <a:schemeClr val="tx1"/>
+              </a:solidFill>
+            </a:ln>
+          </p:spPr>
+          <p:style>
+            <a:lnRef idx="2">
+              <a:schemeClr val="accent1">
+                <a:shade val="50000"/>
+              </a:schemeClr>
+            </a:lnRef>
+            <a:fillRef idx="1">
+              <a:schemeClr val="accent1"/>
+            </a:fillRef>
+            <a:effectRef idx="0">
+              <a:schemeClr val="accent1"/>
+            </a:effectRef>
+            <a:fontRef idx="minor">
+              <a:schemeClr val="lt1"/>
+            </a:fontRef>
+          </p:style>
+          <p:txBody>
+            <a:bodyPr rtlCol="0" anchor="ctr"/>
+            <a:lstStyle/>
+            <a:p>
+              <a:pPr algn="ctr"/>
+              <a:endParaRPr lang="en-US"/>
+            </a:p>
+          </p:txBody>
+        </p:sp>
+        <p:sp>
+          <p:nvSpPr>
+            <p:cNvPr id="62" name="Oval 61">
+              <a:extLst>
+                <a:ext uri="{FF2B5EF4-FFF2-40B4-BE49-F238E27FC236}">
+                  <a16:creationId xmlns:a16="http://schemas.microsoft.com/office/drawing/2014/main" id="{0F2C6CB3-09A1-419F-9C92-12BE70C9B59C}"/>
+                </a:ext>
+              </a:extLst>
+            </p:cNvPr>
+            <p:cNvSpPr/>
+            <p:nvPr/>
+          </p:nvSpPr>
+          <p:spPr>
+            <a:xfrm>
+              <a:off x="5353139" y="4951298"/>
+              <a:ext cx="457469" cy="457469"/>
+            </a:xfrm>
+            <a:prstGeom prst="ellipse">
+              <a:avLst/>
+            </a:prstGeom>
+            <a:solidFill>
+              <a:schemeClr val="bg1"/>
+            </a:solidFill>
+            <a:ln w="38100">
+              <a:solidFill>
+                <a:schemeClr val="tx1"/>
+              </a:solidFill>
+            </a:ln>
+          </p:spPr>
+          <p:style>
+            <a:lnRef idx="2">
+              <a:schemeClr val="accent1">
+                <a:shade val="50000"/>
+              </a:schemeClr>
+            </a:lnRef>
+            <a:fillRef idx="1">
+              <a:schemeClr val="accent1"/>
+            </a:fillRef>
+            <a:effectRef idx="0">
+              <a:schemeClr val="accent1"/>
+            </a:effectRef>
+            <a:fontRef idx="minor">
+              <a:schemeClr val="lt1"/>
+            </a:fontRef>
+          </p:style>
+          <p:txBody>
+            <a:bodyPr rtlCol="0" anchor="ctr"/>
+            <a:lstStyle/>
+            <a:p>
+              <a:pPr algn="ctr"/>
+              <a:endParaRPr lang="en-US"/>
+            </a:p>
+          </p:txBody>
+        </p:sp>
+        <p:sp>
+          <p:nvSpPr>
+            <p:cNvPr id="65" name="Rectangle: Rounded Corners 64">
+              <a:extLst>
+                <a:ext uri="{FF2B5EF4-FFF2-40B4-BE49-F238E27FC236}">
+                  <a16:creationId xmlns:a16="http://schemas.microsoft.com/office/drawing/2014/main" id="{7B927C4D-D544-4B1E-864C-49FDC58DD5A5}"/>
+                </a:ext>
+              </a:extLst>
+            </p:cNvPr>
+            <p:cNvSpPr/>
+            <p:nvPr/>
+          </p:nvSpPr>
+          <p:spPr>
+            <a:xfrm>
+              <a:off x="7578733" y="175395"/>
+              <a:ext cx="4481112" cy="6766560"/>
+            </a:xfrm>
+            <a:prstGeom prst="roundRect">
+              <a:avLst/>
+            </a:prstGeom>
+            <a:solidFill>
+              <a:schemeClr val="bg2">
+                <a:lumMod val="90000"/>
+              </a:schemeClr>
+            </a:solidFill>
+            <a:ln>
+              <a:noFill/>
+            </a:ln>
+          </p:spPr>
+          <p:style>
+            <a:lnRef idx="2">
+              <a:schemeClr val="accent1">
+                <a:shade val="50000"/>
+              </a:schemeClr>
+            </a:lnRef>
+            <a:fillRef idx="1">
+              <a:schemeClr val="accent1"/>
+            </a:fillRef>
+            <a:effectRef idx="0">
+              <a:schemeClr val="accent1"/>
+            </a:effectRef>
+            <a:fontRef idx="minor">
+              <a:schemeClr val="lt1"/>
+            </a:fontRef>
+          </p:style>
+          <p:txBody>
+            <a:bodyPr rtlCol="0" anchor="ctr"/>
+            <a:lstStyle/>
+            <a:p>
+              <a:pPr algn="ctr"/>
+              <a:endParaRPr lang="en-US" dirty="0"/>
+            </a:p>
+          </p:txBody>
+        </p:sp>
+        <p:sp>
+          <p:nvSpPr>
+            <p:cNvPr id="64" name="Rectangle: Rounded Corners 63">
+              <a:extLst>
+                <a:ext uri="{FF2B5EF4-FFF2-40B4-BE49-F238E27FC236}">
+                  <a16:creationId xmlns:a16="http://schemas.microsoft.com/office/drawing/2014/main" id="{98FE5EF7-1A78-4AA8-83CE-1D8302A75D8D}"/>
+                </a:ext>
+              </a:extLst>
+            </p:cNvPr>
+            <p:cNvSpPr/>
+            <p:nvPr/>
+          </p:nvSpPr>
+          <p:spPr>
+            <a:xfrm>
+              <a:off x="1647115" y="1953573"/>
+              <a:ext cx="10412730" cy="2205316"/>
+            </a:xfrm>
+            <a:prstGeom prst="roundRect">
+              <a:avLst/>
+            </a:prstGeom>
+            <a:solidFill>
+              <a:schemeClr val="bg2">
+                <a:lumMod val="50000"/>
+                <a:alpha val="52000"/>
+              </a:schemeClr>
+            </a:solidFill>
+            <a:ln>
+              <a:noFill/>
+            </a:ln>
+          </p:spPr>
+          <p:style>
+            <a:lnRef idx="2">
+              <a:schemeClr val="accent1">
+                <a:shade val="50000"/>
+              </a:schemeClr>
+            </a:lnRef>
+            <a:fillRef idx="1">
+              <a:schemeClr val="accent1"/>
+            </a:fillRef>
+            <a:effectRef idx="0">
+              <a:schemeClr val="accent1"/>
+            </a:effectRef>
+            <a:fontRef idx="minor">
+              <a:schemeClr val="lt1"/>
+            </a:fontRef>
+          </p:style>
+          <p:txBody>
+            <a:bodyPr rtlCol="0" anchor="ctr"/>
+            <a:lstStyle/>
+            <a:p>
+              <a:pPr algn="ctr"/>
+              <a:endParaRPr lang="en-US" dirty="0"/>
+            </a:p>
+          </p:txBody>
+        </p:sp>
+        <p:sp>
+          <p:nvSpPr>
+            <p:cNvPr id="71" name="TextBox 70">
+              <a:extLst>
+                <a:ext uri="{FF2B5EF4-FFF2-40B4-BE49-F238E27FC236}">
+                  <a16:creationId xmlns:a16="http://schemas.microsoft.com/office/drawing/2014/main" id="{8EE69F5A-4BED-4CF4-B5C9-8A7201C49ACD}"/>
+                </a:ext>
+              </a:extLst>
+            </p:cNvPr>
+            <p:cNvSpPr txBox="1"/>
+            <p:nvPr/>
+          </p:nvSpPr>
+          <p:spPr>
+            <a:xfrm>
+              <a:off x="7821438" y="5691079"/>
+              <a:ext cx="4238407" cy="1066680"/>
+            </a:xfrm>
+            <a:prstGeom prst="rect">
+              <a:avLst/>
+            </a:prstGeom>
+            <a:noFill/>
+          </p:spPr>
+          <p:txBody>
+            <a:bodyPr wrap="none" rtlCol="0">
+              <a:spAutoFit/>
+            </a:bodyPr>
+            <a:lstStyle/>
+            <a:p>
+              <a:r>
+                <a:rPr lang="en-US" sz="2800" dirty="0">
+                  <a:latin typeface="+mj-lt"/>
+                </a:rPr>
+                <a:t>y = compute_fem_</a:t>
+              </a:r>
+            </a:p>
+            <a:p>
+              <a:r>
+                <a:rPr lang="en-US" sz="2800" dirty="0">
+                  <a:latin typeface="+mj-lt"/>
+                </a:rPr>
+                <a:t>stiffness_matrix(x, mesh)</a:t>
+              </a:r>
+            </a:p>
+          </p:txBody>
+        </p:sp>
+        <p:sp>
+          <p:nvSpPr>
+            <p:cNvPr id="72" name="Rectangle: Rounded Corners 71">
+              <a:extLst>
+                <a:ext uri="{FF2B5EF4-FFF2-40B4-BE49-F238E27FC236}">
+                  <a16:creationId xmlns:a16="http://schemas.microsoft.com/office/drawing/2014/main" id="{188DDB1A-CC28-4AEC-AC8E-D4B4A8B006A5}"/>
+                </a:ext>
+              </a:extLst>
+            </p:cNvPr>
+            <p:cNvSpPr/>
+            <p:nvPr/>
+          </p:nvSpPr>
+          <p:spPr>
+            <a:xfrm>
+              <a:off x="9386025" y="449084"/>
+              <a:ext cx="640080" cy="640080"/>
+            </a:xfrm>
+            <a:prstGeom prst="roundRect">
+              <a:avLst/>
+            </a:prstGeom>
+            <a:solidFill>
+              <a:schemeClr val="bg2">
+                <a:lumMod val="50000"/>
+              </a:schemeClr>
+            </a:solidFill>
+            <a:ln w="38100">
+              <a:solidFill>
+                <a:schemeClr val="tx1"/>
+              </a:solidFill>
+            </a:ln>
+          </p:spPr>
+          <p:style>
+            <a:lnRef idx="2">
+              <a:schemeClr val="accent1">
+                <a:shade val="50000"/>
+              </a:schemeClr>
+            </a:lnRef>
+            <a:fillRef idx="1">
+              <a:schemeClr val="accent1"/>
+            </a:fillRef>
+            <a:effectRef idx="0">
+              <a:schemeClr val="accent1"/>
+            </a:effectRef>
+            <a:fontRef idx="minor">
+              <a:schemeClr val="lt1"/>
+            </a:fontRef>
+          </p:style>
+          <p:txBody>
+            <a:bodyPr rtlCol="0" anchor="ctr"/>
+            <a:lstStyle/>
+            <a:p>
+              <a:pPr algn="ctr"/>
+              <a:endParaRPr lang="en-US"/>
+            </a:p>
+          </p:txBody>
+        </p:sp>
+        <p:sp>
+          <p:nvSpPr>
+            <p:cNvPr id="74" name="Rectangle: Rounded Corners 73">
+              <a:extLst>
+                <a:ext uri="{FF2B5EF4-FFF2-40B4-BE49-F238E27FC236}">
+                  <a16:creationId xmlns:a16="http://schemas.microsoft.com/office/drawing/2014/main" id="{269487BF-9349-43AC-BFB4-5EAD72E26FB8}"/>
+                </a:ext>
+              </a:extLst>
+            </p:cNvPr>
+            <p:cNvSpPr/>
+            <p:nvPr/>
+          </p:nvSpPr>
+          <p:spPr>
+            <a:xfrm>
+              <a:off x="9386024" y="4996800"/>
+              <a:ext cx="640080" cy="640080"/>
+            </a:xfrm>
+            <a:prstGeom prst="roundRect">
+              <a:avLst/>
+            </a:prstGeom>
+            <a:solidFill>
+              <a:schemeClr val="bg2">
+                <a:lumMod val="50000"/>
+              </a:schemeClr>
+            </a:solidFill>
+            <a:ln w="38100">
+              <a:solidFill>
+                <a:schemeClr val="tx1"/>
+              </a:solidFill>
+            </a:ln>
+          </p:spPr>
+          <p:style>
+            <a:lnRef idx="2">
+              <a:schemeClr val="accent1">
+                <a:shade val="50000"/>
+              </a:schemeClr>
+            </a:lnRef>
+            <a:fillRef idx="1">
+              <a:schemeClr val="accent1"/>
+            </a:fillRef>
+            <a:effectRef idx="0">
+              <a:schemeClr val="accent1"/>
+            </a:effectRef>
+            <a:fontRef idx="minor">
+              <a:schemeClr val="lt1"/>
+            </a:fontRef>
+          </p:style>
+          <p:txBody>
+            <a:bodyPr rtlCol="0" anchor="ctr"/>
+            <a:lstStyle/>
+            <a:p>
+              <a:pPr algn="ctr"/>
+              <a:endParaRPr lang="en-US"/>
+            </a:p>
+          </p:txBody>
+        </p:sp>
+        <p:cxnSp>
+          <p:nvCxnSpPr>
+            <p:cNvPr id="20" name="Straight Arrow Connector 19">
+              <a:extLst>
+                <a:ext uri="{FF2B5EF4-FFF2-40B4-BE49-F238E27FC236}">
+                  <a16:creationId xmlns:a16="http://schemas.microsoft.com/office/drawing/2014/main" id="{042AEA55-00C9-4675-A17C-A706E3A3265A}"/>
+                </a:ext>
+              </a:extLst>
+            </p:cNvPr>
+            <p:cNvCxnSpPr>
+              <a:cxnSpLocks/>
+            </p:cNvCxnSpPr>
+            <p:nvPr/>
+          </p:nvCxnSpPr>
+          <p:spPr>
+            <a:xfrm flipV="1">
+              <a:off x="2521510" y="3356037"/>
+              <a:ext cx="0" cy="1451610"/>
+            </a:xfrm>
+            <a:prstGeom prst="straightConnector1">
+              <a:avLst/>
+            </a:prstGeom>
+            <a:ln w="57150">
+              <a:solidFill>
+                <a:schemeClr val="tx1"/>
+              </a:solidFill>
+              <a:tailEnd type="triangle"/>
+            </a:ln>
+          </p:spPr>
+          <p:style>
+            <a:lnRef idx="1">
+              <a:schemeClr val="accent1"/>
+            </a:lnRef>
+            <a:fillRef idx="0">
+              <a:schemeClr val="accent1"/>
+            </a:fillRef>
+            <a:effectRef idx="0">
+              <a:schemeClr val="accent1"/>
+            </a:effectRef>
+            <a:fontRef idx="minor">
+              <a:schemeClr val="tx1"/>
+            </a:fontRef>
+          </p:style>
+        </p:cxnSp>
+        <p:sp>
+          <p:nvSpPr>
+            <p:cNvPr id="21" name="Oval 20">
+              <a:extLst>
+                <a:ext uri="{FF2B5EF4-FFF2-40B4-BE49-F238E27FC236}">
+                  <a16:creationId xmlns:a16="http://schemas.microsoft.com/office/drawing/2014/main" id="{30B5A65C-7BAA-4FF7-A7B0-DBAC3D2F6FFE}"/>
+                </a:ext>
+              </a:extLst>
+            </p:cNvPr>
+            <p:cNvSpPr/>
+            <p:nvPr/>
+          </p:nvSpPr>
+          <p:spPr>
+            <a:xfrm>
+              <a:off x="2607235" y="2898758"/>
+              <a:ext cx="171450" cy="171450"/>
+            </a:xfrm>
+            <a:prstGeom prst="ellipse">
+              <a:avLst/>
+            </a:prstGeom>
+            <a:solidFill>
+              <a:schemeClr val="tx1"/>
+            </a:solidFill>
+            <a:ln>
+              <a:noFill/>
+            </a:ln>
+          </p:spPr>
+          <p:style>
+            <a:lnRef idx="2">
+              <a:schemeClr val="accent1">
+                <a:shade val="50000"/>
+              </a:schemeClr>
+            </a:lnRef>
+            <a:fillRef idx="1">
+              <a:schemeClr val="accent1"/>
+            </a:fillRef>
+            <a:effectRef idx="0">
+              <a:schemeClr val="accent1"/>
+            </a:effectRef>
+            <a:fontRef idx="minor">
+              <a:schemeClr val="lt1"/>
+            </a:fontRef>
+          </p:style>
+          <p:txBody>
+            <a:bodyPr rtlCol="0" anchor="ctr"/>
+            <a:lstStyle/>
+            <a:p>
+              <a:pPr algn="ctr"/>
+              <a:endParaRPr lang="en-US"/>
+            </a:p>
+          </p:txBody>
+        </p:sp>
+        <p:cxnSp>
+          <p:nvCxnSpPr>
+            <p:cNvPr id="22" name="Straight Arrow Connector 21">
+              <a:extLst>
+                <a:ext uri="{FF2B5EF4-FFF2-40B4-BE49-F238E27FC236}">
+                  <a16:creationId xmlns:a16="http://schemas.microsoft.com/office/drawing/2014/main" id="{21BE97E5-AF78-4138-8A5E-8297760D217C}"/>
+                </a:ext>
+              </a:extLst>
+            </p:cNvPr>
+            <p:cNvCxnSpPr>
+              <a:cxnSpLocks/>
+            </p:cNvCxnSpPr>
+            <p:nvPr/>
+          </p:nvCxnSpPr>
+          <p:spPr>
+            <a:xfrm flipV="1">
+              <a:off x="2521510" y="1085277"/>
+              <a:ext cx="0" cy="1451610"/>
+            </a:xfrm>
+            <a:prstGeom prst="straightConnector1">
+              <a:avLst/>
+            </a:prstGeom>
+            <a:ln w="57150">
+              <a:solidFill>
+                <a:schemeClr val="tx1"/>
+              </a:solidFill>
+              <a:tailEnd type="triangle"/>
+            </a:ln>
+          </p:spPr>
+          <p:style>
+            <a:lnRef idx="1">
+              <a:schemeClr val="accent1"/>
+            </a:lnRef>
+            <a:fillRef idx="0">
+              <a:schemeClr val="accent1"/>
+            </a:fillRef>
+            <a:effectRef idx="0">
+              <a:schemeClr val="accent1"/>
+            </a:effectRef>
+            <a:fontRef idx="minor">
+              <a:schemeClr val="tx1"/>
+            </a:fontRef>
+          </p:style>
+        </p:cxnSp>
+        <p:cxnSp>
+          <p:nvCxnSpPr>
+            <p:cNvPr id="32" name="Straight Arrow Connector 31">
+              <a:extLst>
+                <a:ext uri="{FF2B5EF4-FFF2-40B4-BE49-F238E27FC236}">
+                  <a16:creationId xmlns:a16="http://schemas.microsoft.com/office/drawing/2014/main" id="{DA5202B4-63CE-4E1D-9136-3FFD9264F63E}"/>
+                </a:ext>
+              </a:extLst>
+            </p:cNvPr>
+            <p:cNvCxnSpPr>
+              <a:cxnSpLocks/>
+            </p:cNvCxnSpPr>
+            <p:nvPr/>
+          </p:nvCxnSpPr>
+          <p:spPr>
+            <a:xfrm flipV="1">
+              <a:off x="2833930" y="3405567"/>
+              <a:ext cx="0" cy="1451610"/>
+            </a:xfrm>
+            <a:prstGeom prst="straightConnector1">
+              <a:avLst/>
+            </a:prstGeom>
+            <a:ln w="57150">
+              <a:solidFill>
+                <a:schemeClr val="tx1"/>
+              </a:solidFill>
+              <a:prstDash val="sysDash"/>
+              <a:headEnd type="triangle" w="med" len="med"/>
+              <a:tailEnd type="none" w="med" len="med"/>
+            </a:ln>
+          </p:spPr>
+          <p:style>
+            <a:lnRef idx="1">
+              <a:schemeClr val="accent1"/>
+            </a:lnRef>
+            <a:fillRef idx="0">
+              <a:schemeClr val="accent1"/>
+            </a:fillRef>
+            <a:effectRef idx="0">
+              <a:schemeClr val="accent1"/>
+            </a:effectRef>
+            <a:fontRef idx="minor">
+              <a:schemeClr val="tx1"/>
+            </a:fontRef>
+          </p:style>
+        </p:cxnSp>
+        <p:cxnSp>
+          <p:nvCxnSpPr>
+            <p:cNvPr id="33" name="Straight Arrow Connector 32">
+              <a:extLst>
+                <a:ext uri="{FF2B5EF4-FFF2-40B4-BE49-F238E27FC236}">
+                  <a16:creationId xmlns:a16="http://schemas.microsoft.com/office/drawing/2014/main" id="{033283E6-46A7-474D-958E-67080D0D3CAF}"/>
+                </a:ext>
+              </a:extLst>
+            </p:cNvPr>
+            <p:cNvCxnSpPr>
+              <a:cxnSpLocks/>
+            </p:cNvCxnSpPr>
+            <p:nvPr/>
+          </p:nvCxnSpPr>
+          <p:spPr>
+            <a:xfrm flipV="1">
+              <a:off x="2833930" y="1134807"/>
+              <a:ext cx="0" cy="1451610"/>
+            </a:xfrm>
+            <a:prstGeom prst="straightConnector1">
+              <a:avLst/>
+            </a:prstGeom>
+            <a:ln w="57150">
+              <a:solidFill>
+                <a:schemeClr val="tx1"/>
+              </a:solidFill>
+              <a:prstDash val="sysDash"/>
+              <a:headEnd type="triangle" w="med" len="med"/>
+              <a:tailEnd type="none" w="med" len="med"/>
+            </a:ln>
+          </p:spPr>
+          <p:style>
+            <a:lnRef idx="1">
+              <a:schemeClr val="accent1"/>
+            </a:lnRef>
+            <a:fillRef idx="0">
+              <a:schemeClr val="accent1"/>
+            </a:fillRef>
+            <a:effectRef idx="0">
+              <a:schemeClr val="accent1"/>
+            </a:effectRef>
+            <a:fontRef idx="minor">
+              <a:schemeClr val="tx1"/>
+            </a:fontRef>
+          </p:style>
+        </p:cxnSp>
+        <p:cxnSp>
+          <p:nvCxnSpPr>
+            <p:cNvPr id="44" name="Straight Arrow Connector 43">
+              <a:extLst>
+                <a:ext uri="{FF2B5EF4-FFF2-40B4-BE49-F238E27FC236}">
+                  <a16:creationId xmlns:a16="http://schemas.microsoft.com/office/drawing/2014/main" id="{E929C4DA-4D3B-45E4-AA4C-447ECDD143E6}"/>
+                </a:ext>
+              </a:extLst>
+            </p:cNvPr>
+            <p:cNvCxnSpPr>
+              <a:cxnSpLocks/>
+            </p:cNvCxnSpPr>
+            <p:nvPr/>
+          </p:nvCxnSpPr>
+          <p:spPr>
+            <a:xfrm flipV="1">
+              <a:off x="5426083" y="3356037"/>
+              <a:ext cx="0" cy="1451610"/>
+            </a:xfrm>
+            <a:prstGeom prst="straightConnector1">
+              <a:avLst/>
+            </a:prstGeom>
+            <a:ln w="57150">
+              <a:solidFill>
+                <a:schemeClr val="tx1"/>
+              </a:solidFill>
+              <a:tailEnd type="triangle"/>
+            </a:ln>
+          </p:spPr>
+          <p:style>
+            <a:lnRef idx="1">
+              <a:schemeClr val="accent1"/>
+            </a:lnRef>
+            <a:fillRef idx="0">
+              <a:schemeClr val="accent1"/>
+            </a:fillRef>
+            <a:effectRef idx="0">
+              <a:schemeClr val="accent1"/>
+            </a:effectRef>
+            <a:fontRef idx="minor">
+              <a:schemeClr val="tx1"/>
+            </a:fontRef>
+          </p:style>
+        </p:cxnSp>
+        <p:cxnSp>
+          <p:nvCxnSpPr>
+            <p:cNvPr id="46" name="Straight Arrow Connector 45">
+              <a:extLst>
+                <a:ext uri="{FF2B5EF4-FFF2-40B4-BE49-F238E27FC236}">
+                  <a16:creationId xmlns:a16="http://schemas.microsoft.com/office/drawing/2014/main" id="{DFA5E9AE-7CE0-45A9-B75C-180F0419E069}"/>
+                </a:ext>
+              </a:extLst>
+            </p:cNvPr>
+            <p:cNvCxnSpPr>
+              <a:cxnSpLocks/>
+            </p:cNvCxnSpPr>
+            <p:nvPr/>
+          </p:nvCxnSpPr>
+          <p:spPr>
+            <a:xfrm flipV="1">
+              <a:off x="5426083" y="1085277"/>
+              <a:ext cx="0" cy="1451610"/>
+            </a:xfrm>
+            <a:prstGeom prst="straightConnector1">
+              <a:avLst/>
+            </a:prstGeom>
+            <a:ln w="57150">
+              <a:solidFill>
+                <a:schemeClr val="tx1"/>
+              </a:solidFill>
+              <a:tailEnd type="triangle"/>
+            </a:ln>
+          </p:spPr>
+          <p:style>
+            <a:lnRef idx="1">
+              <a:schemeClr val="accent1"/>
+            </a:lnRef>
+            <a:fillRef idx="0">
+              <a:schemeClr val="accent1"/>
+            </a:fillRef>
+            <a:effectRef idx="0">
+              <a:schemeClr val="accent1"/>
+            </a:effectRef>
+            <a:fontRef idx="minor">
+              <a:schemeClr val="tx1"/>
+            </a:fontRef>
+          </p:style>
+        </p:cxnSp>
+        <p:cxnSp>
+          <p:nvCxnSpPr>
+            <p:cNvPr id="50" name="Straight Arrow Connector 49">
+              <a:extLst>
+                <a:ext uri="{FF2B5EF4-FFF2-40B4-BE49-F238E27FC236}">
+                  <a16:creationId xmlns:a16="http://schemas.microsoft.com/office/drawing/2014/main" id="{254D628B-EC17-4A6C-B85A-1D7CF3BE2550}"/>
+                </a:ext>
+              </a:extLst>
+            </p:cNvPr>
+            <p:cNvCxnSpPr>
+              <a:cxnSpLocks/>
+            </p:cNvCxnSpPr>
+            <p:nvPr/>
+          </p:nvCxnSpPr>
+          <p:spPr>
+            <a:xfrm flipV="1">
+              <a:off x="5738503" y="3405567"/>
+              <a:ext cx="0" cy="1451610"/>
+            </a:xfrm>
+            <a:prstGeom prst="straightConnector1">
+              <a:avLst/>
+            </a:prstGeom>
+            <a:ln w="57150">
+              <a:solidFill>
+                <a:schemeClr val="tx1"/>
+              </a:solidFill>
+              <a:prstDash val="sysDash"/>
+              <a:headEnd type="triangle" w="med" len="med"/>
+              <a:tailEnd type="none" w="med" len="med"/>
+            </a:ln>
+          </p:spPr>
+          <p:style>
+            <a:lnRef idx="1">
+              <a:schemeClr val="accent1"/>
+            </a:lnRef>
+            <a:fillRef idx="0">
+              <a:schemeClr val="accent1"/>
+            </a:fillRef>
+            <a:effectRef idx="0">
+              <a:schemeClr val="accent1"/>
+            </a:effectRef>
+            <a:fontRef idx="minor">
+              <a:schemeClr val="tx1"/>
+            </a:fontRef>
+          </p:style>
+        </p:cxnSp>
+        <p:cxnSp>
+          <p:nvCxnSpPr>
+            <p:cNvPr id="51" name="Straight Arrow Connector 50">
+              <a:extLst>
+                <a:ext uri="{FF2B5EF4-FFF2-40B4-BE49-F238E27FC236}">
+                  <a16:creationId xmlns:a16="http://schemas.microsoft.com/office/drawing/2014/main" id="{97CA942D-37BE-482A-A923-C94F6DABF64A}"/>
+                </a:ext>
+              </a:extLst>
+            </p:cNvPr>
+            <p:cNvCxnSpPr>
+              <a:cxnSpLocks/>
+            </p:cNvCxnSpPr>
+            <p:nvPr/>
+          </p:nvCxnSpPr>
+          <p:spPr>
+            <a:xfrm flipV="1">
+              <a:off x="5738503" y="1134807"/>
+              <a:ext cx="0" cy="1451610"/>
+            </a:xfrm>
+            <a:prstGeom prst="straightConnector1">
+              <a:avLst/>
+            </a:prstGeom>
+            <a:ln w="57150">
+              <a:solidFill>
+                <a:schemeClr val="tx1"/>
+              </a:solidFill>
+              <a:prstDash val="sysDash"/>
+              <a:headEnd type="triangle" w="med" len="med"/>
+              <a:tailEnd type="none" w="med" len="med"/>
+            </a:ln>
+          </p:spPr>
+          <p:style>
+            <a:lnRef idx="1">
+              <a:schemeClr val="accent1"/>
+            </a:lnRef>
+            <a:fillRef idx="0">
+              <a:schemeClr val="accent1"/>
+            </a:fillRef>
+            <a:effectRef idx="0">
+              <a:schemeClr val="accent1"/>
+            </a:effectRef>
+            <a:fontRef idx="minor">
+              <a:schemeClr val="tx1"/>
+            </a:fontRef>
+          </p:style>
+        </p:cxnSp>
+        <p:sp>
+          <p:nvSpPr>
+            <p:cNvPr id="60" name="Oval 59">
+              <a:extLst>
+                <a:ext uri="{FF2B5EF4-FFF2-40B4-BE49-F238E27FC236}">
+                  <a16:creationId xmlns:a16="http://schemas.microsoft.com/office/drawing/2014/main" id="{94F2D167-5F80-486A-8A9E-1B3F4421E8C3}"/>
+                </a:ext>
+              </a:extLst>
+            </p:cNvPr>
+            <p:cNvSpPr/>
+            <p:nvPr/>
+          </p:nvSpPr>
+          <p:spPr>
+            <a:xfrm>
+              <a:off x="5353140" y="2796567"/>
+              <a:ext cx="457469" cy="457469"/>
+            </a:xfrm>
+            <a:prstGeom prst="ellipse">
+              <a:avLst/>
+            </a:prstGeom>
+            <a:solidFill>
+              <a:schemeClr val="bg1"/>
+            </a:solidFill>
+            <a:ln w="38100">
+              <a:solidFill>
+                <a:schemeClr val="tx1"/>
+              </a:solidFill>
+            </a:ln>
+          </p:spPr>
+          <p:style>
+            <a:lnRef idx="2">
+              <a:schemeClr val="accent1">
+                <a:shade val="50000"/>
+              </a:schemeClr>
+            </a:lnRef>
+            <a:fillRef idx="1">
+              <a:schemeClr val="accent1"/>
+            </a:fillRef>
+            <a:effectRef idx="0">
+              <a:schemeClr val="accent1"/>
+            </a:effectRef>
+            <a:fontRef idx="minor">
+              <a:schemeClr val="lt1"/>
+            </a:fontRef>
+          </p:style>
+          <p:txBody>
+            <a:bodyPr rtlCol="0" anchor="ctr"/>
+            <a:lstStyle/>
+            <a:p>
+              <a:pPr algn="ctr"/>
+              <a:endParaRPr lang="en-US"/>
+            </a:p>
+          </p:txBody>
+        </p:sp>
+        <p:cxnSp>
+          <p:nvCxnSpPr>
+            <p:cNvPr id="66" name="Straight Arrow Connector 65">
+              <a:extLst>
+                <a:ext uri="{FF2B5EF4-FFF2-40B4-BE49-F238E27FC236}">
+                  <a16:creationId xmlns:a16="http://schemas.microsoft.com/office/drawing/2014/main" id="{599E82CA-0011-453A-9C88-F94704CE47DC}"/>
+                </a:ext>
+              </a:extLst>
+            </p:cNvPr>
+            <p:cNvCxnSpPr>
+              <a:cxnSpLocks/>
+            </p:cNvCxnSpPr>
+            <p:nvPr/>
+          </p:nvCxnSpPr>
+          <p:spPr>
+            <a:xfrm flipV="1">
+              <a:off x="9561838" y="3437429"/>
+              <a:ext cx="0" cy="1451610"/>
+            </a:xfrm>
+            <a:prstGeom prst="straightConnector1">
+              <a:avLst/>
+            </a:prstGeom>
+            <a:ln w="57150">
+              <a:solidFill>
+                <a:schemeClr val="tx1"/>
+              </a:solidFill>
+              <a:tailEnd type="triangle"/>
+            </a:ln>
+          </p:spPr>
+          <p:style>
+            <a:lnRef idx="1">
+              <a:schemeClr val="accent1"/>
+            </a:lnRef>
+            <a:fillRef idx="0">
+              <a:schemeClr val="accent1"/>
+            </a:fillRef>
+            <a:effectRef idx="0">
+              <a:schemeClr val="accent1"/>
+            </a:effectRef>
+            <a:fontRef idx="minor">
+              <a:schemeClr val="tx1"/>
+            </a:fontRef>
+          </p:style>
+        </p:cxnSp>
+        <p:cxnSp>
+          <p:nvCxnSpPr>
+            <p:cNvPr id="67" name="Straight Arrow Connector 66">
+              <a:extLst>
+                <a:ext uri="{FF2B5EF4-FFF2-40B4-BE49-F238E27FC236}">
+                  <a16:creationId xmlns:a16="http://schemas.microsoft.com/office/drawing/2014/main" id="{5A6E0FD6-FFD8-460A-9422-4E5764D02FE4}"/>
+                </a:ext>
+              </a:extLst>
+            </p:cNvPr>
+            <p:cNvCxnSpPr>
+              <a:cxnSpLocks/>
+            </p:cNvCxnSpPr>
+            <p:nvPr/>
+          </p:nvCxnSpPr>
+          <p:spPr>
+            <a:xfrm flipV="1">
+              <a:off x="9561838" y="1166669"/>
+              <a:ext cx="0" cy="1451610"/>
+            </a:xfrm>
+            <a:prstGeom prst="straightConnector1">
+              <a:avLst/>
+            </a:prstGeom>
+            <a:ln w="57150">
+              <a:solidFill>
+                <a:schemeClr val="tx1"/>
+              </a:solidFill>
+              <a:tailEnd type="triangle"/>
+            </a:ln>
+          </p:spPr>
+          <p:style>
+            <a:lnRef idx="1">
+              <a:schemeClr val="accent1"/>
+            </a:lnRef>
+            <a:fillRef idx="0">
+              <a:schemeClr val="accent1"/>
+            </a:fillRef>
+            <a:effectRef idx="0">
+              <a:schemeClr val="accent1"/>
+            </a:effectRef>
+            <a:fontRef idx="minor">
+              <a:schemeClr val="tx1"/>
+            </a:fontRef>
+          </p:style>
+        </p:cxnSp>
+        <p:cxnSp>
+          <p:nvCxnSpPr>
+            <p:cNvPr id="69" name="Straight Arrow Connector 68">
+              <a:extLst>
+                <a:ext uri="{FF2B5EF4-FFF2-40B4-BE49-F238E27FC236}">
+                  <a16:creationId xmlns:a16="http://schemas.microsoft.com/office/drawing/2014/main" id="{3ABC83E6-A892-4369-8418-DF4D1C7009F7}"/>
+                </a:ext>
+              </a:extLst>
+            </p:cNvPr>
+            <p:cNvCxnSpPr>
+              <a:cxnSpLocks/>
+            </p:cNvCxnSpPr>
+            <p:nvPr/>
+          </p:nvCxnSpPr>
+          <p:spPr>
+            <a:xfrm flipV="1">
+              <a:off x="9874258" y="3486959"/>
+              <a:ext cx="0" cy="1451610"/>
+            </a:xfrm>
+            <a:prstGeom prst="straightConnector1">
+              <a:avLst/>
+            </a:prstGeom>
+            <a:ln w="57150">
+              <a:solidFill>
+                <a:schemeClr val="tx1"/>
+              </a:solidFill>
+              <a:prstDash val="sysDash"/>
+              <a:headEnd type="triangle" w="med" len="med"/>
+              <a:tailEnd type="none" w="med" len="med"/>
+            </a:ln>
+          </p:spPr>
+          <p:style>
+            <a:lnRef idx="1">
+              <a:schemeClr val="accent1"/>
+            </a:lnRef>
+            <a:fillRef idx="0">
+              <a:schemeClr val="accent1"/>
+            </a:fillRef>
+            <a:effectRef idx="0">
+              <a:schemeClr val="accent1"/>
+            </a:effectRef>
+            <a:fontRef idx="minor">
+              <a:schemeClr val="tx1"/>
+            </a:fontRef>
+          </p:style>
+        </p:cxnSp>
+        <p:cxnSp>
+          <p:nvCxnSpPr>
+            <p:cNvPr id="70" name="Straight Arrow Connector 69">
+              <a:extLst>
+                <a:ext uri="{FF2B5EF4-FFF2-40B4-BE49-F238E27FC236}">
+                  <a16:creationId xmlns:a16="http://schemas.microsoft.com/office/drawing/2014/main" id="{67A31CF9-D8E4-4D42-B98B-232F4B107135}"/>
+                </a:ext>
+              </a:extLst>
+            </p:cNvPr>
+            <p:cNvCxnSpPr>
+              <a:cxnSpLocks/>
+            </p:cNvCxnSpPr>
+            <p:nvPr/>
+          </p:nvCxnSpPr>
+          <p:spPr>
+            <a:xfrm flipV="1">
+              <a:off x="9874258" y="1216199"/>
+              <a:ext cx="0" cy="1451610"/>
+            </a:xfrm>
+            <a:prstGeom prst="straightConnector1">
+              <a:avLst/>
+            </a:prstGeom>
+            <a:ln w="57150">
+              <a:solidFill>
+                <a:schemeClr val="tx1"/>
+              </a:solidFill>
+              <a:prstDash val="sysDash"/>
+              <a:headEnd type="triangle" w="med" len="med"/>
+              <a:tailEnd type="none" w="med" len="med"/>
+            </a:ln>
+          </p:spPr>
+          <p:style>
+            <a:lnRef idx="1">
+              <a:schemeClr val="accent1"/>
+            </a:lnRef>
+            <a:fillRef idx="0">
+              <a:schemeClr val="accent1"/>
+            </a:fillRef>
+            <a:effectRef idx="0">
+              <a:schemeClr val="accent1"/>
+            </a:effectRef>
+            <a:fontRef idx="minor">
+              <a:schemeClr val="tx1"/>
+            </a:fontRef>
+          </p:style>
+        </p:cxnSp>
+        <p:sp>
+          <p:nvSpPr>
+            <p:cNvPr id="73" name="Rectangle: Rounded Corners 72">
+              <a:extLst>
+                <a:ext uri="{FF2B5EF4-FFF2-40B4-BE49-F238E27FC236}">
+                  <a16:creationId xmlns:a16="http://schemas.microsoft.com/office/drawing/2014/main" id="{540432A6-D053-4E48-8BD0-DBF5AAB3242B}"/>
+                </a:ext>
+              </a:extLst>
+            </p:cNvPr>
+            <p:cNvSpPr/>
+            <p:nvPr/>
+          </p:nvSpPr>
+          <p:spPr>
+            <a:xfrm>
+              <a:off x="9386024" y="2715957"/>
+              <a:ext cx="640080" cy="640080"/>
+            </a:xfrm>
+            <a:prstGeom prst="roundRect">
+              <a:avLst/>
+            </a:prstGeom>
+            <a:solidFill>
+              <a:schemeClr val="bg2">
+                <a:lumMod val="50000"/>
+              </a:schemeClr>
+            </a:solidFill>
+            <a:ln w="38100">
+              <a:solidFill>
+                <a:schemeClr val="tx1"/>
+              </a:solidFill>
+            </a:ln>
+          </p:spPr>
+          <p:style>
+            <a:lnRef idx="2">
+              <a:schemeClr val="accent1">
+                <a:shade val="50000"/>
+              </a:schemeClr>
+            </a:lnRef>
+            <a:fillRef idx="1">
+              <a:schemeClr val="accent1"/>
+            </a:fillRef>
+            <a:effectRef idx="0">
+              <a:schemeClr val="accent1"/>
+            </a:effectRef>
+            <a:fontRef idx="minor">
+              <a:schemeClr val="lt1"/>
+            </a:fontRef>
+          </p:style>
+          <p:txBody>
+            <a:bodyPr rtlCol="0" anchor="ctr"/>
+            <a:lstStyle/>
+            <a:p>
+              <a:pPr algn="ctr"/>
+              <a:endParaRPr lang="en-US"/>
+            </a:p>
+          </p:txBody>
+        </p:sp>
+      </p:grpSp>
+      <p:sp>
+        <p:nvSpPr>
+          <p:cNvPr id="77" name="TextBox 76">
+            <a:extLst>
+              <a:ext uri="{FF2B5EF4-FFF2-40B4-BE49-F238E27FC236}">
+                <a16:creationId xmlns:a16="http://schemas.microsoft.com/office/drawing/2014/main" id="{DF71A93C-DC00-4A49-BC48-AB82404C9015}"/>
+              </a:ext>
+            </a:extLst>
+          </p:cNvPr>
+          <p:cNvSpPr txBox="1"/>
+          <p:nvPr/>
+        </p:nvSpPr>
+        <p:spPr>
+          <a:xfrm>
+            <a:off x="340319" y="2457611"/>
+            <a:ext cx="1922642" cy="646331"/>
+          </a:xfrm>
+          <a:prstGeom prst="rect">
+            <a:avLst/>
+          </a:prstGeom>
+          <a:noFill/>
+        </p:spPr>
+        <p:txBody>
+          <a:bodyPr wrap="none" rtlCol="0">
+            <a:spAutoFit/>
+          </a:bodyPr>
+          <a:lstStyle/>
+          <a:p>
+            <a:r>
+              <a:rPr lang="en-US" sz="3600" b="1" dirty="0"/>
+              <a:t>Operator</a:t>
+            </a:r>
+          </a:p>
+        </p:txBody>
+      </p:sp>
+      <p:sp>
+        <p:nvSpPr>
+          <p:cNvPr id="78" name="TextBox 77">
+            <a:extLst>
+              <a:ext uri="{FF2B5EF4-FFF2-40B4-BE49-F238E27FC236}">
+                <a16:creationId xmlns:a16="http://schemas.microsoft.com/office/drawing/2014/main" id="{8C64035B-04D8-4759-9020-E00CB3786416}"/>
+              </a:ext>
+            </a:extLst>
+          </p:cNvPr>
+          <p:cNvSpPr txBox="1"/>
+          <p:nvPr/>
+        </p:nvSpPr>
+        <p:spPr>
+          <a:xfrm>
+            <a:off x="2498653" y="6404746"/>
+            <a:ext cx="1994841" cy="584775"/>
+          </a:xfrm>
+          <a:prstGeom prst="rect">
+            <a:avLst/>
+          </a:prstGeom>
+          <a:noFill/>
+        </p:spPr>
+        <p:txBody>
+          <a:bodyPr wrap="none" rtlCol="0">
+            <a:spAutoFit/>
+          </a:bodyPr>
+          <a:lstStyle/>
+          <a:p>
+            <a:r>
+              <a:rPr lang="en-US" sz="3200" b="1" dirty="0">
+                <a:solidFill>
+                  <a:srgbClr val="FF0000"/>
+                </a:solidFill>
+              </a:rPr>
+              <a:t>Arithmetic</a:t>
+            </a:r>
+          </a:p>
+        </p:txBody>
+      </p:sp>
+      <p:sp>
+        <p:nvSpPr>
+          <p:cNvPr id="80" name="TextBox 79">
+            <a:extLst>
+              <a:ext uri="{FF2B5EF4-FFF2-40B4-BE49-F238E27FC236}">
+                <a16:creationId xmlns:a16="http://schemas.microsoft.com/office/drawing/2014/main" id="{DC9FEFC0-B09C-47CF-9FAF-117160009935}"/>
+              </a:ext>
+            </a:extLst>
+          </p:cNvPr>
+          <p:cNvSpPr txBox="1"/>
+          <p:nvPr/>
+        </p:nvSpPr>
+        <p:spPr>
+          <a:xfrm>
+            <a:off x="5485567" y="6381051"/>
+            <a:ext cx="1309782" cy="584775"/>
+          </a:xfrm>
+          <a:prstGeom prst="rect">
+            <a:avLst/>
+          </a:prstGeom>
+          <a:noFill/>
+        </p:spPr>
+        <p:txBody>
+          <a:bodyPr wrap="none" rtlCol="0">
+            <a:spAutoFit/>
+          </a:bodyPr>
+          <a:lstStyle/>
+          <a:p>
+            <a:r>
+              <a:rPr lang="en-US" sz="3200" b="1" dirty="0">
+                <a:solidFill>
+                  <a:srgbClr val="FF0000"/>
+                </a:solidFill>
+              </a:rPr>
+              <a:t>Tensor</a:t>
+            </a:r>
+          </a:p>
+        </p:txBody>
+      </p:sp>
+      <p:sp>
+        <p:nvSpPr>
+          <p:cNvPr id="82" name="TextBox 81">
+            <a:extLst>
+              <a:ext uri="{FF2B5EF4-FFF2-40B4-BE49-F238E27FC236}">
+                <a16:creationId xmlns:a16="http://schemas.microsoft.com/office/drawing/2014/main" id="{4AE22D34-C801-4BD4-84F6-E8F0536640FA}"/>
+              </a:ext>
+            </a:extLst>
+          </p:cNvPr>
+          <p:cNvSpPr txBox="1"/>
+          <p:nvPr/>
+        </p:nvSpPr>
+        <p:spPr>
+          <a:xfrm>
+            <a:off x="8861187" y="6382721"/>
+            <a:ext cx="2016321" cy="584775"/>
+          </a:xfrm>
+          <a:prstGeom prst="rect">
+            <a:avLst/>
+          </a:prstGeom>
+          <a:noFill/>
+        </p:spPr>
+        <p:txBody>
+          <a:bodyPr wrap="none" rtlCol="0">
+            <a:spAutoFit/>
+          </a:bodyPr>
+          <a:lstStyle/>
+          <a:p>
+            <a:r>
+              <a:rPr lang="en-US" sz="3200" b="1" dirty="0">
+                <a:solidFill>
+                  <a:srgbClr val="FF0000"/>
+                </a:solidFill>
+              </a:rPr>
+              <a:t>Simulation</a:t>
+            </a:r>
+          </a:p>
+        </p:txBody>
+      </p:sp>
+      <p:sp>
+        <p:nvSpPr>
+          <p:cNvPr id="84" name="TextBox 83">
+            <a:extLst>
+              <a:ext uri="{FF2B5EF4-FFF2-40B4-BE49-F238E27FC236}">
+                <a16:creationId xmlns:a16="http://schemas.microsoft.com/office/drawing/2014/main" id="{97C61B62-B371-4DA1-AFA9-73AA545DFB7D}"/>
+              </a:ext>
+            </a:extLst>
+          </p:cNvPr>
+          <p:cNvSpPr txBox="1"/>
+          <p:nvPr/>
+        </p:nvSpPr>
+        <p:spPr>
+          <a:xfrm>
+            <a:off x="-23125" y="6378040"/>
+            <a:ext cx="2354619" cy="646331"/>
+          </a:xfrm>
+          <a:prstGeom prst="rect">
+            <a:avLst/>
+          </a:prstGeom>
+          <a:noFill/>
+        </p:spPr>
+        <p:txBody>
+          <a:bodyPr wrap="none" rtlCol="0">
+            <a:spAutoFit/>
+          </a:bodyPr>
+          <a:lstStyle/>
+          <a:p>
+            <a:r>
+              <a:rPr lang="en-US" sz="3600" b="1" dirty="0"/>
+              <a:t>Granularity</a:t>
+            </a:r>
+          </a:p>
+        </p:txBody>
+      </p:sp>
+      <p:grpSp>
+        <p:nvGrpSpPr>
+          <p:cNvPr id="97" name="Group 96">
+            <a:extLst>
+              <a:ext uri="{FF2B5EF4-FFF2-40B4-BE49-F238E27FC236}">
+                <a16:creationId xmlns:a16="http://schemas.microsoft.com/office/drawing/2014/main" id="{56922985-DD04-4CCB-BC76-419403EF9CF2}"/>
+              </a:ext>
+            </a:extLst>
+          </p:cNvPr>
+          <p:cNvGrpSpPr/>
+          <p:nvPr/>
+        </p:nvGrpSpPr>
+        <p:grpSpPr>
+          <a:xfrm>
+            <a:off x="2470988" y="6969082"/>
+            <a:ext cx="9498803" cy="1648192"/>
+            <a:chOff x="2470988" y="6969082"/>
+            <a:chExt cx="9498803" cy="1648192"/>
+          </a:xfrm>
+        </p:grpSpPr>
+        <p:sp>
+          <p:nvSpPr>
+            <p:cNvPr id="93" name="Rectangle: Rounded Corners 92">
+              <a:extLst>
+                <a:ext uri="{FF2B5EF4-FFF2-40B4-BE49-F238E27FC236}">
+                  <a16:creationId xmlns:a16="http://schemas.microsoft.com/office/drawing/2014/main" id="{02C81ACF-2B5A-43DB-88E7-A17960D26E09}"/>
+                </a:ext>
+              </a:extLst>
+            </p:cNvPr>
+            <p:cNvSpPr/>
+            <p:nvPr/>
+          </p:nvSpPr>
+          <p:spPr>
+            <a:xfrm>
+              <a:off x="2525223" y="7024371"/>
+              <a:ext cx="1911772" cy="1592903"/>
+            </a:xfrm>
+            <a:prstGeom prst="roundRect">
+              <a:avLst/>
+            </a:prstGeom>
+            <a:solidFill>
+              <a:schemeClr val="accent1">
+                <a:lumMod val="20000"/>
+                <a:lumOff val="80000"/>
+              </a:schemeClr>
+            </a:solidFill>
+            <a:ln>
+              <a:noFill/>
+            </a:ln>
+          </p:spPr>
+          <p:style>
+            <a:lnRef idx="2">
+              <a:schemeClr val="accent1">
+                <a:shade val="50000"/>
+              </a:schemeClr>
+            </a:lnRef>
+            <a:fillRef idx="1">
+              <a:schemeClr val="accent1"/>
+            </a:fillRef>
+            <a:effectRef idx="0">
+              <a:schemeClr val="accent1"/>
+            </a:effectRef>
+            <a:fontRef idx="minor">
+              <a:schemeClr val="lt1"/>
+            </a:fontRef>
+          </p:style>
+          <p:txBody>
+            <a:bodyPr rtlCol="0" anchor="ctr"/>
+            <a:lstStyle/>
+            <a:p>
+              <a:pPr algn="ctr"/>
+              <a:endParaRPr lang="en-US"/>
+            </a:p>
+          </p:txBody>
+        </p:sp>
+        <p:sp>
+          <p:nvSpPr>
+            <p:cNvPr id="88" name="TextBox 87">
+              <a:extLst>
+                <a:ext uri="{FF2B5EF4-FFF2-40B4-BE49-F238E27FC236}">
+                  <a16:creationId xmlns:a16="http://schemas.microsoft.com/office/drawing/2014/main" id="{E2BC4874-9E6F-42E6-B7C2-81166C19F27B}"/>
+                </a:ext>
+              </a:extLst>
+            </p:cNvPr>
+            <p:cNvSpPr txBox="1"/>
+            <p:nvPr/>
+          </p:nvSpPr>
+          <p:spPr>
+            <a:xfrm>
+              <a:off x="2470988" y="7569995"/>
+              <a:ext cx="1293812" cy="646331"/>
+            </a:xfrm>
+            <a:prstGeom prst="rect">
+              <a:avLst/>
+            </a:prstGeom>
+            <a:noFill/>
+          </p:spPr>
+          <p:txBody>
+            <a:bodyPr wrap="square">
+              <a:spAutoFit/>
+            </a:bodyPr>
+            <a:lstStyle/>
+            <a:p>
+              <a:pPr algn="l" fontAlgn="base"/>
+              <a:r>
+                <a:rPr lang="en-US" b="1" i="0" dirty="0">
+                  <a:solidFill>
+                    <a:srgbClr val="333333"/>
+                  </a:solidFill>
+                  <a:effectLst/>
+                  <a:latin typeface="PT Sans"/>
+                </a:rPr>
+                <a:t>MeDiPack </a:t>
+              </a:r>
+            </a:p>
+          </p:txBody>
+        </p:sp>
+        <p:sp>
+          <p:nvSpPr>
+            <p:cNvPr id="90" name="TextBox 89">
+              <a:extLst>
+                <a:ext uri="{FF2B5EF4-FFF2-40B4-BE49-F238E27FC236}">
+                  <a16:creationId xmlns:a16="http://schemas.microsoft.com/office/drawing/2014/main" id="{EF9E2E08-568C-45D4-BC34-F5900D00FBD9}"/>
+                </a:ext>
+              </a:extLst>
+            </p:cNvPr>
+            <p:cNvSpPr txBox="1"/>
+            <p:nvPr/>
+          </p:nvSpPr>
+          <p:spPr>
+            <a:xfrm>
+              <a:off x="2631825" y="8151081"/>
+              <a:ext cx="6192980" cy="369332"/>
+            </a:xfrm>
+            <a:prstGeom prst="rect">
+              <a:avLst/>
+            </a:prstGeom>
+            <a:noFill/>
+          </p:spPr>
+          <p:txBody>
+            <a:bodyPr wrap="square">
+              <a:spAutoFit/>
+            </a:bodyPr>
+            <a:lstStyle/>
+            <a:p>
+              <a:pPr algn="l" fontAlgn="base"/>
+              <a:r>
+                <a:rPr lang="en-US" b="1" i="0" dirty="0">
+                  <a:solidFill>
+                    <a:srgbClr val="333333"/>
+                  </a:solidFill>
+                  <a:effectLst/>
+                  <a:latin typeface="PT Sans"/>
+                </a:rPr>
+                <a:t>CoDiPack </a:t>
+              </a:r>
+            </a:p>
+          </p:txBody>
+        </p:sp>
+        <p:sp>
+          <p:nvSpPr>
+            <p:cNvPr id="92" name="TextBox 91">
+              <a:extLst>
+                <a:ext uri="{FF2B5EF4-FFF2-40B4-BE49-F238E27FC236}">
+                  <a16:creationId xmlns:a16="http://schemas.microsoft.com/office/drawing/2014/main" id="{B3FA3858-0917-409B-A72A-256F31C5F7BB}"/>
+                </a:ext>
+              </a:extLst>
+            </p:cNvPr>
+            <p:cNvSpPr txBox="1"/>
+            <p:nvPr/>
+          </p:nvSpPr>
+          <p:spPr>
+            <a:xfrm>
+              <a:off x="3673520" y="7423431"/>
+              <a:ext cx="6192980" cy="707886"/>
+            </a:xfrm>
+            <a:prstGeom prst="rect">
+              <a:avLst/>
+            </a:prstGeom>
+            <a:noFill/>
+          </p:spPr>
+          <p:txBody>
+            <a:bodyPr wrap="square">
+              <a:spAutoFit/>
+            </a:bodyPr>
+            <a:lstStyle/>
+            <a:p>
+              <a:pPr algn="l"/>
+              <a:br>
+                <a:rPr lang="en-US" sz="2000" b="1" i="0" dirty="0">
+                  <a:solidFill>
+                    <a:srgbClr val="333333"/>
+                  </a:solidFill>
+                  <a:effectLst/>
+                  <a:latin typeface="myriad-pro"/>
+                </a:rPr>
+              </a:br>
+              <a:r>
+                <a:rPr lang="en-US" sz="2000" b="1" i="0" dirty="0">
+                  <a:solidFill>
+                    <a:srgbClr val="333333"/>
+                  </a:solidFill>
+                  <a:effectLst/>
+                  <a:latin typeface="myriad-pro"/>
+                </a:rPr>
+                <a:t>Adept</a:t>
+              </a:r>
+            </a:p>
+          </p:txBody>
+        </p:sp>
+        <p:sp>
+          <p:nvSpPr>
+            <p:cNvPr id="96" name="Rectangle: Rounded Corners 95">
+              <a:extLst>
+                <a:ext uri="{FF2B5EF4-FFF2-40B4-BE49-F238E27FC236}">
+                  <a16:creationId xmlns:a16="http://schemas.microsoft.com/office/drawing/2014/main" id="{F1EAB75D-40D9-4A31-ADA8-40ABF6C8EE1E}"/>
+                </a:ext>
+              </a:extLst>
+            </p:cNvPr>
+            <p:cNvSpPr/>
+            <p:nvPr/>
+          </p:nvSpPr>
+          <p:spPr>
+            <a:xfrm>
+              <a:off x="7850242" y="6969082"/>
+              <a:ext cx="3864686" cy="1592903"/>
+            </a:xfrm>
+            <a:prstGeom prst="roundRect">
+              <a:avLst/>
+            </a:prstGeom>
+            <a:solidFill>
+              <a:schemeClr val="accent1">
+                <a:lumMod val="20000"/>
+                <a:lumOff val="80000"/>
+              </a:schemeClr>
+            </a:solidFill>
+            <a:ln>
+              <a:noFill/>
+            </a:ln>
+          </p:spPr>
+          <p:style>
+            <a:lnRef idx="2">
+              <a:schemeClr val="accent1">
+                <a:shade val="50000"/>
+              </a:schemeClr>
+            </a:lnRef>
+            <a:fillRef idx="1">
+              <a:schemeClr val="accent1"/>
+            </a:fillRef>
+            <a:effectRef idx="0">
+              <a:schemeClr val="accent1"/>
+            </a:effectRef>
+            <a:fontRef idx="minor">
+              <a:schemeClr val="lt1"/>
+            </a:fontRef>
+          </p:style>
+          <p:txBody>
+            <a:bodyPr rtlCol="0" anchor="ctr"/>
+            <a:lstStyle/>
+            <a:p>
+              <a:pPr algn="ctr"/>
+              <a:endParaRPr lang="en-US"/>
+            </a:p>
+          </p:txBody>
+        </p:sp>
+        <p:sp>
+          <p:nvSpPr>
+            <p:cNvPr id="94" name="TextBox 93">
+              <a:extLst>
+                <a:ext uri="{FF2B5EF4-FFF2-40B4-BE49-F238E27FC236}">
+                  <a16:creationId xmlns:a16="http://schemas.microsoft.com/office/drawing/2014/main" id="{23ECC85E-DABF-48D9-A9CF-0B3688E4C164}"/>
+                </a:ext>
+              </a:extLst>
+            </p:cNvPr>
+            <p:cNvSpPr txBox="1"/>
+            <p:nvPr/>
+          </p:nvSpPr>
+          <p:spPr>
+            <a:xfrm>
+              <a:off x="2999510" y="7133099"/>
+              <a:ext cx="6192980" cy="400110"/>
+            </a:xfrm>
+            <a:prstGeom prst="rect">
+              <a:avLst/>
+            </a:prstGeom>
+            <a:noFill/>
+          </p:spPr>
+          <p:txBody>
+            <a:bodyPr wrap="square">
+              <a:spAutoFit/>
+            </a:bodyPr>
+            <a:lstStyle/>
+            <a:p>
+              <a:r>
+                <a:rPr lang="en-US" sz="2000" b="1" i="0" dirty="0">
+                  <a:solidFill>
+                    <a:srgbClr val="212529"/>
+                  </a:solidFill>
+                  <a:effectLst/>
+                  <a:latin typeface="-apple-system"/>
+                </a:rPr>
+                <a:t>TAPENADE</a:t>
+              </a:r>
+              <a:endParaRPr lang="en-US" sz="2000" dirty="0"/>
+            </a:p>
+          </p:txBody>
+        </p:sp>
+        <p:pic>
+          <p:nvPicPr>
+            <p:cNvPr id="2054" name="Picture 6" descr="upload.wikimedia.org/wikipedia/commons/9/96/Pyt...">
+              <a:extLst>
+                <a:ext uri="{FF2B5EF4-FFF2-40B4-BE49-F238E27FC236}">
+                  <a16:creationId xmlns:a16="http://schemas.microsoft.com/office/drawing/2014/main" id="{C3F98C8B-1640-49E1-87F3-80A3DFEC64F1}"/>
+                </a:ext>
+              </a:extLst>
+            </p:cNvPr>
+            <p:cNvPicPr>
+              <a:picLocks noChangeAspect="1" noChangeArrowheads="1"/>
+            </p:cNvPicPr>
+            <p:nvPr/>
+          </p:nvPicPr>
+          <p:blipFill>
+            <a:blip r:embed="rId3">
+              <a:extLst>
+                <a:ext uri="{28A0092B-C50C-407E-A947-70E740481C1C}">
+                  <a14:useLocalDpi xmlns:a14="http://schemas.microsoft.com/office/drawing/2010/main" val="0"/>
+                </a:ext>
+              </a:extLst>
+            </a:blip>
+            <a:srcRect/>
+            <a:stretch>
+              <a:fillRect/>
+            </a:stretch>
+          </p:blipFill>
+          <p:spPr bwMode="auto">
+            <a:xfrm>
+              <a:off x="5241368" y="7139695"/>
+              <a:ext cx="1708675" cy="341735"/>
+            </a:xfrm>
+            <a:prstGeom prst="rect">
+              <a:avLst/>
+            </a:prstGeom>
+            <a:noFill/>
+            <a:extLst>
+              <a:ext uri="{909E8E84-426E-40DD-AFC4-6F175D3DCCD1}">
+                <a14:hiddenFill xmlns:a14="http://schemas.microsoft.com/office/drawing/2010/main">
+                  <a:solidFill>
+                    <a:srgbClr val="FFFFFF"/>
+                  </a:solidFill>
+                </a14:hiddenFill>
+              </a:ext>
+            </a:extLst>
+          </p:spPr>
+        </p:pic>
+        <p:pic>
+          <p:nvPicPr>
+            <p:cNvPr id="2056" name="Picture 8" descr="SU2 | Multiphysics Simulation and Design Software">
+              <a:extLst>
+                <a:ext uri="{FF2B5EF4-FFF2-40B4-BE49-F238E27FC236}">
+                  <a16:creationId xmlns:a16="http://schemas.microsoft.com/office/drawing/2014/main" id="{27BD36D5-6E50-4948-9F3E-E9496B10F590}"/>
+                </a:ext>
+              </a:extLst>
+            </p:cNvPr>
+            <p:cNvPicPr>
+              <a:picLocks noChangeAspect="1" noChangeArrowheads="1"/>
+            </p:cNvPicPr>
+            <p:nvPr/>
+          </p:nvPicPr>
+          <p:blipFill>
+            <a:blip r:embed="rId4">
+              <a:extLst>
+                <a:ext uri="{28A0092B-C50C-407E-A947-70E740481C1C}">
+                  <a14:useLocalDpi xmlns:a14="http://schemas.microsoft.com/office/drawing/2010/main" val="0"/>
+                </a:ext>
+              </a:extLst>
+            </a:blip>
+            <a:srcRect/>
+            <a:stretch>
+              <a:fillRect/>
+            </a:stretch>
+          </p:blipFill>
+          <p:spPr bwMode="auto">
+            <a:xfrm>
+              <a:off x="10583051" y="7481430"/>
+              <a:ext cx="975431" cy="599361"/>
+            </a:xfrm>
+            <a:prstGeom prst="rect">
+              <a:avLst/>
+            </a:prstGeom>
+            <a:noFill/>
+            <a:extLst>
+              <a:ext uri="{909E8E84-426E-40DD-AFC4-6F175D3DCCD1}">
+                <a14:hiddenFill xmlns:a14="http://schemas.microsoft.com/office/drawing/2010/main">
+                  <a:solidFill>
+                    <a:srgbClr val="FFFFFF"/>
+                  </a:solidFill>
+                </a14:hiddenFill>
+              </a:ext>
+            </a:extLst>
+          </p:spPr>
+        </p:pic>
+        <p:pic>
+          <p:nvPicPr>
+            <p:cNvPr id="2058" name="Picture 10">
+              <a:extLst>
+                <a:ext uri="{FF2B5EF4-FFF2-40B4-BE49-F238E27FC236}">
+                  <a16:creationId xmlns:a16="http://schemas.microsoft.com/office/drawing/2014/main" id="{673A1C01-31D0-4707-B9EF-5C72C3603F20}"/>
+                </a:ext>
+              </a:extLst>
+            </p:cNvPr>
+            <p:cNvPicPr>
+              <a:picLocks noChangeAspect="1" noChangeArrowheads="1"/>
+            </p:cNvPicPr>
+            <p:nvPr/>
+          </p:nvPicPr>
+          <p:blipFill rotWithShape="1">
+            <a:blip r:embed="rId5">
+              <a:extLst>
+                <a:ext uri="{28A0092B-C50C-407E-A947-70E740481C1C}">
+                  <a14:useLocalDpi xmlns:a14="http://schemas.microsoft.com/office/drawing/2010/main" val="0"/>
+                </a:ext>
+              </a:extLst>
+            </a:blip>
+            <a:srcRect t="29225" b="31330"/>
+            <a:stretch/>
+          </p:blipFill>
+          <p:spPr bwMode="auto">
+            <a:xfrm>
+              <a:off x="8890352" y="6999771"/>
+              <a:ext cx="1774798" cy="700082"/>
+            </a:xfrm>
+            <a:prstGeom prst="rect">
+              <a:avLst/>
+            </a:prstGeom>
+            <a:noFill/>
+            <a:extLst>
+              <a:ext uri="{909E8E84-426E-40DD-AFC4-6F175D3DCCD1}">
+                <a14:hiddenFill xmlns:a14="http://schemas.microsoft.com/office/drawing/2010/main">
+                  <a:solidFill>
+                    <a:srgbClr val="FFFFFF"/>
+                  </a:solidFill>
+                </a14:hiddenFill>
+              </a:ext>
+            </a:extLst>
+          </p:spPr>
+        </p:pic>
+        <p:pic>
+          <p:nvPicPr>
+            <p:cNvPr id="2060" name="Picture 12" descr="dolfin-adjoint Project Banner">
+              <a:extLst>
+                <a:ext uri="{FF2B5EF4-FFF2-40B4-BE49-F238E27FC236}">
+                  <a16:creationId xmlns:a16="http://schemas.microsoft.com/office/drawing/2014/main" id="{CE87265D-74BB-48B0-BD76-F31AAB0EBE8E}"/>
+                </a:ext>
+              </a:extLst>
+            </p:cNvPr>
+            <p:cNvPicPr>
+              <a:picLocks noChangeAspect="1" noChangeArrowheads="1"/>
+            </p:cNvPicPr>
+            <p:nvPr/>
+          </p:nvPicPr>
+          <p:blipFill>
+            <a:blip r:embed="rId6">
+              <a:extLst>
+                <a:ext uri="{28A0092B-C50C-407E-A947-70E740481C1C}">
+                  <a14:useLocalDpi xmlns:a14="http://schemas.microsoft.com/office/drawing/2010/main" val="0"/>
+                </a:ext>
+              </a:extLst>
+            </a:blip>
+            <a:srcRect/>
+            <a:stretch>
+              <a:fillRect/>
+            </a:stretch>
+          </p:blipFill>
+          <p:spPr bwMode="auto">
+            <a:xfrm>
+              <a:off x="8900020" y="8002358"/>
+              <a:ext cx="3069771" cy="507060"/>
+            </a:xfrm>
+            <a:prstGeom prst="rect">
+              <a:avLst/>
+            </a:prstGeom>
+            <a:noFill/>
+            <a:extLst>
+              <a:ext uri="{909E8E84-426E-40DD-AFC4-6F175D3DCCD1}">
+                <a14:hiddenFill xmlns:a14="http://schemas.microsoft.com/office/drawing/2010/main">
+                  <a:solidFill>
+                    <a:srgbClr val="FFFFFF"/>
+                  </a:solidFill>
+                </a14:hiddenFill>
+              </a:ext>
+            </a:extLst>
+          </p:spPr>
+        </p:pic>
+        <p:pic>
+          <p:nvPicPr>
+            <p:cNvPr id="2064" name="Picture 16" descr="5 Important Changes Coming with TensorFlow 2.0 | by George Seif | Level Up  Coding">
+              <a:extLst>
+                <a:ext uri="{FF2B5EF4-FFF2-40B4-BE49-F238E27FC236}">
+                  <a16:creationId xmlns:a16="http://schemas.microsoft.com/office/drawing/2014/main" id="{ACFE8DDC-8C2F-44B0-A396-FF9BA59C87DF}"/>
+                </a:ext>
+              </a:extLst>
+            </p:cNvPr>
+            <p:cNvPicPr>
+              <a:picLocks noChangeAspect="1" noChangeArrowheads="1"/>
+            </p:cNvPicPr>
+            <p:nvPr/>
+          </p:nvPicPr>
+          <p:blipFill>
+            <a:blip r:embed="rId7">
+              <a:extLst>
+                <a:ext uri="{28A0092B-C50C-407E-A947-70E740481C1C}">
+                  <a14:useLocalDpi xmlns:a14="http://schemas.microsoft.com/office/drawing/2010/main" val="0"/>
+                </a:ext>
+              </a:extLst>
+            </a:blip>
+            <a:srcRect/>
+            <a:stretch>
+              <a:fillRect/>
+            </a:stretch>
+          </p:blipFill>
+          <p:spPr bwMode="auto">
+            <a:xfrm>
+              <a:off x="5416321" y="7539593"/>
+              <a:ext cx="744736" cy="796154"/>
+            </a:xfrm>
+            <a:prstGeom prst="rect">
+              <a:avLst/>
+            </a:prstGeom>
+            <a:noFill/>
+            <a:extLst>
+              <a:ext uri="{909E8E84-426E-40DD-AFC4-6F175D3DCCD1}">
+                <a14:hiddenFill xmlns:a14="http://schemas.microsoft.com/office/drawing/2010/main">
+                  <a:solidFill>
+                    <a:srgbClr val="FFFFFF"/>
+                  </a:solidFill>
+                </a14:hiddenFill>
+              </a:ext>
+            </a:extLst>
+          </p:spPr>
+        </p:pic>
+      </p:grpSp>
+      <p:pic>
+        <p:nvPicPr>
+          <p:cNvPr id="2066" name="Picture 18" descr="ADCME logo">
+            <a:extLst>
+              <a:ext uri="{FF2B5EF4-FFF2-40B4-BE49-F238E27FC236}">
+                <a16:creationId xmlns:a16="http://schemas.microsoft.com/office/drawing/2014/main" id="{37742686-EF70-444A-8A1B-20EAC29BA06B}"/>
+              </a:ext>
+            </a:extLst>
+          </p:cNvPr>
+          <p:cNvPicPr>
+            <a:picLocks noChangeAspect="1" noChangeArrowheads="1"/>
+          </p:cNvPicPr>
+          <p:nvPr/>
+        </p:nvPicPr>
+        <p:blipFill>
+          <a:blip r:embed="rId8">
+            <a:extLst>
+              <a:ext uri="{28A0092B-C50C-407E-A947-70E740481C1C}">
+                <a14:useLocalDpi xmlns:a14="http://schemas.microsoft.com/office/drawing/2010/main" val="0"/>
+              </a:ext>
+            </a:extLst>
+          </a:blip>
+          <a:srcRect/>
+          <a:stretch>
+            <a:fillRect/>
+          </a:stretch>
+        </p:blipFill>
+        <p:spPr bwMode="auto">
+          <a:xfrm>
+            <a:off x="6672109" y="6360403"/>
+            <a:ext cx="2008309" cy="1844275"/>
+          </a:xfrm>
+          <a:prstGeom prst="rect">
+            <a:avLst/>
+          </a:prstGeom>
+          <a:noFill/>
+          <a:extLst>
+            <a:ext uri="{909E8E84-426E-40DD-AFC4-6F175D3DCCD1}">
+              <a14:hiddenFill xmlns:a14="http://schemas.microsoft.com/office/drawing/2010/main">
+                <a:solidFill>
+                  <a:srgbClr val="FFFFFF"/>
+                </a:solidFill>
+              </a14:hiddenFill>
+            </a:ext>
+          </a:extLst>
+        </p:spPr>
+      </p:pic>
+    </p:spTree>
+    <p:extLst>
+      <p:ext uri="{BB962C8B-B14F-4D97-AF65-F5344CB8AC3E}">
+        <p14:creationId xmlns:p14="http://schemas.microsoft.com/office/powerpoint/2010/main" val="2661055552"/>
+      </p:ext>
+    </p:extLst>
+  </p:cSld>
+  <p:clrMapOvr>
+    <a:masterClrMapping/>
+  </p:clrMapOvr>
+</p:sld>
+</file>
+
+<file path=ppt/slides/slide14.xml><?xml version="1.0" encoding="utf-8"?>
+<p:sld xmlns:a="http://schemas.openxmlformats.org/drawingml/2006/main" xmlns:r="http://schemas.openxmlformats.org/officeDocument/2006/relationships" xmlns:p="http://schemas.openxmlformats.org/presentationml/2006/main">
+  <p:cSld>
+    <p:spTree>
+      <p:nvGrpSpPr>
+        <p:cNvPr id="1" name=""/>
+        <p:cNvGrpSpPr/>
+        <p:nvPr/>
+      </p:nvGrpSpPr>
+      <p:grpSpPr>
+        <a:xfrm>
+          <a:off x="0" y="0"/>
+          <a:ext cx="0" cy="0"/>
+          <a:chOff x="0" y="0"/>
+          <a:chExt cx="0" cy="0"/>
+        </a:xfrm>
+      </p:grpSpPr>
+    </p:spTree>
+    <p:extLst>
+      <p:ext uri="{BB962C8B-B14F-4D97-AF65-F5344CB8AC3E}">
+        <p14:creationId xmlns:p14="http://schemas.microsoft.com/office/powerpoint/2010/main" val="1648307288"/>
       </p:ext>
     </p:extLst>
   </p:cSld>
@@ -27792,6 +30579,301 @@
 </a:theme>
 </file>
 
+<file path=ppt/theme/theme2.xml><?xml version="1.0" encoding="utf-8"?>
+<a:theme xmlns:a="http://schemas.openxmlformats.org/drawingml/2006/main" name="Office Theme">
+  <a:themeElements>
+    <a:clrScheme name="Office">
+      <a:dk1>
+        <a:sysClr val="windowText" lastClr="000000"/>
+      </a:dk1>
+      <a:lt1>
+        <a:sysClr val="window" lastClr="FFFFFF"/>
+      </a:lt1>
+      <a:dk2>
+        <a:srgbClr val="44546A"/>
+      </a:dk2>
+      <a:lt2>
+        <a:srgbClr val="E7E6E6"/>
+      </a:lt2>
+      <a:accent1>
+        <a:srgbClr val="4472C4"/>
+      </a:accent1>
+      <a:accent2>
+        <a:srgbClr val="ED7D31"/>
+      </a:accent2>
+      <a:accent3>
+        <a:srgbClr val="A5A5A5"/>
+      </a:accent3>
+      <a:accent4>
+        <a:srgbClr val="FFC000"/>
+      </a:accent4>
+      <a:accent5>
+        <a:srgbClr val="5B9BD5"/>
+      </a:accent5>
+      <a:accent6>
+        <a:srgbClr val="70AD47"/>
+      </a:accent6>
+      <a:hlink>
+        <a:srgbClr val="0563C1"/>
+      </a:hlink>
+      <a:folHlink>
+        <a:srgbClr val="954F72"/>
+      </a:folHlink>
+    </a:clrScheme>
+    <a:fontScheme name="Office">
+      <a:majorFont>
+        <a:latin typeface="Calibri Light" panose="020F0302020204030204"/>
+        <a:ea typeface=""/>
+        <a:cs typeface=""/>
+        <a:font script="Jpan" typeface="游ゴシック Light"/>
+        <a:font script="Hang" typeface="맑은 고딕"/>
+        <a:font script="Hans" typeface="等线 Light"/>
+        <a:font script="Hant" typeface="新細明體"/>
+        <a:font script="Arab" typeface="Times New Roman"/>
+        <a:font script="Hebr" typeface="Times New Roman"/>
+        <a:font script="Thai" typeface="Angsana New"/>
+        <a:font script="Ethi" typeface="Nyala"/>
+        <a:font script="Beng" typeface="Vrinda"/>
+        <a:font script="Gujr" typeface="Shruti"/>
+        <a:font script="Khmr" typeface="MoolBoran"/>
+        <a:font script="Knda" typeface="Tunga"/>
+        <a:font script="Guru" typeface="Raavi"/>
+        <a:font script="Cans" typeface="Euphemia"/>
+        <a:font script="Cher" typeface="Plantagenet Cherokee"/>
+        <a:font script="Yiii" typeface="Microsoft Yi Baiti"/>
+        <a:font script="Tibt" typeface="Microsoft Himalaya"/>
+        <a:font script="Thaa" typeface="MV Boli"/>
+        <a:font script="Deva" typeface="Mangal"/>
+        <a:font script="Telu" typeface="Gautami"/>
+        <a:font script="Taml" typeface="Latha"/>
+        <a:font script="Syrc" typeface="Estrangelo Edessa"/>
+        <a:font script="Orya" typeface="Kalinga"/>
+        <a:font script="Mlym" typeface="Kartika"/>
+        <a:font script="Laoo" typeface="DokChampa"/>
+        <a:font script="Sinh" typeface="Iskoola Pota"/>
+        <a:font script="Mong" typeface="Mongolian Baiti"/>
+        <a:font script="Viet" typeface="Times New Roman"/>
+        <a:font script="Uigh" typeface="Microsoft Uighur"/>
+        <a:font script="Geor" typeface="Sylfaen"/>
+        <a:font script="Armn" typeface="Arial"/>
+        <a:font script="Bugi" typeface="Leelawadee UI"/>
+        <a:font script="Bopo" typeface="Microsoft JhengHei"/>
+        <a:font script="Java" typeface="Javanese Text"/>
+        <a:font script="Lisu" typeface="Segoe UI"/>
+        <a:font script="Mymr" typeface="Myanmar Text"/>
+        <a:font script="Nkoo" typeface="Ebrima"/>
+        <a:font script="Olck" typeface="Nirmala UI"/>
+        <a:font script="Osma" typeface="Ebrima"/>
+        <a:font script="Phag" typeface="Phagspa"/>
+        <a:font script="Syrn" typeface="Estrangelo Edessa"/>
+        <a:font script="Syrj" typeface="Estrangelo Edessa"/>
+        <a:font script="Syre" typeface="Estrangelo Edessa"/>
+        <a:font script="Sora" typeface="Nirmala UI"/>
+        <a:font script="Tale" typeface="Microsoft Tai Le"/>
+        <a:font script="Talu" typeface="Microsoft New Tai Lue"/>
+        <a:font script="Tfng" typeface="Ebrima"/>
+      </a:majorFont>
+      <a:minorFont>
+        <a:latin typeface="Calibri" panose="020F0502020204030204"/>
+        <a:ea typeface=""/>
+        <a:cs typeface=""/>
+        <a:font script="Jpan" typeface="游ゴシック"/>
+        <a:font script="Hang" typeface="맑은 고딕"/>
+        <a:font script="Hans" typeface="等线"/>
+        <a:font script="Hant" typeface="新細明體"/>
+        <a:font script="Arab" typeface="Arial"/>
+        <a:font script="Hebr" typeface="Arial"/>
+        <a:font script="Thai" typeface="Cordia New"/>
+        <a:font script="Ethi" typeface="Nyala"/>
+        <a:font script="Beng" typeface="Vrinda"/>
+        <a:font script="Gujr" typeface="Shruti"/>
+        <a:font script="Khmr" typeface="DaunPenh"/>
+        <a:font script="Knda" typeface="Tunga"/>
+        <a:font script="Guru" typeface="Raavi"/>
+        <a:font script="Cans" typeface="Euphemia"/>
+        <a:font script="Cher" typeface="Plantagenet Cherokee"/>
+        <a:font script="Yiii" typeface="Microsoft Yi Baiti"/>
+        <a:font script="Tibt" typeface="Microsoft Himalaya"/>
+        <a:font script="Thaa" typeface="MV Boli"/>
+        <a:font script="Deva" typeface="Mangal"/>
+        <a:font script="Telu" typeface="Gautami"/>
+        <a:font script="Taml" typeface="Latha"/>
+        <a:font script="Syrc" typeface="Estrangelo Edessa"/>
+        <a:font script="Orya" typeface="Kalinga"/>
+        <a:font script="Mlym" typeface="Kartika"/>
+        <a:font script="Laoo" typeface="DokChampa"/>
+        <a:font script="Sinh" typeface="Iskoola Pota"/>
+        <a:font script="Mong" typeface="Mongolian Baiti"/>
+        <a:font script="Viet" typeface="Arial"/>
+        <a:font script="Uigh" typeface="Microsoft Uighur"/>
+        <a:font script="Geor" typeface="Sylfaen"/>
+        <a:font script="Armn" typeface="Arial"/>
+        <a:font script="Bugi" typeface="Leelawadee UI"/>
+        <a:font script="Bopo" typeface="Microsoft JhengHei"/>
+        <a:font script="Java" typeface="Javanese Text"/>
+        <a:font script="Lisu" typeface="Segoe UI"/>
+        <a:font script="Mymr" typeface="Myanmar Text"/>
+        <a:font script="Nkoo" typeface="Ebrima"/>
+        <a:font script="Olck" typeface="Nirmala UI"/>
+        <a:font script="Osma" typeface="Ebrima"/>
+        <a:font script="Phag" typeface="Phagspa"/>
+        <a:font script="Syrn" typeface="Estrangelo Edessa"/>
+        <a:font script="Syrj" typeface="Estrangelo Edessa"/>
+        <a:font script="Syre" typeface="Estrangelo Edessa"/>
+        <a:font script="Sora" typeface="Nirmala UI"/>
+        <a:font script="Tale" typeface="Microsoft Tai Le"/>
+        <a:font script="Talu" typeface="Microsoft New Tai Lue"/>
+        <a:font script="Tfng" typeface="Ebrima"/>
+      </a:minorFont>
+    </a:fontScheme>
+    <a:fmtScheme name="Office">
+      <a:fillStyleLst>
+        <a:solidFill>
+          <a:schemeClr val="phClr"/>
+        </a:solidFill>
+        <a:gradFill rotWithShape="1">
+          <a:gsLst>
+            <a:gs pos="0">
+              <a:schemeClr val="phClr">
+                <a:lumMod val="110000"/>
+                <a:satMod val="105000"/>
+                <a:tint val="67000"/>
+              </a:schemeClr>
+            </a:gs>
+            <a:gs pos="50000">
+              <a:schemeClr val="phClr">
+                <a:lumMod val="105000"/>
+                <a:satMod val="103000"/>
+                <a:tint val="73000"/>
+              </a:schemeClr>
+            </a:gs>
+            <a:gs pos="100000">
+              <a:schemeClr val="phClr">
+                <a:lumMod val="105000"/>
+                <a:satMod val="109000"/>
+                <a:tint val="81000"/>
+              </a:schemeClr>
+            </a:gs>
+          </a:gsLst>
+          <a:lin ang="5400000" scaled="0"/>
+        </a:gradFill>
+        <a:gradFill rotWithShape="1">
+          <a:gsLst>
+            <a:gs pos="0">
+              <a:schemeClr val="phClr">
+                <a:satMod val="103000"/>
+                <a:lumMod val="102000"/>
+                <a:tint val="94000"/>
+              </a:schemeClr>
+            </a:gs>
+            <a:gs pos="50000">
+              <a:schemeClr val="phClr">
+                <a:satMod val="110000"/>
+                <a:lumMod val="100000"/>
+                <a:shade val="100000"/>
+              </a:schemeClr>
+            </a:gs>
+            <a:gs pos="100000">
+              <a:schemeClr val="phClr">
+                <a:lumMod val="99000"/>
+                <a:satMod val="120000"/>
+                <a:shade val="78000"/>
+              </a:schemeClr>
+            </a:gs>
+          </a:gsLst>
+          <a:lin ang="5400000" scaled="0"/>
+        </a:gradFill>
+      </a:fillStyleLst>
+      <a:lnStyleLst>
+        <a:ln w="6350" cap="flat" cmpd="sng" algn="ctr">
+          <a:solidFill>
+            <a:schemeClr val="phClr"/>
+          </a:solidFill>
+          <a:prstDash val="solid"/>
+          <a:miter lim="800000"/>
+        </a:ln>
+        <a:ln w="12700" cap="flat" cmpd="sng" algn="ctr">
+          <a:solidFill>
+            <a:schemeClr val="phClr"/>
+          </a:solidFill>
+          <a:prstDash val="solid"/>
+          <a:miter lim="800000"/>
+        </a:ln>
+        <a:ln w="19050" cap="flat" cmpd="sng" algn="ctr">
+          <a:solidFill>
+            <a:schemeClr val="phClr"/>
+          </a:solidFill>
+          <a:prstDash val="solid"/>
+          <a:miter lim="800000"/>
+        </a:ln>
+      </a:lnStyleLst>
+      <a:effectStyleLst>
+        <a:effectStyle>
+          <a:effectLst/>
+        </a:effectStyle>
+        <a:effectStyle>
+          <a:effectLst/>
+        </a:effectStyle>
+        <a:effectStyle>
+          <a:effectLst>
+            <a:outerShdw blurRad="57150" dist="19050" dir="5400000" algn="ctr" rotWithShape="0">
+              <a:srgbClr val="000000">
+                <a:alpha val="63000"/>
+              </a:srgbClr>
+            </a:outerShdw>
+          </a:effectLst>
+        </a:effectStyle>
+      </a:effectStyleLst>
+      <a:bgFillStyleLst>
+        <a:solidFill>
+          <a:schemeClr val="phClr"/>
+        </a:solidFill>
+        <a:solidFill>
+          <a:schemeClr val="phClr">
+            <a:tint val="95000"/>
+            <a:satMod val="170000"/>
+          </a:schemeClr>
+        </a:solidFill>
+        <a:gradFill rotWithShape="1">
+          <a:gsLst>
+            <a:gs pos="0">
+              <a:schemeClr val="phClr">
+                <a:tint val="93000"/>
+                <a:satMod val="150000"/>
+                <a:shade val="98000"/>
+                <a:lumMod val="102000"/>
+              </a:schemeClr>
+            </a:gs>
+            <a:gs pos="50000">
+              <a:schemeClr val="phClr">
+                <a:tint val="98000"/>
+                <a:satMod val="130000"/>
+                <a:shade val="90000"/>
+                <a:lumMod val="103000"/>
+              </a:schemeClr>
+            </a:gs>
+            <a:gs pos="100000">
+              <a:schemeClr val="phClr">
+                <a:shade val="63000"/>
+                <a:satMod val="120000"/>
+              </a:schemeClr>
+            </a:gs>
+          </a:gsLst>
+          <a:lin ang="5400000" scaled="0"/>
+        </a:gradFill>
+      </a:bgFillStyleLst>
+    </a:fmtScheme>
+  </a:themeElements>
+  <a:objectDefaults/>
+  <a:extraClrSchemeLst/>
+  <a:extLst>
+    <a:ext uri="{05A4C25C-085E-4340-85A3-A5531E510DB2}">
+      <thm15:themeFamily xmlns:thm15="http://schemas.microsoft.com/office/thememl/2012/main" name="Office Theme" id="{62F939B6-93AF-4DB8-9C6B-D6C7DFDC589F}" vid="{4A3C46E8-61CC-4603-A589-7422A47A8E4A}"/>
+    </a:ext>
+  </a:extLst>
+</a:theme>
+</file>
+
 <file path=customXml/item1.xml><?xml version="1.0" encoding="utf-8"?>
 <Control xmlns="http://schemas.microsoft.com/VisualStudio/2011/storyboarding/control">
   <Id Name="System.Storyboarding.Icons.Envelope" Revision="1" Stencil="System.Storyboarding.Icons" StencilVersion="0.1"/>
@@ -27800,13 +30882,13 @@
 
 <file path=customXml/item2.xml><?xml version="1.0" encoding="utf-8"?>
 <Control xmlns="http://schemas.microsoft.com/VisualStudio/2011/storyboarding/control">
-  <Id Name="System.Storyboarding.Icons.Envelope" Revision="1" Stencil="System.Storyboarding.Icons" StencilVersion="0.1"/>
+  <Id Name="System.Storyboarding.Common.MouseClick" Revision="1" Stencil="System.Storyboarding.Common" StencilVersion="0.1"/>
 </Control>
 </file>
 
 <file path=customXml/item3.xml><?xml version="1.0" encoding="utf-8"?>
 <Control xmlns="http://schemas.microsoft.com/VisualStudio/2011/storyboarding/control">
-  <Id Name="System.Storyboarding.Common.MouseClick" Revision="1" Stencil="System.Storyboarding.Common" StencilVersion="0.1"/>
+  <Id Name="System.Storyboarding.Icons.Envelope" Revision="1" Stencil="System.Storyboarding.Icons" StencilVersion="0.1"/>
 </Control>
 </file>
 
@@ -27819,7 +30901,7 @@
 </file>
 
 <file path=customXml/itemProps2.xml><?xml version="1.0" encoding="utf-8"?>
-<ds:datastoreItem xmlns:ds="http://schemas.openxmlformats.org/officeDocument/2006/customXml" ds:itemID="{295B25FF-A8DF-4FB1-936B-2CC5B13212C9}">
+<ds:datastoreItem xmlns:ds="http://schemas.openxmlformats.org/officeDocument/2006/customXml" ds:itemID="{CDE74C96-E3A6-41DA-927B-67031D210E8E}">
   <ds:schemaRefs>
     <ds:schemaRef ds:uri="http://schemas.microsoft.com/VisualStudio/2011/storyboarding/control"/>
   </ds:schemaRefs>
@@ -27827,7 +30909,7 @@
 </file>
 
 <file path=customXml/itemProps3.xml><?xml version="1.0" encoding="utf-8"?>
-<ds:datastoreItem xmlns:ds="http://schemas.openxmlformats.org/officeDocument/2006/customXml" ds:itemID="{CDE74C96-E3A6-41DA-927B-67031D210E8E}">
+<ds:datastoreItem xmlns:ds="http://schemas.openxmlformats.org/officeDocument/2006/customXml" ds:itemID="{295B25FF-A8DF-4FB1-936B-2CC5B13212C9}">
   <ds:schemaRefs>
     <ds:schemaRef ds:uri="http://schemas.microsoft.com/VisualStudio/2011/storyboarding/control"/>
   </ds:schemaRefs>

--- a/Slides/figures.pptx
+++ b/Slides/figures.pptx
@@ -5,7 +5,7 @@
     <p:sldMasterId id="2147483660" r:id="rId4"/>
   </p:sldMasterIdLst>
   <p:notesMasterIdLst>
-    <p:notesMasterId r:id="rId20"/>
+    <p:notesMasterId r:id="rId21"/>
   </p:notesMasterIdLst>
   <p:sldIdLst>
     <p:sldId id="256" r:id="rId5"/>
@@ -23,6 +23,7 @@
     <p:sldId id="268" r:id="rId17"/>
     <p:sldId id="270" r:id="rId18"/>
     <p:sldId id="271" r:id="rId19"/>
+    <p:sldId id="272" r:id="rId20"/>
   </p:sldIdLst>
   <p:sldSz cx="12192000" cy="8961438"/>
   <p:notesSz cx="6858000" cy="9144000"/>
@@ -211,7 +212,7 @@
           <a:p>
             <a:fld id="{461AEF44-E510-4251-A5BC-36EBF3245816}" type="datetimeFigureOut">
               <a:rPr lang="en-US" smtClean="0"/>
-              <a:t>9/22/2020</a:t>
+              <a:t>9/30/2020</a:t>
             </a:fld>
             <a:endParaRPr lang="en-US"/>
           </a:p>
@@ -693,7 +694,7 @@
           <a:p>
             <a:fld id="{61C71226-6BCE-43B6-9B8C-D352B0229DA2}" type="datetimeFigureOut">
               <a:rPr lang="en-US" smtClean="0"/>
-              <a:t>9/22/2020</a:t>
+              <a:t>9/30/2020</a:t>
             </a:fld>
             <a:endParaRPr lang="en-US"/>
           </a:p>
@@ -863,7 +864,7 @@
           <a:p>
             <a:fld id="{61C71226-6BCE-43B6-9B8C-D352B0229DA2}" type="datetimeFigureOut">
               <a:rPr lang="en-US" smtClean="0"/>
-              <a:t>9/22/2020</a:t>
+              <a:t>9/30/2020</a:t>
             </a:fld>
             <a:endParaRPr lang="en-US"/>
           </a:p>
@@ -1043,7 +1044,7 @@
           <a:p>
             <a:fld id="{61C71226-6BCE-43B6-9B8C-D352B0229DA2}" type="datetimeFigureOut">
               <a:rPr lang="en-US" smtClean="0"/>
-              <a:t>9/22/2020</a:t>
+              <a:t>9/30/2020</a:t>
             </a:fld>
             <a:endParaRPr lang="en-US"/>
           </a:p>
@@ -1213,7 +1214,7 @@
           <a:p>
             <a:fld id="{61C71226-6BCE-43B6-9B8C-D352B0229DA2}" type="datetimeFigureOut">
               <a:rPr lang="en-US" smtClean="0"/>
-              <a:t>9/22/2020</a:t>
+              <a:t>9/30/2020</a:t>
             </a:fld>
             <a:endParaRPr lang="en-US"/>
           </a:p>
@@ -1457,7 +1458,7 @@
           <a:p>
             <a:fld id="{61C71226-6BCE-43B6-9B8C-D352B0229DA2}" type="datetimeFigureOut">
               <a:rPr lang="en-US" smtClean="0"/>
-              <a:t>9/22/2020</a:t>
+              <a:t>9/30/2020</a:t>
             </a:fld>
             <a:endParaRPr lang="en-US"/>
           </a:p>
@@ -1689,7 +1690,7 @@
           <a:p>
             <a:fld id="{61C71226-6BCE-43B6-9B8C-D352B0229DA2}" type="datetimeFigureOut">
               <a:rPr lang="en-US" smtClean="0"/>
-              <a:t>9/22/2020</a:t>
+              <a:t>9/30/2020</a:t>
             </a:fld>
             <a:endParaRPr lang="en-US"/>
           </a:p>
@@ -2056,7 +2057,7 @@
           <a:p>
             <a:fld id="{61C71226-6BCE-43B6-9B8C-D352B0229DA2}" type="datetimeFigureOut">
               <a:rPr lang="en-US" smtClean="0"/>
-              <a:t>9/22/2020</a:t>
+              <a:t>9/30/2020</a:t>
             </a:fld>
             <a:endParaRPr lang="en-US"/>
           </a:p>
@@ -2174,7 +2175,7 @@
           <a:p>
             <a:fld id="{61C71226-6BCE-43B6-9B8C-D352B0229DA2}" type="datetimeFigureOut">
               <a:rPr lang="en-US" smtClean="0"/>
-              <a:t>9/22/2020</a:t>
+              <a:t>9/30/2020</a:t>
             </a:fld>
             <a:endParaRPr lang="en-US"/>
           </a:p>
@@ -2269,7 +2270,7 @@
           <a:p>
             <a:fld id="{61C71226-6BCE-43B6-9B8C-D352B0229DA2}" type="datetimeFigureOut">
               <a:rPr lang="en-US" smtClean="0"/>
-              <a:t>9/22/2020</a:t>
+              <a:t>9/30/2020</a:t>
             </a:fld>
             <a:endParaRPr lang="en-US"/>
           </a:p>
@@ -2546,7 +2547,7 @@
           <a:p>
             <a:fld id="{61C71226-6BCE-43B6-9B8C-D352B0229DA2}" type="datetimeFigureOut">
               <a:rPr lang="en-US" smtClean="0"/>
-              <a:t>9/22/2020</a:t>
+              <a:t>9/30/2020</a:t>
             </a:fld>
             <a:endParaRPr lang="en-US"/>
           </a:p>
@@ -2803,7 +2804,7 @@
           <a:p>
             <a:fld id="{61C71226-6BCE-43B6-9B8C-D352B0229DA2}" type="datetimeFigureOut">
               <a:rPr lang="en-US" smtClean="0"/>
-              <a:t>9/22/2020</a:t>
+              <a:t>9/30/2020</a:t>
             </a:fld>
             <a:endParaRPr lang="en-US"/>
           </a:p>
@@ -3016,7 +3017,7 @@
           <a:p>
             <a:fld id="{61C71226-6BCE-43B6-9B8C-D352B0229DA2}" type="datetimeFigureOut">
               <a:rPr lang="en-US" smtClean="0"/>
-              <a:t>9/22/2020</a:t>
+              <a:t>9/30/2020</a:t>
             </a:fld>
             <a:endParaRPr lang="en-US"/>
           </a:p>
@@ -5211,7 +5212,7 @@
           <a:graphicData uri="http://schemas.openxmlformats.org/presentationml/2006/ole">
             <mc:AlternateContent xmlns:mc="http://schemas.openxmlformats.org/markup-compatibility/2006">
               <mc:Choice xmlns:v="urn:schemas-microsoft-com:vml" Requires="v">
-                <p:oleObj spid="_x0000_s1041" name="Equation" r:id="rId4" imgW="914400" imgH="198720" progId="Equation.DSMT4">
+                <p:oleObj spid="_x0000_s1042" name="Equation" r:id="rId4" imgW="914400" imgH="198720" progId="Equation.DSMT4">
                   <p:embed/>
                 </p:oleObj>
               </mc:Choice>
@@ -14170,6 +14171,727 @@
     <p:extLst>
       <p:ext uri="{BB962C8B-B14F-4D97-AF65-F5344CB8AC3E}">
         <p14:creationId xmlns:p14="http://schemas.microsoft.com/office/powerpoint/2010/main" val="1382173294"/>
+      </p:ext>
+    </p:extLst>
+  </p:cSld>
+  <p:clrMapOvr>
+    <a:masterClrMapping/>
+  </p:clrMapOvr>
+</p:sld>
+</file>
+
+<file path=ppt/slides/slide16.xml><?xml version="1.0" encoding="utf-8"?>
+<p:sld xmlns:a="http://schemas.openxmlformats.org/drawingml/2006/main" xmlns:r="http://schemas.openxmlformats.org/officeDocument/2006/relationships" xmlns:p="http://schemas.openxmlformats.org/presentationml/2006/main">
+  <p:cSld>
+    <p:spTree>
+      <p:nvGrpSpPr>
+        <p:cNvPr id="1" name=""/>
+        <p:cNvGrpSpPr/>
+        <p:nvPr/>
+      </p:nvGrpSpPr>
+      <p:grpSpPr>
+        <a:xfrm>
+          <a:off x="0" y="0"/>
+          <a:ext cx="0" cy="0"/>
+          <a:chOff x="0" y="0"/>
+          <a:chExt cx="0" cy="0"/>
+        </a:xfrm>
+      </p:grpSpPr>
+      <p:sp>
+        <p:nvSpPr>
+          <p:cNvPr id="2" name="Rectangle: Rounded Corners 1">
+            <a:extLst>
+              <a:ext uri="{FF2B5EF4-FFF2-40B4-BE49-F238E27FC236}">
+                <a16:creationId xmlns:a16="http://schemas.microsoft.com/office/drawing/2014/main" id="{2B46095A-B714-4D95-8CCA-5D5ACB6DA57E}"/>
+              </a:ext>
+            </a:extLst>
+          </p:cNvPr>
+          <p:cNvSpPr/>
+          <p:nvPr/>
+        </p:nvSpPr>
+        <p:spPr>
+          <a:xfrm>
+            <a:off x="1990725" y="3023235"/>
+            <a:ext cx="2354580" cy="628650"/>
+          </a:xfrm>
+          <a:prstGeom prst="roundRect">
+            <a:avLst/>
+          </a:prstGeom>
+        </p:spPr>
+        <p:style>
+          <a:lnRef idx="2">
+            <a:schemeClr val="dk1"/>
+          </a:lnRef>
+          <a:fillRef idx="1">
+            <a:schemeClr val="lt1"/>
+          </a:fillRef>
+          <a:effectRef idx="0">
+            <a:schemeClr val="dk1"/>
+          </a:effectRef>
+          <a:fontRef idx="minor">
+            <a:schemeClr val="dk1"/>
+          </a:fontRef>
+        </p:style>
+        <p:txBody>
+          <a:bodyPr rtlCol="0" anchor="ctr"/>
+          <a:lstStyle/>
+          <a:p>
+            <a:pPr algn="ctr"/>
+            <a:r>
+              <a:rPr lang="en-US" dirty="0"/>
+              <a:t>Deep Neural Network</a:t>
+            </a:r>
+          </a:p>
+        </p:txBody>
+      </p:sp>
+      <p:sp>
+        <p:nvSpPr>
+          <p:cNvPr id="4" name="Rectangle: Rounded Corners 3">
+            <a:extLst>
+              <a:ext uri="{FF2B5EF4-FFF2-40B4-BE49-F238E27FC236}">
+                <a16:creationId xmlns:a16="http://schemas.microsoft.com/office/drawing/2014/main" id="{9C7D80B6-6DFE-48D9-B266-46776D822D98}"/>
+              </a:ext>
+            </a:extLst>
+          </p:cNvPr>
+          <p:cNvSpPr/>
+          <p:nvPr/>
+        </p:nvSpPr>
+        <p:spPr>
+          <a:xfrm>
+            <a:off x="4918710" y="3028950"/>
+            <a:ext cx="2354580" cy="628650"/>
+          </a:xfrm>
+          <a:prstGeom prst="roundRect">
+            <a:avLst/>
+          </a:prstGeom>
+        </p:spPr>
+        <p:style>
+          <a:lnRef idx="2">
+            <a:schemeClr val="dk1"/>
+          </a:lnRef>
+          <a:fillRef idx="1">
+            <a:schemeClr val="lt1"/>
+          </a:fillRef>
+          <a:effectRef idx="0">
+            <a:schemeClr val="dk1"/>
+          </a:effectRef>
+          <a:fontRef idx="minor">
+            <a:schemeClr val="dk1"/>
+          </a:fontRef>
+        </p:style>
+        <p:txBody>
+          <a:bodyPr rtlCol="0" anchor="ctr"/>
+          <a:lstStyle/>
+          <a:p>
+            <a:pPr algn="ctr"/>
+            <a:r>
+              <a:rPr lang="en-US" dirty="0"/>
+              <a:t>PDE Solver</a:t>
+            </a:r>
+          </a:p>
+        </p:txBody>
+      </p:sp>
+      <p:sp>
+        <p:nvSpPr>
+          <p:cNvPr id="7" name="Rectangle: Rounded Corners 6">
+            <a:extLst>
+              <a:ext uri="{FF2B5EF4-FFF2-40B4-BE49-F238E27FC236}">
+                <a16:creationId xmlns:a16="http://schemas.microsoft.com/office/drawing/2014/main" id="{CCDC5180-1F7E-4969-9A00-B92D7328EDA7}"/>
+              </a:ext>
+            </a:extLst>
+          </p:cNvPr>
+          <p:cNvSpPr/>
+          <p:nvPr/>
+        </p:nvSpPr>
+        <p:spPr>
+          <a:xfrm>
+            <a:off x="7846695" y="3023235"/>
+            <a:ext cx="2354580" cy="628650"/>
+          </a:xfrm>
+          <a:prstGeom prst="roundRect">
+            <a:avLst/>
+          </a:prstGeom>
+        </p:spPr>
+        <p:style>
+          <a:lnRef idx="2">
+            <a:schemeClr val="dk1"/>
+          </a:lnRef>
+          <a:fillRef idx="1">
+            <a:schemeClr val="lt1"/>
+          </a:fillRef>
+          <a:effectRef idx="0">
+            <a:schemeClr val="dk1"/>
+          </a:effectRef>
+          <a:fontRef idx="minor">
+            <a:schemeClr val="dk1"/>
+          </a:fontRef>
+        </p:style>
+        <p:txBody>
+          <a:bodyPr rtlCol="0" anchor="ctr"/>
+          <a:lstStyle/>
+          <a:p>
+            <a:pPr algn="ctr"/>
+            <a:r>
+              <a:rPr lang="en-US" dirty="0"/>
+              <a:t>Observation</a:t>
+            </a:r>
+          </a:p>
+        </p:txBody>
+      </p:sp>
+      <p:cxnSp>
+        <p:nvCxnSpPr>
+          <p:cNvPr id="11" name="Straight Arrow Connector 10">
+            <a:extLst>
+              <a:ext uri="{FF2B5EF4-FFF2-40B4-BE49-F238E27FC236}">
+                <a16:creationId xmlns:a16="http://schemas.microsoft.com/office/drawing/2014/main" id="{63573E0E-952D-4402-ACE7-F4BA537B41DE}"/>
+              </a:ext>
+            </a:extLst>
+          </p:cNvPr>
+          <p:cNvCxnSpPr>
+            <a:cxnSpLocks/>
+          </p:cNvCxnSpPr>
+          <p:nvPr/>
+        </p:nvCxnSpPr>
+        <p:spPr>
+          <a:xfrm>
+            <a:off x="4345305" y="3451860"/>
+            <a:ext cx="573405" cy="5715"/>
+          </a:xfrm>
+          <a:prstGeom prst="straightConnector1">
+            <a:avLst/>
+          </a:prstGeom>
+          <a:ln w="57150">
+            <a:solidFill>
+              <a:schemeClr val="tx1"/>
+            </a:solidFill>
+            <a:tailEnd type="triangle"/>
+          </a:ln>
+        </p:spPr>
+        <p:style>
+          <a:lnRef idx="1">
+            <a:schemeClr val="accent1"/>
+          </a:lnRef>
+          <a:fillRef idx="0">
+            <a:schemeClr val="accent1"/>
+          </a:fillRef>
+          <a:effectRef idx="0">
+            <a:schemeClr val="accent1"/>
+          </a:effectRef>
+          <a:fontRef idx="minor">
+            <a:schemeClr val="tx1"/>
+          </a:fontRef>
+        </p:style>
+      </p:cxnSp>
+      <p:cxnSp>
+        <p:nvCxnSpPr>
+          <p:cNvPr id="26" name="Straight Arrow Connector 25">
+            <a:extLst>
+              <a:ext uri="{FF2B5EF4-FFF2-40B4-BE49-F238E27FC236}">
+                <a16:creationId xmlns:a16="http://schemas.microsoft.com/office/drawing/2014/main" id="{AF5D305F-44F6-4267-82D4-CE43FED7233D}"/>
+              </a:ext>
+            </a:extLst>
+          </p:cNvPr>
+          <p:cNvCxnSpPr/>
+          <p:nvPr/>
+        </p:nvCxnSpPr>
+        <p:spPr>
+          <a:xfrm>
+            <a:off x="7273290" y="3477577"/>
+            <a:ext cx="573405" cy="5715"/>
+          </a:xfrm>
+          <a:prstGeom prst="straightConnector1">
+            <a:avLst/>
+          </a:prstGeom>
+          <a:ln w="57150">
+            <a:solidFill>
+              <a:schemeClr val="tx1"/>
+            </a:solidFill>
+            <a:tailEnd type="triangle"/>
+          </a:ln>
+        </p:spPr>
+        <p:style>
+          <a:lnRef idx="1">
+            <a:schemeClr val="accent1"/>
+          </a:lnRef>
+          <a:fillRef idx="0">
+            <a:schemeClr val="accent1"/>
+          </a:fillRef>
+          <a:effectRef idx="0">
+            <a:schemeClr val="accent1"/>
+          </a:effectRef>
+          <a:fontRef idx="minor">
+            <a:schemeClr val="tx1"/>
+          </a:fontRef>
+        </p:style>
+      </p:cxnSp>
+      <p:cxnSp>
+        <p:nvCxnSpPr>
+          <p:cNvPr id="27" name="Straight Arrow Connector 26">
+            <a:extLst>
+              <a:ext uri="{FF2B5EF4-FFF2-40B4-BE49-F238E27FC236}">
+                <a16:creationId xmlns:a16="http://schemas.microsoft.com/office/drawing/2014/main" id="{E9A900C3-E6AB-4EDA-BB25-535BADC0014A}"/>
+              </a:ext>
+            </a:extLst>
+          </p:cNvPr>
+          <p:cNvCxnSpPr>
+            <a:cxnSpLocks/>
+          </p:cNvCxnSpPr>
+          <p:nvPr/>
+        </p:nvCxnSpPr>
+        <p:spPr>
+          <a:xfrm>
+            <a:off x="4349115" y="3284220"/>
+            <a:ext cx="573405" cy="5715"/>
+          </a:xfrm>
+          <a:prstGeom prst="straightConnector1">
+            <a:avLst/>
+          </a:prstGeom>
+          <a:ln w="57150">
+            <a:solidFill>
+              <a:srgbClr val="FF0000"/>
+            </a:solidFill>
+            <a:headEnd type="triangle" w="med" len="med"/>
+            <a:tailEnd type="none" w="med" len="med"/>
+          </a:ln>
+        </p:spPr>
+        <p:style>
+          <a:lnRef idx="1">
+            <a:schemeClr val="accent1"/>
+          </a:lnRef>
+          <a:fillRef idx="0">
+            <a:schemeClr val="accent1"/>
+          </a:fillRef>
+          <a:effectRef idx="0">
+            <a:schemeClr val="accent1"/>
+          </a:effectRef>
+          <a:fontRef idx="minor">
+            <a:schemeClr val="tx1"/>
+          </a:fontRef>
+        </p:style>
+      </p:cxnSp>
+      <p:cxnSp>
+        <p:nvCxnSpPr>
+          <p:cNvPr id="28" name="Straight Arrow Connector 27">
+            <a:extLst>
+              <a:ext uri="{FF2B5EF4-FFF2-40B4-BE49-F238E27FC236}">
+                <a16:creationId xmlns:a16="http://schemas.microsoft.com/office/drawing/2014/main" id="{F5F47B69-12B0-43CC-8914-147895E2E6D9}"/>
+              </a:ext>
+            </a:extLst>
+          </p:cNvPr>
+          <p:cNvCxnSpPr/>
+          <p:nvPr/>
+        </p:nvCxnSpPr>
+        <p:spPr>
+          <a:xfrm>
+            <a:off x="7277100" y="3309937"/>
+            <a:ext cx="573405" cy="5715"/>
+          </a:xfrm>
+          <a:prstGeom prst="straightConnector1">
+            <a:avLst/>
+          </a:prstGeom>
+          <a:ln w="57150">
+            <a:solidFill>
+              <a:srgbClr val="FF0000"/>
+            </a:solidFill>
+            <a:headEnd type="triangle" w="med" len="med"/>
+            <a:tailEnd type="none" w="med" len="med"/>
+          </a:ln>
+        </p:spPr>
+        <p:style>
+          <a:lnRef idx="1">
+            <a:schemeClr val="accent1"/>
+          </a:lnRef>
+          <a:fillRef idx="0">
+            <a:schemeClr val="accent1"/>
+          </a:fillRef>
+          <a:effectRef idx="0">
+            <a:schemeClr val="accent1"/>
+          </a:effectRef>
+          <a:fontRef idx="minor">
+            <a:schemeClr val="tx1"/>
+          </a:fontRef>
+        </p:style>
+      </p:cxnSp>
+      <p:sp>
+        <p:nvSpPr>
+          <p:cNvPr id="13" name="Rectangle: Rounded Corners 12">
+            <a:extLst>
+              <a:ext uri="{FF2B5EF4-FFF2-40B4-BE49-F238E27FC236}">
+                <a16:creationId xmlns:a16="http://schemas.microsoft.com/office/drawing/2014/main" id="{CD9E2775-97AF-4FCC-A303-485C0F91B894}"/>
+              </a:ext>
+            </a:extLst>
+          </p:cNvPr>
+          <p:cNvSpPr/>
+          <p:nvPr/>
+        </p:nvSpPr>
+        <p:spPr>
+          <a:xfrm>
+            <a:off x="7846695" y="1609725"/>
+            <a:ext cx="2354580" cy="628650"/>
+          </a:xfrm>
+          <a:prstGeom prst="roundRect">
+            <a:avLst/>
+          </a:prstGeom>
+        </p:spPr>
+        <p:style>
+          <a:lnRef idx="2">
+            <a:schemeClr val="dk1"/>
+          </a:lnRef>
+          <a:fillRef idx="1">
+            <a:schemeClr val="lt1"/>
+          </a:fillRef>
+          <a:effectRef idx="0">
+            <a:schemeClr val="dk1"/>
+          </a:effectRef>
+          <a:fontRef idx="minor">
+            <a:schemeClr val="dk1"/>
+          </a:fontRef>
+        </p:style>
+        <p:txBody>
+          <a:bodyPr rtlCol="0" anchor="ctr"/>
+          <a:lstStyle/>
+          <a:p>
+            <a:pPr algn="ctr"/>
+            <a:r>
+              <a:rPr lang="en-US" dirty="0"/>
+              <a:t>Loss Function</a:t>
+            </a:r>
+          </a:p>
+        </p:txBody>
+      </p:sp>
+      <p:grpSp>
+        <p:nvGrpSpPr>
+          <p:cNvPr id="15" name="Group 14">
+            <a:extLst>
+              <a:ext uri="{FF2B5EF4-FFF2-40B4-BE49-F238E27FC236}">
+                <a16:creationId xmlns:a16="http://schemas.microsoft.com/office/drawing/2014/main" id="{D3FE010A-6AC4-4B15-BBCB-8E516EF64B47}"/>
+              </a:ext>
+            </a:extLst>
+          </p:cNvPr>
+          <p:cNvGrpSpPr/>
+          <p:nvPr/>
+        </p:nvGrpSpPr>
+        <p:grpSpPr>
+          <a:xfrm rot="16200000">
+            <a:off x="8631079" y="2544602"/>
+            <a:ext cx="784860" cy="172403"/>
+            <a:chOff x="8980170" y="3976687"/>
+            <a:chExt cx="577215" cy="173355"/>
+          </a:xfrm>
+        </p:grpSpPr>
+        <p:cxnSp>
+          <p:nvCxnSpPr>
+            <p:cNvPr id="31" name="Straight Arrow Connector 30">
+              <a:extLst>
+                <a:ext uri="{FF2B5EF4-FFF2-40B4-BE49-F238E27FC236}">
+                  <a16:creationId xmlns:a16="http://schemas.microsoft.com/office/drawing/2014/main" id="{164AF1B2-FF37-4B53-9DD8-850B45776796}"/>
+                </a:ext>
+              </a:extLst>
+            </p:cNvPr>
+            <p:cNvCxnSpPr/>
+            <p:nvPr/>
+          </p:nvCxnSpPr>
+          <p:spPr>
+            <a:xfrm>
+              <a:off x="8980170" y="4144327"/>
+              <a:ext cx="573405" cy="5715"/>
+            </a:xfrm>
+            <a:prstGeom prst="straightConnector1">
+              <a:avLst/>
+            </a:prstGeom>
+            <a:ln w="57150">
+              <a:solidFill>
+                <a:schemeClr val="tx1"/>
+              </a:solidFill>
+              <a:tailEnd type="triangle"/>
+            </a:ln>
+          </p:spPr>
+          <p:style>
+            <a:lnRef idx="1">
+              <a:schemeClr val="accent1"/>
+            </a:lnRef>
+            <a:fillRef idx="0">
+              <a:schemeClr val="accent1"/>
+            </a:fillRef>
+            <a:effectRef idx="0">
+              <a:schemeClr val="accent1"/>
+            </a:effectRef>
+            <a:fontRef idx="minor">
+              <a:schemeClr val="tx1"/>
+            </a:fontRef>
+          </p:style>
+        </p:cxnSp>
+        <p:cxnSp>
+          <p:nvCxnSpPr>
+            <p:cNvPr id="32" name="Straight Arrow Connector 31">
+              <a:extLst>
+                <a:ext uri="{FF2B5EF4-FFF2-40B4-BE49-F238E27FC236}">
+                  <a16:creationId xmlns:a16="http://schemas.microsoft.com/office/drawing/2014/main" id="{309B1AB4-F3C9-480F-877A-B947A5E7516A}"/>
+                </a:ext>
+              </a:extLst>
+            </p:cNvPr>
+            <p:cNvCxnSpPr/>
+            <p:nvPr/>
+          </p:nvCxnSpPr>
+          <p:spPr>
+            <a:xfrm>
+              <a:off x="8983980" y="3976687"/>
+              <a:ext cx="573405" cy="5715"/>
+            </a:xfrm>
+            <a:prstGeom prst="straightConnector1">
+              <a:avLst/>
+            </a:prstGeom>
+            <a:ln w="57150">
+              <a:solidFill>
+                <a:srgbClr val="FF0000"/>
+              </a:solidFill>
+              <a:headEnd type="triangle" w="med" len="med"/>
+              <a:tailEnd type="none" w="med" len="med"/>
+            </a:ln>
+          </p:spPr>
+          <p:style>
+            <a:lnRef idx="1">
+              <a:schemeClr val="accent1"/>
+            </a:lnRef>
+            <a:fillRef idx="0">
+              <a:schemeClr val="accent1"/>
+            </a:fillRef>
+            <a:effectRef idx="0">
+              <a:schemeClr val="accent1"/>
+            </a:effectRef>
+            <a:fontRef idx="minor">
+              <a:schemeClr val="tx1"/>
+            </a:fontRef>
+          </p:style>
+        </p:cxnSp>
+      </p:grpSp>
+      <p:sp>
+        <p:nvSpPr>
+          <p:cNvPr id="17" name="TextBox 16">
+            <a:extLst>
+              <a:ext uri="{FF2B5EF4-FFF2-40B4-BE49-F238E27FC236}">
+                <a16:creationId xmlns:a16="http://schemas.microsoft.com/office/drawing/2014/main" id="{886A6C2B-2E26-4FA2-86B6-26A89B89F486}"/>
+              </a:ext>
+            </a:extLst>
+          </p:cNvPr>
+          <p:cNvSpPr txBox="1"/>
+          <p:nvPr/>
+        </p:nvSpPr>
+        <p:spPr>
+          <a:xfrm>
+            <a:off x="3743825" y="2371722"/>
+            <a:ext cx="1876081" cy="646331"/>
+          </a:xfrm>
+          <a:prstGeom prst="rect">
+            <a:avLst/>
+          </a:prstGeom>
+          <a:noFill/>
+        </p:spPr>
+        <p:txBody>
+          <a:bodyPr wrap="square" rtlCol="0">
+            <a:spAutoFit/>
+          </a:bodyPr>
+          <a:lstStyle/>
+          <a:p>
+            <a:pPr algn="ctr"/>
+            <a:r>
+              <a:rPr lang="en-US" b="1" dirty="0"/>
+              <a:t>Spatially-varying </a:t>
+            </a:r>
+          </a:p>
+          <a:p>
+            <a:pPr algn="ctr"/>
+            <a:r>
+              <a:rPr lang="en-US" b="1" dirty="0"/>
+              <a:t>Physical Fields</a:t>
+            </a:r>
+          </a:p>
+        </p:txBody>
+      </p:sp>
+      <p:grpSp>
+        <p:nvGrpSpPr>
+          <p:cNvPr id="34" name="Group 33">
+            <a:extLst>
+              <a:ext uri="{FF2B5EF4-FFF2-40B4-BE49-F238E27FC236}">
+                <a16:creationId xmlns:a16="http://schemas.microsoft.com/office/drawing/2014/main" id="{CE5E4BB5-8AD7-4B37-8E31-D1FA81320188}"/>
+              </a:ext>
+            </a:extLst>
+          </p:cNvPr>
+          <p:cNvGrpSpPr/>
+          <p:nvPr/>
+        </p:nvGrpSpPr>
+        <p:grpSpPr>
+          <a:xfrm>
+            <a:off x="2089785" y="1499235"/>
+            <a:ext cx="904875" cy="523875"/>
+            <a:chOff x="2089785" y="1499235"/>
+            <a:chExt cx="573405" cy="432435"/>
+          </a:xfrm>
+        </p:grpSpPr>
+        <p:cxnSp>
+          <p:nvCxnSpPr>
+            <p:cNvPr id="37" name="Straight Arrow Connector 36">
+              <a:extLst>
+                <a:ext uri="{FF2B5EF4-FFF2-40B4-BE49-F238E27FC236}">
+                  <a16:creationId xmlns:a16="http://schemas.microsoft.com/office/drawing/2014/main" id="{E3E10512-98D7-4B96-ACA8-FC6CF260C81C}"/>
+                </a:ext>
+              </a:extLst>
+            </p:cNvPr>
+            <p:cNvCxnSpPr>
+              <a:cxnSpLocks/>
+            </p:cNvCxnSpPr>
+            <p:nvPr/>
+          </p:nvCxnSpPr>
+          <p:spPr>
+            <a:xfrm>
+              <a:off x="2089785" y="1918335"/>
+              <a:ext cx="561975" cy="13335"/>
+            </a:xfrm>
+            <a:prstGeom prst="straightConnector1">
+              <a:avLst/>
+            </a:prstGeom>
+            <a:ln w="57150">
+              <a:solidFill>
+                <a:schemeClr val="tx1"/>
+              </a:solidFill>
+              <a:tailEnd type="triangle"/>
+            </a:ln>
+          </p:spPr>
+          <p:style>
+            <a:lnRef idx="1">
+              <a:schemeClr val="accent1"/>
+            </a:lnRef>
+            <a:fillRef idx="0">
+              <a:schemeClr val="accent1"/>
+            </a:fillRef>
+            <a:effectRef idx="0">
+              <a:schemeClr val="accent1"/>
+            </a:effectRef>
+            <a:fontRef idx="minor">
+              <a:schemeClr val="tx1"/>
+            </a:fontRef>
+          </p:style>
+        </p:cxnSp>
+        <p:cxnSp>
+          <p:nvCxnSpPr>
+            <p:cNvPr id="38" name="Straight Arrow Connector 37">
+              <a:extLst>
+                <a:ext uri="{FF2B5EF4-FFF2-40B4-BE49-F238E27FC236}">
+                  <a16:creationId xmlns:a16="http://schemas.microsoft.com/office/drawing/2014/main" id="{7DF8699B-8A54-457B-81A6-F9027B22252C}"/>
+                </a:ext>
+              </a:extLst>
+            </p:cNvPr>
+            <p:cNvCxnSpPr>
+              <a:cxnSpLocks/>
+            </p:cNvCxnSpPr>
+            <p:nvPr/>
+          </p:nvCxnSpPr>
+          <p:spPr>
+            <a:xfrm>
+              <a:off x="2089785" y="1499235"/>
+              <a:ext cx="573405" cy="5715"/>
+            </a:xfrm>
+            <a:prstGeom prst="straightConnector1">
+              <a:avLst/>
+            </a:prstGeom>
+            <a:ln w="57150">
+              <a:solidFill>
+                <a:srgbClr val="FF0000"/>
+              </a:solidFill>
+              <a:headEnd type="triangle" w="med" len="med"/>
+              <a:tailEnd type="none" w="med" len="med"/>
+            </a:ln>
+          </p:spPr>
+          <p:style>
+            <a:lnRef idx="1">
+              <a:schemeClr val="accent1"/>
+            </a:lnRef>
+            <a:fillRef idx="0">
+              <a:schemeClr val="accent1"/>
+            </a:fillRef>
+            <a:effectRef idx="0">
+              <a:schemeClr val="accent1"/>
+            </a:effectRef>
+            <a:fontRef idx="minor">
+              <a:schemeClr val="tx1"/>
+            </a:fontRef>
+          </p:style>
+        </p:cxnSp>
+      </p:grpSp>
+      <p:sp>
+        <p:nvSpPr>
+          <p:cNvPr id="39" name="TextBox 38">
+            <a:extLst>
+              <a:ext uri="{FF2B5EF4-FFF2-40B4-BE49-F238E27FC236}">
+                <a16:creationId xmlns:a16="http://schemas.microsoft.com/office/drawing/2014/main" id="{888B50F1-C53A-4875-B2BD-2289C2AFC82B}"/>
+              </a:ext>
+            </a:extLst>
+          </p:cNvPr>
+          <p:cNvSpPr txBox="1"/>
+          <p:nvPr/>
+        </p:nvSpPr>
+        <p:spPr>
+          <a:xfrm>
+            <a:off x="3131820" y="1321492"/>
+            <a:ext cx="2703625" cy="369332"/>
+          </a:xfrm>
+          <a:prstGeom prst="rect">
+            <a:avLst/>
+          </a:prstGeom>
+          <a:noFill/>
+        </p:spPr>
+        <p:txBody>
+          <a:bodyPr wrap="none" rtlCol="0">
+            <a:spAutoFit/>
+          </a:bodyPr>
+          <a:lstStyle/>
+          <a:p>
+            <a:r>
+              <a:rPr lang="en-US" dirty="0"/>
+              <a:t>Gradient Back-propagation</a:t>
+            </a:r>
+          </a:p>
+        </p:txBody>
+      </p:sp>
+      <p:sp>
+        <p:nvSpPr>
+          <p:cNvPr id="40" name="TextBox 39">
+            <a:extLst>
+              <a:ext uri="{FF2B5EF4-FFF2-40B4-BE49-F238E27FC236}">
+                <a16:creationId xmlns:a16="http://schemas.microsoft.com/office/drawing/2014/main" id="{05E147FF-49BD-4FB8-8891-5A43CE3563E2}"/>
+              </a:ext>
+            </a:extLst>
+          </p:cNvPr>
+          <p:cNvSpPr txBox="1"/>
+          <p:nvPr/>
+        </p:nvSpPr>
+        <p:spPr>
+          <a:xfrm>
+            <a:off x="3147352" y="1817082"/>
+            <a:ext cx="2244782" cy="369332"/>
+          </a:xfrm>
+          <a:prstGeom prst="rect">
+            <a:avLst/>
+          </a:prstGeom>
+          <a:noFill/>
+        </p:spPr>
+        <p:txBody>
+          <a:bodyPr wrap="none" rtlCol="0">
+            <a:spAutoFit/>
+          </a:bodyPr>
+          <a:lstStyle/>
+          <a:p>
+            <a:r>
+              <a:rPr lang="en-US" dirty="0"/>
+              <a:t>Forward Computation</a:t>
+            </a:r>
+          </a:p>
+        </p:txBody>
+      </p:sp>
+    </p:spTree>
+    <p:extLst>
+      <p:ext uri="{BB962C8B-B14F-4D97-AF65-F5344CB8AC3E}">
+        <p14:creationId xmlns:p14="http://schemas.microsoft.com/office/powerpoint/2010/main" val="3425151761"/>
       </p:ext>
     </p:extLst>
   </p:cSld>
@@ -31737,7 +32459,7 @@
 </file>
 
 <file path=customXml/itemProps2.xml><?xml version="1.0" encoding="utf-8"?>
-<ds:datastoreItem xmlns:ds="http://schemas.openxmlformats.org/officeDocument/2006/customXml" ds:itemID="{E862297A-FDE6-44E5-BFEA-2E2AA22AFB6E}">
+<ds:datastoreItem xmlns:ds="http://schemas.openxmlformats.org/officeDocument/2006/customXml" ds:itemID="{295B25FF-A8DF-4FB1-936B-2CC5B13212C9}">
   <ds:schemaRefs>
     <ds:schemaRef ds:uri="http://schemas.microsoft.com/VisualStudio/2011/storyboarding/control"/>
   </ds:schemaRefs>
@@ -31745,7 +32467,7 @@
 </file>
 
 <file path=customXml/itemProps3.xml><?xml version="1.0" encoding="utf-8"?>
-<ds:datastoreItem xmlns:ds="http://schemas.openxmlformats.org/officeDocument/2006/customXml" ds:itemID="{295B25FF-A8DF-4FB1-936B-2CC5B13212C9}">
+<ds:datastoreItem xmlns:ds="http://schemas.openxmlformats.org/officeDocument/2006/customXml" ds:itemID="{E862297A-FDE6-44E5-BFEA-2E2AA22AFB6E}">
   <ds:schemaRefs>
     <ds:schemaRef ds:uri="http://schemas.microsoft.com/VisualStudio/2011/storyboarding/control"/>
   </ds:schemaRefs>

--- a/Slides/figures.pptx
+++ b/Slides/figures.pptx
@@ -5,7 +5,7 @@
     <p:sldMasterId id="2147483660" r:id="rId4"/>
   </p:sldMasterIdLst>
   <p:notesMasterIdLst>
-    <p:notesMasterId r:id="rId21"/>
+    <p:notesMasterId r:id="rId23"/>
   </p:notesMasterIdLst>
   <p:sldIdLst>
     <p:sldId id="256" r:id="rId5"/>
@@ -24,6 +24,8 @@
     <p:sldId id="270" r:id="rId18"/>
     <p:sldId id="271" r:id="rId19"/>
     <p:sldId id="272" r:id="rId20"/>
+    <p:sldId id="273" r:id="rId21"/>
+    <p:sldId id="274" r:id="rId22"/>
   </p:sldIdLst>
   <p:sldSz cx="12192000" cy="8961438"/>
   <p:notesSz cx="6858000" cy="9144000"/>
@@ -212,7 +214,7 @@
           <a:p>
             <a:fld id="{461AEF44-E510-4251-A5BC-36EBF3245816}" type="datetimeFigureOut">
               <a:rPr lang="en-US" smtClean="0"/>
-              <a:t>9/30/2020</a:t>
+              <a:t>10/1/2020</a:t>
             </a:fld>
             <a:endParaRPr lang="en-US"/>
           </a:p>
@@ -563,6 +565,90 @@
 </p:notes>
 </file>
 
+<file path=ppt/notesSlides/notesSlide2.xml><?xml version="1.0" encoding="utf-8"?>
+<p:notes xmlns:a="http://schemas.openxmlformats.org/drawingml/2006/main" xmlns:r="http://schemas.openxmlformats.org/officeDocument/2006/relationships" xmlns:p="http://schemas.openxmlformats.org/presentationml/2006/main">
+  <p:cSld>
+    <p:spTree>
+      <p:nvGrpSpPr>
+        <p:cNvPr id="1" name=""/>
+        <p:cNvGrpSpPr/>
+        <p:nvPr/>
+      </p:nvGrpSpPr>
+      <p:grpSpPr>
+        <a:xfrm>
+          <a:off x="0" y="0"/>
+          <a:ext cx="0" cy="0"/>
+          <a:chOff x="0" y="0"/>
+          <a:chExt cx="0" cy="0"/>
+        </a:xfrm>
+      </p:grpSpPr>
+      <p:sp>
+        <p:nvSpPr>
+          <p:cNvPr id="2" name="Slide Image Placeholder 1"/>
+          <p:cNvSpPr>
+            <a:spLocks noGrp="1" noRot="1" noChangeAspect="1"/>
+          </p:cNvSpPr>
+          <p:nvPr>
+            <p:ph type="sldImg"/>
+          </p:nvPr>
+        </p:nvSpPr>
+        <p:spPr/>
+      </p:sp>
+      <p:sp>
+        <p:nvSpPr>
+          <p:cNvPr id="3" name="Notes Placeholder 2"/>
+          <p:cNvSpPr>
+            <a:spLocks noGrp="1"/>
+          </p:cNvSpPr>
+          <p:nvPr>
+            <p:ph type="body" idx="1"/>
+          </p:nvPr>
+        </p:nvSpPr>
+        <p:spPr/>
+        <p:txBody>
+          <a:bodyPr/>
+          <a:lstStyle/>
+          <a:p>
+            <a:endParaRPr lang="en-US" dirty="0"/>
+          </a:p>
+        </p:txBody>
+      </p:sp>
+      <p:sp>
+        <p:nvSpPr>
+          <p:cNvPr id="4" name="Slide Number Placeholder 3"/>
+          <p:cNvSpPr>
+            <a:spLocks noGrp="1"/>
+          </p:cNvSpPr>
+          <p:nvPr>
+            <p:ph type="sldNum" sz="quarter" idx="5"/>
+          </p:nvPr>
+        </p:nvSpPr>
+        <p:spPr/>
+        <p:txBody>
+          <a:bodyPr/>
+          <a:lstStyle/>
+          <a:p>
+            <a:fld id="{AC5AF634-82CA-4179-ABDE-05BFF70A8F24}" type="slidenum">
+              <a:rPr lang="en-US" smtClean="0"/>
+              <a:t>17</a:t>
+            </a:fld>
+            <a:endParaRPr lang="en-US"/>
+          </a:p>
+        </p:txBody>
+      </p:sp>
+    </p:spTree>
+    <p:extLst>
+      <p:ext uri="{BB962C8B-B14F-4D97-AF65-F5344CB8AC3E}">
+        <p14:creationId xmlns:p14="http://schemas.microsoft.com/office/powerpoint/2010/main" val="2698413725"/>
+      </p:ext>
+    </p:extLst>
+  </p:cSld>
+  <p:clrMapOvr>
+    <a:masterClrMapping/>
+  </p:clrMapOvr>
+</p:notes>
+</file>
+
 <file path=ppt/slideLayouts/slideLayout1.xml><?xml version="1.0" encoding="utf-8"?>
 <p:sldLayout xmlns:a="http://schemas.openxmlformats.org/drawingml/2006/main" xmlns:r="http://schemas.openxmlformats.org/officeDocument/2006/relationships" xmlns:p="http://schemas.openxmlformats.org/presentationml/2006/main" type="title" preserve="1">
   <p:cSld name="Title Slide">
@@ -694,7 +780,7 @@
           <a:p>
             <a:fld id="{61C71226-6BCE-43B6-9B8C-D352B0229DA2}" type="datetimeFigureOut">
               <a:rPr lang="en-US" smtClean="0"/>
-              <a:t>9/30/2020</a:t>
+              <a:t>10/1/2020</a:t>
             </a:fld>
             <a:endParaRPr lang="en-US"/>
           </a:p>
@@ -864,7 +950,7 @@
           <a:p>
             <a:fld id="{61C71226-6BCE-43B6-9B8C-D352B0229DA2}" type="datetimeFigureOut">
               <a:rPr lang="en-US" smtClean="0"/>
-              <a:t>9/30/2020</a:t>
+              <a:t>10/1/2020</a:t>
             </a:fld>
             <a:endParaRPr lang="en-US"/>
           </a:p>
@@ -1044,7 +1130,7 @@
           <a:p>
             <a:fld id="{61C71226-6BCE-43B6-9B8C-D352B0229DA2}" type="datetimeFigureOut">
               <a:rPr lang="en-US" smtClean="0"/>
-              <a:t>9/30/2020</a:t>
+              <a:t>10/1/2020</a:t>
             </a:fld>
             <a:endParaRPr lang="en-US"/>
           </a:p>
@@ -1214,7 +1300,7 @@
           <a:p>
             <a:fld id="{61C71226-6BCE-43B6-9B8C-D352B0229DA2}" type="datetimeFigureOut">
               <a:rPr lang="en-US" smtClean="0"/>
-              <a:t>9/30/2020</a:t>
+              <a:t>10/1/2020</a:t>
             </a:fld>
             <a:endParaRPr lang="en-US"/>
           </a:p>
@@ -1458,7 +1544,7 @@
           <a:p>
             <a:fld id="{61C71226-6BCE-43B6-9B8C-D352B0229DA2}" type="datetimeFigureOut">
               <a:rPr lang="en-US" smtClean="0"/>
-              <a:t>9/30/2020</a:t>
+              <a:t>10/1/2020</a:t>
             </a:fld>
             <a:endParaRPr lang="en-US"/>
           </a:p>
@@ -1690,7 +1776,7 @@
           <a:p>
             <a:fld id="{61C71226-6BCE-43B6-9B8C-D352B0229DA2}" type="datetimeFigureOut">
               <a:rPr lang="en-US" smtClean="0"/>
-              <a:t>9/30/2020</a:t>
+              <a:t>10/1/2020</a:t>
             </a:fld>
             <a:endParaRPr lang="en-US"/>
           </a:p>
@@ -2057,7 +2143,7 @@
           <a:p>
             <a:fld id="{61C71226-6BCE-43B6-9B8C-D352B0229DA2}" type="datetimeFigureOut">
               <a:rPr lang="en-US" smtClean="0"/>
-              <a:t>9/30/2020</a:t>
+              <a:t>10/1/2020</a:t>
             </a:fld>
             <a:endParaRPr lang="en-US"/>
           </a:p>
@@ -2175,7 +2261,7 @@
           <a:p>
             <a:fld id="{61C71226-6BCE-43B6-9B8C-D352B0229DA2}" type="datetimeFigureOut">
               <a:rPr lang="en-US" smtClean="0"/>
-              <a:t>9/30/2020</a:t>
+              <a:t>10/1/2020</a:t>
             </a:fld>
             <a:endParaRPr lang="en-US"/>
           </a:p>
@@ -2270,7 +2356,7 @@
           <a:p>
             <a:fld id="{61C71226-6BCE-43B6-9B8C-D352B0229DA2}" type="datetimeFigureOut">
               <a:rPr lang="en-US" smtClean="0"/>
-              <a:t>9/30/2020</a:t>
+              <a:t>10/1/2020</a:t>
             </a:fld>
             <a:endParaRPr lang="en-US"/>
           </a:p>
@@ -2547,7 +2633,7 @@
           <a:p>
             <a:fld id="{61C71226-6BCE-43B6-9B8C-D352B0229DA2}" type="datetimeFigureOut">
               <a:rPr lang="en-US" smtClean="0"/>
-              <a:t>9/30/2020</a:t>
+              <a:t>10/1/2020</a:t>
             </a:fld>
             <a:endParaRPr lang="en-US"/>
           </a:p>
@@ -2804,7 +2890,7 @@
           <a:p>
             <a:fld id="{61C71226-6BCE-43B6-9B8C-D352B0229DA2}" type="datetimeFigureOut">
               <a:rPr lang="en-US" smtClean="0"/>
-              <a:t>9/30/2020</a:t>
+              <a:t>10/1/2020</a:t>
             </a:fld>
             <a:endParaRPr lang="en-US"/>
           </a:p>
@@ -3017,7 +3103,7 @@
           <a:p>
             <a:fld id="{61C71226-6BCE-43B6-9B8C-D352B0229DA2}" type="datetimeFigureOut">
               <a:rPr lang="en-US" smtClean="0"/>
-              <a:t>9/30/2020</a:t>
+              <a:t>10/1/2020</a:t>
             </a:fld>
             <a:endParaRPr lang="en-US"/>
           </a:p>
@@ -5212,7 +5298,7 @@
           <a:graphicData uri="http://schemas.openxmlformats.org/presentationml/2006/ole">
             <mc:AlternateContent xmlns:mc="http://schemas.openxmlformats.org/markup-compatibility/2006">
               <mc:Choice xmlns:v="urn:schemas-microsoft-com:vml" Requires="v">
-                <p:oleObj spid="_x0000_s1042" name="Equation" r:id="rId4" imgW="914400" imgH="198720" progId="Equation.DSMT4">
+                <p:oleObj spid="_x0000_s1045" name="Equation" r:id="rId4" imgW="914400" imgH="198720" progId="Equation.DSMT4">
                   <p:embed/>
                 </p:oleObj>
               </mc:Choice>
@@ -14892,6 +14978,2297 @@
     <p:extLst>
       <p:ext uri="{BB962C8B-B14F-4D97-AF65-F5344CB8AC3E}">
         <p14:creationId xmlns:p14="http://schemas.microsoft.com/office/powerpoint/2010/main" val="3425151761"/>
+      </p:ext>
+    </p:extLst>
+  </p:cSld>
+  <p:clrMapOvr>
+    <a:masterClrMapping/>
+  </p:clrMapOvr>
+</p:sld>
+</file>
+
+<file path=ppt/slides/slide17.xml><?xml version="1.0" encoding="utf-8"?>
+<p:sld xmlns:a="http://schemas.openxmlformats.org/drawingml/2006/main" xmlns:r="http://schemas.openxmlformats.org/officeDocument/2006/relationships" xmlns:p="http://schemas.openxmlformats.org/presentationml/2006/main">
+  <p:cSld>
+    <p:spTree>
+      <p:nvGrpSpPr>
+        <p:cNvPr id="1" name=""/>
+        <p:cNvGrpSpPr/>
+        <p:nvPr/>
+      </p:nvGrpSpPr>
+      <p:grpSpPr>
+        <a:xfrm>
+          <a:off x="0" y="0"/>
+          <a:ext cx="0" cy="0"/>
+          <a:chOff x="0" y="0"/>
+          <a:chExt cx="0" cy="0"/>
+        </a:xfrm>
+      </p:grpSpPr>
+      <p:grpSp>
+        <p:nvGrpSpPr>
+          <p:cNvPr id="78" name="Group 77">
+            <a:extLst>
+              <a:ext uri="{FF2B5EF4-FFF2-40B4-BE49-F238E27FC236}">
+                <a16:creationId xmlns:a16="http://schemas.microsoft.com/office/drawing/2014/main" id="{FC03E09A-4964-486F-8D62-BF7969490AF7}"/>
+              </a:ext>
+            </a:extLst>
+          </p:cNvPr>
+          <p:cNvGrpSpPr/>
+          <p:nvPr/>
+        </p:nvGrpSpPr>
+        <p:grpSpPr>
+          <a:xfrm>
+            <a:off x="383146" y="315184"/>
+            <a:ext cx="11553948" cy="8215637"/>
+            <a:chOff x="383146" y="315184"/>
+            <a:chExt cx="11553948" cy="8215637"/>
+          </a:xfrm>
+        </p:grpSpPr>
+        <p:sp>
+          <p:nvSpPr>
+            <p:cNvPr id="19" name="Oval 18">
+              <a:extLst>
+                <a:ext uri="{FF2B5EF4-FFF2-40B4-BE49-F238E27FC236}">
+                  <a16:creationId xmlns:a16="http://schemas.microsoft.com/office/drawing/2014/main" id="{02F7E2C3-6B5D-4D38-A1F3-CEA0675B695D}"/>
+                </a:ext>
+              </a:extLst>
+            </p:cNvPr>
+            <p:cNvSpPr/>
+            <p:nvPr/>
+          </p:nvSpPr>
+          <p:spPr>
+            <a:xfrm>
+              <a:off x="5120423" y="1762041"/>
+              <a:ext cx="540242" cy="540242"/>
+            </a:xfrm>
+            <a:prstGeom prst="ellipse">
+              <a:avLst/>
+            </a:prstGeom>
+            <a:solidFill>
+              <a:srgbClr val="FFC000"/>
+            </a:solidFill>
+            <a:ln w="57150">
+              <a:solidFill>
+                <a:schemeClr val="accent2">
+                  <a:lumMod val="75000"/>
+                </a:schemeClr>
+              </a:solidFill>
+            </a:ln>
+          </p:spPr>
+          <p:style>
+            <a:lnRef idx="2">
+              <a:schemeClr val="accent1">
+                <a:shade val="50000"/>
+              </a:schemeClr>
+            </a:lnRef>
+            <a:fillRef idx="1">
+              <a:schemeClr val="accent1"/>
+            </a:fillRef>
+            <a:effectRef idx="0">
+              <a:schemeClr val="accent1"/>
+            </a:effectRef>
+            <a:fontRef idx="minor">
+              <a:schemeClr val="lt1"/>
+            </a:fontRef>
+          </p:style>
+          <p:txBody>
+            <a:bodyPr rtlCol="0" anchor="ctr"/>
+            <a:lstStyle/>
+            <a:p>
+              <a:pPr algn="ctr"/>
+              <a:endParaRPr lang="en-US"/>
+            </a:p>
+          </p:txBody>
+        </p:sp>
+        <p:sp>
+          <p:nvSpPr>
+            <p:cNvPr id="21" name="Oval 20">
+              <a:extLst>
+                <a:ext uri="{FF2B5EF4-FFF2-40B4-BE49-F238E27FC236}">
+                  <a16:creationId xmlns:a16="http://schemas.microsoft.com/office/drawing/2014/main" id="{61894A8D-F7D2-4039-9A3B-3755E130337F}"/>
+                </a:ext>
+              </a:extLst>
+            </p:cNvPr>
+            <p:cNvSpPr/>
+            <p:nvPr/>
+          </p:nvSpPr>
+          <p:spPr>
+            <a:xfrm>
+              <a:off x="7122164" y="1762041"/>
+              <a:ext cx="540242" cy="540242"/>
+            </a:xfrm>
+            <a:prstGeom prst="ellipse">
+              <a:avLst/>
+            </a:prstGeom>
+            <a:solidFill>
+              <a:srgbClr val="FFC000"/>
+            </a:solidFill>
+            <a:ln w="57150">
+              <a:solidFill>
+                <a:schemeClr val="accent2">
+                  <a:lumMod val="75000"/>
+                </a:schemeClr>
+              </a:solidFill>
+            </a:ln>
+          </p:spPr>
+          <p:style>
+            <a:lnRef idx="2">
+              <a:schemeClr val="accent1">
+                <a:shade val="50000"/>
+              </a:schemeClr>
+            </a:lnRef>
+            <a:fillRef idx="1">
+              <a:schemeClr val="accent1"/>
+            </a:fillRef>
+            <a:effectRef idx="0">
+              <a:schemeClr val="accent1"/>
+            </a:effectRef>
+            <a:fontRef idx="minor">
+              <a:schemeClr val="lt1"/>
+            </a:fontRef>
+          </p:style>
+          <p:txBody>
+            <a:bodyPr rtlCol="0" anchor="ctr"/>
+            <a:lstStyle/>
+            <a:p>
+              <a:pPr algn="ctr"/>
+              <a:endParaRPr lang="en-US"/>
+            </a:p>
+          </p:txBody>
+        </p:sp>
+        <p:sp>
+          <p:nvSpPr>
+            <p:cNvPr id="22" name="Oval 21">
+              <a:extLst>
+                <a:ext uri="{FF2B5EF4-FFF2-40B4-BE49-F238E27FC236}">
+                  <a16:creationId xmlns:a16="http://schemas.microsoft.com/office/drawing/2014/main" id="{9780F8AE-7F94-4231-9C5B-4095BE43D822}"/>
+                </a:ext>
+              </a:extLst>
+            </p:cNvPr>
+            <p:cNvSpPr/>
+            <p:nvPr/>
+          </p:nvSpPr>
+          <p:spPr>
+            <a:xfrm>
+              <a:off x="7112909" y="3262794"/>
+              <a:ext cx="540242" cy="540242"/>
+            </a:xfrm>
+            <a:prstGeom prst="ellipse">
+              <a:avLst/>
+            </a:prstGeom>
+            <a:solidFill>
+              <a:srgbClr val="FFC000"/>
+            </a:solidFill>
+            <a:ln w="57150">
+              <a:solidFill>
+                <a:schemeClr val="accent2">
+                  <a:lumMod val="75000"/>
+                </a:schemeClr>
+              </a:solidFill>
+            </a:ln>
+          </p:spPr>
+          <p:style>
+            <a:lnRef idx="2">
+              <a:schemeClr val="accent1">
+                <a:shade val="50000"/>
+              </a:schemeClr>
+            </a:lnRef>
+            <a:fillRef idx="1">
+              <a:schemeClr val="accent1"/>
+            </a:fillRef>
+            <a:effectRef idx="0">
+              <a:schemeClr val="accent1"/>
+            </a:effectRef>
+            <a:fontRef idx="minor">
+              <a:schemeClr val="lt1"/>
+            </a:fontRef>
+          </p:style>
+          <p:txBody>
+            <a:bodyPr rtlCol="0" anchor="ctr"/>
+            <a:lstStyle/>
+            <a:p>
+              <a:pPr algn="ctr"/>
+              <a:endParaRPr lang="en-US"/>
+            </a:p>
+          </p:txBody>
+        </p:sp>
+        <p:sp>
+          <p:nvSpPr>
+            <p:cNvPr id="23" name="Oval 22">
+              <a:extLst>
+                <a:ext uri="{FF2B5EF4-FFF2-40B4-BE49-F238E27FC236}">
+                  <a16:creationId xmlns:a16="http://schemas.microsoft.com/office/drawing/2014/main" id="{1289E038-EC17-4F40-8556-7C565B0800FF}"/>
+                </a:ext>
+              </a:extLst>
+            </p:cNvPr>
+            <p:cNvSpPr/>
+            <p:nvPr/>
+          </p:nvSpPr>
+          <p:spPr>
+            <a:xfrm>
+              <a:off x="5079092" y="3262794"/>
+              <a:ext cx="540242" cy="540242"/>
+            </a:xfrm>
+            <a:prstGeom prst="ellipse">
+              <a:avLst/>
+            </a:prstGeom>
+            <a:solidFill>
+              <a:srgbClr val="FFC000"/>
+            </a:solidFill>
+            <a:ln w="57150">
+              <a:solidFill>
+                <a:schemeClr val="accent2">
+                  <a:lumMod val="75000"/>
+                </a:schemeClr>
+              </a:solidFill>
+            </a:ln>
+          </p:spPr>
+          <p:style>
+            <a:lnRef idx="2">
+              <a:schemeClr val="accent1">
+                <a:shade val="50000"/>
+              </a:schemeClr>
+            </a:lnRef>
+            <a:fillRef idx="1">
+              <a:schemeClr val="accent1"/>
+            </a:fillRef>
+            <a:effectRef idx="0">
+              <a:schemeClr val="accent1"/>
+            </a:effectRef>
+            <a:fontRef idx="minor">
+              <a:schemeClr val="lt1"/>
+            </a:fontRef>
+          </p:style>
+          <p:txBody>
+            <a:bodyPr rtlCol="0" anchor="ctr"/>
+            <a:lstStyle/>
+            <a:p>
+              <a:pPr algn="ctr"/>
+              <a:endParaRPr lang="en-US"/>
+            </a:p>
+          </p:txBody>
+        </p:sp>
+        <p:sp>
+          <p:nvSpPr>
+            <p:cNvPr id="24" name="Oval 23">
+              <a:extLst>
+                <a:ext uri="{FF2B5EF4-FFF2-40B4-BE49-F238E27FC236}">
+                  <a16:creationId xmlns:a16="http://schemas.microsoft.com/office/drawing/2014/main" id="{B795E3C9-E578-4E85-BBBB-FAFDC1331442}"/>
+                </a:ext>
+              </a:extLst>
+            </p:cNvPr>
+            <p:cNvSpPr/>
+            <p:nvPr/>
+          </p:nvSpPr>
+          <p:spPr>
+            <a:xfrm>
+              <a:off x="6096000" y="4657151"/>
+              <a:ext cx="540242" cy="540242"/>
+            </a:xfrm>
+            <a:prstGeom prst="ellipse">
+              <a:avLst/>
+            </a:prstGeom>
+            <a:solidFill>
+              <a:srgbClr val="FFC000"/>
+            </a:solidFill>
+            <a:ln w="57150">
+              <a:solidFill>
+                <a:schemeClr val="accent2">
+                  <a:lumMod val="75000"/>
+                </a:schemeClr>
+              </a:solidFill>
+            </a:ln>
+          </p:spPr>
+          <p:style>
+            <a:lnRef idx="2">
+              <a:schemeClr val="accent1">
+                <a:shade val="50000"/>
+              </a:schemeClr>
+            </a:lnRef>
+            <a:fillRef idx="1">
+              <a:schemeClr val="accent1"/>
+            </a:fillRef>
+            <a:effectRef idx="0">
+              <a:schemeClr val="accent1"/>
+            </a:effectRef>
+            <a:fontRef idx="minor">
+              <a:schemeClr val="lt1"/>
+            </a:fontRef>
+          </p:style>
+          <p:txBody>
+            <a:bodyPr rtlCol="0" anchor="ctr"/>
+            <a:lstStyle/>
+            <a:p>
+              <a:pPr algn="ctr"/>
+              <a:endParaRPr lang="en-US"/>
+            </a:p>
+          </p:txBody>
+        </p:sp>
+        <mc:AlternateContent xmlns:mc="http://schemas.openxmlformats.org/markup-compatibility/2006">
+          <mc:Choice xmlns:a14="http://schemas.microsoft.com/office/drawing/2010/main" Requires="a14">
+            <p:sp>
+              <p:nvSpPr>
+                <p:cNvPr id="3" name="Rectangle 2">
+                  <a:extLst>
+                    <a:ext uri="{FF2B5EF4-FFF2-40B4-BE49-F238E27FC236}">
+                      <a16:creationId xmlns:a16="http://schemas.microsoft.com/office/drawing/2014/main" id="{5E25E52B-27C9-4BA5-B9B4-AB4E22C0DA4A}"/>
+                    </a:ext>
+                  </a:extLst>
+                </p:cNvPr>
+                <p:cNvSpPr/>
+                <p:nvPr/>
+              </p:nvSpPr>
+              <p:spPr>
+                <a:xfrm>
+                  <a:off x="3296855" y="2617711"/>
+                  <a:ext cx="587751" cy="587751"/>
+                </a:xfrm>
+                <a:prstGeom prst="rect">
+                  <a:avLst/>
+                </a:prstGeom>
+              </p:spPr>
+              <p:style>
+                <a:lnRef idx="2">
+                  <a:schemeClr val="accent1">
+                    <a:shade val="50000"/>
+                  </a:schemeClr>
+                </a:lnRef>
+                <a:fillRef idx="1">
+                  <a:schemeClr val="accent1"/>
+                </a:fillRef>
+                <a:effectRef idx="0">
+                  <a:schemeClr val="accent1"/>
+                </a:effectRef>
+                <a:fontRef idx="minor">
+                  <a:schemeClr val="lt1"/>
+                </a:fontRef>
+              </p:style>
+              <p:txBody>
+                <a:bodyPr rtlCol="0" anchor="ctr"/>
+                <a:lstStyle/>
+                <a:p>
+                  <a:pPr algn="ctr"/>
+                  <a14:m>
+                    <m:oMathPara xmlns:m="http://schemas.openxmlformats.org/officeDocument/2006/math">
+                      <m:oMathParaPr>
+                        <m:jc m:val="center"/>
+                      </m:oMathParaPr>
+                      <m:oMath xmlns:m="http://schemas.openxmlformats.org/officeDocument/2006/math">
+                        <m:r>
+                          <a:rPr lang="en-US" sz="5400" b="0" i="1" smtClean="0">
+                            <a:latin typeface="Cambria Math" panose="02040503050406030204" pitchFamily="18" charset="0"/>
+                          </a:rPr>
+                          <m:t> </m:t>
+                        </m:r>
+                        <m:r>
+                          <a:rPr lang="en-US" sz="5400" b="0" i="1" smtClean="0">
+                            <a:latin typeface="Cambria Math" panose="02040503050406030204" pitchFamily="18" charset="0"/>
+                          </a:rPr>
+                          <m:t>𝜅</m:t>
+                        </m:r>
+                      </m:oMath>
+                    </m:oMathPara>
+                  </a14:m>
+                  <a:endParaRPr lang="en-US" dirty="0"/>
+                </a:p>
+              </p:txBody>
+            </p:sp>
+          </mc:Choice>
+          <mc:Fallback>
+            <p:sp>
+              <p:nvSpPr>
+                <p:cNvPr id="3" name="Rectangle 2">
+                  <a:extLst>
+                    <a:ext uri="{FF2B5EF4-FFF2-40B4-BE49-F238E27FC236}">
+                      <a16:creationId xmlns:a16="http://schemas.microsoft.com/office/drawing/2014/main" id="{5E25E52B-27C9-4BA5-B9B4-AB4E22C0DA4A}"/>
+                    </a:ext>
+                  </a:extLst>
+                </p:cNvPr>
+                <p:cNvSpPr>
+                  <a:spLocks noRot="1" noChangeAspect="1" noMove="1" noResize="1" noEditPoints="1" noAdjustHandles="1" noChangeArrowheads="1" noChangeShapeType="1" noTextEdit="1"/>
+                </p:cNvSpPr>
+                <p:nvPr/>
+              </p:nvSpPr>
+              <p:spPr>
+                <a:xfrm>
+                  <a:off x="3296855" y="2617711"/>
+                  <a:ext cx="587751" cy="587751"/>
+                </a:xfrm>
+                <a:prstGeom prst="rect">
+                  <a:avLst/>
+                </a:prstGeom>
+                <a:blipFill>
+                  <a:blip r:embed="rId3"/>
+                  <a:stretch>
+                    <a:fillRect/>
+                  </a:stretch>
+                </a:blipFill>
+              </p:spPr>
+              <p:txBody>
+                <a:bodyPr/>
+                <a:lstStyle/>
+                <a:p>
+                  <a:r>
+                    <a:rPr lang="en-US">
+                      <a:noFill/>
+                    </a:rPr>
+                    <a:t> </a:t>
+                  </a:r>
+                </a:p>
+              </p:txBody>
+            </p:sp>
+          </mc:Fallback>
+        </mc:AlternateContent>
+        <p:sp>
+          <p:nvSpPr>
+            <p:cNvPr id="5" name="TextBox 4">
+              <a:extLst>
+                <a:ext uri="{FF2B5EF4-FFF2-40B4-BE49-F238E27FC236}">
+                  <a16:creationId xmlns:a16="http://schemas.microsoft.com/office/drawing/2014/main" id="{C28C1849-D02E-48E5-ACD6-982D02CB91C5}"/>
+                </a:ext>
+              </a:extLst>
+            </p:cNvPr>
+            <p:cNvSpPr txBox="1"/>
+            <p:nvPr/>
+          </p:nvSpPr>
+          <p:spPr>
+            <a:xfrm>
+              <a:off x="383146" y="1805448"/>
+              <a:ext cx="4084323" cy="461665"/>
+            </a:xfrm>
+            <a:prstGeom prst="rect">
+              <a:avLst/>
+            </a:prstGeom>
+            <a:noFill/>
+          </p:spPr>
+          <p:txBody>
+            <a:bodyPr wrap="none" rtlCol="0">
+              <a:spAutoFit/>
+            </a:bodyPr>
+            <a:lstStyle/>
+            <a:p>
+              <a:r>
+                <a:rPr lang="en-US" sz="2400" dirty="0"/>
+                <a:t>compute_fem_laplace_matrix1</a:t>
+              </a:r>
+            </a:p>
+          </p:txBody>
+        </p:sp>
+        <p:sp>
+          <p:nvSpPr>
+            <p:cNvPr id="29" name="TextBox 28">
+              <a:extLst>
+                <a:ext uri="{FF2B5EF4-FFF2-40B4-BE49-F238E27FC236}">
+                  <a16:creationId xmlns:a16="http://schemas.microsoft.com/office/drawing/2014/main" id="{F75FC35B-605B-4DF1-B9CD-08270E6D977E}"/>
+                </a:ext>
+              </a:extLst>
+            </p:cNvPr>
+            <p:cNvSpPr txBox="1"/>
+            <p:nvPr/>
+          </p:nvSpPr>
+          <p:spPr>
+            <a:xfrm>
+              <a:off x="8332289" y="1311109"/>
+              <a:ext cx="2786789" cy="461665"/>
+            </a:xfrm>
+            <a:prstGeom prst="rect">
+              <a:avLst/>
+            </a:prstGeom>
+            <a:noFill/>
+          </p:spPr>
+          <p:txBody>
+            <a:bodyPr wrap="none" rtlCol="0">
+              <a:spAutoFit/>
+            </a:bodyPr>
+            <a:lstStyle/>
+            <a:p>
+              <a:r>
+                <a:rPr lang="en-US" sz="2400" dirty="0"/>
+                <a:t>eval_f_on_gauss_pts</a:t>
+              </a:r>
+            </a:p>
+          </p:txBody>
+        </p:sp>
+        <p:sp>
+          <p:nvSpPr>
+            <p:cNvPr id="30" name="TextBox 29">
+              <a:extLst>
+                <a:ext uri="{FF2B5EF4-FFF2-40B4-BE49-F238E27FC236}">
+                  <a16:creationId xmlns:a16="http://schemas.microsoft.com/office/drawing/2014/main" id="{68D8B202-E9C4-4BE2-99E7-D928CA8EBFD4}"/>
+                </a:ext>
+              </a:extLst>
+            </p:cNvPr>
+            <p:cNvSpPr txBox="1"/>
+            <p:nvPr/>
+          </p:nvSpPr>
+          <p:spPr>
+            <a:xfrm>
+              <a:off x="8065137" y="4088990"/>
+              <a:ext cx="3871957" cy="461665"/>
+            </a:xfrm>
+            <a:prstGeom prst="rect">
+              <a:avLst/>
+            </a:prstGeom>
+            <a:noFill/>
+          </p:spPr>
+          <p:txBody>
+            <a:bodyPr wrap="none" rtlCol="0">
+              <a:spAutoFit/>
+            </a:bodyPr>
+            <a:lstStyle/>
+            <a:p>
+              <a:r>
+                <a:rPr lang="en-US" sz="2400" dirty="0"/>
+                <a:t>compute_fem_source_term1</a:t>
+              </a:r>
+            </a:p>
+          </p:txBody>
+        </p:sp>
+        <p:sp>
+          <p:nvSpPr>
+            <p:cNvPr id="33" name="TextBox 32">
+              <a:extLst>
+                <a:ext uri="{FF2B5EF4-FFF2-40B4-BE49-F238E27FC236}">
+                  <a16:creationId xmlns:a16="http://schemas.microsoft.com/office/drawing/2014/main" id="{2C84D22A-9FAE-4F31-94F0-94A292C17193}"/>
+                </a:ext>
+              </a:extLst>
+            </p:cNvPr>
+            <p:cNvSpPr txBox="1"/>
+            <p:nvPr/>
+          </p:nvSpPr>
+          <p:spPr>
+            <a:xfrm>
+              <a:off x="4591111" y="3641244"/>
+              <a:ext cx="529312" cy="923330"/>
+            </a:xfrm>
+            <a:prstGeom prst="rect">
+              <a:avLst/>
+            </a:prstGeom>
+            <a:noFill/>
+          </p:spPr>
+          <p:txBody>
+            <a:bodyPr wrap="none" rtlCol="0">
+              <a:spAutoFit/>
+            </a:bodyPr>
+            <a:lstStyle/>
+            <a:p>
+              <a:r>
+                <a:rPr lang="en-US" sz="5400" dirty="0"/>
+                <a:t>*</a:t>
+              </a:r>
+            </a:p>
+          </p:txBody>
+        </p:sp>
+        <p:cxnSp>
+          <p:nvCxnSpPr>
+            <p:cNvPr id="35" name="Straight Arrow Connector 34">
+              <a:extLst>
+                <a:ext uri="{FF2B5EF4-FFF2-40B4-BE49-F238E27FC236}">
+                  <a16:creationId xmlns:a16="http://schemas.microsoft.com/office/drawing/2014/main" id="{5F582DAC-7CE9-4FDF-A9A5-39C047CDD7DF}"/>
+                </a:ext>
+              </a:extLst>
+            </p:cNvPr>
+            <p:cNvCxnSpPr>
+              <a:cxnSpLocks/>
+            </p:cNvCxnSpPr>
+            <p:nvPr/>
+          </p:nvCxnSpPr>
+          <p:spPr>
+            <a:xfrm flipV="1">
+              <a:off x="5390544" y="2410870"/>
+              <a:ext cx="0" cy="750305"/>
+            </a:xfrm>
+            <a:prstGeom prst="straightConnector1">
+              <a:avLst/>
+            </a:prstGeom>
+            <a:ln w="76200">
+              <a:solidFill>
+                <a:srgbClr val="0070C0"/>
+              </a:solidFill>
+              <a:headEnd type="triangle" w="med" len="med"/>
+              <a:tailEnd type="none" w="med" len="med"/>
+            </a:ln>
+          </p:spPr>
+          <p:style>
+            <a:lnRef idx="1">
+              <a:schemeClr val="accent1"/>
+            </a:lnRef>
+            <a:fillRef idx="0">
+              <a:schemeClr val="accent1"/>
+            </a:fillRef>
+            <a:effectRef idx="0">
+              <a:schemeClr val="accent1"/>
+            </a:effectRef>
+            <a:fontRef idx="minor">
+              <a:schemeClr val="tx1"/>
+            </a:fontRef>
+          </p:style>
+        </p:cxnSp>
+        <p:cxnSp>
+          <p:nvCxnSpPr>
+            <p:cNvPr id="36" name="Straight Arrow Connector 35">
+              <a:extLst>
+                <a:ext uri="{FF2B5EF4-FFF2-40B4-BE49-F238E27FC236}">
+                  <a16:creationId xmlns:a16="http://schemas.microsoft.com/office/drawing/2014/main" id="{7BC19A40-197C-4CEC-8256-9C4834477E41}"/>
+                </a:ext>
+              </a:extLst>
+            </p:cNvPr>
+            <p:cNvCxnSpPr>
+              <a:cxnSpLocks/>
+            </p:cNvCxnSpPr>
+            <p:nvPr/>
+          </p:nvCxnSpPr>
+          <p:spPr>
+            <a:xfrm flipH="1" flipV="1">
+              <a:off x="4171797" y="3118474"/>
+              <a:ext cx="724116" cy="375152"/>
+            </a:xfrm>
+            <a:prstGeom prst="straightConnector1">
+              <a:avLst/>
+            </a:prstGeom>
+            <a:ln w="76200">
+              <a:solidFill>
+                <a:srgbClr val="0070C0"/>
+              </a:solidFill>
+              <a:headEnd type="triangle" w="med" len="med"/>
+              <a:tailEnd type="none" w="med" len="med"/>
+            </a:ln>
+          </p:spPr>
+          <p:style>
+            <a:lnRef idx="1">
+              <a:schemeClr val="accent1"/>
+            </a:lnRef>
+            <a:fillRef idx="0">
+              <a:schemeClr val="accent1"/>
+            </a:fillRef>
+            <a:effectRef idx="0">
+              <a:schemeClr val="accent1"/>
+            </a:effectRef>
+            <a:fontRef idx="minor">
+              <a:schemeClr val="tx1"/>
+            </a:fontRef>
+          </p:style>
+        </p:cxnSp>
+        <p:cxnSp>
+          <p:nvCxnSpPr>
+            <p:cNvPr id="41" name="Straight Arrow Connector 40">
+              <a:extLst>
+                <a:ext uri="{FF2B5EF4-FFF2-40B4-BE49-F238E27FC236}">
+                  <a16:creationId xmlns:a16="http://schemas.microsoft.com/office/drawing/2014/main" id="{038FBCB5-9142-4311-BE8B-79F4AF8D6593}"/>
+                </a:ext>
+              </a:extLst>
+            </p:cNvPr>
+            <p:cNvCxnSpPr>
+              <a:cxnSpLocks/>
+            </p:cNvCxnSpPr>
+            <p:nvPr/>
+          </p:nvCxnSpPr>
+          <p:spPr>
+            <a:xfrm flipV="1">
+              <a:off x="7399662" y="2410870"/>
+              <a:ext cx="0" cy="750305"/>
+            </a:xfrm>
+            <a:prstGeom prst="straightConnector1">
+              <a:avLst/>
+            </a:prstGeom>
+            <a:ln w="76200">
+              <a:solidFill>
+                <a:srgbClr val="0070C0"/>
+              </a:solidFill>
+              <a:headEnd type="triangle" w="med" len="med"/>
+              <a:tailEnd type="none" w="med" len="med"/>
+            </a:ln>
+          </p:spPr>
+          <p:style>
+            <a:lnRef idx="1">
+              <a:schemeClr val="accent1"/>
+            </a:lnRef>
+            <a:fillRef idx="0">
+              <a:schemeClr val="accent1"/>
+            </a:fillRef>
+            <a:effectRef idx="0">
+              <a:schemeClr val="accent1"/>
+            </a:effectRef>
+            <a:fontRef idx="minor">
+              <a:schemeClr val="tx1"/>
+            </a:fontRef>
+          </p:style>
+        </p:cxnSp>
+        <p:cxnSp>
+          <p:nvCxnSpPr>
+            <p:cNvPr id="42" name="Straight Arrow Connector 41">
+              <a:extLst>
+                <a:ext uri="{FF2B5EF4-FFF2-40B4-BE49-F238E27FC236}">
+                  <a16:creationId xmlns:a16="http://schemas.microsoft.com/office/drawing/2014/main" id="{590DC15F-3801-4649-B913-1CBFA7E2DE1F}"/>
+                </a:ext>
+              </a:extLst>
+            </p:cNvPr>
+            <p:cNvCxnSpPr>
+              <a:cxnSpLocks/>
+            </p:cNvCxnSpPr>
+            <p:nvPr/>
+          </p:nvCxnSpPr>
+          <p:spPr>
+            <a:xfrm flipV="1">
+              <a:off x="6636242" y="3967566"/>
+              <a:ext cx="485922" cy="585776"/>
+            </a:xfrm>
+            <a:prstGeom prst="straightConnector1">
+              <a:avLst/>
+            </a:prstGeom>
+            <a:ln w="76200">
+              <a:solidFill>
+                <a:srgbClr val="0070C0"/>
+              </a:solidFill>
+              <a:headEnd type="triangle" w="med" len="med"/>
+              <a:tailEnd type="none" w="med" len="med"/>
+            </a:ln>
+          </p:spPr>
+          <p:style>
+            <a:lnRef idx="1">
+              <a:schemeClr val="accent1"/>
+            </a:lnRef>
+            <a:fillRef idx="0">
+              <a:schemeClr val="accent1"/>
+            </a:fillRef>
+            <a:effectRef idx="0">
+              <a:schemeClr val="accent1"/>
+            </a:effectRef>
+            <a:fontRef idx="minor">
+              <a:schemeClr val="tx1"/>
+            </a:fontRef>
+          </p:style>
+        </p:cxnSp>
+        <p:cxnSp>
+          <p:nvCxnSpPr>
+            <p:cNvPr id="43" name="Straight Arrow Connector 42">
+              <a:extLst>
+                <a:ext uri="{FF2B5EF4-FFF2-40B4-BE49-F238E27FC236}">
+                  <a16:creationId xmlns:a16="http://schemas.microsoft.com/office/drawing/2014/main" id="{3FB029ED-3127-4CD4-83DF-6F3E549689F5}"/>
+                </a:ext>
+              </a:extLst>
+            </p:cNvPr>
+            <p:cNvCxnSpPr>
+              <a:cxnSpLocks/>
+            </p:cNvCxnSpPr>
+            <p:nvPr/>
+          </p:nvCxnSpPr>
+          <p:spPr>
+            <a:xfrm flipH="1" flipV="1">
+              <a:off x="5619335" y="3984647"/>
+              <a:ext cx="486528" cy="568695"/>
+            </a:xfrm>
+            <a:prstGeom prst="straightConnector1">
+              <a:avLst/>
+            </a:prstGeom>
+            <a:ln w="76200">
+              <a:solidFill>
+                <a:srgbClr val="0070C0"/>
+              </a:solidFill>
+              <a:headEnd type="triangle" w="med" len="med"/>
+              <a:tailEnd type="none" w="med" len="med"/>
+            </a:ln>
+          </p:spPr>
+          <p:style>
+            <a:lnRef idx="1">
+              <a:schemeClr val="accent1"/>
+            </a:lnRef>
+            <a:fillRef idx="0">
+              <a:schemeClr val="accent1"/>
+            </a:fillRef>
+            <a:effectRef idx="0">
+              <a:schemeClr val="accent1"/>
+            </a:effectRef>
+            <a:fontRef idx="minor">
+              <a:schemeClr val="tx1"/>
+            </a:fontRef>
+          </p:style>
+        </p:cxnSp>
+        <p:cxnSp>
+          <p:nvCxnSpPr>
+            <p:cNvPr id="44" name="Straight Arrow Connector 43">
+              <a:extLst>
+                <a:ext uri="{FF2B5EF4-FFF2-40B4-BE49-F238E27FC236}">
+                  <a16:creationId xmlns:a16="http://schemas.microsoft.com/office/drawing/2014/main" id="{04DDD359-CDA6-474E-A7EF-62FA98EB674B}"/>
+                </a:ext>
+              </a:extLst>
+            </p:cNvPr>
+            <p:cNvCxnSpPr>
+              <a:cxnSpLocks/>
+            </p:cNvCxnSpPr>
+            <p:nvPr/>
+          </p:nvCxnSpPr>
+          <p:spPr>
+            <a:xfrm flipH="1" flipV="1">
+              <a:off x="4254757" y="2845110"/>
+              <a:ext cx="724116" cy="375152"/>
+            </a:xfrm>
+            <a:prstGeom prst="straightConnector1">
+              <a:avLst/>
+            </a:prstGeom>
+            <a:ln w="76200">
+              <a:solidFill>
+                <a:srgbClr val="FF0000"/>
+              </a:solidFill>
+              <a:headEnd type="none" w="med" len="med"/>
+              <a:tailEnd type="triangle" w="med" len="med"/>
+            </a:ln>
+          </p:spPr>
+          <p:style>
+            <a:lnRef idx="1">
+              <a:schemeClr val="accent1"/>
+            </a:lnRef>
+            <a:fillRef idx="0">
+              <a:schemeClr val="accent1"/>
+            </a:fillRef>
+            <a:effectRef idx="0">
+              <a:schemeClr val="accent1"/>
+            </a:effectRef>
+            <a:fontRef idx="minor">
+              <a:schemeClr val="tx1"/>
+            </a:fontRef>
+          </p:style>
+        </p:cxnSp>
+        <p:cxnSp>
+          <p:nvCxnSpPr>
+            <p:cNvPr id="45" name="Straight Arrow Connector 44">
+              <a:extLst>
+                <a:ext uri="{FF2B5EF4-FFF2-40B4-BE49-F238E27FC236}">
+                  <a16:creationId xmlns:a16="http://schemas.microsoft.com/office/drawing/2014/main" id="{62E60261-3392-4702-A501-C6580B289C99}"/>
+                </a:ext>
+              </a:extLst>
+            </p:cNvPr>
+            <p:cNvCxnSpPr>
+              <a:cxnSpLocks/>
+            </p:cNvCxnSpPr>
+            <p:nvPr/>
+          </p:nvCxnSpPr>
+          <p:spPr>
+            <a:xfrm flipH="1" flipV="1">
+              <a:off x="5839671" y="3810973"/>
+              <a:ext cx="521139" cy="605907"/>
+            </a:xfrm>
+            <a:prstGeom prst="straightConnector1">
+              <a:avLst/>
+            </a:prstGeom>
+            <a:ln w="76200">
+              <a:solidFill>
+                <a:srgbClr val="FF0000"/>
+              </a:solidFill>
+              <a:headEnd type="none" w="med" len="med"/>
+              <a:tailEnd type="triangle" w="med" len="med"/>
+            </a:ln>
+          </p:spPr>
+          <p:style>
+            <a:lnRef idx="1">
+              <a:schemeClr val="accent1"/>
+            </a:lnRef>
+            <a:fillRef idx="0">
+              <a:schemeClr val="accent1"/>
+            </a:fillRef>
+            <a:effectRef idx="0">
+              <a:schemeClr val="accent1"/>
+            </a:effectRef>
+            <a:fontRef idx="minor">
+              <a:schemeClr val="tx1"/>
+            </a:fontRef>
+          </p:style>
+        </p:cxnSp>
+        <p:cxnSp>
+          <p:nvCxnSpPr>
+            <p:cNvPr id="46" name="Straight Arrow Connector 45">
+              <a:extLst>
+                <a:ext uri="{FF2B5EF4-FFF2-40B4-BE49-F238E27FC236}">
+                  <a16:creationId xmlns:a16="http://schemas.microsoft.com/office/drawing/2014/main" id="{98FEBC64-0DD1-48C2-B1C2-E3385026FA68}"/>
+                </a:ext>
+              </a:extLst>
+            </p:cNvPr>
+            <p:cNvCxnSpPr>
+              <a:cxnSpLocks/>
+            </p:cNvCxnSpPr>
+            <p:nvPr/>
+          </p:nvCxnSpPr>
+          <p:spPr>
+            <a:xfrm flipV="1">
+              <a:off x="6226638" y="5363648"/>
+              <a:ext cx="1" cy="573500"/>
+            </a:xfrm>
+            <a:prstGeom prst="straightConnector1">
+              <a:avLst/>
+            </a:prstGeom>
+            <a:ln w="76200">
+              <a:solidFill>
+                <a:srgbClr val="0070C0"/>
+              </a:solidFill>
+              <a:headEnd type="triangle" w="med" len="med"/>
+              <a:tailEnd type="none" w="med" len="med"/>
+            </a:ln>
+          </p:spPr>
+          <p:style>
+            <a:lnRef idx="1">
+              <a:schemeClr val="accent1"/>
+            </a:lnRef>
+            <a:fillRef idx="0">
+              <a:schemeClr val="accent1"/>
+            </a:fillRef>
+            <a:effectRef idx="0">
+              <a:schemeClr val="accent1"/>
+            </a:effectRef>
+            <a:fontRef idx="minor">
+              <a:schemeClr val="tx1"/>
+            </a:fontRef>
+          </p:style>
+        </p:cxnSp>
+        <p:cxnSp>
+          <p:nvCxnSpPr>
+            <p:cNvPr id="48" name="Straight Arrow Connector 47">
+              <a:extLst>
+                <a:ext uri="{FF2B5EF4-FFF2-40B4-BE49-F238E27FC236}">
+                  <a16:creationId xmlns:a16="http://schemas.microsoft.com/office/drawing/2014/main" id="{EA5D5034-FC1B-4930-8CEC-B187710010C9}"/>
+                </a:ext>
+              </a:extLst>
+            </p:cNvPr>
+            <p:cNvCxnSpPr>
+              <a:cxnSpLocks/>
+            </p:cNvCxnSpPr>
+            <p:nvPr/>
+          </p:nvCxnSpPr>
+          <p:spPr>
+            <a:xfrm flipV="1">
+              <a:off x="6503022" y="5361068"/>
+              <a:ext cx="1" cy="573500"/>
+            </a:xfrm>
+            <a:prstGeom prst="straightConnector1">
+              <a:avLst/>
+            </a:prstGeom>
+            <a:ln w="76200">
+              <a:solidFill>
+                <a:srgbClr val="FF0000"/>
+              </a:solidFill>
+              <a:headEnd type="none" w="med" len="med"/>
+              <a:tailEnd type="triangle" w="med" len="med"/>
+            </a:ln>
+          </p:spPr>
+          <p:style>
+            <a:lnRef idx="1">
+              <a:schemeClr val="accent1"/>
+            </a:lnRef>
+            <a:fillRef idx="0">
+              <a:schemeClr val="accent1"/>
+            </a:fillRef>
+            <a:effectRef idx="0">
+              <a:schemeClr val="accent1"/>
+            </a:effectRef>
+            <a:fontRef idx="minor">
+              <a:schemeClr val="tx1"/>
+            </a:fontRef>
+          </p:style>
+        </p:cxnSp>
+        <p:sp>
+          <p:nvSpPr>
+            <p:cNvPr id="49" name="Oval 48">
+              <a:extLst>
+                <a:ext uri="{FF2B5EF4-FFF2-40B4-BE49-F238E27FC236}">
+                  <a16:creationId xmlns:a16="http://schemas.microsoft.com/office/drawing/2014/main" id="{C9494CD7-E3FA-491A-AFEB-DA6EED6DA05E}"/>
+                </a:ext>
+              </a:extLst>
+            </p:cNvPr>
+            <p:cNvSpPr/>
+            <p:nvPr/>
+          </p:nvSpPr>
+          <p:spPr>
+            <a:xfrm>
+              <a:off x="6105863" y="6098243"/>
+              <a:ext cx="540242" cy="540242"/>
+            </a:xfrm>
+            <a:prstGeom prst="ellipse">
+              <a:avLst/>
+            </a:prstGeom>
+            <a:solidFill>
+              <a:srgbClr val="FFC000"/>
+            </a:solidFill>
+            <a:ln w="57150">
+              <a:solidFill>
+                <a:schemeClr val="accent2">
+                  <a:lumMod val="75000"/>
+                </a:schemeClr>
+              </a:solidFill>
+            </a:ln>
+          </p:spPr>
+          <p:style>
+            <a:lnRef idx="2">
+              <a:schemeClr val="accent1">
+                <a:shade val="50000"/>
+              </a:schemeClr>
+            </a:lnRef>
+            <a:fillRef idx="1">
+              <a:schemeClr val="accent1"/>
+            </a:fillRef>
+            <a:effectRef idx="0">
+              <a:schemeClr val="accent1"/>
+            </a:effectRef>
+            <a:fontRef idx="minor">
+              <a:schemeClr val="lt1"/>
+            </a:fontRef>
+          </p:style>
+          <p:txBody>
+            <a:bodyPr rtlCol="0" anchor="ctr"/>
+            <a:lstStyle/>
+            <a:p>
+              <a:pPr algn="ctr"/>
+              <a:endParaRPr lang="en-US"/>
+            </a:p>
+          </p:txBody>
+        </p:sp>
+        <p:sp>
+          <p:nvSpPr>
+            <p:cNvPr id="50" name="TextBox 49">
+              <a:extLst>
+                <a:ext uri="{FF2B5EF4-FFF2-40B4-BE49-F238E27FC236}">
+                  <a16:creationId xmlns:a16="http://schemas.microsoft.com/office/drawing/2014/main" id="{E042F300-DBD5-4939-A417-7803733ADAC0}"/>
+                </a:ext>
+              </a:extLst>
+            </p:cNvPr>
+            <p:cNvSpPr txBox="1"/>
+            <p:nvPr/>
+          </p:nvSpPr>
+          <p:spPr>
+            <a:xfrm>
+              <a:off x="6755216" y="4760823"/>
+              <a:ext cx="2753831" cy="461665"/>
+            </a:xfrm>
+            <a:prstGeom prst="rect">
+              <a:avLst/>
+            </a:prstGeom>
+            <a:noFill/>
+          </p:spPr>
+          <p:txBody>
+            <a:bodyPr wrap="none" rtlCol="0">
+              <a:spAutoFit/>
+            </a:bodyPr>
+            <a:lstStyle/>
+            <a:p>
+              <a:r>
+                <a:rPr lang="en-US" sz="2400" dirty="0"/>
+                <a:t>Linear System Solver</a:t>
+              </a:r>
+            </a:p>
+          </p:txBody>
+        </p:sp>
+        <p:sp>
+          <p:nvSpPr>
+            <p:cNvPr id="51" name="TextBox 50">
+              <a:extLst>
+                <a:ext uri="{FF2B5EF4-FFF2-40B4-BE49-F238E27FC236}">
+                  <a16:creationId xmlns:a16="http://schemas.microsoft.com/office/drawing/2014/main" id="{900FBB92-E05F-4722-A2F7-7556BDA88224}"/>
+                </a:ext>
+              </a:extLst>
+            </p:cNvPr>
+            <p:cNvSpPr txBox="1"/>
+            <p:nvPr/>
+          </p:nvSpPr>
+          <p:spPr>
+            <a:xfrm>
+              <a:off x="6952090" y="6070032"/>
+              <a:ext cx="1817292" cy="461665"/>
+            </a:xfrm>
+            <a:prstGeom prst="rect">
+              <a:avLst/>
+            </a:prstGeom>
+            <a:noFill/>
+          </p:spPr>
+          <p:txBody>
+            <a:bodyPr wrap="none" rtlCol="0">
+              <a:spAutoFit/>
+            </a:bodyPr>
+            <a:lstStyle/>
+            <a:p>
+              <a:r>
+                <a:rPr lang="en-US" sz="2400" dirty="0"/>
+                <a:t>Squared Loss</a:t>
+              </a:r>
+            </a:p>
+          </p:txBody>
+        </p:sp>
+        <mc:AlternateContent xmlns:mc="http://schemas.openxmlformats.org/markup-compatibility/2006">
+          <mc:Choice xmlns:a14="http://schemas.microsoft.com/office/drawing/2010/main" Requires="a14">
+            <p:sp>
+              <p:nvSpPr>
+                <p:cNvPr id="52" name="TextBox 51">
+                  <a:extLst>
+                    <a:ext uri="{FF2B5EF4-FFF2-40B4-BE49-F238E27FC236}">
+                      <a16:creationId xmlns:a16="http://schemas.microsoft.com/office/drawing/2014/main" id="{0E02AE61-C3B7-4FC1-933A-25BEF11E8BF4}"/>
+                    </a:ext>
+                  </a:extLst>
+                </p:cNvPr>
+                <p:cNvSpPr txBox="1"/>
+                <p:nvPr/>
+              </p:nvSpPr>
+              <p:spPr>
+                <a:xfrm>
+                  <a:off x="6995622" y="5463152"/>
+                  <a:ext cx="253083" cy="369332"/>
+                </a:xfrm>
+                <a:prstGeom prst="rect">
+                  <a:avLst/>
+                </a:prstGeom>
+                <a:noFill/>
+              </p:spPr>
+              <p:txBody>
+                <a:bodyPr wrap="none" lIns="0" tIns="0" rIns="0" bIns="0" rtlCol="0">
+                  <a:spAutoFit/>
+                </a:bodyPr>
+                <a:lstStyle/>
+                <a:p>
+                  <a14:m>
+                    <m:oMathPara xmlns:m="http://schemas.openxmlformats.org/officeDocument/2006/math">
+                      <m:oMathParaPr>
+                        <m:jc m:val="centerGroup"/>
+                      </m:oMathParaPr>
+                      <m:oMath xmlns:m="http://schemas.openxmlformats.org/officeDocument/2006/math">
+                        <m:r>
+                          <a:rPr lang="en-US" sz="2400" b="0" i="1" smtClean="0">
+                            <a:latin typeface="Cambria Math" panose="02040503050406030204" pitchFamily="18" charset="0"/>
+                          </a:rPr>
+                          <m:t>𝑢</m:t>
+                        </m:r>
+                      </m:oMath>
+                    </m:oMathPara>
+                  </a14:m>
+                  <a:endParaRPr lang="en-US" sz="2400" dirty="0"/>
+                </a:p>
+              </p:txBody>
+            </p:sp>
+          </mc:Choice>
+          <mc:Fallback>
+            <p:sp>
+              <p:nvSpPr>
+                <p:cNvPr id="52" name="TextBox 51">
+                  <a:extLst>
+                    <a:ext uri="{FF2B5EF4-FFF2-40B4-BE49-F238E27FC236}">
+                      <a16:creationId xmlns:a16="http://schemas.microsoft.com/office/drawing/2014/main" id="{0E02AE61-C3B7-4FC1-933A-25BEF11E8BF4}"/>
+                    </a:ext>
+                  </a:extLst>
+                </p:cNvPr>
+                <p:cNvSpPr txBox="1">
+                  <a:spLocks noRot="1" noChangeAspect="1" noMove="1" noResize="1" noEditPoints="1" noAdjustHandles="1" noChangeArrowheads="1" noChangeShapeType="1" noTextEdit="1"/>
+                </p:cNvSpPr>
+                <p:nvPr/>
+              </p:nvSpPr>
+              <p:spPr>
+                <a:xfrm>
+                  <a:off x="6995622" y="5463152"/>
+                  <a:ext cx="253083" cy="369332"/>
+                </a:xfrm>
+                <a:prstGeom prst="rect">
+                  <a:avLst/>
+                </a:prstGeom>
+                <a:blipFill>
+                  <a:blip r:embed="rId4"/>
+                  <a:stretch>
+                    <a:fillRect l="-17073" r="-14634"/>
+                  </a:stretch>
+                </a:blipFill>
+              </p:spPr>
+              <p:txBody>
+                <a:bodyPr/>
+                <a:lstStyle/>
+                <a:p>
+                  <a:r>
+                    <a:rPr lang="en-US">
+                      <a:noFill/>
+                    </a:rPr>
+                    <a:t> </a:t>
+                  </a:r>
+                </a:p>
+              </p:txBody>
+            </p:sp>
+          </mc:Fallback>
+        </mc:AlternateContent>
+        <mc:AlternateContent xmlns:mc="http://schemas.openxmlformats.org/markup-compatibility/2006">
+          <mc:Choice xmlns:a14="http://schemas.microsoft.com/office/drawing/2010/main" Requires="a14">
+            <p:sp>
+              <p:nvSpPr>
+                <p:cNvPr id="53" name="TextBox 52">
+                  <a:extLst>
+                    <a:ext uri="{FF2B5EF4-FFF2-40B4-BE49-F238E27FC236}">
+                      <a16:creationId xmlns:a16="http://schemas.microsoft.com/office/drawing/2014/main" id="{C9EFBCA0-EE76-4663-B338-60D1A9CFEE98}"/>
+                    </a:ext>
+                  </a:extLst>
+                </p:cNvPr>
+                <p:cNvSpPr txBox="1"/>
+                <p:nvPr/>
+              </p:nvSpPr>
+              <p:spPr>
+                <a:xfrm>
+                  <a:off x="7146579" y="4145846"/>
+                  <a:ext cx="268535" cy="369332"/>
+                </a:xfrm>
+                <a:prstGeom prst="rect">
+                  <a:avLst/>
+                </a:prstGeom>
+                <a:noFill/>
+              </p:spPr>
+              <p:txBody>
+                <a:bodyPr wrap="none" lIns="0" tIns="0" rIns="0" bIns="0" rtlCol="0">
+                  <a:spAutoFit/>
+                </a:bodyPr>
+                <a:lstStyle/>
+                <a:p>
+                  <a14:m>
+                    <m:oMathPara xmlns:m="http://schemas.openxmlformats.org/officeDocument/2006/math">
+                      <m:oMathParaPr>
+                        <m:jc m:val="centerGroup"/>
+                      </m:oMathParaPr>
+                      <m:oMath xmlns:m="http://schemas.openxmlformats.org/officeDocument/2006/math">
+                        <m:r>
+                          <a:rPr lang="en-US" sz="2400" b="0" i="1" smtClean="0">
+                            <a:latin typeface="Cambria Math" panose="02040503050406030204" pitchFamily="18" charset="0"/>
+                          </a:rPr>
+                          <m:t>𝐹</m:t>
+                        </m:r>
+                      </m:oMath>
+                    </m:oMathPara>
+                  </a14:m>
+                  <a:endParaRPr lang="en-US" sz="2400" dirty="0"/>
+                </a:p>
+              </p:txBody>
+            </p:sp>
+          </mc:Choice>
+          <mc:Fallback>
+            <p:sp>
+              <p:nvSpPr>
+                <p:cNvPr id="53" name="TextBox 52">
+                  <a:extLst>
+                    <a:ext uri="{FF2B5EF4-FFF2-40B4-BE49-F238E27FC236}">
+                      <a16:creationId xmlns:a16="http://schemas.microsoft.com/office/drawing/2014/main" id="{C9EFBCA0-EE76-4663-B338-60D1A9CFEE98}"/>
+                    </a:ext>
+                  </a:extLst>
+                </p:cNvPr>
+                <p:cNvSpPr txBox="1">
+                  <a:spLocks noRot="1" noChangeAspect="1" noMove="1" noResize="1" noEditPoints="1" noAdjustHandles="1" noChangeArrowheads="1" noChangeShapeType="1" noTextEdit="1"/>
+                </p:cNvSpPr>
+                <p:nvPr/>
+              </p:nvSpPr>
+              <p:spPr>
+                <a:xfrm>
+                  <a:off x="7146579" y="4145846"/>
+                  <a:ext cx="268535" cy="369332"/>
+                </a:xfrm>
+                <a:prstGeom prst="rect">
+                  <a:avLst/>
+                </a:prstGeom>
+                <a:blipFill>
+                  <a:blip r:embed="rId5"/>
+                  <a:stretch>
+                    <a:fillRect l="-25000" r="-25000" b="-6557"/>
+                  </a:stretch>
+                </a:blipFill>
+              </p:spPr>
+              <p:txBody>
+                <a:bodyPr/>
+                <a:lstStyle/>
+                <a:p>
+                  <a:r>
+                    <a:rPr lang="en-US">
+                      <a:noFill/>
+                    </a:rPr>
+                    <a:t> </a:t>
+                  </a:r>
+                </a:p>
+              </p:txBody>
+            </p:sp>
+          </mc:Fallback>
+        </mc:AlternateContent>
+        <mc:AlternateContent xmlns:mc="http://schemas.openxmlformats.org/markup-compatibility/2006">
+          <mc:Choice xmlns:a14="http://schemas.microsoft.com/office/drawing/2010/main" Requires="a14">
+            <p:sp>
+              <p:nvSpPr>
+                <p:cNvPr id="54" name="TextBox 53">
+                  <a:extLst>
+                    <a:ext uri="{FF2B5EF4-FFF2-40B4-BE49-F238E27FC236}">
+                      <a16:creationId xmlns:a16="http://schemas.microsoft.com/office/drawing/2014/main" id="{62E45605-E6EC-4F62-B480-968084778902}"/>
+                    </a:ext>
+                  </a:extLst>
+                </p:cNvPr>
+                <p:cNvSpPr txBox="1"/>
+                <p:nvPr/>
+              </p:nvSpPr>
+              <p:spPr>
+                <a:xfrm>
+                  <a:off x="5341749" y="4232214"/>
+                  <a:ext cx="267509" cy="369332"/>
+                </a:xfrm>
+                <a:prstGeom prst="rect">
+                  <a:avLst/>
+                </a:prstGeom>
+                <a:noFill/>
+              </p:spPr>
+              <p:txBody>
+                <a:bodyPr wrap="none" lIns="0" tIns="0" rIns="0" bIns="0" rtlCol="0">
+                  <a:spAutoFit/>
+                </a:bodyPr>
+                <a:lstStyle/>
+                <a:p>
+                  <a14:m>
+                    <m:oMathPara xmlns:m="http://schemas.openxmlformats.org/officeDocument/2006/math">
+                      <m:oMathParaPr>
+                        <m:jc m:val="centerGroup"/>
+                      </m:oMathParaPr>
+                      <m:oMath xmlns:m="http://schemas.openxmlformats.org/officeDocument/2006/math">
+                        <m:r>
+                          <a:rPr lang="en-US" sz="2400" b="0" i="1" smtClean="0">
+                            <a:latin typeface="Cambria Math" panose="02040503050406030204" pitchFamily="18" charset="0"/>
+                          </a:rPr>
+                          <m:t>𝐴</m:t>
+                        </m:r>
+                      </m:oMath>
+                    </m:oMathPara>
+                  </a14:m>
+                  <a:endParaRPr lang="en-US" sz="2400" dirty="0"/>
+                </a:p>
+              </p:txBody>
+            </p:sp>
+          </mc:Choice>
+          <mc:Fallback>
+            <p:sp>
+              <p:nvSpPr>
+                <p:cNvPr id="54" name="TextBox 53">
+                  <a:extLst>
+                    <a:ext uri="{FF2B5EF4-FFF2-40B4-BE49-F238E27FC236}">
+                      <a16:creationId xmlns:a16="http://schemas.microsoft.com/office/drawing/2014/main" id="{62E45605-E6EC-4F62-B480-968084778902}"/>
+                    </a:ext>
+                  </a:extLst>
+                </p:cNvPr>
+                <p:cNvSpPr txBox="1">
+                  <a:spLocks noRot="1" noChangeAspect="1" noMove="1" noResize="1" noEditPoints="1" noAdjustHandles="1" noChangeArrowheads="1" noChangeShapeType="1" noTextEdit="1"/>
+                </p:cNvSpPr>
+                <p:nvPr/>
+              </p:nvSpPr>
+              <p:spPr>
+                <a:xfrm>
+                  <a:off x="5341749" y="4232214"/>
+                  <a:ext cx="267509" cy="369332"/>
+                </a:xfrm>
+                <a:prstGeom prst="rect">
+                  <a:avLst/>
+                </a:prstGeom>
+                <a:blipFill>
+                  <a:blip r:embed="rId6"/>
+                  <a:stretch>
+                    <a:fillRect l="-25000" r="-27273" b="-6557"/>
+                  </a:stretch>
+                </a:blipFill>
+              </p:spPr>
+              <p:txBody>
+                <a:bodyPr/>
+                <a:lstStyle/>
+                <a:p>
+                  <a:r>
+                    <a:rPr lang="en-US">
+                      <a:noFill/>
+                    </a:rPr>
+                    <a:t> </a:t>
+                  </a:r>
+                </a:p>
+              </p:txBody>
+            </p:sp>
+          </mc:Fallback>
+        </mc:AlternateContent>
+        <p:sp>
+          <p:nvSpPr>
+            <p:cNvPr id="57" name="Rectangle 56">
+              <a:extLst>
+                <a:ext uri="{FF2B5EF4-FFF2-40B4-BE49-F238E27FC236}">
+                  <a16:creationId xmlns:a16="http://schemas.microsoft.com/office/drawing/2014/main" id="{E97E2B97-EEEE-4527-A669-7CA53EA17399}"/>
+                </a:ext>
+              </a:extLst>
+            </p:cNvPr>
+            <p:cNvSpPr/>
+            <p:nvPr/>
+          </p:nvSpPr>
+          <p:spPr>
+            <a:xfrm>
+              <a:off x="4284202" y="4968407"/>
+              <a:ext cx="753455" cy="797043"/>
+            </a:xfrm>
+            <a:prstGeom prst="rect">
+              <a:avLst/>
+            </a:prstGeom>
+            <a:noFill/>
+            <a:ln>
+              <a:solidFill>
+                <a:srgbClr val="0070C0"/>
+              </a:solidFill>
+            </a:ln>
+          </p:spPr>
+          <p:style>
+            <a:lnRef idx="2">
+              <a:schemeClr val="accent1">
+                <a:shade val="50000"/>
+              </a:schemeClr>
+            </a:lnRef>
+            <a:fillRef idx="1">
+              <a:schemeClr val="accent1"/>
+            </a:fillRef>
+            <a:effectRef idx="0">
+              <a:schemeClr val="accent1"/>
+            </a:effectRef>
+            <a:fontRef idx="minor">
+              <a:schemeClr val="lt1"/>
+            </a:fontRef>
+          </p:style>
+          <p:txBody>
+            <a:bodyPr rtlCol="0" anchor="ctr"/>
+            <a:lstStyle/>
+            <a:p>
+              <a:pPr algn="ctr"/>
+              <a:r>
+                <a:rPr lang="en-US" sz="2400" dirty="0">
+                  <a:solidFill>
+                    <a:schemeClr val="tx1"/>
+                  </a:solidFill>
+                  <a:latin typeface="Courier New" panose="02070309020205020404" pitchFamily="49" charset="0"/>
+                  <a:cs typeface="Courier New" panose="02070309020205020404" pitchFamily="49" charset="0"/>
+                </a:rPr>
+                <a:t>obs</a:t>
+              </a:r>
+              <a:endParaRPr lang="en-US" dirty="0">
+                <a:solidFill>
+                  <a:schemeClr val="tx1"/>
+                </a:solidFill>
+                <a:latin typeface="Courier New" panose="02070309020205020404" pitchFamily="49" charset="0"/>
+                <a:cs typeface="Courier New" panose="02070309020205020404" pitchFamily="49" charset="0"/>
+              </a:endParaRPr>
+            </a:p>
+          </p:txBody>
+        </p:sp>
+        <p:cxnSp>
+          <p:nvCxnSpPr>
+            <p:cNvPr id="58" name="Straight Arrow Connector 57">
+              <a:extLst>
+                <a:ext uri="{FF2B5EF4-FFF2-40B4-BE49-F238E27FC236}">
+                  <a16:creationId xmlns:a16="http://schemas.microsoft.com/office/drawing/2014/main" id="{59D9CB19-86E5-4A69-8E45-CF91557549C7}"/>
+                </a:ext>
+              </a:extLst>
+            </p:cNvPr>
+            <p:cNvCxnSpPr>
+              <a:cxnSpLocks/>
+            </p:cNvCxnSpPr>
+            <p:nvPr/>
+          </p:nvCxnSpPr>
+          <p:spPr>
+            <a:xfrm flipH="1" flipV="1">
+              <a:off x="5196560" y="5647819"/>
+              <a:ext cx="666039" cy="450424"/>
+            </a:xfrm>
+            <a:prstGeom prst="straightConnector1">
+              <a:avLst/>
+            </a:prstGeom>
+            <a:ln w="76200">
+              <a:solidFill>
+                <a:srgbClr val="0070C0"/>
+              </a:solidFill>
+              <a:headEnd type="triangle" w="med" len="med"/>
+              <a:tailEnd type="none" w="med" len="med"/>
+            </a:ln>
+          </p:spPr>
+          <p:style>
+            <a:lnRef idx="1">
+              <a:schemeClr val="accent1"/>
+            </a:lnRef>
+            <a:fillRef idx="0">
+              <a:schemeClr val="accent1"/>
+            </a:fillRef>
+            <a:effectRef idx="0">
+              <a:schemeClr val="accent1"/>
+            </a:effectRef>
+            <a:fontRef idx="minor">
+              <a:schemeClr val="tx1"/>
+            </a:fontRef>
+          </p:style>
+        </p:cxnSp>
+        <p:cxnSp>
+          <p:nvCxnSpPr>
+            <p:cNvPr id="61" name="Straight Arrow Connector 60">
+              <a:extLst>
+                <a:ext uri="{FF2B5EF4-FFF2-40B4-BE49-F238E27FC236}">
+                  <a16:creationId xmlns:a16="http://schemas.microsoft.com/office/drawing/2014/main" id="{AD2CD7F6-0438-486B-9667-E742AD92E6EA}"/>
+                </a:ext>
+              </a:extLst>
+            </p:cNvPr>
+            <p:cNvCxnSpPr>
+              <a:cxnSpLocks/>
+            </p:cNvCxnSpPr>
+            <p:nvPr/>
+          </p:nvCxnSpPr>
+          <p:spPr>
+            <a:xfrm flipV="1">
+              <a:off x="6226637" y="6802160"/>
+              <a:ext cx="1" cy="573500"/>
+            </a:xfrm>
+            <a:prstGeom prst="straightConnector1">
+              <a:avLst/>
+            </a:prstGeom>
+            <a:ln w="76200">
+              <a:solidFill>
+                <a:srgbClr val="0070C0"/>
+              </a:solidFill>
+              <a:headEnd type="triangle" w="med" len="med"/>
+              <a:tailEnd type="none" w="med" len="med"/>
+            </a:ln>
+          </p:spPr>
+          <p:style>
+            <a:lnRef idx="1">
+              <a:schemeClr val="accent1"/>
+            </a:lnRef>
+            <a:fillRef idx="0">
+              <a:schemeClr val="accent1"/>
+            </a:fillRef>
+            <a:effectRef idx="0">
+              <a:schemeClr val="accent1"/>
+            </a:effectRef>
+            <a:fontRef idx="minor">
+              <a:schemeClr val="tx1"/>
+            </a:fontRef>
+          </p:style>
+        </p:cxnSp>
+        <p:cxnSp>
+          <p:nvCxnSpPr>
+            <p:cNvPr id="62" name="Straight Arrow Connector 61">
+              <a:extLst>
+                <a:ext uri="{FF2B5EF4-FFF2-40B4-BE49-F238E27FC236}">
+                  <a16:creationId xmlns:a16="http://schemas.microsoft.com/office/drawing/2014/main" id="{FA5189B4-5A63-4E61-9527-DCA4A2589D09}"/>
+                </a:ext>
+              </a:extLst>
+            </p:cNvPr>
+            <p:cNvCxnSpPr>
+              <a:cxnSpLocks/>
+            </p:cNvCxnSpPr>
+            <p:nvPr/>
+          </p:nvCxnSpPr>
+          <p:spPr>
+            <a:xfrm flipV="1">
+              <a:off x="6503021" y="6799580"/>
+              <a:ext cx="1" cy="573500"/>
+            </a:xfrm>
+            <a:prstGeom prst="straightConnector1">
+              <a:avLst/>
+            </a:prstGeom>
+            <a:ln w="76200">
+              <a:solidFill>
+                <a:srgbClr val="FF0000"/>
+              </a:solidFill>
+              <a:headEnd type="none" w="med" len="med"/>
+              <a:tailEnd type="triangle" w="med" len="med"/>
+            </a:ln>
+          </p:spPr>
+          <p:style>
+            <a:lnRef idx="1">
+              <a:schemeClr val="accent1"/>
+            </a:lnRef>
+            <a:fillRef idx="0">
+              <a:schemeClr val="accent1"/>
+            </a:fillRef>
+            <a:effectRef idx="0">
+              <a:schemeClr val="accent1"/>
+            </a:effectRef>
+            <a:fontRef idx="minor">
+              <a:schemeClr val="tx1"/>
+            </a:fontRef>
+          </p:style>
+        </p:cxnSp>
+        <p:sp>
+          <p:nvSpPr>
+            <p:cNvPr id="63" name="Rectangle 62">
+              <a:extLst>
+                <a:ext uri="{FF2B5EF4-FFF2-40B4-BE49-F238E27FC236}">
+                  <a16:creationId xmlns:a16="http://schemas.microsoft.com/office/drawing/2014/main" id="{4B2875EE-857F-42EC-8836-9362524A3760}"/>
+                </a:ext>
+              </a:extLst>
+            </p:cNvPr>
+            <p:cNvSpPr/>
+            <p:nvPr/>
+          </p:nvSpPr>
+          <p:spPr>
+            <a:xfrm>
+              <a:off x="5862599" y="7479469"/>
+              <a:ext cx="993857" cy="1051352"/>
+            </a:xfrm>
+            <a:prstGeom prst="rect">
+              <a:avLst/>
+            </a:prstGeom>
+            <a:noFill/>
+            <a:ln>
+              <a:solidFill>
+                <a:srgbClr val="0070C0"/>
+              </a:solidFill>
+            </a:ln>
+          </p:spPr>
+          <p:style>
+            <a:lnRef idx="2">
+              <a:schemeClr val="accent1">
+                <a:shade val="50000"/>
+              </a:schemeClr>
+            </a:lnRef>
+            <a:fillRef idx="1">
+              <a:schemeClr val="accent1"/>
+            </a:fillRef>
+            <a:effectRef idx="0">
+              <a:schemeClr val="accent1"/>
+            </a:effectRef>
+            <a:fontRef idx="minor">
+              <a:schemeClr val="lt1"/>
+            </a:fontRef>
+          </p:style>
+          <p:txBody>
+            <a:bodyPr rtlCol="0" anchor="ctr"/>
+            <a:lstStyle/>
+            <a:p>
+              <a:pPr algn="ctr"/>
+              <a:r>
+                <a:rPr lang="en-US" sz="2400" dirty="0">
+                  <a:solidFill>
+                    <a:schemeClr val="tx1"/>
+                  </a:solidFill>
+                  <a:latin typeface="Courier New" panose="02070309020205020404" pitchFamily="49" charset="0"/>
+                  <a:cs typeface="Courier New" panose="02070309020205020404" pitchFamily="49" charset="0"/>
+                </a:rPr>
+                <a:t>loss</a:t>
+              </a:r>
+              <a:endParaRPr lang="en-US" dirty="0">
+                <a:solidFill>
+                  <a:schemeClr val="tx1"/>
+                </a:solidFill>
+                <a:latin typeface="Courier New" panose="02070309020205020404" pitchFamily="49" charset="0"/>
+                <a:cs typeface="Courier New" panose="02070309020205020404" pitchFamily="49" charset="0"/>
+              </a:endParaRPr>
+            </a:p>
+          </p:txBody>
+        </p:sp>
+        <p:sp>
+          <p:nvSpPr>
+            <p:cNvPr id="64" name="Oval 63">
+              <a:extLst>
+                <a:ext uri="{FF2B5EF4-FFF2-40B4-BE49-F238E27FC236}">
+                  <a16:creationId xmlns:a16="http://schemas.microsoft.com/office/drawing/2014/main" id="{60A93904-38A7-4771-B53A-7557E11D38EC}"/>
+                </a:ext>
+              </a:extLst>
+            </p:cNvPr>
+            <p:cNvSpPr/>
+            <p:nvPr/>
+          </p:nvSpPr>
+          <p:spPr>
+            <a:xfrm rot="1546298">
+              <a:off x="4319952" y="1226639"/>
+              <a:ext cx="5118502" cy="2492209"/>
+            </a:xfrm>
+            <a:prstGeom prst="ellipse">
+              <a:avLst/>
+            </a:prstGeom>
+            <a:noFill/>
+            <a:ln>
+              <a:solidFill>
+                <a:schemeClr val="tx1"/>
+              </a:solidFill>
+              <a:prstDash val="lgDash"/>
+            </a:ln>
+          </p:spPr>
+          <p:style>
+            <a:lnRef idx="2">
+              <a:schemeClr val="accent1">
+                <a:shade val="50000"/>
+              </a:schemeClr>
+            </a:lnRef>
+            <a:fillRef idx="1">
+              <a:schemeClr val="accent1"/>
+            </a:fillRef>
+            <a:effectRef idx="0">
+              <a:schemeClr val="accent1"/>
+            </a:effectRef>
+            <a:fontRef idx="minor">
+              <a:schemeClr val="lt1"/>
+            </a:fontRef>
+          </p:style>
+          <p:txBody>
+            <a:bodyPr rtlCol="0" anchor="ctr"/>
+            <a:lstStyle/>
+            <a:p>
+              <a:pPr algn="ctr"/>
+              <a:endParaRPr lang="en-US"/>
+            </a:p>
+          </p:txBody>
+        </p:sp>
+        <p:sp>
+          <p:nvSpPr>
+            <p:cNvPr id="65" name="TextBox 64">
+              <a:extLst>
+                <a:ext uri="{FF2B5EF4-FFF2-40B4-BE49-F238E27FC236}">
+                  <a16:creationId xmlns:a16="http://schemas.microsoft.com/office/drawing/2014/main" id="{A203B544-4CED-4E46-89DE-E501DA93B56A}"/>
+                </a:ext>
+              </a:extLst>
+            </p:cNvPr>
+            <p:cNvSpPr txBox="1"/>
+            <p:nvPr/>
+          </p:nvSpPr>
+          <p:spPr>
+            <a:xfrm>
+              <a:off x="3618824" y="315184"/>
+              <a:ext cx="4171398" cy="461665"/>
+            </a:xfrm>
+            <a:prstGeom prst="rect">
+              <a:avLst/>
+            </a:prstGeom>
+            <a:noFill/>
+          </p:spPr>
+          <p:txBody>
+            <a:bodyPr wrap="none" rtlCol="0">
+              <a:spAutoFit/>
+            </a:bodyPr>
+            <a:lstStyle/>
+            <a:p>
+              <a:r>
+                <a:rPr lang="en-US" sz="2400" b="1" dirty="0"/>
+                <a:t>Computed at Compilation Time</a:t>
+              </a:r>
+            </a:p>
+          </p:txBody>
+        </p:sp>
+        <p:cxnSp>
+          <p:nvCxnSpPr>
+            <p:cNvPr id="67" name="Straight Arrow Connector 66">
+              <a:extLst>
+                <a:ext uri="{FF2B5EF4-FFF2-40B4-BE49-F238E27FC236}">
+                  <a16:creationId xmlns:a16="http://schemas.microsoft.com/office/drawing/2014/main" id="{0041CE24-3D2F-4992-892B-4F6152EBA101}"/>
+                </a:ext>
+              </a:extLst>
+            </p:cNvPr>
+            <p:cNvCxnSpPr/>
+            <p:nvPr/>
+          </p:nvCxnSpPr>
+          <p:spPr>
+            <a:xfrm>
+              <a:off x="4467469" y="2032162"/>
+              <a:ext cx="530551" cy="0"/>
+            </a:xfrm>
+            <a:prstGeom prst="straightConnector1">
+              <a:avLst/>
+            </a:prstGeom>
+            <a:ln w="57150">
+              <a:solidFill>
+                <a:schemeClr val="tx1"/>
+              </a:solidFill>
+              <a:headEnd type="none" w="med" len="med"/>
+              <a:tailEnd type="arrow" w="med" len="med"/>
+            </a:ln>
+          </p:spPr>
+          <p:style>
+            <a:lnRef idx="1">
+              <a:schemeClr val="accent1"/>
+            </a:lnRef>
+            <a:fillRef idx="0">
+              <a:schemeClr val="accent1"/>
+            </a:fillRef>
+            <a:effectRef idx="0">
+              <a:schemeClr val="accent1"/>
+            </a:effectRef>
+            <a:fontRef idx="minor">
+              <a:schemeClr val="tx1"/>
+            </a:fontRef>
+          </p:style>
+        </p:cxnSp>
+        <p:cxnSp>
+          <p:nvCxnSpPr>
+            <p:cNvPr id="68" name="Straight Arrow Connector 67">
+              <a:extLst>
+                <a:ext uri="{FF2B5EF4-FFF2-40B4-BE49-F238E27FC236}">
+                  <a16:creationId xmlns:a16="http://schemas.microsoft.com/office/drawing/2014/main" id="{C55AF8D9-0E74-48A1-B3BA-B84E35F51F6C}"/>
+                </a:ext>
+              </a:extLst>
+            </p:cNvPr>
+            <p:cNvCxnSpPr>
+              <a:cxnSpLocks/>
+            </p:cNvCxnSpPr>
+            <p:nvPr/>
+          </p:nvCxnSpPr>
+          <p:spPr>
+            <a:xfrm flipH="1">
+              <a:off x="7860736" y="1807837"/>
+              <a:ext cx="646549" cy="224325"/>
+            </a:xfrm>
+            <a:prstGeom prst="straightConnector1">
+              <a:avLst/>
+            </a:prstGeom>
+            <a:ln w="57150">
+              <a:solidFill>
+                <a:schemeClr val="tx1"/>
+              </a:solidFill>
+              <a:headEnd type="none" w="med" len="med"/>
+              <a:tailEnd type="arrow" w="med" len="med"/>
+            </a:ln>
+          </p:spPr>
+          <p:style>
+            <a:lnRef idx="1">
+              <a:schemeClr val="accent1"/>
+            </a:lnRef>
+            <a:fillRef idx="0">
+              <a:schemeClr val="accent1"/>
+            </a:fillRef>
+            <a:effectRef idx="0">
+              <a:schemeClr val="accent1"/>
+            </a:effectRef>
+            <a:fontRef idx="minor">
+              <a:schemeClr val="tx1"/>
+            </a:fontRef>
+          </p:style>
+        </p:cxnSp>
+        <p:cxnSp>
+          <p:nvCxnSpPr>
+            <p:cNvPr id="70" name="Straight Arrow Connector 69">
+              <a:extLst>
+                <a:ext uri="{FF2B5EF4-FFF2-40B4-BE49-F238E27FC236}">
+                  <a16:creationId xmlns:a16="http://schemas.microsoft.com/office/drawing/2014/main" id="{469AE3E2-7D15-40ED-819C-EAAFFEDD983A}"/>
+                </a:ext>
+              </a:extLst>
+            </p:cNvPr>
+            <p:cNvCxnSpPr>
+              <a:cxnSpLocks/>
+            </p:cNvCxnSpPr>
+            <p:nvPr/>
+          </p:nvCxnSpPr>
+          <p:spPr>
+            <a:xfrm flipH="1" flipV="1">
+              <a:off x="7801268" y="3665218"/>
+              <a:ext cx="968114" cy="448708"/>
+            </a:xfrm>
+            <a:prstGeom prst="straightConnector1">
+              <a:avLst/>
+            </a:prstGeom>
+            <a:ln w="57150">
+              <a:solidFill>
+                <a:schemeClr val="tx1"/>
+              </a:solidFill>
+              <a:headEnd type="none" w="med" len="med"/>
+              <a:tailEnd type="arrow" w="med" len="med"/>
+            </a:ln>
+          </p:spPr>
+          <p:style>
+            <a:lnRef idx="1">
+              <a:schemeClr val="accent1"/>
+            </a:lnRef>
+            <a:fillRef idx="0">
+              <a:schemeClr val="accent1"/>
+            </a:fillRef>
+            <a:effectRef idx="0">
+              <a:schemeClr val="accent1"/>
+            </a:effectRef>
+            <a:fontRef idx="minor">
+              <a:schemeClr val="tx1"/>
+            </a:fontRef>
+          </p:style>
+        </p:cxnSp>
+        <p:cxnSp>
+          <p:nvCxnSpPr>
+            <p:cNvPr id="72" name="Straight Arrow Connector 71">
+              <a:extLst>
+                <a:ext uri="{FF2B5EF4-FFF2-40B4-BE49-F238E27FC236}">
+                  <a16:creationId xmlns:a16="http://schemas.microsoft.com/office/drawing/2014/main" id="{D718CA60-2C93-47C0-940C-8A3622CCDE2A}"/>
+                </a:ext>
+              </a:extLst>
+            </p:cNvPr>
+            <p:cNvCxnSpPr>
+              <a:cxnSpLocks/>
+            </p:cNvCxnSpPr>
+            <p:nvPr/>
+          </p:nvCxnSpPr>
+          <p:spPr>
+            <a:xfrm flipH="1" flipV="1">
+              <a:off x="826330" y="7161111"/>
+              <a:ext cx="873325" cy="23894"/>
+            </a:xfrm>
+            <a:prstGeom prst="straightConnector1">
+              <a:avLst/>
+            </a:prstGeom>
+            <a:ln w="76200">
+              <a:solidFill>
+                <a:srgbClr val="0070C0"/>
+              </a:solidFill>
+              <a:headEnd type="triangle" w="med" len="med"/>
+              <a:tailEnd type="none" w="med" len="med"/>
+            </a:ln>
+          </p:spPr>
+          <p:style>
+            <a:lnRef idx="1">
+              <a:schemeClr val="accent1"/>
+            </a:lnRef>
+            <a:fillRef idx="0">
+              <a:schemeClr val="accent1"/>
+            </a:fillRef>
+            <a:effectRef idx="0">
+              <a:schemeClr val="accent1"/>
+            </a:effectRef>
+            <a:fontRef idx="minor">
+              <a:schemeClr val="tx1"/>
+            </a:fontRef>
+          </p:style>
+        </p:cxnSp>
+        <p:cxnSp>
+          <p:nvCxnSpPr>
+            <p:cNvPr id="73" name="Straight Arrow Connector 72">
+              <a:extLst>
+                <a:ext uri="{FF2B5EF4-FFF2-40B4-BE49-F238E27FC236}">
+                  <a16:creationId xmlns:a16="http://schemas.microsoft.com/office/drawing/2014/main" id="{A306C58C-B0DE-49B1-9F0A-41CB1028A35E}"/>
+                </a:ext>
+              </a:extLst>
+            </p:cNvPr>
+            <p:cNvCxnSpPr>
+              <a:cxnSpLocks/>
+            </p:cNvCxnSpPr>
+            <p:nvPr/>
+          </p:nvCxnSpPr>
+          <p:spPr>
+            <a:xfrm flipH="1" flipV="1">
+              <a:off x="826330" y="7978466"/>
+              <a:ext cx="869791" cy="26679"/>
+            </a:xfrm>
+            <a:prstGeom prst="straightConnector1">
+              <a:avLst/>
+            </a:prstGeom>
+            <a:ln w="76200">
+              <a:solidFill>
+                <a:srgbClr val="FF0000"/>
+              </a:solidFill>
+              <a:headEnd type="none" w="med" len="med"/>
+              <a:tailEnd type="triangle" w="med" len="med"/>
+            </a:ln>
+          </p:spPr>
+          <p:style>
+            <a:lnRef idx="1">
+              <a:schemeClr val="accent1"/>
+            </a:lnRef>
+            <a:fillRef idx="0">
+              <a:schemeClr val="accent1"/>
+            </a:fillRef>
+            <a:effectRef idx="0">
+              <a:schemeClr val="accent1"/>
+            </a:effectRef>
+            <a:fontRef idx="minor">
+              <a:schemeClr val="tx1"/>
+            </a:fontRef>
+          </p:style>
+        </p:cxnSp>
+        <p:sp>
+          <p:nvSpPr>
+            <p:cNvPr id="76" name="TextBox 75">
+              <a:extLst>
+                <a:ext uri="{FF2B5EF4-FFF2-40B4-BE49-F238E27FC236}">
+                  <a16:creationId xmlns:a16="http://schemas.microsoft.com/office/drawing/2014/main" id="{FD438E97-3B66-4919-865E-6C2FE33B7559}"/>
+                </a:ext>
+              </a:extLst>
+            </p:cNvPr>
+            <p:cNvSpPr txBox="1"/>
+            <p:nvPr/>
+          </p:nvSpPr>
+          <p:spPr>
+            <a:xfrm>
+              <a:off x="1852652" y="7774312"/>
+              <a:ext cx="3537892" cy="461665"/>
+            </a:xfrm>
+            <a:prstGeom prst="rect">
+              <a:avLst/>
+            </a:prstGeom>
+            <a:noFill/>
+          </p:spPr>
+          <p:txBody>
+            <a:bodyPr wrap="none" rtlCol="0">
+              <a:spAutoFit/>
+            </a:bodyPr>
+            <a:lstStyle/>
+            <a:p>
+              <a:r>
+                <a:rPr lang="en-US" sz="2400" dirty="0"/>
+                <a:t>Gradient Back-propagation</a:t>
+              </a:r>
+            </a:p>
+          </p:txBody>
+        </p:sp>
+        <p:sp>
+          <p:nvSpPr>
+            <p:cNvPr id="77" name="TextBox 76">
+              <a:extLst>
+                <a:ext uri="{FF2B5EF4-FFF2-40B4-BE49-F238E27FC236}">
+                  <a16:creationId xmlns:a16="http://schemas.microsoft.com/office/drawing/2014/main" id="{71823FE0-5681-424D-B751-22C5C9260B12}"/>
+                </a:ext>
+              </a:extLst>
+            </p:cNvPr>
+            <p:cNvSpPr txBox="1"/>
+            <p:nvPr/>
+          </p:nvSpPr>
+          <p:spPr>
+            <a:xfrm>
+              <a:off x="1930334" y="6967304"/>
+              <a:ext cx="2924903" cy="461665"/>
+            </a:xfrm>
+            <a:prstGeom prst="rect">
+              <a:avLst/>
+            </a:prstGeom>
+            <a:noFill/>
+          </p:spPr>
+          <p:txBody>
+            <a:bodyPr wrap="none" rtlCol="0">
+              <a:spAutoFit/>
+            </a:bodyPr>
+            <a:lstStyle/>
+            <a:p>
+              <a:r>
+                <a:rPr lang="en-US" sz="2400" dirty="0"/>
+                <a:t>Forward Computation</a:t>
+              </a:r>
+            </a:p>
+          </p:txBody>
+        </p:sp>
+      </p:grpSp>
+    </p:spTree>
+    <p:extLst>
+      <p:ext uri="{BB962C8B-B14F-4D97-AF65-F5344CB8AC3E}">
+        <p14:creationId xmlns:p14="http://schemas.microsoft.com/office/powerpoint/2010/main" val="3569829515"/>
+      </p:ext>
+    </p:extLst>
+  </p:cSld>
+  <p:clrMapOvr>
+    <a:masterClrMapping/>
+  </p:clrMapOvr>
+</p:sld>
+</file>
+
+<file path=ppt/slides/slide18.xml><?xml version="1.0" encoding="utf-8"?>
+<p:sld xmlns:a="http://schemas.openxmlformats.org/drawingml/2006/main" xmlns:r="http://schemas.openxmlformats.org/officeDocument/2006/relationships" xmlns:p="http://schemas.openxmlformats.org/presentationml/2006/main">
+  <p:cSld>
+    <p:spTree>
+      <p:nvGrpSpPr>
+        <p:cNvPr id="1" name=""/>
+        <p:cNvGrpSpPr/>
+        <p:nvPr/>
+      </p:nvGrpSpPr>
+      <p:grpSpPr>
+        <a:xfrm>
+          <a:off x="0" y="0"/>
+          <a:ext cx="0" cy="0"/>
+          <a:chOff x="0" y="0"/>
+          <a:chExt cx="0" cy="0"/>
+        </a:xfrm>
+      </p:grpSpPr>
+      <p:sp>
+        <p:nvSpPr>
+          <p:cNvPr id="5" name="TextBox 4">
+            <a:extLst>
+              <a:ext uri="{FF2B5EF4-FFF2-40B4-BE49-F238E27FC236}">
+                <a16:creationId xmlns:a16="http://schemas.microsoft.com/office/drawing/2014/main" id="{62004116-F996-457B-A925-C8DA484EF070}"/>
+              </a:ext>
+            </a:extLst>
+          </p:cNvPr>
+          <p:cNvSpPr txBox="1"/>
+          <p:nvPr/>
+        </p:nvSpPr>
+        <p:spPr>
+          <a:xfrm>
+            <a:off x="1623446" y="592221"/>
+            <a:ext cx="9240866" cy="2308324"/>
+          </a:xfrm>
+          <a:prstGeom prst="rect">
+            <a:avLst/>
+          </a:prstGeom>
+          <a:noFill/>
+        </p:spPr>
+        <p:txBody>
+          <a:bodyPr wrap="square">
+            <a:spAutoFit/>
+          </a:bodyPr>
+          <a:lstStyle/>
+          <a:p>
+            <a:r>
+              <a:rPr lang="el-GR" sz="2400" b="0" i="0" dirty="0">
+                <a:solidFill>
+                  <a:srgbClr val="FF0000"/>
+                </a:solidFill>
+                <a:effectLst/>
+                <a:latin typeface="Courier New" panose="02070309020205020404" pitchFamily="49" charset="0"/>
+                <a:cs typeface="Courier New" panose="02070309020205020404" pitchFamily="49" charset="0"/>
+              </a:rPr>
+              <a:t>κ = </a:t>
+            </a:r>
+            <a:r>
+              <a:rPr lang="en-US" sz="2400" b="0" i="0" dirty="0">
+                <a:solidFill>
+                  <a:srgbClr val="FF0000"/>
+                </a:solidFill>
+                <a:effectLst/>
+                <a:latin typeface="Courier New" panose="02070309020205020404" pitchFamily="49" charset="0"/>
+                <a:cs typeface="Courier New" panose="02070309020205020404" pitchFamily="49" charset="0"/>
+              </a:rPr>
+              <a:t>Variable(1.0) </a:t>
+            </a:r>
+          </a:p>
+          <a:p>
+            <a:r>
+              <a:rPr lang="en-US" sz="2400" b="0" i="0" dirty="0">
+                <a:solidFill>
+                  <a:srgbClr val="444444"/>
+                </a:solidFill>
+                <a:effectLst/>
+                <a:latin typeface="Courier New" panose="02070309020205020404" pitchFamily="49" charset="0"/>
+                <a:cs typeface="Courier New" panose="02070309020205020404" pitchFamily="49" charset="0"/>
+              </a:rPr>
+              <a:t>A = </a:t>
+            </a:r>
+            <a:r>
+              <a:rPr lang="el-GR" sz="2400" b="0" i="0" dirty="0">
+                <a:solidFill>
+                  <a:srgbClr val="FF0000"/>
+                </a:solidFill>
+                <a:effectLst/>
+                <a:latin typeface="Courier New" panose="02070309020205020404" pitchFamily="49" charset="0"/>
+                <a:cs typeface="Courier New" panose="02070309020205020404" pitchFamily="49" charset="0"/>
+              </a:rPr>
+              <a:t>κ</a:t>
+            </a:r>
+            <a:r>
+              <a:rPr lang="el-GR" sz="2400" b="0" i="0" dirty="0">
+                <a:solidFill>
+                  <a:srgbClr val="444444"/>
+                </a:solidFill>
+                <a:effectLst/>
+                <a:latin typeface="Courier New" panose="02070309020205020404" pitchFamily="49" charset="0"/>
+                <a:cs typeface="Courier New" panose="02070309020205020404" pitchFamily="49" charset="0"/>
+              </a:rPr>
+              <a:t> * </a:t>
+            </a:r>
+            <a:r>
+              <a:rPr lang="en-US" sz="2400" b="0" i="0" dirty="0">
+                <a:solidFill>
+                  <a:srgbClr val="444444"/>
+                </a:solidFill>
+                <a:effectLst/>
+                <a:latin typeface="Courier New" panose="02070309020205020404" pitchFamily="49" charset="0"/>
+                <a:cs typeface="Courier New" panose="02070309020205020404" pitchFamily="49" charset="0"/>
+              </a:rPr>
+              <a:t>compute_fem_laplace_matrix1(m, n, h) </a:t>
+            </a:r>
+          </a:p>
+          <a:p>
+            <a:r>
+              <a:rPr lang="en-US" sz="2400" b="0" i="0" dirty="0">
+                <a:solidFill>
+                  <a:srgbClr val="444444"/>
+                </a:solidFill>
+                <a:effectLst/>
+                <a:latin typeface="Courier New" panose="02070309020205020404" pitchFamily="49" charset="0"/>
+                <a:cs typeface="Courier New" panose="02070309020205020404" pitchFamily="49" charset="0"/>
+              </a:rPr>
+              <a:t>F0 = eval_f_on_gauss_pts(f, m, n, h) </a:t>
+            </a:r>
+          </a:p>
+          <a:p>
+            <a:r>
+              <a:rPr lang="en-US" sz="2400" b="0" i="0" dirty="0">
+                <a:solidFill>
+                  <a:srgbClr val="444444"/>
+                </a:solidFill>
+                <a:effectLst/>
+                <a:latin typeface="Courier New" panose="02070309020205020404" pitchFamily="49" charset="0"/>
+                <a:cs typeface="Courier New" panose="02070309020205020404" pitchFamily="49" charset="0"/>
+              </a:rPr>
+              <a:t>F = compute_fem_source_term1(F0, m, n, h) </a:t>
+            </a:r>
+          </a:p>
+          <a:p>
+            <a:r>
+              <a:rPr lang="en-US" sz="2400" b="0" i="0" dirty="0">
+                <a:solidFill>
+                  <a:srgbClr val="444444"/>
+                </a:solidFill>
+                <a:effectLst/>
+                <a:latin typeface="Courier New" panose="02070309020205020404" pitchFamily="49" charset="0"/>
+                <a:cs typeface="Courier New" panose="02070309020205020404" pitchFamily="49" charset="0"/>
+              </a:rPr>
+              <a:t>sol = A\F </a:t>
+            </a:r>
+          </a:p>
+          <a:p>
+            <a:r>
+              <a:rPr lang="en-US" sz="2400" b="0" i="0" dirty="0">
+                <a:solidFill>
+                  <a:srgbClr val="444444"/>
+                </a:solidFill>
+                <a:effectLst/>
+                <a:latin typeface="Courier New" panose="02070309020205020404" pitchFamily="49" charset="0"/>
+                <a:cs typeface="Courier New" panose="02070309020205020404" pitchFamily="49" charset="0"/>
+              </a:rPr>
+              <a:t>loss = sum((sol[idx] - obs[idx])^</a:t>
+            </a:r>
+            <a:r>
+              <a:rPr lang="en-US" sz="2400" b="0" i="0" dirty="0">
+                <a:solidFill>
+                  <a:srgbClr val="880000"/>
+                </a:solidFill>
+                <a:effectLst/>
+                <a:latin typeface="Courier New" panose="02070309020205020404" pitchFamily="49" charset="0"/>
+                <a:cs typeface="Courier New" panose="02070309020205020404" pitchFamily="49" charset="0"/>
+              </a:rPr>
+              <a:t>2</a:t>
+            </a:r>
+            <a:r>
+              <a:rPr lang="en-US" sz="2400" b="0" i="0" dirty="0">
+                <a:solidFill>
+                  <a:srgbClr val="444444"/>
+                </a:solidFill>
+                <a:effectLst/>
+                <a:latin typeface="Courier New" panose="02070309020205020404" pitchFamily="49" charset="0"/>
+                <a:cs typeface="Courier New" panose="02070309020205020404" pitchFamily="49" charset="0"/>
+              </a:rPr>
+              <a:t>)</a:t>
+            </a:r>
+            <a:endParaRPr lang="en-US" sz="2400" dirty="0">
+              <a:latin typeface="Courier New" panose="02070309020205020404" pitchFamily="49" charset="0"/>
+              <a:cs typeface="Courier New" panose="02070309020205020404" pitchFamily="49" charset="0"/>
+            </a:endParaRPr>
+          </a:p>
+        </p:txBody>
+      </p:sp>
+      <p:pic>
+        <p:nvPicPr>
+          <p:cNvPr id="46" name="Picture 45">
+            <a:extLst>
+              <a:ext uri="{FF2B5EF4-FFF2-40B4-BE49-F238E27FC236}">
+                <a16:creationId xmlns:a16="http://schemas.microsoft.com/office/drawing/2014/main" id="{C98430C2-F7B0-4170-805B-8A23B9CF1848}"/>
+              </a:ext>
+            </a:extLst>
+          </p:cNvPr>
+          <p:cNvPicPr>
+            <a:picLocks noChangeAspect="1"/>
+          </p:cNvPicPr>
+          <p:nvPr/>
+        </p:nvPicPr>
+        <p:blipFill>
+          <a:blip r:embed="rId2"/>
+          <a:stretch>
+            <a:fillRect/>
+          </a:stretch>
+        </p:blipFill>
+        <p:spPr>
+          <a:xfrm>
+            <a:off x="1623446" y="2907455"/>
+            <a:ext cx="8605435" cy="6306878"/>
+          </a:xfrm>
+          <a:prstGeom prst="rect">
+            <a:avLst/>
+          </a:prstGeom>
+        </p:spPr>
+      </p:pic>
+    </p:spTree>
+    <p:extLst>
+      <p:ext uri="{BB962C8B-B14F-4D97-AF65-F5344CB8AC3E}">
+        <p14:creationId xmlns:p14="http://schemas.microsoft.com/office/powerpoint/2010/main" val="1929881296"/>
       </p:ext>
     </p:extLst>
   </p:cSld>
@@ -32434,7 +34811,7 @@
 
 <file path=customXml/item1.xml><?xml version="1.0" encoding="utf-8"?>
 <Control xmlns="http://schemas.microsoft.com/VisualStudio/2011/storyboarding/control">
-  <Id Name="System.Storyboarding.Common.MouseClick" Revision="1" Stencil="System.Storyboarding.Common" StencilVersion="0.1"/>
+  <Id Name="System.Storyboarding.Icons.Envelope" Revision="1" Stencil="System.Storyboarding.Icons" StencilVersion="0.1"/>
 </Control>
 </file>
 
@@ -32446,12 +34823,12 @@
 
 <file path=customXml/item3.xml><?xml version="1.0" encoding="utf-8"?>
 <Control xmlns="http://schemas.microsoft.com/VisualStudio/2011/storyboarding/control">
-  <Id Name="System.Storyboarding.Icons.Envelope" Revision="1" Stencil="System.Storyboarding.Icons" StencilVersion="0.1"/>
+  <Id Name="System.Storyboarding.Common.MouseClick" Revision="1" Stencil="System.Storyboarding.Common" StencilVersion="0.1"/>
 </Control>
 </file>
 
 <file path=customXml/itemProps1.xml><?xml version="1.0" encoding="utf-8"?>
-<ds:datastoreItem xmlns:ds="http://schemas.openxmlformats.org/officeDocument/2006/customXml" ds:itemID="{CDE74C96-E3A6-41DA-927B-67031D210E8E}">
+<ds:datastoreItem xmlns:ds="http://schemas.openxmlformats.org/officeDocument/2006/customXml" ds:itemID="{E862297A-FDE6-44E5-BFEA-2E2AA22AFB6E}">
   <ds:schemaRefs>
     <ds:schemaRef ds:uri="http://schemas.microsoft.com/VisualStudio/2011/storyboarding/control"/>
   </ds:schemaRefs>
@@ -32467,7 +34844,7 @@
 </file>
 
 <file path=customXml/itemProps3.xml><?xml version="1.0" encoding="utf-8"?>
-<ds:datastoreItem xmlns:ds="http://schemas.openxmlformats.org/officeDocument/2006/customXml" ds:itemID="{E862297A-FDE6-44E5-BFEA-2E2AA22AFB6E}">
+<ds:datastoreItem xmlns:ds="http://schemas.openxmlformats.org/officeDocument/2006/customXml" ds:itemID="{CDE74C96-E3A6-41DA-927B-67031D210E8E}">
   <ds:schemaRefs>
     <ds:schemaRef ds:uri="http://schemas.microsoft.com/VisualStudio/2011/storyboarding/control"/>
   </ds:schemaRefs>

--- a/Slides/figures.pptx
+++ b/Slides/figures.pptx
@@ -5,7 +5,7 @@
     <p:sldMasterId id="2147483660" r:id="rId4"/>
   </p:sldMasterIdLst>
   <p:notesMasterIdLst>
-    <p:notesMasterId r:id="rId23"/>
+    <p:notesMasterId r:id="rId25"/>
   </p:notesMasterIdLst>
   <p:sldIdLst>
     <p:sldId id="256" r:id="rId5"/>
@@ -26,6 +26,8 @@
     <p:sldId id="272" r:id="rId20"/>
     <p:sldId id="273" r:id="rId21"/>
     <p:sldId id="274" r:id="rId22"/>
+    <p:sldId id="275" r:id="rId23"/>
+    <p:sldId id="276" r:id="rId24"/>
   </p:sldIdLst>
   <p:sldSz cx="12192000" cy="8961438"/>
   <p:notesSz cx="6858000" cy="9144000"/>
@@ -214,7 +216,7 @@
           <a:p>
             <a:fld id="{461AEF44-E510-4251-A5BC-36EBF3245816}" type="datetimeFigureOut">
               <a:rPr lang="en-US" smtClean="0"/>
-              <a:t>10/1/2020</a:t>
+              <a:t>10/5/2020</a:t>
             </a:fld>
             <a:endParaRPr lang="en-US"/>
           </a:p>
@@ -780,7 +782,7 @@
           <a:p>
             <a:fld id="{61C71226-6BCE-43B6-9B8C-D352B0229DA2}" type="datetimeFigureOut">
               <a:rPr lang="en-US" smtClean="0"/>
-              <a:t>10/1/2020</a:t>
+              <a:t>10/5/2020</a:t>
             </a:fld>
             <a:endParaRPr lang="en-US"/>
           </a:p>
@@ -950,7 +952,7 @@
           <a:p>
             <a:fld id="{61C71226-6BCE-43B6-9B8C-D352B0229DA2}" type="datetimeFigureOut">
               <a:rPr lang="en-US" smtClean="0"/>
-              <a:t>10/1/2020</a:t>
+              <a:t>10/5/2020</a:t>
             </a:fld>
             <a:endParaRPr lang="en-US"/>
           </a:p>
@@ -1130,7 +1132,7 @@
           <a:p>
             <a:fld id="{61C71226-6BCE-43B6-9B8C-D352B0229DA2}" type="datetimeFigureOut">
               <a:rPr lang="en-US" smtClean="0"/>
-              <a:t>10/1/2020</a:t>
+              <a:t>10/5/2020</a:t>
             </a:fld>
             <a:endParaRPr lang="en-US"/>
           </a:p>
@@ -1300,7 +1302,7 @@
           <a:p>
             <a:fld id="{61C71226-6BCE-43B6-9B8C-D352B0229DA2}" type="datetimeFigureOut">
               <a:rPr lang="en-US" smtClean="0"/>
-              <a:t>10/1/2020</a:t>
+              <a:t>10/5/2020</a:t>
             </a:fld>
             <a:endParaRPr lang="en-US"/>
           </a:p>
@@ -1544,7 +1546,7 @@
           <a:p>
             <a:fld id="{61C71226-6BCE-43B6-9B8C-D352B0229DA2}" type="datetimeFigureOut">
               <a:rPr lang="en-US" smtClean="0"/>
-              <a:t>10/1/2020</a:t>
+              <a:t>10/5/2020</a:t>
             </a:fld>
             <a:endParaRPr lang="en-US"/>
           </a:p>
@@ -1776,7 +1778,7 @@
           <a:p>
             <a:fld id="{61C71226-6BCE-43B6-9B8C-D352B0229DA2}" type="datetimeFigureOut">
               <a:rPr lang="en-US" smtClean="0"/>
-              <a:t>10/1/2020</a:t>
+              <a:t>10/5/2020</a:t>
             </a:fld>
             <a:endParaRPr lang="en-US"/>
           </a:p>
@@ -2143,7 +2145,7 @@
           <a:p>
             <a:fld id="{61C71226-6BCE-43B6-9B8C-D352B0229DA2}" type="datetimeFigureOut">
               <a:rPr lang="en-US" smtClean="0"/>
-              <a:t>10/1/2020</a:t>
+              <a:t>10/5/2020</a:t>
             </a:fld>
             <a:endParaRPr lang="en-US"/>
           </a:p>
@@ -2261,7 +2263,7 @@
           <a:p>
             <a:fld id="{61C71226-6BCE-43B6-9B8C-D352B0229DA2}" type="datetimeFigureOut">
               <a:rPr lang="en-US" smtClean="0"/>
-              <a:t>10/1/2020</a:t>
+              <a:t>10/5/2020</a:t>
             </a:fld>
             <a:endParaRPr lang="en-US"/>
           </a:p>
@@ -2356,7 +2358,7 @@
           <a:p>
             <a:fld id="{61C71226-6BCE-43B6-9B8C-D352B0229DA2}" type="datetimeFigureOut">
               <a:rPr lang="en-US" smtClean="0"/>
-              <a:t>10/1/2020</a:t>
+              <a:t>10/5/2020</a:t>
             </a:fld>
             <a:endParaRPr lang="en-US"/>
           </a:p>
@@ -2633,7 +2635,7 @@
           <a:p>
             <a:fld id="{61C71226-6BCE-43B6-9B8C-D352B0229DA2}" type="datetimeFigureOut">
               <a:rPr lang="en-US" smtClean="0"/>
-              <a:t>10/1/2020</a:t>
+              <a:t>10/5/2020</a:t>
             </a:fld>
             <a:endParaRPr lang="en-US"/>
           </a:p>
@@ -2890,7 +2892,7 @@
           <a:p>
             <a:fld id="{61C71226-6BCE-43B6-9B8C-D352B0229DA2}" type="datetimeFigureOut">
               <a:rPr lang="en-US" smtClean="0"/>
-              <a:t>10/1/2020</a:t>
+              <a:t>10/5/2020</a:t>
             </a:fld>
             <a:endParaRPr lang="en-US"/>
           </a:p>
@@ -3103,7 +3105,7 @@
           <a:p>
             <a:fld id="{61C71226-6BCE-43B6-9B8C-D352B0229DA2}" type="datetimeFigureOut">
               <a:rPr lang="en-US" smtClean="0"/>
-              <a:t>10/1/2020</a:t>
+              <a:t>10/5/2020</a:t>
             </a:fld>
             <a:endParaRPr lang="en-US"/>
           </a:p>
@@ -5298,7 +5300,7 @@
           <a:graphicData uri="http://schemas.openxmlformats.org/presentationml/2006/ole">
             <mc:AlternateContent xmlns:mc="http://schemas.openxmlformats.org/markup-compatibility/2006">
               <mc:Choice xmlns:v="urn:schemas-microsoft-com:vml" Requires="v">
-                <p:oleObj spid="_x0000_s1045" name="Equation" r:id="rId4" imgW="914400" imgH="198720" progId="Equation.DSMT4">
+                <p:oleObj spid="_x0000_s1047" name="Equation" r:id="rId4" imgW="914400" imgH="198720" progId="Equation.DSMT4">
                   <p:embed/>
                 </p:oleObj>
               </mc:Choice>
@@ -15304,8 +15306,8 @@
             </a:p>
           </p:txBody>
         </p:sp>
-        <mc:AlternateContent xmlns:mc="http://schemas.openxmlformats.org/markup-compatibility/2006">
-          <mc:Choice xmlns:a14="http://schemas.microsoft.com/office/drawing/2010/main" Requires="a14">
+        <mc:AlternateContent xmlns:mc="http://schemas.openxmlformats.org/markup-compatibility/2006" xmlns:a14="http://schemas.microsoft.com/office/drawing/2010/main">
+          <mc:Choice Requires="a14">
             <p:sp>
               <p:nvSpPr>
                 <p:cNvPr id="3" name="Rectangle 2">
@@ -15374,7 +15376,7 @@
               </p:txBody>
             </p:sp>
           </mc:Choice>
-          <mc:Fallback>
+          <mc:Fallback xmlns="">
             <p:sp>
               <p:nvSpPr>
                 <p:cNvPr id="3" name="Rectangle 2">
@@ -16090,8 +16092,8 @@
             </a:p>
           </p:txBody>
         </p:sp>
-        <mc:AlternateContent xmlns:mc="http://schemas.openxmlformats.org/markup-compatibility/2006">
-          <mc:Choice xmlns:a14="http://schemas.microsoft.com/office/drawing/2010/main" Requires="a14">
+        <mc:AlternateContent xmlns:mc="http://schemas.openxmlformats.org/markup-compatibility/2006" xmlns:a14="http://schemas.microsoft.com/office/drawing/2010/main">
+          <mc:Choice Requires="a14">
             <p:sp>
               <p:nvSpPr>
                 <p:cNvPr id="52" name="TextBox 51">
@@ -16120,6 +16122,7 @@
                 </a:bodyPr>
                 <a:lstStyle/>
                 <a:p>
+                  <a:pPr/>
                   <a14:m>
                     <m:oMathPara xmlns:m="http://schemas.openxmlformats.org/officeDocument/2006/math">
                       <m:oMathParaPr>
@@ -16140,7 +16143,7 @@
               </p:txBody>
             </p:sp>
           </mc:Choice>
-          <mc:Fallback>
+          <mc:Fallback xmlns="">
             <p:sp>
               <p:nvSpPr>
                 <p:cNvPr id="52" name="TextBox 51">
@@ -16185,8 +16188,8 @@
             </p:sp>
           </mc:Fallback>
         </mc:AlternateContent>
-        <mc:AlternateContent xmlns:mc="http://schemas.openxmlformats.org/markup-compatibility/2006">
-          <mc:Choice xmlns:a14="http://schemas.microsoft.com/office/drawing/2010/main" Requires="a14">
+        <mc:AlternateContent xmlns:mc="http://schemas.openxmlformats.org/markup-compatibility/2006" xmlns:a14="http://schemas.microsoft.com/office/drawing/2010/main">
+          <mc:Choice Requires="a14">
             <p:sp>
               <p:nvSpPr>
                 <p:cNvPr id="53" name="TextBox 52">
@@ -16215,6 +16218,7 @@
                 </a:bodyPr>
                 <a:lstStyle/>
                 <a:p>
+                  <a:pPr/>
                   <a14:m>
                     <m:oMathPara xmlns:m="http://schemas.openxmlformats.org/officeDocument/2006/math">
                       <m:oMathParaPr>
@@ -16235,7 +16239,7 @@
               </p:txBody>
             </p:sp>
           </mc:Choice>
-          <mc:Fallback>
+          <mc:Fallback xmlns="">
             <p:sp>
               <p:nvSpPr>
                 <p:cNvPr id="53" name="TextBox 52">
@@ -16280,8 +16284,8 @@
             </p:sp>
           </mc:Fallback>
         </mc:AlternateContent>
-        <mc:AlternateContent xmlns:mc="http://schemas.openxmlformats.org/markup-compatibility/2006">
-          <mc:Choice xmlns:a14="http://schemas.microsoft.com/office/drawing/2010/main" Requires="a14">
+        <mc:AlternateContent xmlns:mc="http://schemas.openxmlformats.org/markup-compatibility/2006" xmlns:a14="http://schemas.microsoft.com/office/drawing/2010/main">
+          <mc:Choice Requires="a14">
             <p:sp>
               <p:nvSpPr>
                 <p:cNvPr id="54" name="TextBox 53">
@@ -16310,6 +16314,7 @@
                 </a:bodyPr>
                 <a:lstStyle/>
                 <a:p>
+                  <a:pPr/>
                   <a14:m>
                     <m:oMathPara xmlns:m="http://schemas.openxmlformats.org/officeDocument/2006/math">
                       <m:oMathParaPr>
@@ -16330,7 +16335,7 @@
               </p:txBody>
             </p:sp>
           </mc:Choice>
-          <mc:Fallback>
+          <mc:Fallback xmlns="">
             <p:sp>
               <p:nvSpPr>
                 <p:cNvPr id="54" name="TextBox 53">
@@ -17269,6 +17274,260 @@
     <p:extLst>
       <p:ext uri="{BB962C8B-B14F-4D97-AF65-F5344CB8AC3E}">
         <p14:creationId xmlns:p14="http://schemas.microsoft.com/office/powerpoint/2010/main" val="1929881296"/>
+      </p:ext>
+    </p:extLst>
+  </p:cSld>
+  <p:clrMapOvr>
+    <a:masterClrMapping/>
+  </p:clrMapOvr>
+</p:sld>
+</file>
+
+<file path=ppt/slides/slide19.xml><?xml version="1.0" encoding="utf-8"?>
+<p:sld xmlns:a="http://schemas.openxmlformats.org/drawingml/2006/main" xmlns:r="http://schemas.openxmlformats.org/officeDocument/2006/relationships" xmlns:p="http://schemas.openxmlformats.org/presentationml/2006/main">
+  <p:cSld>
+    <p:spTree>
+      <p:nvGrpSpPr>
+        <p:cNvPr id="1" name=""/>
+        <p:cNvGrpSpPr/>
+        <p:nvPr/>
+      </p:nvGrpSpPr>
+      <p:grpSpPr>
+        <a:xfrm>
+          <a:off x="0" y="0"/>
+          <a:ext cx="0" cy="0"/>
+          <a:chOff x="0" y="0"/>
+          <a:chExt cx="0" cy="0"/>
+        </a:xfrm>
+      </p:grpSpPr>
+      <p:pic>
+        <p:nvPicPr>
+          <p:cNvPr id="2" name="Picture 1">
+            <a:extLst>
+              <a:ext uri="{FF2B5EF4-FFF2-40B4-BE49-F238E27FC236}">
+                <a16:creationId xmlns:a16="http://schemas.microsoft.com/office/drawing/2014/main" id="{1F6E2F61-D11D-49BC-9499-773733D99B86}"/>
+              </a:ext>
+            </a:extLst>
+          </p:cNvPr>
+          <p:cNvPicPr>
+            <a:picLocks noChangeAspect="1"/>
+          </p:cNvPicPr>
+          <p:nvPr/>
+        </p:nvPicPr>
+        <p:blipFill>
+          <a:blip r:embed="rId2"/>
+          <a:stretch>
+            <a:fillRect/>
+          </a:stretch>
+        </p:blipFill>
+        <p:spPr>
+          <a:xfrm>
+            <a:off x="1540193" y="1057434"/>
+            <a:ext cx="4117658" cy="2163657"/>
+          </a:xfrm>
+          <a:prstGeom prst="rect">
+            <a:avLst/>
+          </a:prstGeom>
+        </p:spPr>
+      </p:pic>
+      <p:pic>
+        <p:nvPicPr>
+          <p:cNvPr id="3" name="Picture 2">
+            <a:extLst>
+              <a:ext uri="{FF2B5EF4-FFF2-40B4-BE49-F238E27FC236}">
+                <a16:creationId xmlns:a16="http://schemas.microsoft.com/office/drawing/2014/main" id="{FAB06578-CFBE-4FE1-9847-FB76F0373DB7}"/>
+              </a:ext>
+            </a:extLst>
+          </p:cNvPr>
+          <p:cNvPicPr>
+            <a:picLocks noChangeAspect="1"/>
+          </p:cNvPicPr>
+          <p:nvPr/>
+        </p:nvPicPr>
+        <p:blipFill>
+          <a:blip r:embed="rId3"/>
+          <a:stretch>
+            <a:fillRect/>
+          </a:stretch>
+        </p:blipFill>
+        <p:spPr>
+          <a:xfrm>
+            <a:off x="2129313" y="3915143"/>
+            <a:ext cx="7933373" cy="2939209"/>
+          </a:xfrm>
+          <a:prstGeom prst="rect">
+            <a:avLst/>
+          </a:prstGeom>
+        </p:spPr>
+      </p:pic>
+      <p:sp>
+        <p:nvSpPr>
+          <p:cNvPr id="4" name="TextBox 3">
+            <a:extLst>
+              <a:ext uri="{FF2B5EF4-FFF2-40B4-BE49-F238E27FC236}">
+                <a16:creationId xmlns:a16="http://schemas.microsoft.com/office/drawing/2014/main" id="{195E43F9-80CB-410F-85ED-63FE81623E97}"/>
+              </a:ext>
+            </a:extLst>
+          </p:cNvPr>
+          <p:cNvSpPr txBox="1"/>
+          <p:nvPr/>
+        </p:nvSpPr>
+        <p:spPr>
+          <a:xfrm>
+            <a:off x="1804987" y="3221091"/>
+            <a:ext cx="3742373" cy="461665"/>
+          </a:xfrm>
+          <a:prstGeom prst="rect">
+            <a:avLst/>
+          </a:prstGeom>
+          <a:noFill/>
+        </p:spPr>
+        <p:txBody>
+          <a:bodyPr wrap="square" rtlCol="0">
+            <a:spAutoFit/>
+          </a:bodyPr>
+          <a:lstStyle/>
+          <a:p>
+            <a:r>
+              <a:rPr lang="en-US" sz="2400" b="1" dirty="0"/>
+              <a:t>Fiber Reinforced Thin Plate</a:t>
+            </a:r>
+          </a:p>
+        </p:txBody>
+      </p:sp>
+      <p:sp>
+        <p:nvSpPr>
+          <p:cNvPr id="6" name="TextBox 5">
+            <a:extLst>
+              <a:ext uri="{FF2B5EF4-FFF2-40B4-BE49-F238E27FC236}">
+                <a16:creationId xmlns:a16="http://schemas.microsoft.com/office/drawing/2014/main" id="{9BB60D9E-1AE7-4925-B5CC-4D3E9A0890E2}"/>
+              </a:ext>
+            </a:extLst>
+          </p:cNvPr>
+          <p:cNvSpPr txBox="1"/>
+          <p:nvPr/>
+        </p:nvSpPr>
+        <p:spPr>
+          <a:xfrm>
+            <a:off x="2129313" y="6855906"/>
+            <a:ext cx="3626570" cy="461665"/>
+          </a:xfrm>
+          <a:prstGeom prst="rect">
+            <a:avLst/>
+          </a:prstGeom>
+          <a:noFill/>
+        </p:spPr>
+        <p:txBody>
+          <a:bodyPr wrap="none" rtlCol="0">
+            <a:spAutoFit/>
+          </a:bodyPr>
+          <a:lstStyle/>
+          <a:p>
+            <a:r>
+              <a:rPr lang="en-US" sz="2400" b="1" dirty="0"/>
+              <a:t>Reference von Mises stress</a:t>
+            </a:r>
+          </a:p>
+        </p:txBody>
+      </p:sp>
+      <p:sp>
+        <p:nvSpPr>
+          <p:cNvPr id="7" name="TextBox 6">
+            <a:extLst>
+              <a:ext uri="{FF2B5EF4-FFF2-40B4-BE49-F238E27FC236}">
+                <a16:creationId xmlns:a16="http://schemas.microsoft.com/office/drawing/2014/main" id="{2D9451C0-F750-4B12-9CA1-FFD10261BD09}"/>
+              </a:ext>
+            </a:extLst>
+          </p:cNvPr>
+          <p:cNvSpPr txBox="1"/>
+          <p:nvPr/>
+        </p:nvSpPr>
+        <p:spPr>
+          <a:xfrm>
+            <a:off x="7316826" y="6855906"/>
+            <a:ext cx="1186543" cy="461665"/>
+          </a:xfrm>
+          <a:prstGeom prst="rect">
+            <a:avLst/>
+          </a:prstGeom>
+          <a:noFill/>
+        </p:spPr>
+        <p:txBody>
+          <a:bodyPr wrap="none" rtlCol="0">
+            <a:spAutoFit/>
+          </a:bodyPr>
+          <a:lstStyle/>
+          <a:p>
+            <a:r>
+              <a:rPr lang="en-US" sz="2400" b="1" dirty="0"/>
+              <a:t>SPD-NN</a:t>
+            </a:r>
+          </a:p>
+        </p:txBody>
+      </p:sp>
+      <p:sp>
+        <p:nvSpPr>
+          <p:cNvPr id="9" name="Arrow: Bent 8">
+            <a:extLst>
+              <a:ext uri="{FF2B5EF4-FFF2-40B4-BE49-F238E27FC236}">
+                <a16:creationId xmlns:a16="http://schemas.microsoft.com/office/drawing/2014/main" id="{30073008-CF3A-4298-A06F-B33F78CFDC2C}"/>
+              </a:ext>
+            </a:extLst>
+          </p:cNvPr>
+          <p:cNvSpPr/>
+          <p:nvPr/>
+        </p:nvSpPr>
+        <p:spPr>
+          <a:xfrm rot="5400000">
+            <a:off x="6034222" y="1921329"/>
+            <a:ext cx="1186543" cy="1062990"/>
+          </a:xfrm>
+          <a:prstGeom prst="bentArrow">
+            <a:avLst/>
+          </a:prstGeom>
+          <a:solidFill>
+            <a:schemeClr val="accent1">
+              <a:lumMod val="60000"/>
+              <a:lumOff val="40000"/>
+            </a:schemeClr>
+          </a:solidFill>
+          <a:ln>
+            <a:noFill/>
+          </a:ln>
+        </p:spPr>
+        <p:style>
+          <a:lnRef idx="2">
+            <a:schemeClr val="accent1">
+              <a:shade val="50000"/>
+            </a:schemeClr>
+          </a:lnRef>
+          <a:fillRef idx="1">
+            <a:schemeClr val="accent1"/>
+          </a:fillRef>
+          <a:effectRef idx="0">
+            <a:schemeClr val="accent1"/>
+          </a:effectRef>
+          <a:fontRef idx="minor">
+            <a:schemeClr val="lt1"/>
+          </a:fontRef>
+        </p:style>
+        <p:txBody>
+          <a:bodyPr rtlCol="0" anchor="ctr"/>
+          <a:lstStyle/>
+          <a:p>
+            <a:pPr algn="ctr"/>
+            <a:endParaRPr lang="en-US">
+              <a:solidFill>
+                <a:schemeClr val="tx1"/>
+              </a:solidFill>
+            </a:endParaRPr>
+          </a:p>
+        </p:txBody>
+      </p:sp>
+    </p:spTree>
+    <p:extLst>
+      <p:ext uri="{BB962C8B-B14F-4D97-AF65-F5344CB8AC3E}">
+        <p14:creationId xmlns:p14="http://schemas.microsoft.com/office/powerpoint/2010/main" val="2623511629"/>
       </p:ext>
     </p:extLst>
   </p:cSld>
@@ -19124,6 +19383,515 @@
 </p:sld>
 </file>
 
+<file path=ppt/slides/slide20.xml><?xml version="1.0" encoding="utf-8"?>
+<p:sld xmlns:a="http://schemas.openxmlformats.org/drawingml/2006/main" xmlns:r="http://schemas.openxmlformats.org/officeDocument/2006/relationships" xmlns:p="http://schemas.openxmlformats.org/presentationml/2006/main">
+  <p:cSld>
+    <p:spTree>
+      <p:nvGrpSpPr>
+        <p:cNvPr id="1" name=""/>
+        <p:cNvGrpSpPr/>
+        <p:nvPr/>
+      </p:nvGrpSpPr>
+      <p:grpSpPr>
+        <a:xfrm>
+          <a:off x="0" y="0"/>
+          <a:ext cx="0" cy="0"/>
+          <a:chOff x="0" y="0"/>
+          <a:chExt cx="0" cy="0"/>
+        </a:xfrm>
+      </p:grpSpPr>
+      <p:pic>
+        <p:nvPicPr>
+          <p:cNvPr id="5" name="Picture 4">
+            <a:extLst>
+              <a:ext uri="{FF2B5EF4-FFF2-40B4-BE49-F238E27FC236}">
+                <a16:creationId xmlns:a16="http://schemas.microsoft.com/office/drawing/2014/main" id="{185016E1-76F6-486D-9C02-2CF5307956B2}"/>
+              </a:ext>
+            </a:extLst>
+          </p:cNvPr>
+          <p:cNvPicPr>
+            <a:picLocks noChangeAspect="1"/>
+          </p:cNvPicPr>
+          <p:nvPr/>
+        </p:nvPicPr>
+        <p:blipFill>
+          <a:blip r:embed="rId2"/>
+          <a:stretch>
+            <a:fillRect/>
+          </a:stretch>
+        </p:blipFill>
+        <p:spPr>
+          <a:xfrm>
+            <a:off x="1610710" y="2659539"/>
+            <a:ext cx="3629025" cy="2933700"/>
+          </a:xfrm>
+          <a:prstGeom prst="rect">
+            <a:avLst/>
+          </a:prstGeom>
+        </p:spPr>
+      </p:pic>
+      <p:pic>
+        <p:nvPicPr>
+          <p:cNvPr id="8" name="Picture 7">
+            <a:extLst>
+              <a:ext uri="{FF2B5EF4-FFF2-40B4-BE49-F238E27FC236}">
+                <a16:creationId xmlns:a16="http://schemas.microsoft.com/office/drawing/2014/main" id="{0E9BC5E6-9AE3-4237-BB53-D319E65769D6}"/>
+              </a:ext>
+            </a:extLst>
+          </p:cNvPr>
+          <p:cNvPicPr>
+            <a:picLocks noChangeAspect="1"/>
+          </p:cNvPicPr>
+          <p:nvPr/>
+        </p:nvPicPr>
+        <p:blipFill>
+          <a:blip r:embed="rId3"/>
+          <a:stretch>
+            <a:fillRect/>
+          </a:stretch>
+        </p:blipFill>
+        <p:spPr>
+          <a:xfrm>
+            <a:off x="6096000" y="2573814"/>
+            <a:ext cx="4076700" cy="3105150"/>
+          </a:xfrm>
+          <a:prstGeom prst="rect">
+            <a:avLst/>
+          </a:prstGeom>
+        </p:spPr>
+      </p:pic>
+      <mc:AlternateContent xmlns:mc="http://schemas.openxmlformats.org/markup-compatibility/2006">
+        <mc:Choice xmlns:a14="http://schemas.microsoft.com/office/drawing/2010/main" Requires="a14">
+          <p:sp>
+            <p:nvSpPr>
+              <p:cNvPr id="10" name="TextBox 9">
+                <a:extLst>
+                  <a:ext uri="{FF2B5EF4-FFF2-40B4-BE49-F238E27FC236}">
+                    <a16:creationId xmlns:a16="http://schemas.microsoft.com/office/drawing/2014/main" id="{A4CABEBA-95FC-472B-926C-44CB27DA2605}"/>
+                  </a:ext>
+                </a:extLst>
+              </p:cNvPr>
+              <p:cNvSpPr txBox="1"/>
+              <p:nvPr/>
+            </p:nvSpPr>
+            <p:spPr>
+              <a:xfrm>
+                <a:off x="8012494" y="5417800"/>
+                <a:ext cx="426591" cy="430887"/>
+              </a:xfrm>
+              <a:prstGeom prst="rect">
+                <a:avLst/>
+              </a:prstGeom>
+              <a:noFill/>
+            </p:spPr>
+            <p:txBody>
+              <a:bodyPr wrap="none" lIns="0" tIns="0" rIns="0" bIns="0" rtlCol="0">
+                <a:spAutoFit/>
+              </a:bodyPr>
+              <a:lstStyle/>
+              <a:p>
+                <a14:m>
+                  <m:oMathPara xmlns:m="http://schemas.openxmlformats.org/officeDocument/2006/math">
+                    <m:oMathParaPr>
+                      <m:jc m:val="centerGroup"/>
+                    </m:oMathParaPr>
+                    <m:oMath xmlns:m="http://schemas.openxmlformats.org/officeDocument/2006/math">
+                      <m:sSub>
+                        <m:sSubPr>
+                          <m:ctrlPr>
+                            <a:rPr lang="en-US" sz="2800" b="0" i="1" smtClean="0">
+                              <a:latin typeface="Cambria Math" panose="02040503050406030204" pitchFamily="18" charset="0"/>
+                            </a:rPr>
+                          </m:ctrlPr>
+                        </m:sSubPr>
+                        <m:e>
+                          <m:r>
+                            <a:rPr lang="en-US" sz="2800" b="0" i="1" smtClean="0">
+                              <a:latin typeface="Cambria Math" panose="02040503050406030204" pitchFamily="18" charset="0"/>
+                            </a:rPr>
+                            <m:t>𝜆</m:t>
+                          </m:r>
+                        </m:e>
+                        <m:sub>
+                          <m:r>
+                            <a:rPr lang="en-US" sz="2800" b="0" i="1" smtClean="0">
+                              <a:latin typeface="Cambria Math" panose="02040503050406030204" pitchFamily="18" charset="0"/>
+                            </a:rPr>
+                            <m:t>1</m:t>
+                          </m:r>
+                        </m:sub>
+                      </m:sSub>
+                    </m:oMath>
+                  </m:oMathPara>
+                </a14:m>
+                <a:endParaRPr lang="en-US" sz="2800" dirty="0"/>
+              </a:p>
+            </p:txBody>
+          </p:sp>
+        </mc:Choice>
+        <mc:Fallback>
+          <p:sp>
+            <p:nvSpPr>
+              <p:cNvPr id="10" name="TextBox 9">
+                <a:extLst>
+                  <a:ext uri="{FF2B5EF4-FFF2-40B4-BE49-F238E27FC236}">
+                    <a16:creationId xmlns:a16="http://schemas.microsoft.com/office/drawing/2014/main" id="{A4CABEBA-95FC-472B-926C-44CB27DA2605}"/>
+                  </a:ext>
+                </a:extLst>
+              </p:cNvPr>
+              <p:cNvSpPr txBox="1">
+                <a:spLocks noRot="1" noChangeAspect="1" noMove="1" noResize="1" noEditPoints="1" noAdjustHandles="1" noChangeArrowheads="1" noChangeShapeType="1" noTextEdit="1"/>
+              </p:cNvSpPr>
+              <p:nvPr/>
+            </p:nvSpPr>
+            <p:spPr>
+              <a:xfrm>
+                <a:off x="8012494" y="5417800"/>
+                <a:ext cx="426591" cy="430887"/>
+              </a:xfrm>
+              <a:prstGeom prst="rect">
+                <a:avLst/>
+              </a:prstGeom>
+              <a:blipFill>
+                <a:blip r:embed="rId4"/>
+                <a:stretch>
+                  <a:fillRect/>
+                </a:stretch>
+              </a:blipFill>
+            </p:spPr>
+            <p:txBody>
+              <a:bodyPr/>
+              <a:lstStyle/>
+              <a:p>
+                <a:r>
+                  <a:rPr lang="en-US">
+                    <a:noFill/>
+                  </a:rPr>
+                  <a:t> </a:t>
+                </a:r>
+              </a:p>
+            </p:txBody>
+          </p:sp>
+        </mc:Fallback>
+      </mc:AlternateContent>
+      <mc:AlternateContent xmlns:mc="http://schemas.openxmlformats.org/markup-compatibility/2006">
+        <mc:Choice xmlns:a14="http://schemas.microsoft.com/office/drawing/2010/main" Requires="a14">
+          <p:sp>
+            <p:nvSpPr>
+              <p:cNvPr id="12" name="TextBox 11">
+                <a:extLst>
+                  <a:ext uri="{FF2B5EF4-FFF2-40B4-BE49-F238E27FC236}">
+                    <a16:creationId xmlns:a16="http://schemas.microsoft.com/office/drawing/2014/main" id="{4A7FCA4B-103C-43E9-8437-3AE81AC1275B}"/>
+                  </a:ext>
+                </a:extLst>
+              </p:cNvPr>
+              <p:cNvSpPr txBox="1"/>
+              <p:nvPr/>
+            </p:nvSpPr>
+            <p:spPr>
+              <a:xfrm>
+                <a:off x="5878568" y="3695502"/>
+                <a:ext cx="434863" cy="430887"/>
+              </a:xfrm>
+              <a:prstGeom prst="rect">
+                <a:avLst/>
+              </a:prstGeom>
+              <a:noFill/>
+            </p:spPr>
+            <p:txBody>
+              <a:bodyPr wrap="none" lIns="0" tIns="0" rIns="0" bIns="0" rtlCol="0">
+                <a:spAutoFit/>
+              </a:bodyPr>
+              <a:lstStyle/>
+              <a:p>
+                <a:pPr/>
+                <a14:m>
+                  <m:oMathPara xmlns:m="http://schemas.openxmlformats.org/officeDocument/2006/math">
+                    <m:oMathParaPr>
+                      <m:jc m:val="centerGroup"/>
+                    </m:oMathParaPr>
+                    <m:oMath xmlns:m="http://schemas.openxmlformats.org/officeDocument/2006/math">
+                      <m:sSub>
+                        <m:sSubPr>
+                          <m:ctrlPr>
+                            <a:rPr lang="en-US" sz="2800" b="0" i="1" smtClean="0">
+                              <a:latin typeface="Cambria Math" panose="02040503050406030204" pitchFamily="18" charset="0"/>
+                            </a:rPr>
+                          </m:ctrlPr>
+                        </m:sSubPr>
+                        <m:e>
+                          <m:r>
+                            <a:rPr lang="en-US" sz="2800" b="0" i="1" smtClean="0">
+                              <a:latin typeface="Cambria Math" panose="02040503050406030204" pitchFamily="18" charset="0"/>
+                            </a:rPr>
+                            <m:t>𝜆</m:t>
+                          </m:r>
+                        </m:e>
+                        <m:sub>
+                          <m:r>
+                            <a:rPr lang="en-US" sz="2800" b="0" i="1" smtClean="0">
+                              <a:latin typeface="Cambria Math" panose="02040503050406030204" pitchFamily="18" charset="0"/>
+                            </a:rPr>
+                            <m:t>2</m:t>
+                          </m:r>
+                        </m:sub>
+                      </m:sSub>
+                    </m:oMath>
+                  </m:oMathPara>
+                </a14:m>
+                <a:endParaRPr lang="en-US" sz="2800" dirty="0"/>
+              </a:p>
+            </p:txBody>
+          </p:sp>
+        </mc:Choice>
+        <mc:Fallback>
+          <p:sp>
+            <p:nvSpPr>
+              <p:cNvPr id="12" name="TextBox 11">
+                <a:extLst>
+                  <a:ext uri="{FF2B5EF4-FFF2-40B4-BE49-F238E27FC236}">
+                    <a16:creationId xmlns:a16="http://schemas.microsoft.com/office/drawing/2014/main" id="{4A7FCA4B-103C-43E9-8437-3AE81AC1275B}"/>
+                  </a:ext>
+                </a:extLst>
+              </p:cNvPr>
+              <p:cNvSpPr txBox="1">
+                <a:spLocks noRot="1" noChangeAspect="1" noMove="1" noResize="1" noEditPoints="1" noAdjustHandles="1" noChangeArrowheads="1" noChangeShapeType="1" noTextEdit="1"/>
+              </p:cNvSpPr>
+              <p:nvPr/>
+            </p:nvSpPr>
+            <p:spPr>
+              <a:xfrm>
+                <a:off x="5878568" y="3695502"/>
+                <a:ext cx="434863" cy="430887"/>
+              </a:xfrm>
+              <a:prstGeom prst="rect">
+                <a:avLst/>
+              </a:prstGeom>
+              <a:blipFill>
+                <a:blip r:embed="rId5"/>
+                <a:stretch>
+                  <a:fillRect/>
+                </a:stretch>
+              </a:blipFill>
+            </p:spPr>
+            <p:txBody>
+              <a:bodyPr/>
+              <a:lstStyle/>
+              <a:p>
+                <a:r>
+                  <a:rPr lang="en-US">
+                    <a:noFill/>
+                  </a:rPr>
+                  <a:t> </a:t>
+                </a:r>
+              </a:p>
+            </p:txBody>
+          </p:sp>
+        </mc:Fallback>
+      </mc:AlternateContent>
+      <p:sp>
+        <p:nvSpPr>
+          <p:cNvPr id="13" name="TextBox 12">
+            <a:extLst>
+              <a:ext uri="{FF2B5EF4-FFF2-40B4-BE49-F238E27FC236}">
+                <a16:creationId xmlns:a16="http://schemas.microsoft.com/office/drawing/2014/main" id="{5A94CD4F-4361-4678-859F-F361E39B7F69}"/>
+              </a:ext>
+            </a:extLst>
+          </p:cNvPr>
+          <p:cNvSpPr txBox="1"/>
+          <p:nvPr/>
+        </p:nvSpPr>
+        <p:spPr>
+          <a:xfrm>
+            <a:off x="1920240" y="6079518"/>
+            <a:ext cx="2601674" cy="461665"/>
+          </a:xfrm>
+          <a:prstGeom prst="rect">
+            <a:avLst/>
+          </a:prstGeom>
+          <a:noFill/>
+        </p:spPr>
+        <p:txBody>
+          <a:bodyPr wrap="none" rtlCol="0">
+            <a:spAutoFit/>
+          </a:bodyPr>
+          <a:lstStyle/>
+          <a:p>
+            <a:r>
+              <a:rPr lang="en-US" sz="2400" b="1" dirty="0"/>
+              <a:t>Rubber Membrane</a:t>
+            </a:r>
+          </a:p>
+        </p:txBody>
+      </p:sp>
+      <mc:AlternateContent xmlns:mc="http://schemas.openxmlformats.org/markup-compatibility/2006">
+        <mc:Choice xmlns:a14="http://schemas.microsoft.com/office/drawing/2010/main" Requires="a14">
+          <p:sp>
+            <p:nvSpPr>
+              <p:cNvPr id="15" name="TextBox 14">
+                <a:extLst>
+                  <a:ext uri="{FF2B5EF4-FFF2-40B4-BE49-F238E27FC236}">
+                    <a16:creationId xmlns:a16="http://schemas.microsoft.com/office/drawing/2014/main" id="{F229C53F-CAB8-42F4-B6EF-64B0E901BF90}"/>
+                  </a:ext>
+                </a:extLst>
+              </p:cNvPr>
+              <p:cNvSpPr txBox="1"/>
+              <p:nvPr/>
+            </p:nvSpPr>
+            <p:spPr>
+              <a:xfrm>
+                <a:off x="6831208" y="6079519"/>
+                <a:ext cx="2789161" cy="461665"/>
+              </a:xfrm>
+              <a:prstGeom prst="rect">
+                <a:avLst/>
+              </a:prstGeom>
+              <a:noFill/>
+            </p:spPr>
+            <p:txBody>
+              <a:bodyPr wrap="none" rtlCol="0">
+                <a:spAutoFit/>
+              </a:bodyPr>
+              <a:lstStyle/>
+              <a:p>
+                <a14:m>
+                  <m:oMath xmlns:m="http://schemas.openxmlformats.org/officeDocument/2006/math">
+                    <m:r>
+                      <a:rPr lang="en-US" sz="2400" b="1" i="1" smtClean="0">
+                        <a:latin typeface="Cambria Math" panose="02040503050406030204" pitchFamily="18" charset="0"/>
+                      </a:rPr>
+                      <m:t>(</m:t>
+                    </m:r>
+                    <m:sSub>
+                      <m:sSubPr>
+                        <m:ctrlPr>
+                          <a:rPr lang="en-US" sz="2400" b="1" i="1" smtClean="0">
+                            <a:latin typeface="Cambria Math" panose="02040503050406030204" pitchFamily="18" charset="0"/>
+                          </a:rPr>
+                        </m:ctrlPr>
+                      </m:sSubPr>
+                      <m:e>
+                        <m:r>
+                          <a:rPr lang="en-US" sz="2400" b="1" i="1" smtClean="0">
+                            <a:latin typeface="Cambria Math" panose="02040503050406030204" pitchFamily="18" charset="0"/>
+                          </a:rPr>
+                          <m:t>𝝀</m:t>
+                        </m:r>
+                      </m:e>
+                      <m:sub>
+                        <m:r>
+                          <a:rPr lang="en-US" sz="2400" b="1" i="1" smtClean="0">
+                            <a:latin typeface="Cambria Math" panose="02040503050406030204" pitchFamily="18" charset="0"/>
+                          </a:rPr>
+                          <m:t>𝟏</m:t>
+                        </m:r>
+                      </m:sub>
+                    </m:sSub>
+                    <m:r>
+                      <a:rPr lang="en-US" sz="2400" b="1" i="1" smtClean="0">
+                        <a:latin typeface="Cambria Math" panose="02040503050406030204" pitchFamily="18" charset="0"/>
+                      </a:rPr>
+                      <m:t>, </m:t>
+                    </m:r>
+                    <m:sSub>
+                      <m:sSubPr>
+                        <m:ctrlPr>
+                          <a:rPr lang="en-US" sz="2400" b="1" i="1" smtClean="0">
+                            <a:latin typeface="Cambria Math" panose="02040503050406030204" pitchFamily="18" charset="0"/>
+                          </a:rPr>
+                        </m:ctrlPr>
+                      </m:sSubPr>
+                      <m:e>
+                        <m:r>
+                          <a:rPr lang="en-US" sz="2400" b="1" i="1" smtClean="0">
+                            <a:latin typeface="Cambria Math" panose="02040503050406030204" pitchFamily="18" charset="0"/>
+                          </a:rPr>
+                          <m:t>𝝀</m:t>
+                        </m:r>
+                      </m:e>
+                      <m:sub>
+                        <m:r>
+                          <a:rPr lang="en-US" sz="2400" b="1" i="1" smtClean="0">
+                            <a:latin typeface="Cambria Math" panose="02040503050406030204" pitchFamily="18" charset="0"/>
+                          </a:rPr>
+                          <m:t>𝟐</m:t>
+                        </m:r>
+                      </m:sub>
+                    </m:sSub>
+                    <m:r>
+                      <a:rPr lang="en-US" sz="2400" b="1" i="1" smtClean="0">
+                        <a:latin typeface="Cambria Math" panose="02040503050406030204" pitchFamily="18" charset="0"/>
+                      </a:rPr>
+                      <m:t>)</m:t>
+                    </m:r>
+                  </m:oMath>
+                </a14:m>
+                <a:r>
+                  <a:rPr lang="en-US" sz="2400" b="1" dirty="0"/>
+                  <a:t> Distribution</a:t>
+                </a:r>
+              </a:p>
+            </p:txBody>
+          </p:sp>
+        </mc:Choice>
+        <mc:Fallback>
+          <p:sp>
+            <p:nvSpPr>
+              <p:cNvPr id="15" name="TextBox 14">
+                <a:extLst>
+                  <a:ext uri="{FF2B5EF4-FFF2-40B4-BE49-F238E27FC236}">
+                    <a16:creationId xmlns:a16="http://schemas.microsoft.com/office/drawing/2014/main" id="{F229C53F-CAB8-42F4-B6EF-64B0E901BF90}"/>
+                  </a:ext>
+                </a:extLst>
+              </p:cNvPr>
+              <p:cNvSpPr txBox="1">
+                <a:spLocks noRot="1" noChangeAspect="1" noMove="1" noResize="1" noEditPoints="1" noAdjustHandles="1" noChangeArrowheads="1" noChangeShapeType="1" noTextEdit="1"/>
+              </p:cNvSpPr>
+              <p:nvPr/>
+            </p:nvSpPr>
+            <p:spPr>
+              <a:xfrm>
+                <a:off x="6831208" y="6079519"/>
+                <a:ext cx="2789161" cy="461665"/>
+              </a:xfrm>
+              <a:prstGeom prst="rect">
+                <a:avLst/>
+              </a:prstGeom>
+              <a:blipFill>
+                <a:blip r:embed="rId6"/>
+                <a:stretch>
+                  <a:fillRect l="-1969" t="-10526" r="-2188" b="-28947"/>
+                </a:stretch>
+              </a:blipFill>
+            </p:spPr>
+            <p:txBody>
+              <a:bodyPr/>
+              <a:lstStyle/>
+              <a:p>
+                <a:r>
+                  <a:rPr lang="en-US">
+                    <a:noFill/>
+                  </a:rPr>
+                  <a:t> </a:t>
+                </a:r>
+              </a:p>
+            </p:txBody>
+          </p:sp>
+        </mc:Fallback>
+      </mc:AlternateContent>
+    </p:spTree>
+    <p:extLst>
+      <p:ext uri="{BB962C8B-B14F-4D97-AF65-F5344CB8AC3E}">
+        <p14:creationId xmlns:p14="http://schemas.microsoft.com/office/powerpoint/2010/main" val="1654975341"/>
+      </p:ext>
+    </p:extLst>
+  </p:cSld>
+  <p:clrMapOvr>
+    <a:masterClrMapping/>
+  </p:clrMapOvr>
+</p:sld>
+</file>
+
 <file path=ppt/slides/slide3.xml><?xml version="1.0" encoding="utf-8"?>
 <p:sld xmlns:a="http://schemas.openxmlformats.org/drawingml/2006/main" xmlns:r="http://schemas.openxmlformats.org/officeDocument/2006/relationships" xmlns:p="http://schemas.openxmlformats.org/presentationml/2006/main">
   <p:cSld>
@@ -34811,7 +35579,7 @@
 
 <file path=customXml/item1.xml><?xml version="1.0" encoding="utf-8"?>
 <Control xmlns="http://schemas.microsoft.com/VisualStudio/2011/storyboarding/control">
-  <Id Name="System.Storyboarding.Icons.Envelope" Revision="1" Stencil="System.Storyboarding.Icons" StencilVersion="0.1"/>
+  <Id Name="System.Storyboarding.Common.MouseClick" Revision="1" Stencil="System.Storyboarding.Common" StencilVersion="0.1"/>
 </Control>
 </file>
 
@@ -34823,12 +35591,12 @@
 
 <file path=customXml/item3.xml><?xml version="1.0" encoding="utf-8"?>
 <Control xmlns="http://schemas.microsoft.com/VisualStudio/2011/storyboarding/control">
-  <Id Name="System.Storyboarding.Common.MouseClick" Revision="1" Stencil="System.Storyboarding.Common" StencilVersion="0.1"/>
+  <Id Name="System.Storyboarding.Icons.Envelope" Revision="1" Stencil="System.Storyboarding.Icons" StencilVersion="0.1"/>
 </Control>
 </file>
 
 <file path=customXml/itemProps1.xml><?xml version="1.0" encoding="utf-8"?>
-<ds:datastoreItem xmlns:ds="http://schemas.openxmlformats.org/officeDocument/2006/customXml" ds:itemID="{E862297A-FDE6-44E5-BFEA-2E2AA22AFB6E}">
+<ds:datastoreItem xmlns:ds="http://schemas.openxmlformats.org/officeDocument/2006/customXml" ds:itemID="{CDE74C96-E3A6-41DA-927B-67031D210E8E}">
   <ds:schemaRefs>
     <ds:schemaRef ds:uri="http://schemas.microsoft.com/VisualStudio/2011/storyboarding/control"/>
   </ds:schemaRefs>
@@ -34844,7 +35612,7 @@
 </file>
 
 <file path=customXml/itemProps3.xml><?xml version="1.0" encoding="utf-8"?>
-<ds:datastoreItem xmlns:ds="http://schemas.openxmlformats.org/officeDocument/2006/customXml" ds:itemID="{CDE74C96-E3A6-41DA-927B-67031D210E8E}">
+<ds:datastoreItem xmlns:ds="http://schemas.openxmlformats.org/officeDocument/2006/customXml" ds:itemID="{E862297A-FDE6-44E5-BFEA-2E2AA22AFB6E}">
   <ds:schemaRefs>
     <ds:schemaRef ds:uri="http://schemas.microsoft.com/VisualStudio/2011/storyboarding/control"/>
   </ds:schemaRefs>

--- a/Slides/figures.pptx
+++ b/Slides/figures.pptx
@@ -5,7 +5,7 @@
     <p:sldMasterId id="2147483660" r:id="rId4"/>
   </p:sldMasterIdLst>
   <p:notesMasterIdLst>
-    <p:notesMasterId r:id="rId25"/>
+    <p:notesMasterId r:id="rId26"/>
   </p:notesMasterIdLst>
   <p:sldIdLst>
     <p:sldId id="256" r:id="rId5"/>
@@ -28,6 +28,7 @@
     <p:sldId id="274" r:id="rId22"/>
     <p:sldId id="275" r:id="rId23"/>
     <p:sldId id="276" r:id="rId24"/>
+    <p:sldId id="277" r:id="rId25"/>
   </p:sldIdLst>
   <p:sldSz cx="12192000" cy="8961438"/>
   <p:notesSz cx="6858000" cy="9144000"/>
@@ -216,7 +217,7 @@
           <a:p>
             <a:fld id="{461AEF44-E510-4251-A5BC-36EBF3245816}" type="datetimeFigureOut">
               <a:rPr lang="en-US" smtClean="0"/>
-              <a:t>10/5/2020</a:t>
+              <a:t>10/6/2020</a:t>
             </a:fld>
             <a:endParaRPr lang="en-US"/>
           </a:p>
@@ -782,7 +783,7 @@
           <a:p>
             <a:fld id="{61C71226-6BCE-43B6-9B8C-D352B0229DA2}" type="datetimeFigureOut">
               <a:rPr lang="en-US" smtClean="0"/>
-              <a:t>10/5/2020</a:t>
+              <a:t>10/6/2020</a:t>
             </a:fld>
             <a:endParaRPr lang="en-US"/>
           </a:p>
@@ -952,7 +953,7 @@
           <a:p>
             <a:fld id="{61C71226-6BCE-43B6-9B8C-D352B0229DA2}" type="datetimeFigureOut">
               <a:rPr lang="en-US" smtClean="0"/>
-              <a:t>10/5/2020</a:t>
+              <a:t>10/6/2020</a:t>
             </a:fld>
             <a:endParaRPr lang="en-US"/>
           </a:p>
@@ -1132,7 +1133,7 @@
           <a:p>
             <a:fld id="{61C71226-6BCE-43B6-9B8C-D352B0229DA2}" type="datetimeFigureOut">
               <a:rPr lang="en-US" smtClean="0"/>
-              <a:t>10/5/2020</a:t>
+              <a:t>10/6/2020</a:t>
             </a:fld>
             <a:endParaRPr lang="en-US"/>
           </a:p>
@@ -1302,7 +1303,7 @@
           <a:p>
             <a:fld id="{61C71226-6BCE-43B6-9B8C-D352B0229DA2}" type="datetimeFigureOut">
               <a:rPr lang="en-US" smtClean="0"/>
-              <a:t>10/5/2020</a:t>
+              <a:t>10/6/2020</a:t>
             </a:fld>
             <a:endParaRPr lang="en-US"/>
           </a:p>
@@ -1546,7 +1547,7 @@
           <a:p>
             <a:fld id="{61C71226-6BCE-43B6-9B8C-D352B0229DA2}" type="datetimeFigureOut">
               <a:rPr lang="en-US" smtClean="0"/>
-              <a:t>10/5/2020</a:t>
+              <a:t>10/6/2020</a:t>
             </a:fld>
             <a:endParaRPr lang="en-US"/>
           </a:p>
@@ -1778,7 +1779,7 @@
           <a:p>
             <a:fld id="{61C71226-6BCE-43B6-9B8C-D352B0229DA2}" type="datetimeFigureOut">
               <a:rPr lang="en-US" smtClean="0"/>
-              <a:t>10/5/2020</a:t>
+              <a:t>10/6/2020</a:t>
             </a:fld>
             <a:endParaRPr lang="en-US"/>
           </a:p>
@@ -2145,7 +2146,7 @@
           <a:p>
             <a:fld id="{61C71226-6BCE-43B6-9B8C-D352B0229DA2}" type="datetimeFigureOut">
               <a:rPr lang="en-US" smtClean="0"/>
-              <a:t>10/5/2020</a:t>
+              <a:t>10/6/2020</a:t>
             </a:fld>
             <a:endParaRPr lang="en-US"/>
           </a:p>
@@ -2263,7 +2264,7 @@
           <a:p>
             <a:fld id="{61C71226-6BCE-43B6-9B8C-D352B0229DA2}" type="datetimeFigureOut">
               <a:rPr lang="en-US" smtClean="0"/>
-              <a:t>10/5/2020</a:t>
+              <a:t>10/6/2020</a:t>
             </a:fld>
             <a:endParaRPr lang="en-US"/>
           </a:p>
@@ -2358,7 +2359,7 @@
           <a:p>
             <a:fld id="{61C71226-6BCE-43B6-9B8C-D352B0229DA2}" type="datetimeFigureOut">
               <a:rPr lang="en-US" smtClean="0"/>
-              <a:t>10/5/2020</a:t>
+              <a:t>10/6/2020</a:t>
             </a:fld>
             <a:endParaRPr lang="en-US"/>
           </a:p>
@@ -2635,7 +2636,7 @@
           <a:p>
             <a:fld id="{61C71226-6BCE-43B6-9B8C-D352B0229DA2}" type="datetimeFigureOut">
               <a:rPr lang="en-US" smtClean="0"/>
-              <a:t>10/5/2020</a:t>
+              <a:t>10/6/2020</a:t>
             </a:fld>
             <a:endParaRPr lang="en-US"/>
           </a:p>
@@ -2892,7 +2893,7 @@
           <a:p>
             <a:fld id="{61C71226-6BCE-43B6-9B8C-D352B0229DA2}" type="datetimeFigureOut">
               <a:rPr lang="en-US" smtClean="0"/>
-              <a:t>10/5/2020</a:t>
+              <a:t>10/6/2020</a:t>
             </a:fld>
             <a:endParaRPr lang="en-US"/>
           </a:p>
@@ -3105,7 +3106,7 @@
           <a:p>
             <a:fld id="{61C71226-6BCE-43B6-9B8C-D352B0229DA2}" type="datetimeFigureOut">
               <a:rPr lang="en-US" smtClean="0"/>
-              <a:t>10/5/2020</a:t>
+              <a:t>10/6/2020</a:t>
             </a:fld>
             <a:endParaRPr lang="en-US"/>
           </a:p>
@@ -5300,7 +5301,7 @@
           <a:graphicData uri="http://schemas.openxmlformats.org/presentationml/2006/ole">
             <mc:AlternateContent xmlns:mc="http://schemas.openxmlformats.org/markup-compatibility/2006">
               <mc:Choice xmlns:v="urn:schemas-microsoft-com:vml" Requires="v">
-                <p:oleObj spid="_x0000_s1047" name="Equation" r:id="rId4" imgW="914400" imgH="198720" progId="Equation.DSMT4">
+                <p:oleObj spid="_x0000_s1049" name="Equation" r:id="rId4" imgW="914400" imgH="198720" progId="Equation.DSMT4">
                   <p:embed/>
                 </p:oleObj>
               </mc:Choice>
@@ -19460,8 +19461,8 @@
           </a:prstGeom>
         </p:spPr>
       </p:pic>
-      <mc:AlternateContent xmlns:mc="http://schemas.openxmlformats.org/markup-compatibility/2006">
-        <mc:Choice xmlns:a14="http://schemas.microsoft.com/office/drawing/2010/main" Requires="a14">
+      <mc:AlternateContent xmlns:mc="http://schemas.openxmlformats.org/markup-compatibility/2006" xmlns:a14="http://schemas.microsoft.com/office/drawing/2010/main">
+        <mc:Choice Requires="a14">
           <p:sp>
             <p:nvSpPr>
               <p:cNvPr id="10" name="TextBox 9">
@@ -19490,6 +19491,7 @@
               </a:bodyPr>
               <a:lstStyle/>
               <a:p>
+                <a:pPr/>
                 <a14:m>
                   <m:oMathPara xmlns:m="http://schemas.openxmlformats.org/officeDocument/2006/math">
                     <m:oMathParaPr>
@@ -19529,7 +19531,7 @@
             </p:txBody>
           </p:sp>
         </mc:Choice>
-        <mc:Fallback>
+        <mc:Fallback xmlns="">
           <p:sp>
             <p:nvSpPr>
               <p:cNvPr id="10" name="TextBox 9">
@@ -19574,8 +19576,8 @@
           </p:sp>
         </mc:Fallback>
       </mc:AlternateContent>
-      <mc:AlternateContent xmlns:mc="http://schemas.openxmlformats.org/markup-compatibility/2006">
-        <mc:Choice xmlns:a14="http://schemas.microsoft.com/office/drawing/2010/main" Requires="a14">
+      <mc:AlternateContent xmlns:mc="http://schemas.openxmlformats.org/markup-compatibility/2006" xmlns:a14="http://schemas.microsoft.com/office/drawing/2010/main">
+        <mc:Choice Requires="a14">
           <p:sp>
             <p:nvSpPr>
               <p:cNvPr id="12" name="TextBox 11">
@@ -19644,7 +19646,7 @@
             </p:txBody>
           </p:sp>
         </mc:Choice>
-        <mc:Fallback>
+        <mc:Fallback xmlns="">
           <p:sp>
             <p:nvSpPr>
               <p:cNvPr id="12" name="TextBox 11">
@@ -19724,8 +19726,8 @@
           </a:p>
         </p:txBody>
       </p:sp>
-      <mc:AlternateContent xmlns:mc="http://schemas.openxmlformats.org/markup-compatibility/2006">
-        <mc:Choice xmlns:a14="http://schemas.microsoft.com/office/drawing/2010/main" Requires="a14">
+      <mc:AlternateContent xmlns:mc="http://schemas.openxmlformats.org/markup-compatibility/2006" xmlns:a14="http://schemas.microsoft.com/office/drawing/2010/main">
+        <mc:Choice Requires="a14">
           <p:sp>
             <p:nvSpPr>
               <p:cNvPr id="15" name="TextBox 14">
@@ -19834,7 +19836,7 @@
             </p:txBody>
           </p:sp>
         </mc:Choice>
-        <mc:Fallback>
+        <mc:Fallback xmlns="">
           <p:sp>
             <p:nvSpPr>
               <p:cNvPr id="15" name="TextBox 14">
@@ -19883,6 +19885,438 @@
     <p:extLst>
       <p:ext uri="{BB962C8B-B14F-4D97-AF65-F5344CB8AC3E}">
         <p14:creationId xmlns:p14="http://schemas.microsoft.com/office/powerpoint/2010/main" val="1654975341"/>
+      </p:ext>
+    </p:extLst>
+  </p:cSld>
+  <p:clrMapOvr>
+    <a:masterClrMapping/>
+  </p:clrMapOvr>
+</p:sld>
+</file>
+
+<file path=ppt/slides/slide21.xml><?xml version="1.0" encoding="utf-8"?>
+<p:sld xmlns:a="http://schemas.openxmlformats.org/drawingml/2006/main" xmlns:r="http://schemas.openxmlformats.org/officeDocument/2006/relationships" xmlns:p="http://schemas.openxmlformats.org/presentationml/2006/main">
+  <p:cSld>
+    <p:spTree>
+      <p:nvGrpSpPr>
+        <p:cNvPr id="1" name=""/>
+        <p:cNvGrpSpPr/>
+        <p:nvPr/>
+      </p:nvGrpSpPr>
+      <p:grpSpPr>
+        <a:xfrm>
+          <a:off x="0" y="0"/>
+          <a:ext cx="0" cy="0"/>
+          <a:chOff x="0" y="0"/>
+          <a:chExt cx="0" cy="0"/>
+        </a:xfrm>
+      </p:grpSpPr>
+      <p:graphicFrame>
+        <p:nvGraphicFramePr>
+          <p:cNvPr id="2" name="Object 1">
+            <a:extLst>
+              <a:ext uri="{FF2B5EF4-FFF2-40B4-BE49-F238E27FC236}">
+                <a16:creationId xmlns:a16="http://schemas.microsoft.com/office/drawing/2014/main" id="{55375945-DFE0-4DA6-81EA-CBCAC4FDEB9F}"/>
+              </a:ext>
+            </a:extLst>
+          </p:cNvPr>
+          <p:cNvGraphicFramePr>
+            <a:graphicFrameLocks noChangeAspect="1"/>
+          </p:cNvGraphicFramePr>
+          <p:nvPr>
+            <p:extLst>
+              <p:ext uri="{D42A27DB-BD31-4B8C-83A1-F6EECF244321}">
+                <p14:modId xmlns:p14="http://schemas.microsoft.com/office/powerpoint/2010/main" val="4044696852"/>
+              </p:ext>
+            </p:extLst>
+          </p:nvPr>
+        </p:nvGraphicFramePr>
+        <p:xfrm>
+          <a:off x="805572" y="828767"/>
+          <a:ext cx="3715649" cy="3208970"/>
+        </p:xfrm>
+        <a:graphic>
+          <a:graphicData uri="http://schemas.openxmlformats.org/presentationml/2006/ole">
+            <mc:AlternateContent xmlns:mc="http://schemas.openxmlformats.org/markup-compatibility/2006">
+              <mc:Choice xmlns:v="urn:schemas-microsoft-com:vml" Requires="v">
+                <p:oleObj spid="_x0000_s2059" name="Acrobat Document" r:id="rId3" imgW="2933700" imgH="2533650" progId="AcroExch.Document.DC">
+                  <p:embed/>
+                </p:oleObj>
+              </mc:Choice>
+              <mc:Fallback>
+                <p:oleObj name="Acrobat Document" r:id="rId3" imgW="2933700" imgH="2533650" progId="AcroExch.Document.DC">
+                  <p:embed/>
+                  <p:pic>
+                    <p:nvPicPr>
+                      <p:cNvPr id="0" name=""/>
+                      <p:cNvPicPr/>
+                      <p:nvPr/>
+                    </p:nvPicPr>
+                    <p:blipFill>
+                      <a:blip r:embed="rId4"/>
+                      <a:stretch>
+                        <a:fillRect/>
+                      </a:stretch>
+                    </p:blipFill>
+                    <p:spPr>
+                      <a:xfrm>
+                        <a:off x="805572" y="828767"/>
+                        <a:ext cx="3715649" cy="3208970"/>
+                      </a:xfrm>
+                      <a:prstGeom prst="rect">
+                        <a:avLst/>
+                      </a:prstGeom>
+                    </p:spPr>
+                  </p:pic>
+                </p:oleObj>
+              </mc:Fallback>
+            </mc:AlternateContent>
+          </a:graphicData>
+        </a:graphic>
+      </p:graphicFrame>
+      <p:graphicFrame>
+        <p:nvGraphicFramePr>
+          <p:cNvPr id="7" name="Object 6">
+            <a:extLst>
+              <a:ext uri="{FF2B5EF4-FFF2-40B4-BE49-F238E27FC236}">
+                <a16:creationId xmlns:a16="http://schemas.microsoft.com/office/drawing/2014/main" id="{39E06AAE-FCCE-494F-BD94-18BFFD7E3110}"/>
+              </a:ext>
+            </a:extLst>
+          </p:cNvPr>
+          <p:cNvGraphicFramePr>
+            <a:graphicFrameLocks noChangeAspect="1"/>
+          </p:cNvGraphicFramePr>
+          <p:nvPr>
+            <p:extLst>
+              <p:ext uri="{D42A27DB-BD31-4B8C-83A1-F6EECF244321}">
+                <p14:modId xmlns:p14="http://schemas.microsoft.com/office/powerpoint/2010/main" val="3238681941"/>
+              </p:ext>
+            </p:extLst>
+          </p:nvPr>
+        </p:nvGraphicFramePr>
+        <p:xfrm>
+          <a:off x="6096000" y="828767"/>
+          <a:ext cx="4169435" cy="6047875"/>
+        </p:xfrm>
+        <a:graphic>
+          <a:graphicData uri="http://schemas.openxmlformats.org/presentationml/2006/ole">
+            <mc:AlternateContent xmlns:mc="http://schemas.openxmlformats.org/markup-compatibility/2006">
+              <mc:Choice xmlns:v="urn:schemas-microsoft-com:vml" Requires="v">
+                <p:oleObj spid="_x0000_s2060" name="Acrobat Document" r:id="rId5" imgW="3016250" imgH="4375150" progId="AcroExch.Document.DC">
+                  <p:embed/>
+                </p:oleObj>
+              </mc:Choice>
+              <mc:Fallback>
+                <p:oleObj name="Acrobat Document" r:id="rId5" imgW="3016250" imgH="4375150" progId="AcroExch.Document.DC">
+                  <p:embed/>
+                  <p:pic>
+                    <p:nvPicPr>
+                      <p:cNvPr id="0" name=""/>
+                      <p:cNvPicPr/>
+                      <p:nvPr/>
+                    </p:nvPicPr>
+                    <p:blipFill>
+                      <a:blip r:embed="rId6"/>
+                      <a:stretch>
+                        <a:fillRect/>
+                      </a:stretch>
+                    </p:blipFill>
+                    <p:spPr>
+                      <a:xfrm>
+                        <a:off x="6096000" y="828767"/>
+                        <a:ext cx="4169435" cy="6047875"/>
+                      </a:xfrm>
+                      <a:prstGeom prst="rect">
+                        <a:avLst/>
+                      </a:prstGeom>
+                    </p:spPr>
+                  </p:pic>
+                </p:oleObj>
+              </mc:Fallback>
+            </mc:AlternateContent>
+          </a:graphicData>
+        </a:graphic>
+      </p:graphicFrame>
+      <p:graphicFrame>
+        <p:nvGraphicFramePr>
+          <p:cNvPr id="6" name="Object 5">
+            <a:extLst>
+              <a:ext uri="{FF2B5EF4-FFF2-40B4-BE49-F238E27FC236}">
+                <a16:creationId xmlns:a16="http://schemas.microsoft.com/office/drawing/2014/main" id="{75BAADF3-E7E9-4D13-A790-4993C885D036}"/>
+              </a:ext>
+            </a:extLst>
+          </p:cNvPr>
+          <p:cNvGraphicFramePr>
+            <a:graphicFrameLocks noChangeAspect="1"/>
+          </p:cNvGraphicFramePr>
+          <p:nvPr>
+            <p:extLst>
+              <p:ext uri="{D42A27DB-BD31-4B8C-83A1-F6EECF244321}">
+                <p14:modId xmlns:p14="http://schemas.microsoft.com/office/powerpoint/2010/main" val="3921759376"/>
+              </p:ext>
+            </p:extLst>
+          </p:nvPr>
+        </p:nvGraphicFramePr>
+        <p:xfrm>
+          <a:off x="10150573" y="262890"/>
+          <a:ext cx="2041427" cy="2244816"/>
+        </p:xfrm>
+        <a:graphic>
+          <a:graphicData uri="http://schemas.openxmlformats.org/presentationml/2006/ole">
+            <mc:AlternateContent xmlns:mc="http://schemas.openxmlformats.org/markup-compatibility/2006">
+              <mc:Choice xmlns:v="urn:schemas-microsoft-com:vml" Requires="v">
+                <p:oleObj spid="_x0000_s2061" name="Acrobat Document" r:id="rId7" imgW="1720850" imgH="1892300" progId="AcroExch.Document.DC">
+                  <p:embed/>
+                </p:oleObj>
+              </mc:Choice>
+              <mc:Fallback>
+                <p:oleObj name="Acrobat Document" r:id="rId7" imgW="1720850" imgH="1892300" progId="AcroExch.Document.DC">
+                  <p:embed/>
+                  <p:pic>
+                    <p:nvPicPr>
+                      <p:cNvPr id="0" name=""/>
+                      <p:cNvPicPr/>
+                      <p:nvPr/>
+                    </p:nvPicPr>
+                    <p:blipFill>
+                      <a:blip r:embed="rId8"/>
+                      <a:stretch>
+                        <a:fillRect/>
+                      </a:stretch>
+                    </p:blipFill>
+                    <p:spPr>
+                      <a:xfrm>
+                        <a:off x="10150573" y="262890"/>
+                        <a:ext cx="2041427" cy="2244816"/>
+                      </a:xfrm>
+                      <a:prstGeom prst="rect">
+                        <a:avLst/>
+                      </a:prstGeom>
+                    </p:spPr>
+                  </p:pic>
+                </p:oleObj>
+              </mc:Fallback>
+            </mc:AlternateContent>
+          </a:graphicData>
+        </a:graphic>
+      </p:graphicFrame>
+      <p:cxnSp>
+        <p:nvCxnSpPr>
+          <p:cNvPr id="11" name="Connector: Curved 10">
+            <a:extLst>
+              <a:ext uri="{FF2B5EF4-FFF2-40B4-BE49-F238E27FC236}">
+                <a16:creationId xmlns:a16="http://schemas.microsoft.com/office/drawing/2014/main" id="{D2A29423-9776-4AB4-9D9C-33B1D22277C8}"/>
+              </a:ext>
+            </a:extLst>
+          </p:cNvPr>
+          <p:cNvCxnSpPr/>
+          <p:nvPr/>
+        </p:nvCxnSpPr>
+        <p:spPr>
+          <a:xfrm rot="10800000" flipV="1">
+            <a:off x="10172700" y="2526030"/>
+            <a:ext cx="994410" cy="468630"/>
+          </a:xfrm>
+          <a:prstGeom prst="curvedConnector3">
+            <a:avLst>
+              <a:gd name="adj1" fmla="val 1724"/>
+            </a:avLst>
+          </a:prstGeom>
+          <a:ln w="38100">
+            <a:solidFill>
+              <a:schemeClr val="accent6">
+                <a:lumMod val="60000"/>
+                <a:lumOff val="40000"/>
+              </a:schemeClr>
+            </a:solidFill>
+            <a:tailEnd type="triangle"/>
+          </a:ln>
+        </p:spPr>
+        <p:style>
+          <a:lnRef idx="1">
+            <a:schemeClr val="accent1"/>
+          </a:lnRef>
+          <a:fillRef idx="0">
+            <a:schemeClr val="accent1"/>
+          </a:fillRef>
+          <a:effectRef idx="0">
+            <a:schemeClr val="accent1"/>
+          </a:effectRef>
+          <a:fontRef idx="minor">
+            <a:schemeClr val="tx1"/>
+          </a:fontRef>
+        </p:style>
+      </p:cxnSp>
+      <p:cxnSp>
+        <p:nvCxnSpPr>
+          <p:cNvPr id="16" name="Connector: Curved 15">
+            <a:extLst>
+              <a:ext uri="{FF2B5EF4-FFF2-40B4-BE49-F238E27FC236}">
+                <a16:creationId xmlns:a16="http://schemas.microsoft.com/office/drawing/2014/main" id="{5AD8D909-82B3-406A-8196-3A21A5C7BAB9}"/>
+              </a:ext>
+            </a:extLst>
+          </p:cNvPr>
+          <p:cNvCxnSpPr>
+            <a:cxnSpLocks/>
+          </p:cNvCxnSpPr>
+          <p:nvPr/>
+        </p:nvCxnSpPr>
+        <p:spPr>
+          <a:xfrm rot="5400000">
+            <a:off x="9918503" y="2780228"/>
+            <a:ext cx="1502806" cy="994412"/>
+          </a:xfrm>
+          <a:prstGeom prst="curvedConnector3">
+            <a:avLst>
+              <a:gd name="adj1" fmla="val 100198"/>
+            </a:avLst>
+          </a:prstGeom>
+          <a:ln w="38100">
+            <a:solidFill>
+              <a:schemeClr val="accent6">
+                <a:lumMod val="60000"/>
+                <a:lumOff val="40000"/>
+              </a:schemeClr>
+            </a:solidFill>
+            <a:tailEnd type="triangle"/>
+          </a:ln>
+        </p:spPr>
+        <p:style>
+          <a:lnRef idx="1">
+            <a:schemeClr val="accent1"/>
+          </a:lnRef>
+          <a:fillRef idx="0">
+            <a:schemeClr val="accent1"/>
+          </a:fillRef>
+          <a:effectRef idx="0">
+            <a:schemeClr val="accent1"/>
+          </a:effectRef>
+          <a:fontRef idx="minor">
+            <a:schemeClr val="tx1"/>
+          </a:fontRef>
+        </p:style>
+      </p:cxnSp>
+      <p:sp>
+        <p:nvSpPr>
+          <p:cNvPr id="21" name="TextBox 20">
+            <a:extLst>
+              <a:ext uri="{FF2B5EF4-FFF2-40B4-BE49-F238E27FC236}">
+                <a16:creationId xmlns:a16="http://schemas.microsoft.com/office/drawing/2014/main" id="{9C8B286D-2B12-474D-B1D7-3DE39BEEF13D}"/>
+              </a:ext>
+            </a:extLst>
+          </p:cNvPr>
+          <p:cNvSpPr txBox="1"/>
+          <p:nvPr/>
+        </p:nvSpPr>
+        <p:spPr>
+          <a:xfrm>
+            <a:off x="494818" y="7235190"/>
+            <a:ext cx="5117683" cy="461665"/>
+          </a:xfrm>
+          <a:prstGeom prst="rect">
+            <a:avLst/>
+          </a:prstGeom>
+          <a:noFill/>
+        </p:spPr>
+        <p:txBody>
+          <a:bodyPr wrap="none" rtlCol="0">
+            <a:spAutoFit/>
+          </a:bodyPr>
+          <a:lstStyle/>
+          <a:p>
+            <a:r>
+              <a:rPr lang="en-US" sz="2400" b="1" dirty="0"/>
+              <a:t>Deep Learning Data/Model Parallelism</a:t>
+            </a:r>
+          </a:p>
+        </p:txBody>
+      </p:sp>
+      <p:sp>
+        <p:nvSpPr>
+          <p:cNvPr id="23" name="TextBox 22">
+            <a:extLst>
+              <a:ext uri="{FF2B5EF4-FFF2-40B4-BE49-F238E27FC236}">
+                <a16:creationId xmlns:a16="http://schemas.microsoft.com/office/drawing/2014/main" id="{A08722E4-2951-44AC-8073-B0E9373FDB08}"/>
+              </a:ext>
+            </a:extLst>
+          </p:cNvPr>
+          <p:cNvSpPr txBox="1"/>
+          <p:nvPr/>
+        </p:nvSpPr>
+        <p:spPr>
+          <a:xfrm>
+            <a:off x="6096000" y="7235190"/>
+            <a:ext cx="5138971" cy="461665"/>
+          </a:xfrm>
+          <a:prstGeom prst="rect">
+            <a:avLst/>
+          </a:prstGeom>
+          <a:noFill/>
+        </p:spPr>
+        <p:txBody>
+          <a:bodyPr wrap="none" rtlCol="0">
+            <a:spAutoFit/>
+          </a:bodyPr>
+          <a:lstStyle/>
+          <a:p>
+            <a:r>
+              <a:rPr lang="en-US" sz="2400" b="1" dirty="0"/>
+              <a:t>Scientific Computing Mixed Parallelism</a:t>
+            </a:r>
+          </a:p>
+        </p:txBody>
+      </p:sp>
+      <p:pic>
+        <p:nvPicPr>
+          <p:cNvPr id="2052" name="Picture 4" descr="Model Parallelism in Deep Learning is NOT What You Think | by Saliya  Ekanayake | Medium">
+            <a:extLst>
+              <a:ext uri="{FF2B5EF4-FFF2-40B4-BE49-F238E27FC236}">
+                <a16:creationId xmlns:a16="http://schemas.microsoft.com/office/drawing/2014/main" id="{2F309087-5059-45B4-80DF-97952FFB7639}"/>
+              </a:ext>
+            </a:extLst>
+          </p:cNvPr>
+          <p:cNvPicPr>
+            <a:picLocks noChangeAspect="1" noChangeArrowheads="1"/>
+          </p:cNvPicPr>
+          <p:nvPr/>
+        </p:nvPicPr>
+        <p:blipFill>
+          <a:blip r:embed="rId9">
+            <a:extLst>
+              <a:ext uri="{28A0092B-C50C-407E-A947-70E740481C1C}">
+                <a14:useLocalDpi xmlns:a14="http://schemas.microsoft.com/office/drawing/2010/main" val="0"/>
+              </a:ext>
+            </a:extLst>
+          </a:blip>
+          <a:srcRect/>
+          <a:stretch>
+            <a:fillRect/>
+          </a:stretch>
+        </p:blipFill>
+        <p:spPr bwMode="auto">
+          <a:xfrm>
+            <a:off x="805572" y="4258939"/>
+            <a:ext cx="4154279" cy="2362205"/>
+          </a:xfrm>
+          <a:prstGeom prst="rect">
+            <a:avLst/>
+          </a:prstGeom>
+          <a:noFill/>
+          <a:extLst>
+            <a:ext uri="{909E8E84-426E-40DD-AFC4-6F175D3DCCD1}">
+              <a14:hiddenFill xmlns:a14="http://schemas.microsoft.com/office/drawing/2010/main">
+                <a:solidFill>
+                  <a:srgbClr val="FFFFFF"/>
+                </a:solidFill>
+              </a14:hiddenFill>
+            </a:ext>
+          </a:extLst>
+        </p:spPr>
+      </p:pic>
+    </p:spTree>
+    <p:extLst>
+      <p:ext uri="{BB962C8B-B14F-4D97-AF65-F5344CB8AC3E}">
+        <p14:creationId xmlns:p14="http://schemas.microsoft.com/office/powerpoint/2010/main" val="1710514939"/>
       </p:ext>
     </p:extLst>
   </p:cSld>
@@ -35579,7 +36013,7 @@
 
 <file path=customXml/item1.xml><?xml version="1.0" encoding="utf-8"?>
 <Control xmlns="http://schemas.microsoft.com/VisualStudio/2011/storyboarding/control">
-  <Id Name="System.Storyboarding.Common.MouseClick" Revision="1" Stencil="System.Storyboarding.Common" StencilVersion="0.1"/>
+  <Id Name="System.Storyboarding.Icons.Envelope" Revision="1" Stencil="System.Storyboarding.Icons" StencilVersion="0.1"/>
 </Control>
 </file>
 
@@ -35591,12 +36025,12 @@
 
 <file path=customXml/item3.xml><?xml version="1.0" encoding="utf-8"?>
 <Control xmlns="http://schemas.microsoft.com/VisualStudio/2011/storyboarding/control">
-  <Id Name="System.Storyboarding.Icons.Envelope" Revision="1" Stencil="System.Storyboarding.Icons" StencilVersion="0.1"/>
+  <Id Name="System.Storyboarding.Common.MouseClick" Revision="1" Stencil="System.Storyboarding.Common" StencilVersion="0.1"/>
 </Control>
 </file>
 
 <file path=customXml/itemProps1.xml><?xml version="1.0" encoding="utf-8"?>
-<ds:datastoreItem xmlns:ds="http://schemas.openxmlformats.org/officeDocument/2006/customXml" ds:itemID="{CDE74C96-E3A6-41DA-927B-67031D210E8E}">
+<ds:datastoreItem xmlns:ds="http://schemas.openxmlformats.org/officeDocument/2006/customXml" ds:itemID="{E862297A-FDE6-44E5-BFEA-2E2AA22AFB6E}">
   <ds:schemaRefs>
     <ds:schemaRef ds:uri="http://schemas.microsoft.com/VisualStudio/2011/storyboarding/control"/>
   </ds:schemaRefs>
@@ -35612,7 +36046,7 @@
 </file>
 
 <file path=customXml/itemProps3.xml><?xml version="1.0" encoding="utf-8"?>
-<ds:datastoreItem xmlns:ds="http://schemas.openxmlformats.org/officeDocument/2006/customXml" ds:itemID="{E862297A-FDE6-44E5-BFEA-2E2AA22AFB6E}">
+<ds:datastoreItem xmlns:ds="http://schemas.openxmlformats.org/officeDocument/2006/customXml" ds:itemID="{CDE74C96-E3A6-41DA-927B-67031D210E8E}">
   <ds:schemaRefs>
     <ds:schemaRef ds:uri="http://schemas.microsoft.com/VisualStudio/2011/storyboarding/control"/>
   </ds:schemaRefs>

--- a/Slides/figures.pptx
+++ b/Slides/figures.pptx
@@ -5,7 +5,7 @@
     <p:sldMasterId id="2147483660" r:id="rId4"/>
   </p:sldMasterIdLst>
   <p:notesMasterIdLst>
-    <p:notesMasterId r:id="rId23"/>
+    <p:notesMasterId r:id="rId26"/>
   </p:notesMasterIdLst>
   <p:sldIdLst>
     <p:sldId id="256" r:id="rId5"/>
@@ -26,6 +26,9 @@
     <p:sldId id="272" r:id="rId20"/>
     <p:sldId id="273" r:id="rId21"/>
     <p:sldId id="274" r:id="rId22"/>
+    <p:sldId id="275" r:id="rId23"/>
+    <p:sldId id="276" r:id="rId24"/>
+    <p:sldId id="277" r:id="rId25"/>
   </p:sldIdLst>
   <p:sldSz cx="12192000" cy="8961438"/>
   <p:notesSz cx="6858000" cy="9144000"/>
@@ -214,7 +217,7 @@
           <a:p>
             <a:fld id="{461AEF44-E510-4251-A5BC-36EBF3245816}" type="datetimeFigureOut">
               <a:rPr lang="en-US" smtClean="0"/>
-              <a:t>10/1/2020</a:t>
+              <a:t>10/13/2020</a:t>
             </a:fld>
             <a:endParaRPr lang="en-US"/>
           </a:p>
@@ -649,6 +652,90 @@
 </p:notes>
 </file>
 
+<file path=ppt/notesSlides/notesSlide3.xml><?xml version="1.0" encoding="utf-8"?>
+<p:notes xmlns:a="http://schemas.openxmlformats.org/drawingml/2006/main" xmlns:r="http://schemas.openxmlformats.org/officeDocument/2006/relationships" xmlns:p="http://schemas.openxmlformats.org/presentationml/2006/main">
+  <p:cSld>
+    <p:spTree>
+      <p:nvGrpSpPr>
+        <p:cNvPr id="1" name=""/>
+        <p:cNvGrpSpPr/>
+        <p:nvPr/>
+      </p:nvGrpSpPr>
+      <p:grpSpPr>
+        <a:xfrm>
+          <a:off x="0" y="0"/>
+          <a:ext cx="0" cy="0"/>
+          <a:chOff x="0" y="0"/>
+          <a:chExt cx="0" cy="0"/>
+        </a:xfrm>
+      </p:grpSpPr>
+      <p:sp>
+        <p:nvSpPr>
+          <p:cNvPr id="2" name="Slide Image Placeholder 1"/>
+          <p:cNvSpPr>
+            <a:spLocks noGrp="1" noRot="1" noChangeAspect="1"/>
+          </p:cNvSpPr>
+          <p:nvPr>
+            <p:ph type="sldImg"/>
+          </p:nvPr>
+        </p:nvSpPr>
+        <p:spPr/>
+      </p:sp>
+      <p:sp>
+        <p:nvSpPr>
+          <p:cNvPr id="3" name="Notes Placeholder 2"/>
+          <p:cNvSpPr>
+            <a:spLocks noGrp="1"/>
+          </p:cNvSpPr>
+          <p:nvPr>
+            <p:ph type="body" idx="1"/>
+          </p:nvPr>
+        </p:nvSpPr>
+        <p:spPr/>
+        <p:txBody>
+          <a:bodyPr/>
+          <a:lstStyle/>
+          <a:p>
+            <a:endParaRPr lang="en-US" dirty="0"/>
+          </a:p>
+        </p:txBody>
+      </p:sp>
+      <p:sp>
+        <p:nvSpPr>
+          <p:cNvPr id="4" name="Slide Number Placeholder 3"/>
+          <p:cNvSpPr>
+            <a:spLocks noGrp="1"/>
+          </p:cNvSpPr>
+          <p:nvPr>
+            <p:ph type="sldNum" sz="quarter" idx="5"/>
+          </p:nvPr>
+        </p:nvSpPr>
+        <p:spPr/>
+        <p:txBody>
+          <a:bodyPr/>
+          <a:lstStyle/>
+          <a:p>
+            <a:fld id="{AC5AF634-82CA-4179-ABDE-05BFF70A8F24}" type="slidenum">
+              <a:rPr lang="en-US" smtClean="0"/>
+              <a:t>21</a:t>
+            </a:fld>
+            <a:endParaRPr lang="en-US"/>
+          </a:p>
+        </p:txBody>
+      </p:sp>
+    </p:spTree>
+    <p:extLst>
+      <p:ext uri="{BB962C8B-B14F-4D97-AF65-F5344CB8AC3E}">
+        <p14:creationId xmlns:p14="http://schemas.microsoft.com/office/powerpoint/2010/main" val="840843979"/>
+      </p:ext>
+    </p:extLst>
+  </p:cSld>
+  <p:clrMapOvr>
+    <a:masterClrMapping/>
+  </p:clrMapOvr>
+</p:notes>
+</file>
+
 <file path=ppt/slideLayouts/slideLayout1.xml><?xml version="1.0" encoding="utf-8"?>
 <p:sldLayout xmlns:a="http://schemas.openxmlformats.org/drawingml/2006/main" xmlns:r="http://schemas.openxmlformats.org/officeDocument/2006/relationships" xmlns:p="http://schemas.openxmlformats.org/presentationml/2006/main" type="title" preserve="1">
   <p:cSld name="Title Slide">
@@ -780,7 +867,7 @@
           <a:p>
             <a:fld id="{61C71226-6BCE-43B6-9B8C-D352B0229DA2}" type="datetimeFigureOut">
               <a:rPr lang="en-US" smtClean="0"/>
-              <a:t>10/1/2020</a:t>
+              <a:t>10/13/2020</a:t>
             </a:fld>
             <a:endParaRPr lang="en-US"/>
           </a:p>
@@ -950,7 +1037,7 @@
           <a:p>
             <a:fld id="{61C71226-6BCE-43B6-9B8C-D352B0229DA2}" type="datetimeFigureOut">
               <a:rPr lang="en-US" smtClean="0"/>
-              <a:t>10/1/2020</a:t>
+              <a:t>10/13/2020</a:t>
             </a:fld>
             <a:endParaRPr lang="en-US"/>
           </a:p>
@@ -1130,7 +1217,7 @@
           <a:p>
             <a:fld id="{61C71226-6BCE-43B6-9B8C-D352B0229DA2}" type="datetimeFigureOut">
               <a:rPr lang="en-US" smtClean="0"/>
-              <a:t>10/1/2020</a:t>
+              <a:t>10/13/2020</a:t>
             </a:fld>
             <a:endParaRPr lang="en-US"/>
           </a:p>
@@ -1300,7 +1387,7 @@
           <a:p>
             <a:fld id="{61C71226-6BCE-43B6-9B8C-D352B0229DA2}" type="datetimeFigureOut">
               <a:rPr lang="en-US" smtClean="0"/>
-              <a:t>10/1/2020</a:t>
+              <a:t>10/13/2020</a:t>
             </a:fld>
             <a:endParaRPr lang="en-US"/>
           </a:p>
@@ -1544,7 +1631,7 @@
           <a:p>
             <a:fld id="{61C71226-6BCE-43B6-9B8C-D352B0229DA2}" type="datetimeFigureOut">
               <a:rPr lang="en-US" smtClean="0"/>
-              <a:t>10/1/2020</a:t>
+              <a:t>10/13/2020</a:t>
             </a:fld>
             <a:endParaRPr lang="en-US"/>
           </a:p>
@@ -1776,7 +1863,7 @@
           <a:p>
             <a:fld id="{61C71226-6BCE-43B6-9B8C-D352B0229DA2}" type="datetimeFigureOut">
               <a:rPr lang="en-US" smtClean="0"/>
-              <a:t>10/1/2020</a:t>
+              <a:t>10/13/2020</a:t>
             </a:fld>
             <a:endParaRPr lang="en-US"/>
           </a:p>
@@ -2143,7 +2230,7 @@
           <a:p>
             <a:fld id="{61C71226-6BCE-43B6-9B8C-D352B0229DA2}" type="datetimeFigureOut">
               <a:rPr lang="en-US" smtClean="0"/>
-              <a:t>10/1/2020</a:t>
+              <a:t>10/13/2020</a:t>
             </a:fld>
             <a:endParaRPr lang="en-US"/>
           </a:p>
@@ -2261,7 +2348,7 @@
           <a:p>
             <a:fld id="{61C71226-6BCE-43B6-9B8C-D352B0229DA2}" type="datetimeFigureOut">
               <a:rPr lang="en-US" smtClean="0"/>
-              <a:t>10/1/2020</a:t>
+              <a:t>10/13/2020</a:t>
             </a:fld>
             <a:endParaRPr lang="en-US"/>
           </a:p>
@@ -2356,7 +2443,7 @@
           <a:p>
             <a:fld id="{61C71226-6BCE-43B6-9B8C-D352B0229DA2}" type="datetimeFigureOut">
               <a:rPr lang="en-US" smtClean="0"/>
-              <a:t>10/1/2020</a:t>
+              <a:t>10/13/2020</a:t>
             </a:fld>
             <a:endParaRPr lang="en-US"/>
           </a:p>
@@ -2633,7 +2720,7 @@
           <a:p>
             <a:fld id="{61C71226-6BCE-43B6-9B8C-D352B0229DA2}" type="datetimeFigureOut">
               <a:rPr lang="en-US" smtClean="0"/>
-              <a:t>10/1/2020</a:t>
+              <a:t>10/13/2020</a:t>
             </a:fld>
             <a:endParaRPr lang="en-US"/>
           </a:p>
@@ -2890,7 +2977,7 @@
           <a:p>
             <a:fld id="{61C71226-6BCE-43B6-9B8C-D352B0229DA2}" type="datetimeFigureOut">
               <a:rPr lang="en-US" smtClean="0"/>
-              <a:t>10/1/2020</a:t>
+              <a:t>10/13/2020</a:t>
             </a:fld>
             <a:endParaRPr lang="en-US"/>
           </a:p>
@@ -3103,7 +3190,7 @@
           <a:p>
             <a:fld id="{61C71226-6BCE-43B6-9B8C-D352B0229DA2}" type="datetimeFigureOut">
               <a:rPr lang="en-US" smtClean="0"/>
-              <a:t>10/1/2020</a:t>
+              <a:t>10/13/2020</a:t>
             </a:fld>
             <a:endParaRPr lang="en-US"/>
           </a:p>
@@ -5298,7 +5385,7 @@
           <a:graphicData uri="http://schemas.openxmlformats.org/presentationml/2006/ole">
             <mc:AlternateContent xmlns:mc="http://schemas.openxmlformats.org/markup-compatibility/2006">
               <mc:Choice xmlns:v="urn:schemas-microsoft-com:vml" Requires="v">
-                <p:oleObj spid="_x0000_s1045" name="Equation" r:id="rId4" imgW="914400" imgH="198720" progId="Equation.DSMT4">
+                <p:oleObj spid="_x0000_s1050" name="Equation" r:id="rId4" imgW="914400" imgH="198720" progId="Equation.DSMT4">
                   <p:embed/>
                 </p:oleObj>
               </mc:Choice>
@@ -15304,8 +15391,8 @@
             </a:p>
           </p:txBody>
         </p:sp>
-        <mc:AlternateContent xmlns:mc="http://schemas.openxmlformats.org/markup-compatibility/2006">
-          <mc:Choice xmlns:a14="http://schemas.microsoft.com/office/drawing/2010/main" Requires="a14">
+        <mc:AlternateContent xmlns:mc="http://schemas.openxmlformats.org/markup-compatibility/2006" xmlns:a14="http://schemas.microsoft.com/office/drawing/2010/main">
+          <mc:Choice Requires="a14">
             <p:sp>
               <p:nvSpPr>
                 <p:cNvPr id="3" name="Rectangle 2">
@@ -15374,7 +15461,7 @@
               </p:txBody>
             </p:sp>
           </mc:Choice>
-          <mc:Fallback>
+          <mc:Fallback xmlns="">
             <p:sp>
               <p:nvSpPr>
                 <p:cNvPr id="3" name="Rectangle 2">
@@ -16090,8 +16177,8 @@
             </a:p>
           </p:txBody>
         </p:sp>
-        <mc:AlternateContent xmlns:mc="http://schemas.openxmlformats.org/markup-compatibility/2006">
-          <mc:Choice xmlns:a14="http://schemas.microsoft.com/office/drawing/2010/main" Requires="a14">
+        <mc:AlternateContent xmlns:mc="http://schemas.openxmlformats.org/markup-compatibility/2006" xmlns:a14="http://schemas.microsoft.com/office/drawing/2010/main">
+          <mc:Choice Requires="a14">
             <p:sp>
               <p:nvSpPr>
                 <p:cNvPr id="52" name="TextBox 51">
@@ -16120,6 +16207,7 @@
                 </a:bodyPr>
                 <a:lstStyle/>
                 <a:p>
+                  <a:pPr/>
                   <a14:m>
                     <m:oMathPara xmlns:m="http://schemas.openxmlformats.org/officeDocument/2006/math">
                       <m:oMathParaPr>
@@ -16140,7 +16228,7 @@
               </p:txBody>
             </p:sp>
           </mc:Choice>
-          <mc:Fallback>
+          <mc:Fallback xmlns="">
             <p:sp>
               <p:nvSpPr>
                 <p:cNvPr id="52" name="TextBox 51">
@@ -16185,8 +16273,8 @@
             </p:sp>
           </mc:Fallback>
         </mc:AlternateContent>
-        <mc:AlternateContent xmlns:mc="http://schemas.openxmlformats.org/markup-compatibility/2006">
-          <mc:Choice xmlns:a14="http://schemas.microsoft.com/office/drawing/2010/main" Requires="a14">
+        <mc:AlternateContent xmlns:mc="http://schemas.openxmlformats.org/markup-compatibility/2006" xmlns:a14="http://schemas.microsoft.com/office/drawing/2010/main">
+          <mc:Choice Requires="a14">
             <p:sp>
               <p:nvSpPr>
                 <p:cNvPr id="53" name="TextBox 52">
@@ -16215,6 +16303,7 @@
                 </a:bodyPr>
                 <a:lstStyle/>
                 <a:p>
+                  <a:pPr/>
                   <a14:m>
                     <m:oMathPara xmlns:m="http://schemas.openxmlformats.org/officeDocument/2006/math">
                       <m:oMathParaPr>
@@ -16235,7 +16324,7 @@
               </p:txBody>
             </p:sp>
           </mc:Choice>
-          <mc:Fallback>
+          <mc:Fallback xmlns="">
             <p:sp>
               <p:nvSpPr>
                 <p:cNvPr id="53" name="TextBox 52">
@@ -16280,8 +16369,8 @@
             </p:sp>
           </mc:Fallback>
         </mc:AlternateContent>
-        <mc:AlternateContent xmlns:mc="http://schemas.openxmlformats.org/markup-compatibility/2006">
-          <mc:Choice xmlns:a14="http://schemas.microsoft.com/office/drawing/2010/main" Requires="a14">
+        <mc:AlternateContent xmlns:mc="http://schemas.openxmlformats.org/markup-compatibility/2006" xmlns:a14="http://schemas.microsoft.com/office/drawing/2010/main">
+          <mc:Choice Requires="a14">
             <p:sp>
               <p:nvSpPr>
                 <p:cNvPr id="54" name="TextBox 53">
@@ -16310,6 +16399,7 @@
                 </a:bodyPr>
                 <a:lstStyle/>
                 <a:p>
+                  <a:pPr/>
                   <a14:m>
                     <m:oMathPara xmlns:m="http://schemas.openxmlformats.org/officeDocument/2006/math">
                       <m:oMathParaPr>
@@ -16330,7 +16420,7 @@
               </p:txBody>
             </p:sp>
           </mc:Choice>
-          <mc:Fallback>
+          <mc:Fallback xmlns="">
             <p:sp>
               <p:nvSpPr>
                 <p:cNvPr id="54" name="TextBox 53">
@@ -17269,6 +17359,1099 @@
     <p:extLst>
       <p:ext uri="{BB962C8B-B14F-4D97-AF65-F5344CB8AC3E}">
         <p14:creationId xmlns:p14="http://schemas.microsoft.com/office/powerpoint/2010/main" val="1929881296"/>
+      </p:ext>
+    </p:extLst>
+  </p:cSld>
+  <p:clrMapOvr>
+    <a:masterClrMapping/>
+  </p:clrMapOvr>
+</p:sld>
+</file>
+
+<file path=ppt/slides/slide19.xml><?xml version="1.0" encoding="utf-8"?>
+<p:sld xmlns:a="http://schemas.openxmlformats.org/drawingml/2006/main" xmlns:r="http://schemas.openxmlformats.org/officeDocument/2006/relationships" xmlns:p="http://schemas.openxmlformats.org/presentationml/2006/main">
+  <p:cSld>
+    <p:spTree>
+      <p:nvGrpSpPr>
+        <p:cNvPr id="1" name=""/>
+        <p:cNvGrpSpPr/>
+        <p:nvPr/>
+      </p:nvGrpSpPr>
+      <p:grpSpPr>
+        <a:xfrm>
+          <a:off x="0" y="0"/>
+          <a:ext cx="0" cy="0"/>
+          <a:chOff x="0" y="0"/>
+          <a:chExt cx="0" cy="0"/>
+        </a:xfrm>
+      </p:grpSpPr>
+      <p:sp>
+        <p:nvSpPr>
+          <p:cNvPr id="4" name="Isosceles Triangle 3">
+            <a:extLst>
+              <a:ext uri="{FF2B5EF4-FFF2-40B4-BE49-F238E27FC236}">
+                <a16:creationId xmlns:a16="http://schemas.microsoft.com/office/drawing/2014/main" id="{11B6076F-DC9B-4368-A75A-7DB8EA02BFA8}"/>
+              </a:ext>
+            </a:extLst>
+          </p:cNvPr>
+          <p:cNvSpPr/>
+          <p:nvPr/>
+        </p:nvSpPr>
+        <p:spPr>
+          <a:xfrm>
+            <a:off x="1518832" y="2124977"/>
+            <a:ext cx="2468880" cy="2468880"/>
+          </a:xfrm>
+          <a:prstGeom prst="triangle">
+            <a:avLst>
+              <a:gd name="adj" fmla="val 0"/>
+            </a:avLst>
+          </a:prstGeom>
+          <a:noFill/>
+          <a:ln w="38100"/>
+        </p:spPr>
+        <p:style>
+          <a:lnRef idx="2">
+            <a:schemeClr val="accent1">
+              <a:shade val="50000"/>
+            </a:schemeClr>
+          </a:lnRef>
+          <a:fillRef idx="1">
+            <a:schemeClr val="accent1"/>
+          </a:fillRef>
+          <a:effectRef idx="0">
+            <a:schemeClr val="accent1"/>
+          </a:effectRef>
+          <a:fontRef idx="minor">
+            <a:schemeClr val="lt1"/>
+          </a:fontRef>
+        </p:style>
+        <p:txBody>
+          <a:bodyPr rtlCol="0" anchor="ctr"/>
+          <a:lstStyle/>
+          <a:p>
+            <a:pPr algn="ctr"/>
+            <a:endParaRPr lang="en-US"/>
+          </a:p>
+        </p:txBody>
+      </p:sp>
+      <p:sp>
+        <p:nvSpPr>
+          <p:cNvPr id="5" name="Isosceles Triangle 4">
+            <a:extLst>
+              <a:ext uri="{FF2B5EF4-FFF2-40B4-BE49-F238E27FC236}">
+                <a16:creationId xmlns:a16="http://schemas.microsoft.com/office/drawing/2014/main" id="{6799D419-4E93-4AF8-A5AF-BA112F8F2AFC}"/>
+              </a:ext>
+            </a:extLst>
+          </p:cNvPr>
+          <p:cNvSpPr/>
+          <p:nvPr/>
+        </p:nvSpPr>
+        <p:spPr>
+          <a:xfrm rot="20665477">
+            <a:off x="6327956" y="2164136"/>
+            <a:ext cx="2732472" cy="2101463"/>
+          </a:xfrm>
+          <a:prstGeom prst="triangle">
+            <a:avLst>
+              <a:gd name="adj" fmla="val 89797"/>
+            </a:avLst>
+          </a:prstGeom>
+          <a:noFill/>
+          <a:ln w="38100"/>
+        </p:spPr>
+        <p:style>
+          <a:lnRef idx="2">
+            <a:schemeClr val="accent1">
+              <a:shade val="50000"/>
+            </a:schemeClr>
+          </a:lnRef>
+          <a:fillRef idx="1">
+            <a:schemeClr val="accent1"/>
+          </a:fillRef>
+          <a:effectRef idx="0">
+            <a:schemeClr val="accent1"/>
+          </a:effectRef>
+          <a:fontRef idx="minor">
+            <a:schemeClr val="lt1"/>
+          </a:fontRef>
+        </p:style>
+        <p:txBody>
+          <a:bodyPr rtlCol="0" anchor="ctr"/>
+          <a:lstStyle/>
+          <a:p>
+            <a:pPr algn="ctr"/>
+            <a:endParaRPr lang="en-US"/>
+          </a:p>
+        </p:txBody>
+      </p:sp>
+      <p:sp>
+        <p:nvSpPr>
+          <p:cNvPr id="6" name="TextBox 5">
+            <a:extLst>
+              <a:ext uri="{FF2B5EF4-FFF2-40B4-BE49-F238E27FC236}">
+                <a16:creationId xmlns:a16="http://schemas.microsoft.com/office/drawing/2014/main" id="{6808915C-D45E-46F8-AFF0-BFDD910C43AC}"/>
+              </a:ext>
+            </a:extLst>
+          </p:cNvPr>
+          <p:cNvSpPr txBox="1"/>
+          <p:nvPr/>
+        </p:nvSpPr>
+        <p:spPr>
+          <a:xfrm>
+            <a:off x="1151424" y="4726984"/>
+            <a:ext cx="367408" cy="523220"/>
+          </a:xfrm>
+          <a:prstGeom prst="rect">
+            <a:avLst/>
+          </a:prstGeom>
+          <a:noFill/>
+        </p:spPr>
+        <p:txBody>
+          <a:bodyPr wrap="none" rtlCol="0">
+            <a:spAutoFit/>
+          </a:bodyPr>
+          <a:lstStyle/>
+          <a:p>
+            <a:r>
+              <a:rPr lang="en-US" sz="2800" dirty="0"/>
+              <a:t>2</a:t>
+            </a:r>
+          </a:p>
+        </p:txBody>
+      </p:sp>
+      <p:sp>
+        <p:nvSpPr>
+          <p:cNvPr id="7" name="TextBox 6">
+            <a:extLst>
+              <a:ext uri="{FF2B5EF4-FFF2-40B4-BE49-F238E27FC236}">
+                <a16:creationId xmlns:a16="http://schemas.microsoft.com/office/drawing/2014/main" id="{4D3D76A0-1747-4661-8E7F-AE2EA6214524}"/>
+              </a:ext>
+            </a:extLst>
+          </p:cNvPr>
+          <p:cNvSpPr txBox="1"/>
+          <p:nvPr/>
+        </p:nvSpPr>
+        <p:spPr>
+          <a:xfrm>
+            <a:off x="3804008" y="4726984"/>
+            <a:ext cx="367408" cy="523220"/>
+          </a:xfrm>
+          <a:prstGeom prst="rect">
+            <a:avLst/>
+          </a:prstGeom>
+          <a:noFill/>
+        </p:spPr>
+        <p:txBody>
+          <a:bodyPr wrap="none" rtlCol="0">
+            <a:spAutoFit/>
+          </a:bodyPr>
+          <a:lstStyle/>
+          <a:p>
+            <a:r>
+              <a:rPr lang="en-US" sz="2800" dirty="0"/>
+              <a:t>0</a:t>
+            </a:r>
+          </a:p>
+        </p:txBody>
+      </p:sp>
+      <p:sp>
+        <p:nvSpPr>
+          <p:cNvPr id="8" name="TextBox 7">
+            <a:extLst>
+              <a:ext uri="{FF2B5EF4-FFF2-40B4-BE49-F238E27FC236}">
+                <a16:creationId xmlns:a16="http://schemas.microsoft.com/office/drawing/2014/main" id="{BB888FE9-7B67-45DA-8121-CDCEA4A9630D}"/>
+              </a:ext>
+            </a:extLst>
+          </p:cNvPr>
+          <p:cNvSpPr txBox="1"/>
+          <p:nvPr/>
+        </p:nvSpPr>
+        <p:spPr>
+          <a:xfrm>
+            <a:off x="1151424" y="1535194"/>
+            <a:ext cx="367408" cy="523220"/>
+          </a:xfrm>
+          <a:prstGeom prst="rect">
+            <a:avLst/>
+          </a:prstGeom>
+          <a:noFill/>
+        </p:spPr>
+        <p:txBody>
+          <a:bodyPr wrap="none" rtlCol="0">
+            <a:spAutoFit/>
+          </a:bodyPr>
+          <a:lstStyle/>
+          <a:p>
+            <a:r>
+              <a:rPr lang="en-US" sz="2800" dirty="0"/>
+              <a:t>1</a:t>
+            </a:r>
+          </a:p>
+        </p:txBody>
+      </p:sp>
+      <mc:AlternateContent xmlns:mc="http://schemas.openxmlformats.org/markup-compatibility/2006" xmlns:a14="http://schemas.microsoft.com/office/drawing/2010/main">
+        <mc:Choice Requires="a14">
+          <p:sp>
+            <p:nvSpPr>
+              <p:cNvPr id="9" name="TextBox 8">
+                <a:extLst>
+                  <a:ext uri="{FF2B5EF4-FFF2-40B4-BE49-F238E27FC236}">
+                    <a16:creationId xmlns:a16="http://schemas.microsoft.com/office/drawing/2014/main" id="{7281E31F-EB71-4688-B5F5-3766F75D3969}"/>
+                  </a:ext>
+                </a:extLst>
+              </p:cNvPr>
+              <p:cNvSpPr txBox="1"/>
+              <p:nvPr/>
+            </p:nvSpPr>
+            <p:spPr>
+              <a:xfrm>
+                <a:off x="2484352" y="4819317"/>
+                <a:ext cx="268920" cy="430887"/>
+              </a:xfrm>
+              <a:prstGeom prst="rect">
+                <a:avLst/>
+              </a:prstGeom>
+              <a:noFill/>
+            </p:spPr>
+            <p:txBody>
+              <a:bodyPr wrap="none" lIns="0" tIns="0" rIns="0" bIns="0" rtlCol="0">
+                <a:spAutoFit/>
+              </a:bodyPr>
+              <a:lstStyle/>
+              <a:p>
+                <a:pPr/>
+                <a14:m>
+                  <m:oMathPara xmlns:m="http://schemas.openxmlformats.org/officeDocument/2006/math">
+                    <m:oMathParaPr>
+                      <m:jc m:val="centerGroup"/>
+                    </m:oMathParaPr>
+                    <m:oMath xmlns:m="http://schemas.openxmlformats.org/officeDocument/2006/math">
+                      <m:r>
+                        <a:rPr lang="en-US" sz="2800" b="0" i="1" smtClean="0">
+                          <a:latin typeface="Cambria Math" panose="02040503050406030204" pitchFamily="18" charset="0"/>
+                        </a:rPr>
+                        <m:t>𝜉</m:t>
+                      </m:r>
+                    </m:oMath>
+                  </m:oMathPara>
+                </a14:m>
+                <a:endParaRPr lang="en-US" sz="2800" dirty="0"/>
+              </a:p>
+            </p:txBody>
+          </p:sp>
+        </mc:Choice>
+        <mc:Fallback xmlns="">
+          <p:sp>
+            <p:nvSpPr>
+              <p:cNvPr id="9" name="TextBox 8">
+                <a:extLst>
+                  <a:ext uri="{FF2B5EF4-FFF2-40B4-BE49-F238E27FC236}">
+                    <a16:creationId xmlns:a16="http://schemas.microsoft.com/office/drawing/2014/main" id="{7281E31F-EB71-4688-B5F5-3766F75D3969}"/>
+                  </a:ext>
+                </a:extLst>
+              </p:cNvPr>
+              <p:cNvSpPr txBox="1">
+                <a:spLocks noRot="1" noChangeAspect="1" noMove="1" noResize="1" noEditPoints="1" noAdjustHandles="1" noChangeArrowheads="1" noChangeShapeType="1" noTextEdit="1"/>
+              </p:cNvSpPr>
+              <p:nvPr/>
+            </p:nvSpPr>
+            <p:spPr>
+              <a:xfrm>
+                <a:off x="2484352" y="4819317"/>
+                <a:ext cx="268920" cy="430887"/>
+              </a:xfrm>
+              <a:prstGeom prst="rect">
+                <a:avLst/>
+              </a:prstGeom>
+              <a:blipFill>
+                <a:blip r:embed="rId2"/>
+                <a:stretch>
+                  <a:fillRect/>
+                </a:stretch>
+              </a:blipFill>
+            </p:spPr>
+            <p:txBody>
+              <a:bodyPr/>
+              <a:lstStyle/>
+              <a:p>
+                <a:r>
+                  <a:rPr lang="en-US">
+                    <a:noFill/>
+                  </a:rPr>
+                  <a:t> </a:t>
+                </a:r>
+              </a:p>
+            </p:txBody>
+          </p:sp>
+        </mc:Fallback>
+      </mc:AlternateContent>
+      <mc:AlternateContent xmlns:mc="http://schemas.openxmlformats.org/markup-compatibility/2006" xmlns:a14="http://schemas.microsoft.com/office/drawing/2010/main">
+        <mc:Choice Requires="a14">
+          <p:sp>
+            <p:nvSpPr>
+              <p:cNvPr id="10" name="TextBox 9">
+                <a:extLst>
+                  <a:ext uri="{FF2B5EF4-FFF2-40B4-BE49-F238E27FC236}">
+                    <a16:creationId xmlns:a16="http://schemas.microsoft.com/office/drawing/2014/main" id="{ECDBCBFA-D909-43B0-A471-BFD35488C240}"/>
+                  </a:ext>
+                </a:extLst>
+              </p:cNvPr>
+              <p:cNvSpPr txBox="1"/>
+              <p:nvPr/>
+            </p:nvSpPr>
+            <p:spPr>
+              <a:xfrm>
+                <a:off x="884567" y="3143973"/>
+                <a:ext cx="261431" cy="430887"/>
+              </a:xfrm>
+              <a:prstGeom prst="rect">
+                <a:avLst/>
+              </a:prstGeom>
+              <a:noFill/>
+            </p:spPr>
+            <p:txBody>
+              <a:bodyPr wrap="square" lIns="0" tIns="0" rIns="0" bIns="0" rtlCol="0">
+                <a:spAutoFit/>
+              </a:bodyPr>
+              <a:lstStyle/>
+              <a:p>
+                <a:pPr/>
+                <a14:m>
+                  <m:oMathPara xmlns:m="http://schemas.openxmlformats.org/officeDocument/2006/math">
+                    <m:oMathParaPr>
+                      <m:jc m:val="centerGroup"/>
+                    </m:oMathParaPr>
+                    <m:oMath xmlns:m="http://schemas.openxmlformats.org/officeDocument/2006/math">
+                      <m:r>
+                        <a:rPr lang="en-US" sz="2800" b="0" i="1" smtClean="0">
+                          <a:latin typeface="Cambria Math" panose="02040503050406030204" pitchFamily="18" charset="0"/>
+                        </a:rPr>
+                        <m:t>𝜂</m:t>
+                      </m:r>
+                    </m:oMath>
+                  </m:oMathPara>
+                </a14:m>
+                <a:endParaRPr lang="en-US" sz="2800" dirty="0"/>
+              </a:p>
+            </p:txBody>
+          </p:sp>
+        </mc:Choice>
+        <mc:Fallback xmlns="">
+          <p:sp>
+            <p:nvSpPr>
+              <p:cNvPr id="10" name="TextBox 9">
+                <a:extLst>
+                  <a:ext uri="{FF2B5EF4-FFF2-40B4-BE49-F238E27FC236}">
+                    <a16:creationId xmlns:a16="http://schemas.microsoft.com/office/drawing/2014/main" id="{ECDBCBFA-D909-43B0-A471-BFD35488C240}"/>
+                  </a:ext>
+                </a:extLst>
+              </p:cNvPr>
+              <p:cNvSpPr txBox="1">
+                <a:spLocks noRot="1" noChangeAspect="1" noMove="1" noResize="1" noEditPoints="1" noAdjustHandles="1" noChangeArrowheads="1" noChangeShapeType="1" noTextEdit="1"/>
+              </p:cNvSpPr>
+              <p:nvPr/>
+            </p:nvSpPr>
+            <p:spPr>
+              <a:xfrm>
+                <a:off x="884567" y="3143973"/>
+                <a:ext cx="261431" cy="430887"/>
+              </a:xfrm>
+              <a:prstGeom prst="rect">
+                <a:avLst/>
+              </a:prstGeom>
+              <a:blipFill>
+                <a:blip r:embed="rId3"/>
+                <a:stretch>
+                  <a:fillRect/>
+                </a:stretch>
+              </a:blipFill>
+            </p:spPr>
+            <p:txBody>
+              <a:bodyPr/>
+              <a:lstStyle/>
+              <a:p>
+                <a:r>
+                  <a:rPr lang="en-US">
+                    <a:noFill/>
+                  </a:rPr>
+                  <a:t> </a:t>
+                </a:r>
+              </a:p>
+            </p:txBody>
+          </p:sp>
+        </mc:Fallback>
+      </mc:AlternateContent>
+      <mc:AlternateContent xmlns:mc="http://schemas.openxmlformats.org/markup-compatibility/2006" xmlns:a14="http://schemas.microsoft.com/office/drawing/2010/main">
+        <mc:Choice Requires="a14">
+          <p:sp>
+            <p:nvSpPr>
+              <p:cNvPr id="11" name="TextBox 10">
+                <a:extLst>
+                  <a:ext uri="{FF2B5EF4-FFF2-40B4-BE49-F238E27FC236}">
+                    <a16:creationId xmlns:a16="http://schemas.microsoft.com/office/drawing/2014/main" id="{E229A5A3-9123-4191-8460-2293D9CC113C}"/>
+                  </a:ext>
+                </a:extLst>
+              </p:cNvPr>
+              <p:cNvSpPr txBox="1"/>
+              <p:nvPr/>
+            </p:nvSpPr>
+            <p:spPr>
+              <a:xfrm>
+                <a:off x="2899615" y="2783980"/>
+                <a:ext cx="1803291" cy="430887"/>
+              </a:xfrm>
+              <a:prstGeom prst="rect">
+                <a:avLst/>
+              </a:prstGeom>
+              <a:noFill/>
+            </p:spPr>
+            <p:txBody>
+              <a:bodyPr wrap="square" lIns="0" tIns="0" rIns="0" bIns="0" rtlCol="0">
+                <a:spAutoFit/>
+              </a:bodyPr>
+              <a:lstStyle/>
+              <a:p>
+                <a:pPr/>
+                <a14:m>
+                  <m:oMathPara xmlns:m="http://schemas.openxmlformats.org/officeDocument/2006/math">
+                    <m:oMathParaPr>
+                      <m:jc m:val="centerGroup"/>
+                    </m:oMathParaPr>
+                    <m:oMath xmlns:m="http://schemas.openxmlformats.org/officeDocument/2006/math">
+                      <m:r>
+                        <a:rPr lang="en-US" sz="2800" b="0" i="1" smtClean="0">
+                          <a:latin typeface="Cambria Math" panose="02040503050406030204" pitchFamily="18" charset="0"/>
+                        </a:rPr>
+                        <m:t>1−</m:t>
+                      </m:r>
+                      <m:r>
+                        <a:rPr lang="en-US" sz="2800" b="0" i="1" smtClean="0">
+                          <a:latin typeface="Cambria Math" panose="02040503050406030204" pitchFamily="18" charset="0"/>
+                        </a:rPr>
+                        <m:t>𝜉</m:t>
+                      </m:r>
+                      <m:r>
+                        <a:rPr lang="en-US" sz="2800" b="0" i="1" smtClean="0">
+                          <a:latin typeface="Cambria Math" panose="02040503050406030204" pitchFamily="18" charset="0"/>
+                        </a:rPr>
+                        <m:t>−</m:t>
+                      </m:r>
+                      <m:r>
+                        <a:rPr lang="en-US" sz="2800" b="0" i="1" smtClean="0">
+                          <a:latin typeface="Cambria Math" panose="02040503050406030204" pitchFamily="18" charset="0"/>
+                        </a:rPr>
+                        <m:t>𝜂</m:t>
+                      </m:r>
+                    </m:oMath>
+                  </m:oMathPara>
+                </a14:m>
+                <a:endParaRPr lang="en-US" sz="2800" dirty="0"/>
+              </a:p>
+            </p:txBody>
+          </p:sp>
+        </mc:Choice>
+        <mc:Fallback xmlns="">
+          <p:sp>
+            <p:nvSpPr>
+              <p:cNvPr id="11" name="TextBox 10">
+                <a:extLst>
+                  <a:ext uri="{FF2B5EF4-FFF2-40B4-BE49-F238E27FC236}">
+                    <a16:creationId xmlns:a16="http://schemas.microsoft.com/office/drawing/2014/main" id="{E229A5A3-9123-4191-8460-2293D9CC113C}"/>
+                  </a:ext>
+                </a:extLst>
+              </p:cNvPr>
+              <p:cNvSpPr txBox="1">
+                <a:spLocks noRot="1" noChangeAspect="1" noMove="1" noResize="1" noEditPoints="1" noAdjustHandles="1" noChangeArrowheads="1" noChangeShapeType="1" noTextEdit="1"/>
+              </p:cNvSpPr>
+              <p:nvPr/>
+            </p:nvSpPr>
+            <p:spPr>
+              <a:xfrm>
+                <a:off x="2899615" y="2783980"/>
+                <a:ext cx="1803291" cy="430887"/>
+              </a:xfrm>
+              <a:prstGeom prst="rect">
+                <a:avLst/>
+              </a:prstGeom>
+              <a:blipFill>
+                <a:blip r:embed="rId4"/>
+                <a:stretch>
+                  <a:fillRect/>
+                </a:stretch>
+              </a:blipFill>
+            </p:spPr>
+            <p:txBody>
+              <a:bodyPr/>
+              <a:lstStyle/>
+              <a:p>
+                <a:r>
+                  <a:rPr lang="en-US">
+                    <a:noFill/>
+                  </a:rPr>
+                  <a:t> </a:t>
+                </a:r>
+              </a:p>
+            </p:txBody>
+          </p:sp>
+        </mc:Fallback>
+      </mc:AlternateContent>
+      <mc:AlternateContent xmlns:mc="http://schemas.openxmlformats.org/markup-compatibility/2006" xmlns:a14="http://schemas.microsoft.com/office/drawing/2010/main">
+        <mc:Choice Requires="a14">
+          <p:sp>
+            <p:nvSpPr>
+              <p:cNvPr id="12" name="TextBox 11">
+                <a:extLst>
+                  <a:ext uri="{FF2B5EF4-FFF2-40B4-BE49-F238E27FC236}">
+                    <a16:creationId xmlns:a16="http://schemas.microsoft.com/office/drawing/2014/main" id="{14780926-696B-400F-9EE7-A219B4F23D2B}"/>
+                  </a:ext>
+                </a:extLst>
+              </p:cNvPr>
+              <p:cNvSpPr txBox="1"/>
+              <p:nvPr/>
+            </p:nvSpPr>
+            <p:spPr>
+              <a:xfrm>
+                <a:off x="8885486" y="4112759"/>
+                <a:ext cx="1803291" cy="430887"/>
+              </a:xfrm>
+              <a:prstGeom prst="rect">
+                <a:avLst/>
+              </a:prstGeom>
+              <a:noFill/>
+            </p:spPr>
+            <p:txBody>
+              <a:bodyPr wrap="square" lIns="0" tIns="0" rIns="0" bIns="0" rtlCol="0">
+                <a:spAutoFit/>
+              </a:bodyPr>
+              <a:lstStyle/>
+              <a:p>
+                <a:pPr/>
+                <a14:m>
+                  <m:oMathPara xmlns:m="http://schemas.openxmlformats.org/officeDocument/2006/math">
+                    <m:oMathParaPr>
+                      <m:jc m:val="centerGroup"/>
+                    </m:oMathParaPr>
+                    <m:oMath xmlns:m="http://schemas.openxmlformats.org/officeDocument/2006/math">
+                      <m:d>
+                        <m:dPr>
+                          <m:ctrlPr>
+                            <a:rPr lang="en-US" sz="2800" b="0" i="1" smtClean="0">
+                              <a:latin typeface="Cambria Math" panose="02040503050406030204" pitchFamily="18" charset="0"/>
+                            </a:rPr>
+                          </m:ctrlPr>
+                        </m:dPr>
+                        <m:e>
+                          <m:sSub>
+                            <m:sSubPr>
+                              <m:ctrlPr>
+                                <a:rPr lang="en-US" sz="2800" b="0" i="1" smtClean="0">
+                                  <a:latin typeface="Cambria Math" panose="02040503050406030204" pitchFamily="18" charset="0"/>
+                                </a:rPr>
+                              </m:ctrlPr>
+                            </m:sSubPr>
+                            <m:e>
+                              <m:r>
+                                <a:rPr lang="en-US" sz="2800" b="0" i="1" smtClean="0">
+                                  <a:latin typeface="Cambria Math" panose="02040503050406030204" pitchFamily="18" charset="0"/>
+                                </a:rPr>
+                                <m:t>𝑥</m:t>
+                              </m:r>
+                            </m:e>
+                            <m:sub>
+                              <m:r>
+                                <a:rPr lang="en-US" sz="2800" b="0" i="1" smtClean="0">
+                                  <a:latin typeface="Cambria Math" panose="02040503050406030204" pitchFamily="18" charset="0"/>
+                                </a:rPr>
+                                <m:t>0</m:t>
+                              </m:r>
+                            </m:sub>
+                          </m:sSub>
+                          <m:r>
+                            <a:rPr lang="en-US" sz="2800" b="0" i="1" smtClean="0">
+                              <a:latin typeface="Cambria Math" panose="02040503050406030204" pitchFamily="18" charset="0"/>
+                            </a:rPr>
+                            <m:t>, </m:t>
+                          </m:r>
+                          <m:sSub>
+                            <m:sSubPr>
+                              <m:ctrlPr>
+                                <a:rPr lang="en-US" sz="2800" b="0" i="1" smtClean="0">
+                                  <a:latin typeface="Cambria Math" panose="02040503050406030204" pitchFamily="18" charset="0"/>
+                                </a:rPr>
+                              </m:ctrlPr>
+                            </m:sSubPr>
+                            <m:e>
+                              <m:r>
+                                <a:rPr lang="en-US" sz="2800" b="0" i="1" smtClean="0">
+                                  <a:latin typeface="Cambria Math" panose="02040503050406030204" pitchFamily="18" charset="0"/>
+                                </a:rPr>
+                                <m:t>𝑦</m:t>
+                              </m:r>
+                            </m:e>
+                            <m:sub>
+                              <m:r>
+                                <a:rPr lang="en-US" sz="2800" b="0" i="1" smtClean="0">
+                                  <a:latin typeface="Cambria Math" panose="02040503050406030204" pitchFamily="18" charset="0"/>
+                                </a:rPr>
+                                <m:t>0</m:t>
+                              </m:r>
+                            </m:sub>
+                          </m:sSub>
+                        </m:e>
+                      </m:d>
+                    </m:oMath>
+                  </m:oMathPara>
+                </a14:m>
+                <a:endParaRPr lang="en-US" sz="2800" dirty="0"/>
+              </a:p>
+            </p:txBody>
+          </p:sp>
+        </mc:Choice>
+        <mc:Fallback xmlns="">
+          <p:sp>
+            <p:nvSpPr>
+              <p:cNvPr id="12" name="TextBox 11">
+                <a:extLst>
+                  <a:ext uri="{FF2B5EF4-FFF2-40B4-BE49-F238E27FC236}">
+                    <a16:creationId xmlns:a16="http://schemas.microsoft.com/office/drawing/2014/main" id="{14780926-696B-400F-9EE7-A219B4F23D2B}"/>
+                  </a:ext>
+                </a:extLst>
+              </p:cNvPr>
+              <p:cNvSpPr txBox="1">
+                <a:spLocks noRot="1" noChangeAspect="1" noMove="1" noResize="1" noEditPoints="1" noAdjustHandles="1" noChangeArrowheads="1" noChangeShapeType="1" noTextEdit="1"/>
+              </p:cNvSpPr>
+              <p:nvPr/>
+            </p:nvSpPr>
+            <p:spPr>
+              <a:xfrm>
+                <a:off x="8885486" y="4112759"/>
+                <a:ext cx="1803291" cy="430887"/>
+              </a:xfrm>
+              <a:prstGeom prst="rect">
+                <a:avLst/>
+              </a:prstGeom>
+              <a:blipFill>
+                <a:blip r:embed="rId5"/>
+                <a:stretch>
+                  <a:fillRect/>
+                </a:stretch>
+              </a:blipFill>
+            </p:spPr>
+            <p:txBody>
+              <a:bodyPr/>
+              <a:lstStyle/>
+              <a:p>
+                <a:r>
+                  <a:rPr lang="en-US">
+                    <a:noFill/>
+                  </a:rPr>
+                  <a:t> </a:t>
+                </a:r>
+              </a:p>
+            </p:txBody>
+          </p:sp>
+        </mc:Fallback>
+      </mc:AlternateContent>
+      <mc:AlternateContent xmlns:mc="http://schemas.openxmlformats.org/markup-compatibility/2006" xmlns:a14="http://schemas.microsoft.com/office/drawing/2010/main">
+        <mc:Choice Requires="a14">
+          <p:sp>
+            <p:nvSpPr>
+              <p:cNvPr id="13" name="TextBox 12">
+                <a:extLst>
+                  <a:ext uri="{FF2B5EF4-FFF2-40B4-BE49-F238E27FC236}">
+                    <a16:creationId xmlns:a16="http://schemas.microsoft.com/office/drawing/2014/main" id="{961D252C-4C4C-40F2-A49B-234D04530315}"/>
+                  </a:ext>
+                </a:extLst>
+              </p:cNvPr>
+              <p:cNvSpPr txBox="1"/>
+              <p:nvPr/>
+            </p:nvSpPr>
+            <p:spPr>
+              <a:xfrm>
+                <a:off x="7983840" y="1319750"/>
+                <a:ext cx="1803291" cy="430887"/>
+              </a:xfrm>
+              <a:prstGeom prst="rect">
+                <a:avLst/>
+              </a:prstGeom>
+              <a:noFill/>
+            </p:spPr>
+            <p:txBody>
+              <a:bodyPr wrap="square" lIns="0" tIns="0" rIns="0" bIns="0" rtlCol="0">
+                <a:spAutoFit/>
+              </a:bodyPr>
+              <a:lstStyle/>
+              <a:p>
+                <a:pPr/>
+                <a14:m>
+                  <m:oMathPara xmlns:m="http://schemas.openxmlformats.org/officeDocument/2006/math">
+                    <m:oMathParaPr>
+                      <m:jc m:val="centerGroup"/>
+                    </m:oMathParaPr>
+                    <m:oMath xmlns:m="http://schemas.openxmlformats.org/officeDocument/2006/math">
+                      <m:d>
+                        <m:dPr>
+                          <m:ctrlPr>
+                            <a:rPr lang="en-US" sz="2800" b="0" i="1" smtClean="0">
+                              <a:latin typeface="Cambria Math" panose="02040503050406030204" pitchFamily="18" charset="0"/>
+                            </a:rPr>
+                          </m:ctrlPr>
+                        </m:dPr>
+                        <m:e>
+                          <m:sSub>
+                            <m:sSubPr>
+                              <m:ctrlPr>
+                                <a:rPr lang="en-US" sz="2800" b="0" i="1" smtClean="0">
+                                  <a:latin typeface="Cambria Math" panose="02040503050406030204" pitchFamily="18" charset="0"/>
+                                </a:rPr>
+                              </m:ctrlPr>
+                            </m:sSubPr>
+                            <m:e>
+                              <m:r>
+                                <a:rPr lang="en-US" sz="2800" b="0" i="1" smtClean="0">
+                                  <a:latin typeface="Cambria Math" panose="02040503050406030204" pitchFamily="18" charset="0"/>
+                                </a:rPr>
+                                <m:t>𝑥</m:t>
+                              </m:r>
+                            </m:e>
+                            <m:sub>
+                              <m:r>
+                                <a:rPr lang="en-US" sz="2800" b="0" i="1" smtClean="0">
+                                  <a:latin typeface="Cambria Math" panose="02040503050406030204" pitchFamily="18" charset="0"/>
+                                </a:rPr>
+                                <m:t>1</m:t>
+                              </m:r>
+                            </m:sub>
+                          </m:sSub>
+                          <m:r>
+                            <a:rPr lang="en-US" sz="2800" b="0" i="1" smtClean="0">
+                              <a:latin typeface="Cambria Math" panose="02040503050406030204" pitchFamily="18" charset="0"/>
+                            </a:rPr>
+                            <m:t>, </m:t>
+                          </m:r>
+                          <m:sSub>
+                            <m:sSubPr>
+                              <m:ctrlPr>
+                                <a:rPr lang="en-US" sz="2800" b="0" i="1" smtClean="0">
+                                  <a:latin typeface="Cambria Math" panose="02040503050406030204" pitchFamily="18" charset="0"/>
+                                </a:rPr>
+                              </m:ctrlPr>
+                            </m:sSubPr>
+                            <m:e>
+                              <m:r>
+                                <a:rPr lang="en-US" sz="2800" b="0" i="1" smtClean="0">
+                                  <a:latin typeface="Cambria Math" panose="02040503050406030204" pitchFamily="18" charset="0"/>
+                                </a:rPr>
+                                <m:t>𝑦</m:t>
+                              </m:r>
+                            </m:e>
+                            <m:sub>
+                              <m:r>
+                                <a:rPr lang="en-US" sz="2800" b="0" i="1" smtClean="0">
+                                  <a:latin typeface="Cambria Math" panose="02040503050406030204" pitchFamily="18" charset="0"/>
+                                </a:rPr>
+                                <m:t>1</m:t>
+                              </m:r>
+                            </m:sub>
+                          </m:sSub>
+                        </m:e>
+                      </m:d>
+                    </m:oMath>
+                  </m:oMathPara>
+                </a14:m>
+                <a:endParaRPr lang="en-US" sz="2800" dirty="0"/>
+              </a:p>
+            </p:txBody>
+          </p:sp>
+        </mc:Choice>
+        <mc:Fallback xmlns="">
+          <p:sp>
+            <p:nvSpPr>
+              <p:cNvPr id="13" name="TextBox 12">
+                <a:extLst>
+                  <a:ext uri="{FF2B5EF4-FFF2-40B4-BE49-F238E27FC236}">
+                    <a16:creationId xmlns:a16="http://schemas.microsoft.com/office/drawing/2014/main" id="{961D252C-4C4C-40F2-A49B-234D04530315}"/>
+                  </a:ext>
+                </a:extLst>
+              </p:cNvPr>
+              <p:cNvSpPr txBox="1">
+                <a:spLocks noRot="1" noChangeAspect="1" noMove="1" noResize="1" noEditPoints="1" noAdjustHandles="1" noChangeArrowheads="1" noChangeShapeType="1" noTextEdit="1"/>
+              </p:cNvSpPr>
+              <p:nvPr/>
+            </p:nvSpPr>
+            <p:spPr>
+              <a:xfrm>
+                <a:off x="7983840" y="1319750"/>
+                <a:ext cx="1803291" cy="430887"/>
+              </a:xfrm>
+              <a:prstGeom prst="rect">
+                <a:avLst/>
+              </a:prstGeom>
+              <a:blipFill>
+                <a:blip r:embed="rId6"/>
+                <a:stretch>
+                  <a:fillRect/>
+                </a:stretch>
+              </a:blipFill>
+            </p:spPr>
+            <p:txBody>
+              <a:bodyPr/>
+              <a:lstStyle/>
+              <a:p>
+                <a:r>
+                  <a:rPr lang="en-US">
+                    <a:noFill/>
+                  </a:rPr>
+                  <a:t> </a:t>
+                </a:r>
+              </a:p>
+            </p:txBody>
+          </p:sp>
+        </mc:Fallback>
+      </mc:AlternateContent>
+      <mc:AlternateContent xmlns:mc="http://schemas.openxmlformats.org/markup-compatibility/2006" xmlns:a14="http://schemas.microsoft.com/office/drawing/2010/main">
+        <mc:Choice Requires="a14">
+          <p:sp>
+            <p:nvSpPr>
+              <p:cNvPr id="14" name="TextBox 13">
+                <a:extLst>
+                  <a:ext uri="{FF2B5EF4-FFF2-40B4-BE49-F238E27FC236}">
+                    <a16:creationId xmlns:a16="http://schemas.microsoft.com/office/drawing/2014/main" id="{762D814A-9DDD-41F5-874A-57C374A37962}"/>
+                  </a:ext>
+                </a:extLst>
+              </p:cNvPr>
+              <p:cNvSpPr txBox="1"/>
+              <p:nvPr/>
+            </p:nvSpPr>
+            <p:spPr>
+              <a:xfrm>
+                <a:off x="5554946" y="4819317"/>
+                <a:ext cx="1803291" cy="430887"/>
+              </a:xfrm>
+              <a:prstGeom prst="rect">
+                <a:avLst/>
+              </a:prstGeom>
+              <a:noFill/>
+            </p:spPr>
+            <p:txBody>
+              <a:bodyPr wrap="square" lIns="0" tIns="0" rIns="0" bIns="0" rtlCol="0">
+                <a:spAutoFit/>
+              </a:bodyPr>
+              <a:lstStyle/>
+              <a:p>
+                <a:pPr/>
+                <a14:m>
+                  <m:oMathPara xmlns:m="http://schemas.openxmlformats.org/officeDocument/2006/math">
+                    <m:oMathParaPr>
+                      <m:jc m:val="centerGroup"/>
+                    </m:oMathParaPr>
+                    <m:oMath xmlns:m="http://schemas.openxmlformats.org/officeDocument/2006/math">
+                      <m:d>
+                        <m:dPr>
+                          <m:ctrlPr>
+                            <a:rPr lang="en-US" sz="2800" b="0" i="1" smtClean="0">
+                              <a:latin typeface="Cambria Math" panose="02040503050406030204" pitchFamily="18" charset="0"/>
+                            </a:rPr>
+                          </m:ctrlPr>
+                        </m:dPr>
+                        <m:e>
+                          <m:sSub>
+                            <m:sSubPr>
+                              <m:ctrlPr>
+                                <a:rPr lang="en-US" sz="2800" b="0" i="1" smtClean="0">
+                                  <a:latin typeface="Cambria Math" panose="02040503050406030204" pitchFamily="18" charset="0"/>
+                                </a:rPr>
+                              </m:ctrlPr>
+                            </m:sSubPr>
+                            <m:e>
+                              <m:r>
+                                <a:rPr lang="en-US" sz="2800" b="0" i="1" smtClean="0">
+                                  <a:latin typeface="Cambria Math" panose="02040503050406030204" pitchFamily="18" charset="0"/>
+                                </a:rPr>
+                                <m:t>𝑥</m:t>
+                              </m:r>
+                            </m:e>
+                            <m:sub>
+                              <m:r>
+                                <a:rPr lang="en-US" sz="2800" b="0" i="1" smtClean="0">
+                                  <a:latin typeface="Cambria Math" panose="02040503050406030204" pitchFamily="18" charset="0"/>
+                                </a:rPr>
+                                <m:t>2</m:t>
+                              </m:r>
+                            </m:sub>
+                          </m:sSub>
+                          <m:r>
+                            <a:rPr lang="en-US" sz="2800" b="0" i="1" smtClean="0">
+                              <a:latin typeface="Cambria Math" panose="02040503050406030204" pitchFamily="18" charset="0"/>
+                            </a:rPr>
+                            <m:t>, </m:t>
+                          </m:r>
+                          <m:sSub>
+                            <m:sSubPr>
+                              <m:ctrlPr>
+                                <a:rPr lang="en-US" sz="2800" b="0" i="1" smtClean="0">
+                                  <a:latin typeface="Cambria Math" panose="02040503050406030204" pitchFamily="18" charset="0"/>
+                                </a:rPr>
+                              </m:ctrlPr>
+                            </m:sSubPr>
+                            <m:e>
+                              <m:r>
+                                <a:rPr lang="en-US" sz="2800" b="0" i="1" smtClean="0">
+                                  <a:latin typeface="Cambria Math" panose="02040503050406030204" pitchFamily="18" charset="0"/>
+                                </a:rPr>
+                                <m:t>𝑦</m:t>
+                              </m:r>
+                            </m:e>
+                            <m:sub>
+                              <m:r>
+                                <a:rPr lang="en-US" sz="2800" b="0" i="1" smtClean="0">
+                                  <a:latin typeface="Cambria Math" panose="02040503050406030204" pitchFamily="18" charset="0"/>
+                                </a:rPr>
+                                <m:t>2</m:t>
+                              </m:r>
+                            </m:sub>
+                          </m:sSub>
+                        </m:e>
+                      </m:d>
+                    </m:oMath>
+                  </m:oMathPara>
+                </a14:m>
+                <a:endParaRPr lang="en-US" sz="2800" dirty="0"/>
+              </a:p>
+            </p:txBody>
+          </p:sp>
+        </mc:Choice>
+        <mc:Fallback xmlns="">
+          <p:sp>
+            <p:nvSpPr>
+              <p:cNvPr id="14" name="TextBox 13">
+                <a:extLst>
+                  <a:ext uri="{FF2B5EF4-FFF2-40B4-BE49-F238E27FC236}">
+                    <a16:creationId xmlns:a16="http://schemas.microsoft.com/office/drawing/2014/main" id="{762D814A-9DDD-41F5-874A-57C374A37962}"/>
+                  </a:ext>
+                </a:extLst>
+              </p:cNvPr>
+              <p:cNvSpPr txBox="1">
+                <a:spLocks noRot="1" noChangeAspect="1" noMove="1" noResize="1" noEditPoints="1" noAdjustHandles="1" noChangeArrowheads="1" noChangeShapeType="1" noTextEdit="1"/>
+              </p:cNvSpPr>
+              <p:nvPr/>
+            </p:nvSpPr>
+            <p:spPr>
+              <a:xfrm>
+                <a:off x="5554946" y="4819317"/>
+                <a:ext cx="1803291" cy="430887"/>
+              </a:xfrm>
+              <a:prstGeom prst="rect">
+                <a:avLst/>
+              </a:prstGeom>
+              <a:blipFill>
+                <a:blip r:embed="rId7"/>
+                <a:stretch>
+                  <a:fillRect/>
+                </a:stretch>
+              </a:blipFill>
+            </p:spPr>
+            <p:txBody>
+              <a:bodyPr/>
+              <a:lstStyle/>
+              <a:p>
+                <a:r>
+                  <a:rPr lang="en-US">
+                    <a:noFill/>
+                  </a:rPr>
+                  <a:t> </a:t>
+                </a:r>
+              </a:p>
+            </p:txBody>
+          </p:sp>
+        </mc:Fallback>
+      </mc:AlternateContent>
+      <p:sp>
+        <p:nvSpPr>
+          <p:cNvPr id="15" name="Arrow: Right 14">
+            <a:extLst>
+              <a:ext uri="{FF2B5EF4-FFF2-40B4-BE49-F238E27FC236}">
+                <a16:creationId xmlns:a16="http://schemas.microsoft.com/office/drawing/2014/main" id="{27774531-05BC-450A-BA70-777EF19BA73F}"/>
+              </a:ext>
+            </a:extLst>
+          </p:cNvPr>
+          <p:cNvSpPr/>
+          <p:nvPr/>
+        </p:nvSpPr>
+        <p:spPr>
+          <a:xfrm>
+            <a:off x="4990454" y="2999423"/>
+            <a:ext cx="1093235" cy="575437"/>
+          </a:xfrm>
+          <a:prstGeom prst="rightArrow">
+            <a:avLst/>
+          </a:prstGeom>
+        </p:spPr>
+        <p:style>
+          <a:lnRef idx="2">
+            <a:schemeClr val="accent1">
+              <a:shade val="50000"/>
+            </a:schemeClr>
+          </a:lnRef>
+          <a:fillRef idx="1">
+            <a:schemeClr val="accent1"/>
+          </a:fillRef>
+          <a:effectRef idx="0">
+            <a:schemeClr val="accent1"/>
+          </a:effectRef>
+          <a:fontRef idx="minor">
+            <a:schemeClr val="lt1"/>
+          </a:fontRef>
+        </p:style>
+        <p:txBody>
+          <a:bodyPr rtlCol="0" anchor="ctr"/>
+          <a:lstStyle/>
+          <a:p>
+            <a:pPr algn="ctr"/>
+            <a:endParaRPr lang="en-US"/>
+          </a:p>
+        </p:txBody>
+      </p:sp>
+      <p:sp>
+        <p:nvSpPr>
+          <p:cNvPr id="16" name="TextBox 15">
+            <a:extLst>
+              <a:ext uri="{FF2B5EF4-FFF2-40B4-BE49-F238E27FC236}">
+                <a16:creationId xmlns:a16="http://schemas.microsoft.com/office/drawing/2014/main" id="{7E2BB508-CAEC-4F1B-8A13-C766E2F80081}"/>
+              </a:ext>
+            </a:extLst>
+          </p:cNvPr>
+          <p:cNvSpPr txBox="1"/>
+          <p:nvPr/>
+        </p:nvSpPr>
+        <p:spPr>
+          <a:xfrm>
+            <a:off x="1779768" y="5503759"/>
+            <a:ext cx="1678088" cy="523220"/>
+          </a:xfrm>
+          <a:prstGeom prst="rect">
+            <a:avLst/>
+          </a:prstGeom>
+          <a:noFill/>
+        </p:spPr>
+        <p:txBody>
+          <a:bodyPr wrap="none" rtlCol="0">
+            <a:spAutoFit/>
+          </a:bodyPr>
+          <a:lstStyle/>
+          <a:p>
+            <a:r>
+              <a:rPr lang="en-US" sz="2800" b="1" dirty="0"/>
+              <a:t>Reference</a:t>
+            </a:r>
+          </a:p>
+        </p:txBody>
+      </p:sp>
+    </p:spTree>
+    <p:extLst>
+      <p:ext uri="{BB962C8B-B14F-4D97-AF65-F5344CB8AC3E}">
+        <p14:creationId xmlns:p14="http://schemas.microsoft.com/office/powerpoint/2010/main" val="1673419037"/>
       </p:ext>
     </p:extLst>
   </p:cSld>
@@ -19124,6 +20307,5351 @@
 </p:sld>
 </file>
 
+<file path=ppt/slides/slide20.xml><?xml version="1.0" encoding="utf-8"?>
+<p:sld xmlns:a="http://schemas.openxmlformats.org/drawingml/2006/main" xmlns:r="http://schemas.openxmlformats.org/officeDocument/2006/relationships" xmlns:p="http://schemas.openxmlformats.org/presentationml/2006/main">
+  <p:cSld>
+    <p:spTree>
+      <p:nvGrpSpPr>
+        <p:cNvPr id="1" name=""/>
+        <p:cNvGrpSpPr/>
+        <p:nvPr/>
+      </p:nvGrpSpPr>
+      <p:grpSpPr>
+        <a:xfrm>
+          <a:off x="0" y="0"/>
+          <a:ext cx="0" cy="0"/>
+          <a:chOff x="0" y="0"/>
+          <a:chExt cx="0" cy="0"/>
+        </a:xfrm>
+      </p:grpSpPr>
+      <p:grpSp>
+        <p:nvGrpSpPr>
+          <p:cNvPr id="44" name="Group 43">
+            <a:extLst>
+              <a:ext uri="{FF2B5EF4-FFF2-40B4-BE49-F238E27FC236}">
+                <a16:creationId xmlns:a16="http://schemas.microsoft.com/office/drawing/2014/main" id="{9F236E4F-A44A-4325-8466-10BD076E9974}"/>
+              </a:ext>
+            </a:extLst>
+          </p:cNvPr>
+          <p:cNvGrpSpPr/>
+          <p:nvPr/>
+        </p:nvGrpSpPr>
+        <p:grpSpPr>
+          <a:xfrm>
+            <a:off x="914400" y="1642821"/>
+            <a:ext cx="9140417" cy="3440623"/>
+            <a:chOff x="914400" y="1642821"/>
+            <a:chExt cx="9140417" cy="3440623"/>
+          </a:xfrm>
+        </p:grpSpPr>
+        <p:sp>
+          <p:nvSpPr>
+            <p:cNvPr id="2" name="Oval 1">
+              <a:extLst>
+                <a:ext uri="{FF2B5EF4-FFF2-40B4-BE49-F238E27FC236}">
+                  <a16:creationId xmlns:a16="http://schemas.microsoft.com/office/drawing/2014/main" id="{9ABF4C56-3EF5-4A1D-8382-C28F6222940E}"/>
+                </a:ext>
+              </a:extLst>
+            </p:cNvPr>
+            <p:cNvSpPr/>
+            <p:nvPr/>
+          </p:nvSpPr>
+          <p:spPr>
+            <a:xfrm>
+              <a:off x="914400" y="1720312"/>
+              <a:ext cx="2107770" cy="2107770"/>
+            </a:xfrm>
+            <a:prstGeom prst="ellipse">
+              <a:avLst/>
+            </a:prstGeom>
+            <a:solidFill>
+              <a:srgbClr val="369844"/>
+            </a:solidFill>
+            <a:ln>
+              <a:solidFill>
+                <a:srgbClr val="319640"/>
+              </a:solidFill>
+            </a:ln>
+          </p:spPr>
+          <p:style>
+            <a:lnRef idx="2">
+              <a:schemeClr val="accent1">
+                <a:shade val="50000"/>
+              </a:schemeClr>
+            </a:lnRef>
+            <a:fillRef idx="1">
+              <a:schemeClr val="accent1"/>
+            </a:fillRef>
+            <a:effectRef idx="0">
+              <a:schemeClr val="accent1"/>
+            </a:effectRef>
+            <a:fontRef idx="minor">
+              <a:schemeClr val="lt1"/>
+            </a:fontRef>
+          </p:style>
+          <p:txBody>
+            <a:bodyPr rtlCol="0" anchor="ctr"/>
+            <a:lstStyle/>
+            <a:p>
+              <a:pPr algn="ctr"/>
+              <a:endParaRPr lang="en-US"/>
+            </a:p>
+          </p:txBody>
+        </p:sp>
+        <p:sp>
+          <p:nvSpPr>
+            <p:cNvPr id="17" name="Oval 16">
+              <a:extLst>
+                <a:ext uri="{FF2B5EF4-FFF2-40B4-BE49-F238E27FC236}">
+                  <a16:creationId xmlns:a16="http://schemas.microsoft.com/office/drawing/2014/main" id="{9C0EE55C-B27A-4358-9086-A1B8BFACB75C}"/>
+                </a:ext>
+              </a:extLst>
+            </p:cNvPr>
+            <p:cNvSpPr/>
+            <p:nvPr/>
+          </p:nvSpPr>
+          <p:spPr>
+            <a:xfrm>
+              <a:off x="3335592" y="3605103"/>
+              <a:ext cx="1478341" cy="1478341"/>
+            </a:xfrm>
+            <a:prstGeom prst="ellipse">
+              <a:avLst/>
+            </a:prstGeom>
+            <a:solidFill>
+              <a:srgbClr val="CB392E"/>
+            </a:solidFill>
+            <a:ln>
+              <a:solidFill>
+                <a:srgbClr val="CB372C"/>
+              </a:solidFill>
+            </a:ln>
+          </p:spPr>
+          <p:style>
+            <a:lnRef idx="2">
+              <a:schemeClr val="accent1">
+                <a:shade val="50000"/>
+              </a:schemeClr>
+            </a:lnRef>
+            <a:fillRef idx="1">
+              <a:schemeClr val="accent1"/>
+            </a:fillRef>
+            <a:effectRef idx="0">
+              <a:schemeClr val="accent1"/>
+            </a:effectRef>
+            <a:fontRef idx="minor">
+              <a:schemeClr val="lt1"/>
+            </a:fontRef>
+          </p:style>
+          <p:txBody>
+            <a:bodyPr rtlCol="0" anchor="ctr"/>
+            <a:lstStyle/>
+            <a:p>
+              <a:pPr algn="ctr"/>
+              <a:endParaRPr lang="en-US"/>
+            </a:p>
+          </p:txBody>
+        </p:sp>
+        <p:cxnSp>
+          <p:nvCxnSpPr>
+            <p:cNvPr id="18" name="Straight Connector 17">
+              <a:extLst>
+                <a:ext uri="{FF2B5EF4-FFF2-40B4-BE49-F238E27FC236}">
+                  <a16:creationId xmlns:a16="http://schemas.microsoft.com/office/drawing/2014/main" id="{6D2B79D4-4C54-4B6F-947E-D23CBC3A7F79}"/>
+                </a:ext>
+              </a:extLst>
+            </p:cNvPr>
+            <p:cNvCxnSpPr>
+              <a:cxnSpLocks/>
+            </p:cNvCxnSpPr>
+            <p:nvPr/>
+          </p:nvCxnSpPr>
+          <p:spPr>
+            <a:xfrm>
+              <a:off x="943896" y="2774197"/>
+              <a:ext cx="0" cy="2309247"/>
+            </a:xfrm>
+            <a:prstGeom prst="line">
+              <a:avLst/>
+            </a:prstGeom>
+            <a:ln w="76200">
+              <a:solidFill>
+                <a:srgbClr val="319640"/>
+              </a:solidFill>
+            </a:ln>
+          </p:spPr>
+          <p:style>
+            <a:lnRef idx="1">
+              <a:schemeClr val="accent1"/>
+            </a:lnRef>
+            <a:fillRef idx="0">
+              <a:schemeClr val="accent1"/>
+            </a:fillRef>
+            <a:effectRef idx="0">
+              <a:schemeClr val="accent1"/>
+            </a:effectRef>
+            <a:fontRef idx="minor">
+              <a:schemeClr val="tx1"/>
+            </a:fontRef>
+          </p:style>
+        </p:cxnSp>
+        <p:cxnSp>
+          <p:nvCxnSpPr>
+            <p:cNvPr id="19" name="Straight Connector 18">
+              <a:extLst>
+                <a:ext uri="{FF2B5EF4-FFF2-40B4-BE49-F238E27FC236}">
+                  <a16:creationId xmlns:a16="http://schemas.microsoft.com/office/drawing/2014/main" id="{19AED319-C8CA-4F45-88FC-EF0692250730}"/>
+                </a:ext>
+              </a:extLst>
+            </p:cNvPr>
+            <p:cNvCxnSpPr/>
+            <p:nvPr/>
+          </p:nvCxnSpPr>
+          <p:spPr>
+            <a:xfrm>
+              <a:off x="2990091" y="2774197"/>
+              <a:ext cx="0" cy="2309247"/>
+            </a:xfrm>
+            <a:prstGeom prst="line">
+              <a:avLst/>
+            </a:prstGeom>
+            <a:ln w="76200">
+              <a:solidFill>
+                <a:srgbClr val="319640"/>
+              </a:solidFill>
+            </a:ln>
+          </p:spPr>
+          <p:style>
+            <a:lnRef idx="1">
+              <a:schemeClr val="accent1"/>
+            </a:lnRef>
+            <a:fillRef idx="0">
+              <a:schemeClr val="accent1"/>
+            </a:fillRef>
+            <a:effectRef idx="0">
+              <a:schemeClr val="accent1"/>
+            </a:effectRef>
+            <a:fontRef idx="minor">
+              <a:schemeClr val="tx1"/>
+            </a:fontRef>
+          </p:style>
+        </p:cxnSp>
+        <p:cxnSp>
+          <p:nvCxnSpPr>
+            <p:cNvPr id="21" name="Straight Connector 20">
+              <a:extLst>
+                <a:ext uri="{FF2B5EF4-FFF2-40B4-BE49-F238E27FC236}">
+                  <a16:creationId xmlns:a16="http://schemas.microsoft.com/office/drawing/2014/main" id="{ADE03374-C4E1-480F-9F15-2BA4D5CCDDD7}"/>
+                </a:ext>
+              </a:extLst>
+            </p:cNvPr>
+            <p:cNvCxnSpPr>
+              <a:cxnSpLocks/>
+            </p:cNvCxnSpPr>
+            <p:nvPr/>
+          </p:nvCxnSpPr>
+          <p:spPr>
+            <a:xfrm flipV="1">
+              <a:off x="4784437" y="1720312"/>
+              <a:ext cx="21538" cy="2623962"/>
+            </a:xfrm>
+            <a:prstGeom prst="line">
+              <a:avLst/>
+            </a:prstGeom>
+            <a:ln w="76200">
+              <a:solidFill>
+                <a:srgbClr val="CB392E"/>
+              </a:solidFill>
+            </a:ln>
+          </p:spPr>
+          <p:style>
+            <a:lnRef idx="1">
+              <a:schemeClr val="accent1"/>
+            </a:lnRef>
+            <a:fillRef idx="0">
+              <a:schemeClr val="accent1"/>
+            </a:fillRef>
+            <a:effectRef idx="0">
+              <a:schemeClr val="accent1"/>
+            </a:effectRef>
+            <a:fontRef idx="minor">
+              <a:schemeClr val="tx1"/>
+            </a:fontRef>
+          </p:style>
+        </p:cxnSp>
+        <p:cxnSp>
+          <p:nvCxnSpPr>
+            <p:cNvPr id="23" name="Straight Connector 22">
+              <a:extLst>
+                <a:ext uri="{FF2B5EF4-FFF2-40B4-BE49-F238E27FC236}">
+                  <a16:creationId xmlns:a16="http://schemas.microsoft.com/office/drawing/2014/main" id="{F98468C3-5DAD-47A9-BF8F-09C62BC997F0}"/>
+                </a:ext>
+              </a:extLst>
+            </p:cNvPr>
+            <p:cNvCxnSpPr/>
+            <p:nvPr/>
+          </p:nvCxnSpPr>
+          <p:spPr>
+            <a:xfrm>
+              <a:off x="5548393" y="1642821"/>
+              <a:ext cx="0" cy="3440623"/>
+            </a:xfrm>
+            <a:prstGeom prst="line">
+              <a:avLst/>
+            </a:prstGeom>
+            <a:ln w="76200"/>
+          </p:spPr>
+          <p:style>
+            <a:lnRef idx="1">
+              <a:schemeClr val="accent1"/>
+            </a:lnRef>
+            <a:fillRef idx="0">
+              <a:schemeClr val="accent1"/>
+            </a:fillRef>
+            <a:effectRef idx="0">
+              <a:schemeClr val="accent1"/>
+            </a:effectRef>
+            <a:fontRef idx="minor">
+              <a:schemeClr val="tx1"/>
+            </a:fontRef>
+          </p:style>
+        </p:cxnSp>
+        <p:cxnSp>
+          <p:nvCxnSpPr>
+            <p:cNvPr id="27" name="Straight Connector 26">
+              <a:extLst>
+                <a:ext uri="{FF2B5EF4-FFF2-40B4-BE49-F238E27FC236}">
+                  <a16:creationId xmlns:a16="http://schemas.microsoft.com/office/drawing/2014/main" id="{EC07908A-3A0C-40F7-AF73-BDD69AEDC8E7}"/>
+                </a:ext>
+              </a:extLst>
+            </p:cNvPr>
+            <p:cNvCxnSpPr/>
+            <p:nvPr/>
+          </p:nvCxnSpPr>
+          <p:spPr>
+            <a:xfrm>
+              <a:off x="5519648" y="1658320"/>
+              <a:ext cx="1673816" cy="0"/>
+            </a:xfrm>
+            <a:prstGeom prst="line">
+              <a:avLst/>
+            </a:prstGeom>
+            <a:ln w="76200"/>
+          </p:spPr>
+          <p:style>
+            <a:lnRef idx="1">
+              <a:schemeClr val="accent1"/>
+            </a:lnRef>
+            <a:fillRef idx="0">
+              <a:schemeClr val="accent1"/>
+            </a:fillRef>
+            <a:effectRef idx="0">
+              <a:schemeClr val="accent1"/>
+            </a:effectRef>
+            <a:fontRef idx="minor">
+              <a:schemeClr val="tx1"/>
+            </a:fontRef>
+          </p:style>
+        </p:cxnSp>
+        <p:cxnSp>
+          <p:nvCxnSpPr>
+            <p:cNvPr id="28" name="Straight Connector 27">
+              <a:extLst>
+                <a:ext uri="{FF2B5EF4-FFF2-40B4-BE49-F238E27FC236}">
+                  <a16:creationId xmlns:a16="http://schemas.microsoft.com/office/drawing/2014/main" id="{557459EE-1EC2-4BB6-8594-60EC6B3274AF}"/>
+                </a:ext>
+              </a:extLst>
+            </p:cNvPr>
+            <p:cNvCxnSpPr>
+              <a:cxnSpLocks/>
+            </p:cNvCxnSpPr>
+            <p:nvPr/>
+          </p:nvCxnSpPr>
+          <p:spPr>
+            <a:xfrm>
+              <a:off x="5548393" y="3019587"/>
+              <a:ext cx="1286360" cy="0"/>
+            </a:xfrm>
+            <a:prstGeom prst="line">
+              <a:avLst/>
+            </a:prstGeom>
+            <a:ln w="76200"/>
+          </p:spPr>
+          <p:style>
+            <a:lnRef idx="1">
+              <a:schemeClr val="accent1"/>
+            </a:lnRef>
+            <a:fillRef idx="0">
+              <a:schemeClr val="accent1"/>
+            </a:fillRef>
+            <a:effectRef idx="0">
+              <a:schemeClr val="accent1"/>
+            </a:effectRef>
+            <a:fontRef idx="minor">
+              <a:schemeClr val="tx1"/>
+            </a:fontRef>
+          </p:style>
+        </p:cxnSp>
+        <p:grpSp>
+          <p:nvGrpSpPr>
+            <p:cNvPr id="41" name="Group 40">
+              <a:extLst>
+                <a:ext uri="{FF2B5EF4-FFF2-40B4-BE49-F238E27FC236}">
+                  <a16:creationId xmlns:a16="http://schemas.microsoft.com/office/drawing/2014/main" id="{DFBD53CC-1909-4152-A10F-68E5F3A9A2D0}"/>
+                </a:ext>
+              </a:extLst>
+            </p:cNvPr>
+            <p:cNvGrpSpPr/>
+            <p:nvPr/>
+          </p:nvGrpSpPr>
+          <p:grpSpPr>
+            <a:xfrm>
+              <a:off x="7222264" y="3254653"/>
+              <a:ext cx="1492340" cy="1828791"/>
+              <a:chOff x="7237708" y="3363132"/>
+              <a:chExt cx="1492340" cy="1828791"/>
+            </a:xfrm>
+          </p:grpSpPr>
+          <p:sp>
+            <p:nvSpPr>
+              <p:cNvPr id="30" name="Oval 29">
+                <a:extLst>
+                  <a:ext uri="{FF2B5EF4-FFF2-40B4-BE49-F238E27FC236}">
+                    <a16:creationId xmlns:a16="http://schemas.microsoft.com/office/drawing/2014/main" id="{6F5FA373-A5FC-44B4-8951-5D15B29681DD}"/>
+                  </a:ext>
+                </a:extLst>
+              </p:cNvPr>
+              <p:cNvSpPr/>
+              <p:nvPr/>
+            </p:nvSpPr>
+            <p:spPr>
+              <a:xfrm>
+                <a:off x="7237708" y="3605103"/>
+                <a:ext cx="932900" cy="932900"/>
+              </a:xfrm>
+              <a:prstGeom prst="ellipse">
+                <a:avLst/>
+              </a:prstGeom>
+              <a:solidFill>
+                <a:srgbClr val="9358A5"/>
+              </a:solidFill>
+              <a:ln>
+                <a:solidFill>
+                  <a:srgbClr val="9155A3"/>
+                </a:solidFill>
+              </a:ln>
+            </p:spPr>
+            <p:style>
+              <a:lnRef idx="2">
+                <a:schemeClr val="accent1">
+                  <a:shade val="50000"/>
+                </a:schemeClr>
+              </a:lnRef>
+              <a:fillRef idx="1">
+                <a:schemeClr val="accent1"/>
+              </a:fillRef>
+              <a:effectRef idx="0">
+                <a:schemeClr val="accent1"/>
+              </a:effectRef>
+              <a:fontRef idx="minor">
+                <a:schemeClr val="lt1"/>
+              </a:fontRef>
+            </p:style>
+            <p:txBody>
+              <a:bodyPr rtlCol="0" anchor="ctr"/>
+              <a:lstStyle/>
+              <a:p>
+                <a:pPr algn="ctr"/>
+                <a:endParaRPr lang="en-US"/>
+              </a:p>
+            </p:txBody>
+          </p:sp>
+          <p:sp>
+            <p:nvSpPr>
+              <p:cNvPr id="31" name="Arc 30">
+                <a:extLst>
+                  <a:ext uri="{FF2B5EF4-FFF2-40B4-BE49-F238E27FC236}">
+                    <a16:creationId xmlns:a16="http://schemas.microsoft.com/office/drawing/2014/main" id="{D7DE582F-4B1E-41A3-8B8C-A52933232C87}"/>
+                  </a:ext>
+                </a:extLst>
+              </p:cNvPr>
+              <p:cNvSpPr/>
+              <p:nvPr/>
+            </p:nvSpPr>
+            <p:spPr>
+              <a:xfrm rot="10800000">
+                <a:off x="7251706" y="3363132"/>
+                <a:ext cx="1478342" cy="1828791"/>
+              </a:xfrm>
+              <a:prstGeom prst="arc">
+                <a:avLst>
+                  <a:gd name="adj1" fmla="val 15985924"/>
+                  <a:gd name="adj2" fmla="val 983140"/>
+                </a:avLst>
+              </a:prstGeom>
+              <a:ln w="76200">
+                <a:solidFill>
+                  <a:srgbClr val="9155A3"/>
+                </a:solidFill>
+              </a:ln>
+            </p:spPr>
+            <p:style>
+              <a:lnRef idx="1">
+                <a:schemeClr val="accent1"/>
+              </a:lnRef>
+              <a:fillRef idx="0">
+                <a:schemeClr val="accent1"/>
+              </a:fillRef>
+              <a:effectRef idx="0">
+                <a:schemeClr val="accent1"/>
+              </a:effectRef>
+              <a:fontRef idx="minor">
+                <a:schemeClr val="tx1"/>
+              </a:fontRef>
+            </p:style>
+            <p:txBody>
+              <a:bodyPr rtlCol="0" anchor="ctr"/>
+              <a:lstStyle/>
+              <a:p>
+                <a:pPr algn="ctr"/>
+                <a:endParaRPr lang="en-US"/>
+              </a:p>
+            </p:txBody>
+          </p:sp>
+        </p:grpSp>
+        <p:grpSp>
+          <p:nvGrpSpPr>
+            <p:cNvPr id="43" name="Group 42">
+              <a:extLst>
+                <a:ext uri="{FF2B5EF4-FFF2-40B4-BE49-F238E27FC236}">
+                  <a16:creationId xmlns:a16="http://schemas.microsoft.com/office/drawing/2014/main" id="{D8B10212-32BB-4806-84BD-AD014247AF28}"/>
+                </a:ext>
+              </a:extLst>
+            </p:cNvPr>
+            <p:cNvGrpSpPr/>
+            <p:nvPr/>
+          </p:nvGrpSpPr>
+          <p:grpSpPr>
+            <a:xfrm>
+              <a:off x="8728602" y="3891272"/>
+              <a:ext cx="1326215" cy="1192172"/>
+              <a:chOff x="8728602" y="3891272"/>
+              <a:chExt cx="1326215" cy="1192172"/>
+            </a:xfrm>
+          </p:grpSpPr>
+          <p:cxnSp>
+            <p:nvCxnSpPr>
+              <p:cNvPr id="33" name="Straight Connector 32">
+                <a:extLst>
+                  <a:ext uri="{FF2B5EF4-FFF2-40B4-BE49-F238E27FC236}">
+                    <a16:creationId xmlns:a16="http://schemas.microsoft.com/office/drawing/2014/main" id="{7D5B0A0C-4E90-4916-AEAD-E5AA7B674761}"/>
+                  </a:ext>
+                </a:extLst>
+              </p:cNvPr>
+              <p:cNvCxnSpPr/>
+              <p:nvPr/>
+            </p:nvCxnSpPr>
+            <p:spPr>
+              <a:xfrm flipV="1">
+                <a:off x="8736011" y="4277528"/>
+                <a:ext cx="0" cy="805916"/>
+              </a:xfrm>
+              <a:prstGeom prst="line">
+                <a:avLst/>
+              </a:prstGeom>
+              <a:ln w="76200">
+                <a:solidFill>
+                  <a:srgbClr val="FFC000"/>
+                </a:solidFill>
+              </a:ln>
+            </p:spPr>
+            <p:style>
+              <a:lnRef idx="1">
+                <a:schemeClr val="accent1"/>
+              </a:lnRef>
+              <a:fillRef idx="0">
+                <a:schemeClr val="accent1"/>
+              </a:fillRef>
+              <a:effectRef idx="0">
+                <a:schemeClr val="accent1"/>
+              </a:effectRef>
+              <a:fontRef idx="minor">
+                <a:schemeClr val="tx1"/>
+              </a:fontRef>
+            </p:style>
+          </p:cxnSp>
+          <p:cxnSp>
+            <p:nvCxnSpPr>
+              <p:cNvPr id="34" name="Straight Connector 33">
+                <a:extLst>
+                  <a:ext uri="{FF2B5EF4-FFF2-40B4-BE49-F238E27FC236}">
+                    <a16:creationId xmlns:a16="http://schemas.microsoft.com/office/drawing/2014/main" id="{72773669-37B6-4900-B3D4-7A194C9D2F1E}"/>
+                  </a:ext>
+                </a:extLst>
+              </p:cNvPr>
+              <p:cNvCxnSpPr>
+                <a:cxnSpLocks/>
+              </p:cNvCxnSpPr>
+              <p:nvPr/>
+            </p:nvCxnSpPr>
+            <p:spPr>
+              <a:xfrm flipV="1">
+                <a:off x="9378331" y="4247282"/>
+                <a:ext cx="0" cy="821414"/>
+              </a:xfrm>
+              <a:prstGeom prst="line">
+                <a:avLst/>
+              </a:prstGeom>
+              <a:ln w="76200">
+                <a:solidFill>
+                  <a:srgbClr val="FFC000"/>
+                </a:solidFill>
+              </a:ln>
+            </p:spPr>
+            <p:style>
+              <a:lnRef idx="1">
+                <a:schemeClr val="accent1"/>
+              </a:lnRef>
+              <a:fillRef idx="0">
+                <a:schemeClr val="accent1"/>
+              </a:fillRef>
+              <a:effectRef idx="0">
+                <a:schemeClr val="accent1"/>
+              </a:effectRef>
+              <a:fontRef idx="minor">
+                <a:schemeClr val="tx1"/>
+              </a:fontRef>
+            </p:style>
+          </p:cxnSp>
+          <p:sp>
+            <p:nvSpPr>
+              <p:cNvPr id="35" name="Arc 34">
+                <a:extLst>
+                  <a:ext uri="{FF2B5EF4-FFF2-40B4-BE49-F238E27FC236}">
+                    <a16:creationId xmlns:a16="http://schemas.microsoft.com/office/drawing/2014/main" id="{A22FE9F0-D361-494F-9410-8C5A588E53FD}"/>
+                  </a:ext>
+                </a:extLst>
+              </p:cNvPr>
+              <p:cNvSpPr/>
+              <p:nvPr/>
+            </p:nvSpPr>
+            <p:spPr>
+              <a:xfrm rot="1317835">
+                <a:off x="8728602" y="3906773"/>
+                <a:ext cx="658904" cy="658904"/>
+              </a:xfrm>
+              <a:prstGeom prst="arc">
+                <a:avLst>
+                  <a:gd name="adj1" fmla="val 8835776"/>
+                  <a:gd name="adj2" fmla="val 20685292"/>
+                </a:avLst>
+              </a:prstGeom>
+              <a:ln w="76200">
+                <a:solidFill>
+                  <a:srgbClr val="FFC000"/>
+                </a:solidFill>
+              </a:ln>
+            </p:spPr>
+            <p:style>
+              <a:lnRef idx="1">
+                <a:schemeClr val="accent1"/>
+              </a:lnRef>
+              <a:fillRef idx="0">
+                <a:schemeClr val="accent1"/>
+              </a:fillRef>
+              <a:effectRef idx="0">
+                <a:schemeClr val="accent1"/>
+              </a:effectRef>
+              <a:fontRef idx="minor">
+                <a:schemeClr val="tx1"/>
+              </a:fontRef>
+            </p:style>
+            <p:txBody>
+              <a:bodyPr rtlCol="0" anchor="ctr"/>
+              <a:lstStyle/>
+              <a:p>
+                <a:pPr algn="ctr"/>
+                <a:endParaRPr lang="en-US"/>
+              </a:p>
+            </p:txBody>
+          </p:sp>
+          <p:sp>
+            <p:nvSpPr>
+              <p:cNvPr id="37" name="Arc 36">
+                <a:extLst>
+                  <a:ext uri="{FF2B5EF4-FFF2-40B4-BE49-F238E27FC236}">
+                    <a16:creationId xmlns:a16="http://schemas.microsoft.com/office/drawing/2014/main" id="{7F939E2B-64D6-4370-B5E5-272ECA079241}"/>
+                  </a:ext>
+                </a:extLst>
+              </p:cNvPr>
+              <p:cNvSpPr/>
+              <p:nvPr/>
+            </p:nvSpPr>
+            <p:spPr>
+              <a:xfrm rot="1317835">
+                <a:off x="9395913" y="3891272"/>
+                <a:ext cx="658904" cy="658904"/>
+              </a:xfrm>
+              <a:prstGeom prst="arc">
+                <a:avLst>
+                  <a:gd name="adj1" fmla="val 9486527"/>
+                  <a:gd name="adj2" fmla="val 20685292"/>
+                </a:avLst>
+              </a:prstGeom>
+              <a:ln w="76200">
+                <a:solidFill>
+                  <a:srgbClr val="FFC000"/>
+                </a:solidFill>
+              </a:ln>
+            </p:spPr>
+            <p:style>
+              <a:lnRef idx="1">
+                <a:schemeClr val="accent1"/>
+              </a:lnRef>
+              <a:fillRef idx="0">
+                <a:schemeClr val="accent1"/>
+              </a:fillRef>
+              <a:effectRef idx="0">
+                <a:schemeClr val="accent1"/>
+              </a:effectRef>
+              <a:fontRef idx="minor">
+                <a:schemeClr val="tx1"/>
+              </a:fontRef>
+            </p:style>
+            <p:txBody>
+              <a:bodyPr rtlCol="0" anchor="ctr"/>
+              <a:lstStyle/>
+              <a:p>
+                <a:pPr algn="ctr"/>
+                <a:endParaRPr lang="en-US"/>
+              </a:p>
+            </p:txBody>
+          </p:sp>
+          <p:cxnSp>
+            <p:nvCxnSpPr>
+              <p:cNvPr id="38" name="Straight Connector 37">
+                <a:extLst>
+                  <a:ext uri="{FF2B5EF4-FFF2-40B4-BE49-F238E27FC236}">
+                    <a16:creationId xmlns:a16="http://schemas.microsoft.com/office/drawing/2014/main" id="{AD3E3479-96EC-4F56-8CA9-40D29B08B2D5}"/>
+                  </a:ext>
+                </a:extLst>
+              </p:cNvPr>
+              <p:cNvCxnSpPr/>
+              <p:nvPr/>
+            </p:nvCxnSpPr>
+            <p:spPr>
+              <a:xfrm flipV="1">
+                <a:off x="10050782" y="4244697"/>
+                <a:ext cx="0" cy="805916"/>
+              </a:xfrm>
+              <a:prstGeom prst="line">
+                <a:avLst/>
+              </a:prstGeom>
+              <a:ln w="76200">
+                <a:solidFill>
+                  <a:srgbClr val="FFC000"/>
+                </a:solidFill>
+              </a:ln>
+            </p:spPr>
+            <p:style>
+              <a:lnRef idx="1">
+                <a:schemeClr val="accent1"/>
+              </a:lnRef>
+              <a:fillRef idx="0">
+                <a:schemeClr val="accent1"/>
+              </a:fillRef>
+              <a:effectRef idx="0">
+                <a:schemeClr val="accent1"/>
+              </a:effectRef>
+              <a:fontRef idx="minor">
+                <a:schemeClr val="tx1"/>
+              </a:fontRef>
+            </p:style>
+          </p:cxnSp>
+        </p:grpSp>
+      </p:grpSp>
+    </p:spTree>
+    <p:extLst>
+      <p:ext uri="{BB962C8B-B14F-4D97-AF65-F5344CB8AC3E}">
+        <p14:creationId xmlns:p14="http://schemas.microsoft.com/office/powerpoint/2010/main" val="4174317753"/>
+      </p:ext>
+    </p:extLst>
+  </p:cSld>
+  <p:clrMapOvr>
+    <a:masterClrMapping/>
+  </p:clrMapOvr>
+</p:sld>
+</file>
+
+<file path=ppt/slides/slide21.xml><?xml version="1.0" encoding="utf-8"?>
+<p:sld xmlns:a="http://schemas.openxmlformats.org/drawingml/2006/main" xmlns:r="http://schemas.openxmlformats.org/officeDocument/2006/relationships" xmlns:p="http://schemas.openxmlformats.org/presentationml/2006/main">
+  <p:cSld>
+    <p:spTree>
+      <p:nvGrpSpPr>
+        <p:cNvPr id="1" name=""/>
+        <p:cNvGrpSpPr/>
+        <p:nvPr/>
+      </p:nvGrpSpPr>
+      <p:grpSpPr>
+        <a:xfrm>
+          <a:off x="0" y="0"/>
+          <a:ext cx="0" cy="0"/>
+          <a:chOff x="0" y="0"/>
+          <a:chExt cx="0" cy="0"/>
+        </a:xfrm>
+      </p:grpSpPr>
+      <p:sp>
+        <p:nvSpPr>
+          <p:cNvPr id="3" name="Rectangle 2">
+            <a:extLst>
+              <a:ext uri="{FF2B5EF4-FFF2-40B4-BE49-F238E27FC236}">
+                <a16:creationId xmlns:a16="http://schemas.microsoft.com/office/drawing/2014/main" id="{3F21C008-533C-413B-8578-12F0B1BC2312}"/>
+              </a:ext>
+            </a:extLst>
+          </p:cNvPr>
+          <p:cNvSpPr/>
+          <p:nvPr/>
+        </p:nvSpPr>
+        <p:spPr>
+          <a:xfrm>
+            <a:off x="2393541" y="4178370"/>
+            <a:ext cx="870155" cy="870155"/>
+          </a:xfrm>
+          <a:prstGeom prst="rect">
+            <a:avLst/>
+          </a:prstGeom>
+          <a:solidFill>
+            <a:srgbClr val="92D050"/>
+          </a:solidFill>
+          <a:ln w="38100">
+            <a:solidFill>
+              <a:schemeClr val="tx1"/>
+            </a:solidFill>
+          </a:ln>
+        </p:spPr>
+        <p:style>
+          <a:lnRef idx="2">
+            <a:schemeClr val="accent1">
+              <a:shade val="50000"/>
+            </a:schemeClr>
+          </a:lnRef>
+          <a:fillRef idx="1">
+            <a:schemeClr val="accent1"/>
+          </a:fillRef>
+          <a:effectRef idx="0">
+            <a:schemeClr val="accent1"/>
+          </a:effectRef>
+          <a:fontRef idx="minor">
+            <a:schemeClr val="lt1"/>
+          </a:fontRef>
+        </p:style>
+        <p:txBody>
+          <a:bodyPr rtlCol="0" anchor="ctr"/>
+          <a:lstStyle/>
+          <a:p>
+            <a:pPr algn="ctr"/>
+            <a:endParaRPr lang="en-US"/>
+          </a:p>
+        </p:txBody>
+      </p:sp>
+      <p:sp>
+        <p:nvSpPr>
+          <p:cNvPr id="4" name="Oval 3">
+            <a:extLst>
+              <a:ext uri="{FF2B5EF4-FFF2-40B4-BE49-F238E27FC236}">
+                <a16:creationId xmlns:a16="http://schemas.microsoft.com/office/drawing/2014/main" id="{9125D4C4-7AD7-40EA-948D-785AE50836E7}"/>
+              </a:ext>
+            </a:extLst>
+          </p:cNvPr>
+          <p:cNvSpPr/>
+          <p:nvPr/>
+        </p:nvSpPr>
+        <p:spPr>
+          <a:xfrm>
+            <a:off x="2548398" y="4333227"/>
+            <a:ext cx="589935" cy="589935"/>
+          </a:xfrm>
+          <a:prstGeom prst="ellipse">
+            <a:avLst/>
+          </a:prstGeom>
+          <a:solidFill>
+            <a:srgbClr val="DDD0E1"/>
+          </a:solidFill>
+          <a:ln w="38100">
+            <a:solidFill>
+              <a:schemeClr val="tx1"/>
+            </a:solidFill>
+          </a:ln>
+        </p:spPr>
+        <p:style>
+          <a:lnRef idx="2">
+            <a:schemeClr val="accent1">
+              <a:shade val="50000"/>
+            </a:schemeClr>
+          </a:lnRef>
+          <a:fillRef idx="1">
+            <a:schemeClr val="accent1"/>
+          </a:fillRef>
+          <a:effectRef idx="0">
+            <a:schemeClr val="accent1"/>
+          </a:effectRef>
+          <a:fontRef idx="minor">
+            <a:schemeClr val="lt1"/>
+          </a:fontRef>
+        </p:style>
+        <p:txBody>
+          <a:bodyPr rtlCol="0" anchor="ctr"/>
+          <a:lstStyle/>
+          <a:p>
+            <a:pPr algn="ctr"/>
+            <a:endParaRPr lang="en-US"/>
+          </a:p>
+        </p:txBody>
+      </p:sp>
+      <p:sp>
+        <p:nvSpPr>
+          <p:cNvPr id="22" name="Rectangle 21">
+            <a:extLst>
+              <a:ext uri="{FF2B5EF4-FFF2-40B4-BE49-F238E27FC236}">
+                <a16:creationId xmlns:a16="http://schemas.microsoft.com/office/drawing/2014/main" id="{6D0B8967-87ED-47A0-9101-170930643EDA}"/>
+              </a:ext>
+            </a:extLst>
+          </p:cNvPr>
+          <p:cNvSpPr/>
+          <p:nvPr/>
+        </p:nvSpPr>
+        <p:spPr>
+          <a:xfrm>
+            <a:off x="3637321" y="4178370"/>
+            <a:ext cx="870155" cy="870155"/>
+          </a:xfrm>
+          <a:prstGeom prst="rect">
+            <a:avLst/>
+          </a:prstGeom>
+          <a:solidFill>
+            <a:srgbClr val="92D050"/>
+          </a:solidFill>
+          <a:ln w="38100">
+            <a:solidFill>
+              <a:schemeClr val="tx1"/>
+            </a:solidFill>
+          </a:ln>
+        </p:spPr>
+        <p:style>
+          <a:lnRef idx="2">
+            <a:schemeClr val="accent1">
+              <a:shade val="50000"/>
+            </a:schemeClr>
+          </a:lnRef>
+          <a:fillRef idx="1">
+            <a:schemeClr val="accent1"/>
+          </a:fillRef>
+          <a:effectRef idx="0">
+            <a:schemeClr val="accent1"/>
+          </a:effectRef>
+          <a:fontRef idx="minor">
+            <a:schemeClr val="lt1"/>
+          </a:fontRef>
+        </p:style>
+        <p:txBody>
+          <a:bodyPr rtlCol="0" anchor="ctr"/>
+          <a:lstStyle/>
+          <a:p>
+            <a:pPr algn="ctr"/>
+            <a:endParaRPr lang="en-US"/>
+          </a:p>
+        </p:txBody>
+      </p:sp>
+      <p:sp>
+        <p:nvSpPr>
+          <p:cNvPr id="24" name="Oval 23">
+            <a:extLst>
+              <a:ext uri="{FF2B5EF4-FFF2-40B4-BE49-F238E27FC236}">
+                <a16:creationId xmlns:a16="http://schemas.microsoft.com/office/drawing/2014/main" id="{84C59B6A-E2D2-468C-84EE-258D5CFBBB71}"/>
+              </a:ext>
+            </a:extLst>
+          </p:cNvPr>
+          <p:cNvSpPr/>
+          <p:nvPr/>
+        </p:nvSpPr>
+        <p:spPr>
+          <a:xfrm>
+            <a:off x="3792178" y="4333227"/>
+            <a:ext cx="589935" cy="589935"/>
+          </a:xfrm>
+          <a:prstGeom prst="ellipse">
+            <a:avLst/>
+          </a:prstGeom>
+          <a:solidFill>
+            <a:srgbClr val="DDD0E1"/>
+          </a:solidFill>
+          <a:ln w="38100">
+            <a:solidFill>
+              <a:schemeClr val="tx1"/>
+            </a:solidFill>
+          </a:ln>
+        </p:spPr>
+        <p:style>
+          <a:lnRef idx="2">
+            <a:schemeClr val="accent1">
+              <a:shade val="50000"/>
+            </a:schemeClr>
+          </a:lnRef>
+          <a:fillRef idx="1">
+            <a:schemeClr val="accent1"/>
+          </a:fillRef>
+          <a:effectRef idx="0">
+            <a:schemeClr val="accent1"/>
+          </a:effectRef>
+          <a:fontRef idx="minor">
+            <a:schemeClr val="lt1"/>
+          </a:fontRef>
+        </p:style>
+        <p:txBody>
+          <a:bodyPr rtlCol="0" anchor="ctr"/>
+          <a:lstStyle/>
+          <a:p>
+            <a:pPr algn="ctr"/>
+            <a:endParaRPr lang="en-US"/>
+          </a:p>
+        </p:txBody>
+      </p:sp>
+      <p:sp>
+        <p:nvSpPr>
+          <p:cNvPr id="25" name="Rectangle 24">
+            <a:extLst>
+              <a:ext uri="{FF2B5EF4-FFF2-40B4-BE49-F238E27FC236}">
+                <a16:creationId xmlns:a16="http://schemas.microsoft.com/office/drawing/2014/main" id="{14FF5F80-C54F-46B6-9884-7A2A82BE4AF5}"/>
+              </a:ext>
+            </a:extLst>
+          </p:cNvPr>
+          <p:cNvSpPr/>
+          <p:nvPr/>
+        </p:nvSpPr>
+        <p:spPr>
+          <a:xfrm>
+            <a:off x="4904452" y="4178370"/>
+            <a:ext cx="870155" cy="870155"/>
+          </a:xfrm>
+          <a:prstGeom prst="rect">
+            <a:avLst/>
+          </a:prstGeom>
+          <a:solidFill>
+            <a:srgbClr val="92D050"/>
+          </a:solidFill>
+          <a:ln w="38100">
+            <a:solidFill>
+              <a:schemeClr val="tx1"/>
+            </a:solidFill>
+          </a:ln>
+        </p:spPr>
+        <p:style>
+          <a:lnRef idx="2">
+            <a:schemeClr val="accent1">
+              <a:shade val="50000"/>
+            </a:schemeClr>
+          </a:lnRef>
+          <a:fillRef idx="1">
+            <a:schemeClr val="accent1"/>
+          </a:fillRef>
+          <a:effectRef idx="0">
+            <a:schemeClr val="accent1"/>
+          </a:effectRef>
+          <a:fontRef idx="minor">
+            <a:schemeClr val="lt1"/>
+          </a:fontRef>
+        </p:style>
+        <p:txBody>
+          <a:bodyPr rtlCol="0" anchor="ctr"/>
+          <a:lstStyle/>
+          <a:p>
+            <a:pPr algn="ctr"/>
+            <a:endParaRPr lang="en-US"/>
+          </a:p>
+        </p:txBody>
+      </p:sp>
+      <p:sp>
+        <p:nvSpPr>
+          <p:cNvPr id="26" name="Oval 25">
+            <a:extLst>
+              <a:ext uri="{FF2B5EF4-FFF2-40B4-BE49-F238E27FC236}">
+                <a16:creationId xmlns:a16="http://schemas.microsoft.com/office/drawing/2014/main" id="{E8757DEE-59C7-4400-9F31-41DA3BDC898A}"/>
+              </a:ext>
+            </a:extLst>
+          </p:cNvPr>
+          <p:cNvSpPr/>
+          <p:nvPr/>
+        </p:nvSpPr>
+        <p:spPr>
+          <a:xfrm>
+            <a:off x="5059309" y="4333227"/>
+            <a:ext cx="589935" cy="589935"/>
+          </a:xfrm>
+          <a:prstGeom prst="ellipse">
+            <a:avLst/>
+          </a:prstGeom>
+          <a:solidFill>
+            <a:srgbClr val="DDD0E1"/>
+          </a:solidFill>
+          <a:ln w="38100">
+            <a:solidFill>
+              <a:schemeClr val="tx1"/>
+            </a:solidFill>
+          </a:ln>
+        </p:spPr>
+        <p:style>
+          <a:lnRef idx="2">
+            <a:schemeClr val="accent1">
+              <a:shade val="50000"/>
+            </a:schemeClr>
+          </a:lnRef>
+          <a:fillRef idx="1">
+            <a:schemeClr val="accent1"/>
+          </a:fillRef>
+          <a:effectRef idx="0">
+            <a:schemeClr val="accent1"/>
+          </a:effectRef>
+          <a:fontRef idx="minor">
+            <a:schemeClr val="lt1"/>
+          </a:fontRef>
+        </p:style>
+        <p:txBody>
+          <a:bodyPr rtlCol="0" anchor="ctr"/>
+          <a:lstStyle/>
+          <a:p>
+            <a:pPr algn="ctr"/>
+            <a:endParaRPr lang="en-US"/>
+          </a:p>
+        </p:txBody>
+      </p:sp>
+      <p:sp>
+        <p:nvSpPr>
+          <p:cNvPr id="29" name="Rectangle 28">
+            <a:extLst>
+              <a:ext uri="{FF2B5EF4-FFF2-40B4-BE49-F238E27FC236}">
+                <a16:creationId xmlns:a16="http://schemas.microsoft.com/office/drawing/2014/main" id="{D2F2390E-19FC-4B26-A7A4-98A35D8CAA05}"/>
+              </a:ext>
+            </a:extLst>
+          </p:cNvPr>
+          <p:cNvSpPr/>
+          <p:nvPr/>
+        </p:nvSpPr>
+        <p:spPr>
+          <a:xfrm>
+            <a:off x="6092932" y="4178370"/>
+            <a:ext cx="870155" cy="870155"/>
+          </a:xfrm>
+          <a:prstGeom prst="rect">
+            <a:avLst/>
+          </a:prstGeom>
+          <a:solidFill>
+            <a:srgbClr val="92D050"/>
+          </a:solidFill>
+          <a:ln w="38100">
+            <a:solidFill>
+              <a:schemeClr val="tx1"/>
+            </a:solidFill>
+          </a:ln>
+        </p:spPr>
+        <p:style>
+          <a:lnRef idx="2">
+            <a:schemeClr val="accent1">
+              <a:shade val="50000"/>
+            </a:schemeClr>
+          </a:lnRef>
+          <a:fillRef idx="1">
+            <a:schemeClr val="accent1"/>
+          </a:fillRef>
+          <a:effectRef idx="0">
+            <a:schemeClr val="accent1"/>
+          </a:effectRef>
+          <a:fontRef idx="minor">
+            <a:schemeClr val="lt1"/>
+          </a:fontRef>
+        </p:style>
+        <p:txBody>
+          <a:bodyPr rtlCol="0" anchor="ctr"/>
+          <a:lstStyle/>
+          <a:p>
+            <a:pPr algn="ctr"/>
+            <a:endParaRPr lang="en-US"/>
+          </a:p>
+        </p:txBody>
+      </p:sp>
+      <p:sp>
+        <p:nvSpPr>
+          <p:cNvPr id="32" name="Oval 31">
+            <a:extLst>
+              <a:ext uri="{FF2B5EF4-FFF2-40B4-BE49-F238E27FC236}">
+                <a16:creationId xmlns:a16="http://schemas.microsoft.com/office/drawing/2014/main" id="{12346B53-6D29-4897-9B38-4D44FCF0D3C9}"/>
+              </a:ext>
+            </a:extLst>
+          </p:cNvPr>
+          <p:cNvSpPr/>
+          <p:nvPr/>
+        </p:nvSpPr>
+        <p:spPr>
+          <a:xfrm>
+            <a:off x="6247789" y="4333227"/>
+            <a:ext cx="589935" cy="589935"/>
+          </a:xfrm>
+          <a:prstGeom prst="ellipse">
+            <a:avLst/>
+          </a:prstGeom>
+          <a:solidFill>
+            <a:srgbClr val="DDD0E1"/>
+          </a:solidFill>
+          <a:ln w="38100">
+            <a:solidFill>
+              <a:schemeClr val="tx1"/>
+            </a:solidFill>
+            <a:prstDash val="dash"/>
+          </a:ln>
+        </p:spPr>
+        <p:style>
+          <a:lnRef idx="2">
+            <a:schemeClr val="accent1">
+              <a:shade val="50000"/>
+            </a:schemeClr>
+          </a:lnRef>
+          <a:fillRef idx="1">
+            <a:schemeClr val="accent1"/>
+          </a:fillRef>
+          <a:effectRef idx="0">
+            <a:schemeClr val="accent1"/>
+          </a:effectRef>
+          <a:fontRef idx="minor">
+            <a:schemeClr val="lt1"/>
+          </a:fontRef>
+        </p:style>
+        <p:txBody>
+          <a:bodyPr rtlCol="0" anchor="ctr"/>
+          <a:lstStyle/>
+          <a:p>
+            <a:pPr algn="ctr"/>
+            <a:endParaRPr lang="en-US"/>
+          </a:p>
+        </p:txBody>
+      </p:sp>
+      <p:sp>
+        <p:nvSpPr>
+          <p:cNvPr id="36" name="Rectangle 35">
+            <a:extLst>
+              <a:ext uri="{FF2B5EF4-FFF2-40B4-BE49-F238E27FC236}">
+                <a16:creationId xmlns:a16="http://schemas.microsoft.com/office/drawing/2014/main" id="{81357AD3-5E1F-4880-86F3-8743D493514D}"/>
+              </a:ext>
+            </a:extLst>
+          </p:cNvPr>
+          <p:cNvSpPr/>
+          <p:nvPr/>
+        </p:nvSpPr>
+        <p:spPr>
+          <a:xfrm>
+            <a:off x="7332405" y="4178370"/>
+            <a:ext cx="870155" cy="870155"/>
+          </a:xfrm>
+          <a:prstGeom prst="rect">
+            <a:avLst/>
+          </a:prstGeom>
+          <a:solidFill>
+            <a:srgbClr val="92D050"/>
+          </a:solidFill>
+          <a:ln w="38100">
+            <a:solidFill>
+              <a:schemeClr val="tx1"/>
+            </a:solidFill>
+          </a:ln>
+        </p:spPr>
+        <p:style>
+          <a:lnRef idx="2">
+            <a:schemeClr val="accent1">
+              <a:shade val="50000"/>
+            </a:schemeClr>
+          </a:lnRef>
+          <a:fillRef idx="1">
+            <a:schemeClr val="accent1"/>
+          </a:fillRef>
+          <a:effectRef idx="0">
+            <a:schemeClr val="accent1"/>
+          </a:effectRef>
+          <a:fontRef idx="minor">
+            <a:schemeClr val="lt1"/>
+          </a:fontRef>
+        </p:style>
+        <p:txBody>
+          <a:bodyPr rtlCol="0" anchor="ctr"/>
+          <a:lstStyle/>
+          <a:p>
+            <a:pPr algn="ctr"/>
+            <a:endParaRPr lang="en-US"/>
+          </a:p>
+        </p:txBody>
+      </p:sp>
+      <p:sp>
+        <p:nvSpPr>
+          <p:cNvPr id="39" name="Oval 38">
+            <a:extLst>
+              <a:ext uri="{FF2B5EF4-FFF2-40B4-BE49-F238E27FC236}">
+                <a16:creationId xmlns:a16="http://schemas.microsoft.com/office/drawing/2014/main" id="{0078BA37-90CD-41B5-B4F1-0A0E79C86871}"/>
+              </a:ext>
+            </a:extLst>
+          </p:cNvPr>
+          <p:cNvSpPr/>
+          <p:nvPr/>
+        </p:nvSpPr>
+        <p:spPr>
+          <a:xfrm>
+            <a:off x="7487262" y="4333227"/>
+            <a:ext cx="589935" cy="589935"/>
+          </a:xfrm>
+          <a:prstGeom prst="ellipse">
+            <a:avLst/>
+          </a:prstGeom>
+          <a:solidFill>
+            <a:srgbClr val="DDD0E1"/>
+          </a:solidFill>
+          <a:ln w="38100">
+            <a:solidFill>
+              <a:schemeClr val="tx1"/>
+            </a:solidFill>
+          </a:ln>
+        </p:spPr>
+        <p:style>
+          <a:lnRef idx="2">
+            <a:schemeClr val="accent1">
+              <a:shade val="50000"/>
+            </a:schemeClr>
+          </a:lnRef>
+          <a:fillRef idx="1">
+            <a:schemeClr val="accent1"/>
+          </a:fillRef>
+          <a:effectRef idx="0">
+            <a:schemeClr val="accent1"/>
+          </a:effectRef>
+          <a:fontRef idx="minor">
+            <a:schemeClr val="lt1"/>
+          </a:fontRef>
+        </p:style>
+        <p:txBody>
+          <a:bodyPr rtlCol="0" anchor="ctr"/>
+          <a:lstStyle/>
+          <a:p>
+            <a:pPr algn="ctr"/>
+            <a:endParaRPr lang="en-US"/>
+          </a:p>
+        </p:txBody>
+      </p:sp>
+      <p:sp>
+        <p:nvSpPr>
+          <p:cNvPr id="40" name="Rectangle 39">
+            <a:extLst>
+              <a:ext uri="{FF2B5EF4-FFF2-40B4-BE49-F238E27FC236}">
+                <a16:creationId xmlns:a16="http://schemas.microsoft.com/office/drawing/2014/main" id="{7B75F025-26F0-4C88-8DAC-7AACF2179DAD}"/>
+              </a:ext>
+            </a:extLst>
+          </p:cNvPr>
+          <p:cNvSpPr/>
+          <p:nvPr/>
+        </p:nvSpPr>
+        <p:spPr>
+          <a:xfrm>
+            <a:off x="8571878" y="4178370"/>
+            <a:ext cx="870155" cy="870155"/>
+          </a:xfrm>
+          <a:prstGeom prst="rect">
+            <a:avLst/>
+          </a:prstGeom>
+          <a:solidFill>
+            <a:srgbClr val="92D050"/>
+          </a:solidFill>
+          <a:ln w="38100">
+            <a:solidFill>
+              <a:schemeClr val="tx1"/>
+            </a:solidFill>
+          </a:ln>
+        </p:spPr>
+        <p:style>
+          <a:lnRef idx="2">
+            <a:schemeClr val="accent1">
+              <a:shade val="50000"/>
+            </a:schemeClr>
+          </a:lnRef>
+          <a:fillRef idx="1">
+            <a:schemeClr val="accent1"/>
+          </a:fillRef>
+          <a:effectRef idx="0">
+            <a:schemeClr val="accent1"/>
+          </a:effectRef>
+          <a:fontRef idx="minor">
+            <a:schemeClr val="lt1"/>
+          </a:fontRef>
+        </p:style>
+        <p:txBody>
+          <a:bodyPr rtlCol="0" anchor="ctr"/>
+          <a:lstStyle/>
+          <a:p>
+            <a:pPr algn="ctr"/>
+            <a:endParaRPr lang="en-US"/>
+          </a:p>
+        </p:txBody>
+      </p:sp>
+      <p:sp>
+        <p:nvSpPr>
+          <p:cNvPr id="42" name="Oval 41">
+            <a:extLst>
+              <a:ext uri="{FF2B5EF4-FFF2-40B4-BE49-F238E27FC236}">
+                <a16:creationId xmlns:a16="http://schemas.microsoft.com/office/drawing/2014/main" id="{1A9EC786-9100-4C48-B368-026CCFDBAA0C}"/>
+              </a:ext>
+            </a:extLst>
+          </p:cNvPr>
+          <p:cNvSpPr/>
+          <p:nvPr/>
+        </p:nvSpPr>
+        <p:spPr>
+          <a:xfrm>
+            <a:off x="8726735" y="4333227"/>
+            <a:ext cx="589935" cy="589935"/>
+          </a:xfrm>
+          <a:prstGeom prst="ellipse">
+            <a:avLst/>
+          </a:prstGeom>
+          <a:solidFill>
+            <a:srgbClr val="DDD0E1"/>
+          </a:solidFill>
+          <a:ln w="38100">
+            <a:solidFill>
+              <a:schemeClr val="tx1"/>
+            </a:solidFill>
+          </a:ln>
+        </p:spPr>
+        <p:style>
+          <a:lnRef idx="2">
+            <a:schemeClr val="accent1">
+              <a:shade val="50000"/>
+            </a:schemeClr>
+          </a:lnRef>
+          <a:fillRef idx="1">
+            <a:schemeClr val="accent1"/>
+          </a:fillRef>
+          <a:effectRef idx="0">
+            <a:schemeClr val="accent1"/>
+          </a:effectRef>
+          <a:fontRef idx="minor">
+            <a:schemeClr val="lt1"/>
+          </a:fontRef>
+        </p:style>
+        <p:txBody>
+          <a:bodyPr rtlCol="0" anchor="ctr"/>
+          <a:lstStyle/>
+          <a:p>
+            <a:pPr algn="ctr"/>
+            <a:endParaRPr lang="en-US"/>
+          </a:p>
+        </p:txBody>
+      </p:sp>
+      <p:sp>
+        <p:nvSpPr>
+          <p:cNvPr id="5" name="Oval 4">
+            <a:extLst>
+              <a:ext uri="{FF2B5EF4-FFF2-40B4-BE49-F238E27FC236}">
+                <a16:creationId xmlns:a16="http://schemas.microsoft.com/office/drawing/2014/main" id="{10D855EE-0646-4CA2-A6CD-E29F8DC69D34}"/>
+              </a:ext>
+            </a:extLst>
+          </p:cNvPr>
+          <p:cNvSpPr/>
+          <p:nvPr/>
+        </p:nvSpPr>
+        <p:spPr>
+          <a:xfrm>
+            <a:off x="476251" y="2467556"/>
+            <a:ext cx="685799" cy="685799"/>
+          </a:xfrm>
+          <a:prstGeom prst="ellipse">
+            <a:avLst/>
+          </a:prstGeom>
+          <a:ln w="38100">
+            <a:solidFill>
+              <a:schemeClr val="tx1"/>
+            </a:solidFill>
+          </a:ln>
+        </p:spPr>
+        <p:style>
+          <a:lnRef idx="2">
+            <a:schemeClr val="accent1">
+              <a:shade val="50000"/>
+            </a:schemeClr>
+          </a:lnRef>
+          <a:fillRef idx="1">
+            <a:schemeClr val="accent1"/>
+          </a:fillRef>
+          <a:effectRef idx="0">
+            <a:schemeClr val="accent1"/>
+          </a:effectRef>
+          <a:fontRef idx="minor">
+            <a:schemeClr val="lt1"/>
+          </a:fontRef>
+        </p:style>
+        <p:txBody>
+          <a:bodyPr rtlCol="0" anchor="ctr"/>
+          <a:lstStyle/>
+          <a:p>
+            <a:pPr algn="ctr"/>
+            <a:endParaRPr lang="en-US"/>
+          </a:p>
+        </p:txBody>
+      </p:sp>
+      <p:sp>
+        <p:nvSpPr>
+          <p:cNvPr id="45" name="Oval 44">
+            <a:extLst>
+              <a:ext uri="{FF2B5EF4-FFF2-40B4-BE49-F238E27FC236}">
+                <a16:creationId xmlns:a16="http://schemas.microsoft.com/office/drawing/2014/main" id="{7ED03C23-B052-4C40-9BA5-104AFDF11E86}"/>
+              </a:ext>
+            </a:extLst>
+          </p:cNvPr>
+          <p:cNvSpPr/>
+          <p:nvPr/>
+        </p:nvSpPr>
+        <p:spPr>
+          <a:xfrm>
+            <a:off x="613902" y="2467556"/>
+            <a:ext cx="685799" cy="685799"/>
+          </a:xfrm>
+          <a:prstGeom prst="ellipse">
+            <a:avLst/>
+          </a:prstGeom>
+          <a:ln w="38100">
+            <a:solidFill>
+              <a:schemeClr val="tx1"/>
+            </a:solidFill>
+          </a:ln>
+        </p:spPr>
+        <p:style>
+          <a:lnRef idx="2">
+            <a:schemeClr val="accent1">
+              <a:shade val="50000"/>
+            </a:schemeClr>
+          </a:lnRef>
+          <a:fillRef idx="1">
+            <a:schemeClr val="accent1"/>
+          </a:fillRef>
+          <a:effectRef idx="0">
+            <a:schemeClr val="accent1"/>
+          </a:effectRef>
+          <a:fontRef idx="minor">
+            <a:schemeClr val="lt1"/>
+          </a:fontRef>
+        </p:style>
+        <p:txBody>
+          <a:bodyPr rtlCol="0" anchor="ctr"/>
+          <a:lstStyle/>
+          <a:p>
+            <a:pPr algn="ctr"/>
+            <a:endParaRPr lang="en-US"/>
+          </a:p>
+        </p:txBody>
+      </p:sp>
+      <p:sp>
+        <p:nvSpPr>
+          <p:cNvPr id="46" name="Oval 45">
+            <a:extLst>
+              <a:ext uri="{FF2B5EF4-FFF2-40B4-BE49-F238E27FC236}">
+                <a16:creationId xmlns:a16="http://schemas.microsoft.com/office/drawing/2014/main" id="{ED0641EC-76DB-4E9A-A6C5-B2E39755C96C}"/>
+              </a:ext>
+            </a:extLst>
+          </p:cNvPr>
+          <p:cNvSpPr/>
+          <p:nvPr/>
+        </p:nvSpPr>
+        <p:spPr>
+          <a:xfrm>
+            <a:off x="751553" y="2467556"/>
+            <a:ext cx="685799" cy="685799"/>
+          </a:xfrm>
+          <a:prstGeom prst="ellipse">
+            <a:avLst/>
+          </a:prstGeom>
+          <a:ln w="38100">
+            <a:solidFill>
+              <a:schemeClr val="tx1"/>
+            </a:solidFill>
+          </a:ln>
+        </p:spPr>
+        <p:style>
+          <a:lnRef idx="2">
+            <a:schemeClr val="accent1">
+              <a:shade val="50000"/>
+            </a:schemeClr>
+          </a:lnRef>
+          <a:fillRef idx="1">
+            <a:schemeClr val="accent1"/>
+          </a:fillRef>
+          <a:effectRef idx="0">
+            <a:schemeClr val="accent1"/>
+          </a:effectRef>
+          <a:fontRef idx="minor">
+            <a:schemeClr val="lt1"/>
+          </a:fontRef>
+        </p:style>
+        <p:txBody>
+          <a:bodyPr rtlCol="0" anchor="ctr"/>
+          <a:lstStyle/>
+          <a:p>
+            <a:pPr algn="ctr"/>
+            <a:endParaRPr lang="en-US"/>
+          </a:p>
+        </p:txBody>
+      </p:sp>
+      <p:sp>
+        <p:nvSpPr>
+          <p:cNvPr id="47" name="Oval 46">
+            <a:extLst>
+              <a:ext uri="{FF2B5EF4-FFF2-40B4-BE49-F238E27FC236}">
+                <a16:creationId xmlns:a16="http://schemas.microsoft.com/office/drawing/2014/main" id="{75375FE0-17E3-4286-9946-25CD1B519B49}"/>
+              </a:ext>
+            </a:extLst>
+          </p:cNvPr>
+          <p:cNvSpPr/>
+          <p:nvPr/>
+        </p:nvSpPr>
+        <p:spPr>
+          <a:xfrm>
+            <a:off x="889204" y="2467556"/>
+            <a:ext cx="685799" cy="685799"/>
+          </a:xfrm>
+          <a:prstGeom prst="ellipse">
+            <a:avLst/>
+          </a:prstGeom>
+          <a:ln w="38100">
+            <a:solidFill>
+              <a:schemeClr val="tx1"/>
+            </a:solidFill>
+          </a:ln>
+        </p:spPr>
+        <p:style>
+          <a:lnRef idx="2">
+            <a:schemeClr val="accent1">
+              <a:shade val="50000"/>
+            </a:schemeClr>
+          </a:lnRef>
+          <a:fillRef idx="1">
+            <a:schemeClr val="accent1"/>
+          </a:fillRef>
+          <a:effectRef idx="0">
+            <a:schemeClr val="accent1"/>
+          </a:effectRef>
+          <a:fontRef idx="minor">
+            <a:schemeClr val="lt1"/>
+          </a:fontRef>
+        </p:style>
+        <p:txBody>
+          <a:bodyPr rtlCol="0" anchor="ctr"/>
+          <a:lstStyle/>
+          <a:p>
+            <a:pPr algn="ctr"/>
+            <a:endParaRPr lang="en-US"/>
+          </a:p>
+        </p:txBody>
+      </p:sp>
+      <p:sp>
+        <p:nvSpPr>
+          <p:cNvPr id="48" name="Oval 47">
+            <a:extLst>
+              <a:ext uri="{FF2B5EF4-FFF2-40B4-BE49-F238E27FC236}">
+                <a16:creationId xmlns:a16="http://schemas.microsoft.com/office/drawing/2014/main" id="{90F7230C-22C6-48D6-87BE-86225FA0ECEC}"/>
+              </a:ext>
+            </a:extLst>
+          </p:cNvPr>
+          <p:cNvSpPr/>
+          <p:nvPr/>
+        </p:nvSpPr>
+        <p:spPr>
+          <a:xfrm>
+            <a:off x="1026855" y="2467556"/>
+            <a:ext cx="685799" cy="685799"/>
+          </a:xfrm>
+          <a:prstGeom prst="ellipse">
+            <a:avLst/>
+          </a:prstGeom>
+          <a:ln w="38100">
+            <a:solidFill>
+              <a:schemeClr val="tx1"/>
+            </a:solidFill>
+          </a:ln>
+        </p:spPr>
+        <p:style>
+          <a:lnRef idx="2">
+            <a:schemeClr val="accent1">
+              <a:shade val="50000"/>
+            </a:schemeClr>
+          </a:lnRef>
+          <a:fillRef idx="1">
+            <a:schemeClr val="accent1"/>
+          </a:fillRef>
+          <a:effectRef idx="0">
+            <a:schemeClr val="accent1"/>
+          </a:effectRef>
+          <a:fontRef idx="minor">
+            <a:schemeClr val="lt1"/>
+          </a:fontRef>
+        </p:style>
+        <p:txBody>
+          <a:bodyPr rtlCol="0" anchor="ctr"/>
+          <a:lstStyle/>
+          <a:p>
+            <a:pPr algn="ctr"/>
+            <a:endParaRPr lang="en-US"/>
+          </a:p>
+        </p:txBody>
+      </p:sp>
+      <p:sp>
+        <p:nvSpPr>
+          <p:cNvPr id="49" name="Oval 48">
+            <a:extLst>
+              <a:ext uri="{FF2B5EF4-FFF2-40B4-BE49-F238E27FC236}">
+                <a16:creationId xmlns:a16="http://schemas.microsoft.com/office/drawing/2014/main" id="{C2D0F50E-A92F-4F50-8A82-E025BDC5190D}"/>
+              </a:ext>
+            </a:extLst>
+          </p:cNvPr>
+          <p:cNvSpPr/>
+          <p:nvPr/>
+        </p:nvSpPr>
+        <p:spPr>
+          <a:xfrm>
+            <a:off x="1164506" y="2467556"/>
+            <a:ext cx="685799" cy="685799"/>
+          </a:xfrm>
+          <a:prstGeom prst="ellipse">
+            <a:avLst/>
+          </a:prstGeom>
+          <a:ln w="38100">
+            <a:solidFill>
+              <a:schemeClr val="tx1"/>
+            </a:solidFill>
+          </a:ln>
+        </p:spPr>
+        <p:style>
+          <a:lnRef idx="2">
+            <a:schemeClr val="accent1">
+              <a:shade val="50000"/>
+            </a:schemeClr>
+          </a:lnRef>
+          <a:fillRef idx="1">
+            <a:schemeClr val="accent1"/>
+          </a:fillRef>
+          <a:effectRef idx="0">
+            <a:schemeClr val="accent1"/>
+          </a:effectRef>
+          <a:fontRef idx="minor">
+            <a:schemeClr val="lt1"/>
+          </a:fontRef>
+        </p:style>
+        <p:txBody>
+          <a:bodyPr rtlCol="0" anchor="ctr"/>
+          <a:lstStyle/>
+          <a:p>
+            <a:pPr algn="ctr"/>
+            <a:endParaRPr lang="en-US"/>
+          </a:p>
+        </p:txBody>
+      </p:sp>
+      <p:sp>
+        <p:nvSpPr>
+          <p:cNvPr id="50" name="Oval 49">
+            <a:extLst>
+              <a:ext uri="{FF2B5EF4-FFF2-40B4-BE49-F238E27FC236}">
+                <a16:creationId xmlns:a16="http://schemas.microsoft.com/office/drawing/2014/main" id="{6D14B327-590A-4161-A533-855B86A3CFDB}"/>
+              </a:ext>
+            </a:extLst>
+          </p:cNvPr>
+          <p:cNvSpPr/>
+          <p:nvPr/>
+        </p:nvSpPr>
+        <p:spPr>
+          <a:xfrm>
+            <a:off x="1302157" y="2467556"/>
+            <a:ext cx="685799" cy="685799"/>
+          </a:xfrm>
+          <a:prstGeom prst="ellipse">
+            <a:avLst/>
+          </a:prstGeom>
+          <a:ln w="38100">
+            <a:solidFill>
+              <a:schemeClr val="tx1"/>
+            </a:solidFill>
+          </a:ln>
+        </p:spPr>
+        <p:style>
+          <a:lnRef idx="2">
+            <a:schemeClr val="accent1">
+              <a:shade val="50000"/>
+            </a:schemeClr>
+          </a:lnRef>
+          <a:fillRef idx="1">
+            <a:schemeClr val="accent1"/>
+          </a:fillRef>
+          <a:effectRef idx="0">
+            <a:schemeClr val="accent1"/>
+          </a:effectRef>
+          <a:fontRef idx="minor">
+            <a:schemeClr val="lt1"/>
+          </a:fontRef>
+        </p:style>
+        <p:txBody>
+          <a:bodyPr rtlCol="0" anchor="ctr"/>
+          <a:lstStyle/>
+          <a:p>
+            <a:pPr algn="ctr"/>
+            <a:endParaRPr lang="en-US"/>
+          </a:p>
+        </p:txBody>
+      </p:sp>
+      <p:sp>
+        <p:nvSpPr>
+          <p:cNvPr id="51" name="Oval 50">
+            <a:extLst>
+              <a:ext uri="{FF2B5EF4-FFF2-40B4-BE49-F238E27FC236}">
+                <a16:creationId xmlns:a16="http://schemas.microsoft.com/office/drawing/2014/main" id="{75C50DEF-AA30-43EF-9517-2275ACB256F8}"/>
+              </a:ext>
+            </a:extLst>
+          </p:cNvPr>
+          <p:cNvSpPr/>
+          <p:nvPr/>
+        </p:nvSpPr>
+        <p:spPr>
+          <a:xfrm>
+            <a:off x="1439808" y="2467556"/>
+            <a:ext cx="685799" cy="685799"/>
+          </a:xfrm>
+          <a:prstGeom prst="ellipse">
+            <a:avLst/>
+          </a:prstGeom>
+          <a:ln w="38100">
+            <a:solidFill>
+              <a:schemeClr val="tx1"/>
+            </a:solidFill>
+          </a:ln>
+        </p:spPr>
+        <p:style>
+          <a:lnRef idx="2">
+            <a:schemeClr val="accent1">
+              <a:shade val="50000"/>
+            </a:schemeClr>
+          </a:lnRef>
+          <a:fillRef idx="1">
+            <a:schemeClr val="accent1"/>
+          </a:fillRef>
+          <a:effectRef idx="0">
+            <a:schemeClr val="accent1"/>
+          </a:effectRef>
+          <a:fontRef idx="minor">
+            <a:schemeClr val="lt1"/>
+          </a:fontRef>
+        </p:style>
+        <p:txBody>
+          <a:bodyPr rtlCol="0" anchor="ctr"/>
+          <a:lstStyle/>
+          <a:p>
+            <a:pPr algn="ctr"/>
+            <a:endParaRPr lang="en-US"/>
+          </a:p>
+        </p:txBody>
+      </p:sp>
+      <p:sp>
+        <p:nvSpPr>
+          <p:cNvPr id="52" name="Oval 51">
+            <a:extLst>
+              <a:ext uri="{FF2B5EF4-FFF2-40B4-BE49-F238E27FC236}">
+                <a16:creationId xmlns:a16="http://schemas.microsoft.com/office/drawing/2014/main" id="{3013A445-D7DB-4E67-A690-28E1AC8019A0}"/>
+              </a:ext>
+            </a:extLst>
+          </p:cNvPr>
+          <p:cNvSpPr/>
+          <p:nvPr/>
+        </p:nvSpPr>
+        <p:spPr>
+          <a:xfrm>
+            <a:off x="1575003" y="2467556"/>
+            <a:ext cx="685799" cy="685799"/>
+          </a:xfrm>
+          <a:prstGeom prst="ellipse">
+            <a:avLst/>
+          </a:prstGeom>
+          <a:ln w="38100">
+            <a:solidFill>
+              <a:schemeClr val="tx1"/>
+            </a:solidFill>
+          </a:ln>
+        </p:spPr>
+        <p:style>
+          <a:lnRef idx="2">
+            <a:schemeClr val="accent1">
+              <a:shade val="50000"/>
+            </a:schemeClr>
+          </a:lnRef>
+          <a:fillRef idx="1">
+            <a:schemeClr val="accent1"/>
+          </a:fillRef>
+          <a:effectRef idx="0">
+            <a:schemeClr val="accent1"/>
+          </a:effectRef>
+          <a:fontRef idx="minor">
+            <a:schemeClr val="lt1"/>
+          </a:fontRef>
+        </p:style>
+        <p:txBody>
+          <a:bodyPr rtlCol="0" anchor="ctr"/>
+          <a:lstStyle/>
+          <a:p>
+            <a:pPr algn="ctr"/>
+            <a:endParaRPr lang="en-US"/>
+          </a:p>
+        </p:txBody>
+      </p:sp>
+      <p:sp>
+        <p:nvSpPr>
+          <p:cNvPr id="53" name="Oval 52">
+            <a:extLst>
+              <a:ext uri="{FF2B5EF4-FFF2-40B4-BE49-F238E27FC236}">
+                <a16:creationId xmlns:a16="http://schemas.microsoft.com/office/drawing/2014/main" id="{B595EB09-4335-44F1-8C20-E3D7536E05C4}"/>
+              </a:ext>
+            </a:extLst>
+          </p:cNvPr>
+          <p:cNvSpPr/>
+          <p:nvPr/>
+        </p:nvSpPr>
+        <p:spPr>
+          <a:xfrm>
+            <a:off x="1712654" y="2467556"/>
+            <a:ext cx="685799" cy="685799"/>
+          </a:xfrm>
+          <a:prstGeom prst="ellipse">
+            <a:avLst/>
+          </a:prstGeom>
+          <a:ln w="38100">
+            <a:solidFill>
+              <a:schemeClr val="tx1"/>
+            </a:solidFill>
+          </a:ln>
+        </p:spPr>
+        <p:style>
+          <a:lnRef idx="2">
+            <a:schemeClr val="accent1">
+              <a:shade val="50000"/>
+            </a:schemeClr>
+          </a:lnRef>
+          <a:fillRef idx="1">
+            <a:schemeClr val="accent1"/>
+          </a:fillRef>
+          <a:effectRef idx="0">
+            <a:schemeClr val="accent1"/>
+          </a:effectRef>
+          <a:fontRef idx="minor">
+            <a:schemeClr val="lt1"/>
+          </a:fontRef>
+        </p:style>
+        <p:txBody>
+          <a:bodyPr rtlCol="0" anchor="ctr"/>
+          <a:lstStyle/>
+          <a:p>
+            <a:pPr algn="ctr"/>
+            <a:endParaRPr lang="en-US"/>
+          </a:p>
+        </p:txBody>
+      </p:sp>
+      <p:sp>
+        <p:nvSpPr>
+          <p:cNvPr id="54" name="Oval 53">
+            <a:extLst>
+              <a:ext uri="{FF2B5EF4-FFF2-40B4-BE49-F238E27FC236}">
+                <a16:creationId xmlns:a16="http://schemas.microsoft.com/office/drawing/2014/main" id="{44E8842D-49BD-4EE9-8511-559A75EC1708}"/>
+              </a:ext>
+            </a:extLst>
+          </p:cNvPr>
+          <p:cNvSpPr/>
+          <p:nvPr/>
+        </p:nvSpPr>
+        <p:spPr>
+          <a:xfrm>
+            <a:off x="1850305" y="2467556"/>
+            <a:ext cx="685799" cy="685799"/>
+          </a:xfrm>
+          <a:prstGeom prst="ellipse">
+            <a:avLst/>
+          </a:prstGeom>
+          <a:ln w="38100">
+            <a:solidFill>
+              <a:schemeClr val="tx1"/>
+            </a:solidFill>
+          </a:ln>
+        </p:spPr>
+        <p:style>
+          <a:lnRef idx="2">
+            <a:schemeClr val="accent1">
+              <a:shade val="50000"/>
+            </a:schemeClr>
+          </a:lnRef>
+          <a:fillRef idx="1">
+            <a:schemeClr val="accent1"/>
+          </a:fillRef>
+          <a:effectRef idx="0">
+            <a:schemeClr val="accent1"/>
+          </a:effectRef>
+          <a:fontRef idx="minor">
+            <a:schemeClr val="lt1"/>
+          </a:fontRef>
+        </p:style>
+        <p:txBody>
+          <a:bodyPr rtlCol="0" anchor="ctr"/>
+          <a:lstStyle/>
+          <a:p>
+            <a:pPr algn="ctr"/>
+            <a:endParaRPr lang="en-US"/>
+          </a:p>
+        </p:txBody>
+      </p:sp>
+      <p:sp>
+        <p:nvSpPr>
+          <p:cNvPr id="55" name="Oval 54">
+            <a:extLst>
+              <a:ext uri="{FF2B5EF4-FFF2-40B4-BE49-F238E27FC236}">
+                <a16:creationId xmlns:a16="http://schemas.microsoft.com/office/drawing/2014/main" id="{BBE6B152-10FA-4180-A8E3-F679C4F856E4}"/>
+              </a:ext>
+            </a:extLst>
+          </p:cNvPr>
+          <p:cNvSpPr/>
+          <p:nvPr/>
+        </p:nvSpPr>
+        <p:spPr>
+          <a:xfrm>
+            <a:off x="1987956" y="2467556"/>
+            <a:ext cx="685799" cy="685799"/>
+          </a:xfrm>
+          <a:prstGeom prst="ellipse">
+            <a:avLst/>
+          </a:prstGeom>
+          <a:ln w="38100">
+            <a:solidFill>
+              <a:schemeClr val="tx1"/>
+            </a:solidFill>
+          </a:ln>
+        </p:spPr>
+        <p:style>
+          <a:lnRef idx="2">
+            <a:schemeClr val="accent1">
+              <a:shade val="50000"/>
+            </a:schemeClr>
+          </a:lnRef>
+          <a:fillRef idx="1">
+            <a:schemeClr val="accent1"/>
+          </a:fillRef>
+          <a:effectRef idx="0">
+            <a:schemeClr val="accent1"/>
+          </a:effectRef>
+          <a:fontRef idx="minor">
+            <a:schemeClr val="lt1"/>
+          </a:fontRef>
+        </p:style>
+        <p:txBody>
+          <a:bodyPr rtlCol="0" anchor="ctr"/>
+          <a:lstStyle/>
+          <a:p>
+            <a:pPr algn="ctr"/>
+            <a:endParaRPr lang="en-US"/>
+          </a:p>
+        </p:txBody>
+      </p:sp>
+      <p:sp>
+        <p:nvSpPr>
+          <p:cNvPr id="56" name="Oval 55">
+            <a:extLst>
+              <a:ext uri="{FF2B5EF4-FFF2-40B4-BE49-F238E27FC236}">
+                <a16:creationId xmlns:a16="http://schemas.microsoft.com/office/drawing/2014/main" id="{42E9E58A-CCFF-4C2F-ABE7-93D01BA3D443}"/>
+              </a:ext>
+            </a:extLst>
+          </p:cNvPr>
+          <p:cNvSpPr/>
+          <p:nvPr/>
+        </p:nvSpPr>
+        <p:spPr>
+          <a:xfrm>
+            <a:off x="2142822" y="2467556"/>
+            <a:ext cx="685799" cy="685799"/>
+          </a:xfrm>
+          <a:prstGeom prst="ellipse">
+            <a:avLst/>
+          </a:prstGeom>
+          <a:ln w="38100">
+            <a:solidFill>
+              <a:schemeClr val="tx1"/>
+            </a:solidFill>
+          </a:ln>
+        </p:spPr>
+        <p:style>
+          <a:lnRef idx="2">
+            <a:schemeClr val="accent1">
+              <a:shade val="50000"/>
+            </a:schemeClr>
+          </a:lnRef>
+          <a:fillRef idx="1">
+            <a:schemeClr val="accent1"/>
+          </a:fillRef>
+          <a:effectRef idx="0">
+            <a:schemeClr val="accent1"/>
+          </a:effectRef>
+          <a:fontRef idx="minor">
+            <a:schemeClr val="lt1"/>
+          </a:fontRef>
+        </p:style>
+        <p:txBody>
+          <a:bodyPr rtlCol="0" anchor="ctr"/>
+          <a:lstStyle/>
+          <a:p>
+            <a:pPr algn="ctr"/>
+            <a:endParaRPr lang="en-US"/>
+          </a:p>
+        </p:txBody>
+      </p:sp>
+      <p:sp>
+        <p:nvSpPr>
+          <p:cNvPr id="57" name="Oval 56">
+            <a:extLst>
+              <a:ext uri="{FF2B5EF4-FFF2-40B4-BE49-F238E27FC236}">
+                <a16:creationId xmlns:a16="http://schemas.microsoft.com/office/drawing/2014/main" id="{0F4859CA-7994-4139-BB3E-742EFF18E10F}"/>
+              </a:ext>
+            </a:extLst>
+          </p:cNvPr>
+          <p:cNvSpPr/>
+          <p:nvPr/>
+        </p:nvSpPr>
+        <p:spPr>
+          <a:xfrm>
+            <a:off x="2280473" y="2467556"/>
+            <a:ext cx="685799" cy="685799"/>
+          </a:xfrm>
+          <a:prstGeom prst="ellipse">
+            <a:avLst/>
+          </a:prstGeom>
+          <a:ln w="38100">
+            <a:solidFill>
+              <a:schemeClr val="tx1"/>
+            </a:solidFill>
+          </a:ln>
+        </p:spPr>
+        <p:style>
+          <a:lnRef idx="2">
+            <a:schemeClr val="accent1">
+              <a:shade val="50000"/>
+            </a:schemeClr>
+          </a:lnRef>
+          <a:fillRef idx="1">
+            <a:schemeClr val="accent1"/>
+          </a:fillRef>
+          <a:effectRef idx="0">
+            <a:schemeClr val="accent1"/>
+          </a:effectRef>
+          <a:fontRef idx="minor">
+            <a:schemeClr val="lt1"/>
+          </a:fontRef>
+        </p:style>
+        <p:txBody>
+          <a:bodyPr rtlCol="0" anchor="ctr"/>
+          <a:lstStyle/>
+          <a:p>
+            <a:pPr algn="ctr"/>
+            <a:endParaRPr lang="en-US"/>
+          </a:p>
+        </p:txBody>
+      </p:sp>
+      <p:sp>
+        <p:nvSpPr>
+          <p:cNvPr id="58" name="Oval 57">
+            <a:extLst>
+              <a:ext uri="{FF2B5EF4-FFF2-40B4-BE49-F238E27FC236}">
+                <a16:creationId xmlns:a16="http://schemas.microsoft.com/office/drawing/2014/main" id="{40C2A427-E6C9-4AC2-8E4A-B89EDB44B008}"/>
+              </a:ext>
+            </a:extLst>
+          </p:cNvPr>
+          <p:cNvSpPr/>
+          <p:nvPr/>
+        </p:nvSpPr>
+        <p:spPr>
+          <a:xfrm>
+            <a:off x="2418124" y="2467556"/>
+            <a:ext cx="685799" cy="685799"/>
+          </a:xfrm>
+          <a:prstGeom prst="ellipse">
+            <a:avLst/>
+          </a:prstGeom>
+          <a:ln w="38100">
+            <a:solidFill>
+              <a:schemeClr val="tx1"/>
+            </a:solidFill>
+          </a:ln>
+        </p:spPr>
+        <p:style>
+          <a:lnRef idx="2">
+            <a:schemeClr val="accent1">
+              <a:shade val="50000"/>
+            </a:schemeClr>
+          </a:lnRef>
+          <a:fillRef idx="1">
+            <a:schemeClr val="accent1"/>
+          </a:fillRef>
+          <a:effectRef idx="0">
+            <a:schemeClr val="accent1"/>
+          </a:effectRef>
+          <a:fontRef idx="minor">
+            <a:schemeClr val="lt1"/>
+          </a:fontRef>
+        </p:style>
+        <p:txBody>
+          <a:bodyPr rtlCol="0" anchor="ctr"/>
+          <a:lstStyle/>
+          <a:p>
+            <a:pPr algn="ctr"/>
+            <a:endParaRPr lang="en-US"/>
+          </a:p>
+        </p:txBody>
+      </p:sp>
+      <p:sp>
+        <p:nvSpPr>
+          <p:cNvPr id="59" name="Oval 58">
+            <a:extLst>
+              <a:ext uri="{FF2B5EF4-FFF2-40B4-BE49-F238E27FC236}">
+                <a16:creationId xmlns:a16="http://schemas.microsoft.com/office/drawing/2014/main" id="{D1E17A2D-73C0-4E4E-BCE7-EF94A363B2EE}"/>
+              </a:ext>
+            </a:extLst>
+          </p:cNvPr>
+          <p:cNvSpPr/>
+          <p:nvPr/>
+        </p:nvSpPr>
+        <p:spPr>
+          <a:xfrm>
+            <a:off x="2555775" y="2467556"/>
+            <a:ext cx="685799" cy="685799"/>
+          </a:xfrm>
+          <a:prstGeom prst="ellipse">
+            <a:avLst/>
+          </a:prstGeom>
+          <a:ln w="38100">
+            <a:solidFill>
+              <a:schemeClr val="tx1"/>
+            </a:solidFill>
+          </a:ln>
+        </p:spPr>
+        <p:style>
+          <a:lnRef idx="2">
+            <a:schemeClr val="accent1">
+              <a:shade val="50000"/>
+            </a:schemeClr>
+          </a:lnRef>
+          <a:fillRef idx="1">
+            <a:schemeClr val="accent1"/>
+          </a:fillRef>
+          <a:effectRef idx="0">
+            <a:schemeClr val="accent1"/>
+          </a:effectRef>
+          <a:fontRef idx="minor">
+            <a:schemeClr val="lt1"/>
+          </a:fontRef>
+        </p:style>
+        <p:txBody>
+          <a:bodyPr rtlCol="0" anchor="ctr"/>
+          <a:lstStyle/>
+          <a:p>
+            <a:pPr algn="ctr"/>
+            <a:endParaRPr lang="en-US"/>
+          </a:p>
+        </p:txBody>
+      </p:sp>
+      <p:sp>
+        <p:nvSpPr>
+          <p:cNvPr id="60" name="Oval 59">
+            <a:extLst>
+              <a:ext uri="{FF2B5EF4-FFF2-40B4-BE49-F238E27FC236}">
+                <a16:creationId xmlns:a16="http://schemas.microsoft.com/office/drawing/2014/main" id="{47AC1409-B9B6-49B3-8992-B5AD56F9CE3C}"/>
+              </a:ext>
+            </a:extLst>
+          </p:cNvPr>
+          <p:cNvSpPr/>
+          <p:nvPr/>
+        </p:nvSpPr>
+        <p:spPr>
+          <a:xfrm>
+            <a:off x="2693426" y="2467556"/>
+            <a:ext cx="685799" cy="685799"/>
+          </a:xfrm>
+          <a:prstGeom prst="ellipse">
+            <a:avLst/>
+          </a:prstGeom>
+          <a:ln w="38100">
+            <a:solidFill>
+              <a:schemeClr val="tx1"/>
+            </a:solidFill>
+          </a:ln>
+        </p:spPr>
+        <p:style>
+          <a:lnRef idx="2">
+            <a:schemeClr val="accent1">
+              <a:shade val="50000"/>
+            </a:schemeClr>
+          </a:lnRef>
+          <a:fillRef idx="1">
+            <a:schemeClr val="accent1"/>
+          </a:fillRef>
+          <a:effectRef idx="0">
+            <a:schemeClr val="accent1"/>
+          </a:effectRef>
+          <a:fontRef idx="minor">
+            <a:schemeClr val="lt1"/>
+          </a:fontRef>
+        </p:style>
+        <p:txBody>
+          <a:bodyPr rtlCol="0" anchor="ctr"/>
+          <a:lstStyle/>
+          <a:p>
+            <a:pPr algn="ctr"/>
+            <a:endParaRPr lang="en-US"/>
+          </a:p>
+        </p:txBody>
+      </p:sp>
+      <p:sp>
+        <p:nvSpPr>
+          <p:cNvPr id="61" name="Oval 60">
+            <a:extLst>
+              <a:ext uri="{FF2B5EF4-FFF2-40B4-BE49-F238E27FC236}">
+                <a16:creationId xmlns:a16="http://schemas.microsoft.com/office/drawing/2014/main" id="{30904C4A-E598-4BAE-9602-942368CB6170}"/>
+              </a:ext>
+            </a:extLst>
+          </p:cNvPr>
+          <p:cNvSpPr/>
+          <p:nvPr/>
+        </p:nvSpPr>
+        <p:spPr>
+          <a:xfrm>
+            <a:off x="2831077" y="2467556"/>
+            <a:ext cx="685799" cy="685799"/>
+          </a:xfrm>
+          <a:prstGeom prst="ellipse">
+            <a:avLst/>
+          </a:prstGeom>
+          <a:ln w="38100">
+            <a:solidFill>
+              <a:schemeClr val="tx1"/>
+            </a:solidFill>
+          </a:ln>
+        </p:spPr>
+        <p:style>
+          <a:lnRef idx="2">
+            <a:schemeClr val="accent1">
+              <a:shade val="50000"/>
+            </a:schemeClr>
+          </a:lnRef>
+          <a:fillRef idx="1">
+            <a:schemeClr val="accent1"/>
+          </a:fillRef>
+          <a:effectRef idx="0">
+            <a:schemeClr val="accent1"/>
+          </a:effectRef>
+          <a:fontRef idx="minor">
+            <a:schemeClr val="lt1"/>
+          </a:fontRef>
+        </p:style>
+        <p:txBody>
+          <a:bodyPr rtlCol="0" anchor="ctr"/>
+          <a:lstStyle/>
+          <a:p>
+            <a:pPr algn="ctr"/>
+            <a:endParaRPr lang="en-US"/>
+          </a:p>
+        </p:txBody>
+      </p:sp>
+      <p:sp>
+        <p:nvSpPr>
+          <p:cNvPr id="62" name="Oval 61">
+            <a:extLst>
+              <a:ext uri="{FF2B5EF4-FFF2-40B4-BE49-F238E27FC236}">
+                <a16:creationId xmlns:a16="http://schemas.microsoft.com/office/drawing/2014/main" id="{BF88F65C-6BDA-4447-910A-DE7ADEB031EB}"/>
+              </a:ext>
+            </a:extLst>
+          </p:cNvPr>
+          <p:cNvSpPr/>
+          <p:nvPr/>
+        </p:nvSpPr>
+        <p:spPr>
+          <a:xfrm>
+            <a:off x="2968728" y="2467556"/>
+            <a:ext cx="685799" cy="685799"/>
+          </a:xfrm>
+          <a:prstGeom prst="ellipse">
+            <a:avLst/>
+          </a:prstGeom>
+          <a:ln w="38100">
+            <a:solidFill>
+              <a:schemeClr val="tx1"/>
+            </a:solidFill>
+          </a:ln>
+        </p:spPr>
+        <p:style>
+          <a:lnRef idx="2">
+            <a:schemeClr val="accent1">
+              <a:shade val="50000"/>
+            </a:schemeClr>
+          </a:lnRef>
+          <a:fillRef idx="1">
+            <a:schemeClr val="accent1"/>
+          </a:fillRef>
+          <a:effectRef idx="0">
+            <a:schemeClr val="accent1"/>
+          </a:effectRef>
+          <a:fontRef idx="minor">
+            <a:schemeClr val="lt1"/>
+          </a:fontRef>
+        </p:style>
+        <p:txBody>
+          <a:bodyPr rtlCol="0" anchor="ctr"/>
+          <a:lstStyle/>
+          <a:p>
+            <a:pPr algn="ctr"/>
+            <a:endParaRPr lang="en-US"/>
+          </a:p>
+        </p:txBody>
+      </p:sp>
+      <p:sp>
+        <p:nvSpPr>
+          <p:cNvPr id="63" name="Oval 62">
+            <a:extLst>
+              <a:ext uri="{FF2B5EF4-FFF2-40B4-BE49-F238E27FC236}">
+                <a16:creationId xmlns:a16="http://schemas.microsoft.com/office/drawing/2014/main" id="{B9B1D908-FF5B-4070-B1CD-329C102578EB}"/>
+              </a:ext>
+            </a:extLst>
+          </p:cNvPr>
+          <p:cNvSpPr/>
+          <p:nvPr/>
+        </p:nvSpPr>
+        <p:spPr>
+          <a:xfrm>
+            <a:off x="3106379" y="2467556"/>
+            <a:ext cx="685799" cy="685799"/>
+          </a:xfrm>
+          <a:prstGeom prst="ellipse">
+            <a:avLst/>
+          </a:prstGeom>
+          <a:ln w="38100">
+            <a:solidFill>
+              <a:schemeClr val="tx1"/>
+            </a:solidFill>
+          </a:ln>
+        </p:spPr>
+        <p:style>
+          <a:lnRef idx="2">
+            <a:schemeClr val="accent1">
+              <a:shade val="50000"/>
+            </a:schemeClr>
+          </a:lnRef>
+          <a:fillRef idx="1">
+            <a:schemeClr val="accent1"/>
+          </a:fillRef>
+          <a:effectRef idx="0">
+            <a:schemeClr val="accent1"/>
+          </a:effectRef>
+          <a:fontRef idx="minor">
+            <a:schemeClr val="lt1"/>
+          </a:fontRef>
+        </p:style>
+        <p:txBody>
+          <a:bodyPr rtlCol="0" anchor="ctr"/>
+          <a:lstStyle/>
+          <a:p>
+            <a:pPr algn="ctr"/>
+            <a:endParaRPr lang="en-US"/>
+          </a:p>
+        </p:txBody>
+      </p:sp>
+      <p:sp>
+        <p:nvSpPr>
+          <p:cNvPr id="64" name="Oval 63">
+            <a:extLst>
+              <a:ext uri="{FF2B5EF4-FFF2-40B4-BE49-F238E27FC236}">
+                <a16:creationId xmlns:a16="http://schemas.microsoft.com/office/drawing/2014/main" id="{ADE94874-93E7-4269-8445-7459B93DA53A}"/>
+              </a:ext>
+            </a:extLst>
+          </p:cNvPr>
+          <p:cNvSpPr/>
+          <p:nvPr/>
+        </p:nvSpPr>
+        <p:spPr>
+          <a:xfrm>
+            <a:off x="3241574" y="2467556"/>
+            <a:ext cx="685799" cy="685799"/>
+          </a:xfrm>
+          <a:prstGeom prst="ellipse">
+            <a:avLst/>
+          </a:prstGeom>
+          <a:ln w="38100">
+            <a:solidFill>
+              <a:schemeClr val="tx1"/>
+            </a:solidFill>
+          </a:ln>
+        </p:spPr>
+        <p:style>
+          <a:lnRef idx="2">
+            <a:schemeClr val="accent1">
+              <a:shade val="50000"/>
+            </a:schemeClr>
+          </a:lnRef>
+          <a:fillRef idx="1">
+            <a:schemeClr val="accent1"/>
+          </a:fillRef>
+          <a:effectRef idx="0">
+            <a:schemeClr val="accent1"/>
+          </a:effectRef>
+          <a:fontRef idx="minor">
+            <a:schemeClr val="lt1"/>
+          </a:fontRef>
+        </p:style>
+        <p:txBody>
+          <a:bodyPr rtlCol="0" anchor="ctr"/>
+          <a:lstStyle/>
+          <a:p>
+            <a:pPr algn="ctr"/>
+            <a:endParaRPr lang="en-US"/>
+          </a:p>
+        </p:txBody>
+      </p:sp>
+      <p:sp>
+        <p:nvSpPr>
+          <p:cNvPr id="68" name="Oval 67">
+            <a:extLst>
+              <a:ext uri="{FF2B5EF4-FFF2-40B4-BE49-F238E27FC236}">
+                <a16:creationId xmlns:a16="http://schemas.microsoft.com/office/drawing/2014/main" id="{9B622CC1-D616-40E1-B1BB-6E664A32B5FB}"/>
+              </a:ext>
+            </a:extLst>
+          </p:cNvPr>
+          <p:cNvSpPr/>
+          <p:nvPr/>
+        </p:nvSpPr>
+        <p:spPr>
+          <a:xfrm>
+            <a:off x="476251" y="6073540"/>
+            <a:ext cx="685799" cy="685799"/>
+          </a:xfrm>
+          <a:prstGeom prst="ellipse">
+            <a:avLst/>
+          </a:prstGeom>
+          <a:solidFill>
+            <a:srgbClr val="FFFF00"/>
+          </a:solidFill>
+          <a:ln w="38100">
+            <a:solidFill>
+              <a:schemeClr val="tx1"/>
+            </a:solidFill>
+          </a:ln>
+        </p:spPr>
+        <p:style>
+          <a:lnRef idx="2">
+            <a:schemeClr val="accent1">
+              <a:shade val="50000"/>
+            </a:schemeClr>
+          </a:lnRef>
+          <a:fillRef idx="1">
+            <a:schemeClr val="accent1"/>
+          </a:fillRef>
+          <a:effectRef idx="0">
+            <a:schemeClr val="accent1"/>
+          </a:effectRef>
+          <a:fontRef idx="minor">
+            <a:schemeClr val="lt1"/>
+          </a:fontRef>
+        </p:style>
+        <p:txBody>
+          <a:bodyPr rtlCol="0" anchor="ctr"/>
+          <a:lstStyle/>
+          <a:p>
+            <a:pPr algn="ctr"/>
+            <a:endParaRPr lang="en-US"/>
+          </a:p>
+        </p:txBody>
+      </p:sp>
+      <p:sp>
+        <p:nvSpPr>
+          <p:cNvPr id="69" name="Oval 68">
+            <a:extLst>
+              <a:ext uri="{FF2B5EF4-FFF2-40B4-BE49-F238E27FC236}">
+                <a16:creationId xmlns:a16="http://schemas.microsoft.com/office/drawing/2014/main" id="{79E08C63-D86F-4462-AE35-72366024FE18}"/>
+              </a:ext>
+            </a:extLst>
+          </p:cNvPr>
+          <p:cNvSpPr/>
+          <p:nvPr/>
+        </p:nvSpPr>
+        <p:spPr>
+          <a:xfrm>
+            <a:off x="613902" y="6073540"/>
+            <a:ext cx="685799" cy="685799"/>
+          </a:xfrm>
+          <a:prstGeom prst="ellipse">
+            <a:avLst/>
+          </a:prstGeom>
+          <a:solidFill>
+            <a:srgbClr val="FFFF00"/>
+          </a:solidFill>
+          <a:ln w="38100">
+            <a:solidFill>
+              <a:schemeClr val="tx1"/>
+            </a:solidFill>
+          </a:ln>
+        </p:spPr>
+        <p:style>
+          <a:lnRef idx="2">
+            <a:schemeClr val="accent1">
+              <a:shade val="50000"/>
+            </a:schemeClr>
+          </a:lnRef>
+          <a:fillRef idx="1">
+            <a:schemeClr val="accent1"/>
+          </a:fillRef>
+          <a:effectRef idx="0">
+            <a:schemeClr val="accent1"/>
+          </a:effectRef>
+          <a:fontRef idx="minor">
+            <a:schemeClr val="lt1"/>
+          </a:fontRef>
+        </p:style>
+        <p:txBody>
+          <a:bodyPr rtlCol="0" anchor="ctr"/>
+          <a:lstStyle/>
+          <a:p>
+            <a:pPr algn="ctr"/>
+            <a:endParaRPr lang="en-US"/>
+          </a:p>
+        </p:txBody>
+      </p:sp>
+      <p:sp>
+        <p:nvSpPr>
+          <p:cNvPr id="70" name="Oval 69">
+            <a:extLst>
+              <a:ext uri="{FF2B5EF4-FFF2-40B4-BE49-F238E27FC236}">
+                <a16:creationId xmlns:a16="http://schemas.microsoft.com/office/drawing/2014/main" id="{AD287BC2-83F9-4559-8854-5ED369B993FE}"/>
+              </a:ext>
+            </a:extLst>
+          </p:cNvPr>
+          <p:cNvSpPr/>
+          <p:nvPr/>
+        </p:nvSpPr>
+        <p:spPr>
+          <a:xfrm>
+            <a:off x="751553" y="6073540"/>
+            <a:ext cx="685799" cy="685799"/>
+          </a:xfrm>
+          <a:prstGeom prst="ellipse">
+            <a:avLst/>
+          </a:prstGeom>
+          <a:solidFill>
+            <a:srgbClr val="FFFF00"/>
+          </a:solidFill>
+          <a:ln w="38100">
+            <a:solidFill>
+              <a:schemeClr val="tx1"/>
+            </a:solidFill>
+          </a:ln>
+        </p:spPr>
+        <p:style>
+          <a:lnRef idx="2">
+            <a:schemeClr val="accent1">
+              <a:shade val="50000"/>
+            </a:schemeClr>
+          </a:lnRef>
+          <a:fillRef idx="1">
+            <a:schemeClr val="accent1"/>
+          </a:fillRef>
+          <a:effectRef idx="0">
+            <a:schemeClr val="accent1"/>
+          </a:effectRef>
+          <a:fontRef idx="minor">
+            <a:schemeClr val="lt1"/>
+          </a:fontRef>
+        </p:style>
+        <p:txBody>
+          <a:bodyPr rtlCol="0" anchor="ctr"/>
+          <a:lstStyle/>
+          <a:p>
+            <a:pPr algn="ctr"/>
+            <a:endParaRPr lang="en-US"/>
+          </a:p>
+        </p:txBody>
+      </p:sp>
+      <p:sp>
+        <p:nvSpPr>
+          <p:cNvPr id="71" name="Oval 70">
+            <a:extLst>
+              <a:ext uri="{FF2B5EF4-FFF2-40B4-BE49-F238E27FC236}">
+                <a16:creationId xmlns:a16="http://schemas.microsoft.com/office/drawing/2014/main" id="{F49F860D-5978-4F00-9B6B-E7AF8DF77F1C}"/>
+              </a:ext>
+            </a:extLst>
+          </p:cNvPr>
+          <p:cNvSpPr/>
+          <p:nvPr/>
+        </p:nvSpPr>
+        <p:spPr>
+          <a:xfrm>
+            <a:off x="889204" y="6073540"/>
+            <a:ext cx="685799" cy="685799"/>
+          </a:xfrm>
+          <a:prstGeom prst="ellipse">
+            <a:avLst/>
+          </a:prstGeom>
+          <a:solidFill>
+            <a:srgbClr val="FFFF00"/>
+          </a:solidFill>
+          <a:ln w="38100">
+            <a:solidFill>
+              <a:schemeClr val="tx1"/>
+            </a:solidFill>
+          </a:ln>
+        </p:spPr>
+        <p:style>
+          <a:lnRef idx="2">
+            <a:schemeClr val="accent1">
+              <a:shade val="50000"/>
+            </a:schemeClr>
+          </a:lnRef>
+          <a:fillRef idx="1">
+            <a:schemeClr val="accent1"/>
+          </a:fillRef>
+          <a:effectRef idx="0">
+            <a:schemeClr val="accent1"/>
+          </a:effectRef>
+          <a:fontRef idx="minor">
+            <a:schemeClr val="lt1"/>
+          </a:fontRef>
+        </p:style>
+        <p:txBody>
+          <a:bodyPr rtlCol="0" anchor="ctr"/>
+          <a:lstStyle/>
+          <a:p>
+            <a:pPr algn="ctr"/>
+            <a:endParaRPr lang="en-US"/>
+          </a:p>
+        </p:txBody>
+      </p:sp>
+      <p:sp>
+        <p:nvSpPr>
+          <p:cNvPr id="72" name="Oval 71">
+            <a:extLst>
+              <a:ext uri="{FF2B5EF4-FFF2-40B4-BE49-F238E27FC236}">
+                <a16:creationId xmlns:a16="http://schemas.microsoft.com/office/drawing/2014/main" id="{ABD990F9-109E-4496-89AD-2CD966E8059C}"/>
+              </a:ext>
+            </a:extLst>
+          </p:cNvPr>
+          <p:cNvSpPr/>
+          <p:nvPr/>
+        </p:nvSpPr>
+        <p:spPr>
+          <a:xfrm>
+            <a:off x="1026855" y="6073540"/>
+            <a:ext cx="685799" cy="685799"/>
+          </a:xfrm>
+          <a:prstGeom prst="ellipse">
+            <a:avLst/>
+          </a:prstGeom>
+          <a:solidFill>
+            <a:srgbClr val="FFFF00"/>
+          </a:solidFill>
+          <a:ln w="38100">
+            <a:solidFill>
+              <a:schemeClr val="tx1"/>
+            </a:solidFill>
+          </a:ln>
+        </p:spPr>
+        <p:style>
+          <a:lnRef idx="2">
+            <a:schemeClr val="accent1">
+              <a:shade val="50000"/>
+            </a:schemeClr>
+          </a:lnRef>
+          <a:fillRef idx="1">
+            <a:schemeClr val="accent1"/>
+          </a:fillRef>
+          <a:effectRef idx="0">
+            <a:schemeClr val="accent1"/>
+          </a:effectRef>
+          <a:fontRef idx="minor">
+            <a:schemeClr val="lt1"/>
+          </a:fontRef>
+        </p:style>
+        <p:txBody>
+          <a:bodyPr rtlCol="0" anchor="ctr"/>
+          <a:lstStyle/>
+          <a:p>
+            <a:pPr algn="ctr"/>
+            <a:endParaRPr lang="en-US"/>
+          </a:p>
+        </p:txBody>
+      </p:sp>
+      <p:sp>
+        <p:nvSpPr>
+          <p:cNvPr id="73" name="Oval 72">
+            <a:extLst>
+              <a:ext uri="{FF2B5EF4-FFF2-40B4-BE49-F238E27FC236}">
+                <a16:creationId xmlns:a16="http://schemas.microsoft.com/office/drawing/2014/main" id="{C38BAB3E-866D-4DAC-A769-AC3C06D695C5}"/>
+              </a:ext>
+            </a:extLst>
+          </p:cNvPr>
+          <p:cNvSpPr/>
+          <p:nvPr/>
+        </p:nvSpPr>
+        <p:spPr>
+          <a:xfrm>
+            <a:off x="1164506" y="6073540"/>
+            <a:ext cx="685799" cy="685799"/>
+          </a:xfrm>
+          <a:prstGeom prst="ellipse">
+            <a:avLst/>
+          </a:prstGeom>
+          <a:solidFill>
+            <a:srgbClr val="FFFF00"/>
+          </a:solidFill>
+          <a:ln w="38100">
+            <a:solidFill>
+              <a:schemeClr val="tx1"/>
+            </a:solidFill>
+          </a:ln>
+        </p:spPr>
+        <p:style>
+          <a:lnRef idx="2">
+            <a:schemeClr val="accent1">
+              <a:shade val="50000"/>
+            </a:schemeClr>
+          </a:lnRef>
+          <a:fillRef idx="1">
+            <a:schemeClr val="accent1"/>
+          </a:fillRef>
+          <a:effectRef idx="0">
+            <a:schemeClr val="accent1"/>
+          </a:effectRef>
+          <a:fontRef idx="minor">
+            <a:schemeClr val="lt1"/>
+          </a:fontRef>
+        </p:style>
+        <p:txBody>
+          <a:bodyPr rtlCol="0" anchor="ctr"/>
+          <a:lstStyle/>
+          <a:p>
+            <a:pPr algn="ctr"/>
+            <a:endParaRPr lang="en-US"/>
+          </a:p>
+        </p:txBody>
+      </p:sp>
+      <p:sp>
+        <p:nvSpPr>
+          <p:cNvPr id="74" name="Oval 73">
+            <a:extLst>
+              <a:ext uri="{FF2B5EF4-FFF2-40B4-BE49-F238E27FC236}">
+                <a16:creationId xmlns:a16="http://schemas.microsoft.com/office/drawing/2014/main" id="{808301BF-F57B-45C0-9AF8-B5E92E4CF286}"/>
+              </a:ext>
+            </a:extLst>
+          </p:cNvPr>
+          <p:cNvSpPr/>
+          <p:nvPr/>
+        </p:nvSpPr>
+        <p:spPr>
+          <a:xfrm>
+            <a:off x="1302157" y="6073540"/>
+            <a:ext cx="685799" cy="685799"/>
+          </a:xfrm>
+          <a:prstGeom prst="ellipse">
+            <a:avLst/>
+          </a:prstGeom>
+          <a:solidFill>
+            <a:srgbClr val="FFFF00"/>
+          </a:solidFill>
+          <a:ln w="38100">
+            <a:solidFill>
+              <a:schemeClr val="tx1"/>
+            </a:solidFill>
+          </a:ln>
+        </p:spPr>
+        <p:style>
+          <a:lnRef idx="2">
+            <a:schemeClr val="accent1">
+              <a:shade val="50000"/>
+            </a:schemeClr>
+          </a:lnRef>
+          <a:fillRef idx="1">
+            <a:schemeClr val="accent1"/>
+          </a:fillRef>
+          <a:effectRef idx="0">
+            <a:schemeClr val="accent1"/>
+          </a:effectRef>
+          <a:fontRef idx="minor">
+            <a:schemeClr val="lt1"/>
+          </a:fontRef>
+        </p:style>
+        <p:txBody>
+          <a:bodyPr rtlCol="0" anchor="ctr"/>
+          <a:lstStyle/>
+          <a:p>
+            <a:pPr algn="ctr"/>
+            <a:endParaRPr lang="en-US"/>
+          </a:p>
+        </p:txBody>
+      </p:sp>
+      <p:sp>
+        <p:nvSpPr>
+          <p:cNvPr id="75" name="Oval 74">
+            <a:extLst>
+              <a:ext uri="{FF2B5EF4-FFF2-40B4-BE49-F238E27FC236}">
+                <a16:creationId xmlns:a16="http://schemas.microsoft.com/office/drawing/2014/main" id="{5E8682E4-06E1-4FC0-A447-80944D067150}"/>
+              </a:ext>
+            </a:extLst>
+          </p:cNvPr>
+          <p:cNvSpPr/>
+          <p:nvPr/>
+        </p:nvSpPr>
+        <p:spPr>
+          <a:xfrm>
+            <a:off x="1439808" y="6073540"/>
+            <a:ext cx="685799" cy="685799"/>
+          </a:xfrm>
+          <a:prstGeom prst="ellipse">
+            <a:avLst/>
+          </a:prstGeom>
+          <a:solidFill>
+            <a:srgbClr val="FFFF00"/>
+          </a:solidFill>
+          <a:ln w="38100">
+            <a:solidFill>
+              <a:schemeClr val="tx1"/>
+            </a:solidFill>
+          </a:ln>
+        </p:spPr>
+        <p:style>
+          <a:lnRef idx="2">
+            <a:schemeClr val="accent1">
+              <a:shade val="50000"/>
+            </a:schemeClr>
+          </a:lnRef>
+          <a:fillRef idx="1">
+            <a:schemeClr val="accent1"/>
+          </a:fillRef>
+          <a:effectRef idx="0">
+            <a:schemeClr val="accent1"/>
+          </a:effectRef>
+          <a:fontRef idx="minor">
+            <a:schemeClr val="lt1"/>
+          </a:fontRef>
+        </p:style>
+        <p:txBody>
+          <a:bodyPr rtlCol="0" anchor="ctr"/>
+          <a:lstStyle/>
+          <a:p>
+            <a:pPr algn="ctr"/>
+            <a:endParaRPr lang="en-US"/>
+          </a:p>
+        </p:txBody>
+      </p:sp>
+      <p:sp>
+        <p:nvSpPr>
+          <p:cNvPr id="76" name="Oval 75">
+            <a:extLst>
+              <a:ext uri="{FF2B5EF4-FFF2-40B4-BE49-F238E27FC236}">
+                <a16:creationId xmlns:a16="http://schemas.microsoft.com/office/drawing/2014/main" id="{87F337D1-F364-45B4-9237-761DA0C144B1}"/>
+              </a:ext>
+            </a:extLst>
+          </p:cNvPr>
+          <p:cNvSpPr/>
+          <p:nvPr/>
+        </p:nvSpPr>
+        <p:spPr>
+          <a:xfrm>
+            <a:off x="1575003" y="6073540"/>
+            <a:ext cx="685799" cy="685799"/>
+          </a:xfrm>
+          <a:prstGeom prst="ellipse">
+            <a:avLst/>
+          </a:prstGeom>
+          <a:solidFill>
+            <a:srgbClr val="FFFF00"/>
+          </a:solidFill>
+          <a:ln w="38100">
+            <a:solidFill>
+              <a:schemeClr val="tx1"/>
+            </a:solidFill>
+          </a:ln>
+        </p:spPr>
+        <p:style>
+          <a:lnRef idx="2">
+            <a:schemeClr val="accent1">
+              <a:shade val="50000"/>
+            </a:schemeClr>
+          </a:lnRef>
+          <a:fillRef idx="1">
+            <a:schemeClr val="accent1"/>
+          </a:fillRef>
+          <a:effectRef idx="0">
+            <a:schemeClr val="accent1"/>
+          </a:effectRef>
+          <a:fontRef idx="minor">
+            <a:schemeClr val="lt1"/>
+          </a:fontRef>
+        </p:style>
+        <p:txBody>
+          <a:bodyPr rtlCol="0" anchor="ctr"/>
+          <a:lstStyle/>
+          <a:p>
+            <a:pPr algn="ctr"/>
+            <a:endParaRPr lang="en-US"/>
+          </a:p>
+        </p:txBody>
+      </p:sp>
+      <p:sp>
+        <p:nvSpPr>
+          <p:cNvPr id="77" name="Oval 76">
+            <a:extLst>
+              <a:ext uri="{FF2B5EF4-FFF2-40B4-BE49-F238E27FC236}">
+                <a16:creationId xmlns:a16="http://schemas.microsoft.com/office/drawing/2014/main" id="{724016F3-D013-42C1-BE60-0DE4557D6FF1}"/>
+              </a:ext>
+            </a:extLst>
+          </p:cNvPr>
+          <p:cNvSpPr/>
+          <p:nvPr/>
+        </p:nvSpPr>
+        <p:spPr>
+          <a:xfrm>
+            <a:off x="1712654" y="6073540"/>
+            <a:ext cx="685799" cy="685799"/>
+          </a:xfrm>
+          <a:prstGeom prst="ellipse">
+            <a:avLst/>
+          </a:prstGeom>
+          <a:solidFill>
+            <a:srgbClr val="FFFF00"/>
+          </a:solidFill>
+          <a:ln w="38100">
+            <a:solidFill>
+              <a:schemeClr val="tx1"/>
+            </a:solidFill>
+          </a:ln>
+        </p:spPr>
+        <p:style>
+          <a:lnRef idx="2">
+            <a:schemeClr val="accent1">
+              <a:shade val="50000"/>
+            </a:schemeClr>
+          </a:lnRef>
+          <a:fillRef idx="1">
+            <a:schemeClr val="accent1"/>
+          </a:fillRef>
+          <a:effectRef idx="0">
+            <a:schemeClr val="accent1"/>
+          </a:effectRef>
+          <a:fontRef idx="minor">
+            <a:schemeClr val="lt1"/>
+          </a:fontRef>
+        </p:style>
+        <p:txBody>
+          <a:bodyPr rtlCol="0" anchor="ctr"/>
+          <a:lstStyle/>
+          <a:p>
+            <a:pPr algn="ctr"/>
+            <a:endParaRPr lang="en-US"/>
+          </a:p>
+        </p:txBody>
+      </p:sp>
+      <p:sp>
+        <p:nvSpPr>
+          <p:cNvPr id="78" name="Oval 77">
+            <a:extLst>
+              <a:ext uri="{FF2B5EF4-FFF2-40B4-BE49-F238E27FC236}">
+                <a16:creationId xmlns:a16="http://schemas.microsoft.com/office/drawing/2014/main" id="{B9CA32BD-B8C4-4CED-A8ED-42BFDB48BD85}"/>
+              </a:ext>
+            </a:extLst>
+          </p:cNvPr>
+          <p:cNvSpPr/>
+          <p:nvPr/>
+        </p:nvSpPr>
+        <p:spPr>
+          <a:xfrm>
+            <a:off x="1850305" y="6073540"/>
+            <a:ext cx="685799" cy="685799"/>
+          </a:xfrm>
+          <a:prstGeom prst="ellipse">
+            <a:avLst/>
+          </a:prstGeom>
+          <a:solidFill>
+            <a:srgbClr val="FFFF00"/>
+          </a:solidFill>
+          <a:ln w="38100">
+            <a:solidFill>
+              <a:schemeClr val="tx1"/>
+            </a:solidFill>
+          </a:ln>
+        </p:spPr>
+        <p:style>
+          <a:lnRef idx="2">
+            <a:schemeClr val="accent1">
+              <a:shade val="50000"/>
+            </a:schemeClr>
+          </a:lnRef>
+          <a:fillRef idx="1">
+            <a:schemeClr val="accent1"/>
+          </a:fillRef>
+          <a:effectRef idx="0">
+            <a:schemeClr val="accent1"/>
+          </a:effectRef>
+          <a:fontRef idx="minor">
+            <a:schemeClr val="lt1"/>
+          </a:fontRef>
+        </p:style>
+        <p:txBody>
+          <a:bodyPr rtlCol="0" anchor="ctr"/>
+          <a:lstStyle/>
+          <a:p>
+            <a:pPr algn="ctr"/>
+            <a:endParaRPr lang="en-US"/>
+          </a:p>
+        </p:txBody>
+      </p:sp>
+      <p:sp>
+        <p:nvSpPr>
+          <p:cNvPr id="79" name="Oval 78">
+            <a:extLst>
+              <a:ext uri="{FF2B5EF4-FFF2-40B4-BE49-F238E27FC236}">
+                <a16:creationId xmlns:a16="http://schemas.microsoft.com/office/drawing/2014/main" id="{31213D7C-E5BD-41EA-83AD-DF4875A8FEFA}"/>
+              </a:ext>
+            </a:extLst>
+          </p:cNvPr>
+          <p:cNvSpPr/>
+          <p:nvPr/>
+        </p:nvSpPr>
+        <p:spPr>
+          <a:xfrm>
+            <a:off x="1987956" y="6073540"/>
+            <a:ext cx="685799" cy="685799"/>
+          </a:xfrm>
+          <a:prstGeom prst="ellipse">
+            <a:avLst/>
+          </a:prstGeom>
+          <a:solidFill>
+            <a:srgbClr val="FFFF00"/>
+          </a:solidFill>
+          <a:ln w="38100">
+            <a:solidFill>
+              <a:schemeClr val="tx1"/>
+            </a:solidFill>
+          </a:ln>
+        </p:spPr>
+        <p:style>
+          <a:lnRef idx="2">
+            <a:schemeClr val="accent1">
+              <a:shade val="50000"/>
+            </a:schemeClr>
+          </a:lnRef>
+          <a:fillRef idx="1">
+            <a:schemeClr val="accent1"/>
+          </a:fillRef>
+          <a:effectRef idx="0">
+            <a:schemeClr val="accent1"/>
+          </a:effectRef>
+          <a:fontRef idx="minor">
+            <a:schemeClr val="lt1"/>
+          </a:fontRef>
+        </p:style>
+        <p:txBody>
+          <a:bodyPr rtlCol="0" anchor="ctr"/>
+          <a:lstStyle/>
+          <a:p>
+            <a:pPr algn="ctr"/>
+            <a:endParaRPr lang="en-US"/>
+          </a:p>
+        </p:txBody>
+      </p:sp>
+      <p:sp>
+        <p:nvSpPr>
+          <p:cNvPr id="80" name="Oval 79">
+            <a:extLst>
+              <a:ext uri="{FF2B5EF4-FFF2-40B4-BE49-F238E27FC236}">
+                <a16:creationId xmlns:a16="http://schemas.microsoft.com/office/drawing/2014/main" id="{2D0833F5-1173-41D2-A4BB-CC447CB0C858}"/>
+              </a:ext>
+            </a:extLst>
+          </p:cNvPr>
+          <p:cNvSpPr/>
+          <p:nvPr/>
+        </p:nvSpPr>
+        <p:spPr>
+          <a:xfrm>
+            <a:off x="2142822" y="6073540"/>
+            <a:ext cx="685799" cy="685799"/>
+          </a:xfrm>
+          <a:prstGeom prst="ellipse">
+            <a:avLst/>
+          </a:prstGeom>
+          <a:solidFill>
+            <a:srgbClr val="FFFF00"/>
+          </a:solidFill>
+          <a:ln w="38100">
+            <a:solidFill>
+              <a:schemeClr val="tx1"/>
+            </a:solidFill>
+          </a:ln>
+        </p:spPr>
+        <p:style>
+          <a:lnRef idx="2">
+            <a:schemeClr val="accent1">
+              <a:shade val="50000"/>
+            </a:schemeClr>
+          </a:lnRef>
+          <a:fillRef idx="1">
+            <a:schemeClr val="accent1"/>
+          </a:fillRef>
+          <a:effectRef idx="0">
+            <a:schemeClr val="accent1"/>
+          </a:effectRef>
+          <a:fontRef idx="minor">
+            <a:schemeClr val="lt1"/>
+          </a:fontRef>
+        </p:style>
+        <p:txBody>
+          <a:bodyPr rtlCol="0" anchor="ctr"/>
+          <a:lstStyle/>
+          <a:p>
+            <a:pPr algn="ctr"/>
+            <a:endParaRPr lang="en-US"/>
+          </a:p>
+        </p:txBody>
+      </p:sp>
+      <p:sp>
+        <p:nvSpPr>
+          <p:cNvPr id="81" name="Oval 80">
+            <a:extLst>
+              <a:ext uri="{FF2B5EF4-FFF2-40B4-BE49-F238E27FC236}">
+                <a16:creationId xmlns:a16="http://schemas.microsoft.com/office/drawing/2014/main" id="{F3962017-12D6-4470-B7ED-781220E0375C}"/>
+              </a:ext>
+            </a:extLst>
+          </p:cNvPr>
+          <p:cNvSpPr/>
+          <p:nvPr/>
+        </p:nvSpPr>
+        <p:spPr>
+          <a:xfrm>
+            <a:off x="2280473" y="6073540"/>
+            <a:ext cx="685799" cy="685799"/>
+          </a:xfrm>
+          <a:prstGeom prst="ellipse">
+            <a:avLst/>
+          </a:prstGeom>
+          <a:solidFill>
+            <a:srgbClr val="FFFF00"/>
+          </a:solidFill>
+          <a:ln w="38100">
+            <a:solidFill>
+              <a:schemeClr val="tx1"/>
+            </a:solidFill>
+          </a:ln>
+        </p:spPr>
+        <p:style>
+          <a:lnRef idx="2">
+            <a:schemeClr val="accent1">
+              <a:shade val="50000"/>
+            </a:schemeClr>
+          </a:lnRef>
+          <a:fillRef idx="1">
+            <a:schemeClr val="accent1"/>
+          </a:fillRef>
+          <a:effectRef idx="0">
+            <a:schemeClr val="accent1"/>
+          </a:effectRef>
+          <a:fontRef idx="minor">
+            <a:schemeClr val="lt1"/>
+          </a:fontRef>
+        </p:style>
+        <p:txBody>
+          <a:bodyPr rtlCol="0" anchor="ctr"/>
+          <a:lstStyle/>
+          <a:p>
+            <a:pPr algn="ctr"/>
+            <a:endParaRPr lang="en-US"/>
+          </a:p>
+        </p:txBody>
+      </p:sp>
+      <p:sp>
+        <p:nvSpPr>
+          <p:cNvPr id="82" name="Oval 81">
+            <a:extLst>
+              <a:ext uri="{FF2B5EF4-FFF2-40B4-BE49-F238E27FC236}">
+                <a16:creationId xmlns:a16="http://schemas.microsoft.com/office/drawing/2014/main" id="{79391DE6-6FB1-4B47-AA2A-CE26A461E1D9}"/>
+              </a:ext>
+            </a:extLst>
+          </p:cNvPr>
+          <p:cNvSpPr/>
+          <p:nvPr/>
+        </p:nvSpPr>
+        <p:spPr>
+          <a:xfrm>
+            <a:off x="2418124" y="6073540"/>
+            <a:ext cx="685799" cy="685799"/>
+          </a:xfrm>
+          <a:prstGeom prst="ellipse">
+            <a:avLst/>
+          </a:prstGeom>
+          <a:solidFill>
+            <a:srgbClr val="FFFF00"/>
+          </a:solidFill>
+          <a:ln w="38100">
+            <a:solidFill>
+              <a:schemeClr val="tx1"/>
+            </a:solidFill>
+          </a:ln>
+        </p:spPr>
+        <p:style>
+          <a:lnRef idx="2">
+            <a:schemeClr val="accent1">
+              <a:shade val="50000"/>
+            </a:schemeClr>
+          </a:lnRef>
+          <a:fillRef idx="1">
+            <a:schemeClr val="accent1"/>
+          </a:fillRef>
+          <a:effectRef idx="0">
+            <a:schemeClr val="accent1"/>
+          </a:effectRef>
+          <a:fontRef idx="minor">
+            <a:schemeClr val="lt1"/>
+          </a:fontRef>
+        </p:style>
+        <p:txBody>
+          <a:bodyPr rtlCol="0" anchor="ctr"/>
+          <a:lstStyle/>
+          <a:p>
+            <a:pPr algn="ctr"/>
+            <a:endParaRPr lang="en-US"/>
+          </a:p>
+        </p:txBody>
+      </p:sp>
+      <p:sp>
+        <p:nvSpPr>
+          <p:cNvPr id="83" name="Oval 82">
+            <a:extLst>
+              <a:ext uri="{FF2B5EF4-FFF2-40B4-BE49-F238E27FC236}">
+                <a16:creationId xmlns:a16="http://schemas.microsoft.com/office/drawing/2014/main" id="{43DB06FD-6105-4C15-BA90-06765B72C9CB}"/>
+              </a:ext>
+            </a:extLst>
+          </p:cNvPr>
+          <p:cNvSpPr/>
+          <p:nvPr/>
+        </p:nvSpPr>
+        <p:spPr>
+          <a:xfrm>
+            <a:off x="2555775" y="6073540"/>
+            <a:ext cx="685799" cy="685799"/>
+          </a:xfrm>
+          <a:prstGeom prst="ellipse">
+            <a:avLst/>
+          </a:prstGeom>
+          <a:solidFill>
+            <a:srgbClr val="FFFF00"/>
+          </a:solidFill>
+          <a:ln w="38100">
+            <a:solidFill>
+              <a:schemeClr val="tx1"/>
+            </a:solidFill>
+          </a:ln>
+        </p:spPr>
+        <p:style>
+          <a:lnRef idx="2">
+            <a:schemeClr val="accent1">
+              <a:shade val="50000"/>
+            </a:schemeClr>
+          </a:lnRef>
+          <a:fillRef idx="1">
+            <a:schemeClr val="accent1"/>
+          </a:fillRef>
+          <a:effectRef idx="0">
+            <a:schemeClr val="accent1"/>
+          </a:effectRef>
+          <a:fontRef idx="minor">
+            <a:schemeClr val="lt1"/>
+          </a:fontRef>
+        </p:style>
+        <p:txBody>
+          <a:bodyPr rtlCol="0" anchor="ctr"/>
+          <a:lstStyle/>
+          <a:p>
+            <a:pPr algn="ctr"/>
+            <a:endParaRPr lang="en-US"/>
+          </a:p>
+        </p:txBody>
+      </p:sp>
+      <p:sp>
+        <p:nvSpPr>
+          <p:cNvPr id="84" name="Oval 83">
+            <a:extLst>
+              <a:ext uri="{FF2B5EF4-FFF2-40B4-BE49-F238E27FC236}">
+                <a16:creationId xmlns:a16="http://schemas.microsoft.com/office/drawing/2014/main" id="{372A1A54-3A7C-4F51-9281-1987D215CFFF}"/>
+              </a:ext>
+            </a:extLst>
+          </p:cNvPr>
+          <p:cNvSpPr/>
+          <p:nvPr/>
+        </p:nvSpPr>
+        <p:spPr>
+          <a:xfrm>
+            <a:off x="2693426" y="6073540"/>
+            <a:ext cx="685799" cy="685799"/>
+          </a:xfrm>
+          <a:prstGeom prst="ellipse">
+            <a:avLst/>
+          </a:prstGeom>
+          <a:solidFill>
+            <a:srgbClr val="FFFF00"/>
+          </a:solidFill>
+          <a:ln w="38100">
+            <a:solidFill>
+              <a:schemeClr val="tx1"/>
+            </a:solidFill>
+          </a:ln>
+        </p:spPr>
+        <p:style>
+          <a:lnRef idx="2">
+            <a:schemeClr val="accent1">
+              <a:shade val="50000"/>
+            </a:schemeClr>
+          </a:lnRef>
+          <a:fillRef idx="1">
+            <a:schemeClr val="accent1"/>
+          </a:fillRef>
+          <a:effectRef idx="0">
+            <a:schemeClr val="accent1"/>
+          </a:effectRef>
+          <a:fontRef idx="minor">
+            <a:schemeClr val="lt1"/>
+          </a:fontRef>
+        </p:style>
+        <p:txBody>
+          <a:bodyPr rtlCol="0" anchor="ctr"/>
+          <a:lstStyle/>
+          <a:p>
+            <a:pPr algn="ctr"/>
+            <a:endParaRPr lang="en-US"/>
+          </a:p>
+        </p:txBody>
+      </p:sp>
+      <p:sp>
+        <p:nvSpPr>
+          <p:cNvPr id="85" name="Oval 84">
+            <a:extLst>
+              <a:ext uri="{FF2B5EF4-FFF2-40B4-BE49-F238E27FC236}">
+                <a16:creationId xmlns:a16="http://schemas.microsoft.com/office/drawing/2014/main" id="{8A79C4CF-CB06-4985-AC74-9A81F51F9548}"/>
+              </a:ext>
+            </a:extLst>
+          </p:cNvPr>
+          <p:cNvSpPr/>
+          <p:nvPr/>
+        </p:nvSpPr>
+        <p:spPr>
+          <a:xfrm>
+            <a:off x="2831077" y="6073540"/>
+            <a:ext cx="685799" cy="685799"/>
+          </a:xfrm>
+          <a:prstGeom prst="ellipse">
+            <a:avLst/>
+          </a:prstGeom>
+          <a:solidFill>
+            <a:srgbClr val="FFFF00"/>
+          </a:solidFill>
+          <a:ln w="38100">
+            <a:solidFill>
+              <a:schemeClr val="tx1"/>
+            </a:solidFill>
+          </a:ln>
+        </p:spPr>
+        <p:style>
+          <a:lnRef idx="2">
+            <a:schemeClr val="accent1">
+              <a:shade val="50000"/>
+            </a:schemeClr>
+          </a:lnRef>
+          <a:fillRef idx="1">
+            <a:schemeClr val="accent1"/>
+          </a:fillRef>
+          <a:effectRef idx="0">
+            <a:schemeClr val="accent1"/>
+          </a:effectRef>
+          <a:fontRef idx="minor">
+            <a:schemeClr val="lt1"/>
+          </a:fontRef>
+        </p:style>
+        <p:txBody>
+          <a:bodyPr rtlCol="0" anchor="ctr"/>
+          <a:lstStyle/>
+          <a:p>
+            <a:pPr algn="ctr"/>
+            <a:endParaRPr lang="en-US"/>
+          </a:p>
+        </p:txBody>
+      </p:sp>
+      <p:sp>
+        <p:nvSpPr>
+          <p:cNvPr id="86" name="Oval 85">
+            <a:extLst>
+              <a:ext uri="{FF2B5EF4-FFF2-40B4-BE49-F238E27FC236}">
+                <a16:creationId xmlns:a16="http://schemas.microsoft.com/office/drawing/2014/main" id="{22C0FAC7-3FA3-4A80-BB9E-983D1306971D}"/>
+              </a:ext>
+            </a:extLst>
+          </p:cNvPr>
+          <p:cNvSpPr/>
+          <p:nvPr/>
+        </p:nvSpPr>
+        <p:spPr>
+          <a:xfrm>
+            <a:off x="2968728" y="6073540"/>
+            <a:ext cx="685799" cy="685799"/>
+          </a:xfrm>
+          <a:prstGeom prst="ellipse">
+            <a:avLst/>
+          </a:prstGeom>
+          <a:solidFill>
+            <a:srgbClr val="FFFF00"/>
+          </a:solidFill>
+          <a:ln w="38100">
+            <a:solidFill>
+              <a:schemeClr val="tx1"/>
+            </a:solidFill>
+          </a:ln>
+        </p:spPr>
+        <p:style>
+          <a:lnRef idx="2">
+            <a:schemeClr val="accent1">
+              <a:shade val="50000"/>
+            </a:schemeClr>
+          </a:lnRef>
+          <a:fillRef idx="1">
+            <a:schemeClr val="accent1"/>
+          </a:fillRef>
+          <a:effectRef idx="0">
+            <a:schemeClr val="accent1"/>
+          </a:effectRef>
+          <a:fontRef idx="minor">
+            <a:schemeClr val="lt1"/>
+          </a:fontRef>
+        </p:style>
+        <p:txBody>
+          <a:bodyPr rtlCol="0" anchor="ctr"/>
+          <a:lstStyle/>
+          <a:p>
+            <a:pPr algn="ctr"/>
+            <a:endParaRPr lang="en-US"/>
+          </a:p>
+        </p:txBody>
+      </p:sp>
+      <p:sp>
+        <p:nvSpPr>
+          <p:cNvPr id="87" name="Oval 86">
+            <a:extLst>
+              <a:ext uri="{FF2B5EF4-FFF2-40B4-BE49-F238E27FC236}">
+                <a16:creationId xmlns:a16="http://schemas.microsoft.com/office/drawing/2014/main" id="{B7F4DBB7-14B7-469E-8B12-C9CD62B00705}"/>
+              </a:ext>
+            </a:extLst>
+          </p:cNvPr>
+          <p:cNvSpPr/>
+          <p:nvPr/>
+        </p:nvSpPr>
+        <p:spPr>
+          <a:xfrm>
+            <a:off x="3106379" y="6073540"/>
+            <a:ext cx="685799" cy="685799"/>
+          </a:xfrm>
+          <a:prstGeom prst="ellipse">
+            <a:avLst/>
+          </a:prstGeom>
+          <a:solidFill>
+            <a:srgbClr val="FFFF00"/>
+          </a:solidFill>
+          <a:ln w="38100">
+            <a:solidFill>
+              <a:schemeClr val="tx1"/>
+            </a:solidFill>
+          </a:ln>
+        </p:spPr>
+        <p:style>
+          <a:lnRef idx="2">
+            <a:schemeClr val="accent1">
+              <a:shade val="50000"/>
+            </a:schemeClr>
+          </a:lnRef>
+          <a:fillRef idx="1">
+            <a:schemeClr val="accent1"/>
+          </a:fillRef>
+          <a:effectRef idx="0">
+            <a:schemeClr val="accent1"/>
+          </a:effectRef>
+          <a:fontRef idx="minor">
+            <a:schemeClr val="lt1"/>
+          </a:fontRef>
+        </p:style>
+        <p:txBody>
+          <a:bodyPr rtlCol="0" anchor="ctr"/>
+          <a:lstStyle/>
+          <a:p>
+            <a:pPr algn="ctr"/>
+            <a:endParaRPr lang="en-US"/>
+          </a:p>
+        </p:txBody>
+      </p:sp>
+      <p:sp>
+        <p:nvSpPr>
+          <p:cNvPr id="88" name="Oval 87">
+            <a:extLst>
+              <a:ext uri="{FF2B5EF4-FFF2-40B4-BE49-F238E27FC236}">
+                <a16:creationId xmlns:a16="http://schemas.microsoft.com/office/drawing/2014/main" id="{C3BD10F0-61F6-447E-A958-9D0CFA4A2E15}"/>
+              </a:ext>
+            </a:extLst>
+          </p:cNvPr>
+          <p:cNvSpPr/>
+          <p:nvPr/>
+        </p:nvSpPr>
+        <p:spPr>
+          <a:xfrm>
+            <a:off x="3241574" y="6073540"/>
+            <a:ext cx="685799" cy="685799"/>
+          </a:xfrm>
+          <a:prstGeom prst="ellipse">
+            <a:avLst/>
+          </a:prstGeom>
+          <a:solidFill>
+            <a:srgbClr val="FFFF00"/>
+          </a:solidFill>
+          <a:ln w="38100">
+            <a:solidFill>
+              <a:schemeClr val="tx1"/>
+            </a:solidFill>
+          </a:ln>
+        </p:spPr>
+        <p:style>
+          <a:lnRef idx="2">
+            <a:schemeClr val="accent1">
+              <a:shade val="50000"/>
+            </a:schemeClr>
+          </a:lnRef>
+          <a:fillRef idx="1">
+            <a:schemeClr val="accent1"/>
+          </a:fillRef>
+          <a:effectRef idx="0">
+            <a:schemeClr val="accent1"/>
+          </a:effectRef>
+          <a:fontRef idx="minor">
+            <a:schemeClr val="lt1"/>
+          </a:fontRef>
+        </p:style>
+        <p:txBody>
+          <a:bodyPr rtlCol="0" anchor="ctr"/>
+          <a:lstStyle/>
+          <a:p>
+            <a:pPr algn="ctr"/>
+            <a:endParaRPr lang="en-US"/>
+          </a:p>
+        </p:txBody>
+      </p:sp>
+      <p:sp>
+        <p:nvSpPr>
+          <p:cNvPr id="93" name="Oval 92">
+            <a:extLst>
+              <a:ext uri="{FF2B5EF4-FFF2-40B4-BE49-F238E27FC236}">
+                <a16:creationId xmlns:a16="http://schemas.microsoft.com/office/drawing/2014/main" id="{1D104E46-4C5C-45E2-BCAC-F3E59A15C227}"/>
+              </a:ext>
+            </a:extLst>
+          </p:cNvPr>
+          <p:cNvSpPr/>
+          <p:nvPr/>
+        </p:nvSpPr>
+        <p:spPr>
+          <a:xfrm>
+            <a:off x="4722555" y="2467555"/>
+            <a:ext cx="685799" cy="685799"/>
+          </a:xfrm>
+          <a:prstGeom prst="ellipse">
+            <a:avLst/>
+          </a:prstGeom>
+          <a:gradFill flip="none" rotWithShape="1">
+            <a:gsLst>
+              <a:gs pos="0">
+                <a:schemeClr val="accent1"/>
+              </a:gs>
+              <a:gs pos="100000">
+                <a:srgbClr val="DDD0E1"/>
+              </a:gs>
+            </a:gsLst>
+            <a:lin ang="0" scaled="1"/>
+            <a:tileRect/>
+          </a:gradFill>
+          <a:ln w="38100">
+            <a:solidFill>
+              <a:schemeClr val="tx1"/>
+            </a:solidFill>
+          </a:ln>
+        </p:spPr>
+        <p:style>
+          <a:lnRef idx="2">
+            <a:schemeClr val="accent1">
+              <a:shade val="50000"/>
+            </a:schemeClr>
+          </a:lnRef>
+          <a:fillRef idx="1">
+            <a:schemeClr val="accent1"/>
+          </a:fillRef>
+          <a:effectRef idx="0">
+            <a:schemeClr val="accent1"/>
+          </a:effectRef>
+          <a:fontRef idx="minor">
+            <a:schemeClr val="lt1"/>
+          </a:fontRef>
+        </p:style>
+        <p:txBody>
+          <a:bodyPr rtlCol="0" anchor="ctr"/>
+          <a:lstStyle/>
+          <a:p>
+            <a:pPr algn="ctr"/>
+            <a:endParaRPr lang="en-US" dirty="0"/>
+          </a:p>
+        </p:txBody>
+      </p:sp>
+      <p:sp>
+        <p:nvSpPr>
+          <p:cNvPr id="94" name="Oval 93">
+            <a:extLst>
+              <a:ext uri="{FF2B5EF4-FFF2-40B4-BE49-F238E27FC236}">
+                <a16:creationId xmlns:a16="http://schemas.microsoft.com/office/drawing/2014/main" id="{92871758-DB06-4940-B2CC-F0FCE404C6AB}"/>
+              </a:ext>
+            </a:extLst>
+          </p:cNvPr>
+          <p:cNvSpPr/>
+          <p:nvPr/>
+        </p:nvSpPr>
+        <p:spPr>
+          <a:xfrm>
+            <a:off x="4727472" y="6073540"/>
+            <a:ext cx="685799" cy="685799"/>
+          </a:xfrm>
+          <a:prstGeom prst="ellipse">
+            <a:avLst/>
+          </a:prstGeom>
+          <a:gradFill>
+            <a:gsLst>
+              <a:gs pos="0">
+                <a:srgbClr val="FFFF00"/>
+              </a:gs>
+              <a:gs pos="100000">
+                <a:srgbClr val="DDD0E1"/>
+              </a:gs>
+            </a:gsLst>
+            <a:lin ang="0" scaled="1"/>
+          </a:gradFill>
+          <a:ln w="38100">
+            <a:solidFill>
+              <a:schemeClr val="tx1"/>
+            </a:solidFill>
+          </a:ln>
+        </p:spPr>
+        <p:style>
+          <a:lnRef idx="2">
+            <a:schemeClr val="accent1">
+              <a:shade val="50000"/>
+            </a:schemeClr>
+          </a:lnRef>
+          <a:fillRef idx="1">
+            <a:schemeClr val="accent1"/>
+          </a:fillRef>
+          <a:effectRef idx="0">
+            <a:schemeClr val="accent1"/>
+          </a:effectRef>
+          <a:fontRef idx="minor">
+            <a:schemeClr val="lt1"/>
+          </a:fontRef>
+        </p:style>
+        <p:txBody>
+          <a:bodyPr rtlCol="0" anchor="ctr"/>
+          <a:lstStyle/>
+          <a:p>
+            <a:pPr algn="ctr"/>
+            <a:endParaRPr lang="en-US"/>
+          </a:p>
+        </p:txBody>
+      </p:sp>
+      <p:sp>
+        <p:nvSpPr>
+          <p:cNvPr id="95" name="Rectangle 94">
+            <a:extLst>
+              <a:ext uri="{FF2B5EF4-FFF2-40B4-BE49-F238E27FC236}">
+                <a16:creationId xmlns:a16="http://schemas.microsoft.com/office/drawing/2014/main" id="{D1191C0F-3C09-4E2D-9AF8-51215FCC0305}"/>
+              </a:ext>
+            </a:extLst>
+          </p:cNvPr>
+          <p:cNvSpPr/>
+          <p:nvPr/>
+        </p:nvSpPr>
+        <p:spPr>
+          <a:xfrm flipH="1">
+            <a:off x="7136532" y="6193048"/>
+            <a:ext cx="566291" cy="566291"/>
+          </a:xfrm>
+          <a:prstGeom prst="rect">
+            <a:avLst/>
+          </a:prstGeom>
+          <a:solidFill>
+            <a:srgbClr val="92D050"/>
+          </a:solidFill>
+          <a:ln w="38100">
+            <a:solidFill>
+              <a:schemeClr val="tx1"/>
+            </a:solidFill>
+          </a:ln>
+        </p:spPr>
+        <p:style>
+          <a:lnRef idx="2">
+            <a:schemeClr val="accent1">
+              <a:shade val="50000"/>
+            </a:schemeClr>
+          </a:lnRef>
+          <a:fillRef idx="1">
+            <a:schemeClr val="accent1"/>
+          </a:fillRef>
+          <a:effectRef idx="0">
+            <a:schemeClr val="accent1"/>
+          </a:effectRef>
+          <a:fontRef idx="minor">
+            <a:schemeClr val="lt1"/>
+          </a:fontRef>
+        </p:style>
+        <p:txBody>
+          <a:bodyPr rtlCol="0" anchor="ctr"/>
+          <a:lstStyle/>
+          <a:p>
+            <a:pPr algn="ctr"/>
+            <a:endParaRPr lang="en-US"/>
+          </a:p>
+        </p:txBody>
+      </p:sp>
+      <p:sp>
+        <p:nvSpPr>
+          <p:cNvPr id="96" name="Oval 95">
+            <a:extLst>
+              <a:ext uri="{FF2B5EF4-FFF2-40B4-BE49-F238E27FC236}">
+                <a16:creationId xmlns:a16="http://schemas.microsoft.com/office/drawing/2014/main" id="{8D5DDBF2-F55F-4BC8-8007-45F3FF01AFE7}"/>
+              </a:ext>
+            </a:extLst>
+          </p:cNvPr>
+          <p:cNvSpPr/>
+          <p:nvPr/>
+        </p:nvSpPr>
+        <p:spPr>
+          <a:xfrm flipH="1">
+            <a:off x="7234172" y="6284230"/>
+            <a:ext cx="383926" cy="383926"/>
+          </a:xfrm>
+          <a:prstGeom prst="ellipse">
+            <a:avLst/>
+          </a:prstGeom>
+          <a:solidFill>
+            <a:srgbClr val="DDD0E1"/>
+          </a:solidFill>
+          <a:ln w="38100">
+            <a:solidFill>
+              <a:schemeClr val="tx1"/>
+            </a:solidFill>
+          </a:ln>
+        </p:spPr>
+        <p:style>
+          <a:lnRef idx="2">
+            <a:schemeClr val="accent1">
+              <a:shade val="50000"/>
+            </a:schemeClr>
+          </a:lnRef>
+          <a:fillRef idx="1">
+            <a:schemeClr val="accent1"/>
+          </a:fillRef>
+          <a:effectRef idx="0">
+            <a:schemeClr val="accent1"/>
+          </a:effectRef>
+          <a:fontRef idx="minor">
+            <a:schemeClr val="lt1"/>
+          </a:fontRef>
+        </p:style>
+        <p:txBody>
+          <a:bodyPr rtlCol="0" anchor="ctr"/>
+          <a:lstStyle/>
+          <a:p>
+            <a:pPr algn="ctr"/>
+            <a:endParaRPr lang="en-US"/>
+          </a:p>
+        </p:txBody>
+      </p:sp>
+      <p:sp>
+        <p:nvSpPr>
+          <p:cNvPr id="107" name="Rectangle 106">
+            <a:extLst>
+              <a:ext uri="{FF2B5EF4-FFF2-40B4-BE49-F238E27FC236}">
+                <a16:creationId xmlns:a16="http://schemas.microsoft.com/office/drawing/2014/main" id="{96FCA487-33A4-4F44-A37D-F4E5DFF2F182}"/>
+              </a:ext>
+            </a:extLst>
+          </p:cNvPr>
+          <p:cNvSpPr/>
+          <p:nvPr/>
+        </p:nvSpPr>
+        <p:spPr>
+          <a:xfrm flipH="1">
+            <a:off x="7945681" y="6193048"/>
+            <a:ext cx="566291" cy="566291"/>
+          </a:xfrm>
+          <a:prstGeom prst="rect">
+            <a:avLst/>
+          </a:prstGeom>
+          <a:solidFill>
+            <a:srgbClr val="92D050"/>
+          </a:solidFill>
+          <a:ln w="38100">
+            <a:solidFill>
+              <a:schemeClr val="tx1"/>
+            </a:solidFill>
+          </a:ln>
+        </p:spPr>
+        <p:style>
+          <a:lnRef idx="2">
+            <a:schemeClr val="accent1">
+              <a:shade val="50000"/>
+            </a:schemeClr>
+          </a:lnRef>
+          <a:fillRef idx="1">
+            <a:schemeClr val="accent1"/>
+          </a:fillRef>
+          <a:effectRef idx="0">
+            <a:schemeClr val="accent1"/>
+          </a:effectRef>
+          <a:fontRef idx="minor">
+            <a:schemeClr val="lt1"/>
+          </a:fontRef>
+        </p:style>
+        <p:txBody>
+          <a:bodyPr rtlCol="0" anchor="ctr"/>
+          <a:lstStyle/>
+          <a:p>
+            <a:pPr algn="ctr"/>
+            <a:endParaRPr lang="en-US"/>
+          </a:p>
+        </p:txBody>
+      </p:sp>
+      <p:sp>
+        <p:nvSpPr>
+          <p:cNvPr id="108" name="Oval 107">
+            <a:extLst>
+              <a:ext uri="{FF2B5EF4-FFF2-40B4-BE49-F238E27FC236}">
+                <a16:creationId xmlns:a16="http://schemas.microsoft.com/office/drawing/2014/main" id="{1FAC0F9C-A3B1-45C9-8214-75652500F1A5}"/>
+              </a:ext>
+            </a:extLst>
+          </p:cNvPr>
+          <p:cNvSpPr/>
+          <p:nvPr/>
+        </p:nvSpPr>
+        <p:spPr>
+          <a:xfrm flipH="1">
+            <a:off x="8043321" y="6284230"/>
+            <a:ext cx="383926" cy="383926"/>
+          </a:xfrm>
+          <a:prstGeom prst="ellipse">
+            <a:avLst/>
+          </a:prstGeom>
+          <a:solidFill>
+            <a:srgbClr val="DDD0E1"/>
+          </a:solidFill>
+          <a:ln w="38100">
+            <a:solidFill>
+              <a:schemeClr val="tx1"/>
+            </a:solidFill>
+          </a:ln>
+        </p:spPr>
+        <p:style>
+          <a:lnRef idx="2">
+            <a:schemeClr val="accent1">
+              <a:shade val="50000"/>
+            </a:schemeClr>
+          </a:lnRef>
+          <a:fillRef idx="1">
+            <a:schemeClr val="accent1"/>
+          </a:fillRef>
+          <a:effectRef idx="0">
+            <a:schemeClr val="accent1"/>
+          </a:effectRef>
+          <a:fontRef idx="minor">
+            <a:schemeClr val="lt1"/>
+          </a:fontRef>
+        </p:style>
+        <p:txBody>
+          <a:bodyPr rtlCol="0" anchor="ctr"/>
+          <a:lstStyle/>
+          <a:p>
+            <a:pPr algn="ctr"/>
+            <a:endParaRPr lang="en-US"/>
+          </a:p>
+        </p:txBody>
+      </p:sp>
+      <p:sp>
+        <p:nvSpPr>
+          <p:cNvPr id="109" name="Rectangle 108">
+            <a:extLst>
+              <a:ext uri="{FF2B5EF4-FFF2-40B4-BE49-F238E27FC236}">
+                <a16:creationId xmlns:a16="http://schemas.microsoft.com/office/drawing/2014/main" id="{E9BED8CD-5F48-46D0-8BF8-F4F9DC24208F}"/>
+              </a:ext>
+            </a:extLst>
+          </p:cNvPr>
+          <p:cNvSpPr/>
+          <p:nvPr/>
+        </p:nvSpPr>
+        <p:spPr>
+          <a:xfrm flipH="1">
+            <a:off x="8779452" y="6193048"/>
+            <a:ext cx="566291" cy="566291"/>
+          </a:xfrm>
+          <a:prstGeom prst="rect">
+            <a:avLst/>
+          </a:prstGeom>
+          <a:solidFill>
+            <a:srgbClr val="92D050"/>
+          </a:solidFill>
+          <a:ln w="38100">
+            <a:solidFill>
+              <a:schemeClr val="tx1"/>
+            </a:solidFill>
+          </a:ln>
+        </p:spPr>
+        <p:style>
+          <a:lnRef idx="2">
+            <a:schemeClr val="accent1">
+              <a:shade val="50000"/>
+            </a:schemeClr>
+          </a:lnRef>
+          <a:fillRef idx="1">
+            <a:schemeClr val="accent1"/>
+          </a:fillRef>
+          <a:effectRef idx="0">
+            <a:schemeClr val="accent1"/>
+          </a:effectRef>
+          <a:fontRef idx="minor">
+            <a:schemeClr val="lt1"/>
+          </a:fontRef>
+        </p:style>
+        <p:txBody>
+          <a:bodyPr rtlCol="0" anchor="ctr"/>
+          <a:lstStyle/>
+          <a:p>
+            <a:pPr algn="ctr"/>
+            <a:endParaRPr lang="en-US"/>
+          </a:p>
+        </p:txBody>
+      </p:sp>
+      <p:sp>
+        <p:nvSpPr>
+          <p:cNvPr id="110" name="Oval 109">
+            <a:extLst>
+              <a:ext uri="{FF2B5EF4-FFF2-40B4-BE49-F238E27FC236}">
+                <a16:creationId xmlns:a16="http://schemas.microsoft.com/office/drawing/2014/main" id="{5E50D4B0-110D-4DD5-85EF-FAD83160084F}"/>
+              </a:ext>
+            </a:extLst>
+          </p:cNvPr>
+          <p:cNvSpPr/>
+          <p:nvPr/>
+        </p:nvSpPr>
+        <p:spPr>
+          <a:xfrm flipH="1">
+            <a:off x="8877092" y="6284230"/>
+            <a:ext cx="383926" cy="383926"/>
+          </a:xfrm>
+          <a:prstGeom prst="ellipse">
+            <a:avLst/>
+          </a:prstGeom>
+          <a:solidFill>
+            <a:srgbClr val="DDD0E1"/>
+          </a:solidFill>
+          <a:ln w="38100">
+            <a:solidFill>
+              <a:schemeClr val="tx1"/>
+            </a:solidFill>
+          </a:ln>
+        </p:spPr>
+        <p:style>
+          <a:lnRef idx="2">
+            <a:schemeClr val="accent1">
+              <a:shade val="50000"/>
+            </a:schemeClr>
+          </a:lnRef>
+          <a:fillRef idx="1">
+            <a:schemeClr val="accent1"/>
+          </a:fillRef>
+          <a:effectRef idx="0">
+            <a:schemeClr val="accent1"/>
+          </a:effectRef>
+          <a:fontRef idx="minor">
+            <a:schemeClr val="lt1"/>
+          </a:fontRef>
+        </p:style>
+        <p:txBody>
+          <a:bodyPr rtlCol="0" anchor="ctr"/>
+          <a:lstStyle/>
+          <a:p>
+            <a:pPr algn="ctr"/>
+            <a:endParaRPr lang="en-US"/>
+          </a:p>
+        </p:txBody>
+      </p:sp>
+      <p:sp>
+        <p:nvSpPr>
+          <p:cNvPr id="111" name="Rectangle 110">
+            <a:extLst>
+              <a:ext uri="{FF2B5EF4-FFF2-40B4-BE49-F238E27FC236}">
+                <a16:creationId xmlns:a16="http://schemas.microsoft.com/office/drawing/2014/main" id="{4A0A529D-555F-435E-A849-CE245C27DB97}"/>
+              </a:ext>
+            </a:extLst>
+          </p:cNvPr>
+          <p:cNvSpPr/>
+          <p:nvPr/>
+        </p:nvSpPr>
+        <p:spPr>
+          <a:xfrm flipH="1">
+            <a:off x="9584066" y="6193048"/>
+            <a:ext cx="566291" cy="566291"/>
+          </a:xfrm>
+          <a:prstGeom prst="rect">
+            <a:avLst/>
+          </a:prstGeom>
+          <a:solidFill>
+            <a:srgbClr val="92D050"/>
+          </a:solidFill>
+          <a:ln w="38100">
+            <a:solidFill>
+              <a:schemeClr val="tx1"/>
+            </a:solidFill>
+          </a:ln>
+        </p:spPr>
+        <p:style>
+          <a:lnRef idx="2">
+            <a:schemeClr val="accent1">
+              <a:shade val="50000"/>
+            </a:schemeClr>
+          </a:lnRef>
+          <a:fillRef idx="1">
+            <a:schemeClr val="accent1"/>
+          </a:fillRef>
+          <a:effectRef idx="0">
+            <a:schemeClr val="accent1"/>
+          </a:effectRef>
+          <a:fontRef idx="minor">
+            <a:schemeClr val="lt1"/>
+          </a:fontRef>
+        </p:style>
+        <p:txBody>
+          <a:bodyPr rtlCol="0" anchor="ctr"/>
+          <a:lstStyle/>
+          <a:p>
+            <a:pPr algn="ctr"/>
+            <a:endParaRPr lang="en-US"/>
+          </a:p>
+        </p:txBody>
+      </p:sp>
+      <p:sp>
+        <p:nvSpPr>
+          <p:cNvPr id="112" name="Oval 111">
+            <a:extLst>
+              <a:ext uri="{FF2B5EF4-FFF2-40B4-BE49-F238E27FC236}">
+                <a16:creationId xmlns:a16="http://schemas.microsoft.com/office/drawing/2014/main" id="{E8FA196E-BBFA-4BAE-A970-DD61AFFE1EB5}"/>
+              </a:ext>
+            </a:extLst>
+          </p:cNvPr>
+          <p:cNvSpPr/>
+          <p:nvPr/>
+        </p:nvSpPr>
+        <p:spPr>
+          <a:xfrm flipH="1">
+            <a:off x="9681706" y="6284230"/>
+            <a:ext cx="383926" cy="383926"/>
+          </a:xfrm>
+          <a:prstGeom prst="ellipse">
+            <a:avLst/>
+          </a:prstGeom>
+          <a:solidFill>
+            <a:srgbClr val="DDD0E1"/>
+          </a:solidFill>
+          <a:ln w="38100">
+            <a:solidFill>
+              <a:schemeClr val="tx1"/>
+            </a:solidFill>
+            <a:prstDash val="dash"/>
+          </a:ln>
+        </p:spPr>
+        <p:style>
+          <a:lnRef idx="2">
+            <a:schemeClr val="accent1">
+              <a:shade val="50000"/>
+            </a:schemeClr>
+          </a:lnRef>
+          <a:fillRef idx="1">
+            <a:schemeClr val="accent1"/>
+          </a:fillRef>
+          <a:effectRef idx="0">
+            <a:schemeClr val="accent1"/>
+          </a:effectRef>
+          <a:fontRef idx="minor">
+            <a:schemeClr val="lt1"/>
+          </a:fontRef>
+        </p:style>
+        <p:txBody>
+          <a:bodyPr rtlCol="0" anchor="ctr"/>
+          <a:lstStyle/>
+          <a:p>
+            <a:pPr algn="ctr"/>
+            <a:endParaRPr lang="en-US"/>
+          </a:p>
+        </p:txBody>
+      </p:sp>
+      <p:sp>
+        <p:nvSpPr>
+          <p:cNvPr id="113" name="Rectangle 112">
+            <a:extLst>
+              <a:ext uri="{FF2B5EF4-FFF2-40B4-BE49-F238E27FC236}">
+                <a16:creationId xmlns:a16="http://schemas.microsoft.com/office/drawing/2014/main" id="{22B30FBE-DF4C-44AB-A40C-9875062B134B}"/>
+              </a:ext>
+            </a:extLst>
+          </p:cNvPr>
+          <p:cNvSpPr/>
+          <p:nvPr/>
+        </p:nvSpPr>
+        <p:spPr>
+          <a:xfrm flipH="1">
+            <a:off x="10393215" y="6193048"/>
+            <a:ext cx="566291" cy="566291"/>
+          </a:xfrm>
+          <a:prstGeom prst="rect">
+            <a:avLst/>
+          </a:prstGeom>
+          <a:solidFill>
+            <a:srgbClr val="92D050"/>
+          </a:solidFill>
+          <a:ln w="38100">
+            <a:solidFill>
+              <a:schemeClr val="tx1"/>
+            </a:solidFill>
+          </a:ln>
+        </p:spPr>
+        <p:style>
+          <a:lnRef idx="2">
+            <a:schemeClr val="accent1">
+              <a:shade val="50000"/>
+            </a:schemeClr>
+          </a:lnRef>
+          <a:fillRef idx="1">
+            <a:schemeClr val="accent1"/>
+          </a:fillRef>
+          <a:effectRef idx="0">
+            <a:schemeClr val="accent1"/>
+          </a:effectRef>
+          <a:fontRef idx="minor">
+            <a:schemeClr val="lt1"/>
+          </a:fontRef>
+        </p:style>
+        <p:txBody>
+          <a:bodyPr rtlCol="0" anchor="ctr"/>
+          <a:lstStyle/>
+          <a:p>
+            <a:pPr algn="ctr"/>
+            <a:endParaRPr lang="en-US"/>
+          </a:p>
+        </p:txBody>
+      </p:sp>
+      <p:sp>
+        <p:nvSpPr>
+          <p:cNvPr id="114" name="Oval 113">
+            <a:extLst>
+              <a:ext uri="{FF2B5EF4-FFF2-40B4-BE49-F238E27FC236}">
+                <a16:creationId xmlns:a16="http://schemas.microsoft.com/office/drawing/2014/main" id="{6E0370DF-9F13-4D49-A8CB-8871DA1CEF5F}"/>
+              </a:ext>
+            </a:extLst>
+          </p:cNvPr>
+          <p:cNvSpPr/>
+          <p:nvPr/>
+        </p:nvSpPr>
+        <p:spPr>
+          <a:xfrm flipH="1">
+            <a:off x="10490855" y="6284230"/>
+            <a:ext cx="383926" cy="383926"/>
+          </a:xfrm>
+          <a:prstGeom prst="ellipse">
+            <a:avLst/>
+          </a:prstGeom>
+          <a:solidFill>
+            <a:srgbClr val="DDD0E1"/>
+          </a:solidFill>
+          <a:ln w="38100">
+            <a:solidFill>
+              <a:schemeClr val="tx1"/>
+            </a:solidFill>
+          </a:ln>
+        </p:spPr>
+        <p:style>
+          <a:lnRef idx="2">
+            <a:schemeClr val="accent1">
+              <a:shade val="50000"/>
+            </a:schemeClr>
+          </a:lnRef>
+          <a:fillRef idx="1">
+            <a:schemeClr val="accent1"/>
+          </a:fillRef>
+          <a:effectRef idx="0">
+            <a:schemeClr val="accent1"/>
+          </a:effectRef>
+          <a:fontRef idx="minor">
+            <a:schemeClr val="lt1"/>
+          </a:fontRef>
+        </p:style>
+        <p:txBody>
+          <a:bodyPr rtlCol="0" anchor="ctr"/>
+          <a:lstStyle/>
+          <a:p>
+            <a:pPr algn="ctr"/>
+            <a:endParaRPr lang="en-US"/>
+          </a:p>
+        </p:txBody>
+      </p:sp>
+      <p:sp>
+        <p:nvSpPr>
+          <p:cNvPr id="115" name="Rectangle 114">
+            <a:extLst>
+              <a:ext uri="{FF2B5EF4-FFF2-40B4-BE49-F238E27FC236}">
+                <a16:creationId xmlns:a16="http://schemas.microsoft.com/office/drawing/2014/main" id="{3B0B6F5A-047C-42EF-AEFD-AB6A5AFC5CC6}"/>
+              </a:ext>
+            </a:extLst>
+          </p:cNvPr>
+          <p:cNvSpPr/>
+          <p:nvPr/>
+        </p:nvSpPr>
+        <p:spPr>
+          <a:xfrm flipH="1">
+            <a:off x="11226986" y="6193048"/>
+            <a:ext cx="566291" cy="566291"/>
+          </a:xfrm>
+          <a:prstGeom prst="rect">
+            <a:avLst/>
+          </a:prstGeom>
+          <a:solidFill>
+            <a:srgbClr val="92D050"/>
+          </a:solidFill>
+          <a:ln w="38100">
+            <a:solidFill>
+              <a:schemeClr val="tx1"/>
+            </a:solidFill>
+          </a:ln>
+        </p:spPr>
+        <p:style>
+          <a:lnRef idx="2">
+            <a:schemeClr val="accent1">
+              <a:shade val="50000"/>
+            </a:schemeClr>
+          </a:lnRef>
+          <a:fillRef idx="1">
+            <a:schemeClr val="accent1"/>
+          </a:fillRef>
+          <a:effectRef idx="0">
+            <a:schemeClr val="accent1"/>
+          </a:effectRef>
+          <a:fontRef idx="minor">
+            <a:schemeClr val="lt1"/>
+          </a:fontRef>
+        </p:style>
+        <p:txBody>
+          <a:bodyPr rtlCol="0" anchor="ctr"/>
+          <a:lstStyle/>
+          <a:p>
+            <a:pPr algn="ctr"/>
+            <a:endParaRPr lang="en-US"/>
+          </a:p>
+        </p:txBody>
+      </p:sp>
+      <p:sp>
+        <p:nvSpPr>
+          <p:cNvPr id="116" name="Oval 115">
+            <a:extLst>
+              <a:ext uri="{FF2B5EF4-FFF2-40B4-BE49-F238E27FC236}">
+                <a16:creationId xmlns:a16="http://schemas.microsoft.com/office/drawing/2014/main" id="{9CD9EB7D-DFBB-449E-AABC-7C4F7743DDFD}"/>
+              </a:ext>
+            </a:extLst>
+          </p:cNvPr>
+          <p:cNvSpPr/>
+          <p:nvPr/>
+        </p:nvSpPr>
+        <p:spPr>
+          <a:xfrm flipH="1">
+            <a:off x="11324626" y="6284230"/>
+            <a:ext cx="383926" cy="383926"/>
+          </a:xfrm>
+          <a:prstGeom prst="ellipse">
+            <a:avLst/>
+          </a:prstGeom>
+          <a:solidFill>
+            <a:srgbClr val="DDD0E1"/>
+          </a:solidFill>
+          <a:ln w="38100">
+            <a:solidFill>
+              <a:schemeClr val="tx1"/>
+            </a:solidFill>
+          </a:ln>
+        </p:spPr>
+        <p:style>
+          <a:lnRef idx="2">
+            <a:schemeClr val="accent1">
+              <a:shade val="50000"/>
+            </a:schemeClr>
+          </a:lnRef>
+          <a:fillRef idx="1">
+            <a:schemeClr val="accent1"/>
+          </a:fillRef>
+          <a:effectRef idx="0">
+            <a:schemeClr val="accent1"/>
+          </a:effectRef>
+          <a:fontRef idx="minor">
+            <a:schemeClr val="lt1"/>
+          </a:fontRef>
+        </p:style>
+        <p:txBody>
+          <a:bodyPr rtlCol="0" anchor="ctr"/>
+          <a:lstStyle/>
+          <a:p>
+            <a:pPr algn="ctr"/>
+            <a:endParaRPr lang="en-US"/>
+          </a:p>
+        </p:txBody>
+      </p:sp>
+      <p:sp>
+        <p:nvSpPr>
+          <p:cNvPr id="14" name="TextBox 13">
+            <a:extLst>
+              <a:ext uri="{FF2B5EF4-FFF2-40B4-BE49-F238E27FC236}">
+                <a16:creationId xmlns:a16="http://schemas.microsoft.com/office/drawing/2014/main" id="{868C2E77-857C-4129-9A53-C3C290A8D3B2}"/>
+              </a:ext>
+            </a:extLst>
+          </p:cNvPr>
+          <p:cNvSpPr txBox="1"/>
+          <p:nvPr/>
+        </p:nvSpPr>
+        <p:spPr>
+          <a:xfrm>
+            <a:off x="85334" y="4094418"/>
+            <a:ext cx="1970219" cy="954107"/>
+          </a:xfrm>
+          <a:prstGeom prst="rect">
+            <a:avLst/>
+          </a:prstGeom>
+          <a:solidFill>
+            <a:srgbClr val="92D050"/>
+          </a:solidFill>
+        </p:spPr>
+        <p:txBody>
+          <a:bodyPr wrap="none" rtlCol="0">
+            <a:spAutoFit/>
+          </a:bodyPr>
+          <a:lstStyle/>
+          <a:p>
+            <a:pPr algn="ctr"/>
+            <a:r>
+              <a:rPr lang="en-US" sz="2800" b="1" dirty="0"/>
+              <a:t>Inter</a:t>
+            </a:r>
+          </a:p>
+          <a:p>
+            <a:pPr algn="ctr"/>
+            <a:r>
+              <a:rPr lang="en-US" sz="2800" b="1" dirty="0"/>
+              <a:t>Thread Pool</a:t>
+            </a:r>
+          </a:p>
+        </p:txBody>
+      </p:sp>
+      <p:sp>
+        <p:nvSpPr>
+          <p:cNvPr id="118" name="TextBox 117">
+            <a:extLst>
+              <a:ext uri="{FF2B5EF4-FFF2-40B4-BE49-F238E27FC236}">
+                <a16:creationId xmlns:a16="http://schemas.microsoft.com/office/drawing/2014/main" id="{26062B9E-0460-4212-AB63-F433018FD58E}"/>
+              </a:ext>
+            </a:extLst>
+          </p:cNvPr>
+          <p:cNvSpPr txBox="1"/>
+          <p:nvPr/>
+        </p:nvSpPr>
+        <p:spPr>
+          <a:xfrm>
+            <a:off x="7819255" y="6993022"/>
+            <a:ext cx="3702480" cy="523220"/>
+          </a:xfrm>
+          <a:prstGeom prst="rect">
+            <a:avLst/>
+          </a:prstGeom>
+          <a:solidFill>
+            <a:srgbClr val="00B050"/>
+          </a:solidFill>
+        </p:spPr>
+        <p:txBody>
+          <a:bodyPr wrap="square" rtlCol="0">
+            <a:spAutoFit/>
+          </a:bodyPr>
+          <a:lstStyle/>
+          <a:p>
+            <a:pPr algn="ctr"/>
+            <a:r>
+              <a:rPr lang="en-US" sz="2800" b="1" dirty="0"/>
+              <a:t>Intra Thread Pool</a:t>
+            </a:r>
+          </a:p>
+        </p:txBody>
+      </p:sp>
+      <p:cxnSp>
+        <p:nvCxnSpPr>
+          <p:cNvPr id="16" name="Straight Arrow Connector 15">
+            <a:extLst>
+              <a:ext uri="{FF2B5EF4-FFF2-40B4-BE49-F238E27FC236}">
+                <a16:creationId xmlns:a16="http://schemas.microsoft.com/office/drawing/2014/main" id="{810DB29E-BDED-4FDA-8727-B8DE0A3E2CE2}"/>
+              </a:ext>
+            </a:extLst>
+          </p:cNvPr>
+          <p:cNvCxnSpPr>
+            <a:cxnSpLocks/>
+          </p:cNvCxnSpPr>
+          <p:nvPr/>
+        </p:nvCxnSpPr>
+        <p:spPr>
+          <a:xfrm>
+            <a:off x="6963087" y="5139707"/>
+            <a:ext cx="2447534" cy="933833"/>
+          </a:xfrm>
+          <a:prstGeom prst="straightConnector1">
+            <a:avLst/>
+          </a:prstGeom>
+          <a:ln w="57150">
+            <a:solidFill>
+              <a:schemeClr val="tx1"/>
+            </a:solidFill>
+            <a:headEnd type="arrow" w="med" len="med"/>
+            <a:tailEnd type="arrow" w="med" len="med"/>
+          </a:ln>
+        </p:spPr>
+        <p:style>
+          <a:lnRef idx="1">
+            <a:schemeClr val="accent1"/>
+          </a:lnRef>
+          <a:fillRef idx="0">
+            <a:schemeClr val="accent1"/>
+          </a:fillRef>
+          <a:effectRef idx="0">
+            <a:schemeClr val="accent1"/>
+          </a:effectRef>
+          <a:fontRef idx="minor">
+            <a:schemeClr val="tx1"/>
+          </a:fontRef>
+        </p:style>
+      </p:cxnSp>
+      <p:cxnSp>
+        <p:nvCxnSpPr>
+          <p:cNvPr id="120" name="Straight Arrow Connector 119">
+            <a:extLst>
+              <a:ext uri="{FF2B5EF4-FFF2-40B4-BE49-F238E27FC236}">
+                <a16:creationId xmlns:a16="http://schemas.microsoft.com/office/drawing/2014/main" id="{F08F862A-D95B-4A2C-BAE0-AF56FAD416C0}"/>
+              </a:ext>
+            </a:extLst>
+          </p:cNvPr>
+          <p:cNvCxnSpPr/>
+          <p:nvPr/>
+        </p:nvCxnSpPr>
+        <p:spPr>
+          <a:xfrm>
+            <a:off x="4087145" y="2810454"/>
+            <a:ext cx="420331" cy="0"/>
+          </a:xfrm>
+          <a:prstGeom prst="straightConnector1">
+            <a:avLst/>
+          </a:prstGeom>
+          <a:ln w="57150">
+            <a:solidFill>
+              <a:schemeClr val="tx1"/>
+            </a:solidFill>
+            <a:tailEnd type="triangle"/>
+          </a:ln>
+        </p:spPr>
+        <p:style>
+          <a:lnRef idx="1">
+            <a:schemeClr val="accent1"/>
+          </a:lnRef>
+          <a:fillRef idx="0">
+            <a:schemeClr val="accent1"/>
+          </a:fillRef>
+          <a:effectRef idx="0">
+            <a:schemeClr val="accent1"/>
+          </a:effectRef>
+          <a:fontRef idx="minor">
+            <a:schemeClr val="tx1"/>
+          </a:fontRef>
+        </p:style>
+      </p:cxnSp>
+      <p:cxnSp>
+        <p:nvCxnSpPr>
+          <p:cNvPr id="122" name="Connector: Elbow 121">
+            <a:extLst>
+              <a:ext uri="{FF2B5EF4-FFF2-40B4-BE49-F238E27FC236}">
+                <a16:creationId xmlns:a16="http://schemas.microsoft.com/office/drawing/2014/main" id="{E420FD8E-342E-484E-96FC-E9CEE952AD48}"/>
+              </a:ext>
+            </a:extLst>
+          </p:cNvPr>
+          <p:cNvCxnSpPr/>
+          <p:nvPr/>
+        </p:nvCxnSpPr>
+        <p:spPr>
+          <a:xfrm rot="16200000" flipH="1">
+            <a:off x="5454018" y="3005680"/>
+            <a:ext cx="1283964" cy="893512"/>
+          </a:xfrm>
+          <a:prstGeom prst="bentConnector3">
+            <a:avLst>
+              <a:gd name="adj1" fmla="val -343"/>
+            </a:avLst>
+          </a:prstGeom>
+          <a:ln w="57150">
+            <a:solidFill>
+              <a:schemeClr val="tx1"/>
+            </a:solidFill>
+            <a:tailEnd type="triangle"/>
+          </a:ln>
+        </p:spPr>
+        <p:style>
+          <a:lnRef idx="1">
+            <a:schemeClr val="accent1"/>
+          </a:lnRef>
+          <a:fillRef idx="0">
+            <a:schemeClr val="accent1"/>
+          </a:fillRef>
+          <a:effectRef idx="0">
+            <a:schemeClr val="accent1"/>
+          </a:effectRef>
+          <a:fontRef idx="minor">
+            <a:schemeClr val="tx1"/>
+          </a:fontRef>
+        </p:style>
+      </p:cxnSp>
+      <p:cxnSp>
+        <p:nvCxnSpPr>
+          <p:cNvPr id="124" name="Connector: Elbow 123">
+            <a:extLst>
+              <a:ext uri="{FF2B5EF4-FFF2-40B4-BE49-F238E27FC236}">
+                <a16:creationId xmlns:a16="http://schemas.microsoft.com/office/drawing/2014/main" id="{E4493168-5B86-4D1B-88CB-B0A2968DF332}"/>
+              </a:ext>
+            </a:extLst>
+          </p:cNvPr>
+          <p:cNvCxnSpPr>
+            <a:cxnSpLocks/>
+          </p:cNvCxnSpPr>
+          <p:nvPr/>
+        </p:nvCxnSpPr>
+        <p:spPr>
+          <a:xfrm rot="5400000" flipH="1" flipV="1">
+            <a:off x="5516558" y="5382862"/>
+            <a:ext cx="1213057" cy="854096"/>
+          </a:xfrm>
+          <a:prstGeom prst="bentConnector3">
+            <a:avLst>
+              <a:gd name="adj1" fmla="val -687"/>
+            </a:avLst>
+          </a:prstGeom>
+          <a:ln w="57150">
+            <a:solidFill>
+              <a:schemeClr val="tx1"/>
+            </a:solidFill>
+            <a:headEnd type="triangle" w="med" len="med"/>
+            <a:tailEnd type="none" w="med" len="med"/>
+          </a:ln>
+        </p:spPr>
+        <p:style>
+          <a:lnRef idx="1">
+            <a:schemeClr val="accent1"/>
+          </a:lnRef>
+          <a:fillRef idx="0">
+            <a:schemeClr val="accent1"/>
+          </a:fillRef>
+          <a:effectRef idx="0">
+            <a:schemeClr val="accent1"/>
+          </a:effectRef>
+          <a:fontRef idx="minor">
+            <a:schemeClr val="tx1"/>
+          </a:fontRef>
+        </p:style>
+      </p:cxnSp>
+      <p:cxnSp>
+        <p:nvCxnSpPr>
+          <p:cNvPr id="129" name="Straight Arrow Connector 128">
+            <a:extLst>
+              <a:ext uri="{FF2B5EF4-FFF2-40B4-BE49-F238E27FC236}">
+                <a16:creationId xmlns:a16="http://schemas.microsoft.com/office/drawing/2014/main" id="{3E407113-910A-4835-B2D8-85BCB3933D68}"/>
+              </a:ext>
+            </a:extLst>
+          </p:cNvPr>
+          <p:cNvCxnSpPr/>
+          <p:nvPr/>
+        </p:nvCxnSpPr>
+        <p:spPr>
+          <a:xfrm>
+            <a:off x="4087144" y="6416439"/>
+            <a:ext cx="420331" cy="0"/>
+          </a:xfrm>
+          <a:prstGeom prst="straightConnector1">
+            <a:avLst/>
+          </a:prstGeom>
+          <a:ln w="57150">
+            <a:solidFill>
+              <a:schemeClr val="tx1"/>
+            </a:solidFill>
+            <a:headEnd type="triangle" w="med" len="med"/>
+            <a:tailEnd type="none" w="med" len="med"/>
+          </a:ln>
+        </p:spPr>
+        <p:style>
+          <a:lnRef idx="1">
+            <a:schemeClr val="accent1"/>
+          </a:lnRef>
+          <a:fillRef idx="0">
+            <a:schemeClr val="accent1"/>
+          </a:fillRef>
+          <a:effectRef idx="0">
+            <a:schemeClr val="accent1"/>
+          </a:effectRef>
+          <a:fontRef idx="minor">
+            <a:schemeClr val="tx1"/>
+          </a:fontRef>
+        </p:style>
+      </p:cxnSp>
+      <p:sp>
+        <p:nvSpPr>
+          <p:cNvPr id="130" name="TextBox 129">
+            <a:extLst>
+              <a:ext uri="{FF2B5EF4-FFF2-40B4-BE49-F238E27FC236}">
+                <a16:creationId xmlns:a16="http://schemas.microsoft.com/office/drawing/2014/main" id="{15A0504D-8122-4398-A09C-ECB45F369395}"/>
+              </a:ext>
+            </a:extLst>
+          </p:cNvPr>
+          <p:cNvSpPr txBox="1"/>
+          <p:nvPr/>
+        </p:nvSpPr>
+        <p:spPr>
+          <a:xfrm>
+            <a:off x="1232103" y="1818973"/>
+            <a:ext cx="1675587" cy="523220"/>
+          </a:xfrm>
+          <a:prstGeom prst="rect">
+            <a:avLst/>
+          </a:prstGeom>
+          <a:noFill/>
+        </p:spPr>
+        <p:txBody>
+          <a:bodyPr wrap="none" rtlCol="0">
+            <a:spAutoFit/>
+          </a:bodyPr>
+          <a:lstStyle/>
+          <a:p>
+            <a:r>
+              <a:rPr lang="en-US" sz="2800" b="1" dirty="0"/>
+              <a:t>Operators</a:t>
+            </a:r>
+          </a:p>
+        </p:txBody>
+      </p:sp>
+      <p:sp>
+        <p:nvSpPr>
+          <p:cNvPr id="131" name="TextBox 130">
+            <a:extLst>
+              <a:ext uri="{FF2B5EF4-FFF2-40B4-BE49-F238E27FC236}">
+                <a16:creationId xmlns:a16="http://schemas.microsoft.com/office/drawing/2014/main" id="{357F905F-187E-495A-A004-D357BE885515}"/>
+              </a:ext>
+            </a:extLst>
+          </p:cNvPr>
+          <p:cNvSpPr txBox="1"/>
+          <p:nvPr/>
+        </p:nvSpPr>
+        <p:spPr>
+          <a:xfrm>
+            <a:off x="1070443" y="6993022"/>
+            <a:ext cx="2292935" cy="523220"/>
+          </a:xfrm>
+          <a:prstGeom prst="rect">
+            <a:avLst/>
+          </a:prstGeom>
+          <a:noFill/>
+        </p:spPr>
+        <p:txBody>
+          <a:bodyPr wrap="none" rtlCol="0">
+            <a:spAutoFit/>
+          </a:bodyPr>
+          <a:lstStyle/>
+          <a:p>
+            <a:r>
+              <a:rPr lang="en-US" sz="2800" b="1" dirty="0"/>
+              <a:t>Finished Tasks</a:t>
+            </a:r>
+          </a:p>
+        </p:txBody>
+      </p:sp>
+      <p:sp>
+        <p:nvSpPr>
+          <p:cNvPr id="132" name="Oval 131">
+            <a:extLst>
+              <a:ext uri="{FF2B5EF4-FFF2-40B4-BE49-F238E27FC236}">
+                <a16:creationId xmlns:a16="http://schemas.microsoft.com/office/drawing/2014/main" id="{FCDC788A-337D-4B05-AF54-F09B06B9EC5E}"/>
+              </a:ext>
+            </a:extLst>
+          </p:cNvPr>
+          <p:cNvSpPr/>
+          <p:nvPr/>
+        </p:nvSpPr>
+        <p:spPr>
+          <a:xfrm>
+            <a:off x="9950613" y="363005"/>
+            <a:ext cx="540242" cy="540242"/>
+          </a:xfrm>
+          <a:prstGeom prst="ellipse">
+            <a:avLst/>
+          </a:prstGeom>
+          <a:solidFill>
+            <a:srgbClr val="FFC000">
+              <a:alpha val="46000"/>
+            </a:srgbClr>
+          </a:solidFill>
+          <a:ln w="57150">
+            <a:solidFill>
+              <a:schemeClr val="accent2">
+                <a:lumMod val="75000"/>
+                <a:alpha val="44000"/>
+              </a:schemeClr>
+            </a:solidFill>
+          </a:ln>
+        </p:spPr>
+        <p:style>
+          <a:lnRef idx="2">
+            <a:schemeClr val="accent1">
+              <a:shade val="50000"/>
+            </a:schemeClr>
+          </a:lnRef>
+          <a:fillRef idx="1">
+            <a:schemeClr val="accent1"/>
+          </a:fillRef>
+          <a:effectRef idx="0">
+            <a:schemeClr val="accent1"/>
+          </a:effectRef>
+          <a:fontRef idx="minor">
+            <a:schemeClr val="lt1"/>
+          </a:fontRef>
+        </p:style>
+        <p:txBody>
+          <a:bodyPr rtlCol="0" anchor="ctr"/>
+          <a:lstStyle/>
+          <a:p>
+            <a:pPr algn="ctr"/>
+            <a:endParaRPr lang="en-US"/>
+          </a:p>
+        </p:txBody>
+      </p:sp>
+      <p:sp>
+        <p:nvSpPr>
+          <p:cNvPr id="133" name="Oval 132">
+            <a:extLst>
+              <a:ext uri="{FF2B5EF4-FFF2-40B4-BE49-F238E27FC236}">
+                <a16:creationId xmlns:a16="http://schemas.microsoft.com/office/drawing/2014/main" id="{DF2663E6-770F-4CCC-822A-8DF0CC218950}"/>
+              </a:ext>
+            </a:extLst>
+          </p:cNvPr>
+          <p:cNvSpPr/>
+          <p:nvPr/>
+        </p:nvSpPr>
+        <p:spPr>
+          <a:xfrm>
+            <a:off x="10836886" y="1691442"/>
+            <a:ext cx="540242" cy="540242"/>
+          </a:xfrm>
+          <a:prstGeom prst="ellipse">
+            <a:avLst/>
+          </a:prstGeom>
+          <a:solidFill>
+            <a:srgbClr val="FFC000"/>
+          </a:solidFill>
+          <a:ln w="57150">
+            <a:solidFill>
+              <a:schemeClr val="accent2">
+                <a:lumMod val="75000"/>
+              </a:schemeClr>
+            </a:solidFill>
+          </a:ln>
+        </p:spPr>
+        <p:style>
+          <a:lnRef idx="2">
+            <a:schemeClr val="accent1">
+              <a:shade val="50000"/>
+            </a:schemeClr>
+          </a:lnRef>
+          <a:fillRef idx="1">
+            <a:schemeClr val="accent1"/>
+          </a:fillRef>
+          <a:effectRef idx="0">
+            <a:schemeClr val="accent1"/>
+          </a:effectRef>
+          <a:fontRef idx="minor">
+            <a:schemeClr val="lt1"/>
+          </a:fontRef>
+        </p:style>
+        <p:txBody>
+          <a:bodyPr rtlCol="0" anchor="ctr"/>
+          <a:lstStyle/>
+          <a:p>
+            <a:pPr algn="ctr"/>
+            <a:endParaRPr lang="en-US"/>
+          </a:p>
+        </p:txBody>
+      </p:sp>
+      <p:sp>
+        <p:nvSpPr>
+          <p:cNvPr id="134" name="Oval 133">
+            <a:extLst>
+              <a:ext uri="{FF2B5EF4-FFF2-40B4-BE49-F238E27FC236}">
+                <a16:creationId xmlns:a16="http://schemas.microsoft.com/office/drawing/2014/main" id="{3CC3F265-8481-4920-BA7D-923DDB37B500}"/>
+              </a:ext>
+            </a:extLst>
+          </p:cNvPr>
+          <p:cNvSpPr/>
+          <p:nvPr/>
+        </p:nvSpPr>
+        <p:spPr>
+          <a:xfrm>
+            <a:off x="9014319" y="1686907"/>
+            <a:ext cx="540242" cy="540242"/>
+          </a:xfrm>
+          <a:prstGeom prst="ellipse">
+            <a:avLst/>
+          </a:prstGeom>
+          <a:solidFill>
+            <a:srgbClr val="FFC000"/>
+          </a:solidFill>
+          <a:ln w="57150">
+            <a:solidFill>
+              <a:schemeClr val="accent2">
+                <a:lumMod val="75000"/>
+              </a:schemeClr>
+            </a:solidFill>
+          </a:ln>
+        </p:spPr>
+        <p:style>
+          <a:lnRef idx="2">
+            <a:schemeClr val="accent1">
+              <a:shade val="50000"/>
+            </a:schemeClr>
+          </a:lnRef>
+          <a:fillRef idx="1">
+            <a:schemeClr val="accent1"/>
+          </a:fillRef>
+          <a:effectRef idx="0">
+            <a:schemeClr val="accent1"/>
+          </a:effectRef>
+          <a:fontRef idx="minor">
+            <a:schemeClr val="lt1"/>
+          </a:fontRef>
+        </p:style>
+        <p:txBody>
+          <a:bodyPr rtlCol="0" anchor="ctr"/>
+          <a:lstStyle/>
+          <a:p>
+            <a:pPr algn="ctr"/>
+            <a:endParaRPr lang="en-US"/>
+          </a:p>
+        </p:txBody>
+      </p:sp>
+      <p:sp>
+        <p:nvSpPr>
+          <p:cNvPr id="135" name="Oval 134">
+            <a:extLst>
+              <a:ext uri="{FF2B5EF4-FFF2-40B4-BE49-F238E27FC236}">
+                <a16:creationId xmlns:a16="http://schemas.microsoft.com/office/drawing/2014/main" id="{7E4DCAC7-C9CB-41A7-A4B7-2E9D1C1049AA}"/>
+              </a:ext>
+            </a:extLst>
+          </p:cNvPr>
+          <p:cNvSpPr/>
+          <p:nvPr/>
+        </p:nvSpPr>
+        <p:spPr>
+          <a:xfrm>
+            <a:off x="9944380" y="2873503"/>
+            <a:ext cx="540242" cy="540242"/>
+          </a:xfrm>
+          <a:prstGeom prst="ellipse">
+            <a:avLst/>
+          </a:prstGeom>
+          <a:solidFill>
+            <a:srgbClr val="FFC000">
+              <a:alpha val="46000"/>
+            </a:srgbClr>
+          </a:solidFill>
+          <a:ln w="57150">
+            <a:solidFill>
+              <a:schemeClr val="accent2">
+                <a:lumMod val="75000"/>
+                <a:alpha val="44000"/>
+              </a:schemeClr>
+            </a:solidFill>
+          </a:ln>
+        </p:spPr>
+        <p:style>
+          <a:lnRef idx="2">
+            <a:schemeClr val="accent1">
+              <a:shade val="50000"/>
+            </a:schemeClr>
+          </a:lnRef>
+          <a:fillRef idx="1">
+            <a:schemeClr val="accent1"/>
+          </a:fillRef>
+          <a:effectRef idx="0">
+            <a:schemeClr val="accent1"/>
+          </a:effectRef>
+          <a:fontRef idx="minor">
+            <a:schemeClr val="lt1"/>
+          </a:fontRef>
+        </p:style>
+        <p:txBody>
+          <a:bodyPr rtlCol="0" anchor="ctr"/>
+          <a:lstStyle/>
+          <a:p>
+            <a:pPr algn="ctr"/>
+            <a:endParaRPr lang="en-US"/>
+          </a:p>
+        </p:txBody>
+      </p:sp>
+      <p:cxnSp>
+        <p:nvCxnSpPr>
+          <p:cNvPr id="136" name="Straight Arrow Connector 135">
+            <a:extLst>
+              <a:ext uri="{FF2B5EF4-FFF2-40B4-BE49-F238E27FC236}">
+                <a16:creationId xmlns:a16="http://schemas.microsoft.com/office/drawing/2014/main" id="{DD06F386-D8C4-4CCF-AA43-BC08C6D81E68}"/>
+              </a:ext>
+            </a:extLst>
+          </p:cNvPr>
+          <p:cNvCxnSpPr>
+            <a:cxnSpLocks/>
+          </p:cNvCxnSpPr>
+          <p:nvPr/>
+        </p:nvCxnSpPr>
+        <p:spPr>
+          <a:xfrm flipH="1" flipV="1">
+            <a:off x="10484622" y="1114657"/>
+            <a:ext cx="443025" cy="459943"/>
+          </a:xfrm>
+          <a:prstGeom prst="straightConnector1">
+            <a:avLst/>
+          </a:prstGeom>
+          <a:ln w="76200">
+            <a:solidFill>
+              <a:srgbClr val="0070C0">
+                <a:alpha val="43000"/>
+              </a:srgbClr>
+            </a:solidFill>
+            <a:headEnd type="triangle" w="med" len="med"/>
+            <a:tailEnd type="none" w="med" len="med"/>
+          </a:ln>
+        </p:spPr>
+        <p:style>
+          <a:lnRef idx="1">
+            <a:schemeClr val="accent1"/>
+          </a:lnRef>
+          <a:fillRef idx="0">
+            <a:schemeClr val="accent1"/>
+          </a:fillRef>
+          <a:effectRef idx="0">
+            <a:schemeClr val="accent1"/>
+          </a:effectRef>
+          <a:fontRef idx="minor">
+            <a:schemeClr val="tx1"/>
+          </a:fontRef>
+        </p:style>
+      </p:cxnSp>
+      <p:cxnSp>
+        <p:nvCxnSpPr>
+          <p:cNvPr id="146" name="Straight Arrow Connector 145">
+            <a:extLst>
+              <a:ext uri="{FF2B5EF4-FFF2-40B4-BE49-F238E27FC236}">
+                <a16:creationId xmlns:a16="http://schemas.microsoft.com/office/drawing/2014/main" id="{0A26A66B-1DD1-433C-8741-F044BFF17DB0}"/>
+              </a:ext>
+            </a:extLst>
+          </p:cNvPr>
+          <p:cNvCxnSpPr>
+            <a:cxnSpLocks/>
+          </p:cNvCxnSpPr>
+          <p:nvPr/>
+        </p:nvCxnSpPr>
+        <p:spPr>
+          <a:xfrm flipH="1" flipV="1">
+            <a:off x="9488127" y="2334291"/>
+            <a:ext cx="443025" cy="459943"/>
+          </a:xfrm>
+          <a:prstGeom prst="straightConnector1">
+            <a:avLst/>
+          </a:prstGeom>
+          <a:ln w="76200">
+            <a:solidFill>
+              <a:srgbClr val="0070C0">
+                <a:alpha val="43000"/>
+              </a:srgbClr>
+            </a:solidFill>
+            <a:headEnd type="triangle" w="med" len="med"/>
+            <a:tailEnd type="none" w="med" len="med"/>
+          </a:ln>
+        </p:spPr>
+        <p:style>
+          <a:lnRef idx="1">
+            <a:schemeClr val="accent1"/>
+          </a:lnRef>
+          <a:fillRef idx="0">
+            <a:schemeClr val="accent1"/>
+          </a:fillRef>
+          <a:effectRef idx="0">
+            <a:schemeClr val="accent1"/>
+          </a:effectRef>
+          <a:fontRef idx="minor">
+            <a:schemeClr val="tx1"/>
+          </a:fontRef>
+        </p:style>
+      </p:cxnSp>
+      <p:cxnSp>
+        <p:nvCxnSpPr>
+          <p:cNvPr id="147" name="Straight Arrow Connector 146">
+            <a:extLst>
+              <a:ext uri="{FF2B5EF4-FFF2-40B4-BE49-F238E27FC236}">
+                <a16:creationId xmlns:a16="http://schemas.microsoft.com/office/drawing/2014/main" id="{FFA5272F-4B5F-4546-A2AF-A57DC89DF7A1}"/>
+              </a:ext>
+            </a:extLst>
+          </p:cNvPr>
+          <p:cNvCxnSpPr>
+            <a:cxnSpLocks/>
+          </p:cNvCxnSpPr>
+          <p:nvPr/>
+        </p:nvCxnSpPr>
+        <p:spPr>
+          <a:xfrm flipV="1">
+            <a:off x="9447798" y="1055163"/>
+            <a:ext cx="497178" cy="519437"/>
+          </a:xfrm>
+          <a:prstGeom prst="straightConnector1">
+            <a:avLst/>
+          </a:prstGeom>
+          <a:ln w="76200">
+            <a:solidFill>
+              <a:srgbClr val="0070C0">
+                <a:alpha val="43000"/>
+              </a:srgbClr>
+            </a:solidFill>
+            <a:headEnd type="triangle" w="med" len="med"/>
+            <a:tailEnd type="none" w="med" len="med"/>
+          </a:ln>
+        </p:spPr>
+        <p:style>
+          <a:lnRef idx="1">
+            <a:schemeClr val="accent1"/>
+          </a:lnRef>
+          <a:fillRef idx="0">
+            <a:schemeClr val="accent1"/>
+          </a:fillRef>
+          <a:effectRef idx="0">
+            <a:schemeClr val="accent1"/>
+          </a:effectRef>
+          <a:fontRef idx="minor">
+            <a:schemeClr val="tx1"/>
+          </a:fontRef>
+        </p:style>
+      </p:cxnSp>
+      <p:cxnSp>
+        <p:nvCxnSpPr>
+          <p:cNvPr id="149" name="Straight Arrow Connector 148">
+            <a:extLst>
+              <a:ext uri="{FF2B5EF4-FFF2-40B4-BE49-F238E27FC236}">
+                <a16:creationId xmlns:a16="http://schemas.microsoft.com/office/drawing/2014/main" id="{F9BB166D-518D-43E5-B7C6-5CE50CEB42FB}"/>
+              </a:ext>
+            </a:extLst>
+          </p:cNvPr>
+          <p:cNvCxnSpPr>
+            <a:cxnSpLocks/>
+          </p:cNvCxnSpPr>
+          <p:nvPr/>
+        </p:nvCxnSpPr>
+        <p:spPr>
+          <a:xfrm flipV="1">
+            <a:off x="10433545" y="2302964"/>
+            <a:ext cx="497178" cy="519437"/>
+          </a:xfrm>
+          <a:prstGeom prst="straightConnector1">
+            <a:avLst/>
+          </a:prstGeom>
+          <a:ln w="76200">
+            <a:solidFill>
+              <a:srgbClr val="0070C0">
+                <a:alpha val="43000"/>
+              </a:srgbClr>
+            </a:solidFill>
+            <a:headEnd type="triangle" w="med" len="med"/>
+            <a:tailEnd type="none" w="med" len="med"/>
+          </a:ln>
+        </p:spPr>
+        <p:style>
+          <a:lnRef idx="1">
+            <a:schemeClr val="accent1"/>
+          </a:lnRef>
+          <a:fillRef idx="0">
+            <a:schemeClr val="accent1"/>
+          </a:fillRef>
+          <a:effectRef idx="0">
+            <a:schemeClr val="accent1"/>
+          </a:effectRef>
+          <a:fontRef idx="minor">
+            <a:schemeClr val="tx1"/>
+          </a:fontRef>
+        </p:style>
+      </p:cxnSp>
+      <p:sp>
+        <p:nvSpPr>
+          <p:cNvPr id="150" name="TextBox 149">
+            <a:extLst>
+              <a:ext uri="{FF2B5EF4-FFF2-40B4-BE49-F238E27FC236}">
+                <a16:creationId xmlns:a16="http://schemas.microsoft.com/office/drawing/2014/main" id="{1CCE6507-2BA6-4522-B1D8-18BBC31238D7}"/>
+              </a:ext>
+            </a:extLst>
+          </p:cNvPr>
+          <p:cNvSpPr txBox="1"/>
+          <p:nvPr/>
+        </p:nvSpPr>
+        <p:spPr>
+          <a:xfrm>
+            <a:off x="6433094" y="506350"/>
+            <a:ext cx="2647328" cy="523220"/>
+          </a:xfrm>
+          <a:prstGeom prst="rect">
+            <a:avLst/>
+          </a:prstGeom>
+          <a:noFill/>
+        </p:spPr>
+        <p:txBody>
+          <a:bodyPr wrap="none" rtlCol="0">
+            <a:spAutoFit/>
+          </a:bodyPr>
+          <a:lstStyle/>
+          <a:p>
+            <a:r>
+              <a:rPr lang="en-US" sz="2800" b="1" dirty="0"/>
+              <a:t>Inter-parallelism</a:t>
+            </a:r>
+          </a:p>
+        </p:txBody>
+      </p:sp>
+      <p:cxnSp>
+        <p:nvCxnSpPr>
+          <p:cNvPr id="152" name="Straight Arrow Connector 151">
+            <a:extLst>
+              <a:ext uri="{FF2B5EF4-FFF2-40B4-BE49-F238E27FC236}">
+                <a16:creationId xmlns:a16="http://schemas.microsoft.com/office/drawing/2014/main" id="{9E657190-5622-49CF-B38A-FE30FB55718C}"/>
+              </a:ext>
+            </a:extLst>
+          </p:cNvPr>
+          <p:cNvCxnSpPr>
+            <a:cxnSpLocks/>
+          </p:cNvCxnSpPr>
+          <p:nvPr/>
+        </p:nvCxnSpPr>
+        <p:spPr>
+          <a:xfrm flipH="1" flipV="1">
+            <a:off x="8571878" y="1136712"/>
+            <a:ext cx="305214" cy="437889"/>
+          </a:xfrm>
+          <a:prstGeom prst="straightConnector1">
+            <a:avLst/>
+          </a:prstGeom>
+          <a:ln w="57150">
+            <a:prstDash val="dash"/>
+            <a:tailEnd type="triangle"/>
+          </a:ln>
+        </p:spPr>
+        <p:style>
+          <a:lnRef idx="1">
+            <a:schemeClr val="accent1"/>
+          </a:lnRef>
+          <a:fillRef idx="0">
+            <a:schemeClr val="accent1"/>
+          </a:fillRef>
+          <a:effectRef idx="0">
+            <a:schemeClr val="accent1"/>
+          </a:effectRef>
+          <a:fontRef idx="minor">
+            <a:schemeClr val="tx1"/>
+          </a:fontRef>
+        </p:style>
+      </p:cxnSp>
+      <p:cxnSp>
+        <p:nvCxnSpPr>
+          <p:cNvPr id="153" name="Straight Arrow Connector 152">
+            <a:extLst>
+              <a:ext uri="{FF2B5EF4-FFF2-40B4-BE49-F238E27FC236}">
+                <a16:creationId xmlns:a16="http://schemas.microsoft.com/office/drawing/2014/main" id="{39EA82FC-9AF8-4E46-A379-D38A2B9DAD27}"/>
+              </a:ext>
+            </a:extLst>
+          </p:cNvPr>
+          <p:cNvCxnSpPr>
+            <a:cxnSpLocks/>
+          </p:cNvCxnSpPr>
+          <p:nvPr/>
+        </p:nvCxnSpPr>
+        <p:spPr>
+          <a:xfrm flipH="1" flipV="1">
+            <a:off x="8877092" y="1029368"/>
+            <a:ext cx="1799268" cy="630320"/>
+          </a:xfrm>
+          <a:prstGeom prst="straightConnector1">
+            <a:avLst/>
+          </a:prstGeom>
+          <a:ln w="57150">
+            <a:prstDash val="dash"/>
+            <a:tailEnd type="triangle"/>
+          </a:ln>
+        </p:spPr>
+        <p:style>
+          <a:lnRef idx="1">
+            <a:schemeClr val="accent1"/>
+          </a:lnRef>
+          <a:fillRef idx="0">
+            <a:schemeClr val="accent1"/>
+          </a:fillRef>
+          <a:effectRef idx="0">
+            <a:schemeClr val="accent1"/>
+          </a:effectRef>
+          <a:fontRef idx="minor">
+            <a:schemeClr val="tx1"/>
+          </a:fontRef>
+        </p:style>
+      </p:cxnSp>
+    </p:spTree>
+    <p:extLst>
+      <p:ext uri="{BB962C8B-B14F-4D97-AF65-F5344CB8AC3E}">
+        <p14:creationId xmlns:p14="http://schemas.microsoft.com/office/powerpoint/2010/main" val="3779427824"/>
+      </p:ext>
+    </p:extLst>
+  </p:cSld>
+  <p:clrMapOvr>
+    <a:masterClrMapping/>
+  </p:clrMapOvr>
+</p:sld>
+</file>
+
 <file path=ppt/slides/slide3.xml><?xml version="1.0" encoding="utf-8"?>
 <p:sld xmlns:a="http://schemas.openxmlformats.org/drawingml/2006/main" xmlns:r="http://schemas.openxmlformats.org/officeDocument/2006/relationships" xmlns:p="http://schemas.openxmlformats.org/presentationml/2006/main">
   <p:cSld>

--- a/Slides/figures.pptx
+++ b/Slides/figures.pptx
@@ -5,7 +5,7 @@
     <p:sldMasterId id="2147483660" r:id="rId4"/>
   </p:sldMasterIdLst>
   <p:notesMasterIdLst>
-    <p:notesMasterId r:id="rId26"/>
+    <p:notesMasterId r:id="rId28"/>
   </p:notesMasterIdLst>
   <p:sldIdLst>
     <p:sldId id="256" r:id="rId5"/>
@@ -29,6 +29,8 @@
     <p:sldId id="275" r:id="rId23"/>
     <p:sldId id="276" r:id="rId24"/>
     <p:sldId id="277" r:id="rId25"/>
+    <p:sldId id="278" r:id="rId26"/>
+    <p:sldId id="279" r:id="rId27"/>
   </p:sldIdLst>
   <p:sldSz cx="12192000" cy="8961438"/>
   <p:notesSz cx="6858000" cy="9144000"/>
@@ -217,7 +219,7 @@
           <a:p>
             <a:fld id="{461AEF44-E510-4251-A5BC-36EBF3245816}" type="datetimeFigureOut">
               <a:rPr lang="en-US" smtClean="0"/>
-              <a:t>10/13/2020</a:t>
+              <a:t>11/4/2020</a:t>
             </a:fld>
             <a:endParaRPr lang="en-US"/>
           </a:p>
@@ -736,6 +738,174 @@
 </p:notes>
 </file>
 
+<file path=ppt/notesSlides/notesSlide4.xml><?xml version="1.0" encoding="utf-8"?>
+<p:notes xmlns:a="http://schemas.openxmlformats.org/drawingml/2006/main" xmlns:r="http://schemas.openxmlformats.org/officeDocument/2006/relationships" xmlns:p="http://schemas.openxmlformats.org/presentationml/2006/main">
+  <p:cSld>
+    <p:spTree>
+      <p:nvGrpSpPr>
+        <p:cNvPr id="1" name=""/>
+        <p:cNvGrpSpPr/>
+        <p:nvPr/>
+      </p:nvGrpSpPr>
+      <p:grpSpPr>
+        <a:xfrm>
+          <a:off x="0" y="0"/>
+          <a:ext cx="0" cy="0"/>
+          <a:chOff x="0" y="0"/>
+          <a:chExt cx="0" cy="0"/>
+        </a:xfrm>
+      </p:grpSpPr>
+      <p:sp>
+        <p:nvSpPr>
+          <p:cNvPr id="2" name="Slide Image Placeholder 1"/>
+          <p:cNvSpPr>
+            <a:spLocks noGrp="1" noRot="1" noChangeAspect="1"/>
+          </p:cNvSpPr>
+          <p:nvPr>
+            <p:ph type="sldImg"/>
+          </p:nvPr>
+        </p:nvSpPr>
+        <p:spPr/>
+      </p:sp>
+      <p:sp>
+        <p:nvSpPr>
+          <p:cNvPr id="3" name="Notes Placeholder 2"/>
+          <p:cNvSpPr>
+            <a:spLocks noGrp="1"/>
+          </p:cNvSpPr>
+          <p:nvPr>
+            <p:ph type="body" idx="1"/>
+          </p:nvPr>
+        </p:nvSpPr>
+        <p:spPr/>
+        <p:txBody>
+          <a:bodyPr/>
+          <a:lstStyle/>
+          <a:p>
+            <a:endParaRPr lang="en-US" dirty="0"/>
+          </a:p>
+        </p:txBody>
+      </p:sp>
+      <p:sp>
+        <p:nvSpPr>
+          <p:cNvPr id="4" name="Slide Number Placeholder 3"/>
+          <p:cNvSpPr>
+            <a:spLocks noGrp="1"/>
+          </p:cNvSpPr>
+          <p:nvPr>
+            <p:ph type="sldNum" sz="quarter" idx="5"/>
+          </p:nvPr>
+        </p:nvSpPr>
+        <p:spPr/>
+        <p:txBody>
+          <a:bodyPr/>
+          <a:lstStyle/>
+          <a:p>
+            <a:fld id="{AC5AF634-82CA-4179-ABDE-05BFF70A8F24}" type="slidenum">
+              <a:rPr lang="en-US" smtClean="0"/>
+              <a:t>22</a:t>
+            </a:fld>
+            <a:endParaRPr lang="en-US"/>
+          </a:p>
+        </p:txBody>
+      </p:sp>
+    </p:spTree>
+    <p:extLst>
+      <p:ext uri="{BB962C8B-B14F-4D97-AF65-F5344CB8AC3E}">
+        <p14:creationId xmlns:p14="http://schemas.microsoft.com/office/powerpoint/2010/main" val="1892554306"/>
+      </p:ext>
+    </p:extLst>
+  </p:cSld>
+  <p:clrMapOvr>
+    <a:masterClrMapping/>
+  </p:clrMapOvr>
+</p:notes>
+</file>
+
+<file path=ppt/notesSlides/notesSlide5.xml><?xml version="1.0" encoding="utf-8"?>
+<p:notes xmlns:a="http://schemas.openxmlformats.org/drawingml/2006/main" xmlns:r="http://schemas.openxmlformats.org/officeDocument/2006/relationships" xmlns:p="http://schemas.openxmlformats.org/presentationml/2006/main">
+  <p:cSld>
+    <p:spTree>
+      <p:nvGrpSpPr>
+        <p:cNvPr id="1" name=""/>
+        <p:cNvGrpSpPr/>
+        <p:nvPr/>
+      </p:nvGrpSpPr>
+      <p:grpSpPr>
+        <a:xfrm>
+          <a:off x="0" y="0"/>
+          <a:ext cx="0" cy="0"/>
+          <a:chOff x="0" y="0"/>
+          <a:chExt cx="0" cy="0"/>
+        </a:xfrm>
+      </p:grpSpPr>
+      <p:sp>
+        <p:nvSpPr>
+          <p:cNvPr id="2" name="Slide Image Placeholder 1"/>
+          <p:cNvSpPr>
+            <a:spLocks noGrp="1" noRot="1" noChangeAspect="1"/>
+          </p:cNvSpPr>
+          <p:nvPr>
+            <p:ph type="sldImg"/>
+          </p:nvPr>
+        </p:nvSpPr>
+        <p:spPr/>
+      </p:sp>
+      <p:sp>
+        <p:nvSpPr>
+          <p:cNvPr id="3" name="Notes Placeholder 2"/>
+          <p:cNvSpPr>
+            <a:spLocks noGrp="1"/>
+          </p:cNvSpPr>
+          <p:nvPr>
+            <p:ph type="body" idx="1"/>
+          </p:nvPr>
+        </p:nvSpPr>
+        <p:spPr/>
+        <p:txBody>
+          <a:bodyPr/>
+          <a:lstStyle/>
+          <a:p>
+            <a:endParaRPr lang="en-US" dirty="0"/>
+          </a:p>
+        </p:txBody>
+      </p:sp>
+      <p:sp>
+        <p:nvSpPr>
+          <p:cNvPr id="4" name="Slide Number Placeholder 3"/>
+          <p:cNvSpPr>
+            <a:spLocks noGrp="1"/>
+          </p:cNvSpPr>
+          <p:nvPr>
+            <p:ph type="sldNum" sz="quarter" idx="5"/>
+          </p:nvPr>
+        </p:nvSpPr>
+        <p:spPr/>
+        <p:txBody>
+          <a:bodyPr/>
+          <a:lstStyle/>
+          <a:p>
+            <a:fld id="{AC5AF634-82CA-4179-ABDE-05BFF70A8F24}" type="slidenum">
+              <a:rPr lang="en-US" smtClean="0"/>
+              <a:t>23</a:t>
+            </a:fld>
+            <a:endParaRPr lang="en-US"/>
+          </a:p>
+        </p:txBody>
+      </p:sp>
+    </p:spTree>
+    <p:extLst>
+      <p:ext uri="{BB962C8B-B14F-4D97-AF65-F5344CB8AC3E}">
+        <p14:creationId xmlns:p14="http://schemas.microsoft.com/office/powerpoint/2010/main" val="3979639712"/>
+      </p:ext>
+    </p:extLst>
+  </p:cSld>
+  <p:clrMapOvr>
+    <a:masterClrMapping/>
+  </p:clrMapOvr>
+</p:notes>
+</file>
+
 <file path=ppt/slideLayouts/slideLayout1.xml><?xml version="1.0" encoding="utf-8"?>
 <p:sldLayout xmlns:a="http://schemas.openxmlformats.org/drawingml/2006/main" xmlns:r="http://schemas.openxmlformats.org/officeDocument/2006/relationships" xmlns:p="http://schemas.openxmlformats.org/presentationml/2006/main" type="title" preserve="1">
   <p:cSld name="Title Slide">
@@ -867,7 +1037,7 @@
           <a:p>
             <a:fld id="{61C71226-6BCE-43B6-9B8C-D352B0229DA2}" type="datetimeFigureOut">
               <a:rPr lang="en-US" smtClean="0"/>
-              <a:t>10/13/2020</a:t>
+              <a:t>11/4/2020</a:t>
             </a:fld>
             <a:endParaRPr lang="en-US"/>
           </a:p>
@@ -1037,7 +1207,7 @@
           <a:p>
             <a:fld id="{61C71226-6BCE-43B6-9B8C-D352B0229DA2}" type="datetimeFigureOut">
               <a:rPr lang="en-US" smtClean="0"/>
-              <a:t>10/13/2020</a:t>
+              <a:t>11/4/2020</a:t>
             </a:fld>
             <a:endParaRPr lang="en-US"/>
           </a:p>
@@ -1217,7 +1387,7 @@
           <a:p>
             <a:fld id="{61C71226-6BCE-43B6-9B8C-D352B0229DA2}" type="datetimeFigureOut">
               <a:rPr lang="en-US" smtClean="0"/>
-              <a:t>10/13/2020</a:t>
+              <a:t>11/4/2020</a:t>
             </a:fld>
             <a:endParaRPr lang="en-US"/>
           </a:p>
@@ -1387,7 +1557,7 @@
           <a:p>
             <a:fld id="{61C71226-6BCE-43B6-9B8C-D352B0229DA2}" type="datetimeFigureOut">
               <a:rPr lang="en-US" smtClean="0"/>
-              <a:t>10/13/2020</a:t>
+              <a:t>11/4/2020</a:t>
             </a:fld>
             <a:endParaRPr lang="en-US"/>
           </a:p>
@@ -1631,7 +1801,7 @@
           <a:p>
             <a:fld id="{61C71226-6BCE-43B6-9B8C-D352B0229DA2}" type="datetimeFigureOut">
               <a:rPr lang="en-US" smtClean="0"/>
-              <a:t>10/13/2020</a:t>
+              <a:t>11/4/2020</a:t>
             </a:fld>
             <a:endParaRPr lang="en-US"/>
           </a:p>
@@ -1863,7 +2033,7 @@
           <a:p>
             <a:fld id="{61C71226-6BCE-43B6-9B8C-D352B0229DA2}" type="datetimeFigureOut">
               <a:rPr lang="en-US" smtClean="0"/>
-              <a:t>10/13/2020</a:t>
+              <a:t>11/4/2020</a:t>
             </a:fld>
             <a:endParaRPr lang="en-US"/>
           </a:p>
@@ -2230,7 +2400,7 @@
           <a:p>
             <a:fld id="{61C71226-6BCE-43B6-9B8C-D352B0229DA2}" type="datetimeFigureOut">
               <a:rPr lang="en-US" smtClean="0"/>
-              <a:t>10/13/2020</a:t>
+              <a:t>11/4/2020</a:t>
             </a:fld>
             <a:endParaRPr lang="en-US"/>
           </a:p>
@@ -2348,7 +2518,7 @@
           <a:p>
             <a:fld id="{61C71226-6BCE-43B6-9B8C-D352B0229DA2}" type="datetimeFigureOut">
               <a:rPr lang="en-US" smtClean="0"/>
-              <a:t>10/13/2020</a:t>
+              <a:t>11/4/2020</a:t>
             </a:fld>
             <a:endParaRPr lang="en-US"/>
           </a:p>
@@ -2443,7 +2613,7 @@
           <a:p>
             <a:fld id="{61C71226-6BCE-43B6-9B8C-D352B0229DA2}" type="datetimeFigureOut">
               <a:rPr lang="en-US" smtClean="0"/>
-              <a:t>10/13/2020</a:t>
+              <a:t>11/4/2020</a:t>
             </a:fld>
             <a:endParaRPr lang="en-US"/>
           </a:p>
@@ -2720,7 +2890,7 @@
           <a:p>
             <a:fld id="{61C71226-6BCE-43B6-9B8C-D352B0229DA2}" type="datetimeFigureOut">
               <a:rPr lang="en-US" smtClean="0"/>
-              <a:t>10/13/2020</a:t>
+              <a:t>11/4/2020</a:t>
             </a:fld>
             <a:endParaRPr lang="en-US"/>
           </a:p>
@@ -2977,7 +3147,7 @@
           <a:p>
             <a:fld id="{61C71226-6BCE-43B6-9B8C-D352B0229DA2}" type="datetimeFigureOut">
               <a:rPr lang="en-US" smtClean="0"/>
-              <a:t>10/13/2020</a:t>
+              <a:t>11/4/2020</a:t>
             </a:fld>
             <a:endParaRPr lang="en-US"/>
           </a:p>
@@ -3190,7 +3360,7 @@
           <a:p>
             <a:fld id="{61C71226-6BCE-43B6-9B8C-D352B0229DA2}" type="datetimeFigureOut">
               <a:rPr lang="en-US" smtClean="0"/>
-              <a:t>10/13/2020</a:t>
+              <a:t>11/4/2020</a:t>
             </a:fld>
             <a:endParaRPr lang="en-US"/>
           </a:p>
@@ -5385,7 +5555,7 @@
           <a:graphicData uri="http://schemas.openxmlformats.org/presentationml/2006/ole">
             <mc:AlternateContent xmlns:mc="http://schemas.openxmlformats.org/markup-compatibility/2006">
               <mc:Choice xmlns:v="urn:schemas-microsoft-com:vml" Requires="v">
-                <p:oleObj spid="_x0000_s1050" name="Equation" r:id="rId4" imgW="914400" imgH="198720" progId="Equation.DSMT4">
+                <p:oleObj spid="_x0000_s1054" name="Equation" r:id="rId4" imgW="914400" imgH="198720" progId="Equation.DSMT4">
                   <p:embed/>
                 </p:oleObj>
               </mc:Choice>
@@ -13613,8 +13783,8 @@
         </p:nvSpPr>
         <p:spPr>
           <a:xfrm>
-            <a:off x="1727746" y="4903470"/>
-            <a:ext cx="2841804" cy="523220"/>
+            <a:off x="1855762" y="4903470"/>
+            <a:ext cx="2587118" cy="523220"/>
           </a:xfrm>
           <a:prstGeom prst="rect">
             <a:avLst/>
@@ -13629,8 +13799,13 @@
           <a:p>
             <a:r>
               <a:rPr lang="en-US" sz="2800" b="1" dirty="0"/>
-              <a:t>PoreFlow/ADCME</a:t>
+              <a:t>ADCME/</a:t>
             </a:r>
+            <a:r>
+              <a:rPr lang="en-US" sz="2800" b="1" dirty="0" err="1"/>
+              <a:t>AdFem</a:t>
+            </a:r>
+            <a:endParaRPr lang="en-US" sz="2800" b="1" dirty="0"/>
           </a:p>
         </p:txBody>
       </p:sp>
@@ -15331,7 +15506,7 @@
             <a:lstStyle/>
             <a:p>
               <a:pPr algn="ctr"/>
-              <a:endParaRPr lang="en-US"/>
+              <a:endParaRPr lang="en-US" dirty="0"/>
             </a:p>
           </p:txBody>
         </p:sp>
@@ -25652,6 +25827,5990 @@
 </p:sld>
 </file>
 
+<file path=ppt/slides/slide22.xml><?xml version="1.0" encoding="utf-8"?>
+<p:sld xmlns:a="http://schemas.openxmlformats.org/drawingml/2006/main" xmlns:r="http://schemas.openxmlformats.org/officeDocument/2006/relationships" xmlns:p="http://schemas.openxmlformats.org/presentationml/2006/main">
+  <p:cSld>
+    <p:spTree>
+      <p:nvGrpSpPr>
+        <p:cNvPr id="1" name=""/>
+        <p:cNvGrpSpPr/>
+        <p:nvPr/>
+      </p:nvGrpSpPr>
+      <p:grpSpPr>
+        <a:xfrm>
+          <a:off x="0" y="0"/>
+          <a:ext cx="0" cy="0"/>
+          <a:chOff x="0" y="0"/>
+          <a:chExt cx="0" cy="0"/>
+        </a:xfrm>
+      </p:grpSpPr>
+      <p:sp>
+        <p:nvSpPr>
+          <p:cNvPr id="91" name="Oval 90">
+            <a:extLst>
+              <a:ext uri="{FF2B5EF4-FFF2-40B4-BE49-F238E27FC236}">
+                <a16:creationId xmlns:a16="http://schemas.microsoft.com/office/drawing/2014/main" id="{19FC2366-A373-48BC-98F7-98E044795E64}"/>
+              </a:ext>
+            </a:extLst>
+          </p:cNvPr>
+          <p:cNvSpPr/>
+          <p:nvPr/>
+        </p:nvSpPr>
+        <p:spPr>
+          <a:xfrm>
+            <a:off x="1532117" y="1422020"/>
+            <a:ext cx="348906" cy="348906"/>
+          </a:xfrm>
+          <a:prstGeom prst="ellipse">
+            <a:avLst/>
+          </a:prstGeom>
+          <a:solidFill>
+            <a:srgbClr val="FFC000"/>
+          </a:solidFill>
+          <a:ln w="57150">
+            <a:noFill/>
+          </a:ln>
+        </p:spPr>
+        <p:style>
+          <a:lnRef idx="2">
+            <a:schemeClr val="accent1">
+              <a:shade val="50000"/>
+            </a:schemeClr>
+          </a:lnRef>
+          <a:fillRef idx="1">
+            <a:schemeClr val="accent1"/>
+          </a:fillRef>
+          <a:effectRef idx="0">
+            <a:schemeClr val="accent1"/>
+          </a:effectRef>
+          <a:fontRef idx="minor">
+            <a:schemeClr val="lt1"/>
+          </a:fontRef>
+        </p:style>
+        <p:txBody>
+          <a:bodyPr rtlCol="0" anchor="ctr"/>
+          <a:lstStyle/>
+          <a:p>
+            <a:pPr algn="ctr"/>
+            <a:endParaRPr lang="en-US" dirty="0"/>
+          </a:p>
+        </p:txBody>
+      </p:sp>
+      <p:sp>
+        <p:nvSpPr>
+          <p:cNvPr id="92" name="Oval 91">
+            <a:extLst>
+              <a:ext uri="{FF2B5EF4-FFF2-40B4-BE49-F238E27FC236}">
+                <a16:creationId xmlns:a16="http://schemas.microsoft.com/office/drawing/2014/main" id="{A3F9D991-871F-4E77-835F-89492B78B03E}"/>
+              </a:ext>
+            </a:extLst>
+          </p:cNvPr>
+          <p:cNvSpPr/>
+          <p:nvPr/>
+        </p:nvSpPr>
+        <p:spPr>
+          <a:xfrm>
+            <a:off x="731798" y="2257590"/>
+            <a:ext cx="348906" cy="348906"/>
+          </a:xfrm>
+          <a:prstGeom prst="ellipse">
+            <a:avLst/>
+          </a:prstGeom>
+          <a:solidFill>
+            <a:srgbClr val="FFC000"/>
+          </a:solidFill>
+          <a:ln w="57150">
+            <a:noFill/>
+          </a:ln>
+        </p:spPr>
+        <p:style>
+          <a:lnRef idx="2">
+            <a:schemeClr val="accent1">
+              <a:shade val="50000"/>
+            </a:schemeClr>
+          </a:lnRef>
+          <a:fillRef idx="1">
+            <a:schemeClr val="accent1"/>
+          </a:fillRef>
+          <a:effectRef idx="0">
+            <a:schemeClr val="accent1"/>
+          </a:effectRef>
+          <a:fontRef idx="minor">
+            <a:schemeClr val="lt1"/>
+          </a:fontRef>
+        </p:style>
+        <p:txBody>
+          <a:bodyPr rtlCol="0" anchor="ctr"/>
+          <a:lstStyle/>
+          <a:p>
+            <a:pPr algn="ctr"/>
+            <a:endParaRPr lang="en-US" dirty="0"/>
+          </a:p>
+        </p:txBody>
+      </p:sp>
+      <p:sp>
+        <p:nvSpPr>
+          <p:cNvPr id="97" name="Oval 96">
+            <a:extLst>
+              <a:ext uri="{FF2B5EF4-FFF2-40B4-BE49-F238E27FC236}">
+                <a16:creationId xmlns:a16="http://schemas.microsoft.com/office/drawing/2014/main" id="{CEEBF22F-FD8A-4E8F-ABD4-3639752B6950}"/>
+              </a:ext>
+            </a:extLst>
+          </p:cNvPr>
+          <p:cNvSpPr/>
+          <p:nvPr/>
+        </p:nvSpPr>
+        <p:spPr>
+          <a:xfrm>
+            <a:off x="1996180" y="3579824"/>
+            <a:ext cx="348906" cy="348906"/>
+          </a:xfrm>
+          <a:prstGeom prst="ellipse">
+            <a:avLst/>
+          </a:prstGeom>
+          <a:solidFill>
+            <a:srgbClr val="FFC000"/>
+          </a:solidFill>
+          <a:ln w="57150">
+            <a:noFill/>
+          </a:ln>
+        </p:spPr>
+        <p:style>
+          <a:lnRef idx="2">
+            <a:schemeClr val="accent1">
+              <a:shade val="50000"/>
+            </a:schemeClr>
+          </a:lnRef>
+          <a:fillRef idx="1">
+            <a:schemeClr val="accent1"/>
+          </a:fillRef>
+          <a:effectRef idx="0">
+            <a:schemeClr val="accent1"/>
+          </a:effectRef>
+          <a:fontRef idx="minor">
+            <a:schemeClr val="lt1"/>
+          </a:fontRef>
+        </p:style>
+        <p:txBody>
+          <a:bodyPr rtlCol="0" anchor="ctr"/>
+          <a:lstStyle/>
+          <a:p>
+            <a:pPr algn="ctr"/>
+            <a:endParaRPr lang="en-US" dirty="0"/>
+          </a:p>
+        </p:txBody>
+      </p:sp>
+      <p:sp>
+        <p:nvSpPr>
+          <p:cNvPr id="98" name="Oval 97">
+            <a:extLst>
+              <a:ext uri="{FF2B5EF4-FFF2-40B4-BE49-F238E27FC236}">
+                <a16:creationId xmlns:a16="http://schemas.microsoft.com/office/drawing/2014/main" id="{81BE9453-35A4-4ADC-98F6-A1CFEA2D9706}"/>
+              </a:ext>
+            </a:extLst>
+          </p:cNvPr>
+          <p:cNvSpPr/>
+          <p:nvPr/>
+        </p:nvSpPr>
+        <p:spPr>
+          <a:xfrm>
+            <a:off x="2293990" y="2257590"/>
+            <a:ext cx="348906" cy="348906"/>
+          </a:xfrm>
+          <a:prstGeom prst="ellipse">
+            <a:avLst/>
+          </a:prstGeom>
+          <a:solidFill>
+            <a:srgbClr val="FFC000"/>
+          </a:solidFill>
+          <a:ln w="57150">
+            <a:noFill/>
+          </a:ln>
+        </p:spPr>
+        <p:style>
+          <a:lnRef idx="2">
+            <a:schemeClr val="accent1">
+              <a:shade val="50000"/>
+            </a:schemeClr>
+          </a:lnRef>
+          <a:fillRef idx="1">
+            <a:schemeClr val="accent1"/>
+          </a:fillRef>
+          <a:effectRef idx="0">
+            <a:schemeClr val="accent1"/>
+          </a:effectRef>
+          <a:fontRef idx="minor">
+            <a:schemeClr val="lt1"/>
+          </a:fontRef>
+        </p:style>
+        <p:txBody>
+          <a:bodyPr rtlCol="0" anchor="ctr"/>
+          <a:lstStyle/>
+          <a:p>
+            <a:pPr algn="ctr"/>
+            <a:endParaRPr lang="en-US" dirty="0"/>
+          </a:p>
+        </p:txBody>
+      </p:sp>
+      <p:sp>
+        <p:nvSpPr>
+          <p:cNvPr id="99" name="Oval 98">
+            <a:extLst>
+              <a:ext uri="{FF2B5EF4-FFF2-40B4-BE49-F238E27FC236}">
+                <a16:creationId xmlns:a16="http://schemas.microsoft.com/office/drawing/2014/main" id="{2FCD8F57-8F2C-4251-AE8F-29894D40126D}"/>
+              </a:ext>
+            </a:extLst>
+          </p:cNvPr>
+          <p:cNvSpPr/>
+          <p:nvPr/>
+        </p:nvSpPr>
+        <p:spPr>
+          <a:xfrm>
+            <a:off x="906251" y="3216517"/>
+            <a:ext cx="348906" cy="348906"/>
+          </a:xfrm>
+          <a:prstGeom prst="ellipse">
+            <a:avLst/>
+          </a:prstGeom>
+          <a:solidFill>
+            <a:srgbClr val="FFC000"/>
+          </a:solidFill>
+          <a:ln w="57150">
+            <a:noFill/>
+          </a:ln>
+        </p:spPr>
+        <p:style>
+          <a:lnRef idx="2">
+            <a:schemeClr val="accent1">
+              <a:shade val="50000"/>
+            </a:schemeClr>
+          </a:lnRef>
+          <a:fillRef idx="1">
+            <a:schemeClr val="accent1"/>
+          </a:fillRef>
+          <a:effectRef idx="0">
+            <a:schemeClr val="accent1"/>
+          </a:effectRef>
+          <a:fontRef idx="minor">
+            <a:schemeClr val="lt1"/>
+          </a:fontRef>
+        </p:style>
+        <p:txBody>
+          <a:bodyPr rtlCol="0" anchor="ctr"/>
+          <a:lstStyle/>
+          <a:p>
+            <a:pPr algn="ctr"/>
+            <a:endParaRPr lang="en-US" dirty="0"/>
+          </a:p>
+        </p:txBody>
+      </p:sp>
+      <p:cxnSp>
+        <p:nvCxnSpPr>
+          <p:cNvPr id="7" name="Straight Arrow Connector 6">
+            <a:extLst>
+              <a:ext uri="{FF2B5EF4-FFF2-40B4-BE49-F238E27FC236}">
+                <a16:creationId xmlns:a16="http://schemas.microsoft.com/office/drawing/2014/main" id="{6C52EED2-E729-4B62-9CF4-261A3425B55D}"/>
+              </a:ext>
+            </a:extLst>
+          </p:cNvPr>
+          <p:cNvCxnSpPr/>
+          <p:nvPr/>
+        </p:nvCxnSpPr>
+        <p:spPr>
+          <a:xfrm>
+            <a:off x="1706570" y="914400"/>
+            <a:ext cx="0" cy="507620"/>
+          </a:xfrm>
+          <a:prstGeom prst="straightConnector1">
+            <a:avLst/>
+          </a:prstGeom>
+          <a:ln w="19050">
+            <a:tailEnd type="triangle"/>
+          </a:ln>
+        </p:spPr>
+        <p:style>
+          <a:lnRef idx="1">
+            <a:schemeClr val="accent2"/>
+          </a:lnRef>
+          <a:fillRef idx="0">
+            <a:schemeClr val="accent2"/>
+          </a:fillRef>
+          <a:effectRef idx="0">
+            <a:schemeClr val="accent2"/>
+          </a:effectRef>
+          <a:fontRef idx="minor">
+            <a:schemeClr val="tx1"/>
+          </a:fontRef>
+        </p:style>
+      </p:cxnSp>
+      <p:cxnSp>
+        <p:nvCxnSpPr>
+          <p:cNvPr id="100" name="Straight Arrow Connector 99">
+            <a:extLst>
+              <a:ext uri="{FF2B5EF4-FFF2-40B4-BE49-F238E27FC236}">
+                <a16:creationId xmlns:a16="http://schemas.microsoft.com/office/drawing/2014/main" id="{D858519B-B887-460B-9F38-C3BD21D53689}"/>
+              </a:ext>
+            </a:extLst>
+          </p:cNvPr>
+          <p:cNvCxnSpPr>
+            <a:cxnSpLocks/>
+            <a:stCxn id="91" idx="3"/>
+            <a:endCxn id="92" idx="7"/>
+          </p:cNvCxnSpPr>
+          <p:nvPr/>
+        </p:nvCxnSpPr>
+        <p:spPr>
+          <a:xfrm flipH="1">
+            <a:off x="1029608" y="1719830"/>
+            <a:ext cx="553605" cy="588856"/>
+          </a:xfrm>
+          <a:prstGeom prst="straightConnector1">
+            <a:avLst/>
+          </a:prstGeom>
+          <a:ln w="19050">
+            <a:tailEnd type="triangle"/>
+          </a:ln>
+        </p:spPr>
+        <p:style>
+          <a:lnRef idx="1">
+            <a:schemeClr val="accent2"/>
+          </a:lnRef>
+          <a:fillRef idx="0">
+            <a:schemeClr val="accent2"/>
+          </a:fillRef>
+          <a:effectRef idx="0">
+            <a:schemeClr val="accent2"/>
+          </a:effectRef>
+          <a:fontRef idx="minor">
+            <a:schemeClr val="tx1"/>
+          </a:fontRef>
+        </p:style>
+      </p:cxnSp>
+      <p:cxnSp>
+        <p:nvCxnSpPr>
+          <p:cNvPr id="103" name="Straight Arrow Connector 102">
+            <a:extLst>
+              <a:ext uri="{FF2B5EF4-FFF2-40B4-BE49-F238E27FC236}">
+                <a16:creationId xmlns:a16="http://schemas.microsoft.com/office/drawing/2014/main" id="{1558F840-CABD-424F-BFB3-D31EB40273EC}"/>
+              </a:ext>
+            </a:extLst>
+          </p:cNvPr>
+          <p:cNvCxnSpPr>
+            <a:cxnSpLocks/>
+            <a:stCxn id="91" idx="5"/>
+            <a:endCxn id="98" idx="1"/>
+          </p:cNvCxnSpPr>
+          <p:nvPr/>
+        </p:nvCxnSpPr>
+        <p:spPr>
+          <a:xfrm>
+            <a:off x="1829927" y="1719830"/>
+            <a:ext cx="515159" cy="588856"/>
+          </a:xfrm>
+          <a:prstGeom prst="straightConnector1">
+            <a:avLst/>
+          </a:prstGeom>
+          <a:ln w="19050">
+            <a:tailEnd type="triangle"/>
+          </a:ln>
+        </p:spPr>
+        <p:style>
+          <a:lnRef idx="1">
+            <a:schemeClr val="accent2"/>
+          </a:lnRef>
+          <a:fillRef idx="0">
+            <a:schemeClr val="accent2"/>
+          </a:fillRef>
+          <a:effectRef idx="0">
+            <a:schemeClr val="accent2"/>
+          </a:effectRef>
+          <a:fontRef idx="minor">
+            <a:schemeClr val="tx1"/>
+          </a:fontRef>
+        </p:style>
+      </p:cxnSp>
+      <p:cxnSp>
+        <p:nvCxnSpPr>
+          <p:cNvPr id="117" name="Straight Arrow Connector 116">
+            <a:extLst>
+              <a:ext uri="{FF2B5EF4-FFF2-40B4-BE49-F238E27FC236}">
+                <a16:creationId xmlns:a16="http://schemas.microsoft.com/office/drawing/2014/main" id="{116523AC-C8E4-416C-B5DE-103AA2E8993E}"/>
+              </a:ext>
+            </a:extLst>
+          </p:cNvPr>
+          <p:cNvCxnSpPr>
+            <a:cxnSpLocks/>
+            <a:stCxn id="92" idx="5"/>
+            <a:endCxn id="97" idx="1"/>
+          </p:cNvCxnSpPr>
+          <p:nvPr/>
+        </p:nvCxnSpPr>
+        <p:spPr>
+          <a:xfrm>
+            <a:off x="1029608" y="2555400"/>
+            <a:ext cx="1017668" cy="1075520"/>
+          </a:xfrm>
+          <a:prstGeom prst="straightConnector1">
+            <a:avLst/>
+          </a:prstGeom>
+          <a:ln w="19050">
+            <a:tailEnd type="triangle"/>
+          </a:ln>
+        </p:spPr>
+        <p:style>
+          <a:lnRef idx="1">
+            <a:schemeClr val="accent2"/>
+          </a:lnRef>
+          <a:fillRef idx="0">
+            <a:schemeClr val="accent2"/>
+          </a:fillRef>
+          <a:effectRef idx="0">
+            <a:schemeClr val="accent2"/>
+          </a:effectRef>
+          <a:fontRef idx="minor">
+            <a:schemeClr val="tx1"/>
+          </a:fontRef>
+        </p:style>
+      </p:cxnSp>
+      <p:cxnSp>
+        <p:nvCxnSpPr>
+          <p:cNvPr id="119" name="Straight Arrow Connector 118">
+            <a:extLst>
+              <a:ext uri="{FF2B5EF4-FFF2-40B4-BE49-F238E27FC236}">
+                <a16:creationId xmlns:a16="http://schemas.microsoft.com/office/drawing/2014/main" id="{1AF9D2BF-08BA-46E8-ADF8-89B762AEFDAA}"/>
+              </a:ext>
+            </a:extLst>
+          </p:cNvPr>
+          <p:cNvCxnSpPr>
+            <a:cxnSpLocks/>
+            <a:stCxn id="98" idx="4"/>
+            <a:endCxn id="97" idx="0"/>
+          </p:cNvCxnSpPr>
+          <p:nvPr/>
+        </p:nvCxnSpPr>
+        <p:spPr>
+          <a:xfrm flipH="1">
+            <a:off x="2170633" y="2606496"/>
+            <a:ext cx="297810" cy="973328"/>
+          </a:xfrm>
+          <a:prstGeom prst="straightConnector1">
+            <a:avLst/>
+          </a:prstGeom>
+          <a:ln w="19050">
+            <a:tailEnd type="triangle"/>
+          </a:ln>
+        </p:spPr>
+        <p:style>
+          <a:lnRef idx="1">
+            <a:schemeClr val="accent2"/>
+          </a:lnRef>
+          <a:fillRef idx="0">
+            <a:schemeClr val="accent2"/>
+          </a:fillRef>
+          <a:effectRef idx="0">
+            <a:schemeClr val="accent2"/>
+          </a:effectRef>
+          <a:fontRef idx="minor">
+            <a:schemeClr val="tx1"/>
+          </a:fontRef>
+        </p:style>
+      </p:cxnSp>
+      <p:cxnSp>
+        <p:nvCxnSpPr>
+          <p:cNvPr id="121" name="Straight Arrow Connector 120">
+            <a:extLst>
+              <a:ext uri="{FF2B5EF4-FFF2-40B4-BE49-F238E27FC236}">
+                <a16:creationId xmlns:a16="http://schemas.microsoft.com/office/drawing/2014/main" id="{6CD87D0E-A88D-4CA4-9E9D-0612926A692B}"/>
+              </a:ext>
+            </a:extLst>
+          </p:cNvPr>
+          <p:cNvCxnSpPr>
+            <a:cxnSpLocks/>
+            <a:stCxn id="92" idx="4"/>
+            <a:endCxn id="99" idx="0"/>
+          </p:cNvCxnSpPr>
+          <p:nvPr/>
+        </p:nvCxnSpPr>
+        <p:spPr>
+          <a:xfrm>
+            <a:off x="906251" y="2606496"/>
+            <a:ext cx="174453" cy="610021"/>
+          </a:xfrm>
+          <a:prstGeom prst="straightConnector1">
+            <a:avLst/>
+          </a:prstGeom>
+          <a:ln w="19050">
+            <a:tailEnd type="triangle"/>
+          </a:ln>
+        </p:spPr>
+        <p:style>
+          <a:lnRef idx="1">
+            <a:schemeClr val="accent2"/>
+          </a:lnRef>
+          <a:fillRef idx="0">
+            <a:schemeClr val="accent2"/>
+          </a:fillRef>
+          <a:effectRef idx="0">
+            <a:schemeClr val="accent2"/>
+          </a:effectRef>
+          <a:fontRef idx="minor">
+            <a:schemeClr val="tx1"/>
+          </a:fontRef>
+        </p:style>
+      </p:cxnSp>
+      <p:sp>
+        <p:nvSpPr>
+          <p:cNvPr id="123" name="Oval 122">
+            <a:extLst>
+              <a:ext uri="{FF2B5EF4-FFF2-40B4-BE49-F238E27FC236}">
+                <a16:creationId xmlns:a16="http://schemas.microsoft.com/office/drawing/2014/main" id="{EC83EC50-06A8-431A-AFB7-E36054CCC405}"/>
+              </a:ext>
+            </a:extLst>
+          </p:cNvPr>
+          <p:cNvSpPr/>
+          <p:nvPr/>
+        </p:nvSpPr>
+        <p:spPr>
+          <a:xfrm>
+            <a:off x="1651374" y="2744254"/>
+            <a:ext cx="348906" cy="348906"/>
+          </a:xfrm>
+          <a:prstGeom prst="ellipse">
+            <a:avLst/>
+          </a:prstGeom>
+          <a:solidFill>
+            <a:srgbClr val="FFC000"/>
+          </a:solidFill>
+          <a:ln w="57150">
+            <a:noFill/>
+          </a:ln>
+        </p:spPr>
+        <p:style>
+          <a:lnRef idx="2">
+            <a:schemeClr val="accent1">
+              <a:shade val="50000"/>
+            </a:schemeClr>
+          </a:lnRef>
+          <a:fillRef idx="1">
+            <a:schemeClr val="accent1"/>
+          </a:fillRef>
+          <a:effectRef idx="0">
+            <a:schemeClr val="accent1"/>
+          </a:effectRef>
+          <a:fontRef idx="minor">
+            <a:schemeClr val="lt1"/>
+          </a:fontRef>
+        </p:style>
+        <p:txBody>
+          <a:bodyPr rtlCol="0" anchor="ctr"/>
+          <a:lstStyle/>
+          <a:p>
+            <a:pPr algn="ctr"/>
+            <a:endParaRPr lang="en-US" dirty="0"/>
+          </a:p>
+        </p:txBody>
+      </p:sp>
+      <p:cxnSp>
+        <p:nvCxnSpPr>
+          <p:cNvPr id="125" name="Straight Arrow Connector 124">
+            <a:extLst>
+              <a:ext uri="{FF2B5EF4-FFF2-40B4-BE49-F238E27FC236}">
+                <a16:creationId xmlns:a16="http://schemas.microsoft.com/office/drawing/2014/main" id="{B002D56D-D38F-4262-8DEC-D4C2069AB5E8}"/>
+              </a:ext>
+            </a:extLst>
+          </p:cNvPr>
+          <p:cNvCxnSpPr>
+            <a:cxnSpLocks/>
+            <a:stCxn id="98" idx="3"/>
+            <a:endCxn id="123" idx="7"/>
+          </p:cNvCxnSpPr>
+          <p:nvPr/>
+        </p:nvCxnSpPr>
+        <p:spPr>
+          <a:xfrm flipH="1">
+            <a:off x="1949184" y="2555400"/>
+            <a:ext cx="395902" cy="239950"/>
+          </a:xfrm>
+          <a:prstGeom prst="straightConnector1">
+            <a:avLst/>
+          </a:prstGeom>
+          <a:ln w="19050">
+            <a:tailEnd type="triangle"/>
+          </a:ln>
+        </p:spPr>
+        <p:style>
+          <a:lnRef idx="1">
+            <a:schemeClr val="accent2"/>
+          </a:lnRef>
+          <a:fillRef idx="0">
+            <a:schemeClr val="accent2"/>
+          </a:fillRef>
+          <a:effectRef idx="0">
+            <a:schemeClr val="accent2"/>
+          </a:effectRef>
+          <a:fontRef idx="minor">
+            <a:schemeClr val="tx1"/>
+          </a:fontRef>
+        </p:style>
+      </p:cxnSp>
+      <p:cxnSp>
+        <p:nvCxnSpPr>
+          <p:cNvPr id="127" name="Straight Arrow Connector 126">
+            <a:extLst>
+              <a:ext uri="{FF2B5EF4-FFF2-40B4-BE49-F238E27FC236}">
+                <a16:creationId xmlns:a16="http://schemas.microsoft.com/office/drawing/2014/main" id="{7AF14A37-B6FB-4C47-B11C-70ED81D5AED7}"/>
+              </a:ext>
+            </a:extLst>
+          </p:cNvPr>
+          <p:cNvCxnSpPr>
+            <a:cxnSpLocks/>
+            <a:stCxn id="123" idx="3"/>
+            <a:endCxn id="99" idx="7"/>
+          </p:cNvCxnSpPr>
+          <p:nvPr/>
+        </p:nvCxnSpPr>
+        <p:spPr>
+          <a:xfrm flipH="1">
+            <a:off x="1204061" y="3042064"/>
+            <a:ext cx="498409" cy="225549"/>
+          </a:xfrm>
+          <a:prstGeom prst="straightConnector1">
+            <a:avLst/>
+          </a:prstGeom>
+          <a:ln w="19050">
+            <a:tailEnd type="triangle"/>
+          </a:ln>
+        </p:spPr>
+        <p:style>
+          <a:lnRef idx="1">
+            <a:schemeClr val="accent2"/>
+          </a:lnRef>
+          <a:fillRef idx="0">
+            <a:schemeClr val="accent2"/>
+          </a:fillRef>
+          <a:effectRef idx="0">
+            <a:schemeClr val="accent2"/>
+          </a:effectRef>
+          <a:fontRef idx="minor">
+            <a:schemeClr val="tx1"/>
+          </a:fontRef>
+        </p:style>
+      </p:cxnSp>
+      <p:sp>
+        <p:nvSpPr>
+          <p:cNvPr id="137" name="Oval 136">
+            <a:extLst>
+              <a:ext uri="{FF2B5EF4-FFF2-40B4-BE49-F238E27FC236}">
+                <a16:creationId xmlns:a16="http://schemas.microsoft.com/office/drawing/2014/main" id="{577ED915-0395-44A9-A8E8-06C79294BE3F}"/>
+              </a:ext>
+            </a:extLst>
+          </p:cNvPr>
+          <p:cNvSpPr/>
+          <p:nvPr/>
+        </p:nvSpPr>
+        <p:spPr>
+          <a:xfrm>
+            <a:off x="1408760" y="4016066"/>
+            <a:ext cx="348906" cy="348906"/>
+          </a:xfrm>
+          <a:prstGeom prst="ellipse">
+            <a:avLst/>
+          </a:prstGeom>
+          <a:solidFill>
+            <a:srgbClr val="FFC000"/>
+          </a:solidFill>
+          <a:ln w="57150">
+            <a:noFill/>
+          </a:ln>
+        </p:spPr>
+        <p:style>
+          <a:lnRef idx="2">
+            <a:schemeClr val="accent1">
+              <a:shade val="50000"/>
+            </a:schemeClr>
+          </a:lnRef>
+          <a:fillRef idx="1">
+            <a:schemeClr val="accent1"/>
+          </a:fillRef>
+          <a:effectRef idx="0">
+            <a:schemeClr val="accent1"/>
+          </a:effectRef>
+          <a:fontRef idx="minor">
+            <a:schemeClr val="lt1"/>
+          </a:fontRef>
+        </p:style>
+        <p:txBody>
+          <a:bodyPr rtlCol="0" anchor="ctr"/>
+          <a:lstStyle/>
+          <a:p>
+            <a:pPr algn="ctr"/>
+            <a:endParaRPr lang="en-US" dirty="0"/>
+          </a:p>
+        </p:txBody>
+      </p:sp>
+      <p:cxnSp>
+        <p:nvCxnSpPr>
+          <p:cNvPr id="138" name="Straight Arrow Connector 137">
+            <a:extLst>
+              <a:ext uri="{FF2B5EF4-FFF2-40B4-BE49-F238E27FC236}">
+                <a16:creationId xmlns:a16="http://schemas.microsoft.com/office/drawing/2014/main" id="{8BAD9B8F-4A1A-4FD5-85DE-841D615518D2}"/>
+              </a:ext>
+            </a:extLst>
+          </p:cNvPr>
+          <p:cNvCxnSpPr>
+            <a:cxnSpLocks/>
+          </p:cNvCxnSpPr>
+          <p:nvPr/>
+        </p:nvCxnSpPr>
+        <p:spPr>
+          <a:xfrm>
+            <a:off x="1133742" y="3545447"/>
+            <a:ext cx="379152" cy="501739"/>
+          </a:xfrm>
+          <a:prstGeom prst="straightConnector1">
+            <a:avLst/>
+          </a:prstGeom>
+          <a:ln w="19050">
+            <a:tailEnd type="triangle"/>
+          </a:ln>
+        </p:spPr>
+        <p:style>
+          <a:lnRef idx="1">
+            <a:schemeClr val="accent2"/>
+          </a:lnRef>
+          <a:fillRef idx="0">
+            <a:schemeClr val="accent2"/>
+          </a:fillRef>
+          <a:effectRef idx="0">
+            <a:schemeClr val="accent2"/>
+          </a:effectRef>
+          <a:fontRef idx="minor">
+            <a:schemeClr val="tx1"/>
+          </a:fontRef>
+        </p:style>
+      </p:cxnSp>
+      <p:cxnSp>
+        <p:nvCxnSpPr>
+          <p:cNvPr id="139" name="Straight Arrow Connector 138">
+            <a:extLst>
+              <a:ext uri="{FF2B5EF4-FFF2-40B4-BE49-F238E27FC236}">
+                <a16:creationId xmlns:a16="http://schemas.microsoft.com/office/drawing/2014/main" id="{44BF9F39-6CAB-4E6C-AF38-932C88BD31D3}"/>
+              </a:ext>
+            </a:extLst>
+          </p:cNvPr>
+          <p:cNvCxnSpPr>
+            <a:cxnSpLocks/>
+            <a:stCxn id="97" idx="3"/>
+            <a:endCxn id="137" idx="7"/>
+          </p:cNvCxnSpPr>
+          <p:nvPr/>
+        </p:nvCxnSpPr>
+        <p:spPr>
+          <a:xfrm flipH="1">
+            <a:off x="1706570" y="3877634"/>
+            <a:ext cx="340706" cy="189528"/>
+          </a:xfrm>
+          <a:prstGeom prst="straightConnector1">
+            <a:avLst/>
+          </a:prstGeom>
+          <a:ln w="19050">
+            <a:tailEnd type="triangle"/>
+          </a:ln>
+        </p:spPr>
+        <p:style>
+          <a:lnRef idx="1">
+            <a:schemeClr val="accent2"/>
+          </a:lnRef>
+          <a:fillRef idx="0">
+            <a:schemeClr val="accent2"/>
+          </a:fillRef>
+          <a:effectRef idx="0">
+            <a:schemeClr val="accent2"/>
+          </a:effectRef>
+          <a:fontRef idx="minor">
+            <a:schemeClr val="tx1"/>
+          </a:fontRef>
+        </p:style>
+      </p:cxnSp>
+      <p:cxnSp>
+        <p:nvCxnSpPr>
+          <p:cNvPr id="142" name="Straight Arrow Connector 141">
+            <a:extLst>
+              <a:ext uri="{FF2B5EF4-FFF2-40B4-BE49-F238E27FC236}">
+                <a16:creationId xmlns:a16="http://schemas.microsoft.com/office/drawing/2014/main" id="{BBCEAD61-7030-41D0-80F5-20C6287AD4AD}"/>
+              </a:ext>
+            </a:extLst>
+          </p:cNvPr>
+          <p:cNvCxnSpPr/>
+          <p:nvPr/>
+        </p:nvCxnSpPr>
+        <p:spPr>
+          <a:xfrm>
+            <a:off x="1578659" y="4364972"/>
+            <a:ext cx="0" cy="507620"/>
+          </a:xfrm>
+          <a:prstGeom prst="straightConnector1">
+            <a:avLst/>
+          </a:prstGeom>
+          <a:ln w="19050">
+            <a:tailEnd type="triangle"/>
+          </a:ln>
+        </p:spPr>
+        <p:style>
+          <a:lnRef idx="1">
+            <a:schemeClr val="accent2"/>
+          </a:lnRef>
+          <a:fillRef idx="0">
+            <a:schemeClr val="accent2"/>
+          </a:fillRef>
+          <a:effectRef idx="0">
+            <a:schemeClr val="accent2"/>
+          </a:effectRef>
+          <a:fontRef idx="minor">
+            <a:schemeClr val="tx1"/>
+          </a:fontRef>
+        </p:style>
+      </p:cxnSp>
+      <p:sp>
+        <p:nvSpPr>
+          <p:cNvPr id="143" name="Oval 142">
+            <a:extLst>
+              <a:ext uri="{FF2B5EF4-FFF2-40B4-BE49-F238E27FC236}">
+                <a16:creationId xmlns:a16="http://schemas.microsoft.com/office/drawing/2014/main" id="{17522A5D-9633-4629-9DD2-DE8D675F946B}"/>
+              </a:ext>
+            </a:extLst>
+          </p:cNvPr>
+          <p:cNvSpPr/>
+          <p:nvPr/>
+        </p:nvSpPr>
+        <p:spPr>
+          <a:xfrm>
+            <a:off x="4046360" y="1393266"/>
+            <a:ext cx="348906" cy="348906"/>
+          </a:xfrm>
+          <a:prstGeom prst="ellipse">
+            <a:avLst/>
+          </a:prstGeom>
+          <a:solidFill>
+            <a:schemeClr val="accent6">
+              <a:lumMod val="60000"/>
+              <a:lumOff val="40000"/>
+            </a:schemeClr>
+          </a:solidFill>
+          <a:ln w="57150">
+            <a:noFill/>
+          </a:ln>
+        </p:spPr>
+        <p:style>
+          <a:lnRef idx="2">
+            <a:schemeClr val="accent1">
+              <a:shade val="50000"/>
+            </a:schemeClr>
+          </a:lnRef>
+          <a:fillRef idx="1">
+            <a:schemeClr val="accent1"/>
+          </a:fillRef>
+          <a:effectRef idx="0">
+            <a:schemeClr val="accent1"/>
+          </a:effectRef>
+          <a:fontRef idx="minor">
+            <a:schemeClr val="lt1"/>
+          </a:fontRef>
+        </p:style>
+        <p:txBody>
+          <a:bodyPr rtlCol="0" anchor="ctr"/>
+          <a:lstStyle/>
+          <a:p>
+            <a:pPr algn="ctr"/>
+            <a:endParaRPr lang="en-US" dirty="0"/>
+          </a:p>
+        </p:txBody>
+      </p:sp>
+      <p:sp>
+        <p:nvSpPr>
+          <p:cNvPr id="144" name="Oval 143">
+            <a:extLst>
+              <a:ext uri="{FF2B5EF4-FFF2-40B4-BE49-F238E27FC236}">
+                <a16:creationId xmlns:a16="http://schemas.microsoft.com/office/drawing/2014/main" id="{13269A93-1C5C-477E-9B63-23E2FAA3B5EC}"/>
+              </a:ext>
+            </a:extLst>
+          </p:cNvPr>
+          <p:cNvSpPr/>
+          <p:nvPr/>
+        </p:nvSpPr>
+        <p:spPr>
+          <a:xfrm>
+            <a:off x="3246041" y="2228836"/>
+            <a:ext cx="348906" cy="348906"/>
+          </a:xfrm>
+          <a:prstGeom prst="ellipse">
+            <a:avLst/>
+          </a:prstGeom>
+          <a:solidFill>
+            <a:schemeClr val="accent6">
+              <a:lumMod val="60000"/>
+              <a:lumOff val="40000"/>
+            </a:schemeClr>
+          </a:solidFill>
+          <a:ln w="57150">
+            <a:noFill/>
+          </a:ln>
+        </p:spPr>
+        <p:style>
+          <a:lnRef idx="2">
+            <a:schemeClr val="accent1">
+              <a:shade val="50000"/>
+            </a:schemeClr>
+          </a:lnRef>
+          <a:fillRef idx="1">
+            <a:schemeClr val="accent1"/>
+          </a:fillRef>
+          <a:effectRef idx="0">
+            <a:schemeClr val="accent1"/>
+          </a:effectRef>
+          <a:fontRef idx="minor">
+            <a:schemeClr val="lt1"/>
+          </a:fontRef>
+        </p:style>
+        <p:txBody>
+          <a:bodyPr rtlCol="0" anchor="ctr"/>
+          <a:lstStyle/>
+          <a:p>
+            <a:pPr algn="ctr"/>
+            <a:endParaRPr lang="en-US" dirty="0"/>
+          </a:p>
+        </p:txBody>
+      </p:sp>
+      <p:sp>
+        <p:nvSpPr>
+          <p:cNvPr id="145" name="Oval 144">
+            <a:extLst>
+              <a:ext uri="{FF2B5EF4-FFF2-40B4-BE49-F238E27FC236}">
+                <a16:creationId xmlns:a16="http://schemas.microsoft.com/office/drawing/2014/main" id="{611444D7-36FB-4099-9D11-12CCAE17F8BB}"/>
+              </a:ext>
+            </a:extLst>
+          </p:cNvPr>
+          <p:cNvSpPr/>
+          <p:nvPr/>
+        </p:nvSpPr>
+        <p:spPr>
+          <a:xfrm>
+            <a:off x="4510423" y="3551070"/>
+            <a:ext cx="348906" cy="348906"/>
+          </a:xfrm>
+          <a:prstGeom prst="ellipse">
+            <a:avLst/>
+          </a:prstGeom>
+          <a:solidFill>
+            <a:schemeClr val="accent6">
+              <a:lumMod val="60000"/>
+              <a:lumOff val="40000"/>
+            </a:schemeClr>
+          </a:solidFill>
+          <a:ln w="57150">
+            <a:noFill/>
+          </a:ln>
+        </p:spPr>
+        <p:style>
+          <a:lnRef idx="2">
+            <a:schemeClr val="accent1">
+              <a:shade val="50000"/>
+            </a:schemeClr>
+          </a:lnRef>
+          <a:fillRef idx="1">
+            <a:schemeClr val="accent1"/>
+          </a:fillRef>
+          <a:effectRef idx="0">
+            <a:schemeClr val="accent1"/>
+          </a:effectRef>
+          <a:fontRef idx="minor">
+            <a:schemeClr val="lt1"/>
+          </a:fontRef>
+        </p:style>
+        <p:txBody>
+          <a:bodyPr rtlCol="0" anchor="ctr"/>
+          <a:lstStyle/>
+          <a:p>
+            <a:pPr algn="ctr"/>
+            <a:endParaRPr lang="en-US" dirty="0"/>
+          </a:p>
+        </p:txBody>
+      </p:sp>
+      <p:sp>
+        <p:nvSpPr>
+          <p:cNvPr id="148" name="Oval 147">
+            <a:extLst>
+              <a:ext uri="{FF2B5EF4-FFF2-40B4-BE49-F238E27FC236}">
+                <a16:creationId xmlns:a16="http://schemas.microsoft.com/office/drawing/2014/main" id="{B822E031-C4FF-4923-B9A0-F049BF40ABE5}"/>
+              </a:ext>
+            </a:extLst>
+          </p:cNvPr>
+          <p:cNvSpPr/>
+          <p:nvPr/>
+        </p:nvSpPr>
+        <p:spPr>
+          <a:xfrm>
+            <a:off x="4808233" y="2228836"/>
+            <a:ext cx="348906" cy="348906"/>
+          </a:xfrm>
+          <a:prstGeom prst="ellipse">
+            <a:avLst/>
+          </a:prstGeom>
+          <a:solidFill>
+            <a:schemeClr val="accent6">
+              <a:lumMod val="60000"/>
+              <a:lumOff val="40000"/>
+            </a:schemeClr>
+          </a:solidFill>
+          <a:ln w="57150">
+            <a:noFill/>
+          </a:ln>
+        </p:spPr>
+        <p:style>
+          <a:lnRef idx="2">
+            <a:schemeClr val="accent1">
+              <a:shade val="50000"/>
+            </a:schemeClr>
+          </a:lnRef>
+          <a:fillRef idx="1">
+            <a:schemeClr val="accent1"/>
+          </a:fillRef>
+          <a:effectRef idx="0">
+            <a:schemeClr val="accent1"/>
+          </a:effectRef>
+          <a:fontRef idx="minor">
+            <a:schemeClr val="lt1"/>
+          </a:fontRef>
+        </p:style>
+        <p:txBody>
+          <a:bodyPr rtlCol="0" anchor="ctr"/>
+          <a:lstStyle/>
+          <a:p>
+            <a:pPr algn="ctr"/>
+            <a:endParaRPr lang="en-US" dirty="0"/>
+          </a:p>
+        </p:txBody>
+      </p:sp>
+      <p:sp>
+        <p:nvSpPr>
+          <p:cNvPr id="151" name="Oval 150">
+            <a:extLst>
+              <a:ext uri="{FF2B5EF4-FFF2-40B4-BE49-F238E27FC236}">
+                <a16:creationId xmlns:a16="http://schemas.microsoft.com/office/drawing/2014/main" id="{FE68E92A-3FC3-4280-B9E8-EA566335ED7C}"/>
+              </a:ext>
+            </a:extLst>
+          </p:cNvPr>
+          <p:cNvSpPr/>
+          <p:nvPr/>
+        </p:nvSpPr>
+        <p:spPr>
+          <a:xfrm>
+            <a:off x="3420494" y="3187763"/>
+            <a:ext cx="348906" cy="348906"/>
+          </a:xfrm>
+          <a:prstGeom prst="ellipse">
+            <a:avLst/>
+          </a:prstGeom>
+          <a:solidFill>
+            <a:schemeClr val="accent6">
+              <a:lumMod val="60000"/>
+              <a:lumOff val="40000"/>
+            </a:schemeClr>
+          </a:solidFill>
+          <a:ln w="57150">
+            <a:noFill/>
+          </a:ln>
+        </p:spPr>
+        <p:style>
+          <a:lnRef idx="2">
+            <a:schemeClr val="accent1">
+              <a:shade val="50000"/>
+            </a:schemeClr>
+          </a:lnRef>
+          <a:fillRef idx="1">
+            <a:schemeClr val="accent1"/>
+          </a:fillRef>
+          <a:effectRef idx="0">
+            <a:schemeClr val="accent1"/>
+          </a:effectRef>
+          <a:fontRef idx="minor">
+            <a:schemeClr val="lt1"/>
+          </a:fontRef>
+        </p:style>
+        <p:txBody>
+          <a:bodyPr rtlCol="0" anchor="ctr"/>
+          <a:lstStyle/>
+          <a:p>
+            <a:pPr algn="ctr"/>
+            <a:endParaRPr lang="en-US" dirty="0"/>
+          </a:p>
+        </p:txBody>
+      </p:sp>
+      <p:cxnSp>
+        <p:nvCxnSpPr>
+          <p:cNvPr id="154" name="Straight Arrow Connector 153">
+            <a:extLst>
+              <a:ext uri="{FF2B5EF4-FFF2-40B4-BE49-F238E27FC236}">
+                <a16:creationId xmlns:a16="http://schemas.microsoft.com/office/drawing/2014/main" id="{F59F8C9C-BB1A-4CE3-AB89-2CCC98C56FB3}"/>
+              </a:ext>
+            </a:extLst>
+          </p:cNvPr>
+          <p:cNvCxnSpPr/>
+          <p:nvPr/>
+        </p:nvCxnSpPr>
+        <p:spPr>
+          <a:xfrm>
+            <a:off x="4220813" y="885646"/>
+            <a:ext cx="0" cy="507620"/>
+          </a:xfrm>
+          <a:prstGeom prst="straightConnector1">
+            <a:avLst/>
+          </a:prstGeom>
+          <a:ln w="19050">
+            <a:solidFill>
+              <a:schemeClr val="accent6">
+                <a:lumMod val="75000"/>
+              </a:schemeClr>
+            </a:solidFill>
+            <a:tailEnd type="triangle"/>
+          </a:ln>
+        </p:spPr>
+        <p:style>
+          <a:lnRef idx="1">
+            <a:schemeClr val="accent2"/>
+          </a:lnRef>
+          <a:fillRef idx="0">
+            <a:schemeClr val="accent2"/>
+          </a:fillRef>
+          <a:effectRef idx="0">
+            <a:schemeClr val="accent2"/>
+          </a:effectRef>
+          <a:fontRef idx="minor">
+            <a:schemeClr val="tx1"/>
+          </a:fontRef>
+        </p:style>
+      </p:cxnSp>
+      <p:cxnSp>
+        <p:nvCxnSpPr>
+          <p:cNvPr id="155" name="Straight Arrow Connector 154">
+            <a:extLst>
+              <a:ext uri="{FF2B5EF4-FFF2-40B4-BE49-F238E27FC236}">
+                <a16:creationId xmlns:a16="http://schemas.microsoft.com/office/drawing/2014/main" id="{8946D6CB-2BB2-46D9-8DA4-EADD340C6B25}"/>
+              </a:ext>
+            </a:extLst>
+          </p:cNvPr>
+          <p:cNvCxnSpPr>
+            <a:cxnSpLocks/>
+            <a:stCxn id="143" idx="3"/>
+            <a:endCxn id="144" idx="7"/>
+          </p:cNvCxnSpPr>
+          <p:nvPr/>
+        </p:nvCxnSpPr>
+        <p:spPr>
+          <a:xfrm flipH="1">
+            <a:off x="3543851" y="1691076"/>
+            <a:ext cx="553605" cy="588856"/>
+          </a:xfrm>
+          <a:prstGeom prst="straightConnector1">
+            <a:avLst/>
+          </a:prstGeom>
+          <a:ln w="19050">
+            <a:solidFill>
+              <a:schemeClr val="accent6">
+                <a:lumMod val="75000"/>
+              </a:schemeClr>
+            </a:solidFill>
+            <a:tailEnd type="triangle"/>
+          </a:ln>
+        </p:spPr>
+        <p:style>
+          <a:lnRef idx="1">
+            <a:schemeClr val="accent2"/>
+          </a:lnRef>
+          <a:fillRef idx="0">
+            <a:schemeClr val="accent2"/>
+          </a:fillRef>
+          <a:effectRef idx="0">
+            <a:schemeClr val="accent2"/>
+          </a:effectRef>
+          <a:fontRef idx="minor">
+            <a:schemeClr val="tx1"/>
+          </a:fontRef>
+        </p:style>
+      </p:cxnSp>
+      <p:cxnSp>
+        <p:nvCxnSpPr>
+          <p:cNvPr id="156" name="Straight Arrow Connector 155">
+            <a:extLst>
+              <a:ext uri="{FF2B5EF4-FFF2-40B4-BE49-F238E27FC236}">
+                <a16:creationId xmlns:a16="http://schemas.microsoft.com/office/drawing/2014/main" id="{77C69789-D4E9-4C2A-BF06-9760D95E66BD}"/>
+              </a:ext>
+            </a:extLst>
+          </p:cNvPr>
+          <p:cNvCxnSpPr>
+            <a:cxnSpLocks/>
+            <a:stCxn id="143" idx="5"/>
+            <a:endCxn id="148" idx="1"/>
+          </p:cNvCxnSpPr>
+          <p:nvPr/>
+        </p:nvCxnSpPr>
+        <p:spPr>
+          <a:xfrm>
+            <a:off x="4344170" y="1691076"/>
+            <a:ext cx="515159" cy="588856"/>
+          </a:xfrm>
+          <a:prstGeom prst="straightConnector1">
+            <a:avLst/>
+          </a:prstGeom>
+          <a:ln w="19050">
+            <a:solidFill>
+              <a:schemeClr val="accent6">
+                <a:lumMod val="75000"/>
+              </a:schemeClr>
+            </a:solidFill>
+            <a:tailEnd type="triangle"/>
+          </a:ln>
+        </p:spPr>
+        <p:style>
+          <a:lnRef idx="1">
+            <a:schemeClr val="accent2"/>
+          </a:lnRef>
+          <a:fillRef idx="0">
+            <a:schemeClr val="accent2"/>
+          </a:fillRef>
+          <a:effectRef idx="0">
+            <a:schemeClr val="accent2"/>
+          </a:effectRef>
+          <a:fontRef idx="minor">
+            <a:schemeClr val="tx1"/>
+          </a:fontRef>
+        </p:style>
+      </p:cxnSp>
+      <p:cxnSp>
+        <p:nvCxnSpPr>
+          <p:cNvPr id="157" name="Straight Arrow Connector 156">
+            <a:extLst>
+              <a:ext uri="{FF2B5EF4-FFF2-40B4-BE49-F238E27FC236}">
+                <a16:creationId xmlns:a16="http://schemas.microsoft.com/office/drawing/2014/main" id="{07AE51D8-10E9-4D72-A448-D9070A4487CC}"/>
+              </a:ext>
+            </a:extLst>
+          </p:cNvPr>
+          <p:cNvCxnSpPr>
+            <a:cxnSpLocks/>
+            <a:stCxn id="144" idx="5"/>
+            <a:endCxn id="145" idx="1"/>
+          </p:cNvCxnSpPr>
+          <p:nvPr/>
+        </p:nvCxnSpPr>
+        <p:spPr>
+          <a:xfrm>
+            <a:off x="3543851" y="2526646"/>
+            <a:ext cx="1017668" cy="1075520"/>
+          </a:xfrm>
+          <a:prstGeom prst="straightConnector1">
+            <a:avLst/>
+          </a:prstGeom>
+          <a:ln w="19050">
+            <a:solidFill>
+              <a:schemeClr val="accent6">
+                <a:lumMod val="75000"/>
+              </a:schemeClr>
+            </a:solidFill>
+            <a:tailEnd type="triangle"/>
+          </a:ln>
+        </p:spPr>
+        <p:style>
+          <a:lnRef idx="1">
+            <a:schemeClr val="accent2"/>
+          </a:lnRef>
+          <a:fillRef idx="0">
+            <a:schemeClr val="accent2"/>
+          </a:fillRef>
+          <a:effectRef idx="0">
+            <a:schemeClr val="accent2"/>
+          </a:effectRef>
+          <a:fontRef idx="minor">
+            <a:schemeClr val="tx1"/>
+          </a:fontRef>
+        </p:style>
+      </p:cxnSp>
+      <p:cxnSp>
+        <p:nvCxnSpPr>
+          <p:cNvPr id="158" name="Straight Arrow Connector 157">
+            <a:extLst>
+              <a:ext uri="{FF2B5EF4-FFF2-40B4-BE49-F238E27FC236}">
+                <a16:creationId xmlns:a16="http://schemas.microsoft.com/office/drawing/2014/main" id="{A9FC836C-6BB1-4CF7-90FB-44019148C72F}"/>
+              </a:ext>
+            </a:extLst>
+          </p:cNvPr>
+          <p:cNvCxnSpPr>
+            <a:cxnSpLocks/>
+            <a:stCxn id="148" idx="4"/>
+            <a:endCxn id="145" idx="0"/>
+          </p:cNvCxnSpPr>
+          <p:nvPr/>
+        </p:nvCxnSpPr>
+        <p:spPr>
+          <a:xfrm flipH="1">
+            <a:off x="4684876" y="2577742"/>
+            <a:ext cx="297810" cy="973328"/>
+          </a:xfrm>
+          <a:prstGeom prst="straightConnector1">
+            <a:avLst/>
+          </a:prstGeom>
+          <a:ln w="19050">
+            <a:solidFill>
+              <a:schemeClr val="accent6">
+                <a:lumMod val="75000"/>
+              </a:schemeClr>
+            </a:solidFill>
+            <a:tailEnd type="triangle"/>
+          </a:ln>
+        </p:spPr>
+        <p:style>
+          <a:lnRef idx="1">
+            <a:schemeClr val="accent2"/>
+          </a:lnRef>
+          <a:fillRef idx="0">
+            <a:schemeClr val="accent2"/>
+          </a:fillRef>
+          <a:effectRef idx="0">
+            <a:schemeClr val="accent2"/>
+          </a:effectRef>
+          <a:fontRef idx="minor">
+            <a:schemeClr val="tx1"/>
+          </a:fontRef>
+        </p:style>
+      </p:cxnSp>
+      <p:cxnSp>
+        <p:nvCxnSpPr>
+          <p:cNvPr id="159" name="Straight Arrow Connector 158">
+            <a:extLst>
+              <a:ext uri="{FF2B5EF4-FFF2-40B4-BE49-F238E27FC236}">
+                <a16:creationId xmlns:a16="http://schemas.microsoft.com/office/drawing/2014/main" id="{0107E297-C2E2-4E34-BFCC-5202B8E69134}"/>
+              </a:ext>
+            </a:extLst>
+          </p:cNvPr>
+          <p:cNvCxnSpPr>
+            <a:cxnSpLocks/>
+            <a:stCxn id="144" idx="4"/>
+            <a:endCxn id="151" idx="0"/>
+          </p:cNvCxnSpPr>
+          <p:nvPr/>
+        </p:nvCxnSpPr>
+        <p:spPr>
+          <a:xfrm>
+            <a:off x="3420494" y="2577742"/>
+            <a:ext cx="174453" cy="610021"/>
+          </a:xfrm>
+          <a:prstGeom prst="straightConnector1">
+            <a:avLst/>
+          </a:prstGeom>
+          <a:ln w="19050">
+            <a:solidFill>
+              <a:schemeClr val="accent6">
+                <a:lumMod val="75000"/>
+              </a:schemeClr>
+            </a:solidFill>
+            <a:tailEnd type="triangle"/>
+          </a:ln>
+        </p:spPr>
+        <p:style>
+          <a:lnRef idx="1">
+            <a:schemeClr val="accent2"/>
+          </a:lnRef>
+          <a:fillRef idx="0">
+            <a:schemeClr val="accent2"/>
+          </a:fillRef>
+          <a:effectRef idx="0">
+            <a:schemeClr val="accent2"/>
+          </a:effectRef>
+          <a:fontRef idx="minor">
+            <a:schemeClr val="tx1"/>
+          </a:fontRef>
+        </p:style>
+      </p:cxnSp>
+      <p:sp>
+        <p:nvSpPr>
+          <p:cNvPr id="160" name="Oval 159">
+            <a:extLst>
+              <a:ext uri="{FF2B5EF4-FFF2-40B4-BE49-F238E27FC236}">
+                <a16:creationId xmlns:a16="http://schemas.microsoft.com/office/drawing/2014/main" id="{E45F93BE-E522-4209-8D4C-30D72CCBB53B}"/>
+              </a:ext>
+            </a:extLst>
+          </p:cNvPr>
+          <p:cNvSpPr/>
+          <p:nvPr/>
+        </p:nvSpPr>
+        <p:spPr>
+          <a:xfrm>
+            <a:off x="4165617" y="2715500"/>
+            <a:ext cx="348906" cy="348906"/>
+          </a:xfrm>
+          <a:prstGeom prst="ellipse">
+            <a:avLst/>
+          </a:prstGeom>
+          <a:solidFill>
+            <a:schemeClr val="accent6">
+              <a:lumMod val="60000"/>
+              <a:lumOff val="40000"/>
+            </a:schemeClr>
+          </a:solidFill>
+          <a:ln w="57150">
+            <a:noFill/>
+          </a:ln>
+        </p:spPr>
+        <p:style>
+          <a:lnRef idx="2">
+            <a:schemeClr val="accent1">
+              <a:shade val="50000"/>
+            </a:schemeClr>
+          </a:lnRef>
+          <a:fillRef idx="1">
+            <a:schemeClr val="accent1"/>
+          </a:fillRef>
+          <a:effectRef idx="0">
+            <a:schemeClr val="accent1"/>
+          </a:effectRef>
+          <a:fontRef idx="minor">
+            <a:schemeClr val="lt1"/>
+          </a:fontRef>
+        </p:style>
+        <p:txBody>
+          <a:bodyPr rtlCol="0" anchor="ctr"/>
+          <a:lstStyle/>
+          <a:p>
+            <a:pPr algn="ctr"/>
+            <a:endParaRPr lang="en-US" dirty="0"/>
+          </a:p>
+        </p:txBody>
+      </p:sp>
+      <p:cxnSp>
+        <p:nvCxnSpPr>
+          <p:cNvPr id="161" name="Straight Arrow Connector 160">
+            <a:extLst>
+              <a:ext uri="{FF2B5EF4-FFF2-40B4-BE49-F238E27FC236}">
+                <a16:creationId xmlns:a16="http://schemas.microsoft.com/office/drawing/2014/main" id="{38CE792E-5B60-4C07-A7E4-26705AE6B8A7}"/>
+              </a:ext>
+            </a:extLst>
+          </p:cNvPr>
+          <p:cNvCxnSpPr>
+            <a:cxnSpLocks/>
+            <a:stCxn id="148" idx="3"/>
+            <a:endCxn id="160" idx="7"/>
+          </p:cNvCxnSpPr>
+          <p:nvPr/>
+        </p:nvCxnSpPr>
+        <p:spPr>
+          <a:xfrm flipH="1">
+            <a:off x="4463427" y="2526646"/>
+            <a:ext cx="395902" cy="239950"/>
+          </a:xfrm>
+          <a:prstGeom prst="straightConnector1">
+            <a:avLst/>
+          </a:prstGeom>
+          <a:ln w="19050">
+            <a:solidFill>
+              <a:schemeClr val="accent6">
+                <a:lumMod val="75000"/>
+              </a:schemeClr>
+            </a:solidFill>
+            <a:tailEnd type="triangle"/>
+          </a:ln>
+        </p:spPr>
+        <p:style>
+          <a:lnRef idx="1">
+            <a:schemeClr val="accent2"/>
+          </a:lnRef>
+          <a:fillRef idx="0">
+            <a:schemeClr val="accent2"/>
+          </a:fillRef>
+          <a:effectRef idx="0">
+            <a:schemeClr val="accent2"/>
+          </a:effectRef>
+          <a:fontRef idx="minor">
+            <a:schemeClr val="tx1"/>
+          </a:fontRef>
+        </p:style>
+      </p:cxnSp>
+      <p:cxnSp>
+        <p:nvCxnSpPr>
+          <p:cNvPr id="162" name="Straight Arrow Connector 161">
+            <a:extLst>
+              <a:ext uri="{FF2B5EF4-FFF2-40B4-BE49-F238E27FC236}">
+                <a16:creationId xmlns:a16="http://schemas.microsoft.com/office/drawing/2014/main" id="{B4A6BCAF-D35A-48D1-B190-E9F705C6E6EF}"/>
+              </a:ext>
+            </a:extLst>
+          </p:cNvPr>
+          <p:cNvCxnSpPr>
+            <a:cxnSpLocks/>
+            <a:stCxn id="160" idx="3"/>
+            <a:endCxn id="151" idx="7"/>
+          </p:cNvCxnSpPr>
+          <p:nvPr/>
+        </p:nvCxnSpPr>
+        <p:spPr>
+          <a:xfrm flipH="1">
+            <a:off x="3718304" y="3013310"/>
+            <a:ext cx="498409" cy="225549"/>
+          </a:xfrm>
+          <a:prstGeom prst="straightConnector1">
+            <a:avLst/>
+          </a:prstGeom>
+          <a:ln w="19050">
+            <a:solidFill>
+              <a:schemeClr val="accent6">
+                <a:lumMod val="75000"/>
+              </a:schemeClr>
+            </a:solidFill>
+            <a:tailEnd type="triangle"/>
+          </a:ln>
+        </p:spPr>
+        <p:style>
+          <a:lnRef idx="1">
+            <a:schemeClr val="accent2"/>
+          </a:lnRef>
+          <a:fillRef idx="0">
+            <a:schemeClr val="accent2"/>
+          </a:fillRef>
+          <a:effectRef idx="0">
+            <a:schemeClr val="accent2"/>
+          </a:effectRef>
+          <a:fontRef idx="minor">
+            <a:schemeClr val="tx1"/>
+          </a:fontRef>
+        </p:style>
+      </p:cxnSp>
+      <p:sp>
+        <p:nvSpPr>
+          <p:cNvPr id="163" name="Oval 162">
+            <a:extLst>
+              <a:ext uri="{FF2B5EF4-FFF2-40B4-BE49-F238E27FC236}">
+                <a16:creationId xmlns:a16="http://schemas.microsoft.com/office/drawing/2014/main" id="{1D59ADA0-5CD2-4EF1-948D-CA30F7697316}"/>
+              </a:ext>
+            </a:extLst>
+          </p:cNvPr>
+          <p:cNvSpPr/>
+          <p:nvPr/>
+        </p:nvSpPr>
+        <p:spPr>
+          <a:xfrm>
+            <a:off x="3923003" y="3987312"/>
+            <a:ext cx="348906" cy="348906"/>
+          </a:xfrm>
+          <a:prstGeom prst="ellipse">
+            <a:avLst/>
+          </a:prstGeom>
+          <a:solidFill>
+            <a:schemeClr val="accent6">
+              <a:lumMod val="60000"/>
+              <a:lumOff val="40000"/>
+            </a:schemeClr>
+          </a:solidFill>
+          <a:ln w="57150">
+            <a:noFill/>
+          </a:ln>
+        </p:spPr>
+        <p:style>
+          <a:lnRef idx="2">
+            <a:schemeClr val="accent1">
+              <a:shade val="50000"/>
+            </a:schemeClr>
+          </a:lnRef>
+          <a:fillRef idx="1">
+            <a:schemeClr val="accent1"/>
+          </a:fillRef>
+          <a:effectRef idx="0">
+            <a:schemeClr val="accent1"/>
+          </a:effectRef>
+          <a:fontRef idx="minor">
+            <a:schemeClr val="lt1"/>
+          </a:fontRef>
+        </p:style>
+        <p:txBody>
+          <a:bodyPr rtlCol="0" anchor="ctr"/>
+          <a:lstStyle/>
+          <a:p>
+            <a:pPr algn="ctr"/>
+            <a:endParaRPr lang="en-US" dirty="0"/>
+          </a:p>
+        </p:txBody>
+      </p:sp>
+      <p:cxnSp>
+        <p:nvCxnSpPr>
+          <p:cNvPr id="164" name="Straight Arrow Connector 163">
+            <a:extLst>
+              <a:ext uri="{FF2B5EF4-FFF2-40B4-BE49-F238E27FC236}">
+                <a16:creationId xmlns:a16="http://schemas.microsoft.com/office/drawing/2014/main" id="{9EA5CE9A-74CE-4E42-91B1-E9C0B8A181B8}"/>
+              </a:ext>
+            </a:extLst>
+          </p:cNvPr>
+          <p:cNvCxnSpPr>
+            <a:cxnSpLocks/>
+          </p:cNvCxnSpPr>
+          <p:nvPr/>
+        </p:nvCxnSpPr>
+        <p:spPr>
+          <a:xfrm>
+            <a:off x="3647985" y="3516693"/>
+            <a:ext cx="379152" cy="501739"/>
+          </a:xfrm>
+          <a:prstGeom prst="straightConnector1">
+            <a:avLst/>
+          </a:prstGeom>
+          <a:ln w="19050">
+            <a:solidFill>
+              <a:schemeClr val="accent6">
+                <a:lumMod val="75000"/>
+              </a:schemeClr>
+            </a:solidFill>
+            <a:tailEnd type="triangle"/>
+          </a:ln>
+        </p:spPr>
+        <p:style>
+          <a:lnRef idx="1">
+            <a:schemeClr val="accent2"/>
+          </a:lnRef>
+          <a:fillRef idx="0">
+            <a:schemeClr val="accent2"/>
+          </a:fillRef>
+          <a:effectRef idx="0">
+            <a:schemeClr val="accent2"/>
+          </a:effectRef>
+          <a:fontRef idx="minor">
+            <a:schemeClr val="tx1"/>
+          </a:fontRef>
+        </p:style>
+      </p:cxnSp>
+      <p:cxnSp>
+        <p:nvCxnSpPr>
+          <p:cNvPr id="165" name="Straight Arrow Connector 164">
+            <a:extLst>
+              <a:ext uri="{FF2B5EF4-FFF2-40B4-BE49-F238E27FC236}">
+                <a16:creationId xmlns:a16="http://schemas.microsoft.com/office/drawing/2014/main" id="{38C83A82-CB7E-40F5-B7ED-F86AB847941B}"/>
+              </a:ext>
+            </a:extLst>
+          </p:cNvPr>
+          <p:cNvCxnSpPr>
+            <a:cxnSpLocks/>
+            <a:stCxn id="145" idx="3"/>
+            <a:endCxn id="163" idx="7"/>
+          </p:cNvCxnSpPr>
+          <p:nvPr/>
+        </p:nvCxnSpPr>
+        <p:spPr>
+          <a:xfrm flipH="1">
+            <a:off x="4220813" y="3848880"/>
+            <a:ext cx="340706" cy="189528"/>
+          </a:xfrm>
+          <a:prstGeom prst="straightConnector1">
+            <a:avLst/>
+          </a:prstGeom>
+          <a:ln w="19050">
+            <a:solidFill>
+              <a:schemeClr val="accent6">
+                <a:lumMod val="75000"/>
+              </a:schemeClr>
+            </a:solidFill>
+            <a:tailEnd type="triangle"/>
+          </a:ln>
+        </p:spPr>
+        <p:style>
+          <a:lnRef idx="1">
+            <a:schemeClr val="accent2"/>
+          </a:lnRef>
+          <a:fillRef idx="0">
+            <a:schemeClr val="accent2"/>
+          </a:fillRef>
+          <a:effectRef idx="0">
+            <a:schemeClr val="accent2"/>
+          </a:effectRef>
+          <a:fontRef idx="minor">
+            <a:schemeClr val="tx1"/>
+          </a:fontRef>
+        </p:style>
+      </p:cxnSp>
+      <p:cxnSp>
+        <p:nvCxnSpPr>
+          <p:cNvPr id="166" name="Straight Arrow Connector 165">
+            <a:extLst>
+              <a:ext uri="{FF2B5EF4-FFF2-40B4-BE49-F238E27FC236}">
+                <a16:creationId xmlns:a16="http://schemas.microsoft.com/office/drawing/2014/main" id="{AC5EB0B7-5956-44F0-9477-A5F758773A2B}"/>
+              </a:ext>
+            </a:extLst>
+          </p:cNvPr>
+          <p:cNvCxnSpPr/>
+          <p:nvPr/>
+        </p:nvCxnSpPr>
+        <p:spPr>
+          <a:xfrm>
+            <a:off x="4092902" y="4336218"/>
+            <a:ext cx="0" cy="507620"/>
+          </a:xfrm>
+          <a:prstGeom prst="straightConnector1">
+            <a:avLst/>
+          </a:prstGeom>
+          <a:ln w="19050">
+            <a:solidFill>
+              <a:schemeClr val="accent6">
+                <a:lumMod val="75000"/>
+              </a:schemeClr>
+            </a:solidFill>
+            <a:tailEnd type="triangle"/>
+          </a:ln>
+        </p:spPr>
+        <p:style>
+          <a:lnRef idx="1">
+            <a:schemeClr val="accent2"/>
+          </a:lnRef>
+          <a:fillRef idx="0">
+            <a:schemeClr val="accent2"/>
+          </a:fillRef>
+          <a:effectRef idx="0">
+            <a:schemeClr val="accent2"/>
+          </a:effectRef>
+          <a:fontRef idx="minor">
+            <a:schemeClr val="tx1"/>
+          </a:fontRef>
+        </p:style>
+      </p:cxnSp>
+      <p:sp>
+        <p:nvSpPr>
+          <p:cNvPr id="106" name="Freeform: Shape 105">
+            <a:extLst>
+              <a:ext uri="{FF2B5EF4-FFF2-40B4-BE49-F238E27FC236}">
+                <a16:creationId xmlns:a16="http://schemas.microsoft.com/office/drawing/2014/main" id="{5E42FEA2-DD38-4564-A7D8-EACC96661CDB}"/>
+              </a:ext>
+            </a:extLst>
+          </p:cNvPr>
+          <p:cNvSpPr/>
+          <p:nvPr/>
+        </p:nvSpPr>
+        <p:spPr>
+          <a:xfrm>
+            <a:off x="1080704" y="2066506"/>
+            <a:ext cx="2141770" cy="329194"/>
+          </a:xfrm>
+          <a:custGeom>
+            <a:avLst/>
+            <a:gdLst>
+              <a:gd name="connsiteX0" fmla="*/ 0 w 3252486"/>
+              <a:gd name="connsiteY0" fmla="*/ 729732 h 729732"/>
+              <a:gd name="connsiteX1" fmla="*/ 1956122 w 3252486"/>
+              <a:gd name="connsiteY1" fmla="*/ 527 h 729732"/>
+              <a:gd name="connsiteX2" fmla="*/ 3252486 w 3252486"/>
+              <a:gd name="connsiteY2" fmla="*/ 637135 h 729732"/>
+            </a:gdLst>
+            <a:ahLst/>
+            <a:cxnLst>
+              <a:cxn ang="0">
+                <a:pos x="connsiteX0" y="connsiteY0"/>
+              </a:cxn>
+              <a:cxn ang="0">
+                <a:pos x="connsiteX1" y="connsiteY1"/>
+              </a:cxn>
+              <a:cxn ang="0">
+                <a:pos x="connsiteX2" y="connsiteY2"/>
+              </a:cxn>
+            </a:cxnLst>
+            <a:rect l="l" t="t" r="r" b="b"/>
+            <a:pathLst>
+              <a:path w="3252486" h="729732">
+                <a:moveTo>
+                  <a:pt x="0" y="729732"/>
+                </a:moveTo>
+                <a:cubicBezTo>
+                  <a:pt x="707020" y="372846"/>
+                  <a:pt x="1414041" y="15960"/>
+                  <a:pt x="1956122" y="527"/>
+                </a:cubicBezTo>
+                <a:cubicBezTo>
+                  <a:pt x="2498203" y="-14906"/>
+                  <a:pt x="2875344" y="311114"/>
+                  <a:pt x="3252486" y="637135"/>
+                </a:cubicBezTo>
+              </a:path>
+            </a:pathLst>
+          </a:custGeom>
+          <a:noFill/>
+          <a:ln w="19050">
+            <a:prstDash val="solid"/>
+            <a:headEnd type="arrow" w="med" len="med"/>
+            <a:tailEnd type="arrow" w="med" len="med"/>
+          </a:ln>
+        </p:spPr>
+        <p:style>
+          <a:lnRef idx="2">
+            <a:schemeClr val="accent1">
+              <a:shade val="50000"/>
+            </a:schemeClr>
+          </a:lnRef>
+          <a:fillRef idx="1">
+            <a:schemeClr val="accent1"/>
+          </a:fillRef>
+          <a:effectRef idx="0">
+            <a:schemeClr val="accent1"/>
+          </a:effectRef>
+          <a:fontRef idx="minor">
+            <a:schemeClr val="lt1"/>
+          </a:fontRef>
+        </p:style>
+        <p:txBody>
+          <a:bodyPr rtlCol="0" anchor="ctr"/>
+          <a:lstStyle/>
+          <a:p>
+            <a:pPr algn="ctr"/>
+            <a:endParaRPr lang="en-US"/>
+          </a:p>
+        </p:txBody>
+      </p:sp>
+      <p:sp>
+        <p:nvSpPr>
+          <p:cNvPr id="167" name="Freeform: Shape 166">
+            <a:extLst>
+              <a:ext uri="{FF2B5EF4-FFF2-40B4-BE49-F238E27FC236}">
+                <a16:creationId xmlns:a16="http://schemas.microsoft.com/office/drawing/2014/main" id="{FC05C48F-AB08-445E-B0C7-0EFD77E16CB3}"/>
+              </a:ext>
+            </a:extLst>
+          </p:cNvPr>
+          <p:cNvSpPr/>
+          <p:nvPr/>
+        </p:nvSpPr>
+        <p:spPr>
+          <a:xfrm flipV="1">
+            <a:off x="2391999" y="3768678"/>
+            <a:ext cx="2071428" cy="96921"/>
+          </a:xfrm>
+          <a:custGeom>
+            <a:avLst/>
+            <a:gdLst>
+              <a:gd name="connsiteX0" fmla="*/ 0 w 3252486"/>
+              <a:gd name="connsiteY0" fmla="*/ 729732 h 729732"/>
+              <a:gd name="connsiteX1" fmla="*/ 1956122 w 3252486"/>
+              <a:gd name="connsiteY1" fmla="*/ 527 h 729732"/>
+              <a:gd name="connsiteX2" fmla="*/ 3252486 w 3252486"/>
+              <a:gd name="connsiteY2" fmla="*/ 637135 h 729732"/>
+            </a:gdLst>
+            <a:ahLst/>
+            <a:cxnLst>
+              <a:cxn ang="0">
+                <a:pos x="connsiteX0" y="connsiteY0"/>
+              </a:cxn>
+              <a:cxn ang="0">
+                <a:pos x="connsiteX1" y="connsiteY1"/>
+              </a:cxn>
+              <a:cxn ang="0">
+                <a:pos x="connsiteX2" y="connsiteY2"/>
+              </a:cxn>
+            </a:cxnLst>
+            <a:rect l="l" t="t" r="r" b="b"/>
+            <a:pathLst>
+              <a:path w="3252486" h="729732">
+                <a:moveTo>
+                  <a:pt x="0" y="729732"/>
+                </a:moveTo>
+                <a:cubicBezTo>
+                  <a:pt x="707020" y="372846"/>
+                  <a:pt x="1414041" y="15960"/>
+                  <a:pt x="1956122" y="527"/>
+                </a:cubicBezTo>
+                <a:cubicBezTo>
+                  <a:pt x="2498203" y="-14906"/>
+                  <a:pt x="2875344" y="311114"/>
+                  <a:pt x="3252486" y="637135"/>
+                </a:cubicBezTo>
+              </a:path>
+            </a:pathLst>
+          </a:custGeom>
+          <a:noFill/>
+          <a:ln w="19050">
+            <a:prstDash val="solid"/>
+            <a:headEnd type="arrow" w="med" len="med"/>
+            <a:tailEnd type="arrow" w="med" len="med"/>
+          </a:ln>
+        </p:spPr>
+        <p:style>
+          <a:lnRef idx="2">
+            <a:schemeClr val="accent1">
+              <a:shade val="50000"/>
+            </a:schemeClr>
+          </a:lnRef>
+          <a:fillRef idx="1">
+            <a:schemeClr val="accent1"/>
+          </a:fillRef>
+          <a:effectRef idx="0">
+            <a:schemeClr val="accent1"/>
+          </a:effectRef>
+          <a:fontRef idx="minor">
+            <a:schemeClr val="lt1"/>
+          </a:fontRef>
+        </p:style>
+        <p:txBody>
+          <a:bodyPr rtlCol="0" anchor="ctr"/>
+          <a:lstStyle/>
+          <a:p>
+            <a:pPr algn="ctr"/>
+            <a:endParaRPr lang="en-US"/>
+          </a:p>
+        </p:txBody>
+      </p:sp>
+      <p:sp>
+        <p:nvSpPr>
+          <p:cNvPr id="168" name="Freeform: Shape 167">
+            <a:extLst>
+              <a:ext uri="{FF2B5EF4-FFF2-40B4-BE49-F238E27FC236}">
+                <a16:creationId xmlns:a16="http://schemas.microsoft.com/office/drawing/2014/main" id="{DF4A63B2-D7A4-4160-97FD-DA86DF9FCE25}"/>
+              </a:ext>
+            </a:extLst>
+          </p:cNvPr>
+          <p:cNvSpPr/>
+          <p:nvPr/>
+        </p:nvSpPr>
+        <p:spPr>
+          <a:xfrm>
+            <a:off x="2036479" y="2826556"/>
+            <a:ext cx="2082142" cy="60504"/>
+          </a:xfrm>
+          <a:custGeom>
+            <a:avLst/>
+            <a:gdLst>
+              <a:gd name="connsiteX0" fmla="*/ 0 w 3252486"/>
+              <a:gd name="connsiteY0" fmla="*/ 729732 h 729732"/>
+              <a:gd name="connsiteX1" fmla="*/ 1956122 w 3252486"/>
+              <a:gd name="connsiteY1" fmla="*/ 527 h 729732"/>
+              <a:gd name="connsiteX2" fmla="*/ 3252486 w 3252486"/>
+              <a:gd name="connsiteY2" fmla="*/ 637135 h 729732"/>
+            </a:gdLst>
+            <a:ahLst/>
+            <a:cxnLst>
+              <a:cxn ang="0">
+                <a:pos x="connsiteX0" y="connsiteY0"/>
+              </a:cxn>
+              <a:cxn ang="0">
+                <a:pos x="connsiteX1" y="connsiteY1"/>
+              </a:cxn>
+              <a:cxn ang="0">
+                <a:pos x="connsiteX2" y="connsiteY2"/>
+              </a:cxn>
+            </a:cxnLst>
+            <a:rect l="l" t="t" r="r" b="b"/>
+            <a:pathLst>
+              <a:path w="3252486" h="729732">
+                <a:moveTo>
+                  <a:pt x="0" y="729732"/>
+                </a:moveTo>
+                <a:cubicBezTo>
+                  <a:pt x="707020" y="372846"/>
+                  <a:pt x="1414041" y="15960"/>
+                  <a:pt x="1956122" y="527"/>
+                </a:cubicBezTo>
+                <a:cubicBezTo>
+                  <a:pt x="2498203" y="-14906"/>
+                  <a:pt x="2875344" y="311114"/>
+                  <a:pt x="3252486" y="637135"/>
+                </a:cubicBezTo>
+              </a:path>
+            </a:pathLst>
+          </a:custGeom>
+          <a:noFill/>
+          <a:ln w="19050">
+            <a:prstDash val="solid"/>
+            <a:headEnd type="arrow" w="med" len="med"/>
+            <a:tailEnd type="arrow" w="med" len="med"/>
+          </a:ln>
+        </p:spPr>
+        <p:style>
+          <a:lnRef idx="2">
+            <a:schemeClr val="accent1">
+              <a:shade val="50000"/>
+            </a:schemeClr>
+          </a:lnRef>
+          <a:fillRef idx="1">
+            <a:schemeClr val="accent1"/>
+          </a:fillRef>
+          <a:effectRef idx="0">
+            <a:schemeClr val="accent1"/>
+          </a:effectRef>
+          <a:fontRef idx="minor">
+            <a:schemeClr val="lt1"/>
+          </a:fontRef>
+        </p:style>
+        <p:txBody>
+          <a:bodyPr rtlCol="0" anchor="ctr"/>
+          <a:lstStyle/>
+          <a:p>
+            <a:pPr algn="ctr"/>
+            <a:endParaRPr lang="en-US"/>
+          </a:p>
+        </p:txBody>
+      </p:sp>
+      <p:sp>
+        <p:nvSpPr>
+          <p:cNvPr id="126" name="TextBox 125">
+            <a:extLst>
+              <a:ext uri="{FF2B5EF4-FFF2-40B4-BE49-F238E27FC236}">
+                <a16:creationId xmlns:a16="http://schemas.microsoft.com/office/drawing/2014/main" id="{45BC5D52-E92A-4081-AFDF-E257D0053D04}"/>
+              </a:ext>
+            </a:extLst>
+          </p:cNvPr>
+          <p:cNvSpPr txBox="1"/>
+          <p:nvPr/>
+        </p:nvSpPr>
+        <p:spPr>
+          <a:xfrm>
+            <a:off x="1209395" y="372885"/>
+            <a:ext cx="1047082" cy="461665"/>
+          </a:xfrm>
+          <a:prstGeom prst="rect">
+            <a:avLst/>
+          </a:prstGeom>
+          <a:noFill/>
+        </p:spPr>
+        <p:txBody>
+          <a:bodyPr wrap="none" rtlCol="0">
+            <a:spAutoFit/>
+          </a:bodyPr>
+          <a:lstStyle/>
+          <a:p>
+            <a:r>
+              <a:rPr lang="en-US" sz="2400" b="1" dirty="0"/>
+              <a:t>Rank 0</a:t>
+            </a:r>
+          </a:p>
+        </p:txBody>
+      </p:sp>
+      <p:sp>
+        <p:nvSpPr>
+          <p:cNvPr id="169" name="TextBox 168">
+            <a:extLst>
+              <a:ext uri="{FF2B5EF4-FFF2-40B4-BE49-F238E27FC236}">
+                <a16:creationId xmlns:a16="http://schemas.microsoft.com/office/drawing/2014/main" id="{E0F5B112-3575-4C8E-A012-83FB906AB5B3}"/>
+              </a:ext>
+            </a:extLst>
+          </p:cNvPr>
+          <p:cNvSpPr txBox="1"/>
+          <p:nvPr/>
+        </p:nvSpPr>
+        <p:spPr>
+          <a:xfrm>
+            <a:off x="3698908" y="372885"/>
+            <a:ext cx="1047082" cy="461665"/>
+          </a:xfrm>
+          <a:prstGeom prst="rect">
+            <a:avLst/>
+          </a:prstGeom>
+          <a:noFill/>
+        </p:spPr>
+        <p:txBody>
+          <a:bodyPr wrap="none" rtlCol="0">
+            <a:spAutoFit/>
+          </a:bodyPr>
+          <a:lstStyle/>
+          <a:p>
+            <a:r>
+              <a:rPr lang="en-US" sz="2400" b="1" dirty="0"/>
+              <a:t>Rank 1</a:t>
+            </a:r>
+          </a:p>
+        </p:txBody>
+      </p:sp>
+      <p:sp>
+        <p:nvSpPr>
+          <p:cNvPr id="128" name="TextBox 127">
+            <a:extLst>
+              <a:ext uri="{FF2B5EF4-FFF2-40B4-BE49-F238E27FC236}">
+                <a16:creationId xmlns:a16="http://schemas.microsoft.com/office/drawing/2014/main" id="{C7693EA0-DF1F-4E2C-93AF-6B3CCBA934F4}"/>
+              </a:ext>
+            </a:extLst>
+          </p:cNvPr>
+          <p:cNvSpPr txBox="1"/>
+          <p:nvPr/>
+        </p:nvSpPr>
+        <p:spPr>
+          <a:xfrm>
+            <a:off x="765838" y="2238407"/>
+            <a:ext cx="301686" cy="369332"/>
+          </a:xfrm>
+          <a:prstGeom prst="rect">
+            <a:avLst/>
+          </a:prstGeom>
+          <a:noFill/>
+        </p:spPr>
+        <p:txBody>
+          <a:bodyPr wrap="none" rtlCol="0">
+            <a:spAutoFit/>
+          </a:bodyPr>
+          <a:lstStyle/>
+          <a:p>
+            <a:r>
+              <a:rPr lang="en-US" dirty="0"/>
+              <a:t>1</a:t>
+            </a:r>
+          </a:p>
+        </p:txBody>
+      </p:sp>
+      <p:sp>
+        <p:nvSpPr>
+          <p:cNvPr id="170" name="TextBox 169">
+            <a:extLst>
+              <a:ext uri="{FF2B5EF4-FFF2-40B4-BE49-F238E27FC236}">
+                <a16:creationId xmlns:a16="http://schemas.microsoft.com/office/drawing/2014/main" id="{124E7A73-56C7-47EF-A569-FAF5BC6E0B5B}"/>
+              </a:ext>
+            </a:extLst>
+          </p:cNvPr>
+          <p:cNvSpPr txBox="1"/>
+          <p:nvPr/>
+        </p:nvSpPr>
+        <p:spPr>
+          <a:xfrm>
+            <a:off x="2017795" y="3571580"/>
+            <a:ext cx="301686" cy="369332"/>
+          </a:xfrm>
+          <a:prstGeom prst="rect">
+            <a:avLst/>
+          </a:prstGeom>
+          <a:noFill/>
+        </p:spPr>
+        <p:txBody>
+          <a:bodyPr wrap="none" rtlCol="0">
+            <a:spAutoFit/>
+          </a:bodyPr>
+          <a:lstStyle/>
+          <a:p>
+            <a:r>
+              <a:rPr lang="en-US" dirty="0"/>
+              <a:t>2</a:t>
+            </a:r>
+          </a:p>
+        </p:txBody>
+      </p:sp>
+      <p:sp>
+        <p:nvSpPr>
+          <p:cNvPr id="171" name="TextBox 170">
+            <a:extLst>
+              <a:ext uri="{FF2B5EF4-FFF2-40B4-BE49-F238E27FC236}">
+                <a16:creationId xmlns:a16="http://schemas.microsoft.com/office/drawing/2014/main" id="{CF8C1BC9-F8FE-4BB7-9D06-77137119892D}"/>
+              </a:ext>
+            </a:extLst>
+          </p:cNvPr>
+          <p:cNvSpPr txBox="1"/>
+          <p:nvPr/>
+        </p:nvSpPr>
+        <p:spPr>
+          <a:xfrm>
+            <a:off x="1673115" y="2741560"/>
+            <a:ext cx="301686" cy="369332"/>
+          </a:xfrm>
+          <a:prstGeom prst="rect">
+            <a:avLst/>
+          </a:prstGeom>
+          <a:noFill/>
+        </p:spPr>
+        <p:txBody>
+          <a:bodyPr wrap="none" rtlCol="0">
+            <a:spAutoFit/>
+          </a:bodyPr>
+          <a:lstStyle/>
+          <a:p>
+            <a:r>
+              <a:rPr lang="en-US" dirty="0"/>
+              <a:t>3</a:t>
+            </a:r>
+          </a:p>
+        </p:txBody>
+      </p:sp>
+      <p:sp>
+        <p:nvSpPr>
+          <p:cNvPr id="172" name="TextBox 171">
+            <a:extLst>
+              <a:ext uri="{FF2B5EF4-FFF2-40B4-BE49-F238E27FC236}">
+                <a16:creationId xmlns:a16="http://schemas.microsoft.com/office/drawing/2014/main" id="{1BA560B6-020A-4AB3-953B-4AEA42F7D982}"/>
+              </a:ext>
+            </a:extLst>
+          </p:cNvPr>
+          <p:cNvSpPr txBox="1"/>
+          <p:nvPr/>
+        </p:nvSpPr>
+        <p:spPr>
+          <a:xfrm>
+            <a:off x="3269694" y="2215679"/>
+            <a:ext cx="301686" cy="369332"/>
+          </a:xfrm>
+          <a:prstGeom prst="rect">
+            <a:avLst/>
+          </a:prstGeom>
+          <a:noFill/>
+        </p:spPr>
+        <p:txBody>
+          <a:bodyPr wrap="none" rtlCol="0">
+            <a:spAutoFit/>
+          </a:bodyPr>
+          <a:lstStyle/>
+          <a:p>
+            <a:r>
+              <a:rPr lang="en-US" dirty="0"/>
+              <a:t>1</a:t>
+            </a:r>
+          </a:p>
+        </p:txBody>
+      </p:sp>
+      <p:sp>
+        <p:nvSpPr>
+          <p:cNvPr id="173" name="TextBox 172">
+            <a:extLst>
+              <a:ext uri="{FF2B5EF4-FFF2-40B4-BE49-F238E27FC236}">
+                <a16:creationId xmlns:a16="http://schemas.microsoft.com/office/drawing/2014/main" id="{42AF9CF0-7FE0-4D96-A728-EC8DBA6B7560}"/>
+              </a:ext>
+            </a:extLst>
+          </p:cNvPr>
+          <p:cNvSpPr txBox="1"/>
+          <p:nvPr/>
+        </p:nvSpPr>
+        <p:spPr>
+          <a:xfrm>
+            <a:off x="4521651" y="3548852"/>
+            <a:ext cx="301686" cy="369332"/>
+          </a:xfrm>
+          <a:prstGeom prst="rect">
+            <a:avLst/>
+          </a:prstGeom>
+          <a:noFill/>
+        </p:spPr>
+        <p:txBody>
+          <a:bodyPr wrap="none" rtlCol="0">
+            <a:spAutoFit/>
+          </a:bodyPr>
+          <a:lstStyle/>
+          <a:p>
+            <a:r>
+              <a:rPr lang="en-US" dirty="0"/>
+              <a:t>2</a:t>
+            </a:r>
+          </a:p>
+        </p:txBody>
+      </p:sp>
+      <p:sp>
+        <p:nvSpPr>
+          <p:cNvPr id="174" name="TextBox 173">
+            <a:extLst>
+              <a:ext uri="{FF2B5EF4-FFF2-40B4-BE49-F238E27FC236}">
+                <a16:creationId xmlns:a16="http://schemas.microsoft.com/office/drawing/2014/main" id="{D9775ADF-330E-400E-B17F-B4B125B62838}"/>
+              </a:ext>
+            </a:extLst>
+          </p:cNvPr>
+          <p:cNvSpPr txBox="1"/>
+          <p:nvPr/>
+        </p:nvSpPr>
+        <p:spPr>
+          <a:xfrm>
+            <a:off x="4176971" y="2718832"/>
+            <a:ext cx="301686" cy="369332"/>
+          </a:xfrm>
+          <a:prstGeom prst="rect">
+            <a:avLst/>
+          </a:prstGeom>
+          <a:noFill/>
+        </p:spPr>
+        <p:txBody>
+          <a:bodyPr wrap="none" rtlCol="0">
+            <a:spAutoFit/>
+          </a:bodyPr>
+          <a:lstStyle/>
+          <a:p>
+            <a:r>
+              <a:rPr lang="en-US" dirty="0"/>
+              <a:t>3</a:t>
+            </a:r>
+          </a:p>
+        </p:txBody>
+      </p:sp>
+      <p:grpSp>
+        <p:nvGrpSpPr>
+          <p:cNvPr id="231" name="Group 230">
+            <a:extLst>
+              <a:ext uri="{FF2B5EF4-FFF2-40B4-BE49-F238E27FC236}">
+                <a16:creationId xmlns:a16="http://schemas.microsoft.com/office/drawing/2014/main" id="{DBF604DE-793F-40DA-893D-25322B9820D9}"/>
+              </a:ext>
+            </a:extLst>
+          </p:cNvPr>
+          <p:cNvGrpSpPr/>
+          <p:nvPr/>
+        </p:nvGrpSpPr>
+        <p:grpSpPr>
+          <a:xfrm>
+            <a:off x="7332673" y="372885"/>
+            <a:ext cx="4425341" cy="4499707"/>
+            <a:chOff x="6629708" y="372885"/>
+            <a:chExt cx="4425341" cy="4499707"/>
+          </a:xfrm>
+        </p:grpSpPr>
+        <p:sp>
+          <p:nvSpPr>
+            <p:cNvPr id="176" name="Oval 175">
+              <a:extLst>
+                <a:ext uri="{FF2B5EF4-FFF2-40B4-BE49-F238E27FC236}">
+                  <a16:creationId xmlns:a16="http://schemas.microsoft.com/office/drawing/2014/main" id="{8E54553D-6849-4915-83BE-D0D5242957CE}"/>
+                </a:ext>
+              </a:extLst>
+            </p:cNvPr>
+            <p:cNvSpPr/>
+            <p:nvPr/>
+          </p:nvSpPr>
+          <p:spPr>
+            <a:xfrm>
+              <a:off x="7430027" y="1422020"/>
+              <a:ext cx="348906" cy="348906"/>
+            </a:xfrm>
+            <a:prstGeom prst="ellipse">
+              <a:avLst/>
+            </a:prstGeom>
+            <a:solidFill>
+              <a:srgbClr val="FFC000"/>
+            </a:solidFill>
+            <a:ln w="57150">
+              <a:noFill/>
+            </a:ln>
+          </p:spPr>
+          <p:style>
+            <a:lnRef idx="2">
+              <a:schemeClr val="accent1">
+                <a:shade val="50000"/>
+              </a:schemeClr>
+            </a:lnRef>
+            <a:fillRef idx="1">
+              <a:schemeClr val="accent1"/>
+            </a:fillRef>
+            <a:effectRef idx="0">
+              <a:schemeClr val="accent1"/>
+            </a:effectRef>
+            <a:fontRef idx="minor">
+              <a:schemeClr val="lt1"/>
+            </a:fontRef>
+          </p:style>
+          <p:txBody>
+            <a:bodyPr rtlCol="0" anchor="ctr"/>
+            <a:lstStyle/>
+            <a:p>
+              <a:pPr algn="ctr"/>
+              <a:endParaRPr lang="en-US" dirty="0"/>
+            </a:p>
+          </p:txBody>
+        </p:sp>
+        <p:sp>
+          <p:nvSpPr>
+            <p:cNvPr id="177" name="Oval 176">
+              <a:extLst>
+                <a:ext uri="{FF2B5EF4-FFF2-40B4-BE49-F238E27FC236}">
+                  <a16:creationId xmlns:a16="http://schemas.microsoft.com/office/drawing/2014/main" id="{9399A1A4-F262-40A6-8524-EADC8BA95E2A}"/>
+                </a:ext>
+              </a:extLst>
+            </p:cNvPr>
+            <p:cNvSpPr/>
+            <p:nvPr/>
+          </p:nvSpPr>
+          <p:spPr>
+            <a:xfrm>
+              <a:off x="6629708" y="2257590"/>
+              <a:ext cx="348906" cy="348906"/>
+            </a:xfrm>
+            <a:prstGeom prst="ellipse">
+              <a:avLst/>
+            </a:prstGeom>
+            <a:solidFill>
+              <a:srgbClr val="FFC000"/>
+            </a:solidFill>
+            <a:ln w="57150">
+              <a:noFill/>
+            </a:ln>
+          </p:spPr>
+          <p:style>
+            <a:lnRef idx="2">
+              <a:schemeClr val="accent1">
+                <a:shade val="50000"/>
+              </a:schemeClr>
+            </a:lnRef>
+            <a:fillRef idx="1">
+              <a:schemeClr val="accent1"/>
+            </a:fillRef>
+            <a:effectRef idx="0">
+              <a:schemeClr val="accent1"/>
+            </a:effectRef>
+            <a:fontRef idx="minor">
+              <a:schemeClr val="lt1"/>
+            </a:fontRef>
+          </p:style>
+          <p:txBody>
+            <a:bodyPr rtlCol="0" anchor="ctr"/>
+            <a:lstStyle/>
+            <a:p>
+              <a:pPr algn="ctr"/>
+              <a:endParaRPr lang="en-US" dirty="0"/>
+            </a:p>
+          </p:txBody>
+        </p:sp>
+        <p:sp>
+          <p:nvSpPr>
+            <p:cNvPr id="178" name="Oval 177">
+              <a:extLst>
+                <a:ext uri="{FF2B5EF4-FFF2-40B4-BE49-F238E27FC236}">
+                  <a16:creationId xmlns:a16="http://schemas.microsoft.com/office/drawing/2014/main" id="{4BFF63F6-5CB2-40D6-B356-DE294735CF76}"/>
+                </a:ext>
+              </a:extLst>
+            </p:cNvPr>
+            <p:cNvSpPr/>
+            <p:nvPr/>
+          </p:nvSpPr>
+          <p:spPr>
+            <a:xfrm>
+              <a:off x="7894090" y="3579824"/>
+              <a:ext cx="348906" cy="348906"/>
+            </a:xfrm>
+            <a:prstGeom prst="ellipse">
+              <a:avLst/>
+            </a:prstGeom>
+            <a:solidFill>
+              <a:srgbClr val="FFC000"/>
+            </a:solidFill>
+            <a:ln w="57150">
+              <a:noFill/>
+            </a:ln>
+          </p:spPr>
+          <p:style>
+            <a:lnRef idx="2">
+              <a:schemeClr val="accent1">
+                <a:shade val="50000"/>
+              </a:schemeClr>
+            </a:lnRef>
+            <a:fillRef idx="1">
+              <a:schemeClr val="accent1"/>
+            </a:fillRef>
+            <a:effectRef idx="0">
+              <a:schemeClr val="accent1"/>
+            </a:effectRef>
+            <a:fontRef idx="minor">
+              <a:schemeClr val="lt1"/>
+            </a:fontRef>
+          </p:style>
+          <p:txBody>
+            <a:bodyPr rtlCol="0" anchor="ctr"/>
+            <a:lstStyle/>
+            <a:p>
+              <a:pPr algn="ctr"/>
+              <a:endParaRPr lang="en-US" dirty="0"/>
+            </a:p>
+          </p:txBody>
+        </p:sp>
+        <p:sp>
+          <p:nvSpPr>
+            <p:cNvPr id="179" name="Oval 178">
+              <a:extLst>
+                <a:ext uri="{FF2B5EF4-FFF2-40B4-BE49-F238E27FC236}">
+                  <a16:creationId xmlns:a16="http://schemas.microsoft.com/office/drawing/2014/main" id="{8B9CB3E2-7C21-4467-9088-0EC60A6A372A}"/>
+                </a:ext>
+              </a:extLst>
+            </p:cNvPr>
+            <p:cNvSpPr/>
+            <p:nvPr/>
+          </p:nvSpPr>
+          <p:spPr>
+            <a:xfrm>
+              <a:off x="8191900" y="2257590"/>
+              <a:ext cx="348906" cy="348906"/>
+            </a:xfrm>
+            <a:prstGeom prst="ellipse">
+              <a:avLst/>
+            </a:prstGeom>
+            <a:solidFill>
+              <a:srgbClr val="FFC000"/>
+            </a:solidFill>
+            <a:ln w="57150">
+              <a:noFill/>
+            </a:ln>
+          </p:spPr>
+          <p:style>
+            <a:lnRef idx="2">
+              <a:schemeClr val="accent1">
+                <a:shade val="50000"/>
+              </a:schemeClr>
+            </a:lnRef>
+            <a:fillRef idx="1">
+              <a:schemeClr val="accent1"/>
+            </a:fillRef>
+            <a:effectRef idx="0">
+              <a:schemeClr val="accent1"/>
+            </a:effectRef>
+            <a:fontRef idx="minor">
+              <a:schemeClr val="lt1"/>
+            </a:fontRef>
+          </p:style>
+          <p:txBody>
+            <a:bodyPr rtlCol="0" anchor="ctr"/>
+            <a:lstStyle/>
+            <a:p>
+              <a:pPr algn="ctr"/>
+              <a:endParaRPr lang="en-US" dirty="0"/>
+            </a:p>
+          </p:txBody>
+        </p:sp>
+        <p:sp>
+          <p:nvSpPr>
+            <p:cNvPr id="180" name="Oval 179">
+              <a:extLst>
+                <a:ext uri="{FF2B5EF4-FFF2-40B4-BE49-F238E27FC236}">
+                  <a16:creationId xmlns:a16="http://schemas.microsoft.com/office/drawing/2014/main" id="{B5303CA1-C533-4262-B05F-9B20E5AB1A59}"/>
+                </a:ext>
+              </a:extLst>
+            </p:cNvPr>
+            <p:cNvSpPr/>
+            <p:nvPr/>
+          </p:nvSpPr>
+          <p:spPr>
+            <a:xfrm>
+              <a:off x="6804161" y="3216517"/>
+              <a:ext cx="348906" cy="348906"/>
+            </a:xfrm>
+            <a:prstGeom prst="ellipse">
+              <a:avLst/>
+            </a:prstGeom>
+            <a:solidFill>
+              <a:srgbClr val="FFC000"/>
+            </a:solidFill>
+            <a:ln w="57150">
+              <a:noFill/>
+            </a:ln>
+          </p:spPr>
+          <p:style>
+            <a:lnRef idx="2">
+              <a:schemeClr val="accent1">
+                <a:shade val="50000"/>
+              </a:schemeClr>
+            </a:lnRef>
+            <a:fillRef idx="1">
+              <a:schemeClr val="accent1"/>
+            </a:fillRef>
+            <a:effectRef idx="0">
+              <a:schemeClr val="accent1"/>
+            </a:effectRef>
+            <a:fontRef idx="minor">
+              <a:schemeClr val="lt1"/>
+            </a:fontRef>
+          </p:style>
+          <p:txBody>
+            <a:bodyPr rtlCol="0" anchor="ctr"/>
+            <a:lstStyle/>
+            <a:p>
+              <a:pPr algn="ctr"/>
+              <a:endParaRPr lang="en-US" dirty="0"/>
+            </a:p>
+          </p:txBody>
+        </p:sp>
+        <p:cxnSp>
+          <p:nvCxnSpPr>
+            <p:cNvPr id="181" name="Straight Arrow Connector 180">
+              <a:extLst>
+                <a:ext uri="{FF2B5EF4-FFF2-40B4-BE49-F238E27FC236}">
+                  <a16:creationId xmlns:a16="http://schemas.microsoft.com/office/drawing/2014/main" id="{F12881AE-3B12-404D-9B86-CB5326DDC7FE}"/>
+                </a:ext>
+              </a:extLst>
+            </p:cNvPr>
+            <p:cNvCxnSpPr/>
+            <p:nvPr/>
+          </p:nvCxnSpPr>
+          <p:spPr>
+            <a:xfrm>
+              <a:off x="7604480" y="914400"/>
+              <a:ext cx="0" cy="507620"/>
+            </a:xfrm>
+            <a:prstGeom prst="straightConnector1">
+              <a:avLst/>
+            </a:prstGeom>
+            <a:ln w="19050">
+              <a:tailEnd type="triangle"/>
+            </a:ln>
+          </p:spPr>
+          <p:style>
+            <a:lnRef idx="1">
+              <a:schemeClr val="accent2"/>
+            </a:lnRef>
+            <a:fillRef idx="0">
+              <a:schemeClr val="accent2"/>
+            </a:fillRef>
+            <a:effectRef idx="0">
+              <a:schemeClr val="accent2"/>
+            </a:effectRef>
+            <a:fontRef idx="minor">
+              <a:schemeClr val="tx1"/>
+            </a:fontRef>
+          </p:style>
+        </p:cxnSp>
+        <p:cxnSp>
+          <p:nvCxnSpPr>
+            <p:cNvPr id="182" name="Straight Arrow Connector 181">
+              <a:extLst>
+                <a:ext uri="{FF2B5EF4-FFF2-40B4-BE49-F238E27FC236}">
+                  <a16:creationId xmlns:a16="http://schemas.microsoft.com/office/drawing/2014/main" id="{799BC4CB-5D37-4C58-A89C-C266BE4E76FC}"/>
+                </a:ext>
+              </a:extLst>
+            </p:cNvPr>
+            <p:cNvCxnSpPr>
+              <a:cxnSpLocks/>
+              <a:stCxn id="176" idx="3"/>
+              <a:endCxn id="177" idx="7"/>
+            </p:cNvCxnSpPr>
+            <p:nvPr/>
+          </p:nvCxnSpPr>
+          <p:spPr>
+            <a:xfrm flipH="1">
+              <a:off x="6927518" y="1719830"/>
+              <a:ext cx="553605" cy="588856"/>
+            </a:xfrm>
+            <a:prstGeom prst="straightConnector1">
+              <a:avLst/>
+            </a:prstGeom>
+            <a:ln w="19050">
+              <a:tailEnd type="triangle"/>
+            </a:ln>
+          </p:spPr>
+          <p:style>
+            <a:lnRef idx="1">
+              <a:schemeClr val="accent2"/>
+            </a:lnRef>
+            <a:fillRef idx="0">
+              <a:schemeClr val="accent2"/>
+            </a:fillRef>
+            <a:effectRef idx="0">
+              <a:schemeClr val="accent2"/>
+            </a:effectRef>
+            <a:fontRef idx="minor">
+              <a:schemeClr val="tx1"/>
+            </a:fontRef>
+          </p:style>
+        </p:cxnSp>
+        <p:cxnSp>
+          <p:nvCxnSpPr>
+            <p:cNvPr id="183" name="Straight Arrow Connector 182">
+              <a:extLst>
+                <a:ext uri="{FF2B5EF4-FFF2-40B4-BE49-F238E27FC236}">
+                  <a16:creationId xmlns:a16="http://schemas.microsoft.com/office/drawing/2014/main" id="{14BC1DF3-EB51-484B-9BF8-A4FE47EC6865}"/>
+                </a:ext>
+              </a:extLst>
+            </p:cNvPr>
+            <p:cNvCxnSpPr>
+              <a:cxnSpLocks/>
+              <a:stCxn id="176" idx="5"/>
+              <a:endCxn id="179" idx="1"/>
+            </p:cNvCxnSpPr>
+            <p:nvPr/>
+          </p:nvCxnSpPr>
+          <p:spPr>
+            <a:xfrm>
+              <a:off x="7727837" y="1719830"/>
+              <a:ext cx="515159" cy="588856"/>
+            </a:xfrm>
+            <a:prstGeom prst="straightConnector1">
+              <a:avLst/>
+            </a:prstGeom>
+            <a:ln w="19050">
+              <a:tailEnd type="triangle"/>
+            </a:ln>
+          </p:spPr>
+          <p:style>
+            <a:lnRef idx="1">
+              <a:schemeClr val="accent2"/>
+            </a:lnRef>
+            <a:fillRef idx="0">
+              <a:schemeClr val="accent2"/>
+            </a:fillRef>
+            <a:effectRef idx="0">
+              <a:schemeClr val="accent2"/>
+            </a:effectRef>
+            <a:fontRef idx="minor">
+              <a:schemeClr val="tx1"/>
+            </a:fontRef>
+          </p:style>
+        </p:cxnSp>
+        <p:cxnSp>
+          <p:nvCxnSpPr>
+            <p:cNvPr id="184" name="Straight Arrow Connector 183">
+              <a:extLst>
+                <a:ext uri="{FF2B5EF4-FFF2-40B4-BE49-F238E27FC236}">
+                  <a16:creationId xmlns:a16="http://schemas.microsoft.com/office/drawing/2014/main" id="{88E0E48A-7DF7-463F-9C68-D4E22AC97A32}"/>
+                </a:ext>
+              </a:extLst>
+            </p:cNvPr>
+            <p:cNvCxnSpPr>
+              <a:cxnSpLocks/>
+              <a:stCxn id="177" idx="5"/>
+              <a:endCxn id="178" idx="1"/>
+            </p:cNvCxnSpPr>
+            <p:nvPr/>
+          </p:nvCxnSpPr>
+          <p:spPr>
+            <a:xfrm>
+              <a:off x="6927518" y="2555400"/>
+              <a:ext cx="1017668" cy="1075520"/>
+            </a:xfrm>
+            <a:prstGeom prst="straightConnector1">
+              <a:avLst/>
+            </a:prstGeom>
+            <a:ln w="19050">
+              <a:tailEnd type="triangle"/>
+            </a:ln>
+          </p:spPr>
+          <p:style>
+            <a:lnRef idx="1">
+              <a:schemeClr val="accent2"/>
+            </a:lnRef>
+            <a:fillRef idx="0">
+              <a:schemeClr val="accent2"/>
+            </a:fillRef>
+            <a:effectRef idx="0">
+              <a:schemeClr val="accent2"/>
+            </a:effectRef>
+            <a:fontRef idx="minor">
+              <a:schemeClr val="tx1"/>
+            </a:fontRef>
+          </p:style>
+        </p:cxnSp>
+        <p:cxnSp>
+          <p:nvCxnSpPr>
+            <p:cNvPr id="185" name="Straight Arrow Connector 184">
+              <a:extLst>
+                <a:ext uri="{FF2B5EF4-FFF2-40B4-BE49-F238E27FC236}">
+                  <a16:creationId xmlns:a16="http://schemas.microsoft.com/office/drawing/2014/main" id="{2036F7A9-FEE8-4906-9135-7CE4C1DC42CA}"/>
+                </a:ext>
+              </a:extLst>
+            </p:cNvPr>
+            <p:cNvCxnSpPr>
+              <a:cxnSpLocks/>
+              <a:stCxn id="179" idx="4"/>
+              <a:endCxn id="178" idx="0"/>
+            </p:cNvCxnSpPr>
+            <p:nvPr/>
+          </p:nvCxnSpPr>
+          <p:spPr>
+            <a:xfrm flipH="1">
+              <a:off x="8068543" y="2606496"/>
+              <a:ext cx="297810" cy="973328"/>
+            </a:xfrm>
+            <a:prstGeom prst="straightConnector1">
+              <a:avLst/>
+            </a:prstGeom>
+            <a:ln w="19050">
+              <a:tailEnd type="triangle"/>
+            </a:ln>
+          </p:spPr>
+          <p:style>
+            <a:lnRef idx="1">
+              <a:schemeClr val="accent2"/>
+            </a:lnRef>
+            <a:fillRef idx="0">
+              <a:schemeClr val="accent2"/>
+            </a:fillRef>
+            <a:effectRef idx="0">
+              <a:schemeClr val="accent2"/>
+            </a:effectRef>
+            <a:fontRef idx="minor">
+              <a:schemeClr val="tx1"/>
+            </a:fontRef>
+          </p:style>
+        </p:cxnSp>
+        <p:cxnSp>
+          <p:nvCxnSpPr>
+            <p:cNvPr id="186" name="Straight Arrow Connector 185">
+              <a:extLst>
+                <a:ext uri="{FF2B5EF4-FFF2-40B4-BE49-F238E27FC236}">
+                  <a16:creationId xmlns:a16="http://schemas.microsoft.com/office/drawing/2014/main" id="{8D4051C2-CEF7-4DE8-83BC-2C6067D861B2}"/>
+                </a:ext>
+              </a:extLst>
+            </p:cNvPr>
+            <p:cNvCxnSpPr>
+              <a:cxnSpLocks/>
+              <a:stCxn id="177" idx="4"/>
+              <a:endCxn id="180" idx="0"/>
+            </p:cNvCxnSpPr>
+            <p:nvPr/>
+          </p:nvCxnSpPr>
+          <p:spPr>
+            <a:xfrm>
+              <a:off x="6804161" y="2606496"/>
+              <a:ext cx="174453" cy="610021"/>
+            </a:xfrm>
+            <a:prstGeom prst="straightConnector1">
+              <a:avLst/>
+            </a:prstGeom>
+            <a:ln w="19050">
+              <a:tailEnd type="triangle"/>
+            </a:ln>
+          </p:spPr>
+          <p:style>
+            <a:lnRef idx="1">
+              <a:schemeClr val="accent2"/>
+            </a:lnRef>
+            <a:fillRef idx="0">
+              <a:schemeClr val="accent2"/>
+            </a:fillRef>
+            <a:effectRef idx="0">
+              <a:schemeClr val="accent2"/>
+            </a:effectRef>
+            <a:fontRef idx="minor">
+              <a:schemeClr val="tx1"/>
+            </a:fontRef>
+          </p:style>
+        </p:cxnSp>
+        <p:sp>
+          <p:nvSpPr>
+            <p:cNvPr id="187" name="Oval 186">
+              <a:extLst>
+                <a:ext uri="{FF2B5EF4-FFF2-40B4-BE49-F238E27FC236}">
+                  <a16:creationId xmlns:a16="http://schemas.microsoft.com/office/drawing/2014/main" id="{B4B1DF1E-DB04-40CC-9919-68CD1DF35837}"/>
+                </a:ext>
+              </a:extLst>
+            </p:cNvPr>
+            <p:cNvSpPr/>
+            <p:nvPr/>
+          </p:nvSpPr>
+          <p:spPr>
+            <a:xfrm>
+              <a:off x="7549284" y="2744254"/>
+              <a:ext cx="348906" cy="348906"/>
+            </a:xfrm>
+            <a:prstGeom prst="ellipse">
+              <a:avLst/>
+            </a:prstGeom>
+            <a:solidFill>
+              <a:srgbClr val="FFC000"/>
+            </a:solidFill>
+            <a:ln w="57150">
+              <a:noFill/>
+            </a:ln>
+          </p:spPr>
+          <p:style>
+            <a:lnRef idx="2">
+              <a:schemeClr val="accent1">
+                <a:shade val="50000"/>
+              </a:schemeClr>
+            </a:lnRef>
+            <a:fillRef idx="1">
+              <a:schemeClr val="accent1"/>
+            </a:fillRef>
+            <a:effectRef idx="0">
+              <a:schemeClr val="accent1"/>
+            </a:effectRef>
+            <a:fontRef idx="minor">
+              <a:schemeClr val="lt1"/>
+            </a:fontRef>
+          </p:style>
+          <p:txBody>
+            <a:bodyPr rtlCol="0" anchor="ctr"/>
+            <a:lstStyle/>
+            <a:p>
+              <a:pPr algn="ctr"/>
+              <a:endParaRPr lang="en-US" dirty="0"/>
+            </a:p>
+          </p:txBody>
+        </p:sp>
+        <p:cxnSp>
+          <p:nvCxnSpPr>
+            <p:cNvPr id="188" name="Straight Arrow Connector 187">
+              <a:extLst>
+                <a:ext uri="{FF2B5EF4-FFF2-40B4-BE49-F238E27FC236}">
+                  <a16:creationId xmlns:a16="http://schemas.microsoft.com/office/drawing/2014/main" id="{DA3E544F-55F2-49E3-9888-E8C59F0C6FE9}"/>
+                </a:ext>
+              </a:extLst>
+            </p:cNvPr>
+            <p:cNvCxnSpPr>
+              <a:cxnSpLocks/>
+              <a:stCxn id="179" idx="3"/>
+              <a:endCxn id="187" idx="7"/>
+            </p:cNvCxnSpPr>
+            <p:nvPr/>
+          </p:nvCxnSpPr>
+          <p:spPr>
+            <a:xfrm flipH="1">
+              <a:off x="7847094" y="2555400"/>
+              <a:ext cx="395902" cy="239950"/>
+            </a:xfrm>
+            <a:prstGeom prst="straightConnector1">
+              <a:avLst/>
+            </a:prstGeom>
+            <a:ln w="19050">
+              <a:tailEnd type="triangle"/>
+            </a:ln>
+          </p:spPr>
+          <p:style>
+            <a:lnRef idx="1">
+              <a:schemeClr val="accent2"/>
+            </a:lnRef>
+            <a:fillRef idx="0">
+              <a:schemeClr val="accent2"/>
+            </a:fillRef>
+            <a:effectRef idx="0">
+              <a:schemeClr val="accent2"/>
+            </a:effectRef>
+            <a:fontRef idx="minor">
+              <a:schemeClr val="tx1"/>
+            </a:fontRef>
+          </p:style>
+        </p:cxnSp>
+        <p:cxnSp>
+          <p:nvCxnSpPr>
+            <p:cNvPr id="189" name="Straight Arrow Connector 188">
+              <a:extLst>
+                <a:ext uri="{FF2B5EF4-FFF2-40B4-BE49-F238E27FC236}">
+                  <a16:creationId xmlns:a16="http://schemas.microsoft.com/office/drawing/2014/main" id="{48FB4291-345D-4AB6-8067-1EB33C8596D4}"/>
+                </a:ext>
+              </a:extLst>
+            </p:cNvPr>
+            <p:cNvCxnSpPr>
+              <a:cxnSpLocks/>
+              <a:stCxn id="187" idx="3"/>
+              <a:endCxn id="180" idx="7"/>
+            </p:cNvCxnSpPr>
+            <p:nvPr/>
+          </p:nvCxnSpPr>
+          <p:spPr>
+            <a:xfrm flipH="1">
+              <a:off x="7101971" y="3042064"/>
+              <a:ext cx="498409" cy="225549"/>
+            </a:xfrm>
+            <a:prstGeom prst="straightConnector1">
+              <a:avLst/>
+            </a:prstGeom>
+            <a:ln w="19050">
+              <a:tailEnd type="triangle"/>
+            </a:ln>
+          </p:spPr>
+          <p:style>
+            <a:lnRef idx="1">
+              <a:schemeClr val="accent2"/>
+            </a:lnRef>
+            <a:fillRef idx="0">
+              <a:schemeClr val="accent2"/>
+            </a:fillRef>
+            <a:effectRef idx="0">
+              <a:schemeClr val="accent2"/>
+            </a:effectRef>
+            <a:fontRef idx="minor">
+              <a:schemeClr val="tx1"/>
+            </a:fontRef>
+          </p:style>
+        </p:cxnSp>
+        <p:sp>
+          <p:nvSpPr>
+            <p:cNvPr id="190" name="Oval 189">
+              <a:extLst>
+                <a:ext uri="{FF2B5EF4-FFF2-40B4-BE49-F238E27FC236}">
+                  <a16:creationId xmlns:a16="http://schemas.microsoft.com/office/drawing/2014/main" id="{61F1F555-C2B5-4E0E-A49B-6A2F03D49517}"/>
+                </a:ext>
+              </a:extLst>
+            </p:cNvPr>
+            <p:cNvSpPr/>
+            <p:nvPr/>
+          </p:nvSpPr>
+          <p:spPr>
+            <a:xfrm>
+              <a:off x="7306670" y="4016066"/>
+              <a:ext cx="348906" cy="348906"/>
+            </a:xfrm>
+            <a:prstGeom prst="ellipse">
+              <a:avLst/>
+            </a:prstGeom>
+            <a:solidFill>
+              <a:srgbClr val="FFC000"/>
+            </a:solidFill>
+            <a:ln w="57150">
+              <a:noFill/>
+            </a:ln>
+          </p:spPr>
+          <p:style>
+            <a:lnRef idx="2">
+              <a:schemeClr val="accent1">
+                <a:shade val="50000"/>
+              </a:schemeClr>
+            </a:lnRef>
+            <a:fillRef idx="1">
+              <a:schemeClr val="accent1"/>
+            </a:fillRef>
+            <a:effectRef idx="0">
+              <a:schemeClr val="accent1"/>
+            </a:effectRef>
+            <a:fontRef idx="minor">
+              <a:schemeClr val="lt1"/>
+            </a:fontRef>
+          </p:style>
+          <p:txBody>
+            <a:bodyPr rtlCol="0" anchor="ctr"/>
+            <a:lstStyle/>
+            <a:p>
+              <a:pPr algn="ctr"/>
+              <a:endParaRPr lang="en-US" dirty="0"/>
+            </a:p>
+          </p:txBody>
+        </p:sp>
+        <p:cxnSp>
+          <p:nvCxnSpPr>
+            <p:cNvPr id="191" name="Straight Arrow Connector 190">
+              <a:extLst>
+                <a:ext uri="{FF2B5EF4-FFF2-40B4-BE49-F238E27FC236}">
+                  <a16:creationId xmlns:a16="http://schemas.microsoft.com/office/drawing/2014/main" id="{CC921C2A-0D98-4E51-BD0F-D33209A39526}"/>
+                </a:ext>
+              </a:extLst>
+            </p:cNvPr>
+            <p:cNvCxnSpPr>
+              <a:cxnSpLocks/>
+            </p:cNvCxnSpPr>
+            <p:nvPr/>
+          </p:nvCxnSpPr>
+          <p:spPr>
+            <a:xfrm>
+              <a:off x="7031652" y="3545447"/>
+              <a:ext cx="379152" cy="501739"/>
+            </a:xfrm>
+            <a:prstGeom prst="straightConnector1">
+              <a:avLst/>
+            </a:prstGeom>
+            <a:ln w="19050">
+              <a:tailEnd type="triangle"/>
+            </a:ln>
+          </p:spPr>
+          <p:style>
+            <a:lnRef idx="1">
+              <a:schemeClr val="accent2"/>
+            </a:lnRef>
+            <a:fillRef idx="0">
+              <a:schemeClr val="accent2"/>
+            </a:fillRef>
+            <a:effectRef idx="0">
+              <a:schemeClr val="accent2"/>
+            </a:effectRef>
+            <a:fontRef idx="minor">
+              <a:schemeClr val="tx1"/>
+            </a:fontRef>
+          </p:style>
+        </p:cxnSp>
+        <p:cxnSp>
+          <p:nvCxnSpPr>
+            <p:cNvPr id="192" name="Straight Arrow Connector 191">
+              <a:extLst>
+                <a:ext uri="{FF2B5EF4-FFF2-40B4-BE49-F238E27FC236}">
+                  <a16:creationId xmlns:a16="http://schemas.microsoft.com/office/drawing/2014/main" id="{3CB629F5-B0A9-407E-8BAB-52D24251CF3A}"/>
+                </a:ext>
+              </a:extLst>
+            </p:cNvPr>
+            <p:cNvCxnSpPr>
+              <a:cxnSpLocks/>
+              <a:stCxn id="178" idx="3"/>
+              <a:endCxn id="190" idx="7"/>
+            </p:cNvCxnSpPr>
+            <p:nvPr/>
+          </p:nvCxnSpPr>
+          <p:spPr>
+            <a:xfrm flipH="1">
+              <a:off x="7604480" y="3877634"/>
+              <a:ext cx="340706" cy="189528"/>
+            </a:xfrm>
+            <a:prstGeom prst="straightConnector1">
+              <a:avLst/>
+            </a:prstGeom>
+            <a:ln w="19050">
+              <a:tailEnd type="triangle"/>
+            </a:ln>
+          </p:spPr>
+          <p:style>
+            <a:lnRef idx="1">
+              <a:schemeClr val="accent2"/>
+            </a:lnRef>
+            <a:fillRef idx="0">
+              <a:schemeClr val="accent2"/>
+            </a:fillRef>
+            <a:effectRef idx="0">
+              <a:schemeClr val="accent2"/>
+            </a:effectRef>
+            <a:fontRef idx="minor">
+              <a:schemeClr val="tx1"/>
+            </a:fontRef>
+          </p:style>
+        </p:cxnSp>
+        <p:cxnSp>
+          <p:nvCxnSpPr>
+            <p:cNvPr id="193" name="Straight Arrow Connector 192">
+              <a:extLst>
+                <a:ext uri="{FF2B5EF4-FFF2-40B4-BE49-F238E27FC236}">
+                  <a16:creationId xmlns:a16="http://schemas.microsoft.com/office/drawing/2014/main" id="{1188A473-7B36-44CC-B98F-92B3BB3B44F3}"/>
+                </a:ext>
+              </a:extLst>
+            </p:cNvPr>
+            <p:cNvCxnSpPr/>
+            <p:nvPr/>
+          </p:nvCxnSpPr>
+          <p:spPr>
+            <a:xfrm>
+              <a:off x="7476569" y="4364972"/>
+              <a:ext cx="0" cy="507620"/>
+            </a:xfrm>
+            <a:prstGeom prst="straightConnector1">
+              <a:avLst/>
+            </a:prstGeom>
+            <a:ln w="19050">
+              <a:tailEnd type="triangle"/>
+            </a:ln>
+          </p:spPr>
+          <p:style>
+            <a:lnRef idx="1">
+              <a:schemeClr val="accent2"/>
+            </a:lnRef>
+            <a:fillRef idx="0">
+              <a:schemeClr val="accent2"/>
+            </a:fillRef>
+            <a:effectRef idx="0">
+              <a:schemeClr val="accent2"/>
+            </a:effectRef>
+            <a:fontRef idx="minor">
+              <a:schemeClr val="tx1"/>
+            </a:fontRef>
+          </p:style>
+        </p:cxnSp>
+        <p:sp>
+          <p:nvSpPr>
+            <p:cNvPr id="194" name="Oval 193">
+              <a:extLst>
+                <a:ext uri="{FF2B5EF4-FFF2-40B4-BE49-F238E27FC236}">
+                  <a16:creationId xmlns:a16="http://schemas.microsoft.com/office/drawing/2014/main" id="{E1C1BAC9-E83A-4825-BA4B-55C299061E21}"/>
+                </a:ext>
+              </a:extLst>
+            </p:cNvPr>
+            <p:cNvSpPr/>
+            <p:nvPr/>
+          </p:nvSpPr>
+          <p:spPr>
+            <a:xfrm>
+              <a:off x="9944270" y="1393266"/>
+              <a:ext cx="348906" cy="348906"/>
+            </a:xfrm>
+            <a:prstGeom prst="ellipse">
+              <a:avLst/>
+            </a:prstGeom>
+            <a:solidFill>
+              <a:schemeClr val="accent6">
+                <a:lumMod val="60000"/>
+                <a:lumOff val="40000"/>
+              </a:schemeClr>
+            </a:solidFill>
+            <a:ln w="57150">
+              <a:noFill/>
+            </a:ln>
+          </p:spPr>
+          <p:style>
+            <a:lnRef idx="2">
+              <a:schemeClr val="accent1">
+                <a:shade val="50000"/>
+              </a:schemeClr>
+            </a:lnRef>
+            <a:fillRef idx="1">
+              <a:schemeClr val="accent1"/>
+            </a:fillRef>
+            <a:effectRef idx="0">
+              <a:schemeClr val="accent1"/>
+            </a:effectRef>
+            <a:fontRef idx="minor">
+              <a:schemeClr val="lt1"/>
+            </a:fontRef>
+          </p:style>
+          <p:txBody>
+            <a:bodyPr rtlCol="0" anchor="ctr"/>
+            <a:lstStyle/>
+            <a:p>
+              <a:pPr algn="ctr"/>
+              <a:endParaRPr lang="en-US" dirty="0"/>
+            </a:p>
+          </p:txBody>
+        </p:sp>
+        <p:sp>
+          <p:nvSpPr>
+            <p:cNvPr id="195" name="Oval 194">
+              <a:extLst>
+                <a:ext uri="{FF2B5EF4-FFF2-40B4-BE49-F238E27FC236}">
+                  <a16:creationId xmlns:a16="http://schemas.microsoft.com/office/drawing/2014/main" id="{5EE00FC7-50FF-44FD-A925-41C2CEAC4EB0}"/>
+                </a:ext>
+              </a:extLst>
+            </p:cNvPr>
+            <p:cNvSpPr/>
+            <p:nvPr/>
+          </p:nvSpPr>
+          <p:spPr>
+            <a:xfrm>
+              <a:off x="9143951" y="2228836"/>
+              <a:ext cx="348906" cy="348906"/>
+            </a:xfrm>
+            <a:prstGeom prst="ellipse">
+              <a:avLst/>
+            </a:prstGeom>
+            <a:solidFill>
+              <a:schemeClr val="accent6">
+                <a:lumMod val="60000"/>
+                <a:lumOff val="40000"/>
+              </a:schemeClr>
+            </a:solidFill>
+            <a:ln w="57150">
+              <a:noFill/>
+            </a:ln>
+          </p:spPr>
+          <p:style>
+            <a:lnRef idx="2">
+              <a:schemeClr val="accent1">
+                <a:shade val="50000"/>
+              </a:schemeClr>
+            </a:lnRef>
+            <a:fillRef idx="1">
+              <a:schemeClr val="accent1"/>
+            </a:fillRef>
+            <a:effectRef idx="0">
+              <a:schemeClr val="accent1"/>
+            </a:effectRef>
+            <a:fontRef idx="minor">
+              <a:schemeClr val="lt1"/>
+            </a:fontRef>
+          </p:style>
+          <p:txBody>
+            <a:bodyPr rtlCol="0" anchor="ctr"/>
+            <a:lstStyle/>
+            <a:p>
+              <a:pPr algn="ctr"/>
+              <a:endParaRPr lang="en-US" dirty="0"/>
+            </a:p>
+          </p:txBody>
+        </p:sp>
+        <p:sp>
+          <p:nvSpPr>
+            <p:cNvPr id="196" name="Oval 195">
+              <a:extLst>
+                <a:ext uri="{FF2B5EF4-FFF2-40B4-BE49-F238E27FC236}">
+                  <a16:creationId xmlns:a16="http://schemas.microsoft.com/office/drawing/2014/main" id="{80C88DBF-0D32-4E6C-B8CF-6A61947DF328}"/>
+                </a:ext>
+              </a:extLst>
+            </p:cNvPr>
+            <p:cNvSpPr/>
+            <p:nvPr/>
+          </p:nvSpPr>
+          <p:spPr>
+            <a:xfrm>
+              <a:off x="10408333" y="3551070"/>
+              <a:ext cx="348906" cy="348906"/>
+            </a:xfrm>
+            <a:prstGeom prst="ellipse">
+              <a:avLst/>
+            </a:prstGeom>
+            <a:solidFill>
+              <a:schemeClr val="accent6">
+                <a:lumMod val="60000"/>
+                <a:lumOff val="40000"/>
+              </a:schemeClr>
+            </a:solidFill>
+            <a:ln w="57150">
+              <a:noFill/>
+            </a:ln>
+          </p:spPr>
+          <p:style>
+            <a:lnRef idx="2">
+              <a:schemeClr val="accent1">
+                <a:shade val="50000"/>
+              </a:schemeClr>
+            </a:lnRef>
+            <a:fillRef idx="1">
+              <a:schemeClr val="accent1"/>
+            </a:fillRef>
+            <a:effectRef idx="0">
+              <a:schemeClr val="accent1"/>
+            </a:effectRef>
+            <a:fontRef idx="minor">
+              <a:schemeClr val="lt1"/>
+            </a:fontRef>
+          </p:style>
+          <p:txBody>
+            <a:bodyPr rtlCol="0" anchor="ctr"/>
+            <a:lstStyle/>
+            <a:p>
+              <a:pPr algn="ctr"/>
+              <a:endParaRPr lang="en-US" dirty="0"/>
+            </a:p>
+          </p:txBody>
+        </p:sp>
+        <p:sp>
+          <p:nvSpPr>
+            <p:cNvPr id="197" name="Oval 196">
+              <a:extLst>
+                <a:ext uri="{FF2B5EF4-FFF2-40B4-BE49-F238E27FC236}">
+                  <a16:creationId xmlns:a16="http://schemas.microsoft.com/office/drawing/2014/main" id="{2641373E-8BB3-4B40-B66F-6791AA2F7B6A}"/>
+                </a:ext>
+              </a:extLst>
+            </p:cNvPr>
+            <p:cNvSpPr/>
+            <p:nvPr/>
+          </p:nvSpPr>
+          <p:spPr>
+            <a:xfrm>
+              <a:off x="10706143" y="2228836"/>
+              <a:ext cx="348906" cy="348906"/>
+            </a:xfrm>
+            <a:prstGeom prst="ellipse">
+              <a:avLst/>
+            </a:prstGeom>
+            <a:solidFill>
+              <a:schemeClr val="accent6">
+                <a:lumMod val="60000"/>
+                <a:lumOff val="40000"/>
+              </a:schemeClr>
+            </a:solidFill>
+            <a:ln w="57150">
+              <a:noFill/>
+            </a:ln>
+          </p:spPr>
+          <p:style>
+            <a:lnRef idx="2">
+              <a:schemeClr val="accent1">
+                <a:shade val="50000"/>
+              </a:schemeClr>
+            </a:lnRef>
+            <a:fillRef idx="1">
+              <a:schemeClr val="accent1"/>
+            </a:fillRef>
+            <a:effectRef idx="0">
+              <a:schemeClr val="accent1"/>
+            </a:effectRef>
+            <a:fontRef idx="minor">
+              <a:schemeClr val="lt1"/>
+            </a:fontRef>
+          </p:style>
+          <p:txBody>
+            <a:bodyPr rtlCol="0" anchor="ctr"/>
+            <a:lstStyle/>
+            <a:p>
+              <a:pPr algn="ctr"/>
+              <a:endParaRPr lang="en-US" dirty="0"/>
+            </a:p>
+          </p:txBody>
+        </p:sp>
+        <p:sp>
+          <p:nvSpPr>
+            <p:cNvPr id="198" name="Oval 197">
+              <a:extLst>
+                <a:ext uri="{FF2B5EF4-FFF2-40B4-BE49-F238E27FC236}">
+                  <a16:creationId xmlns:a16="http://schemas.microsoft.com/office/drawing/2014/main" id="{6A07A9AB-9536-46E6-9574-DC4FDE920491}"/>
+                </a:ext>
+              </a:extLst>
+            </p:cNvPr>
+            <p:cNvSpPr/>
+            <p:nvPr/>
+          </p:nvSpPr>
+          <p:spPr>
+            <a:xfrm>
+              <a:off x="9318404" y="3187763"/>
+              <a:ext cx="348906" cy="348906"/>
+            </a:xfrm>
+            <a:prstGeom prst="ellipse">
+              <a:avLst/>
+            </a:prstGeom>
+            <a:solidFill>
+              <a:schemeClr val="accent6">
+                <a:lumMod val="60000"/>
+                <a:lumOff val="40000"/>
+              </a:schemeClr>
+            </a:solidFill>
+            <a:ln w="57150">
+              <a:noFill/>
+            </a:ln>
+          </p:spPr>
+          <p:style>
+            <a:lnRef idx="2">
+              <a:schemeClr val="accent1">
+                <a:shade val="50000"/>
+              </a:schemeClr>
+            </a:lnRef>
+            <a:fillRef idx="1">
+              <a:schemeClr val="accent1"/>
+            </a:fillRef>
+            <a:effectRef idx="0">
+              <a:schemeClr val="accent1"/>
+            </a:effectRef>
+            <a:fontRef idx="minor">
+              <a:schemeClr val="lt1"/>
+            </a:fontRef>
+          </p:style>
+          <p:txBody>
+            <a:bodyPr rtlCol="0" anchor="ctr"/>
+            <a:lstStyle/>
+            <a:p>
+              <a:pPr algn="ctr"/>
+              <a:endParaRPr lang="en-US" dirty="0"/>
+            </a:p>
+          </p:txBody>
+        </p:sp>
+        <p:cxnSp>
+          <p:nvCxnSpPr>
+            <p:cNvPr id="199" name="Straight Arrow Connector 198">
+              <a:extLst>
+                <a:ext uri="{FF2B5EF4-FFF2-40B4-BE49-F238E27FC236}">
+                  <a16:creationId xmlns:a16="http://schemas.microsoft.com/office/drawing/2014/main" id="{158E0463-0145-4B3C-B8A8-AA067C82F28F}"/>
+                </a:ext>
+              </a:extLst>
+            </p:cNvPr>
+            <p:cNvCxnSpPr/>
+            <p:nvPr/>
+          </p:nvCxnSpPr>
+          <p:spPr>
+            <a:xfrm>
+              <a:off x="10118723" y="885646"/>
+              <a:ext cx="0" cy="507620"/>
+            </a:xfrm>
+            <a:prstGeom prst="straightConnector1">
+              <a:avLst/>
+            </a:prstGeom>
+            <a:ln w="19050">
+              <a:solidFill>
+                <a:schemeClr val="accent6">
+                  <a:lumMod val="75000"/>
+                </a:schemeClr>
+              </a:solidFill>
+              <a:tailEnd type="triangle"/>
+            </a:ln>
+          </p:spPr>
+          <p:style>
+            <a:lnRef idx="1">
+              <a:schemeClr val="accent2"/>
+            </a:lnRef>
+            <a:fillRef idx="0">
+              <a:schemeClr val="accent2"/>
+            </a:fillRef>
+            <a:effectRef idx="0">
+              <a:schemeClr val="accent2"/>
+            </a:effectRef>
+            <a:fontRef idx="minor">
+              <a:schemeClr val="tx1"/>
+            </a:fontRef>
+          </p:style>
+        </p:cxnSp>
+        <p:cxnSp>
+          <p:nvCxnSpPr>
+            <p:cNvPr id="200" name="Straight Arrow Connector 199">
+              <a:extLst>
+                <a:ext uri="{FF2B5EF4-FFF2-40B4-BE49-F238E27FC236}">
+                  <a16:creationId xmlns:a16="http://schemas.microsoft.com/office/drawing/2014/main" id="{6DA6ABCD-3D3A-4F87-B4F7-4D4951FB4C1F}"/>
+                </a:ext>
+              </a:extLst>
+            </p:cNvPr>
+            <p:cNvCxnSpPr>
+              <a:cxnSpLocks/>
+              <a:stCxn id="194" idx="3"/>
+              <a:endCxn id="195" idx="7"/>
+            </p:cNvCxnSpPr>
+            <p:nvPr/>
+          </p:nvCxnSpPr>
+          <p:spPr>
+            <a:xfrm flipH="1">
+              <a:off x="9441761" y="1691076"/>
+              <a:ext cx="553605" cy="588856"/>
+            </a:xfrm>
+            <a:prstGeom prst="straightConnector1">
+              <a:avLst/>
+            </a:prstGeom>
+            <a:ln w="19050">
+              <a:solidFill>
+                <a:schemeClr val="accent6">
+                  <a:lumMod val="75000"/>
+                </a:schemeClr>
+              </a:solidFill>
+              <a:tailEnd type="triangle"/>
+            </a:ln>
+          </p:spPr>
+          <p:style>
+            <a:lnRef idx="1">
+              <a:schemeClr val="accent2"/>
+            </a:lnRef>
+            <a:fillRef idx="0">
+              <a:schemeClr val="accent2"/>
+            </a:fillRef>
+            <a:effectRef idx="0">
+              <a:schemeClr val="accent2"/>
+            </a:effectRef>
+            <a:fontRef idx="minor">
+              <a:schemeClr val="tx1"/>
+            </a:fontRef>
+          </p:style>
+        </p:cxnSp>
+        <p:cxnSp>
+          <p:nvCxnSpPr>
+            <p:cNvPr id="201" name="Straight Arrow Connector 200">
+              <a:extLst>
+                <a:ext uri="{FF2B5EF4-FFF2-40B4-BE49-F238E27FC236}">
+                  <a16:creationId xmlns:a16="http://schemas.microsoft.com/office/drawing/2014/main" id="{96B0B219-EC4C-4BA4-A1FC-15F1970C2421}"/>
+                </a:ext>
+              </a:extLst>
+            </p:cNvPr>
+            <p:cNvCxnSpPr>
+              <a:cxnSpLocks/>
+              <a:stCxn id="194" idx="5"/>
+              <a:endCxn id="197" idx="1"/>
+            </p:cNvCxnSpPr>
+            <p:nvPr/>
+          </p:nvCxnSpPr>
+          <p:spPr>
+            <a:xfrm>
+              <a:off x="10242080" y="1691076"/>
+              <a:ext cx="515159" cy="588856"/>
+            </a:xfrm>
+            <a:prstGeom prst="straightConnector1">
+              <a:avLst/>
+            </a:prstGeom>
+            <a:ln w="19050">
+              <a:solidFill>
+                <a:schemeClr val="accent6">
+                  <a:lumMod val="75000"/>
+                </a:schemeClr>
+              </a:solidFill>
+              <a:tailEnd type="triangle"/>
+            </a:ln>
+          </p:spPr>
+          <p:style>
+            <a:lnRef idx="1">
+              <a:schemeClr val="accent2"/>
+            </a:lnRef>
+            <a:fillRef idx="0">
+              <a:schemeClr val="accent2"/>
+            </a:fillRef>
+            <a:effectRef idx="0">
+              <a:schemeClr val="accent2"/>
+            </a:effectRef>
+            <a:fontRef idx="minor">
+              <a:schemeClr val="tx1"/>
+            </a:fontRef>
+          </p:style>
+        </p:cxnSp>
+        <p:cxnSp>
+          <p:nvCxnSpPr>
+            <p:cNvPr id="202" name="Straight Arrow Connector 201">
+              <a:extLst>
+                <a:ext uri="{FF2B5EF4-FFF2-40B4-BE49-F238E27FC236}">
+                  <a16:creationId xmlns:a16="http://schemas.microsoft.com/office/drawing/2014/main" id="{1726E669-BF65-40DA-A6EE-8E83BD7594A4}"/>
+                </a:ext>
+              </a:extLst>
+            </p:cNvPr>
+            <p:cNvCxnSpPr>
+              <a:cxnSpLocks/>
+              <a:stCxn id="195" idx="5"/>
+              <a:endCxn id="196" idx="1"/>
+            </p:cNvCxnSpPr>
+            <p:nvPr/>
+          </p:nvCxnSpPr>
+          <p:spPr>
+            <a:xfrm>
+              <a:off x="9441761" y="2526646"/>
+              <a:ext cx="1017668" cy="1075520"/>
+            </a:xfrm>
+            <a:prstGeom prst="straightConnector1">
+              <a:avLst/>
+            </a:prstGeom>
+            <a:ln w="19050">
+              <a:solidFill>
+                <a:schemeClr val="accent6">
+                  <a:lumMod val="75000"/>
+                </a:schemeClr>
+              </a:solidFill>
+              <a:tailEnd type="triangle"/>
+            </a:ln>
+          </p:spPr>
+          <p:style>
+            <a:lnRef idx="1">
+              <a:schemeClr val="accent2"/>
+            </a:lnRef>
+            <a:fillRef idx="0">
+              <a:schemeClr val="accent2"/>
+            </a:fillRef>
+            <a:effectRef idx="0">
+              <a:schemeClr val="accent2"/>
+            </a:effectRef>
+            <a:fontRef idx="minor">
+              <a:schemeClr val="tx1"/>
+            </a:fontRef>
+          </p:style>
+        </p:cxnSp>
+        <p:cxnSp>
+          <p:nvCxnSpPr>
+            <p:cNvPr id="203" name="Straight Arrow Connector 202">
+              <a:extLst>
+                <a:ext uri="{FF2B5EF4-FFF2-40B4-BE49-F238E27FC236}">
+                  <a16:creationId xmlns:a16="http://schemas.microsoft.com/office/drawing/2014/main" id="{97618256-4B33-4F6D-83C6-D01500C06444}"/>
+                </a:ext>
+              </a:extLst>
+            </p:cNvPr>
+            <p:cNvCxnSpPr>
+              <a:cxnSpLocks/>
+              <a:stCxn id="197" idx="4"/>
+              <a:endCxn id="196" idx="0"/>
+            </p:cNvCxnSpPr>
+            <p:nvPr/>
+          </p:nvCxnSpPr>
+          <p:spPr>
+            <a:xfrm flipH="1">
+              <a:off x="10582786" y="2577742"/>
+              <a:ext cx="297810" cy="973328"/>
+            </a:xfrm>
+            <a:prstGeom prst="straightConnector1">
+              <a:avLst/>
+            </a:prstGeom>
+            <a:ln w="19050">
+              <a:solidFill>
+                <a:schemeClr val="accent6">
+                  <a:lumMod val="75000"/>
+                </a:schemeClr>
+              </a:solidFill>
+              <a:tailEnd type="triangle"/>
+            </a:ln>
+          </p:spPr>
+          <p:style>
+            <a:lnRef idx="1">
+              <a:schemeClr val="accent2"/>
+            </a:lnRef>
+            <a:fillRef idx="0">
+              <a:schemeClr val="accent2"/>
+            </a:fillRef>
+            <a:effectRef idx="0">
+              <a:schemeClr val="accent2"/>
+            </a:effectRef>
+            <a:fontRef idx="minor">
+              <a:schemeClr val="tx1"/>
+            </a:fontRef>
+          </p:style>
+        </p:cxnSp>
+        <p:cxnSp>
+          <p:nvCxnSpPr>
+            <p:cNvPr id="204" name="Straight Arrow Connector 203">
+              <a:extLst>
+                <a:ext uri="{FF2B5EF4-FFF2-40B4-BE49-F238E27FC236}">
+                  <a16:creationId xmlns:a16="http://schemas.microsoft.com/office/drawing/2014/main" id="{6F29F905-7E5A-450C-BD55-E197D6E23B9C}"/>
+                </a:ext>
+              </a:extLst>
+            </p:cNvPr>
+            <p:cNvCxnSpPr>
+              <a:cxnSpLocks/>
+              <a:stCxn id="195" idx="4"/>
+              <a:endCxn id="198" idx="0"/>
+            </p:cNvCxnSpPr>
+            <p:nvPr/>
+          </p:nvCxnSpPr>
+          <p:spPr>
+            <a:xfrm>
+              <a:off x="9318404" y="2577742"/>
+              <a:ext cx="174453" cy="610021"/>
+            </a:xfrm>
+            <a:prstGeom prst="straightConnector1">
+              <a:avLst/>
+            </a:prstGeom>
+            <a:ln w="19050">
+              <a:solidFill>
+                <a:schemeClr val="accent6">
+                  <a:lumMod val="75000"/>
+                </a:schemeClr>
+              </a:solidFill>
+              <a:tailEnd type="triangle"/>
+            </a:ln>
+          </p:spPr>
+          <p:style>
+            <a:lnRef idx="1">
+              <a:schemeClr val="accent2"/>
+            </a:lnRef>
+            <a:fillRef idx="0">
+              <a:schemeClr val="accent2"/>
+            </a:fillRef>
+            <a:effectRef idx="0">
+              <a:schemeClr val="accent2"/>
+            </a:effectRef>
+            <a:fontRef idx="minor">
+              <a:schemeClr val="tx1"/>
+            </a:fontRef>
+          </p:style>
+        </p:cxnSp>
+        <p:sp>
+          <p:nvSpPr>
+            <p:cNvPr id="205" name="Oval 204">
+              <a:extLst>
+                <a:ext uri="{FF2B5EF4-FFF2-40B4-BE49-F238E27FC236}">
+                  <a16:creationId xmlns:a16="http://schemas.microsoft.com/office/drawing/2014/main" id="{8D6858C3-CC6E-4653-9CC6-4EBB642D9DB8}"/>
+                </a:ext>
+              </a:extLst>
+            </p:cNvPr>
+            <p:cNvSpPr/>
+            <p:nvPr/>
+          </p:nvSpPr>
+          <p:spPr>
+            <a:xfrm>
+              <a:off x="10063527" y="2715500"/>
+              <a:ext cx="348906" cy="348906"/>
+            </a:xfrm>
+            <a:prstGeom prst="ellipse">
+              <a:avLst/>
+            </a:prstGeom>
+            <a:solidFill>
+              <a:schemeClr val="accent6">
+                <a:lumMod val="60000"/>
+                <a:lumOff val="40000"/>
+              </a:schemeClr>
+            </a:solidFill>
+            <a:ln w="57150">
+              <a:noFill/>
+            </a:ln>
+          </p:spPr>
+          <p:style>
+            <a:lnRef idx="2">
+              <a:schemeClr val="accent1">
+                <a:shade val="50000"/>
+              </a:schemeClr>
+            </a:lnRef>
+            <a:fillRef idx="1">
+              <a:schemeClr val="accent1"/>
+            </a:fillRef>
+            <a:effectRef idx="0">
+              <a:schemeClr val="accent1"/>
+            </a:effectRef>
+            <a:fontRef idx="minor">
+              <a:schemeClr val="lt1"/>
+            </a:fontRef>
+          </p:style>
+          <p:txBody>
+            <a:bodyPr rtlCol="0" anchor="ctr"/>
+            <a:lstStyle/>
+            <a:p>
+              <a:pPr algn="ctr"/>
+              <a:endParaRPr lang="en-US" dirty="0"/>
+            </a:p>
+          </p:txBody>
+        </p:sp>
+        <p:cxnSp>
+          <p:nvCxnSpPr>
+            <p:cNvPr id="206" name="Straight Arrow Connector 205">
+              <a:extLst>
+                <a:ext uri="{FF2B5EF4-FFF2-40B4-BE49-F238E27FC236}">
+                  <a16:creationId xmlns:a16="http://schemas.microsoft.com/office/drawing/2014/main" id="{F9F8537B-E857-4BD2-BAEC-F3058BC9B3F8}"/>
+                </a:ext>
+              </a:extLst>
+            </p:cNvPr>
+            <p:cNvCxnSpPr>
+              <a:cxnSpLocks/>
+              <a:stCxn id="197" idx="3"/>
+              <a:endCxn id="205" idx="7"/>
+            </p:cNvCxnSpPr>
+            <p:nvPr/>
+          </p:nvCxnSpPr>
+          <p:spPr>
+            <a:xfrm flipH="1">
+              <a:off x="10361337" y="2526646"/>
+              <a:ext cx="395902" cy="239950"/>
+            </a:xfrm>
+            <a:prstGeom prst="straightConnector1">
+              <a:avLst/>
+            </a:prstGeom>
+            <a:ln w="19050">
+              <a:solidFill>
+                <a:schemeClr val="accent6">
+                  <a:lumMod val="75000"/>
+                </a:schemeClr>
+              </a:solidFill>
+              <a:tailEnd type="triangle"/>
+            </a:ln>
+          </p:spPr>
+          <p:style>
+            <a:lnRef idx="1">
+              <a:schemeClr val="accent2"/>
+            </a:lnRef>
+            <a:fillRef idx="0">
+              <a:schemeClr val="accent2"/>
+            </a:fillRef>
+            <a:effectRef idx="0">
+              <a:schemeClr val="accent2"/>
+            </a:effectRef>
+            <a:fontRef idx="minor">
+              <a:schemeClr val="tx1"/>
+            </a:fontRef>
+          </p:style>
+        </p:cxnSp>
+        <p:cxnSp>
+          <p:nvCxnSpPr>
+            <p:cNvPr id="207" name="Straight Arrow Connector 206">
+              <a:extLst>
+                <a:ext uri="{FF2B5EF4-FFF2-40B4-BE49-F238E27FC236}">
+                  <a16:creationId xmlns:a16="http://schemas.microsoft.com/office/drawing/2014/main" id="{E3F07D45-9FB9-453D-9913-08E9CCA9E9EA}"/>
+                </a:ext>
+              </a:extLst>
+            </p:cNvPr>
+            <p:cNvCxnSpPr>
+              <a:cxnSpLocks/>
+              <a:stCxn id="205" idx="3"/>
+              <a:endCxn id="198" idx="7"/>
+            </p:cNvCxnSpPr>
+            <p:nvPr/>
+          </p:nvCxnSpPr>
+          <p:spPr>
+            <a:xfrm flipH="1">
+              <a:off x="9616214" y="3013310"/>
+              <a:ext cx="498409" cy="225549"/>
+            </a:xfrm>
+            <a:prstGeom prst="straightConnector1">
+              <a:avLst/>
+            </a:prstGeom>
+            <a:ln w="19050">
+              <a:solidFill>
+                <a:schemeClr val="accent6">
+                  <a:lumMod val="75000"/>
+                </a:schemeClr>
+              </a:solidFill>
+              <a:tailEnd type="triangle"/>
+            </a:ln>
+          </p:spPr>
+          <p:style>
+            <a:lnRef idx="1">
+              <a:schemeClr val="accent2"/>
+            </a:lnRef>
+            <a:fillRef idx="0">
+              <a:schemeClr val="accent2"/>
+            </a:fillRef>
+            <a:effectRef idx="0">
+              <a:schemeClr val="accent2"/>
+            </a:effectRef>
+            <a:fontRef idx="minor">
+              <a:schemeClr val="tx1"/>
+            </a:fontRef>
+          </p:style>
+        </p:cxnSp>
+        <p:sp>
+          <p:nvSpPr>
+            <p:cNvPr id="208" name="Oval 207">
+              <a:extLst>
+                <a:ext uri="{FF2B5EF4-FFF2-40B4-BE49-F238E27FC236}">
+                  <a16:creationId xmlns:a16="http://schemas.microsoft.com/office/drawing/2014/main" id="{B0403E00-1A3C-4592-906D-3F8CB9BD8933}"/>
+                </a:ext>
+              </a:extLst>
+            </p:cNvPr>
+            <p:cNvSpPr/>
+            <p:nvPr/>
+          </p:nvSpPr>
+          <p:spPr>
+            <a:xfrm>
+              <a:off x="9820913" y="3987312"/>
+              <a:ext cx="348906" cy="348906"/>
+            </a:xfrm>
+            <a:prstGeom prst="ellipse">
+              <a:avLst/>
+            </a:prstGeom>
+            <a:solidFill>
+              <a:schemeClr val="accent6">
+                <a:lumMod val="60000"/>
+                <a:lumOff val="40000"/>
+              </a:schemeClr>
+            </a:solidFill>
+            <a:ln w="57150">
+              <a:noFill/>
+            </a:ln>
+          </p:spPr>
+          <p:style>
+            <a:lnRef idx="2">
+              <a:schemeClr val="accent1">
+                <a:shade val="50000"/>
+              </a:schemeClr>
+            </a:lnRef>
+            <a:fillRef idx="1">
+              <a:schemeClr val="accent1"/>
+            </a:fillRef>
+            <a:effectRef idx="0">
+              <a:schemeClr val="accent1"/>
+            </a:effectRef>
+            <a:fontRef idx="minor">
+              <a:schemeClr val="lt1"/>
+            </a:fontRef>
+          </p:style>
+          <p:txBody>
+            <a:bodyPr rtlCol="0" anchor="ctr"/>
+            <a:lstStyle/>
+            <a:p>
+              <a:pPr algn="ctr"/>
+              <a:endParaRPr lang="en-US" dirty="0"/>
+            </a:p>
+          </p:txBody>
+        </p:sp>
+        <p:cxnSp>
+          <p:nvCxnSpPr>
+            <p:cNvPr id="209" name="Straight Arrow Connector 208">
+              <a:extLst>
+                <a:ext uri="{FF2B5EF4-FFF2-40B4-BE49-F238E27FC236}">
+                  <a16:creationId xmlns:a16="http://schemas.microsoft.com/office/drawing/2014/main" id="{0DE434B1-F16D-49B2-BA7F-4F0470850AD9}"/>
+                </a:ext>
+              </a:extLst>
+            </p:cNvPr>
+            <p:cNvCxnSpPr>
+              <a:cxnSpLocks/>
+            </p:cNvCxnSpPr>
+            <p:nvPr/>
+          </p:nvCxnSpPr>
+          <p:spPr>
+            <a:xfrm>
+              <a:off x="9545895" y="3516693"/>
+              <a:ext cx="379152" cy="501739"/>
+            </a:xfrm>
+            <a:prstGeom prst="straightConnector1">
+              <a:avLst/>
+            </a:prstGeom>
+            <a:ln w="19050">
+              <a:solidFill>
+                <a:schemeClr val="accent6">
+                  <a:lumMod val="75000"/>
+                </a:schemeClr>
+              </a:solidFill>
+              <a:tailEnd type="triangle"/>
+            </a:ln>
+          </p:spPr>
+          <p:style>
+            <a:lnRef idx="1">
+              <a:schemeClr val="accent2"/>
+            </a:lnRef>
+            <a:fillRef idx="0">
+              <a:schemeClr val="accent2"/>
+            </a:fillRef>
+            <a:effectRef idx="0">
+              <a:schemeClr val="accent2"/>
+            </a:effectRef>
+            <a:fontRef idx="minor">
+              <a:schemeClr val="tx1"/>
+            </a:fontRef>
+          </p:style>
+        </p:cxnSp>
+        <p:cxnSp>
+          <p:nvCxnSpPr>
+            <p:cNvPr id="210" name="Straight Arrow Connector 209">
+              <a:extLst>
+                <a:ext uri="{FF2B5EF4-FFF2-40B4-BE49-F238E27FC236}">
+                  <a16:creationId xmlns:a16="http://schemas.microsoft.com/office/drawing/2014/main" id="{9322037F-ECDC-4D99-BE93-DB2BAD1BD62D}"/>
+                </a:ext>
+              </a:extLst>
+            </p:cNvPr>
+            <p:cNvCxnSpPr>
+              <a:cxnSpLocks/>
+              <a:stCxn id="196" idx="3"/>
+              <a:endCxn id="208" idx="7"/>
+            </p:cNvCxnSpPr>
+            <p:nvPr/>
+          </p:nvCxnSpPr>
+          <p:spPr>
+            <a:xfrm flipH="1">
+              <a:off x="10118723" y="3848880"/>
+              <a:ext cx="340706" cy="189528"/>
+            </a:xfrm>
+            <a:prstGeom prst="straightConnector1">
+              <a:avLst/>
+            </a:prstGeom>
+            <a:ln w="19050">
+              <a:solidFill>
+                <a:schemeClr val="accent6">
+                  <a:lumMod val="75000"/>
+                </a:schemeClr>
+              </a:solidFill>
+              <a:tailEnd type="triangle"/>
+            </a:ln>
+          </p:spPr>
+          <p:style>
+            <a:lnRef idx="1">
+              <a:schemeClr val="accent2"/>
+            </a:lnRef>
+            <a:fillRef idx="0">
+              <a:schemeClr val="accent2"/>
+            </a:fillRef>
+            <a:effectRef idx="0">
+              <a:schemeClr val="accent2"/>
+            </a:effectRef>
+            <a:fontRef idx="minor">
+              <a:schemeClr val="tx1"/>
+            </a:fontRef>
+          </p:style>
+        </p:cxnSp>
+        <p:cxnSp>
+          <p:nvCxnSpPr>
+            <p:cNvPr id="211" name="Straight Arrow Connector 210">
+              <a:extLst>
+                <a:ext uri="{FF2B5EF4-FFF2-40B4-BE49-F238E27FC236}">
+                  <a16:creationId xmlns:a16="http://schemas.microsoft.com/office/drawing/2014/main" id="{3747C6B1-76CE-4E22-8DC8-2A76B249C2F7}"/>
+                </a:ext>
+              </a:extLst>
+            </p:cNvPr>
+            <p:cNvCxnSpPr/>
+            <p:nvPr/>
+          </p:nvCxnSpPr>
+          <p:spPr>
+            <a:xfrm>
+              <a:off x="9990812" y="4336218"/>
+              <a:ext cx="0" cy="507620"/>
+            </a:xfrm>
+            <a:prstGeom prst="straightConnector1">
+              <a:avLst/>
+            </a:prstGeom>
+            <a:ln w="19050">
+              <a:solidFill>
+                <a:schemeClr val="accent6">
+                  <a:lumMod val="75000"/>
+                </a:schemeClr>
+              </a:solidFill>
+              <a:tailEnd type="triangle"/>
+            </a:ln>
+          </p:spPr>
+          <p:style>
+            <a:lnRef idx="1">
+              <a:schemeClr val="accent2"/>
+            </a:lnRef>
+            <a:fillRef idx="0">
+              <a:schemeClr val="accent2"/>
+            </a:fillRef>
+            <a:effectRef idx="0">
+              <a:schemeClr val="accent2"/>
+            </a:effectRef>
+            <a:fontRef idx="minor">
+              <a:schemeClr val="tx1"/>
+            </a:fontRef>
+          </p:style>
+        </p:cxnSp>
+        <p:sp>
+          <p:nvSpPr>
+            <p:cNvPr id="212" name="Freeform: Shape 211">
+              <a:extLst>
+                <a:ext uri="{FF2B5EF4-FFF2-40B4-BE49-F238E27FC236}">
+                  <a16:creationId xmlns:a16="http://schemas.microsoft.com/office/drawing/2014/main" id="{C30541A6-B76C-4CCE-9194-B624F70B1A6F}"/>
+                </a:ext>
+              </a:extLst>
+            </p:cNvPr>
+            <p:cNvSpPr/>
+            <p:nvPr/>
+          </p:nvSpPr>
+          <p:spPr>
+            <a:xfrm>
+              <a:off x="6978614" y="2066506"/>
+              <a:ext cx="2141770" cy="329194"/>
+            </a:xfrm>
+            <a:custGeom>
+              <a:avLst/>
+              <a:gdLst>
+                <a:gd name="connsiteX0" fmla="*/ 0 w 3252486"/>
+                <a:gd name="connsiteY0" fmla="*/ 729732 h 729732"/>
+                <a:gd name="connsiteX1" fmla="*/ 1956122 w 3252486"/>
+                <a:gd name="connsiteY1" fmla="*/ 527 h 729732"/>
+                <a:gd name="connsiteX2" fmla="*/ 3252486 w 3252486"/>
+                <a:gd name="connsiteY2" fmla="*/ 637135 h 729732"/>
+              </a:gdLst>
+              <a:ahLst/>
+              <a:cxnLst>
+                <a:cxn ang="0">
+                  <a:pos x="connsiteX0" y="connsiteY0"/>
+                </a:cxn>
+                <a:cxn ang="0">
+                  <a:pos x="connsiteX1" y="connsiteY1"/>
+                </a:cxn>
+                <a:cxn ang="0">
+                  <a:pos x="connsiteX2" y="connsiteY2"/>
+                </a:cxn>
+              </a:cxnLst>
+              <a:rect l="l" t="t" r="r" b="b"/>
+              <a:pathLst>
+                <a:path w="3252486" h="729732">
+                  <a:moveTo>
+                    <a:pt x="0" y="729732"/>
+                  </a:moveTo>
+                  <a:cubicBezTo>
+                    <a:pt x="707020" y="372846"/>
+                    <a:pt x="1414041" y="15960"/>
+                    <a:pt x="1956122" y="527"/>
+                  </a:cubicBezTo>
+                  <a:cubicBezTo>
+                    <a:pt x="2498203" y="-14906"/>
+                    <a:pt x="2875344" y="311114"/>
+                    <a:pt x="3252486" y="637135"/>
+                  </a:cubicBezTo>
+                </a:path>
+              </a:pathLst>
+            </a:custGeom>
+            <a:noFill/>
+            <a:ln w="19050">
+              <a:prstDash val="solid"/>
+              <a:headEnd type="arrow" w="med" len="med"/>
+              <a:tailEnd type="arrow" w="med" len="med"/>
+            </a:ln>
+          </p:spPr>
+          <p:style>
+            <a:lnRef idx="2">
+              <a:schemeClr val="accent1">
+                <a:shade val="50000"/>
+              </a:schemeClr>
+            </a:lnRef>
+            <a:fillRef idx="1">
+              <a:schemeClr val="accent1"/>
+            </a:fillRef>
+            <a:effectRef idx="0">
+              <a:schemeClr val="accent1"/>
+            </a:effectRef>
+            <a:fontRef idx="minor">
+              <a:schemeClr val="lt1"/>
+            </a:fontRef>
+          </p:style>
+          <p:txBody>
+            <a:bodyPr rtlCol="0" anchor="ctr"/>
+            <a:lstStyle/>
+            <a:p>
+              <a:pPr algn="ctr"/>
+              <a:endParaRPr lang="en-US"/>
+            </a:p>
+          </p:txBody>
+        </p:sp>
+        <p:sp>
+          <p:nvSpPr>
+            <p:cNvPr id="213" name="Freeform: Shape 212">
+              <a:extLst>
+                <a:ext uri="{FF2B5EF4-FFF2-40B4-BE49-F238E27FC236}">
+                  <a16:creationId xmlns:a16="http://schemas.microsoft.com/office/drawing/2014/main" id="{DA48630D-A320-4BD3-ABAD-1C5E243C5BA9}"/>
+                </a:ext>
+              </a:extLst>
+            </p:cNvPr>
+            <p:cNvSpPr/>
+            <p:nvPr/>
+          </p:nvSpPr>
+          <p:spPr>
+            <a:xfrm flipV="1">
+              <a:off x="8289909" y="3768678"/>
+              <a:ext cx="2071428" cy="96921"/>
+            </a:xfrm>
+            <a:custGeom>
+              <a:avLst/>
+              <a:gdLst>
+                <a:gd name="connsiteX0" fmla="*/ 0 w 3252486"/>
+                <a:gd name="connsiteY0" fmla="*/ 729732 h 729732"/>
+                <a:gd name="connsiteX1" fmla="*/ 1956122 w 3252486"/>
+                <a:gd name="connsiteY1" fmla="*/ 527 h 729732"/>
+                <a:gd name="connsiteX2" fmla="*/ 3252486 w 3252486"/>
+                <a:gd name="connsiteY2" fmla="*/ 637135 h 729732"/>
+              </a:gdLst>
+              <a:ahLst/>
+              <a:cxnLst>
+                <a:cxn ang="0">
+                  <a:pos x="connsiteX0" y="connsiteY0"/>
+                </a:cxn>
+                <a:cxn ang="0">
+                  <a:pos x="connsiteX1" y="connsiteY1"/>
+                </a:cxn>
+                <a:cxn ang="0">
+                  <a:pos x="connsiteX2" y="connsiteY2"/>
+                </a:cxn>
+              </a:cxnLst>
+              <a:rect l="l" t="t" r="r" b="b"/>
+              <a:pathLst>
+                <a:path w="3252486" h="729732">
+                  <a:moveTo>
+                    <a:pt x="0" y="729732"/>
+                  </a:moveTo>
+                  <a:cubicBezTo>
+                    <a:pt x="707020" y="372846"/>
+                    <a:pt x="1414041" y="15960"/>
+                    <a:pt x="1956122" y="527"/>
+                  </a:cubicBezTo>
+                  <a:cubicBezTo>
+                    <a:pt x="2498203" y="-14906"/>
+                    <a:pt x="2875344" y="311114"/>
+                    <a:pt x="3252486" y="637135"/>
+                  </a:cubicBezTo>
+                </a:path>
+              </a:pathLst>
+            </a:custGeom>
+            <a:noFill/>
+            <a:ln w="19050">
+              <a:prstDash val="solid"/>
+              <a:headEnd type="arrow" w="med" len="med"/>
+              <a:tailEnd type="arrow" w="med" len="med"/>
+            </a:ln>
+          </p:spPr>
+          <p:style>
+            <a:lnRef idx="2">
+              <a:schemeClr val="accent1">
+                <a:shade val="50000"/>
+              </a:schemeClr>
+            </a:lnRef>
+            <a:fillRef idx="1">
+              <a:schemeClr val="accent1"/>
+            </a:fillRef>
+            <a:effectRef idx="0">
+              <a:schemeClr val="accent1"/>
+            </a:effectRef>
+            <a:fontRef idx="minor">
+              <a:schemeClr val="lt1"/>
+            </a:fontRef>
+          </p:style>
+          <p:txBody>
+            <a:bodyPr rtlCol="0" anchor="ctr"/>
+            <a:lstStyle/>
+            <a:p>
+              <a:pPr algn="ctr"/>
+              <a:endParaRPr lang="en-US"/>
+            </a:p>
+          </p:txBody>
+        </p:sp>
+        <p:sp>
+          <p:nvSpPr>
+            <p:cNvPr id="214" name="Freeform: Shape 213">
+              <a:extLst>
+                <a:ext uri="{FF2B5EF4-FFF2-40B4-BE49-F238E27FC236}">
+                  <a16:creationId xmlns:a16="http://schemas.microsoft.com/office/drawing/2014/main" id="{78AD8A56-4BAF-44AF-9B8B-F735D1412D53}"/>
+                </a:ext>
+              </a:extLst>
+            </p:cNvPr>
+            <p:cNvSpPr/>
+            <p:nvPr/>
+          </p:nvSpPr>
+          <p:spPr>
+            <a:xfrm>
+              <a:off x="7934389" y="2826556"/>
+              <a:ext cx="2082142" cy="60504"/>
+            </a:xfrm>
+            <a:custGeom>
+              <a:avLst/>
+              <a:gdLst>
+                <a:gd name="connsiteX0" fmla="*/ 0 w 3252486"/>
+                <a:gd name="connsiteY0" fmla="*/ 729732 h 729732"/>
+                <a:gd name="connsiteX1" fmla="*/ 1956122 w 3252486"/>
+                <a:gd name="connsiteY1" fmla="*/ 527 h 729732"/>
+                <a:gd name="connsiteX2" fmla="*/ 3252486 w 3252486"/>
+                <a:gd name="connsiteY2" fmla="*/ 637135 h 729732"/>
+              </a:gdLst>
+              <a:ahLst/>
+              <a:cxnLst>
+                <a:cxn ang="0">
+                  <a:pos x="connsiteX0" y="connsiteY0"/>
+                </a:cxn>
+                <a:cxn ang="0">
+                  <a:pos x="connsiteX1" y="connsiteY1"/>
+                </a:cxn>
+                <a:cxn ang="0">
+                  <a:pos x="connsiteX2" y="connsiteY2"/>
+                </a:cxn>
+              </a:cxnLst>
+              <a:rect l="l" t="t" r="r" b="b"/>
+              <a:pathLst>
+                <a:path w="3252486" h="729732">
+                  <a:moveTo>
+                    <a:pt x="0" y="729732"/>
+                  </a:moveTo>
+                  <a:cubicBezTo>
+                    <a:pt x="707020" y="372846"/>
+                    <a:pt x="1414041" y="15960"/>
+                    <a:pt x="1956122" y="527"/>
+                  </a:cubicBezTo>
+                  <a:cubicBezTo>
+                    <a:pt x="2498203" y="-14906"/>
+                    <a:pt x="2875344" y="311114"/>
+                    <a:pt x="3252486" y="637135"/>
+                  </a:cubicBezTo>
+                </a:path>
+              </a:pathLst>
+            </a:custGeom>
+            <a:noFill/>
+            <a:ln w="19050">
+              <a:prstDash val="solid"/>
+              <a:headEnd type="arrow" w="med" len="med"/>
+              <a:tailEnd type="arrow" w="med" len="med"/>
+            </a:ln>
+          </p:spPr>
+          <p:style>
+            <a:lnRef idx="2">
+              <a:schemeClr val="accent1">
+                <a:shade val="50000"/>
+              </a:schemeClr>
+            </a:lnRef>
+            <a:fillRef idx="1">
+              <a:schemeClr val="accent1"/>
+            </a:fillRef>
+            <a:effectRef idx="0">
+              <a:schemeClr val="accent1"/>
+            </a:effectRef>
+            <a:fontRef idx="minor">
+              <a:schemeClr val="lt1"/>
+            </a:fontRef>
+          </p:style>
+          <p:txBody>
+            <a:bodyPr rtlCol="0" anchor="ctr"/>
+            <a:lstStyle/>
+            <a:p>
+              <a:pPr algn="ctr"/>
+              <a:endParaRPr lang="en-US"/>
+            </a:p>
+          </p:txBody>
+        </p:sp>
+        <p:sp>
+          <p:nvSpPr>
+            <p:cNvPr id="215" name="TextBox 214">
+              <a:extLst>
+                <a:ext uri="{FF2B5EF4-FFF2-40B4-BE49-F238E27FC236}">
+                  <a16:creationId xmlns:a16="http://schemas.microsoft.com/office/drawing/2014/main" id="{0CA05463-1FEF-4497-9408-7743389C88DD}"/>
+                </a:ext>
+              </a:extLst>
+            </p:cNvPr>
+            <p:cNvSpPr txBox="1"/>
+            <p:nvPr/>
+          </p:nvSpPr>
+          <p:spPr>
+            <a:xfrm>
+              <a:off x="7107305" y="372885"/>
+              <a:ext cx="1047082" cy="461665"/>
+            </a:xfrm>
+            <a:prstGeom prst="rect">
+              <a:avLst/>
+            </a:prstGeom>
+            <a:noFill/>
+          </p:spPr>
+          <p:txBody>
+            <a:bodyPr wrap="none" rtlCol="0">
+              <a:spAutoFit/>
+            </a:bodyPr>
+            <a:lstStyle/>
+            <a:p>
+              <a:r>
+                <a:rPr lang="en-US" sz="2400" b="1" dirty="0"/>
+                <a:t>Rank 0</a:t>
+              </a:r>
+            </a:p>
+          </p:txBody>
+        </p:sp>
+        <p:sp>
+          <p:nvSpPr>
+            <p:cNvPr id="216" name="TextBox 215">
+              <a:extLst>
+                <a:ext uri="{FF2B5EF4-FFF2-40B4-BE49-F238E27FC236}">
+                  <a16:creationId xmlns:a16="http://schemas.microsoft.com/office/drawing/2014/main" id="{05F2BCC0-0A79-4FFD-952F-30569A76D076}"/>
+                </a:ext>
+              </a:extLst>
+            </p:cNvPr>
+            <p:cNvSpPr txBox="1"/>
+            <p:nvPr/>
+          </p:nvSpPr>
+          <p:spPr>
+            <a:xfrm>
+              <a:off x="9596818" y="372885"/>
+              <a:ext cx="1047082" cy="461665"/>
+            </a:xfrm>
+            <a:prstGeom prst="rect">
+              <a:avLst/>
+            </a:prstGeom>
+            <a:noFill/>
+          </p:spPr>
+          <p:txBody>
+            <a:bodyPr wrap="none" rtlCol="0">
+              <a:spAutoFit/>
+            </a:bodyPr>
+            <a:lstStyle/>
+            <a:p>
+              <a:r>
+                <a:rPr lang="en-US" sz="2400" b="1" dirty="0"/>
+                <a:t>Rank 1</a:t>
+              </a:r>
+            </a:p>
+          </p:txBody>
+        </p:sp>
+        <p:sp>
+          <p:nvSpPr>
+            <p:cNvPr id="217" name="TextBox 216">
+              <a:extLst>
+                <a:ext uri="{FF2B5EF4-FFF2-40B4-BE49-F238E27FC236}">
+                  <a16:creationId xmlns:a16="http://schemas.microsoft.com/office/drawing/2014/main" id="{13567200-9F55-40B7-A06E-F1BD90B6BBED}"/>
+                </a:ext>
+              </a:extLst>
+            </p:cNvPr>
+            <p:cNvSpPr txBox="1"/>
+            <p:nvPr/>
+          </p:nvSpPr>
+          <p:spPr>
+            <a:xfrm>
+              <a:off x="6663748" y="2238407"/>
+              <a:ext cx="301686" cy="369332"/>
+            </a:xfrm>
+            <a:prstGeom prst="rect">
+              <a:avLst/>
+            </a:prstGeom>
+            <a:noFill/>
+          </p:spPr>
+          <p:txBody>
+            <a:bodyPr wrap="none" rtlCol="0">
+              <a:spAutoFit/>
+            </a:bodyPr>
+            <a:lstStyle/>
+            <a:p>
+              <a:r>
+                <a:rPr lang="en-US" dirty="0"/>
+                <a:t>1</a:t>
+              </a:r>
+            </a:p>
+          </p:txBody>
+        </p:sp>
+        <p:sp>
+          <p:nvSpPr>
+            <p:cNvPr id="218" name="TextBox 217">
+              <a:extLst>
+                <a:ext uri="{FF2B5EF4-FFF2-40B4-BE49-F238E27FC236}">
+                  <a16:creationId xmlns:a16="http://schemas.microsoft.com/office/drawing/2014/main" id="{F7D58579-20E4-4989-96EF-F35839C2E2C3}"/>
+                </a:ext>
+              </a:extLst>
+            </p:cNvPr>
+            <p:cNvSpPr txBox="1"/>
+            <p:nvPr/>
+          </p:nvSpPr>
+          <p:spPr>
+            <a:xfrm>
+              <a:off x="7915705" y="3571580"/>
+              <a:ext cx="301686" cy="369332"/>
+            </a:xfrm>
+            <a:prstGeom prst="rect">
+              <a:avLst/>
+            </a:prstGeom>
+            <a:noFill/>
+          </p:spPr>
+          <p:txBody>
+            <a:bodyPr wrap="none" rtlCol="0">
+              <a:spAutoFit/>
+            </a:bodyPr>
+            <a:lstStyle/>
+            <a:p>
+              <a:r>
+                <a:rPr lang="en-US" dirty="0"/>
+                <a:t>2</a:t>
+              </a:r>
+            </a:p>
+          </p:txBody>
+        </p:sp>
+        <p:sp>
+          <p:nvSpPr>
+            <p:cNvPr id="219" name="TextBox 218">
+              <a:extLst>
+                <a:ext uri="{FF2B5EF4-FFF2-40B4-BE49-F238E27FC236}">
+                  <a16:creationId xmlns:a16="http://schemas.microsoft.com/office/drawing/2014/main" id="{C9D4928B-F844-4BA4-8E47-FA58E031D4CE}"/>
+                </a:ext>
+              </a:extLst>
+            </p:cNvPr>
+            <p:cNvSpPr txBox="1"/>
+            <p:nvPr/>
+          </p:nvSpPr>
+          <p:spPr>
+            <a:xfrm>
+              <a:off x="7571025" y="2741560"/>
+              <a:ext cx="301686" cy="369332"/>
+            </a:xfrm>
+            <a:prstGeom prst="rect">
+              <a:avLst/>
+            </a:prstGeom>
+            <a:noFill/>
+          </p:spPr>
+          <p:txBody>
+            <a:bodyPr wrap="none" rtlCol="0">
+              <a:spAutoFit/>
+            </a:bodyPr>
+            <a:lstStyle/>
+            <a:p>
+              <a:r>
+                <a:rPr lang="en-US" dirty="0"/>
+                <a:t>3</a:t>
+              </a:r>
+            </a:p>
+          </p:txBody>
+        </p:sp>
+        <p:sp>
+          <p:nvSpPr>
+            <p:cNvPr id="220" name="TextBox 219">
+              <a:extLst>
+                <a:ext uri="{FF2B5EF4-FFF2-40B4-BE49-F238E27FC236}">
+                  <a16:creationId xmlns:a16="http://schemas.microsoft.com/office/drawing/2014/main" id="{D0C6F875-3DA6-4CC0-9CD3-506F408AB722}"/>
+                </a:ext>
+              </a:extLst>
+            </p:cNvPr>
+            <p:cNvSpPr txBox="1"/>
+            <p:nvPr/>
+          </p:nvSpPr>
+          <p:spPr>
+            <a:xfrm>
+              <a:off x="9167604" y="2215679"/>
+              <a:ext cx="301686" cy="369332"/>
+            </a:xfrm>
+            <a:prstGeom prst="rect">
+              <a:avLst/>
+            </a:prstGeom>
+            <a:noFill/>
+          </p:spPr>
+          <p:txBody>
+            <a:bodyPr wrap="none" rtlCol="0">
+              <a:spAutoFit/>
+            </a:bodyPr>
+            <a:lstStyle/>
+            <a:p>
+              <a:r>
+                <a:rPr lang="en-US" dirty="0"/>
+                <a:t>1</a:t>
+              </a:r>
+            </a:p>
+          </p:txBody>
+        </p:sp>
+        <p:sp>
+          <p:nvSpPr>
+            <p:cNvPr id="221" name="TextBox 220">
+              <a:extLst>
+                <a:ext uri="{FF2B5EF4-FFF2-40B4-BE49-F238E27FC236}">
+                  <a16:creationId xmlns:a16="http://schemas.microsoft.com/office/drawing/2014/main" id="{41DAFD73-D713-4DF8-93F3-6F3509F9C893}"/>
+                </a:ext>
+              </a:extLst>
+            </p:cNvPr>
+            <p:cNvSpPr txBox="1"/>
+            <p:nvPr/>
+          </p:nvSpPr>
+          <p:spPr>
+            <a:xfrm>
+              <a:off x="10419561" y="3548852"/>
+              <a:ext cx="301686" cy="369332"/>
+            </a:xfrm>
+            <a:prstGeom prst="rect">
+              <a:avLst/>
+            </a:prstGeom>
+            <a:noFill/>
+          </p:spPr>
+          <p:txBody>
+            <a:bodyPr wrap="none" rtlCol="0">
+              <a:spAutoFit/>
+            </a:bodyPr>
+            <a:lstStyle/>
+            <a:p>
+              <a:r>
+                <a:rPr lang="en-US" dirty="0"/>
+                <a:t>2</a:t>
+              </a:r>
+            </a:p>
+          </p:txBody>
+        </p:sp>
+        <p:sp>
+          <p:nvSpPr>
+            <p:cNvPr id="222" name="TextBox 221">
+              <a:extLst>
+                <a:ext uri="{FF2B5EF4-FFF2-40B4-BE49-F238E27FC236}">
+                  <a16:creationId xmlns:a16="http://schemas.microsoft.com/office/drawing/2014/main" id="{39CEE126-2933-4997-99F2-1B06DB122F78}"/>
+                </a:ext>
+              </a:extLst>
+            </p:cNvPr>
+            <p:cNvSpPr txBox="1"/>
+            <p:nvPr/>
+          </p:nvSpPr>
+          <p:spPr>
+            <a:xfrm>
+              <a:off x="10074881" y="2718832"/>
+              <a:ext cx="301686" cy="369332"/>
+            </a:xfrm>
+            <a:prstGeom prst="rect">
+              <a:avLst/>
+            </a:prstGeom>
+            <a:noFill/>
+          </p:spPr>
+          <p:txBody>
+            <a:bodyPr wrap="none" rtlCol="0">
+              <a:spAutoFit/>
+            </a:bodyPr>
+            <a:lstStyle/>
+            <a:p>
+              <a:r>
+                <a:rPr lang="en-US" dirty="0"/>
+                <a:t>3</a:t>
+              </a:r>
+            </a:p>
+          </p:txBody>
+        </p:sp>
+      </p:grpSp>
+      <p:cxnSp>
+        <p:nvCxnSpPr>
+          <p:cNvPr id="225" name="Straight Arrow Connector 224">
+            <a:extLst>
+              <a:ext uri="{FF2B5EF4-FFF2-40B4-BE49-F238E27FC236}">
+                <a16:creationId xmlns:a16="http://schemas.microsoft.com/office/drawing/2014/main" id="{37419D82-7B20-4116-A2B0-A8D34951F4EF}"/>
+              </a:ext>
+            </a:extLst>
+          </p:cNvPr>
+          <p:cNvCxnSpPr>
+            <a:cxnSpLocks/>
+          </p:cNvCxnSpPr>
+          <p:nvPr/>
+        </p:nvCxnSpPr>
+        <p:spPr>
+          <a:xfrm flipH="1" flipV="1">
+            <a:off x="8550059" y="3142098"/>
+            <a:ext cx="119835" cy="328770"/>
+          </a:xfrm>
+          <a:prstGeom prst="straightConnector1">
+            <a:avLst/>
+          </a:prstGeom>
+          <a:ln w="38100">
+            <a:solidFill>
+              <a:srgbClr val="7030A0"/>
+            </a:solidFill>
+            <a:tailEnd type="triangle"/>
+          </a:ln>
+        </p:spPr>
+        <p:style>
+          <a:lnRef idx="1">
+            <a:schemeClr val="accent2"/>
+          </a:lnRef>
+          <a:fillRef idx="0">
+            <a:schemeClr val="accent2"/>
+          </a:fillRef>
+          <a:effectRef idx="0">
+            <a:schemeClr val="accent2"/>
+          </a:effectRef>
+          <a:fontRef idx="minor">
+            <a:schemeClr val="tx1"/>
+          </a:fontRef>
+        </p:style>
+      </p:cxnSp>
+      <p:cxnSp>
+        <p:nvCxnSpPr>
+          <p:cNvPr id="230" name="Straight Arrow Connector 229">
+            <a:extLst>
+              <a:ext uri="{FF2B5EF4-FFF2-40B4-BE49-F238E27FC236}">
+                <a16:creationId xmlns:a16="http://schemas.microsoft.com/office/drawing/2014/main" id="{E45974F0-5EFC-4E18-A2C1-12055A3B1FBD}"/>
+              </a:ext>
+            </a:extLst>
+          </p:cNvPr>
+          <p:cNvCxnSpPr>
+            <a:cxnSpLocks/>
+          </p:cNvCxnSpPr>
+          <p:nvPr/>
+        </p:nvCxnSpPr>
+        <p:spPr>
+          <a:xfrm flipH="1" flipV="1">
+            <a:off x="11051380" y="3110892"/>
+            <a:ext cx="119835" cy="328770"/>
+          </a:xfrm>
+          <a:prstGeom prst="straightConnector1">
+            <a:avLst/>
+          </a:prstGeom>
+          <a:ln w="38100">
+            <a:solidFill>
+              <a:srgbClr val="7030A0"/>
+            </a:solidFill>
+            <a:tailEnd type="triangle"/>
+          </a:ln>
+        </p:spPr>
+        <p:style>
+          <a:lnRef idx="1">
+            <a:schemeClr val="accent2"/>
+          </a:lnRef>
+          <a:fillRef idx="0">
+            <a:schemeClr val="accent2"/>
+          </a:fillRef>
+          <a:effectRef idx="0">
+            <a:schemeClr val="accent2"/>
+          </a:effectRef>
+          <a:fontRef idx="minor">
+            <a:schemeClr val="tx1"/>
+          </a:fontRef>
+        </p:style>
+      </p:cxnSp>
+      <p:sp>
+        <p:nvSpPr>
+          <p:cNvPr id="232" name="Arrow: Right 231">
+            <a:extLst>
+              <a:ext uri="{FF2B5EF4-FFF2-40B4-BE49-F238E27FC236}">
+                <a16:creationId xmlns:a16="http://schemas.microsoft.com/office/drawing/2014/main" id="{4C7AA0CE-DA6B-4563-ABDD-2FAD9738AE13}"/>
+              </a:ext>
+            </a:extLst>
+          </p:cNvPr>
+          <p:cNvSpPr/>
+          <p:nvPr/>
+        </p:nvSpPr>
+        <p:spPr>
+          <a:xfrm>
+            <a:off x="5748060" y="2405481"/>
+            <a:ext cx="1123969" cy="319800"/>
+          </a:xfrm>
+          <a:prstGeom prst="rightArrow">
+            <a:avLst/>
+          </a:prstGeom>
+          <a:noFill/>
+          <a:ln>
+            <a:solidFill>
+              <a:srgbClr val="0070C0"/>
+            </a:solidFill>
+          </a:ln>
+        </p:spPr>
+        <p:style>
+          <a:lnRef idx="2">
+            <a:schemeClr val="accent1">
+              <a:shade val="50000"/>
+            </a:schemeClr>
+          </a:lnRef>
+          <a:fillRef idx="1">
+            <a:schemeClr val="accent1"/>
+          </a:fillRef>
+          <a:effectRef idx="0">
+            <a:schemeClr val="accent1"/>
+          </a:effectRef>
+          <a:fontRef idx="minor">
+            <a:schemeClr val="lt1"/>
+          </a:fontRef>
+        </p:style>
+        <p:txBody>
+          <a:bodyPr rtlCol="0" anchor="ctr"/>
+          <a:lstStyle/>
+          <a:p>
+            <a:pPr algn="ctr"/>
+            <a:endParaRPr lang="en-US"/>
+          </a:p>
+        </p:txBody>
+      </p:sp>
+      <p:cxnSp>
+        <p:nvCxnSpPr>
+          <p:cNvPr id="235" name="Straight Arrow Connector 234">
+            <a:extLst>
+              <a:ext uri="{FF2B5EF4-FFF2-40B4-BE49-F238E27FC236}">
+                <a16:creationId xmlns:a16="http://schemas.microsoft.com/office/drawing/2014/main" id="{5DCC1B8F-8190-4B03-8E1C-744DBB46401E}"/>
+              </a:ext>
+            </a:extLst>
+          </p:cNvPr>
+          <p:cNvCxnSpPr>
+            <a:cxnSpLocks/>
+          </p:cNvCxnSpPr>
+          <p:nvPr/>
+        </p:nvCxnSpPr>
+        <p:spPr>
+          <a:xfrm>
+            <a:off x="1029608" y="5608476"/>
+            <a:ext cx="673321" cy="0"/>
+          </a:xfrm>
+          <a:prstGeom prst="straightConnector1">
+            <a:avLst/>
+          </a:prstGeom>
+          <a:ln w="28575">
+            <a:headEnd type="arrow" w="med" len="med"/>
+            <a:tailEnd type="arrow" w="med" len="med"/>
+          </a:ln>
+        </p:spPr>
+        <p:style>
+          <a:lnRef idx="1">
+            <a:schemeClr val="accent1"/>
+          </a:lnRef>
+          <a:fillRef idx="0">
+            <a:schemeClr val="accent1"/>
+          </a:fillRef>
+          <a:effectRef idx="0">
+            <a:schemeClr val="accent1"/>
+          </a:effectRef>
+          <a:fontRef idx="minor">
+            <a:schemeClr val="tx1"/>
+          </a:fontRef>
+        </p:style>
+      </p:cxnSp>
+      <p:sp>
+        <p:nvSpPr>
+          <p:cNvPr id="238" name="TextBox 237">
+            <a:extLst>
+              <a:ext uri="{FF2B5EF4-FFF2-40B4-BE49-F238E27FC236}">
+                <a16:creationId xmlns:a16="http://schemas.microsoft.com/office/drawing/2014/main" id="{CCFD69C4-1A88-4F55-9170-88A60CB4E986}"/>
+              </a:ext>
+            </a:extLst>
+          </p:cNvPr>
+          <p:cNvSpPr txBox="1"/>
+          <p:nvPr/>
+        </p:nvSpPr>
+        <p:spPr>
+          <a:xfrm>
+            <a:off x="1864410" y="5381615"/>
+            <a:ext cx="1358064" cy="461665"/>
+          </a:xfrm>
+          <a:prstGeom prst="rect">
+            <a:avLst/>
+          </a:prstGeom>
+          <a:noFill/>
+        </p:spPr>
+        <p:txBody>
+          <a:bodyPr wrap="none" rtlCol="0">
+            <a:spAutoFit/>
+          </a:bodyPr>
+          <a:lstStyle/>
+          <a:p>
+            <a:r>
+              <a:rPr lang="en-US" sz="2400" b="1" dirty="0"/>
+              <a:t>MPI Calls</a:t>
+            </a:r>
+          </a:p>
+        </p:txBody>
+      </p:sp>
+      <p:cxnSp>
+        <p:nvCxnSpPr>
+          <p:cNvPr id="239" name="Straight Arrow Connector 238">
+            <a:extLst>
+              <a:ext uri="{FF2B5EF4-FFF2-40B4-BE49-F238E27FC236}">
+                <a16:creationId xmlns:a16="http://schemas.microsoft.com/office/drawing/2014/main" id="{EBCD9DFB-142E-4E56-8589-9A9120489CC5}"/>
+              </a:ext>
+            </a:extLst>
+          </p:cNvPr>
+          <p:cNvCxnSpPr>
+            <a:cxnSpLocks/>
+          </p:cNvCxnSpPr>
+          <p:nvPr/>
+        </p:nvCxnSpPr>
+        <p:spPr>
+          <a:xfrm>
+            <a:off x="3804397" y="5608476"/>
+            <a:ext cx="577009" cy="0"/>
+          </a:xfrm>
+          <a:prstGeom prst="straightConnector1">
+            <a:avLst/>
+          </a:prstGeom>
+          <a:ln w="38100">
+            <a:solidFill>
+              <a:srgbClr val="7030A0"/>
+            </a:solidFill>
+            <a:tailEnd type="triangle"/>
+          </a:ln>
+        </p:spPr>
+        <p:style>
+          <a:lnRef idx="1">
+            <a:schemeClr val="accent2"/>
+          </a:lnRef>
+          <a:fillRef idx="0">
+            <a:schemeClr val="accent2"/>
+          </a:fillRef>
+          <a:effectRef idx="0">
+            <a:schemeClr val="accent2"/>
+          </a:effectRef>
+          <a:fontRef idx="minor">
+            <a:schemeClr val="tx1"/>
+          </a:fontRef>
+        </p:style>
+      </p:cxnSp>
+      <p:sp>
+        <p:nvSpPr>
+          <p:cNvPr id="241" name="TextBox 240">
+            <a:extLst>
+              <a:ext uri="{FF2B5EF4-FFF2-40B4-BE49-F238E27FC236}">
+                <a16:creationId xmlns:a16="http://schemas.microsoft.com/office/drawing/2014/main" id="{3CCFD485-18AF-460E-B762-382643E41C22}"/>
+              </a:ext>
+            </a:extLst>
+          </p:cNvPr>
+          <p:cNvSpPr txBox="1"/>
+          <p:nvPr/>
+        </p:nvSpPr>
+        <p:spPr>
+          <a:xfrm>
+            <a:off x="4510423" y="5377643"/>
+            <a:ext cx="2970685" cy="461665"/>
+          </a:xfrm>
+          <a:prstGeom prst="rect">
+            <a:avLst/>
+          </a:prstGeom>
+          <a:noFill/>
+        </p:spPr>
+        <p:txBody>
+          <a:bodyPr wrap="none" rtlCol="0">
+            <a:spAutoFit/>
+          </a:bodyPr>
+          <a:lstStyle/>
+          <a:p>
+            <a:r>
+              <a:rPr lang="en-US" sz="2400" b="1" dirty="0"/>
+              <a:t>Dependency Injection</a:t>
+            </a:r>
+          </a:p>
+        </p:txBody>
+      </p:sp>
+      <p:sp>
+        <p:nvSpPr>
+          <p:cNvPr id="242" name="Oval 241">
+            <a:extLst>
+              <a:ext uri="{FF2B5EF4-FFF2-40B4-BE49-F238E27FC236}">
+                <a16:creationId xmlns:a16="http://schemas.microsoft.com/office/drawing/2014/main" id="{2BA4E651-FD80-4E6B-B074-ACCB00D82E1E}"/>
+              </a:ext>
+            </a:extLst>
+          </p:cNvPr>
+          <p:cNvSpPr/>
+          <p:nvPr/>
+        </p:nvSpPr>
+        <p:spPr>
+          <a:xfrm>
+            <a:off x="4514219" y="6598448"/>
+            <a:ext cx="348906" cy="348906"/>
+          </a:xfrm>
+          <a:prstGeom prst="ellipse">
+            <a:avLst/>
+          </a:prstGeom>
+          <a:solidFill>
+            <a:srgbClr val="FFC000"/>
+          </a:solidFill>
+          <a:ln w="57150">
+            <a:noFill/>
+          </a:ln>
+        </p:spPr>
+        <p:style>
+          <a:lnRef idx="2">
+            <a:schemeClr val="accent1">
+              <a:shade val="50000"/>
+            </a:schemeClr>
+          </a:lnRef>
+          <a:fillRef idx="1">
+            <a:schemeClr val="accent1"/>
+          </a:fillRef>
+          <a:effectRef idx="0">
+            <a:schemeClr val="accent1"/>
+          </a:effectRef>
+          <a:fontRef idx="minor">
+            <a:schemeClr val="lt1"/>
+          </a:fontRef>
+        </p:style>
+        <p:txBody>
+          <a:bodyPr rtlCol="0" anchor="ctr"/>
+          <a:lstStyle/>
+          <a:p>
+            <a:pPr algn="ctr"/>
+            <a:endParaRPr lang="en-US" dirty="0"/>
+          </a:p>
+        </p:txBody>
+      </p:sp>
+      <p:sp>
+        <p:nvSpPr>
+          <p:cNvPr id="243" name="Oval 242">
+            <a:extLst>
+              <a:ext uri="{FF2B5EF4-FFF2-40B4-BE49-F238E27FC236}">
+                <a16:creationId xmlns:a16="http://schemas.microsoft.com/office/drawing/2014/main" id="{E978CE76-2FFD-4CDC-AE0C-C6750B7A1390}"/>
+              </a:ext>
+            </a:extLst>
+          </p:cNvPr>
+          <p:cNvSpPr/>
+          <p:nvPr/>
+        </p:nvSpPr>
+        <p:spPr>
+          <a:xfrm>
+            <a:off x="4990710" y="6598448"/>
+            <a:ext cx="348906" cy="348906"/>
+          </a:xfrm>
+          <a:prstGeom prst="ellipse">
+            <a:avLst/>
+          </a:prstGeom>
+          <a:solidFill>
+            <a:srgbClr val="FFC000"/>
+          </a:solidFill>
+          <a:ln w="57150">
+            <a:noFill/>
+          </a:ln>
+        </p:spPr>
+        <p:style>
+          <a:lnRef idx="2">
+            <a:schemeClr val="accent1">
+              <a:shade val="50000"/>
+            </a:schemeClr>
+          </a:lnRef>
+          <a:fillRef idx="1">
+            <a:schemeClr val="accent1"/>
+          </a:fillRef>
+          <a:effectRef idx="0">
+            <a:schemeClr val="accent1"/>
+          </a:effectRef>
+          <a:fontRef idx="minor">
+            <a:schemeClr val="lt1"/>
+          </a:fontRef>
+        </p:style>
+        <p:txBody>
+          <a:bodyPr rtlCol="0" anchor="ctr"/>
+          <a:lstStyle/>
+          <a:p>
+            <a:pPr algn="ctr"/>
+            <a:endParaRPr lang="en-US" dirty="0"/>
+          </a:p>
+        </p:txBody>
+      </p:sp>
+      <p:sp>
+        <p:nvSpPr>
+          <p:cNvPr id="244" name="Oval 243">
+            <a:extLst>
+              <a:ext uri="{FF2B5EF4-FFF2-40B4-BE49-F238E27FC236}">
+                <a16:creationId xmlns:a16="http://schemas.microsoft.com/office/drawing/2014/main" id="{159B0CA4-E714-4021-8787-5484567D46A5}"/>
+              </a:ext>
+            </a:extLst>
+          </p:cNvPr>
+          <p:cNvSpPr/>
+          <p:nvPr/>
+        </p:nvSpPr>
+        <p:spPr>
+          <a:xfrm>
+            <a:off x="5467201" y="6598448"/>
+            <a:ext cx="348906" cy="348906"/>
+          </a:xfrm>
+          <a:prstGeom prst="ellipse">
+            <a:avLst/>
+          </a:prstGeom>
+          <a:solidFill>
+            <a:srgbClr val="FFC000"/>
+          </a:solidFill>
+          <a:ln w="57150">
+            <a:noFill/>
+          </a:ln>
+        </p:spPr>
+        <p:style>
+          <a:lnRef idx="2">
+            <a:schemeClr val="accent1">
+              <a:shade val="50000"/>
+            </a:schemeClr>
+          </a:lnRef>
+          <a:fillRef idx="1">
+            <a:schemeClr val="accent1"/>
+          </a:fillRef>
+          <a:effectRef idx="0">
+            <a:schemeClr val="accent1"/>
+          </a:effectRef>
+          <a:fontRef idx="minor">
+            <a:schemeClr val="lt1"/>
+          </a:fontRef>
+        </p:style>
+        <p:txBody>
+          <a:bodyPr rtlCol="0" anchor="ctr"/>
+          <a:lstStyle/>
+          <a:p>
+            <a:pPr algn="ctr"/>
+            <a:r>
+              <a:rPr lang="en-US" dirty="0">
+                <a:solidFill>
+                  <a:schemeClr val="tx1"/>
+                </a:solidFill>
+              </a:rPr>
+              <a:t>3</a:t>
+            </a:r>
+          </a:p>
+        </p:txBody>
+      </p:sp>
+      <p:sp>
+        <p:nvSpPr>
+          <p:cNvPr id="245" name="Oval 244">
+            <a:extLst>
+              <a:ext uri="{FF2B5EF4-FFF2-40B4-BE49-F238E27FC236}">
+                <a16:creationId xmlns:a16="http://schemas.microsoft.com/office/drawing/2014/main" id="{6ED385A2-CBC3-47BB-BA19-5673ED032A02}"/>
+              </a:ext>
+            </a:extLst>
+          </p:cNvPr>
+          <p:cNvSpPr/>
+          <p:nvPr/>
+        </p:nvSpPr>
+        <p:spPr>
+          <a:xfrm>
+            <a:off x="5941899" y="6586873"/>
+            <a:ext cx="348906" cy="348906"/>
+          </a:xfrm>
+          <a:prstGeom prst="ellipse">
+            <a:avLst/>
+          </a:prstGeom>
+          <a:solidFill>
+            <a:srgbClr val="FFC000"/>
+          </a:solidFill>
+          <a:ln w="57150">
+            <a:noFill/>
+          </a:ln>
+        </p:spPr>
+        <p:style>
+          <a:lnRef idx="2">
+            <a:schemeClr val="accent1">
+              <a:shade val="50000"/>
+            </a:schemeClr>
+          </a:lnRef>
+          <a:fillRef idx="1">
+            <a:schemeClr val="accent1"/>
+          </a:fillRef>
+          <a:effectRef idx="0">
+            <a:schemeClr val="accent1"/>
+          </a:effectRef>
+          <a:fontRef idx="minor">
+            <a:schemeClr val="lt1"/>
+          </a:fontRef>
+        </p:style>
+        <p:txBody>
+          <a:bodyPr rtlCol="0" anchor="ctr"/>
+          <a:lstStyle/>
+          <a:p>
+            <a:pPr algn="ctr"/>
+            <a:endParaRPr lang="en-US" dirty="0"/>
+          </a:p>
+        </p:txBody>
+      </p:sp>
+      <p:sp>
+        <p:nvSpPr>
+          <p:cNvPr id="246" name="Oval 245">
+            <a:extLst>
+              <a:ext uri="{FF2B5EF4-FFF2-40B4-BE49-F238E27FC236}">
+                <a16:creationId xmlns:a16="http://schemas.microsoft.com/office/drawing/2014/main" id="{AB4D2338-40EE-4963-ADAA-720621A0DA85}"/>
+              </a:ext>
+            </a:extLst>
+          </p:cNvPr>
+          <p:cNvSpPr/>
+          <p:nvPr/>
+        </p:nvSpPr>
+        <p:spPr>
+          <a:xfrm>
+            <a:off x="6418390" y="6586873"/>
+            <a:ext cx="348906" cy="348906"/>
+          </a:xfrm>
+          <a:prstGeom prst="ellipse">
+            <a:avLst/>
+          </a:prstGeom>
+          <a:solidFill>
+            <a:srgbClr val="FFC000"/>
+          </a:solidFill>
+          <a:ln w="57150">
+            <a:noFill/>
+          </a:ln>
+        </p:spPr>
+        <p:style>
+          <a:lnRef idx="2">
+            <a:schemeClr val="accent1">
+              <a:shade val="50000"/>
+            </a:schemeClr>
+          </a:lnRef>
+          <a:fillRef idx="1">
+            <a:schemeClr val="accent1"/>
+          </a:fillRef>
+          <a:effectRef idx="0">
+            <a:schemeClr val="accent1"/>
+          </a:effectRef>
+          <a:fontRef idx="minor">
+            <a:schemeClr val="lt1"/>
+          </a:fontRef>
+        </p:style>
+        <p:txBody>
+          <a:bodyPr rtlCol="0" anchor="ctr"/>
+          <a:lstStyle/>
+          <a:p>
+            <a:pPr algn="ctr"/>
+            <a:endParaRPr lang="en-US" dirty="0"/>
+          </a:p>
+        </p:txBody>
+      </p:sp>
+      <p:sp>
+        <p:nvSpPr>
+          <p:cNvPr id="247" name="Oval 246">
+            <a:extLst>
+              <a:ext uri="{FF2B5EF4-FFF2-40B4-BE49-F238E27FC236}">
+                <a16:creationId xmlns:a16="http://schemas.microsoft.com/office/drawing/2014/main" id="{06C39751-7AF5-468D-BD32-EEA857A32E04}"/>
+              </a:ext>
+            </a:extLst>
+          </p:cNvPr>
+          <p:cNvSpPr/>
+          <p:nvPr/>
+        </p:nvSpPr>
+        <p:spPr>
+          <a:xfrm>
+            <a:off x="6894881" y="6586873"/>
+            <a:ext cx="348906" cy="348906"/>
+          </a:xfrm>
+          <a:prstGeom prst="ellipse">
+            <a:avLst/>
+          </a:prstGeom>
+          <a:solidFill>
+            <a:srgbClr val="FFC000"/>
+          </a:solidFill>
+          <a:ln w="57150">
+            <a:noFill/>
+          </a:ln>
+        </p:spPr>
+        <p:style>
+          <a:lnRef idx="2">
+            <a:schemeClr val="accent1">
+              <a:shade val="50000"/>
+            </a:schemeClr>
+          </a:lnRef>
+          <a:fillRef idx="1">
+            <a:schemeClr val="accent1"/>
+          </a:fillRef>
+          <a:effectRef idx="0">
+            <a:schemeClr val="accent1"/>
+          </a:effectRef>
+          <a:fontRef idx="minor">
+            <a:schemeClr val="lt1"/>
+          </a:fontRef>
+        </p:style>
+        <p:txBody>
+          <a:bodyPr rtlCol="0" anchor="ctr"/>
+          <a:lstStyle/>
+          <a:p>
+            <a:pPr algn="ctr"/>
+            <a:r>
+              <a:rPr lang="en-US" dirty="0">
+                <a:solidFill>
+                  <a:schemeClr val="tx1"/>
+                </a:solidFill>
+              </a:rPr>
+              <a:t>1</a:t>
+            </a:r>
+          </a:p>
+        </p:txBody>
+      </p:sp>
+      <p:sp>
+        <p:nvSpPr>
+          <p:cNvPr id="248" name="Oval 247">
+            <a:extLst>
+              <a:ext uri="{FF2B5EF4-FFF2-40B4-BE49-F238E27FC236}">
+                <a16:creationId xmlns:a16="http://schemas.microsoft.com/office/drawing/2014/main" id="{DB2FA66B-0B6D-4D78-8EFE-9A14C39A2B16}"/>
+              </a:ext>
+            </a:extLst>
+          </p:cNvPr>
+          <p:cNvSpPr/>
+          <p:nvPr/>
+        </p:nvSpPr>
+        <p:spPr>
+          <a:xfrm>
+            <a:off x="7369579" y="6586873"/>
+            <a:ext cx="348906" cy="348906"/>
+          </a:xfrm>
+          <a:prstGeom prst="ellipse">
+            <a:avLst/>
+          </a:prstGeom>
+          <a:solidFill>
+            <a:srgbClr val="FFC000"/>
+          </a:solidFill>
+          <a:ln w="57150">
+            <a:noFill/>
+          </a:ln>
+        </p:spPr>
+        <p:style>
+          <a:lnRef idx="2">
+            <a:schemeClr val="accent1">
+              <a:shade val="50000"/>
+            </a:schemeClr>
+          </a:lnRef>
+          <a:fillRef idx="1">
+            <a:schemeClr val="accent1"/>
+          </a:fillRef>
+          <a:effectRef idx="0">
+            <a:schemeClr val="accent1"/>
+          </a:effectRef>
+          <a:fontRef idx="minor">
+            <a:schemeClr val="lt1"/>
+          </a:fontRef>
+        </p:style>
+        <p:txBody>
+          <a:bodyPr rtlCol="0" anchor="ctr"/>
+          <a:lstStyle/>
+          <a:p>
+            <a:pPr algn="ctr"/>
+            <a:endParaRPr lang="en-US" dirty="0"/>
+          </a:p>
+        </p:txBody>
+      </p:sp>
+      <p:sp>
+        <p:nvSpPr>
+          <p:cNvPr id="249" name="TextBox 248">
+            <a:extLst>
+              <a:ext uri="{FF2B5EF4-FFF2-40B4-BE49-F238E27FC236}">
+                <a16:creationId xmlns:a16="http://schemas.microsoft.com/office/drawing/2014/main" id="{AA5C9724-ACD0-4143-82BC-231781712F11}"/>
+              </a:ext>
+            </a:extLst>
+          </p:cNvPr>
+          <p:cNvSpPr txBox="1"/>
+          <p:nvPr/>
+        </p:nvSpPr>
+        <p:spPr>
+          <a:xfrm>
+            <a:off x="6443390" y="6576660"/>
+            <a:ext cx="301686" cy="369332"/>
+          </a:xfrm>
+          <a:prstGeom prst="rect">
+            <a:avLst/>
+          </a:prstGeom>
+          <a:noFill/>
+        </p:spPr>
+        <p:txBody>
+          <a:bodyPr wrap="none" rtlCol="0">
+            <a:spAutoFit/>
+          </a:bodyPr>
+          <a:lstStyle/>
+          <a:p>
+            <a:r>
+              <a:rPr lang="en-US" dirty="0"/>
+              <a:t>2</a:t>
+            </a:r>
+          </a:p>
+        </p:txBody>
+      </p:sp>
+      <p:sp>
+        <p:nvSpPr>
+          <p:cNvPr id="250" name="Oval 249">
+            <a:extLst>
+              <a:ext uri="{FF2B5EF4-FFF2-40B4-BE49-F238E27FC236}">
+                <a16:creationId xmlns:a16="http://schemas.microsoft.com/office/drawing/2014/main" id="{C719AE78-60FF-4122-A7B1-AF635CF7B7D4}"/>
+              </a:ext>
+            </a:extLst>
+          </p:cNvPr>
+          <p:cNvSpPr/>
+          <p:nvPr/>
+        </p:nvSpPr>
+        <p:spPr>
+          <a:xfrm>
+            <a:off x="4514219" y="7212670"/>
+            <a:ext cx="348906" cy="348906"/>
+          </a:xfrm>
+          <a:prstGeom prst="ellipse">
+            <a:avLst/>
+          </a:prstGeom>
+          <a:solidFill>
+            <a:schemeClr val="accent6">
+              <a:lumMod val="60000"/>
+              <a:lumOff val="40000"/>
+            </a:schemeClr>
+          </a:solidFill>
+          <a:ln w="57150">
+            <a:noFill/>
+          </a:ln>
+        </p:spPr>
+        <p:style>
+          <a:lnRef idx="2">
+            <a:schemeClr val="accent1">
+              <a:shade val="50000"/>
+            </a:schemeClr>
+          </a:lnRef>
+          <a:fillRef idx="1">
+            <a:schemeClr val="accent1"/>
+          </a:fillRef>
+          <a:effectRef idx="0">
+            <a:schemeClr val="accent1"/>
+          </a:effectRef>
+          <a:fontRef idx="minor">
+            <a:schemeClr val="lt1"/>
+          </a:fontRef>
+        </p:style>
+        <p:txBody>
+          <a:bodyPr rtlCol="0" anchor="ctr"/>
+          <a:lstStyle/>
+          <a:p>
+            <a:pPr algn="ctr"/>
+            <a:endParaRPr lang="en-US" dirty="0"/>
+          </a:p>
+        </p:txBody>
+      </p:sp>
+      <p:sp>
+        <p:nvSpPr>
+          <p:cNvPr id="251" name="Oval 250">
+            <a:extLst>
+              <a:ext uri="{FF2B5EF4-FFF2-40B4-BE49-F238E27FC236}">
+                <a16:creationId xmlns:a16="http://schemas.microsoft.com/office/drawing/2014/main" id="{1C6DD275-C63F-4CCF-8386-7279FE138A01}"/>
+              </a:ext>
+            </a:extLst>
+          </p:cNvPr>
+          <p:cNvSpPr/>
+          <p:nvPr/>
+        </p:nvSpPr>
+        <p:spPr>
+          <a:xfrm>
+            <a:off x="4990710" y="7212670"/>
+            <a:ext cx="348906" cy="348906"/>
+          </a:xfrm>
+          <a:prstGeom prst="ellipse">
+            <a:avLst/>
+          </a:prstGeom>
+          <a:solidFill>
+            <a:schemeClr val="accent6">
+              <a:lumMod val="60000"/>
+              <a:lumOff val="40000"/>
+            </a:schemeClr>
+          </a:solidFill>
+          <a:ln w="57150">
+            <a:noFill/>
+          </a:ln>
+        </p:spPr>
+        <p:style>
+          <a:lnRef idx="2">
+            <a:schemeClr val="accent1">
+              <a:shade val="50000"/>
+            </a:schemeClr>
+          </a:lnRef>
+          <a:fillRef idx="1">
+            <a:schemeClr val="accent1"/>
+          </a:fillRef>
+          <a:effectRef idx="0">
+            <a:schemeClr val="accent1"/>
+          </a:effectRef>
+          <a:fontRef idx="minor">
+            <a:schemeClr val="lt1"/>
+          </a:fontRef>
+        </p:style>
+        <p:txBody>
+          <a:bodyPr rtlCol="0" anchor="ctr"/>
+          <a:lstStyle/>
+          <a:p>
+            <a:pPr algn="ctr"/>
+            <a:endParaRPr lang="en-US" dirty="0"/>
+          </a:p>
+        </p:txBody>
+      </p:sp>
+      <p:sp>
+        <p:nvSpPr>
+          <p:cNvPr id="252" name="Oval 251">
+            <a:extLst>
+              <a:ext uri="{FF2B5EF4-FFF2-40B4-BE49-F238E27FC236}">
+                <a16:creationId xmlns:a16="http://schemas.microsoft.com/office/drawing/2014/main" id="{07F89215-A06E-40E0-B045-6F4AC314BD8B}"/>
+              </a:ext>
+            </a:extLst>
+          </p:cNvPr>
+          <p:cNvSpPr/>
+          <p:nvPr/>
+        </p:nvSpPr>
+        <p:spPr>
+          <a:xfrm>
+            <a:off x="5467201" y="7212670"/>
+            <a:ext cx="348906" cy="348906"/>
+          </a:xfrm>
+          <a:prstGeom prst="ellipse">
+            <a:avLst/>
+          </a:prstGeom>
+          <a:solidFill>
+            <a:schemeClr val="accent6">
+              <a:lumMod val="60000"/>
+              <a:lumOff val="40000"/>
+            </a:schemeClr>
+          </a:solidFill>
+          <a:ln w="57150">
+            <a:noFill/>
+          </a:ln>
+        </p:spPr>
+        <p:style>
+          <a:lnRef idx="2">
+            <a:schemeClr val="accent1">
+              <a:shade val="50000"/>
+            </a:schemeClr>
+          </a:lnRef>
+          <a:fillRef idx="1">
+            <a:schemeClr val="accent1"/>
+          </a:fillRef>
+          <a:effectRef idx="0">
+            <a:schemeClr val="accent1"/>
+          </a:effectRef>
+          <a:fontRef idx="minor">
+            <a:schemeClr val="lt1"/>
+          </a:fontRef>
+        </p:style>
+        <p:txBody>
+          <a:bodyPr rtlCol="0" anchor="ctr"/>
+          <a:lstStyle/>
+          <a:p>
+            <a:pPr algn="ctr"/>
+            <a:r>
+              <a:rPr lang="en-US" dirty="0">
+                <a:solidFill>
+                  <a:schemeClr val="tx1"/>
+                </a:solidFill>
+              </a:rPr>
+              <a:t>3</a:t>
+            </a:r>
+          </a:p>
+        </p:txBody>
+      </p:sp>
+      <p:sp>
+        <p:nvSpPr>
+          <p:cNvPr id="253" name="Oval 252">
+            <a:extLst>
+              <a:ext uri="{FF2B5EF4-FFF2-40B4-BE49-F238E27FC236}">
+                <a16:creationId xmlns:a16="http://schemas.microsoft.com/office/drawing/2014/main" id="{0620381E-F99B-4616-9B4F-97912C12242A}"/>
+              </a:ext>
+            </a:extLst>
+          </p:cNvPr>
+          <p:cNvSpPr/>
+          <p:nvPr/>
+        </p:nvSpPr>
+        <p:spPr>
+          <a:xfrm>
+            <a:off x="5941899" y="7201095"/>
+            <a:ext cx="348906" cy="348906"/>
+          </a:xfrm>
+          <a:prstGeom prst="ellipse">
+            <a:avLst/>
+          </a:prstGeom>
+          <a:solidFill>
+            <a:schemeClr val="accent6">
+              <a:lumMod val="60000"/>
+              <a:lumOff val="40000"/>
+            </a:schemeClr>
+          </a:solidFill>
+          <a:ln w="57150">
+            <a:noFill/>
+          </a:ln>
+        </p:spPr>
+        <p:style>
+          <a:lnRef idx="2">
+            <a:schemeClr val="accent1">
+              <a:shade val="50000"/>
+            </a:schemeClr>
+          </a:lnRef>
+          <a:fillRef idx="1">
+            <a:schemeClr val="accent1"/>
+          </a:fillRef>
+          <a:effectRef idx="0">
+            <a:schemeClr val="accent1"/>
+          </a:effectRef>
+          <a:fontRef idx="minor">
+            <a:schemeClr val="lt1"/>
+          </a:fontRef>
+        </p:style>
+        <p:txBody>
+          <a:bodyPr rtlCol="0" anchor="ctr"/>
+          <a:lstStyle/>
+          <a:p>
+            <a:pPr algn="ctr"/>
+            <a:r>
+              <a:rPr lang="en-US" dirty="0">
+                <a:solidFill>
+                  <a:schemeClr val="tx1"/>
+                </a:solidFill>
+              </a:rPr>
+              <a:t>2</a:t>
+            </a:r>
+          </a:p>
+        </p:txBody>
+      </p:sp>
+      <p:sp>
+        <p:nvSpPr>
+          <p:cNvPr id="254" name="Oval 253">
+            <a:extLst>
+              <a:ext uri="{FF2B5EF4-FFF2-40B4-BE49-F238E27FC236}">
+                <a16:creationId xmlns:a16="http://schemas.microsoft.com/office/drawing/2014/main" id="{BD5AF21E-80E8-4379-A007-3FAEC9DCD2D5}"/>
+              </a:ext>
+            </a:extLst>
+          </p:cNvPr>
+          <p:cNvSpPr/>
+          <p:nvPr/>
+        </p:nvSpPr>
+        <p:spPr>
+          <a:xfrm>
+            <a:off x="6418390" y="7201095"/>
+            <a:ext cx="348906" cy="348906"/>
+          </a:xfrm>
+          <a:prstGeom prst="ellipse">
+            <a:avLst/>
+          </a:prstGeom>
+          <a:solidFill>
+            <a:schemeClr val="accent6">
+              <a:lumMod val="60000"/>
+              <a:lumOff val="40000"/>
+            </a:schemeClr>
+          </a:solidFill>
+          <a:ln w="57150">
+            <a:noFill/>
+          </a:ln>
+        </p:spPr>
+        <p:style>
+          <a:lnRef idx="2">
+            <a:schemeClr val="accent1">
+              <a:shade val="50000"/>
+            </a:schemeClr>
+          </a:lnRef>
+          <a:fillRef idx="1">
+            <a:schemeClr val="accent1"/>
+          </a:fillRef>
+          <a:effectRef idx="0">
+            <a:schemeClr val="accent1"/>
+          </a:effectRef>
+          <a:fontRef idx="minor">
+            <a:schemeClr val="lt1"/>
+          </a:fontRef>
+        </p:style>
+        <p:txBody>
+          <a:bodyPr rtlCol="0" anchor="ctr"/>
+          <a:lstStyle/>
+          <a:p>
+            <a:pPr algn="ctr"/>
+            <a:r>
+              <a:rPr lang="en-US" dirty="0">
+                <a:solidFill>
+                  <a:schemeClr val="tx1"/>
+                </a:solidFill>
+              </a:rPr>
+              <a:t>1</a:t>
+            </a:r>
+          </a:p>
+        </p:txBody>
+      </p:sp>
+      <p:sp>
+        <p:nvSpPr>
+          <p:cNvPr id="255" name="Oval 254">
+            <a:extLst>
+              <a:ext uri="{FF2B5EF4-FFF2-40B4-BE49-F238E27FC236}">
+                <a16:creationId xmlns:a16="http://schemas.microsoft.com/office/drawing/2014/main" id="{E5A5A9FA-C863-4792-B86C-0159E23F852B}"/>
+              </a:ext>
+            </a:extLst>
+          </p:cNvPr>
+          <p:cNvSpPr/>
+          <p:nvPr/>
+        </p:nvSpPr>
+        <p:spPr>
+          <a:xfrm>
+            <a:off x="6894881" y="7201095"/>
+            <a:ext cx="348906" cy="348906"/>
+          </a:xfrm>
+          <a:prstGeom prst="ellipse">
+            <a:avLst/>
+          </a:prstGeom>
+          <a:solidFill>
+            <a:schemeClr val="accent6">
+              <a:lumMod val="60000"/>
+              <a:lumOff val="40000"/>
+            </a:schemeClr>
+          </a:solidFill>
+          <a:ln w="57150">
+            <a:noFill/>
+          </a:ln>
+        </p:spPr>
+        <p:style>
+          <a:lnRef idx="2">
+            <a:schemeClr val="accent1">
+              <a:shade val="50000"/>
+            </a:schemeClr>
+          </a:lnRef>
+          <a:fillRef idx="1">
+            <a:schemeClr val="accent1"/>
+          </a:fillRef>
+          <a:effectRef idx="0">
+            <a:schemeClr val="accent1"/>
+          </a:effectRef>
+          <a:fontRef idx="minor">
+            <a:schemeClr val="lt1"/>
+          </a:fontRef>
+        </p:style>
+        <p:txBody>
+          <a:bodyPr rtlCol="0" anchor="ctr"/>
+          <a:lstStyle/>
+          <a:p>
+            <a:pPr algn="ctr"/>
+            <a:endParaRPr lang="en-US" dirty="0">
+              <a:solidFill>
+                <a:schemeClr val="tx1"/>
+              </a:solidFill>
+            </a:endParaRPr>
+          </a:p>
+        </p:txBody>
+      </p:sp>
+      <p:sp>
+        <p:nvSpPr>
+          <p:cNvPr id="256" name="Oval 255">
+            <a:extLst>
+              <a:ext uri="{FF2B5EF4-FFF2-40B4-BE49-F238E27FC236}">
+                <a16:creationId xmlns:a16="http://schemas.microsoft.com/office/drawing/2014/main" id="{296FB513-8BC8-4564-BA7D-A0817626C976}"/>
+              </a:ext>
+            </a:extLst>
+          </p:cNvPr>
+          <p:cNvSpPr/>
+          <p:nvPr/>
+        </p:nvSpPr>
+        <p:spPr>
+          <a:xfrm>
+            <a:off x="7369579" y="7201095"/>
+            <a:ext cx="348906" cy="348906"/>
+          </a:xfrm>
+          <a:prstGeom prst="ellipse">
+            <a:avLst/>
+          </a:prstGeom>
+          <a:solidFill>
+            <a:schemeClr val="accent6">
+              <a:lumMod val="60000"/>
+              <a:lumOff val="40000"/>
+            </a:schemeClr>
+          </a:solidFill>
+          <a:ln w="57150">
+            <a:noFill/>
+          </a:ln>
+        </p:spPr>
+        <p:style>
+          <a:lnRef idx="2">
+            <a:schemeClr val="accent1">
+              <a:shade val="50000"/>
+            </a:schemeClr>
+          </a:lnRef>
+          <a:fillRef idx="1">
+            <a:schemeClr val="accent1"/>
+          </a:fillRef>
+          <a:effectRef idx="0">
+            <a:schemeClr val="accent1"/>
+          </a:effectRef>
+          <a:fontRef idx="minor">
+            <a:schemeClr val="lt1"/>
+          </a:fontRef>
+        </p:style>
+        <p:txBody>
+          <a:bodyPr rtlCol="0" anchor="ctr"/>
+          <a:lstStyle/>
+          <a:p>
+            <a:pPr algn="ctr"/>
+            <a:endParaRPr lang="en-US" dirty="0"/>
+          </a:p>
+        </p:txBody>
+      </p:sp>
+      <p:cxnSp>
+        <p:nvCxnSpPr>
+          <p:cNvPr id="257" name="Straight Arrow Connector 256">
+            <a:extLst>
+              <a:ext uri="{FF2B5EF4-FFF2-40B4-BE49-F238E27FC236}">
+                <a16:creationId xmlns:a16="http://schemas.microsoft.com/office/drawing/2014/main" id="{97F2E75F-0211-4609-BDC1-0B4CC607F0A2}"/>
+              </a:ext>
+            </a:extLst>
+          </p:cNvPr>
+          <p:cNvCxnSpPr/>
+          <p:nvPr/>
+        </p:nvCxnSpPr>
+        <p:spPr>
+          <a:xfrm>
+            <a:off x="8099394" y="6736816"/>
+            <a:ext cx="420331" cy="0"/>
+          </a:xfrm>
+          <a:prstGeom prst="straightConnector1">
+            <a:avLst/>
+          </a:prstGeom>
+          <a:ln w="57150">
+            <a:solidFill>
+              <a:schemeClr val="tx1"/>
+            </a:solidFill>
+            <a:tailEnd type="triangle"/>
+          </a:ln>
+        </p:spPr>
+        <p:style>
+          <a:lnRef idx="1">
+            <a:schemeClr val="accent1"/>
+          </a:lnRef>
+          <a:fillRef idx="0">
+            <a:schemeClr val="accent1"/>
+          </a:fillRef>
+          <a:effectRef idx="0">
+            <a:schemeClr val="accent1"/>
+          </a:effectRef>
+          <a:fontRef idx="minor">
+            <a:schemeClr val="tx1"/>
+          </a:fontRef>
+        </p:style>
+      </p:cxnSp>
+      <p:cxnSp>
+        <p:nvCxnSpPr>
+          <p:cNvPr id="258" name="Straight Arrow Connector 257">
+            <a:extLst>
+              <a:ext uri="{FF2B5EF4-FFF2-40B4-BE49-F238E27FC236}">
+                <a16:creationId xmlns:a16="http://schemas.microsoft.com/office/drawing/2014/main" id="{0F93C206-F386-4A57-B362-A05138FB19DE}"/>
+              </a:ext>
+            </a:extLst>
+          </p:cNvPr>
+          <p:cNvCxnSpPr/>
+          <p:nvPr/>
+        </p:nvCxnSpPr>
+        <p:spPr>
+          <a:xfrm>
+            <a:off x="8099394" y="7374187"/>
+            <a:ext cx="420331" cy="0"/>
+          </a:xfrm>
+          <a:prstGeom prst="straightConnector1">
+            <a:avLst/>
+          </a:prstGeom>
+          <a:ln w="57150">
+            <a:solidFill>
+              <a:schemeClr val="tx1"/>
+            </a:solidFill>
+            <a:tailEnd type="triangle"/>
+          </a:ln>
+        </p:spPr>
+        <p:style>
+          <a:lnRef idx="1">
+            <a:schemeClr val="accent1"/>
+          </a:lnRef>
+          <a:fillRef idx="0">
+            <a:schemeClr val="accent1"/>
+          </a:fillRef>
+          <a:effectRef idx="0">
+            <a:schemeClr val="accent1"/>
+          </a:effectRef>
+          <a:fontRef idx="minor">
+            <a:schemeClr val="tx1"/>
+          </a:fontRef>
+        </p:style>
+      </p:cxnSp>
+      <p:sp>
+        <p:nvSpPr>
+          <p:cNvPr id="259" name="TextBox 258">
+            <a:extLst>
+              <a:ext uri="{FF2B5EF4-FFF2-40B4-BE49-F238E27FC236}">
+                <a16:creationId xmlns:a16="http://schemas.microsoft.com/office/drawing/2014/main" id="{9704A1D3-998B-4BB0-A789-4D4BA745B475}"/>
+              </a:ext>
+            </a:extLst>
+          </p:cNvPr>
+          <p:cNvSpPr txBox="1"/>
+          <p:nvPr/>
+        </p:nvSpPr>
+        <p:spPr>
+          <a:xfrm>
+            <a:off x="1512894" y="6530493"/>
+            <a:ext cx="2589940" cy="461665"/>
+          </a:xfrm>
+          <a:prstGeom prst="rect">
+            <a:avLst/>
+          </a:prstGeom>
+          <a:noFill/>
+        </p:spPr>
+        <p:txBody>
+          <a:bodyPr wrap="none" rtlCol="0">
+            <a:spAutoFit/>
+          </a:bodyPr>
+          <a:lstStyle/>
+          <a:p>
+            <a:r>
+              <a:rPr lang="en-US" sz="2400" b="1" dirty="0"/>
+              <a:t>Rank 0 Task Queue</a:t>
+            </a:r>
+          </a:p>
+        </p:txBody>
+      </p:sp>
+      <p:sp>
+        <p:nvSpPr>
+          <p:cNvPr id="260" name="TextBox 259">
+            <a:extLst>
+              <a:ext uri="{FF2B5EF4-FFF2-40B4-BE49-F238E27FC236}">
+                <a16:creationId xmlns:a16="http://schemas.microsoft.com/office/drawing/2014/main" id="{776119CF-B070-4B52-872B-4121741E5DEC}"/>
+              </a:ext>
+            </a:extLst>
+          </p:cNvPr>
+          <p:cNvSpPr txBox="1"/>
+          <p:nvPr/>
+        </p:nvSpPr>
+        <p:spPr>
+          <a:xfrm>
+            <a:off x="1456420" y="7143354"/>
+            <a:ext cx="2589940" cy="461665"/>
+          </a:xfrm>
+          <a:prstGeom prst="rect">
+            <a:avLst/>
+          </a:prstGeom>
+          <a:noFill/>
+        </p:spPr>
+        <p:txBody>
+          <a:bodyPr wrap="none" rtlCol="0">
+            <a:spAutoFit/>
+          </a:bodyPr>
+          <a:lstStyle/>
+          <a:p>
+            <a:r>
+              <a:rPr lang="en-US" sz="2400" b="1" dirty="0"/>
+              <a:t>Rank 1 Task Queue</a:t>
+            </a:r>
+          </a:p>
+        </p:txBody>
+      </p:sp>
+      <p:sp>
+        <p:nvSpPr>
+          <p:cNvPr id="261" name="TextBox 260">
+            <a:extLst>
+              <a:ext uri="{FF2B5EF4-FFF2-40B4-BE49-F238E27FC236}">
+                <a16:creationId xmlns:a16="http://schemas.microsoft.com/office/drawing/2014/main" id="{A33A169A-2C30-4F68-B626-96BB23A12B79}"/>
+              </a:ext>
+            </a:extLst>
+          </p:cNvPr>
+          <p:cNvSpPr txBox="1"/>
+          <p:nvPr/>
+        </p:nvSpPr>
+        <p:spPr>
+          <a:xfrm>
+            <a:off x="8731159" y="6501769"/>
+            <a:ext cx="1296381" cy="461665"/>
+          </a:xfrm>
+          <a:prstGeom prst="rect">
+            <a:avLst/>
+          </a:prstGeom>
+          <a:noFill/>
+        </p:spPr>
+        <p:txBody>
+          <a:bodyPr wrap="none" rtlCol="0">
+            <a:spAutoFit/>
+          </a:bodyPr>
+          <a:lstStyle/>
+          <a:p>
+            <a:r>
+              <a:rPr lang="en-US" sz="2400" b="1" dirty="0"/>
+              <a:t>Executor</a:t>
+            </a:r>
+          </a:p>
+        </p:txBody>
+      </p:sp>
+      <p:sp>
+        <p:nvSpPr>
+          <p:cNvPr id="262" name="TextBox 261">
+            <a:extLst>
+              <a:ext uri="{FF2B5EF4-FFF2-40B4-BE49-F238E27FC236}">
+                <a16:creationId xmlns:a16="http://schemas.microsoft.com/office/drawing/2014/main" id="{CD3E5BBD-D9B3-44A3-82A3-4D047352FB86}"/>
+              </a:ext>
+            </a:extLst>
+          </p:cNvPr>
+          <p:cNvSpPr txBox="1"/>
+          <p:nvPr/>
+        </p:nvSpPr>
+        <p:spPr>
+          <a:xfrm>
+            <a:off x="8724988" y="7099911"/>
+            <a:ext cx="1296381" cy="461665"/>
+          </a:xfrm>
+          <a:prstGeom prst="rect">
+            <a:avLst/>
+          </a:prstGeom>
+          <a:noFill/>
+        </p:spPr>
+        <p:txBody>
+          <a:bodyPr wrap="none" rtlCol="0">
+            <a:spAutoFit/>
+          </a:bodyPr>
+          <a:lstStyle/>
+          <a:p>
+            <a:r>
+              <a:rPr lang="en-US" sz="2400" b="1" dirty="0"/>
+              <a:t>Executor</a:t>
+            </a:r>
+          </a:p>
+        </p:txBody>
+      </p:sp>
+    </p:spTree>
+    <p:extLst>
+      <p:ext uri="{BB962C8B-B14F-4D97-AF65-F5344CB8AC3E}">
+        <p14:creationId xmlns:p14="http://schemas.microsoft.com/office/powerpoint/2010/main" val="3604218969"/>
+      </p:ext>
+    </p:extLst>
+  </p:cSld>
+  <p:clrMapOvr>
+    <a:masterClrMapping/>
+  </p:clrMapOvr>
+</p:sld>
+</file>
+
+<file path=ppt/slides/slide23.xml><?xml version="1.0" encoding="utf-8"?>
+<p:sld xmlns:a="http://schemas.openxmlformats.org/drawingml/2006/main" xmlns:r="http://schemas.openxmlformats.org/officeDocument/2006/relationships" xmlns:p="http://schemas.openxmlformats.org/presentationml/2006/main">
+  <p:cSld>
+    <p:spTree>
+      <p:nvGrpSpPr>
+        <p:cNvPr id="1" name=""/>
+        <p:cNvGrpSpPr/>
+        <p:nvPr/>
+      </p:nvGrpSpPr>
+      <p:grpSpPr>
+        <a:xfrm>
+          <a:off x="0" y="0"/>
+          <a:ext cx="0" cy="0"/>
+          <a:chOff x="0" y="0"/>
+          <a:chExt cx="0" cy="0"/>
+        </a:xfrm>
+      </p:grpSpPr>
+    </p:spTree>
+    <p:extLst>
+      <p:ext uri="{BB962C8B-B14F-4D97-AF65-F5344CB8AC3E}">
+        <p14:creationId xmlns:p14="http://schemas.microsoft.com/office/powerpoint/2010/main" val="4269040745"/>
+      </p:ext>
+    </p:extLst>
+  </p:cSld>
+  <p:clrMapOvr>
+    <a:masterClrMapping/>
+  </p:clrMapOvr>
+</p:sld>
+</file>
+
 <file path=ppt/slides/slide3.xml><?xml version="1.0" encoding="utf-8"?>
 <p:sld xmlns:a="http://schemas.openxmlformats.org/drawingml/2006/main" xmlns:r="http://schemas.openxmlformats.org/officeDocument/2006/relationships" xmlns:p="http://schemas.openxmlformats.org/presentationml/2006/main">
   <p:cSld>

--- a/Slides/figures.pptx
+++ b/Slides/figures.pptx
@@ -5,7 +5,7 @@
     <p:sldMasterId id="2147483660" r:id="rId4"/>
   </p:sldMasterIdLst>
   <p:notesMasterIdLst>
-    <p:notesMasterId r:id="rId32"/>
+    <p:notesMasterId r:id="rId33"/>
   </p:notesMasterIdLst>
   <p:sldIdLst>
     <p:sldId id="256" r:id="rId5"/>
@@ -35,6 +35,7 @@
     <p:sldId id="282" r:id="rId29"/>
     <p:sldId id="280" r:id="rId30"/>
     <p:sldId id="281" r:id="rId31"/>
+    <p:sldId id="284" r:id="rId32"/>
   </p:sldIdLst>
   <p:sldSz cx="12192000" cy="8961438"/>
   <p:notesSz cx="6858000" cy="9144000"/>
@@ -223,7 +224,7 @@
           <a:p>
             <a:fld id="{461AEF44-E510-4251-A5BC-36EBF3245816}" type="datetimeFigureOut">
               <a:rPr lang="en-US" smtClean="0"/>
-              <a:t>11/16/2020</a:t>
+              <a:t>1/8/2021</a:t>
             </a:fld>
             <a:endParaRPr lang="en-US"/>
           </a:p>
@@ -1293,7 +1294,7 @@
           <a:p>
             <a:fld id="{61C71226-6BCE-43B6-9B8C-D352B0229DA2}" type="datetimeFigureOut">
               <a:rPr lang="en-US" smtClean="0"/>
-              <a:t>11/16/2020</a:t>
+              <a:t>1/8/2021</a:t>
             </a:fld>
             <a:endParaRPr lang="en-US"/>
           </a:p>
@@ -1463,7 +1464,7 @@
           <a:p>
             <a:fld id="{61C71226-6BCE-43B6-9B8C-D352B0229DA2}" type="datetimeFigureOut">
               <a:rPr lang="en-US" smtClean="0"/>
-              <a:t>11/16/2020</a:t>
+              <a:t>1/8/2021</a:t>
             </a:fld>
             <a:endParaRPr lang="en-US"/>
           </a:p>
@@ -1643,7 +1644,7 @@
           <a:p>
             <a:fld id="{61C71226-6BCE-43B6-9B8C-D352B0229DA2}" type="datetimeFigureOut">
               <a:rPr lang="en-US" smtClean="0"/>
-              <a:t>11/16/2020</a:t>
+              <a:t>1/8/2021</a:t>
             </a:fld>
             <a:endParaRPr lang="en-US"/>
           </a:p>
@@ -1813,7 +1814,7 @@
           <a:p>
             <a:fld id="{61C71226-6BCE-43B6-9B8C-D352B0229DA2}" type="datetimeFigureOut">
               <a:rPr lang="en-US" smtClean="0"/>
-              <a:t>11/16/2020</a:t>
+              <a:t>1/8/2021</a:t>
             </a:fld>
             <a:endParaRPr lang="en-US"/>
           </a:p>
@@ -2057,7 +2058,7 @@
           <a:p>
             <a:fld id="{61C71226-6BCE-43B6-9B8C-D352B0229DA2}" type="datetimeFigureOut">
               <a:rPr lang="en-US" smtClean="0"/>
-              <a:t>11/16/2020</a:t>
+              <a:t>1/8/2021</a:t>
             </a:fld>
             <a:endParaRPr lang="en-US"/>
           </a:p>
@@ -2289,7 +2290,7 @@
           <a:p>
             <a:fld id="{61C71226-6BCE-43B6-9B8C-D352B0229DA2}" type="datetimeFigureOut">
               <a:rPr lang="en-US" smtClean="0"/>
-              <a:t>11/16/2020</a:t>
+              <a:t>1/8/2021</a:t>
             </a:fld>
             <a:endParaRPr lang="en-US"/>
           </a:p>
@@ -2656,7 +2657,7 @@
           <a:p>
             <a:fld id="{61C71226-6BCE-43B6-9B8C-D352B0229DA2}" type="datetimeFigureOut">
               <a:rPr lang="en-US" smtClean="0"/>
-              <a:t>11/16/2020</a:t>
+              <a:t>1/8/2021</a:t>
             </a:fld>
             <a:endParaRPr lang="en-US"/>
           </a:p>
@@ -2774,7 +2775,7 @@
           <a:p>
             <a:fld id="{61C71226-6BCE-43B6-9B8C-D352B0229DA2}" type="datetimeFigureOut">
               <a:rPr lang="en-US" smtClean="0"/>
-              <a:t>11/16/2020</a:t>
+              <a:t>1/8/2021</a:t>
             </a:fld>
             <a:endParaRPr lang="en-US"/>
           </a:p>
@@ -2869,7 +2870,7 @@
           <a:p>
             <a:fld id="{61C71226-6BCE-43B6-9B8C-D352B0229DA2}" type="datetimeFigureOut">
               <a:rPr lang="en-US" smtClean="0"/>
-              <a:t>11/16/2020</a:t>
+              <a:t>1/8/2021</a:t>
             </a:fld>
             <a:endParaRPr lang="en-US"/>
           </a:p>
@@ -3146,7 +3147,7 @@
           <a:p>
             <a:fld id="{61C71226-6BCE-43B6-9B8C-D352B0229DA2}" type="datetimeFigureOut">
               <a:rPr lang="en-US" smtClean="0"/>
-              <a:t>11/16/2020</a:t>
+              <a:t>1/8/2021</a:t>
             </a:fld>
             <a:endParaRPr lang="en-US"/>
           </a:p>
@@ -3403,7 +3404,7 @@
           <a:p>
             <a:fld id="{61C71226-6BCE-43B6-9B8C-D352B0229DA2}" type="datetimeFigureOut">
               <a:rPr lang="en-US" smtClean="0"/>
-              <a:t>11/16/2020</a:t>
+              <a:t>1/8/2021</a:t>
             </a:fld>
             <a:endParaRPr lang="en-US"/>
           </a:p>
@@ -3616,7 +3617,7 @@
           <a:p>
             <a:fld id="{61C71226-6BCE-43B6-9B8C-D352B0229DA2}" type="datetimeFigureOut">
               <a:rPr lang="en-US" smtClean="0"/>
-              <a:t>11/16/2020</a:t>
+              <a:t>1/8/2021</a:t>
             </a:fld>
             <a:endParaRPr lang="en-US"/>
           </a:p>
@@ -5768,7 +5769,7 @@
           <p:nvPr/>
         </p:nvPicPr>
         <p:blipFill>
-          <a:blip r:embed="rId3"/>
+          <a:blip r:embed="rId2"/>
           <a:stretch>
             <a:fillRect/>
           </a:stretch>
@@ -5811,12 +5812,12 @@
           <a:graphicData uri="http://schemas.openxmlformats.org/presentationml/2006/ole">
             <mc:AlternateContent xmlns:mc="http://schemas.openxmlformats.org/markup-compatibility/2006">
               <mc:Choice xmlns:v="urn:schemas-microsoft-com:vml" Requires="v">
-                <p:oleObj spid="_x0000_s1056" name="Equation" r:id="rId4" imgW="914400" imgH="198720" progId="Equation.DSMT4">
+                <p:oleObj name="Equation" r:id="rId3" imgW="914400" imgH="198720" progId="Equation.DSMT4">
                   <p:embed/>
                 </p:oleObj>
               </mc:Choice>
               <mc:Fallback>
-                <p:oleObj name="Equation" r:id="rId4" imgW="914400" imgH="198720" progId="Equation.DSMT4">
+                <p:oleObj name="Equation" r:id="rId3" imgW="914400" imgH="198720" progId="Equation.DSMT4">
                   <p:embed/>
                   <p:pic>
                     <p:nvPicPr>
@@ -5825,7 +5826,7 @@
                       <p:nvPr/>
                     </p:nvPicPr>
                     <p:blipFill>
-                      <a:blip r:embed="rId5"/>
+                      <a:blip r:embed="rId4"/>
                       <a:stretch>
                         <a:fillRect/>
                       </a:stretch>
@@ -37046,8 +37047,8 @@
           <a:chExt cx="0" cy="0"/>
         </a:xfrm>
       </p:grpSpPr>
-      <mc:AlternateContent xmlns:mc="http://schemas.openxmlformats.org/markup-compatibility/2006">
-        <mc:Choice xmlns:a14="http://schemas.microsoft.com/office/drawing/2010/main" Requires="a14">
+      <mc:AlternateContent xmlns:mc="http://schemas.openxmlformats.org/markup-compatibility/2006" xmlns:a14="http://schemas.microsoft.com/office/drawing/2010/main">
+        <mc:Choice Requires="a14">
           <p:sp>
             <p:nvSpPr>
               <p:cNvPr id="7" name="TextBox 6">
@@ -37076,6 +37077,7 @@
               </a:bodyPr>
               <a:lstStyle/>
               <a:p>
+                <a:pPr/>
                 <a14:m>
                   <m:oMathPara xmlns:m="http://schemas.openxmlformats.org/officeDocument/2006/math">
                     <m:oMathParaPr>
@@ -37169,6 +37171,7 @@
                 <a:endParaRPr lang="en-US" b="0" dirty="0"/>
               </a:p>
               <a:p>
+                <a:pPr/>
                 <a14:m>
                   <m:oMathPara xmlns:m="http://schemas.openxmlformats.org/officeDocument/2006/math">
                     <m:oMathParaPr>
@@ -37268,7 +37271,7 @@
             </p:txBody>
           </p:sp>
         </mc:Choice>
-        <mc:Fallback>
+        <mc:Fallback xmlns="">
           <p:sp>
             <p:nvSpPr>
               <p:cNvPr id="7" name="TextBox 6">
@@ -37403,8 +37406,8 @@
           </a:prstGeom>
         </p:spPr>
       </p:pic>
-      <mc:AlternateContent xmlns:mc="http://schemas.openxmlformats.org/markup-compatibility/2006">
-        <mc:Choice xmlns:a14="http://schemas.microsoft.com/office/drawing/2010/main" Requires="a14">
+      <mc:AlternateContent xmlns:mc="http://schemas.openxmlformats.org/markup-compatibility/2006" xmlns:a14="http://schemas.microsoft.com/office/drawing/2010/main">
+        <mc:Choice Requires="a14">
           <p:sp>
             <p:nvSpPr>
               <p:cNvPr id="31" name="TextBox 30">
@@ -37433,6 +37436,7 @@
               </a:bodyPr>
               <a:lstStyle/>
               <a:p>
+                <a:pPr/>
                 <a14:m>
                   <m:oMathPara xmlns:m="http://schemas.openxmlformats.org/officeDocument/2006/math">
                     <m:oMathParaPr>
@@ -37556,7 +37560,7 @@
             </p:txBody>
           </p:sp>
         </mc:Choice>
-        <mc:Fallback>
+        <mc:Fallback xmlns="">
           <p:sp>
             <p:nvSpPr>
               <p:cNvPr id="31" name="TextBox 30">
@@ -37601,8 +37605,8 @@
           </p:sp>
         </mc:Fallback>
       </mc:AlternateContent>
-      <mc:AlternateContent xmlns:mc="http://schemas.openxmlformats.org/markup-compatibility/2006">
-        <mc:Choice xmlns:a14="http://schemas.microsoft.com/office/drawing/2010/main" Requires="a14">
+      <mc:AlternateContent xmlns:mc="http://schemas.openxmlformats.org/markup-compatibility/2006" xmlns:a14="http://schemas.microsoft.com/office/drawing/2010/main">
+        <mc:Choice Requires="a14">
           <p:sp>
             <p:nvSpPr>
               <p:cNvPr id="33" name="TextBox 32">
@@ -37631,6 +37635,7 @@
               </a:bodyPr>
               <a:lstStyle/>
               <a:p>
+                <a:pPr/>
                 <a14:m>
                   <m:oMathPara xmlns:m="http://schemas.openxmlformats.org/officeDocument/2006/math">
                     <m:oMathParaPr>
@@ -37822,7 +37827,7 @@
             </p:txBody>
           </p:sp>
         </mc:Choice>
-        <mc:Fallback>
+        <mc:Fallback xmlns="">
           <p:sp>
             <p:nvSpPr>
               <p:cNvPr id="33" name="TextBox 32">
@@ -38048,8 +38053,8 @@
           </a:p>
         </p:txBody>
       </p:sp>
-      <mc:AlternateContent xmlns:mc="http://schemas.openxmlformats.org/markup-compatibility/2006">
-        <mc:Choice xmlns:a14="http://schemas.microsoft.com/office/drawing/2010/main" Requires="a14">
+      <mc:AlternateContent xmlns:mc="http://schemas.openxmlformats.org/markup-compatibility/2006" xmlns:a14="http://schemas.microsoft.com/office/drawing/2010/main">
+        <mc:Choice Requires="a14">
           <p:sp>
             <p:nvSpPr>
               <p:cNvPr id="39" name="TextBox 38">
@@ -38456,7 +38461,7 @@
             </p:txBody>
           </p:sp>
         </mc:Choice>
-        <mc:Fallback>
+        <mc:Fallback xmlns="">
           <p:sp>
             <p:nvSpPr>
               <p:cNvPr id="39" name="TextBox 38">
@@ -38722,8 +38727,8 @@
           </a:fontRef>
         </p:style>
       </p:cxnSp>
-      <mc:AlternateContent xmlns:mc="http://schemas.openxmlformats.org/markup-compatibility/2006">
-        <mc:Choice xmlns:a14="http://schemas.microsoft.com/office/drawing/2010/main" Requires="a14">
+      <mc:AlternateContent xmlns:mc="http://schemas.openxmlformats.org/markup-compatibility/2006" xmlns:a14="http://schemas.microsoft.com/office/drawing/2010/main">
+        <mc:Choice Requires="a14">
           <p:sp>
             <p:nvSpPr>
               <p:cNvPr id="15" name="TextBox 14">
@@ -38773,7 +38778,7 @@
             </p:txBody>
           </p:sp>
         </mc:Choice>
-        <mc:Fallback>
+        <mc:Fallback xmlns="">
           <p:sp>
             <p:nvSpPr>
               <p:cNvPr id="15" name="TextBox 14">
@@ -38818,8 +38823,8 @@
           </p:sp>
         </mc:Fallback>
       </mc:AlternateContent>
-      <mc:AlternateContent xmlns:mc="http://schemas.openxmlformats.org/markup-compatibility/2006">
-        <mc:Choice xmlns:a14="http://schemas.microsoft.com/office/drawing/2010/main" Requires="a14">
+      <mc:AlternateContent xmlns:mc="http://schemas.openxmlformats.org/markup-compatibility/2006" xmlns:a14="http://schemas.microsoft.com/office/drawing/2010/main">
+        <mc:Choice Requires="a14">
           <p:sp>
             <p:nvSpPr>
               <p:cNvPr id="16" name="TextBox 15">
@@ -38869,7 +38874,7 @@
             </p:txBody>
           </p:sp>
         </mc:Choice>
-        <mc:Fallback>
+        <mc:Fallback xmlns="">
           <p:sp>
             <p:nvSpPr>
               <p:cNvPr id="16" name="TextBox 15">
@@ -38914,8 +38919,8 @@
           </p:sp>
         </mc:Fallback>
       </mc:AlternateContent>
-      <mc:AlternateContent xmlns:mc="http://schemas.openxmlformats.org/markup-compatibility/2006">
-        <mc:Choice xmlns:a14="http://schemas.microsoft.com/office/drawing/2010/main" Requires="a14">
+      <mc:AlternateContent xmlns:mc="http://schemas.openxmlformats.org/markup-compatibility/2006" xmlns:a14="http://schemas.microsoft.com/office/drawing/2010/main">
+        <mc:Choice Requires="a14">
           <p:sp>
             <p:nvSpPr>
               <p:cNvPr id="17" name="TextBox 16">
@@ -38965,7 +38970,7 @@
             </p:txBody>
           </p:sp>
         </mc:Choice>
-        <mc:Fallback>
+        <mc:Fallback xmlns="">
           <p:sp>
             <p:nvSpPr>
               <p:cNvPr id="17" name="TextBox 16">
@@ -39010,8 +39015,8 @@
           </p:sp>
         </mc:Fallback>
       </mc:AlternateContent>
-      <mc:AlternateContent xmlns:mc="http://schemas.openxmlformats.org/markup-compatibility/2006">
-        <mc:Choice xmlns:a14="http://schemas.microsoft.com/office/drawing/2010/main" Requires="a14">
+      <mc:AlternateContent xmlns:mc="http://schemas.openxmlformats.org/markup-compatibility/2006" xmlns:a14="http://schemas.microsoft.com/office/drawing/2010/main">
+        <mc:Choice Requires="a14">
           <p:sp>
             <p:nvSpPr>
               <p:cNvPr id="18" name="TextBox 17">
@@ -39136,7 +39141,7 @@
             </p:txBody>
           </p:sp>
         </mc:Choice>
-        <mc:Fallback>
+        <mc:Fallback xmlns="">
           <p:sp>
             <p:nvSpPr>
               <p:cNvPr id="18" name="TextBox 17">
@@ -39437,8 +39442,8 @@
             </a:fontRef>
           </p:style>
         </p:cxnSp>
-        <mc:AlternateContent xmlns:mc="http://schemas.openxmlformats.org/markup-compatibility/2006">
-          <mc:Choice xmlns:a14="http://schemas.microsoft.com/office/drawing/2010/main" Requires="a14">
+        <mc:AlternateContent xmlns:mc="http://schemas.openxmlformats.org/markup-compatibility/2006" xmlns:a14="http://schemas.microsoft.com/office/drawing/2010/main">
+          <mc:Choice Requires="a14">
             <p:sp>
               <p:nvSpPr>
                 <p:cNvPr id="8" name="TextBox 7">
@@ -39467,6 +39472,7 @@
                 </a:bodyPr>
                 <a:lstStyle/>
                 <a:p>
+                  <a:pPr/>
                   <a14:m>
                     <m:oMathPara xmlns:m="http://schemas.openxmlformats.org/officeDocument/2006/math">
                       <m:oMathParaPr>
@@ -39487,7 +39493,7 @@
               </p:txBody>
             </p:sp>
           </mc:Choice>
-          <mc:Fallback>
+          <mc:Fallback xmlns="">
             <p:sp>
               <p:nvSpPr>
                 <p:cNvPr id="8" name="TextBox 7">
@@ -39532,8 +39538,8 @@
             </p:sp>
           </mc:Fallback>
         </mc:AlternateContent>
-        <mc:AlternateContent xmlns:mc="http://schemas.openxmlformats.org/markup-compatibility/2006">
-          <mc:Choice xmlns:a14="http://schemas.microsoft.com/office/drawing/2010/main" Requires="a14">
+        <mc:AlternateContent xmlns:mc="http://schemas.openxmlformats.org/markup-compatibility/2006" xmlns:a14="http://schemas.microsoft.com/office/drawing/2010/main">
+          <mc:Choice Requires="a14">
             <p:sp>
               <p:nvSpPr>
                 <p:cNvPr id="9" name="TextBox 8">
@@ -39583,7 +39589,7 @@
               </p:txBody>
             </p:sp>
           </mc:Choice>
-          <mc:Fallback>
+          <mc:Fallback xmlns="">
             <p:sp>
               <p:nvSpPr>
                 <p:cNvPr id="9" name="TextBox 8">
@@ -39628,8 +39634,8 @@
             </p:sp>
           </mc:Fallback>
         </mc:AlternateContent>
-        <mc:AlternateContent xmlns:mc="http://schemas.openxmlformats.org/markup-compatibility/2006">
-          <mc:Choice xmlns:a14="http://schemas.microsoft.com/office/drawing/2010/main" Requires="a14">
+        <mc:AlternateContent xmlns:mc="http://schemas.openxmlformats.org/markup-compatibility/2006" xmlns:a14="http://schemas.microsoft.com/office/drawing/2010/main">
+          <mc:Choice Requires="a14">
             <p:sp>
               <p:nvSpPr>
                 <p:cNvPr id="10" name="TextBox 9">
@@ -39679,7 +39685,7 @@
               </p:txBody>
             </p:sp>
           </mc:Choice>
-          <mc:Fallback>
+          <mc:Fallback xmlns="">
             <p:sp>
               <p:nvSpPr>
                 <p:cNvPr id="10" name="TextBox 9">
@@ -39724,8 +39730,8 @@
             </p:sp>
           </mc:Fallback>
         </mc:AlternateContent>
-        <mc:AlternateContent xmlns:mc="http://schemas.openxmlformats.org/markup-compatibility/2006">
-          <mc:Choice xmlns:a14="http://schemas.microsoft.com/office/drawing/2010/main" Requires="a14">
+        <mc:AlternateContent xmlns:mc="http://schemas.openxmlformats.org/markup-compatibility/2006" xmlns:a14="http://schemas.microsoft.com/office/drawing/2010/main">
+          <mc:Choice Requires="a14">
             <p:sp>
               <p:nvSpPr>
                 <p:cNvPr id="11" name="TextBox 10">
@@ -39820,7 +39826,7 @@
               </p:txBody>
             </p:sp>
           </mc:Choice>
-          <mc:Fallback>
+          <mc:Fallback xmlns="">
             <p:sp>
               <p:nvSpPr>
                 <p:cNvPr id="11" name="TextBox 10">
@@ -39865,8 +39871,8 @@
             </p:sp>
           </mc:Fallback>
         </mc:AlternateContent>
-        <mc:AlternateContent xmlns:mc="http://schemas.openxmlformats.org/markup-compatibility/2006">
-          <mc:Choice xmlns:a14="http://schemas.microsoft.com/office/drawing/2010/main" Requires="a14">
+        <mc:AlternateContent xmlns:mc="http://schemas.openxmlformats.org/markup-compatibility/2006" xmlns:a14="http://schemas.microsoft.com/office/drawing/2010/main">
+          <mc:Choice Requires="a14">
             <p:sp>
               <p:nvSpPr>
                 <p:cNvPr id="19" name="TextBox 18">
@@ -39916,7 +39922,7 @@
               </p:txBody>
             </p:sp>
           </mc:Choice>
-          <mc:Fallback>
+          <mc:Fallback xmlns="">
             <p:sp>
               <p:nvSpPr>
                 <p:cNvPr id="19" name="TextBox 18">
@@ -41569,6 +41575,605 @@
     <p:extLst>
       <p:ext uri="{BB962C8B-B14F-4D97-AF65-F5344CB8AC3E}">
         <p14:creationId xmlns:p14="http://schemas.microsoft.com/office/powerpoint/2010/main" val="2591930982"/>
+      </p:ext>
+    </p:extLst>
+  </p:cSld>
+  <p:clrMapOvr>
+    <a:masterClrMapping/>
+  </p:clrMapOvr>
+</p:sld>
+</file>
+
+<file path=ppt/slides/slide28.xml><?xml version="1.0" encoding="utf-8"?>
+<p:sld xmlns:a="http://schemas.openxmlformats.org/drawingml/2006/main" xmlns:r="http://schemas.openxmlformats.org/officeDocument/2006/relationships" xmlns:p="http://schemas.openxmlformats.org/presentationml/2006/main">
+  <p:cSld>
+    <p:spTree>
+      <p:nvGrpSpPr>
+        <p:cNvPr id="1" name=""/>
+        <p:cNvGrpSpPr/>
+        <p:nvPr/>
+      </p:nvGrpSpPr>
+      <p:grpSpPr>
+        <a:xfrm>
+          <a:off x="0" y="0"/>
+          <a:ext cx="0" cy="0"/>
+          <a:chOff x="0" y="0"/>
+          <a:chExt cx="0" cy="0"/>
+        </a:xfrm>
+      </p:grpSpPr>
+      <p:cxnSp>
+        <p:nvCxnSpPr>
+          <p:cNvPr id="3" name="Straight Connector 2">
+            <a:extLst>
+              <a:ext uri="{FF2B5EF4-FFF2-40B4-BE49-F238E27FC236}">
+                <a16:creationId xmlns:a16="http://schemas.microsoft.com/office/drawing/2014/main" id="{9F79DC14-502A-43DC-A1BE-1935A477E8CE}"/>
+              </a:ext>
+            </a:extLst>
+          </p:cNvPr>
+          <p:cNvCxnSpPr>
+            <a:cxnSpLocks/>
+          </p:cNvCxnSpPr>
+          <p:nvPr/>
+        </p:nvCxnSpPr>
+        <p:spPr>
+          <a:xfrm>
+            <a:off x="1365504" y="2072640"/>
+            <a:ext cx="4194048" cy="0"/>
+          </a:xfrm>
+          <a:prstGeom prst="line">
+            <a:avLst/>
+          </a:prstGeom>
+        </p:spPr>
+        <p:style>
+          <a:lnRef idx="1">
+            <a:schemeClr val="accent1"/>
+          </a:lnRef>
+          <a:fillRef idx="0">
+            <a:schemeClr val="accent1"/>
+          </a:fillRef>
+          <a:effectRef idx="0">
+            <a:schemeClr val="accent1"/>
+          </a:effectRef>
+          <a:fontRef idx="minor">
+            <a:schemeClr val="tx1"/>
+          </a:fontRef>
+        </p:style>
+      </p:cxnSp>
+      <p:cxnSp>
+        <p:nvCxnSpPr>
+          <p:cNvPr id="37" name="Straight Connector 36">
+            <a:extLst>
+              <a:ext uri="{FF2B5EF4-FFF2-40B4-BE49-F238E27FC236}">
+                <a16:creationId xmlns:a16="http://schemas.microsoft.com/office/drawing/2014/main" id="{C5519333-770A-4A86-BF00-C6000EFFECA5}"/>
+              </a:ext>
+            </a:extLst>
+          </p:cNvPr>
+          <p:cNvCxnSpPr>
+            <a:cxnSpLocks/>
+          </p:cNvCxnSpPr>
+          <p:nvPr/>
+        </p:nvCxnSpPr>
+        <p:spPr>
+          <a:xfrm flipV="1">
+            <a:off x="2005584" y="890016"/>
+            <a:ext cx="0" cy="2151888"/>
+          </a:xfrm>
+          <a:prstGeom prst="line">
+            <a:avLst/>
+          </a:prstGeom>
+        </p:spPr>
+        <p:style>
+          <a:lnRef idx="1">
+            <a:schemeClr val="accent1"/>
+          </a:lnRef>
+          <a:fillRef idx="0">
+            <a:schemeClr val="accent1"/>
+          </a:fillRef>
+          <a:effectRef idx="0">
+            <a:schemeClr val="accent1"/>
+          </a:effectRef>
+          <a:fontRef idx="minor">
+            <a:schemeClr val="tx1"/>
+          </a:fontRef>
+        </p:style>
+      </p:cxnSp>
+      <p:cxnSp>
+        <p:nvCxnSpPr>
+          <p:cNvPr id="23" name="Straight Arrow Connector 22">
+            <a:extLst>
+              <a:ext uri="{FF2B5EF4-FFF2-40B4-BE49-F238E27FC236}">
+                <a16:creationId xmlns:a16="http://schemas.microsoft.com/office/drawing/2014/main" id="{B1AAFF8B-AF51-491A-AF2C-5CA93051508A}"/>
+              </a:ext>
+            </a:extLst>
+          </p:cNvPr>
+          <p:cNvCxnSpPr/>
+          <p:nvPr/>
+        </p:nvCxnSpPr>
+        <p:spPr>
+          <a:xfrm>
+            <a:off x="2005584" y="2072640"/>
+            <a:ext cx="1115568" cy="0"/>
+          </a:xfrm>
+          <a:prstGeom prst="straightConnector1">
+            <a:avLst/>
+          </a:prstGeom>
+          <a:ln w="76200">
+            <a:tailEnd type="triangle"/>
+          </a:ln>
+        </p:spPr>
+        <p:style>
+          <a:lnRef idx="1">
+            <a:schemeClr val="accent1"/>
+          </a:lnRef>
+          <a:fillRef idx="0">
+            <a:schemeClr val="accent1"/>
+          </a:fillRef>
+          <a:effectRef idx="0">
+            <a:schemeClr val="accent1"/>
+          </a:effectRef>
+          <a:fontRef idx="minor">
+            <a:schemeClr val="tx1"/>
+          </a:fontRef>
+        </p:style>
+      </p:cxnSp>
+      <mc:AlternateContent xmlns:mc="http://schemas.openxmlformats.org/markup-compatibility/2006">
+        <mc:Choice xmlns:a14="http://schemas.microsoft.com/office/drawing/2010/main" Requires="a14">
+          <p:sp>
+            <p:nvSpPr>
+              <p:cNvPr id="24" name="TextBox 23">
+                <a:extLst>
+                  <a:ext uri="{FF2B5EF4-FFF2-40B4-BE49-F238E27FC236}">
+                    <a16:creationId xmlns:a16="http://schemas.microsoft.com/office/drawing/2014/main" id="{78B1B230-FA5D-4031-88EF-2427F4A45F83}"/>
+                  </a:ext>
+                </a:extLst>
+              </p:cNvPr>
+              <p:cNvSpPr txBox="1"/>
+              <p:nvPr/>
+            </p:nvSpPr>
+            <p:spPr>
+              <a:xfrm>
+                <a:off x="2744575" y="1204329"/>
+                <a:ext cx="376577" cy="553998"/>
+              </a:xfrm>
+              <a:prstGeom prst="rect">
+                <a:avLst/>
+              </a:prstGeom>
+              <a:noFill/>
+            </p:spPr>
+            <p:txBody>
+              <a:bodyPr wrap="none" lIns="0" tIns="0" rIns="0" bIns="0" rtlCol="0">
+                <a:spAutoFit/>
+              </a:bodyPr>
+              <a:lstStyle/>
+              <a:p>
+                <a14:m>
+                  <m:oMathPara xmlns:m="http://schemas.openxmlformats.org/officeDocument/2006/math">
+                    <m:oMathParaPr>
+                      <m:jc m:val="centerGroup"/>
+                    </m:oMathParaPr>
+                    <m:oMath xmlns:m="http://schemas.openxmlformats.org/officeDocument/2006/math">
+                      <m:r>
+                        <a:rPr lang="en-US" sz="3600" b="0" i="1" smtClean="0">
+                          <a:latin typeface="Cambria Math" panose="02040503050406030204" pitchFamily="18" charset="0"/>
+                        </a:rPr>
+                        <m:t>𝑛</m:t>
+                      </m:r>
+                    </m:oMath>
+                  </m:oMathPara>
+                </a14:m>
+                <a:endParaRPr lang="en-US" sz="3600" dirty="0"/>
+              </a:p>
+            </p:txBody>
+          </p:sp>
+        </mc:Choice>
+        <mc:Fallback>
+          <p:sp>
+            <p:nvSpPr>
+              <p:cNvPr id="24" name="TextBox 23">
+                <a:extLst>
+                  <a:ext uri="{FF2B5EF4-FFF2-40B4-BE49-F238E27FC236}">
+                    <a16:creationId xmlns:a16="http://schemas.microsoft.com/office/drawing/2014/main" id="{78B1B230-FA5D-4031-88EF-2427F4A45F83}"/>
+                  </a:ext>
+                </a:extLst>
+              </p:cNvPr>
+              <p:cNvSpPr txBox="1">
+                <a:spLocks noRot="1" noChangeAspect="1" noMove="1" noResize="1" noEditPoints="1" noAdjustHandles="1" noChangeArrowheads="1" noChangeShapeType="1" noTextEdit="1"/>
+              </p:cNvSpPr>
+              <p:nvPr/>
+            </p:nvSpPr>
+            <p:spPr>
+              <a:xfrm>
+                <a:off x="2744575" y="1204329"/>
+                <a:ext cx="376577" cy="553998"/>
+              </a:xfrm>
+              <a:prstGeom prst="rect">
+                <a:avLst/>
+              </a:prstGeom>
+              <a:blipFill>
+                <a:blip r:embed="rId2"/>
+                <a:stretch>
+                  <a:fillRect/>
+                </a:stretch>
+              </a:blipFill>
+            </p:spPr>
+            <p:txBody>
+              <a:bodyPr/>
+              <a:lstStyle/>
+              <a:p>
+                <a:r>
+                  <a:rPr lang="en-US">
+                    <a:noFill/>
+                  </a:rPr>
+                  <a:t> </a:t>
+                </a:r>
+              </a:p>
+            </p:txBody>
+          </p:sp>
+        </mc:Fallback>
+      </mc:AlternateContent>
+      <mc:AlternateContent xmlns:mc="http://schemas.openxmlformats.org/markup-compatibility/2006">
+        <mc:Choice xmlns:a14="http://schemas.microsoft.com/office/drawing/2010/main" Requires="a14">
+          <p:sp>
+            <p:nvSpPr>
+              <p:cNvPr id="44" name="TextBox 43">
+                <a:extLst>
+                  <a:ext uri="{FF2B5EF4-FFF2-40B4-BE49-F238E27FC236}">
+                    <a16:creationId xmlns:a16="http://schemas.microsoft.com/office/drawing/2014/main" id="{11F07415-1723-4AE3-AFB5-7648F050F425}"/>
+                  </a:ext>
+                </a:extLst>
+              </p:cNvPr>
+              <p:cNvSpPr txBox="1"/>
+              <p:nvPr/>
+            </p:nvSpPr>
+            <p:spPr>
+              <a:xfrm>
+                <a:off x="1494895" y="2109955"/>
+                <a:ext cx="359073" cy="553998"/>
+              </a:xfrm>
+              <a:prstGeom prst="rect">
+                <a:avLst/>
+              </a:prstGeom>
+              <a:noFill/>
+            </p:spPr>
+            <p:txBody>
+              <a:bodyPr wrap="none" lIns="0" tIns="0" rIns="0" bIns="0" rtlCol="0">
+                <a:spAutoFit/>
+              </a:bodyPr>
+              <a:lstStyle/>
+              <a:p>
+                <a14:m>
+                  <m:oMathPara xmlns:m="http://schemas.openxmlformats.org/officeDocument/2006/math">
+                    <m:oMathParaPr>
+                      <m:jc m:val="centerGroup"/>
+                    </m:oMathParaPr>
+                    <m:oMath xmlns:m="http://schemas.openxmlformats.org/officeDocument/2006/math">
+                      <m:r>
+                        <a:rPr lang="en-US" sz="3600" b="0" i="1" smtClean="0">
+                          <a:latin typeface="Cambria Math" panose="02040503050406030204" pitchFamily="18" charset="0"/>
+                        </a:rPr>
+                        <m:t>0</m:t>
+                      </m:r>
+                    </m:oMath>
+                  </m:oMathPara>
+                </a14:m>
+                <a:endParaRPr lang="en-US" sz="3600" dirty="0"/>
+              </a:p>
+            </p:txBody>
+          </p:sp>
+        </mc:Choice>
+        <mc:Fallback>
+          <p:sp>
+            <p:nvSpPr>
+              <p:cNvPr id="44" name="TextBox 43">
+                <a:extLst>
+                  <a:ext uri="{FF2B5EF4-FFF2-40B4-BE49-F238E27FC236}">
+                    <a16:creationId xmlns:a16="http://schemas.microsoft.com/office/drawing/2014/main" id="{11F07415-1723-4AE3-AFB5-7648F050F425}"/>
+                  </a:ext>
+                </a:extLst>
+              </p:cNvPr>
+              <p:cNvSpPr txBox="1">
+                <a:spLocks noRot="1" noChangeAspect="1" noMove="1" noResize="1" noEditPoints="1" noAdjustHandles="1" noChangeArrowheads="1" noChangeShapeType="1" noTextEdit="1"/>
+              </p:cNvSpPr>
+              <p:nvPr/>
+            </p:nvSpPr>
+            <p:spPr>
+              <a:xfrm>
+                <a:off x="1494895" y="2109955"/>
+                <a:ext cx="359073" cy="553998"/>
+              </a:xfrm>
+              <a:prstGeom prst="rect">
+                <a:avLst/>
+              </a:prstGeom>
+              <a:blipFill>
+                <a:blip r:embed="rId3"/>
+                <a:stretch>
+                  <a:fillRect/>
+                </a:stretch>
+              </a:blipFill>
+            </p:spPr>
+            <p:txBody>
+              <a:bodyPr/>
+              <a:lstStyle/>
+              <a:p>
+                <a:r>
+                  <a:rPr lang="en-US">
+                    <a:noFill/>
+                  </a:rPr>
+                  <a:t> </a:t>
+                </a:r>
+              </a:p>
+            </p:txBody>
+          </p:sp>
+        </mc:Fallback>
+      </mc:AlternateContent>
+      <p:sp>
+        <p:nvSpPr>
+          <p:cNvPr id="28" name="TextBox 27">
+            <a:extLst>
+              <a:ext uri="{FF2B5EF4-FFF2-40B4-BE49-F238E27FC236}">
+                <a16:creationId xmlns:a16="http://schemas.microsoft.com/office/drawing/2014/main" id="{F86CD8FB-970E-4EBC-80A2-3164C646E55F}"/>
+              </a:ext>
+            </a:extLst>
+          </p:cNvPr>
+          <p:cNvSpPr txBox="1"/>
+          <p:nvPr/>
+        </p:nvSpPr>
+        <p:spPr>
+          <a:xfrm>
+            <a:off x="3034655" y="681109"/>
+            <a:ext cx="2050561" cy="523220"/>
+          </a:xfrm>
+          <a:prstGeom prst="rect">
+            <a:avLst/>
+          </a:prstGeom>
+          <a:noFill/>
+        </p:spPr>
+        <p:txBody>
+          <a:bodyPr wrap="none" rtlCol="0">
+            <a:spAutoFit/>
+          </a:bodyPr>
+          <a:lstStyle/>
+          <a:p>
+            <a:r>
+              <a:rPr lang="en-US" sz="2800" dirty="0"/>
+              <a:t>PML Domain</a:t>
+            </a:r>
+          </a:p>
+        </p:txBody>
+      </p:sp>
+      <p:grpSp>
+        <p:nvGrpSpPr>
+          <p:cNvPr id="38" name="Group 37">
+            <a:extLst>
+              <a:ext uri="{FF2B5EF4-FFF2-40B4-BE49-F238E27FC236}">
+                <a16:creationId xmlns:a16="http://schemas.microsoft.com/office/drawing/2014/main" id="{27A88D1F-3EDA-49F8-A268-C635305CBC27}"/>
+              </a:ext>
+            </a:extLst>
+          </p:cNvPr>
+          <p:cNvGrpSpPr/>
+          <p:nvPr/>
+        </p:nvGrpSpPr>
+        <p:grpSpPr>
+          <a:xfrm>
+            <a:off x="6748411" y="890016"/>
+            <a:ext cx="2859000" cy="1928521"/>
+            <a:chOff x="6480187" y="591437"/>
+            <a:chExt cx="2859000" cy="1928521"/>
+          </a:xfrm>
+        </p:grpSpPr>
+        <p:cxnSp>
+          <p:nvCxnSpPr>
+            <p:cNvPr id="32" name="Straight Arrow Connector 31">
+              <a:extLst>
+                <a:ext uri="{FF2B5EF4-FFF2-40B4-BE49-F238E27FC236}">
+                  <a16:creationId xmlns:a16="http://schemas.microsoft.com/office/drawing/2014/main" id="{E5B7F285-D3A1-4C75-8BB7-552C35564810}"/>
+                </a:ext>
+              </a:extLst>
+            </p:cNvPr>
+            <p:cNvCxnSpPr>
+              <a:cxnSpLocks/>
+            </p:cNvCxnSpPr>
+            <p:nvPr/>
+          </p:nvCxnSpPr>
+          <p:spPr>
+            <a:xfrm>
+              <a:off x="8194174" y="1758327"/>
+              <a:ext cx="547490" cy="268824"/>
+            </a:xfrm>
+            <a:prstGeom prst="straightConnector1">
+              <a:avLst/>
+            </a:prstGeom>
+            <a:ln w="57150">
+              <a:tailEnd type="triangle"/>
+            </a:ln>
+          </p:spPr>
+          <p:style>
+            <a:lnRef idx="1">
+              <a:schemeClr val="accent1"/>
+            </a:lnRef>
+            <a:fillRef idx="0">
+              <a:schemeClr val="accent1"/>
+            </a:fillRef>
+            <a:effectRef idx="0">
+              <a:schemeClr val="accent1"/>
+            </a:effectRef>
+            <a:fontRef idx="minor">
+              <a:schemeClr val="tx1"/>
+            </a:fontRef>
+          </p:style>
+        </p:cxnSp>
+        <mc:AlternateContent xmlns:mc="http://schemas.openxmlformats.org/markup-compatibility/2006">
+          <mc:Choice xmlns:a14="http://schemas.microsoft.com/office/drawing/2010/main" Requires="a14">
+            <p:sp>
+              <p:nvSpPr>
+                <p:cNvPr id="49" name="TextBox 48">
+                  <a:extLst>
+                    <a:ext uri="{FF2B5EF4-FFF2-40B4-BE49-F238E27FC236}">
+                      <a16:creationId xmlns:a16="http://schemas.microsoft.com/office/drawing/2014/main" id="{BEB39FA3-9258-4B29-928D-1131D5D3C247}"/>
+                    </a:ext>
+                  </a:extLst>
+                </p:cNvPr>
+                <p:cNvSpPr txBox="1"/>
+                <p:nvPr/>
+              </p:nvSpPr>
+              <p:spPr>
+                <a:xfrm>
+                  <a:off x="8962610" y="1965960"/>
+                  <a:ext cx="376577" cy="553998"/>
+                </a:xfrm>
+                <a:prstGeom prst="rect">
+                  <a:avLst/>
+                </a:prstGeom>
+                <a:noFill/>
+              </p:spPr>
+              <p:txBody>
+                <a:bodyPr wrap="none" lIns="0" tIns="0" rIns="0" bIns="0" rtlCol="0">
+                  <a:spAutoFit/>
+                </a:bodyPr>
+                <a:lstStyle/>
+                <a:p>
+                  <a14:m>
+                    <m:oMathPara xmlns:m="http://schemas.openxmlformats.org/officeDocument/2006/math">
+                      <m:oMathParaPr>
+                        <m:jc m:val="centerGroup"/>
+                      </m:oMathParaPr>
+                      <m:oMath xmlns:m="http://schemas.openxmlformats.org/officeDocument/2006/math">
+                        <m:r>
+                          <a:rPr lang="en-US" sz="3600" b="0" i="1" smtClean="0">
+                            <a:latin typeface="Cambria Math" panose="02040503050406030204" pitchFamily="18" charset="0"/>
+                          </a:rPr>
+                          <m:t>𝑛</m:t>
+                        </m:r>
+                      </m:oMath>
+                    </m:oMathPara>
+                  </a14:m>
+                  <a:endParaRPr lang="en-US" sz="3600" dirty="0"/>
+                </a:p>
+              </p:txBody>
+            </p:sp>
+          </mc:Choice>
+          <mc:Fallback>
+            <p:sp>
+              <p:nvSpPr>
+                <p:cNvPr id="49" name="TextBox 48">
+                  <a:extLst>
+                    <a:ext uri="{FF2B5EF4-FFF2-40B4-BE49-F238E27FC236}">
+                      <a16:creationId xmlns:a16="http://schemas.microsoft.com/office/drawing/2014/main" id="{BEB39FA3-9258-4B29-928D-1131D5D3C247}"/>
+                    </a:ext>
+                  </a:extLst>
+                </p:cNvPr>
+                <p:cNvSpPr txBox="1">
+                  <a:spLocks noRot="1" noChangeAspect="1" noMove="1" noResize="1" noEditPoints="1" noAdjustHandles="1" noChangeArrowheads="1" noChangeShapeType="1" noTextEdit="1"/>
+                </p:cNvSpPr>
+                <p:nvPr/>
+              </p:nvSpPr>
+              <p:spPr>
+                <a:xfrm>
+                  <a:off x="8962610" y="1965960"/>
+                  <a:ext cx="376577" cy="553998"/>
+                </a:xfrm>
+                <a:prstGeom prst="rect">
+                  <a:avLst/>
+                </a:prstGeom>
+                <a:blipFill>
+                  <a:blip r:embed="rId4"/>
+                  <a:stretch>
+                    <a:fillRect/>
+                  </a:stretch>
+                </a:blipFill>
+              </p:spPr>
+              <p:txBody>
+                <a:bodyPr/>
+                <a:lstStyle/>
+                <a:p>
+                  <a:r>
+                    <a:rPr lang="en-US">
+                      <a:noFill/>
+                    </a:rPr>
+                    <a:t> </a:t>
+                  </a:r>
+                </a:p>
+              </p:txBody>
+            </p:sp>
+          </mc:Fallback>
+        </mc:AlternateContent>
+        <p:sp>
+          <p:nvSpPr>
+            <p:cNvPr id="35" name="Chord 34">
+              <a:extLst>
+                <a:ext uri="{FF2B5EF4-FFF2-40B4-BE49-F238E27FC236}">
+                  <a16:creationId xmlns:a16="http://schemas.microsoft.com/office/drawing/2014/main" id="{07A0A965-FDEC-41F4-BCF1-F622E7DE3122}"/>
+                </a:ext>
+              </a:extLst>
+            </p:cNvPr>
+            <p:cNvSpPr/>
+            <p:nvPr/>
+          </p:nvSpPr>
+          <p:spPr>
+            <a:xfrm rot="13776043">
+              <a:off x="6523681" y="547943"/>
+              <a:ext cx="1719072" cy="1806059"/>
+            </a:xfrm>
+            <a:prstGeom prst="chord">
+              <a:avLst/>
+            </a:prstGeom>
+            <a:gradFill flip="none" rotWithShape="1">
+              <a:gsLst>
+                <a:gs pos="0">
+                  <a:schemeClr val="accent1">
+                    <a:tint val="66000"/>
+                    <a:satMod val="160000"/>
+                  </a:schemeClr>
+                </a:gs>
+                <a:gs pos="50000">
+                  <a:schemeClr val="accent1">
+                    <a:tint val="44500"/>
+                    <a:satMod val="160000"/>
+                  </a:schemeClr>
+                </a:gs>
+                <a:gs pos="100000">
+                  <a:schemeClr val="accent1">
+                    <a:tint val="23500"/>
+                    <a:satMod val="160000"/>
+                  </a:schemeClr>
+                </a:gs>
+              </a:gsLst>
+              <a:path path="circle">
+                <a:fillToRect l="50000" t="50000" r="50000" b="50000"/>
+              </a:path>
+              <a:tileRect/>
+            </a:gradFill>
+          </p:spPr>
+          <p:style>
+            <a:lnRef idx="2">
+              <a:schemeClr val="accent1">
+                <a:shade val="50000"/>
+              </a:schemeClr>
+            </a:lnRef>
+            <a:fillRef idx="1">
+              <a:schemeClr val="accent1"/>
+            </a:fillRef>
+            <a:effectRef idx="0">
+              <a:schemeClr val="accent1"/>
+            </a:effectRef>
+            <a:fontRef idx="minor">
+              <a:schemeClr val="lt1"/>
+            </a:fontRef>
+          </p:style>
+          <p:txBody>
+            <a:bodyPr rtlCol="0" anchor="ctr"/>
+            <a:lstStyle/>
+            <a:p>
+              <a:pPr algn="ctr"/>
+              <a:endParaRPr lang="en-US"/>
+            </a:p>
+          </p:txBody>
+        </p:sp>
+      </p:grpSp>
+    </p:spTree>
+    <p:extLst>
+      <p:ext uri="{BB962C8B-B14F-4D97-AF65-F5344CB8AC3E}">
+        <p14:creationId xmlns:p14="http://schemas.microsoft.com/office/powerpoint/2010/main" val="3226717154"/>
       </p:ext>
     </p:extLst>
   </p:cSld>
@@ -57290,7 +57895,7 @@
 </file>
 
 <file path=customXml/itemProps2.xml><?xml version="1.0" encoding="utf-8"?>
-<ds:datastoreItem xmlns:ds="http://schemas.openxmlformats.org/officeDocument/2006/customXml" ds:itemID="{295B25FF-A8DF-4FB1-936B-2CC5B13212C9}">
+<ds:datastoreItem xmlns:ds="http://schemas.openxmlformats.org/officeDocument/2006/customXml" ds:itemID="{E862297A-FDE6-44E5-BFEA-2E2AA22AFB6E}">
   <ds:schemaRefs>
     <ds:schemaRef ds:uri="http://schemas.microsoft.com/VisualStudio/2011/storyboarding/control"/>
   </ds:schemaRefs>
@@ -57298,7 +57903,7 @@
 </file>
 
 <file path=customXml/itemProps3.xml><?xml version="1.0" encoding="utf-8"?>
-<ds:datastoreItem xmlns:ds="http://schemas.openxmlformats.org/officeDocument/2006/customXml" ds:itemID="{E862297A-FDE6-44E5-BFEA-2E2AA22AFB6E}">
+<ds:datastoreItem xmlns:ds="http://schemas.openxmlformats.org/officeDocument/2006/customXml" ds:itemID="{295B25FF-A8DF-4FB1-936B-2CC5B13212C9}">
   <ds:schemaRefs>
     <ds:schemaRef ds:uri="http://schemas.microsoft.com/VisualStudio/2011/storyboarding/control"/>
   </ds:schemaRefs>
